--- a/wordpress-portfolio-website-presentation.pptx
+++ b/wordpress-portfolio-website-presentation.pptx
@@ -6,6 +6,10 @@
   </p:sldMasterIdLst>
   <p:sldIdLst>
     <p:sldId id="256" r:id="rId2"/>
+    <p:sldId id="260" r:id="rId3"/>
+    <p:sldId id="257" r:id="rId4"/>
+    <p:sldId id="259" r:id="rId5"/>
+    <p:sldId id="258" r:id="rId6"/>
   </p:sldIdLst>
   <p:sldSz cx="12192000" cy="6858000"/>
   <p:notesSz cx="6858000" cy="9144000"/>
@@ -105,6 +109,6061 @@
     </a:lvl9pPr>
   </p:defaultTextStyle>
 </p:presentation>
+</file>
+
+<file path=ppt/diagrams/colors1.xml><?xml version="1.0" encoding="utf-8"?>
+<dgm:colorsDef xmlns:dgm="http://schemas.openxmlformats.org/drawingml/2006/diagram" xmlns:a="http://schemas.openxmlformats.org/drawingml/2006/main" uniqueId="urn:microsoft.com/office/officeart/2005/8/colors/accent1_2">
+  <dgm:title val=""/>
+  <dgm:desc val=""/>
+  <dgm:catLst>
+    <dgm:cat type="accent1" pri="11200"/>
+  </dgm:catLst>
+  <dgm:styleLbl name="node0">
+    <dgm:fillClrLst meth="repeat">
+      <a:schemeClr val="accent1"/>
+    </dgm:fillClrLst>
+    <dgm:linClrLst meth="repeat">
+      <a:schemeClr val="lt1"/>
+    </dgm:linClrLst>
+    <dgm:effectClrLst/>
+    <dgm:txLinClrLst/>
+    <dgm:txFillClrLst/>
+    <dgm:txEffectClrLst/>
+  </dgm:styleLbl>
+  <dgm:styleLbl name="alignNode1">
+    <dgm:fillClrLst meth="repeat">
+      <a:schemeClr val="accent1"/>
+    </dgm:fillClrLst>
+    <dgm:linClrLst meth="repeat">
+      <a:schemeClr val="accent1"/>
+    </dgm:linClrLst>
+    <dgm:effectClrLst/>
+    <dgm:txLinClrLst/>
+    <dgm:txFillClrLst/>
+    <dgm:txEffectClrLst/>
+  </dgm:styleLbl>
+  <dgm:styleLbl name="node1">
+    <dgm:fillClrLst meth="repeat">
+      <a:schemeClr val="accent1"/>
+    </dgm:fillClrLst>
+    <dgm:linClrLst meth="repeat">
+      <a:schemeClr val="lt1"/>
+    </dgm:linClrLst>
+    <dgm:effectClrLst/>
+    <dgm:txLinClrLst/>
+    <dgm:txFillClrLst/>
+    <dgm:txEffectClrLst/>
+  </dgm:styleLbl>
+  <dgm:styleLbl name="lnNode1">
+    <dgm:fillClrLst meth="repeat">
+      <a:schemeClr val="accent1"/>
+    </dgm:fillClrLst>
+    <dgm:linClrLst meth="repeat">
+      <a:schemeClr val="lt1"/>
+    </dgm:linClrLst>
+    <dgm:effectClrLst/>
+    <dgm:txLinClrLst/>
+    <dgm:txFillClrLst/>
+    <dgm:txEffectClrLst/>
+  </dgm:styleLbl>
+  <dgm:styleLbl name="vennNode1">
+    <dgm:fillClrLst meth="repeat">
+      <a:schemeClr val="accent1">
+        <a:alpha val="50000"/>
+      </a:schemeClr>
+    </dgm:fillClrLst>
+    <dgm:linClrLst meth="repeat">
+      <a:schemeClr val="lt1"/>
+    </dgm:linClrLst>
+    <dgm:effectClrLst/>
+    <dgm:txLinClrLst/>
+    <dgm:txFillClrLst/>
+    <dgm:txEffectClrLst/>
+  </dgm:styleLbl>
+  <dgm:styleLbl name="node2">
+    <dgm:fillClrLst meth="repeat">
+      <a:schemeClr val="accent1"/>
+    </dgm:fillClrLst>
+    <dgm:linClrLst meth="repeat">
+      <a:schemeClr val="lt1"/>
+    </dgm:linClrLst>
+    <dgm:effectClrLst/>
+    <dgm:txLinClrLst/>
+    <dgm:txFillClrLst/>
+    <dgm:txEffectClrLst/>
+  </dgm:styleLbl>
+  <dgm:styleLbl name="node3">
+    <dgm:fillClrLst meth="repeat">
+      <a:schemeClr val="accent1"/>
+    </dgm:fillClrLst>
+    <dgm:linClrLst meth="repeat">
+      <a:schemeClr val="lt1"/>
+    </dgm:linClrLst>
+    <dgm:effectClrLst/>
+    <dgm:txLinClrLst/>
+    <dgm:txFillClrLst/>
+    <dgm:txEffectClrLst/>
+  </dgm:styleLbl>
+  <dgm:styleLbl name="node4">
+    <dgm:fillClrLst meth="repeat">
+      <a:schemeClr val="accent1"/>
+    </dgm:fillClrLst>
+    <dgm:linClrLst meth="repeat">
+      <a:schemeClr val="lt1"/>
+    </dgm:linClrLst>
+    <dgm:effectClrLst/>
+    <dgm:txLinClrLst/>
+    <dgm:txFillClrLst/>
+    <dgm:txEffectClrLst/>
+  </dgm:styleLbl>
+  <dgm:styleLbl name="fgImgPlace1">
+    <dgm:fillClrLst meth="repeat">
+      <a:schemeClr val="accent1">
+        <a:tint val="50000"/>
+      </a:schemeClr>
+    </dgm:fillClrLst>
+    <dgm:linClrLst meth="repeat">
+      <a:schemeClr val="lt1"/>
+    </dgm:linClrLst>
+    <dgm:effectClrLst/>
+    <dgm:txLinClrLst/>
+    <dgm:txFillClrLst meth="repeat">
+      <a:schemeClr val="lt1"/>
+    </dgm:txFillClrLst>
+    <dgm:txEffectClrLst/>
+  </dgm:styleLbl>
+  <dgm:styleLbl name="alignImgPlace1">
+    <dgm:fillClrLst meth="repeat">
+      <a:schemeClr val="accent1">
+        <a:tint val="50000"/>
+      </a:schemeClr>
+    </dgm:fillClrLst>
+    <dgm:linClrLst meth="repeat">
+      <a:schemeClr val="lt1"/>
+    </dgm:linClrLst>
+    <dgm:effectClrLst/>
+    <dgm:txLinClrLst/>
+    <dgm:txFillClrLst meth="repeat">
+      <a:schemeClr val="lt1"/>
+    </dgm:txFillClrLst>
+    <dgm:txEffectClrLst/>
+  </dgm:styleLbl>
+  <dgm:styleLbl name="bgImgPlace1">
+    <dgm:fillClrLst meth="repeat">
+      <a:schemeClr val="accent1">
+        <a:tint val="50000"/>
+      </a:schemeClr>
+    </dgm:fillClrLst>
+    <dgm:linClrLst meth="repeat">
+      <a:schemeClr val="lt1"/>
+    </dgm:linClrLst>
+    <dgm:effectClrLst/>
+    <dgm:txLinClrLst/>
+    <dgm:txFillClrLst meth="repeat">
+      <a:schemeClr val="lt1"/>
+    </dgm:txFillClrLst>
+    <dgm:txEffectClrLst/>
+  </dgm:styleLbl>
+  <dgm:styleLbl name="sibTrans2D1">
+    <dgm:fillClrLst meth="repeat">
+      <a:schemeClr val="accent1">
+        <a:tint val="60000"/>
+      </a:schemeClr>
+    </dgm:fillClrLst>
+    <dgm:linClrLst meth="repeat">
+      <a:schemeClr val="accent1">
+        <a:tint val="60000"/>
+      </a:schemeClr>
+    </dgm:linClrLst>
+    <dgm:effectClrLst/>
+    <dgm:txLinClrLst/>
+    <dgm:txFillClrLst/>
+    <dgm:txEffectClrLst/>
+  </dgm:styleLbl>
+  <dgm:styleLbl name="fgSibTrans2D1">
+    <dgm:fillClrLst meth="repeat">
+      <a:schemeClr val="accent1">
+        <a:tint val="60000"/>
+      </a:schemeClr>
+    </dgm:fillClrLst>
+    <dgm:linClrLst meth="repeat">
+      <a:schemeClr val="accent1">
+        <a:tint val="60000"/>
+      </a:schemeClr>
+    </dgm:linClrLst>
+    <dgm:effectClrLst/>
+    <dgm:txLinClrLst/>
+    <dgm:txFillClrLst/>
+    <dgm:txEffectClrLst/>
+  </dgm:styleLbl>
+  <dgm:styleLbl name="bgSibTrans2D1">
+    <dgm:fillClrLst meth="repeat">
+      <a:schemeClr val="accent1">
+        <a:tint val="60000"/>
+      </a:schemeClr>
+    </dgm:fillClrLst>
+    <dgm:linClrLst meth="repeat">
+      <a:schemeClr val="accent1">
+        <a:tint val="60000"/>
+      </a:schemeClr>
+    </dgm:linClrLst>
+    <dgm:effectClrLst/>
+    <dgm:txLinClrLst/>
+    <dgm:txFillClrLst/>
+    <dgm:txEffectClrLst/>
+  </dgm:styleLbl>
+  <dgm:styleLbl name="sibTrans1D1">
+    <dgm:fillClrLst meth="repeat">
+      <a:schemeClr val="accent1"/>
+    </dgm:fillClrLst>
+    <dgm:linClrLst meth="repeat">
+      <a:schemeClr val="accent1"/>
+    </dgm:linClrLst>
+    <dgm:effectClrLst/>
+    <dgm:txLinClrLst/>
+    <dgm:txFillClrLst meth="repeat">
+      <a:schemeClr val="tx1"/>
+    </dgm:txFillClrLst>
+    <dgm:txEffectClrLst/>
+  </dgm:styleLbl>
+  <dgm:styleLbl name="callout">
+    <dgm:fillClrLst meth="repeat">
+      <a:schemeClr val="accent1"/>
+    </dgm:fillClrLst>
+    <dgm:linClrLst meth="repeat">
+      <a:schemeClr val="accent1">
+        <a:tint val="50000"/>
+      </a:schemeClr>
+    </dgm:linClrLst>
+    <dgm:effectClrLst/>
+    <dgm:txLinClrLst/>
+    <dgm:txFillClrLst meth="repeat">
+      <a:schemeClr val="tx1"/>
+    </dgm:txFillClrLst>
+    <dgm:txEffectClrLst/>
+  </dgm:styleLbl>
+  <dgm:styleLbl name="asst0">
+    <dgm:fillClrLst meth="repeat">
+      <a:schemeClr val="accent1"/>
+    </dgm:fillClrLst>
+    <dgm:linClrLst meth="repeat">
+      <a:schemeClr val="lt1"/>
+    </dgm:linClrLst>
+    <dgm:effectClrLst/>
+    <dgm:txLinClrLst/>
+    <dgm:txFillClrLst/>
+    <dgm:txEffectClrLst/>
+  </dgm:styleLbl>
+  <dgm:styleLbl name="asst1">
+    <dgm:fillClrLst meth="repeat">
+      <a:schemeClr val="accent1"/>
+    </dgm:fillClrLst>
+    <dgm:linClrLst meth="repeat">
+      <a:schemeClr val="lt1"/>
+    </dgm:linClrLst>
+    <dgm:effectClrLst/>
+    <dgm:txLinClrLst/>
+    <dgm:txFillClrLst/>
+    <dgm:txEffectClrLst/>
+  </dgm:styleLbl>
+  <dgm:styleLbl name="asst2">
+    <dgm:fillClrLst meth="repeat">
+      <a:schemeClr val="accent1"/>
+    </dgm:fillClrLst>
+    <dgm:linClrLst meth="repeat">
+      <a:schemeClr val="lt1"/>
+    </dgm:linClrLst>
+    <dgm:effectClrLst/>
+    <dgm:txLinClrLst/>
+    <dgm:txFillClrLst/>
+    <dgm:txEffectClrLst/>
+  </dgm:styleLbl>
+  <dgm:styleLbl name="asst3">
+    <dgm:fillClrLst meth="repeat">
+      <a:schemeClr val="accent1"/>
+    </dgm:fillClrLst>
+    <dgm:linClrLst meth="repeat">
+      <a:schemeClr val="lt1"/>
+    </dgm:linClrLst>
+    <dgm:effectClrLst/>
+    <dgm:txLinClrLst/>
+    <dgm:txFillClrLst/>
+    <dgm:txEffectClrLst/>
+  </dgm:styleLbl>
+  <dgm:styleLbl name="asst4">
+    <dgm:fillClrLst meth="repeat">
+      <a:schemeClr val="accent1"/>
+    </dgm:fillClrLst>
+    <dgm:linClrLst meth="repeat">
+      <a:schemeClr val="lt1"/>
+    </dgm:linClrLst>
+    <dgm:effectClrLst/>
+    <dgm:txLinClrLst/>
+    <dgm:txFillClrLst/>
+    <dgm:txEffectClrLst/>
+  </dgm:styleLbl>
+  <dgm:styleLbl name="parChTrans2D1">
+    <dgm:fillClrLst meth="repeat">
+      <a:schemeClr val="accent1">
+        <a:tint val="60000"/>
+      </a:schemeClr>
+    </dgm:fillClrLst>
+    <dgm:linClrLst meth="repeat">
+      <a:schemeClr val="accent1">
+        <a:tint val="60000"/>
+      </a:schemeClr>
+    </dgm:linClrLst>
+    <dgm:effectClrLst/>
+    <dgm:txLinClrLst/>
+    <dgm:txFillClrLst meth="repeat">
+      <a:schemeClr val="lt1"/>
+    </dgm:txFillClrLst>
+    <dgm:txEffectClrLst/>
+  </dgm:styleLbl>
+  <dgm:styleLbl name="parChTrans2D2">
+    <dgm:fillClrLst meth="repeat">
+      <a:schemeClr val="accent1"/>
+    </dgm:fillClrLst>
+    <dgm:linClrLst meth="repeat">
+      <a:schemeClr val="accent1"/>
+    </dgm:linClrLst>
+    <dgm:effectClrLst/>
+    <dgm:txLinClrLst/>
+    <dgm:txFillClrLst meth="repeat">
+      <a:schemeClr val="lt1"/>
+    </dgm:txFillClrLst>
+    <dgm:txEffectClrLst/>
+  </dgm:styleLbl>
+  <dgm:styleLbl name="parChTrans2D3">
+    <dgm:fillClrLst meth="repeat">
+      <a:schemeClr val="accent1"/>
+    </dgm:fillClrLst>
+    <dgm:linClrLst meth="repeat">
+      <a:schemeClr val="accent1"/>
+    </dgm:linClrLst>
+    <dgm:effectClrLst/>
+    <dgm:txLinClrLst/>
+    <dgm:txFillClrLst meth="repeat">
+      <a:schemeClr val="lt1"/>
+    </dgm:txFillClrLst>
+    <dgm:txEffectClrLst/>
+  </dgm:styleLbl>
+  <dgm:styleLbl name="parChTrans2D4">
+    <dgm:fillClrLst meth="repeat">
+      <a:schemeClr val="accent1"/>
+    </dgm:fillClrLst>
+    <dgm:linClrLst meth="repeat">
+      <a:schemeClr val="accent1"/>
+    </dgm:linClrLst>
+    <dgm:effectClrLst/>
+    <dgm:txLinClrLst/>
+    <dgm:txFillClrLst meth="repeat">
+      <a:schemeClr val="lt1"/>
+    </dgm:txFillClrLst>
+    <dgm:txEffectClrLst/>
+  </dgm:styleLbl>
+  <dgm:styleLbl name="parChTrans1D1">
+    <dgm:fillClrLst meth="repeat">
+      <a:schemeClr val="accent1"/>
+    </dgm:fillClrLst>
+    <dgm:linClrLst meth="repeat">
+      <a:schemeClr val="accent1">
+        <a:shade val="60000"/>
+      </a:schemeClr>
+    </dgm:linClrLst>
+    <dgm:effectClrLst/>
+    <dgm:txLinClrLst/>
+    <dgm:txFillClrLst meth="repeat">
+      <a:schemeClr val="tx1"/>
+    </dgm:txFillClrLst>
+    <dgm:txEffectClrLst/>
+  </dgm:styleLbl>
+  <dgm:styleLbl name="parChTrans1D2">
+    <dgm:fillClrLst meth="repeat">
+      <a:schemeClr val="accent1"/>
+    </dgm:fillClrLst>
+    <dgm:linClrLst meth="repeat">
+      <a:schemeClr val="accent1">
+        <a:shade val="60000"/>
+      </a:schemeClr>
+    </dgm:linClrLst>
+    <dgm:effectClrLst/>
+    <dgm:txLinClrLst/>
+    <dgm:txFillClrLst meth="repeat">
+      <a:schemeClr val="tx1"/>
+    </dgm:txFillClrLst>
+    <dgm:txEffectClrLst/>
+  </dgm:styleLbl>
+  <dgm:styleLbl name="parChTrans1D3">
+    <dgm:fillClrLst meth="repeat">
+      <a:schemeClr val="accent1"/>
+    </dgm:fillClrLst>
+    <dgm:linClrLst meth="repeat">
+      <a:schemeClr val="accent1">
+        <a:shade val="80000"/>
+      </a:schemeClr>
+    </dgm:linClrLst>
+    <dgm:effectClrLst/>
+    <dgm:txLinClrLst/>
+    <dgm:txFillClrLst meth="repeat">
+      <a:schemeClr val="tx1"/>
+    </dgm:txFillClrLst>
+    <dgm:txEffectClrLst/>
+  </dgm:styleLbl>
+  <dgm:styleLbl name="parChTrans1D4">
+    <dgm:fillClrLst meth="repeat">
+      <a:schemeClr val="accent1"/>
+    </dgm:fillClrLst>
+    <dgm:linClrLst meth="repeat">
+      <a:schemeClr val="accent1">
+        <a:shade val="80000"/>
+      </a:schemeClr>
+    </dgm:linClrLst>
+    <dgm:effectClrLst/>
+    <dgm:txLinClrLst/>
+    <dgm:txFillClrLst meth="repeat">
+      <a:schemeClr val="tx1"/>
+    </dgm:txFillClrLst>
+    <dgm:txEffectClrLst/>
+  </dgm:styleLbl>
+  <dgm:styleLbl name="fgAcc1">
+    <dgm:fillClrLst meth="repeat">
+      <a:schemeClr val="lt1">
+        <a:alpha val="90000"/>
+      </a:schemeClr>
+    </dgm:fillClrLst>
+    <dgm:linClrLst meth="repeat">
+      <a:schemeClr val="accent1"/>
+    </dgm:linClrLst>
+    <dgm:effectClrLst/>
+    <dgm:txLinClrLst/>
+    <dgm:txFillClrLst meth="repeat">
+      <a:schemeClr val="dk1"/>
+    </dgm:txFillClrLst>
+    <dgm:txEffectClrLst/>
+  </dgm:styleLbl>
+  <dgm:styleLbl name="conFgAcc1">
+    <dgm:fillClrLst meth="repeat">
+      <a:schemeClr val="lt1">
+        <a:alpha val="90000"/>
+      </a:schemeClr>
+    </dgm:fillClrLst>
+    <dgm:linClrLst meth="repeat">
+      <a:schemeClr val="accent1"/>
+    </dgm:linClrLst>
+    <dgm:effectClrLst/>
+    <dgm:txLinClrLst/>
+    <dgm:txFillClrLst meth="repeat">
+      <a:schemeClr val="dk1"/>
+    </dgm:txFillClrLst>
+    <dgm:txEffectClrLst/>
+  </dgm:styleLbl>
+  <dgm:styleLbl name="alignAcc1">
+    <dgm:fillClrLst meth="repeat">
+      <a:schemeClr val="lt1">
+        <a:alpha val="90000"/>
+      </a:schemeClr>
+    </dgm:fillClrLst>
+    <dgm:linClrLst meth="repeat">
+      <a:schemeClr val="accent1"/>
+    </dgm:linClrLst>
+    <dgm:effectClrLst/>
+    <dgm:txLinClrLst/>
+    <dgm:txFillClrLst meth="repeat">
+      <a:schemeClr val="dk1"/>
+    </dgm:txFillClrLst>
+    <dgm:txEffectClrLst/>
+  </dgm:styleLbl>
+  <dgm:styleLbl name="trAlignAcc1">
+    <dgm:fillClrLst meth="repeat">
+      <a:schemeClr val="lt1">
+        <a:alpha val="40000"/>
+      </a:schemeClr>
+    </dgm:fillClrLst>
+    <dgm:linClrLst meth="repeat">
+      <a:schemeClr val="accent1"/>
+    </dgm:linClrLst>
+    <dgm:effectClrLst/>
+    <dgm:txLinClrLst/>
+    <dgm:txFillClrLst meth="repeat">
+      <a:schemeClr val="dk1"/>
+    </dgm:txFillClrLst>
+    <dgm:txEffectClrLst/>
+  </dgm:styleLbl>
+  <dgm:styleLbl name="bgAcc1">
+    <dgm:fillClrLst meth="repeat">
+      <a:schemeClr val="lt1">
+        <a:alpha val="90000"/>
+      </a:schemeClr>
+    </dgm:fillClrLst>
+    <dgm:linClrLst meth="repeat">
+      <a:schemeClr val="accent1"/>
+    </dgm:linClrLst>
+    <dgm:effectClrLst/>
+    <dgm:txLinClrLst/>
+    <dgm:txFillClrLst meth="repeat">
+      <a:schemeClr val="dk1"/>
+    </dgm:txFillClrLst>
+    <dgm:txEffectClrLst/>
+  </dgm:styleLbl>
+  <dgm:styleLbl name="solidFgAcc1">
+    <dgm:fillClrLst meth="repeat">
+      <a:schemeClr val="lt1"/>
+    </dgm:fillClrLst>
+    <dgm:linClrLst meth="repeat">
+      <a:schemeClr val="accent1"/>
+    </dgm:linClrLst>
+    <dgm:effectClrLst/>
+    <dgm:txLinClrLst/>
+    <dgm:txFillClrLst meth="repeat">
+      <a:schemeClr val="dk1"/>
+    </dgm:txFillClrLst>
+    <dgm:txEffectClrLst/>
+  </dgm:styleLbl>
+  <dgm:styleLbl name="solidAlignAcc1">
+    <dgm:fillClrLst meth="repeat">
+      <a:schemeClr val="lt1"/>
+    </dgm:fillClrLst>
+    <dgm:linClrLst meth="repeat">
+      <a:schemeClr val="accent1"/>
+    </dgm:linClrLst>
+    <dgm:effectClrLst/>
+    <dgm:txLinClrLst/>
+    <dgm:txFillClrLst meth="repeat">
+      <a:schemeClr val="dk1"/>
+    </dgm:txFillClrLst>
+    <dgm:txEffectClrLst/>
+  </dgm:styleLbl>
+  <dgm:styleLbl name="solidBgAcc1">
+    <dgm:fillClrLst meth="repeat">
+      <a:schemeClr val="lt1"/>
+    </dgm:fillClrLst>
+    <dgm:linClrLst meth="repeat">
+      <a:schemeClr val="accent1"/>
+    </dgm:linClrLst>
+    <dgm:effectClrLst/>
+    <dgm:txLinClrLst/>
+    <dgm:txFillClrLst meth="repeat">
+      <a:schemeClr val="dk1"/>
+    </dgm:txFillClrLst>
+    <dgm:txEffectClrLst/>
+  </dgm:styleLbl>
+  <dgm:styleLbl name="fgAccFollowNode1">
+    <dgm:fillClrLst meth="repeat">
+      <a:schemeClr val="accent1">
+        <a:alpha val="90000"/>
+        <a:tint val="40000"/>
+      </a:schemeClr>
+    </dgm:fillClrLst>
+    <dgm:linClrLst meth="repeat">
+      <a:schemeClr val="accent1">
+        <a:alpha val="90000"/>
+        <a:tint val="40000"/>
+      </a:schemeClr>
+    </dgm:linClrLst>
+    <dgm:effectClrLst/>
+    <dgm:txLinClrLst/>
+    <dgm:txFillClrLst meth="repeat">
+      <a:schemeClr val="dk1"/>
+    </dgm:txFillClrLst>
+    <dgm:txEffectClrLst/>
+  </dgm:styleLbl>
+  <dgm:styleLbl name="alignAccFollowNode1">
+    <dgm:fillClrLst meth="repeat">
+      <a:schemeClr val="accent1">
+        <a:alpha val="90000"/>
+        <a:tint val="40000"/>
+      </a:schemeClr>
+    </dgm:fillClrLst>
+    <dgm:linClrLst meth="repeat">
+      <a:schemeClr val="accent1">
+        <a:alpha val="90000"/>
+        <a:tint val="40000"/>
+      </a:schemeClr>
+    </dgm:linClrLst>
+    <dgm:effectClrLst/>
+    <dgm:txLinClrLst/>
+    <dgm:txFillClrLst meth="repeat">
+      <a:schemeClr val="dk1"/>
+    </dgm:txFillClrLst>
+    <dgm:txEffectClrLst/>
+  </dgm:styleLbl>
+  <dgm:styleLbl name="bgAccFollowNode1">
+    <dgm:fillClrLst meth="repeat">
+      <a:schemeClr val="accent1">
+        <a:alpha val="90000"/>
+        <a:tint val="40000"/>
+      </a:schemeClr>
+    </dgm:fillClrLst>
+    <dgm:linClrLst meth="repeat">
+      <a:schemeClr val="accent1">
+        <a:alpha val="90000"/>
+        <a:tint val="40000"/>
+      </a:schemeClr>
+    </dgm:linClrLst>
+    <dgm:effectClrLst/>
+    <dgm:txLinClrLst/>
+    <dgm:txFillClrLst meth="repeat">
+      <a:schemeClr val="dk1"/>
+    </dgm:txFillClrLst>
+    <dgm:txEffectClrLst/>
+  </dgm:styleLbl>
+  <dgm:styleLbl name="fgAcc0">
+    <dgm:fillClrLst meth="repeat">
+      <a:schemeClr val="lt1">
+        <a:alpha val="90000"/>
+      </a:schemeClr>
+    </dgm:fillClrLst>
+    <dgm:linClrLst meth="repeat">
+      <a:schemeClr val="accent1"/>
+    </dgm:linClrLst>
+    <dgm:effectClrLst/>
+    <dgm:txLinClrLst/>
+    <dgm:txFillClrLst meth="repeat">
+      <a:schemeClr val="dk1"/>
+    </dgm:txFillClrLst>
+    <dgm:txEffectClrLst/>
+  </dgm:styleLbl>
+  <dgm:styleLbl name="fgAcc2">
+    <dgm:fillClrLst meth="repeat">
+      <a:schemeClr val="lt1">
+        <a:alpha val="90000"/>
+      </a:schemeClr>
+    </dgm:fillClrLst>
+    <dgm:linClrLst meth="repeat">
+      <a:schemeClr val="accent1"/>
+    </dgm:linClrLst>
+    <dgm:effectClrLst/>
+    <dgm:txLinClrLst/>
+    <dgm:txFillClrLst meth="repeat">
+      <a:schemeClr val="dk1"/>
+    </dgm:txFillClrLst>
+    <dgm:txEffectClrLst/>
+  </dgm:styleLbl>
+  <dgm:styleLbl name="fgAcc3">
+    <dgm:fillClrLst meth="repeat">
+      <a:schemeClr val="lt1">
+        <a:alpha val="90000"/>
+      </a:schemeClr>
+    </dgm:fillClrLst>
+    <dgm:linClrLst meth="repeat">
+      <a:schemeClr val="accent1"/>
+    </dgm:linClrLst>
+    <dgm:effectClrLst/>
+    <dgm:txLinClrLst/>
+    <dgm:txFillClrLst meth="repeat">
+      <a:schemeClr val="dk1"/>
+    </dgm:txFillClrLst>
+    <dgm:txEffectClrLst/>
+  </dgm:styleLbl>
+  <dgm:styleLbl name="fgAcc4">
+    <dgm:fillClrLst meth="repeat">
+      <a:schemeClr val="lt1">
+        <a:alpha val="90000"/>
+      </a:schemeClr>
+    </dgm:fillClrLst>
+    <dgm:linClrLst meth="repeat">
+      <a:schemeClr val="accent1"/>
+    </dgm:linClrLst>
+    <dgm:effectClrLst/>
+    <dgm:txLinClrLst/>
+    <dgm:txFillClrLst meth="repeat">
+      <a:schemeClr val="dk1"/>
+    </dgm:txFillClrLst>
+    <dgm:txEffectClrLst/>
+  </dgm:styleLbl>
+  <dgm:styleLbl name="bgShp">
+    <dgm:fillClrLst meth="repeat">
+      <a:schemeClr val="accent1">
+        <a:tint val="40000"/>
+      </a:schemeClr>
+    </dgm:fillClrLst>
+    <dgm:linClrLst meth="repeat">
+      <a:schemeClr val="accent1"/>
+    </dgm:linClrLst>
+    <dgm:effectClrLst/>
+    <dgm:txLinClrLst/>
+    <dgm:txFillClrLst meth="repeat">
+      <a:schemeClr val="dk1"/>
+    </dgm:txFillClrLst>
+    <dgm:txEffectClrLst/>
+  </dgm:styleLbl>
+  <dgm:styleLbl name="dkBgShp">
+    <dgm:fillClrLst meth="repeat">
+      <a:schemeClr val="accent1">
+        <a:shade val="80000"/>
+      </a:schemeClr>
+    </dgm:fillClrLst>
+    <dgm:linClrLst meth="repeat">
+      <a:schemeClr val="accent1"/>
+    </dgm:linClrLst>
+    <dgm:effectClrLst/>
+    <dgm:txLinClrLst/>
+    <dgm:txFillClrLst meth="repeat">
+      <a:schemeClr val="lt1"/>
+    </dgm:txFillClrLst>
+    <dgm:txEffectClrLst/>
+  </dgm:styleLbl>
+  <dgm:styleLbl name="trBgShp">
+    <dgm:fillClrLst meth="repeat">
+      <a:schemeClr val="accent1">
+        <a:tint val="50000"/>
+        <a:alpha val="40000"/>
+      </a:schemeClr>
+    </dgm:fillClrLst>
+    <dgm:linClrLst meth="repeat">
+      <a:schemeClr val="accent1"/>
+    </dgm:linClrLst>
+    <dgm:effectClrLst/>
+    <dgm:txLinClrLst/>
+    <dgm:txFillClrLst meth="repeat">
+      <a:schemeClr val="lt1"/>
+    </dgm:txFillClrLst>
+    <dgm:txEffectClrLst/>
+  </dgm:styleLbl>
+  <dgm:styleLbl name="fgShp">
+    <dgm:fillClrLst meth="repeat">
+      <a:schemeClr val="accent1">
+        <a:tint val="60000"/>
+      </a:schemeClr>
+    </dgm:fillClrLst>
+    <dgm:linClrLst meth="repeat">
+      <a:schemeClr val="lt1"/>
+    </dgm:linClrLst>
+    <dgm:effectClrLst/>
+    <dgm:txLinClrLst/>
+    <dgm:txFillClrLst meth="repeat">
+      <a:schemeClr val="dk1"/>
+    </dgm:txFillClrLst>
+    <dgm:txEffectClrLst/>
+  </dgm:styleLbl>
+  <dgm:styleLbl name="revTx">
+    <dgm:fillClrLst meth="repeat">
+      <a:schemeClr val="lt1">
+        <a:alpha val="0"/>
+      </a:schemeClr>
+    </dgm:fillClrLst>
+    <dgm:linClrLst meth="repeat">
+      <a:schemeClr val="dk1">
+        <a:alpha val="0"/>
+      </a:schemeClr>
+    </dgm:linClrLst>
+    <dgm:effectClrLst/>
+    <dgm:txLinClrLst/>
+    <dgm:txFillClrLst meth="repeat">
+      <a:schemeClr val="tx1"/>
+    </dgm:txFillClrLst>
+    <dgm:txEffectClrLst/>
+  </dgm:styleLbl>
+</dgm:colorsDef>
+</file>
+
+<file path=ppt/diagrams/colors2.xml><?xml version="1.0" encoding="utf-8"?>
+<dgm:colorsDef xmlns:dgm="http://schemas.openxmlformats.org/drawingml/2006/diagram" xmlns:a="http://schemas.openxmlformats.org/drawingml/2006/main" uniqueId="urn:microsoft.com/office/officeart/2005/8/colors/accent1_2">
+  <dgm:title val=""/>
+  <dgm:desc val=""/>
+  <dgm:catLst>
+    <dgm:cat type="accent1" pri="11200"/>
+  </dgm:catLst>
+  <dgm:styleLbl name="node0">
+    <dgm:fillClrLst meth="repeat">
+      <a:schemeClr val="accent1"/>
+    </dgm:fillClrLst>
+    <dgm:linClrLst meth="repeat">
+      <a:schemeClr val="lt1"/>
+    </dgm:linClrLst>
+    <dgm:effectClrLst/>
+    <dgm:txLinClrLst/>
+    <dgm:txFillClrLst/>
+    <dgm:txEffectClrLst/>
+  </dgm:styleLbl>
+  <dgm:styleLbl name="alignNode1">
+    <dgm:fillClrLst meth="repeat">
+      <a:schemeClr val="accent1"/>
+    </dgm:fillClrLst>
+    <dgm:linClrLst meth="repeat">
+      <a:schemeClr val="accent1"/>
+    </dgm:linClrLst>
+    <dgm:effectClrLst/>
+    <dgm:txLinClrLst/>
+    <dgm:txFillClrLst/>
+    <dgm:txEffectClrLst/>
+  </dgm:styleLbl>
+  <dgm:styleLbl name="node1">
+    <dgm:fillClrLst meth="repeat">
+      <a:schemeClr val="accent1"/>
+    </dgm:fillClrLst>
+    <dgm:linClrLst meth="repeat">
+      <a:schemeClr val="lt1"/>
+    </dgm:linClrLst>
+    <dgm:effectClrLst/>
+    <dgm:txLinClrLst/>
+    <dgm:txFillClrLst/>
+    <dgm:txEffectClrLst/>
+  </dgm:styleLbl>
+  <dgm:styleLbl name="lnNode1">
+    <dgm:fillClrLst meth="repeat">
+      <a:schemeClr val="accent1"/>
+    </dgm:fillClrLst>
+    <dgm:linClrLst meth="repeat">
+      <a:schemeClr val="lt1"/>
+    </dgm:linClrLst>
+    <dgm:effectClrLst/>
+    <dgm:txLinClrLst/>
+    <dgm:txFillClrLst/>
+    <dgm:txEffectClrLst/>
+  </dgm:styleLbl>
+  <dgm:styleLbl name="vennNode1">
+    <dgm:fillClrLst meth="repeat">
+      <a:schemeClr val="accent1">
+        <a:alpha val="50000"/>
+      </a:schemeClr>
+    </dgm:fillClrLst>
+    <dgm:linClrLst meth="repeat">
+      <a:schemeClr val="lt1"/>
+    </dgm:linClrLst>
+    <dgm:effectClrLst/>
+    <dgm:txLinClrLst/>
+    <dgm:txFillClrLst/>
+    <dgm:txEffectClrLst/>
+  </dgm:styleLbl>
+  <dgm:styleLbl name="node2">
+    <dgm:fillClrLst meth="repeat">
+      <a:schemeClr val="accent1"/>
+    </dgm:fillClrLst>
+    <dgm:linClrLst meth="repeat">
+      <a:schemeClr val="lt1"/>
+    </dgm:linClrLst>
+    <dgm:effectClrLst/>
+    <dgm:txLinClrLst/>
+    <dgm:txFillClrLst/>
+    <dgm:txEffectClrLst/>
+  </dgm:styleLbl>
+  <dgm:styleLbl name="node3">
+    <dgm:fillClrLst meth="repeat">
+      <a:schemeClr val="accent1"/>
+    </dgm:fillClrLst>
+    <dgm:linClrLst meth="repeat">
+      <a:schemeClr val="lt1"/>
+    </dgm:linClrLst>
+    <dgm:effectClrLst/>
+    <dgm:txLinClrLst/>
+    <dgm:txFillClrLst/>
+    <dgm:txEffectClrLst/>
+  </dgm:styleLbl>
+  <dgm:styleLbl name="node4">
+    <dgm:fillClrLst meth="repeat">
+      <a:schemeClr val="accent1"/>
+    </dgm:fillClrLst>
+    <dgm:linClrLst meth="repeat">
+      <a:schemeClr val="lt1"/>
+    </dgm:linClrLst>
+    <dgm:effectClrLst/>
+    <dgm:txLinClrLst/>
+    <dgm:txFillClrLst/>
+    <dgm:txEffectClrLst/>
+  </dgm:styleLbl>
+  <dgm:styleLbl name="fgImgPlace1">
+    <dgm:fillClrLst meth="repeat">
+      <a:schemeClr val="accent1">
+        <a:tint val="50000"/>
+      </a:schemeClr>
+    </dgm:fillClrLst>
+    <dgm:linClrLst meth="repeat">
+      <a:schemeClr val="lt1"/>
+    </dgm:linClrLst>
+    <dgm:effectClrLst/>
+    <dgm:txLinClrLst/>
+    <dgm:txFillClrLst meth="repeat">
+      <a:schemeClr val="lt1"/>
+    </dgm:txFillClrLst>
+    <dgm:txEffectClrLst/>
+  </dgm:styleLbl>
+  <dgm:styleLbl name="alignImgPlace1">
+    <dgm:fillClrLst meth="repeat">
+      <a:schemeClr val="accent1">
+        <a:tint val="50000"/>
+      </a:schemeClr>
+    </dgm:fillClrLst>
+    <dgm:linClrLst meth="repeat">
+      <a:schemeClr val="lt1"/>
+    </dgm:linClrLst>
+    <dgm:effectClrLst/>
+    <dgm:txLinClrLst/>
+    <dgm:txFillClrLst meth="repeat">
+      <a:schemeClr val="lt1"/>
+    </dgm:txFillClrLst>
+    <dgm:txEffectClrLst/>
+  </dgm:styleLbl>
+  <dgm:styleLbl name="bgImgPlace1">
+    <dgm:fillClrLst meth="repeat">
+      <a:schemeClr val="accent1">
+        <a:tint val="50000"/>
+      </a:schemeClr>
+    </dgm:fillClrLst>
+    <dgm:linClrLst meth="repeat">
+      <a:schemeClr val="lt1"/>
+    </dgm:linClrLst>
+    <dgm:effectClrLst/>
+    <dgm:txLinClrLst/>
+    <dgm:txFillClrLst meth="repeat">
+      <a:schemeClr val="lt1"/>
+    </dgm:txFillClrLst>
+    <dgm:txEffectClrLst/>
+  </dgm:styleLbl>
+  <dgm:styleLbl name="sibTrans2D1">
+    <dgm:fillClrLst meth="repeat">
+      <a:schemeClr val="accent1">
+        <a:tint val="60000"/>
+      </a:schemeClr>
+    </dgm:fillClrLst>
+    <dgm:linClrLst meth="repeat">
+      <a:schemeClr val="accent1">
+        <a:tint val="60000"/>
+      </a:schemeClr>
+    </dgm:linClrLst>
+    <dgm:effectClrLst/>
+    <dgm:txLinClrLst/>
+    <dgm:txFillClrLst/>
+    <dgm:txEffectClrLst/>
+  </dgm:styleLbl>
+  <dgm:styleLbl name="fgSibTrans2D1">
+    <dgm:fillClrLst meth="repeat">
+      <a:schemeClr val="accent1">
+        <a:tint val="60000"/>
+      </a:schemeClr>
+    </dgm:fillClrLst>
+    <dgm:linClrLst meth="repeat">
+      <a:schemeClr val="accent1">
+        <a:tint val="60000"/>
+      </a:schemeClr>
+    </dgm:linClrLst>
+    <dgm:effectClrLst/>
+    <dgm:txLinClrLst/>
+    <dgm:txFillClrLst/>
+    <dgm:txEffectClrLst/>
+  </dgm:styleLbl>
+  <dgm:styleLbl name="bgSibTrans2D1">
+    <dgm:fillClrLst meth="repeat">
+      <a:schemeClr val="accent1">
+        <a:tint val="60000"/>
+      </a:schemeClr>
+    </dgm:fillClrLst>
+    <dgm:linClrLst meth="repeat">
+      <a:schemeClr val="accent1">
+        <a:tint val="60000"/>
+      </a:schemeClr>
+    </dgm:linClrLst>
+    <dgm:effectClrLst/>
+    <dgm:txLinClrLst/>
+    <dgm:txFillClrLst/>
+    <dgm:txEffectClrLst/>
+  </dgm:styleLbl>
+  <dgm:styleLbl name="sibTrans1D1">
+    <dgm:fillClrLst meth="repeat">
+      <a:schemeClr val="accent1"/>
+    </dgm:fillClrLst>
+    <dgm:linClrLst meth="repeat">
+      <a:schemeClr val="accent1"/>
+    </dgm:linClrLst>
+    <dgm:effectClrLst/>
+    <dgm:txLinClrLst/>
+    <dgm:txFillClrLst meth="repeat">
+      <a:schemeClr val="tx1"/>
+    </dgm:txFillClrLst>
+    <dgm:txEffectClrLst/>
+  </dgm:styleLbl>
+  <dgm:styleLbl name="callout">
+    <dgm:fillClrLst meth="repeat">
+      <a:schemeClr val="accent1"/>
+    </dgm:fillClrLst>
+    <dgm:linClrLst meth="repeat">
+      <a:schemeClr val="accent1">
+        <a:tint val="50000"/>
+      </a:schemeClr>
+    </dgm:linClrLst>
+    <dgm:effectClrLst/>
+    <dgm:txLinClrLst/>
+    <dgm:txFillClrLst meth="repeat">
+      <a:schemeClr val="tx1"/>
+    </dgm:txFillClrLst>
+    <dgm:txEffectClrLst/>
+  </dgm:styleLbl>
+  <dgm:styleLbl name="asst0">
+    <dgm:fillClrLst meth="repeat">
+      <a:schemeClr val="accent1"/>
+    </dgm:fillClrLst>
+    <dgm:linClrLst meth="repeat">
+      <a:schemeClr val="lt1"/>
+    </dgm:linClrLst>
+    <dgm:effectClrLst/>
+    <dgm:txLinClrLst/>
+    <dgm:txFillClrLst/>
+    <dgm:txEffectClrLst/>
+  </dgm:styleLbl>
+  <dgm:styleLbl name="asst1">
+    <dgm:fillClrLst meth="repeat">
+      <a:schemeClr val="accent1"/>
+    </dgm:fillClrLst>
+    <dgm:linClrLst meth="repeat">
+      <a:schemeClr val="lt1"/>
+    </dgm:linClrLst>
+    <dgm:effectClrLst/>
+    <dgm:txLinClrLst/>
+    <dgm:txFillClrLst/>
+    <dgm:txEffectClrLst/>
+  </dgm:styleLbl>
+  <dgm:styleLbl name="asst2">
+    <dgm:fillClrLst meth="repeat">
+      <a:schemeClr val="accent1"/>
+    </dgm:fillClrLst>
+    <dgm:linClrLst meth="repeat">
+      <a:schemeClr val="lt1"/>
+    </dgm:linClrLst>
+    <dgm:effectClrLst/>
+    <dgm:txLinClrLst/>
+    <dgm:txFillClrLst/>
+    <dgm:txEffectClrLst/>
+  </dgm:styleLbl>
+  <dgm:styleLbl name="asst3">
+    <dgm:fillClrLst meth="repeat">
+      <a:schemeClr val="accent1"/>
+    </dgm:fillClrLst>
+    <dgm:linClrLst meth="repeat">
+      <a:schemeClr val="lt1"/>
+    </dgm:linClrLst>
+    <dgm:effectClrLst/>
+    <dgm:txLinClrLst/>
+    <dgm:txFillClrLst/>
+    <dgm:txEffectClrLst/>
+  </dgm:styleLbl>
+  <dgm:styleLbl name="asst4">
+    <dgm:fillClrLst meth="repeat">
+      <a:schemeClr val="accent1"/>
+    </dgm:fillClrLst>
+    <dgm:linClrLst meth="repeat">
+      <a:schemeClr val="lt1"/>
+    </dgm:linClrLst>
+    <dgm:effectClrLst/>
+    <dgm:txLinClrLst/>
+    <dgm:txFillClrLst/>
+    <dgm:txEffectClrLst/>
+  </dgm:styleLbl>
+  <dgm:styleLbl name="parChTrans2D1">
+    <dgm:fillClrLst meth="repeat">
+      <a:schemeClr val="accent1">
+        <a:tint val="60000"/>
+      </a:schemeClr>
+    </dgm:fillClrLst>
+    <dgm:linClrLst meth="repeat">
+      <a:schemeClr val="accent1">
+        <a:tint val="60000"/>
+      </a:schemeClr>
+    </dgm:linClrLst>
+    <dgm:effectClrLst/>
+    <dgm:txLinClrLst/>
+    <dgm:txFillClrLst meth="repeat">
+      <a:schemeClr val="lt1"/>
+    </dgm:txFillClrLst>
+    <dgm:txEffectClrLst/>
+  </dgm:styleLbl>
+  <dgm:styleLbl name="parChTrans2D2">
+    <dgm:fillClrLst meth="repeat">
+      <a:schemeClr val="accent1"/>
+    </dgm:fillClrLst>
+    <dgm:linClrLst meth="repeat">
+      <a:schemeClr val="accent1"/>
+    </dgm:linClrLst>
+    <dgm:effectClrLst/>
+    <dgm:txLinClrLst/>
+    <dgm:txFillClrLst meth="repeat">
+      <a:schemeClr val="lt1"/>
+    </dgm:txFillClrLst>
+    <dgm:txEffectClrLst/>
+  </dgm:styleLbl>
+  <dgm:styleLbl name="parChTrans2D3">
+    <dgm:fillClrLst meth="repeat">
+      <a:schemeClr val="accent1"/>
+    </dgm:fillClrLst>
+    <dgm:linClrLst meth="repeat">
+      <a:schemeClr val="accent1"/>
+    </dgm:linClrLst>
+    <dgm:effectClrLst/>
+    <dgm:txLinClrLst/>
+    <dgm:txFillClrLst meth="repeat">
+      <a:schemeClr val="lt1"/>
+    </dgm:txFillClrLst>
+    <dgm:txEffectClrLst/>
+  </dgm:styleLbl>
+  <dgm:styleLbl name="parChTrans2D4">
+    <dgm:fillClrLst meth="repeat">
+      <a:schemeClr val="accent1"/>
+    </dgm:fillClrLst>
+    <dgm:linClrLst meth="repeat">
+      <a:schemeClr val="accent1"/>
+    </dgm:linClrLst>
+    <dgm:effectClrLst/>
+    <dgm:txLinClrLst/>
+    <dgm:txFillClrLst meth="repeat">
+      <a:schemeClr val="lt1"/>
+    </dgm:txFillClrLst>
+    <dgm:txEffectClrLst/>
+  </dgm:styleLbl>
+  <dgm:styleLbl name="parChTrans1D1">
+    <dgm:fillClrLst meth="repeat">
+      <a:schemeClr val="accent1"/>
+    </dgm:fillClrLst>
+    <dgm:linClrLst meth="repeat">
+      <a:schemeClr val="accent1">
+        <a:shade val="60000"/>
+      </a:schemeClr>
+    </dgm:linClrLst>
+    <dgm:effectClrLst/>
+    <dgm:txLinClrLst/>
+    <dgm:txFillClrLst meth="repeat">
+      <a:schemeClr val="tx1"/>
+    </dgm:txFillClrLst>
+    <dgm:txEffectClrLst/>
+  </dgm:styleLbl>
+  <dgm:styleLbl name="parChTrans1D2">
+    <dgm:fillClrLst meth="repeat">
+      <a:schemeClr val="accent1"/>
+    </dgm:fillClrLst>
+    <dgm:linClrLst meth="repeat">
+      <a:schemeClr val="accent1">
+        <a:shade val="60000"/>
+      </a:schemeClr>
+    </dgm:linClrLst>
+    <dgm:effectClrLst/>
+    <dgm:txLinClrLst/>
+    <dgm:txFillClrLst meth="repeat">
+      <a:schemeClr val="tx1"/>
+    </dgm:txFillClrLst>
+    <dgm:txEffectClrLst/>
+  </dgm:styleLbl>
+  <dgm:styleLbl name="parChTrans1D3">
+    <dgm:fillClrLst meth="repeat">
+      <a:schemeClr val="accent1"/>
+    </dgm:fillClrLst>
+    <dgm:linClrLst meth="repeat">
+      <a:schemeClr val="accent1">
+        <a:shade val="80000"/>
+      </a:schemeClr>
+    </dgm:linClrLst>
+    <dgm:effectClrLst/>
+    <dgm:txLinClrLst/>
+    <dgm:txFillClrLst meth="repeat">
+      <a:schemeClr val="tx1"/>
+    </dgm:txFillClrLst>
+    <dgm:txEffectClrLst/>
+  </dgm:styleLbl>
+  <dgm:styleLbl name="parChTrans1D4">
+    <dgm:fillClrLst meth="repeat">
+      <a:schemeClr val="accent1"/>
+    </dgm:fillClrLst>
+    <dgm:linClrLst meth="repeat">
+      <a:schemeClr val="accent1">
+        <a:shade val="80000"/>
+      </a:schemeClr>
+    </dgm:linClrLst>
+    <dgm:effectClrLst/>
+    <dgm:txLinClrLst/>
+    <dgm:txFillClrLst meth="repeat">
+      <a:schemeClr val="tx1"/>
+    </dgm:txFillClrLst>
+    <dgm:txEffectClrLst/>
+  </dgm:styleLbl>
+  <dgm:styleLbl name="fgAcc1">
+    <dgm:fillClrLst meth="repeat">
+      <a:schemeClr val="lt1">
+        <a:alpha val="90000"/>
+      </a:schemeClr>
+    </dgm:fillClrLst>
+    <dgm:linClrLst meth="repeat">
+      <a:schemeClr val="accent1"/>
+    </dgm:linClrLst>
+    <dgm:effectClrLst/>
+    <dgm:txLinClrLst/>
+    <dgm:txFillClrLst meth="repeat">
+      <a:schemeClr val="dk1"/>
+    </dgm:txFillClrLst>
+    <dgm:txEffectClrLst/>
+  </dgm:styleLbl>
+  <dgm:styleLbl name="conFgAcc1">
+    <dgm:fillClrLst meth="repeat">
+      <a:schemeClr val="lt1">
+        <a:alpha val="90000"/>
+      </a:schemeClr>
+    </dgm:fillClrLst>
+    <dgm:linClrLst meth="repeat">
+      <a:schemeClr val="accent1"/>
+    </dgm:linClrLst>
+    <dgm:effectClrLst/>
+    <dgm:txLinClrLst/>
+    <dgm:txFillClrLst meth="repeat">
+      <a:schemeClr val="dk1"/>
+    </dgm:txFillClrLst>
+    <dgm:txEffectClrLst/>
+  </dgm:styleLbl>
+  <dgm:styleLbl name="alignAcc1">
+    <dgm:fillClrLst meth="repeat">
+      <a:schemeClr val="lt1">
+        <a:alpha val="90000"/>
+      </a:schemeClr>
+    </dgm:fillClrLst>
+    <dgm:linClrLst meth="repeat">
+      <a:schemeClr val="accent1"/>
+    </dgm:linClrLst>
+    <dgm:effectClrLst/>
+    <dgm:txLinClrLst/>
+    <dgm:txFillClrLst meth="repeat">
+      <a:schemeClr val="dk1"/>
+    </dgm:txFillClrLst>
+    <dgm:txEffectClrLst/>
+  </dgm:styleLbl>
+  <dgm:styleLbl name="trAlignAcc1">
+    <dgm:fillClrLst meth="repeat">
+      <a:schemeClr val="lt1">
+        <a:alpha val="40000"/>
+      </a:schemeClr>
+    </dgm:fillClrLst>
+    <dgm:linClrLst meth="repeat">
+      <a:schemeClr val="accent1"/>
+    </dgm:linClrLst>
+    <dgm:effectClrLst/>
+    <dgm:txLinClrLst/>
+    <dgm:txFillClrLst meth="repeat">
+      <a:schemeClr val="dk1"/>
+    </dgm:txFillClrLst>
+    <dgm:txEffectClrLst/>
+  </dgm:styleLbl>
+  <dgm:styleLbl name="bgAcc1">
+    <dgm:fillClrLst meth="repeat">
+      <a:schemeClr val="lt1">
+        <a:alpha val="90000"/>
+      </a:schemeClr>
+    </dgm:fillClrLst>
+    <dgm:linClrLst meth="repeat">
+      <a:schemeClr val="accent1"/>
+    </dgm:linClrLst>
+    <dgm:effectClrLst/>
+    <dgm:txLinClrLst/>
+    <dgm:txFillClrLst meth="repeat">
+      <a:schemeClr val="dk1"/>
+    </dgm:txFillClrLst>
+    <dgm:txEffectClrLst/>
+  </dgm:styleLbl>
+  <dgm:styleLbl name="solidFgAcc1">
+    <dgm:fillClrLst meth="repeat">
+      <a:schemeClr val="lt1"/>
+    </dgm:fillClrLst>
+    <dgm:linClrLst meth="repeat">
+      <a:schemeClr val="accent1"/>
+    </dgm:linClrLst>
+    <dgm:effectClrLst/>
+    <dgm:txLinClrLst/>
+    <dgm:txFillClrLst meth="repeat">
+      <a:schemeClr val="dk1"/>
+    </dgm:txFillClrLst>
+    <dgm:txEffectClrLst/>
+  </dgm:styleLbl>
+  <dgm:styleLbl name="solidAlignAcc1">
+    <dgm:fillClrLst meth="repeat">
+      <a:schemeClr val="lt1"/>
+    </dgm:fillClrLst>
+    <dgm:linClrLst meth="repeat">
+      <a:schemeClr val="accent1"/>
+    </dgm:linClrLst>
+    <dgm:effectClrLst/>
+    <dgm:txLinClrLst/>
+    <dgm:txFillClrLst meth="repeat">
+      <a:schemeClr val="dk1"/>
+    </dgm:txFillClrLst>
+    <dgm:txEffectClrLst/>
+  </dgm:styleLbl>
+  <dgm:styleLbl name="solidBgAcc1">
+    <dgm:fillClrLst meth="repeat">
+      <a:schemeClr val="lt1"/>
+    </dgm:fillClrLst>
+    <dgm:linClrLst meth="repeat">
+      <a:schemeClr val="accent1"/>
+    </dgm:linClrLst>
+    <dgm:effectClrLst/>
+    <dgm:txLinClrLst/>
+    <dgm:txFillClrLst meth="repeat">
+      <a:schemeClr val="dk1"/>
+    </dgm:txFillClrLst>
+    <dgm:txEffectClrLst/>
+  </dgm:styleLbl>
+  <dgm:styleLbl name="fgAccFollowNode1">
+    <dgm:fillClrLst meth="repeat">
+      <a:schemeClr val="accent1">
+        <a:alpha val="90000"/>
+        <a:tint val="40000"/>
+      </a:schemeClr>
+    </dgm:fillClrLst>
+    <dgm:linClrLst meth="repeat">
+      <a:schemeClr val="accent1">
+        <a:alpha val="90000"/>
+        <a:tint val="40000"/>
+      </a:schemeClr>
+    </dgm:linClrLst>
+    <dgm:effectClrLst/>
+    <dgm:txLinClrLst/>
+    <dgm:txFillClrLst meth="repeat">
+      <a:schemeClr val="dk1"/>
+    </dgm:txFillClrLst>
+    <dgm:txEffectClrLst/>
+  </dgm:styleLbl>
+  <dgm:styleLbl name="alignAccFollowNode1">
+    <dgm:fillClrLst meth="repeat">
+      <a:schemeClr val="accent1">
+        <a:alpha val="90000"/>
+        <a:tint val="40000"/>
+      </a:schemeClr>
+    </dgm:fillClrLst>
+    <dgm:linClrLst meth="repeat">
+      <a:schemeClr val="accent1">
+        <a:alpha val="90000"/>
+        <a:tint val="40000"/>
+      </a:schemeClr>
+    </dgm:linClrLst>
+    <dgm:effectClrLst/>
+    <dgm:txLinClrLst/>
+    <dgm:txFillClrLst meth="repeat">
+      <a:schemeClr val="dk1"/>
+    </dgm:txFillClrLst>
+    <dgm:txEffectClrLst/>
+  </dgm:styleLbl>
+  <dgm:styleLbl name="bgAccFollowNode1">
+    <dgm:fillClrLst meth="repeat">
+      <a:schemeClr val="accent1">
+        <a:alpha val="90000"/>
+        <a:tint val="40000"/>
+      </a:schemeClr>
+    </dgm:fillClrLst>
+    <dgm:linClrLst meth="repeat">
+      <a:schemeClr val="accent1">
+        <a:alpha val="90000"/>
+        <a:tint val="40000"/>
+      </a:schemeClr>
+    </dgm:linClrLst>
+    <dgm:effectClrLst/>
+    <dgm:txLinClrLst/>
+    <dgm:txFillClrLst meth="repeat">
+      <a:schemeClr val="dk1"/>
+    </dgm:txFillClrLst>
+    <dgm:txEffectClrLst/>
+  </dgm:styleLbl>
+  <dgm:styleLbl name="fgAcc0">
+    <dgm:fillClrLst meth="repeat">
+      <a:schemeClr val="lt1">
+        <a:alpha val="90000"/>
+      </a:schemeClr>
+    </dgm:fillClrLst>
+    <dgm:linClrLst meth="repeat">
+      <a:schemeClr val="accent1"/>
+    </dgm:linClrLst>
+    <dgm:effectClrLst/>
+    <dgm:txLinClrLst/>
+    <dgm:txFillClrLst meth="repeat">
+      <a:schemeClr val="dk1"/>
+    </dgm:txFillClrLst>
+    <dgm:txEffectClrLst/>
+  </dgm:styleLbl>
+  <dgm:styleLbl name="fgAcc2">
+    <dgm:fillClrLst meth="repeat">
+      <a:schemeClr val="lt1">
+        <a:alpha val="90000"/>
+      </a:schemeClr>
+    </dgm:fillClrLst>
+    <dgm:linClrLst meth="repeat">
+      <a:schemeClr val="accent1"/>
+    </dgm:linClrLst>
+    <dgm:effectClrLst/>
+    <dgm:txLinClrLst/>
+    <dgm:txFillClrLst meth="repeat">
+      <a:schemeClr val="dk1"/>
+    </dgm:txFillClrLst>
+    <dgm:txEffectClrLst/>
+  </dgm:styleLbl>
+  <dgm:styleLbl name="fgAcc3">
+    <dgm:fillClrLst meth="repeat">
+      <a:schemeClr val="lt1">
+        <a:alpha val="90000"/>
+      </a:schemeClr>
+    </dgm:fillClrLst>
+    <dgm:linClrLst meth="repeat">
+      <a:schemeClr val="accent1"/>
+    </dgm:linClrLst>
+    <dgm:effectClrLst/>
+    <dgm:txLinClrLst/>
+    <dgm:txFillClrLst meth="repeat">
+      <a:schemeClr val="dk1"/>
+    </dgm:txFillClrLst>
+    <dgm:txEffectClrLst/>
+  </dgm:styleLbl>
+  <dgm:styleLbl name="fgAcc4">
+    <dgm:fillClrLst meth="repeat">
+      <a:schemeClr val="lt1">
+        <a:alpha val="90000"/>
+      </a:schemeClr>
+    </dgm:fillClrLst>
+    <dgm:linClrLst meth="repeat">
+      <a:schemeClr val="accent1"/>
+    </dgm:linClrLst>
+    <dgm:effectClrLst/>
+    <dgm:txLinClrLst/>
+    <dgm:txFillClrLst meth="repeat">
+      <a:schemeClr val="dk1"/>
+    </dgm:txFillClrLst>
+    <dgm:txEffectClrLst/>
+  </dgm:styleLbl>
+  <dgm:styleLbl name="bgShp">
+    <dgm:fillClrLst meth="repeat">
+      <a:schemeClr val="accent1">
+        <a:tint val="40000"/>
+      </a:schemeClr>
+    </dgm:fillClrLst>
+    <dgm:linClrLst meth="repeat">
+      <a:schemeClr val="accent1"/>
+    </dgm:linClrLst>
+    <dgm:effectClrLst/>
+    <dgm:txLinClrLst/>
+    <dgm:txFillClrLst meth="repeat">
+      <a:schemeClr val="dk1"/>
+    </dgm:txFillClrLst>
+    <dgm:txEffectClrLst/>
+  </dgm:styleLbl>
+  <dgm:styleLbl name="dkBgShp">
+    <dgm:fillClrLst meth="repeat">
+      <a:schemeClr val="accent1">
+        <a:shade val="80000"/>
+      </a:schemeClr>
+    </dgm:fillClrLst>
+    <dgm:linClrLst meth="repeat">
+      <a:schemeClr val="accent1"/>
+    </dgm:linClrLst>
+    <dgm:effectClrLst/>
+    <dgm:txLinClrLst/>
+    <dgm:txFillClrLst meth="repeat">
+      <a:schemeClr val="lt1"/>
+    </dgm:txFillClrLst>
+    <dgm:txEffectClrLst/>
+  </dgm:styleLbl>
+  <dgm:styleLbl name="trBgShp">
+    <dgm:fillClrLst meth="repeat">
+      <a:schemeClr val="accent1">
+        <a:tint val="50000"/>
+        <a:alpha val="40000"/>
+      </a:schemeClr>
+    </dgm:fillClrLst>
+    <dgm:linClrLst meth="repeat">
+      <a:schemeClr val="accent1"/>
+    </dgm:linClrLst>
+    <dgm:effectClrLst/>
+    <dgm:txLinClrLst/>
+    <dgm:txFillClrLst meth="repeat">
+      <a:schemeClr val="lt1"/>
+    </dgm:txFillClrLst>
+    <dgm:txEffectClrLst/>
+  </dgm:styleLbl>
+  <dgm:styleLbl name="fgShp">
+    <dgm:fillClrLst meth="repeat">
+      <a:schemeClr val="accent1">
+        <a:tint val="60000"/>
+      </a:schemeClr>
+    </dgm:fillClrLst>
+    <dgm:linClrLst meth="repeat">
+      <a:schemeClr val="lt1"/>
+    </dgm:linClrLst>
+    <dgm:effectClrLst/>
+    <dgm:txLinClrLst/>
+    <dgm:txFillClrLst meth="repeat">
+      <a:schemeClr val="dk1"/>
+    </dgm:txFillClrLst>
+    <dgm:txEffectClrLst/>
+  </dgm:styleLbl>
+  <dgm:styleLbl name="revTx">
+    <dgm:fillClrLst meth="repeat">
+      <a:schemeClr val="lt1">
+        <a:alpha val="0"/>
+      </a:schemeClr>
+    </dgm:fillClrLst>
+    <dgm:linClrLst meth="repeat">
+      <a:schemeClr val="dk1">
+        <a:alpha val="0"/>
+      </a:schemeClr>
+    </dgm:linClrLst>
+    <dgm:effectClrLst/>
+    <dgm:txLinClrLst/>
+    <dgm:txFillClrLst meth="repeat">
+      <a:schemeClr val="tx1"/>
+    </dgm:txFillClrLst>
+    <dgm:txEffectClrLst/>
+  </dgm:styleLbl>
+</dgm:colorsDef>
+</file>
+
+<file path=ppt/diagrams/data1.xml><?xml version="1.0" encoding="utf-8"?>
+<dgm:dataModel xmlns:dgm="http://schemas.openxmlformats.org/drawingml/2006/diagram" xmlns:a="http://schemas.openxmlformats.org/drawingml/2006/main">
+  <dgm:ptLst>
+    <dgm:pt modelId="{1D770145-3F55-499A-9F32-029E59CCC201}" type="doc">
+      <dgm:prSet loTypeId="urn:microsoft.com/office/officeart/2005/8/layout/hList7" loCatId="list" qsTypeId="urn:microsoft.com/office/officeart/2005/8/quickstyle/simple1" qsCatId="simple" csTypeId="urn:microsoft.com/office/officeart/2005/8/colors/accent1_2" csCatId="accent1" phldr="1"/>
+      <dgm:spPr/>
+      <dgm:t>
+        <a:bodyPr/>
+        <a:lstStyle/>
+        <a:p>
+          <a:endParaRPr lang="en-US"/>
+        </a:p>
+      </dgm:t>
+    </dgm:pt>
+    <dgm:pt modelId="{A72DFC82-5197-4323-9309-BEA2F627D9F5}">
+      <dgm:prSet phldrT="[Text]" custT="1"/>
+      <dgm:spPr>
+        <a:solidFill>
+          <a:srgbClr val="024882"/>
+        </a:solidFill>
+        <a:ln w="0">
+          <a:noFill/>
+        </a:ln>
+      </dgm:spPr>
+      <dgm:t>
+        <a:bodyPr/>
+        <a:lstStyle/>
+        <a:p>
+          <a:r>
+            <a:rPr lang="de-DE" sz="2800" dirty="0">
+              <a:latin typeface="Avenir Next LT Pro Light" panose="020B0304020202020204" pitchFamily="34" charset="0"/>
+            </a:rPr>
+            <a:t>Domain</a:t>
+          </a:r>
+        </a:p>
+        <a:p>
+          <a:r>
+            <a:rPr lang="de-DE" sz="1600" dirty="0">
+              <a:latin typeface="Avenir Next LT Pro Light" panose="020B0304020202020204" pitchFamily="34" charset="0"/>
+            </a:rPr>
+            <a:t>www.my-first-portfolio-site.de</a:t>
+          </a:r>
+          <a:endParaRPr lang="en-US" sz="1600" dirty="0">
+            <a:latin typeface="Avenir Next LT Pro Light" panose="020B0304020202020204" pitchFamily="34" charset="0"/>
+          </a:endParaRPr>
+        </a:p>
+      </dgm:t>
+    </dgm:pt>
+    <dgm:pt modelId="{98ECA12F-A583-4F15-969C-48AA962A3054}" type="parTrans" cxnId="{6C2EAF50-714B-47AD-8FB1-C438E4A5D5C0}">
+      <dgm:prSet/>
+      <dgm:spPr/>
+      <dgm:t>
+        <a:bodyPr/>
+        <a:lstStyle/>
+        <a:p>
+          <a:endParaRPr lang="en-US"/>
+        </a:p>
+      </dgm:t>
+    </dgm:pt>
+    <dgm:pt modelId="{9B55617A-F390-41B3-924D-662F94BDD86A}" type="sibTrans" cxnId="{6C2EAF50-714B-47AD-8FB1-C438E4A5D5C0}">
+      <dgm:prSet/>
+      <dgm:spPr/>
+      <dgm:t>
+        <a:bodyPr/>
+        <a:lstStyle/>
+        <a:p>
+          <a:endParaRPr lang="en-US"/>
+        </a:p>
+      </dgm:t>
+    </dgm:pt>
+    <dgm:pt modelId="{6D23556D-B7DF-4919-B34F-7838CB070495}">
+      <dgm:prSet phldrT="[Text]" custT="1"/>
+      <dgm:spPr>
+        <a:solidFill>
+          <a:srgbClr val="024882"/>
+        </a:solidFill>
+        <a:ln w="0">
+          <a:noFill/>
+        </a:ln>
+      </dgm:spPr>
+      <dgm:t>
+        <a:bodyPr/>
+        <a:lstStyle/>
+        <a:p>
+          <a:r>
+            <a:rPr lang="de-DE" sz="2800" dirty="0">
+              <a:latin typeface="Avenir Next LT Pro Light" panose="020B0304020202020204" pitchFamily="34" charset="0"/>
+            </a:rPr>
+            <a:t>Webhosting</a:t>
+          </a:r>
+        </a:p>
+        <a:p>
+          <a:r>
+            <a:rPr lang="de-DE" sz="1600" dirty="0">
+              <a:latin typeface="Avenir Next LT Pro Light" panose="020B0304020202020204" pitchFamily="34" charset="0"/>
+            </a:rPr>
+            <a:t>Server in der Cloud</a:t>
+          </a:r>
+          <a:endParaRPr lang="en-US" sz="1600" dirty="0">
+            <a:latin typeface="Avenir Next LT Pro Light" panose="020B0304020202020204" pitchFamily="34" charset="0"/>
+          </a:endParaRPr>
+        </a:p>
+      </dgm:t>
+    </dgm:pt>
+    <dgm:pt modelId="{B6CA6827-B9D1-4DD4-82DC-7E401F5446EC}" type="parTrans" cxnId="{1F0481E2-9449-4050-B046-736B7514AE66}">
+      <dgm:prSet/>
+      <dgm:spPr/>
+      <dgm:t>
+        <a:bodyPr/>
+        <a:lstStyle/>
+        <a:p>
+          <a:endParaRPr lang="en-US"/>
+        </a:p>
+      </dgm:t>
+    </dgm:pt>
+    <dgm:pt modelId="{FD84108A-C9F9-4DF3-AB8F-ABB0642FC93E}" type="sibTrans" cxnId="{1F0481E2-9449-4050-B046-736B7514AE66}">
+      <dgm:prSet/>
+      <dgm:spPr/>
+      <dgm:t>
+        <a:bodyPr/>
+        <a:lstStyle/>
+        <a:p>
+          <a:endParaRPr lang="en-US"/>
+        </a:p>
+      </dgm:t>
+    </dgm:pt>
+    <dgm:pt modelId="{3A9B6971-5001-4935-A859-54C77E68093E}">
+      <dgm:prSet phldrT="[Text]" custT="1"/>
+      <dgm:spPr>
+        <a:solidFill>
+          <a:srgbClr val="024882"/>
+        </a:solidFill>
+        <a:ln w="0">
+          <a:noFill/>
+        </a:ln>
+      </dgm:spPr>
+      <dgm:t>
+        <a:bodyPr/>
+        <a:lstStyle/>
+        <a:p>
+          <a:r>
+            <a:rPr lang="de-DE" sz="2800" dirty="0">
+              <a:latin typeface="Avenir Next LT Pro Light" panose="020B0304020202020204" pitchFamily="34" charset="0"/>
+            </a:rPr>
+            <a:t>Website</a:t>
+          </a:r>
+        </a:p>
+        <a:p>
+          <a:r>
+            <a:rPr lang="de-DE" sz="1600" dirty="0">
+              <a:latin typeface="Avenir Next LT Pro Light" panose="020B0304020202020204" pitchFamily="34" charset="0"/>
+            </a:rPr>
+            <a:t>WordPress &amp; Kreativität</a:t>
+          </a:r>
+          <a:endParaRPr lang="en-US" sz="1600" dirty="0">
+            <a:latin typeface="Avenir Next LT Pro Light" panose="020B0304020202020204" pitchFamily="34" charset="0"/>
+          </a:endParaRPr>
+        </a:p>
+      </dgm:t>
+    </dgm:pt>
+    <dgm:pt modelId="{83BE1068-7095-47D1-9915-4A0EC203D9D9}" type="parTrans" cxnId="{77BA4793-2A6B-4E51-B4A6-44F25E68C660}">
+      <dgm:prSet/>
+      <dgm:spPr/>
+      <dgm:t>
+        <a:bodyPr/>
+        <a:lstStyle/>
+        <a:p>
+          <a:endParaRPr lang="en-US"/>
+        </a:p>
+      </dgm:t>
+    </dgm:pt>
+    <dgm:pt modelId="{A22351D3-110D-447F-AB35-43D270628315}" type="sibTrans" cxnId="{77BA4793-2A6B-4E51-B4A6-44F25E68C660}">
+      <dgm:prSet/>
+      <dgm:spPr/>
+      <dgm:t>
+        <a:bodyPr/>
+        <a:lstStyle/>
+        <a:p>
+          <a:endParaRPr lang="en-US"/>
+        </a:p>
+      </dgm:t>
+    </dgm:pt>
+    <dgm:pt modelId="{8769D2E0-21EB-4D72-BE1E-2A364DF9F1A5}" type="pres">
+      <dgm:prSet presAssocID="{1D770145-3F55-499A-9F32-029E59CCC201}" presName="Name0" presStyleCnt="0">
+        <dgm:presLayoutVars>
+          <dgm:dir/>
+          <dgm:resizeHandles val="exact"/>
+        </dgm:presLayoutVars>
+      </dgm:prSet>
+      <dgm:spPr/>
+    </dgm:pt>
+    <dgm:pt modelId="{C33DD371-1842-4E3E-B2DF-4B441C79EC45}" type="pres">
+      <dgm:prSet presAssocID="{1D770145-3F55-499A-9F32-029E59CCC201}" presName="fgShape" presStyleLbl="fgShp" presStyleIdx="0" presStyleCnt="1"/>
+      <dgm:spPr>
+        <a:solidFill>
+          <a:schemeClr val="accent1">
+            <a:lumMod val="60000"/>
+            <a:lumOff val="40000"/>
+          </a:schemeClr>
+        </a:solidFill>
+        <a:ln w="0">
+          <a:solidFill>
+            <a:schemeClr val="tx1"/>
+          </a:solidFill>
+        </a:ln>
+      </dgm:spPr>
+    </dgm:pt>
+    <dgm:pt modelId="{27F40F04-8BE1-43EE-AF4E-E2D6F52EE502}" type="pres">
+      <dgm:prSet presAssocID="{1D770145-3F55-499A-9F32-029E59CCC201}" presName="linComp" presStyleCnt="0"/>
+      <dgm:spPr/>
+    </dgm:pt>
+    <dgm:pt modelId="{8B538D36-8FAD-48BC-81A8-FC3EFA70158C}" type="pres">
+      <dgm:prSet presAssocID="{A72DFC82-5197-4323-9309-BEA2F627D9F5}" presName="compNode" presStyleCnt="0"/>
+      <dgm:spPr/>
+    </dgm:pt>
+    <dgm:pt modelId="{F9601A18-E15F-4A88-81A1-9C8C54917FA5}" type="pres">
+      <dgm:prSet presAssocID="{A72DFC82-5197-4323-9309-BEA2F627D9F5}" presName="bkgdShape" presStyleLbl="node1" presStyleIdx="0" presStyleCnt="3"/>
+      <dgm:spPr/>
+    </dgm:pt>
+    <dgm:pt modelId="{583444ED-1E71-4CA7-8396-F44C413CF589}" type="pres">
+      <dgm:prSet presAssocID="{A72DFC82-5197-4323-9309-BEA2F627D9F5}" presName="nodeTx" presStyleLbl="node1" presStyleIdx="0" presStyleCnt="3">
+        <dgm:presLayoutVars>
+          <dgm:bulletEnabled val="1"/>
+        </dgm:presLayoutVars>
+      </dgm:prSet>
+      <dgm:spPr/>
+    </dgm:pt>
+    <dgm:pt modelId="{2233F73E-A5C1-440F-86F6-4A9F81BE0385}" type="pres">
+      <dgm:prSet presAssocID="{A72DFC82-5197-4323-9309-BEA2F627D9F5}" presName="invisiNode" presStyleLbl="node1" presStyleIdx="0" presStyleCnt="3"/>
+      <dgm:spPr/>
+    </dgm:pt>
+    <dgm:pt modelId="{977BEE19-20F9-4917-93FB-4525F8B2FFC8}" type="pres">
+      <dgm:prSet presAssocID="{A72DFC82-5197-4323-9309-BEA2F627D9F5}" presName="imagNode" presStyleLbl="fgImgPlace1" presStyleIdx="0" presStyleCnt="3"/>
+      <dgm:spPr>
+        <a:blipFill>
+          <a:blip xmlns:r="http://schemas.openxmlformats.org/officeDocument/2006/relationships" r:embed="rId1">
+            <a:extLst>
+              <a:ext uri="{28A0092B-C50C-407E-A947-70E740481C1C}">
+                <a14:useLocalDpi xmlns:a14="http://schemas.microsoft.com/office/drawing/2010/main" val="0"/>
+              </a:ext>
+            </a:extLst>
+          </a:blip>
+          <a:srcRect/>
+          <a:stretch>
+            <a:fillRect/>
+          </a:stretch>
+        </a:blipFill>
+        <a:ln w="3175">
+          <a:solidFill>
+            <a:schemeClr val="bg1"/>
+          </a:solidFill>
+        </a:ln>
+      </dgm:spPr>
+    </dgm:pt>
+    <dgm:pt modelId="{242CA97C-F649-4E09-8B20-6A5852F55F31}" type="pres">
+      <dgm:prSet presAssocID="{9B55617A-F390-41B3-924D-662F94BDD86A}" presName="sibTrans" presStyleLbl="sibTrans2D1" presStyleIdx="0" presStyleCnt="0"/>
+      <dgm:spPr/>
+    </dgm:pt>
+    <dgm:pt modelId="{B2B3A3FA-BC34-4292-98DB-97C02B5BDA73}" type="pres">
+      <dgm:prSet presAssocID="{6D23556D-B7DF-4919-B34F-7838CB070495}" presName="compNode" presStyleCnt="0"/>
+      <dgm:spPr/>
+    </dgm:pt>
+    <dgm:pt modelId="{2BCFC16C-F898-45ED-9A49-AE5621782DB6}" type="pres">
+      <dgm:prSet presAssocID="{6D23556D-B7DF-4919-B34F-7838CB070495}" presName="bkgdShape" presStyleLbl="node1" presStyleIdx="1" presStyleCnt="3"/>
+      <dgm:spPr/>
+    </dgm:pt>
+    <dgm:pt modelId="{18C5D294-CF8D-4C9E-9D16-1311364564A2}" type="pres">
+      <dgm:prSet presAssocID="{6D23556D-B7DF-4919-B34F-7838CB070495}" presName="nodeTx" presStyleLbl="node1" presStyleIdx="1" presStyleCnt="3">
+        <dgm:presLayoutVars>
+          <dgm:bulletEnabled val="1"/>
+        </dgm:presLayoutVars>
+      </dgm:prSet>
+      <dgm:spPr/>
+    </dgm:pt>
+    <dgm:pt modelId="{333BC9D5-272C-467D-B2D1-4459526FBA22}" type="pres">
+      <dgm:prSet presAssocID="{6D23556D-B7DF-4919-B34F-7838CB070495}" presName="invisiNode" presStyleLbl="node1" presStyleIdx="1" presStyleCnt="3"/>
+      <dgm:spPr/>
+    </dgm:pt>
+    <dgm:pt modelId="{85F2346E-4113-431D-AA64-8C4A1F857277}" type="pres">
+      <dgm:prSet presAssocID="{6D23556D-B7DF-4919-B34F-7838CB070495}" presName="imagNode" presStyleLbl="fgImgPlace1" presStyleIdx="1" presStyleCnt="3"/>
+      <dgm:spPr>
+        <a:blipFill>
+          <a:blip xmlns:r="http://schemas.openxmlformats.org/officeDocument/2006/relationships" r:embed="rId2">
+            <a:extLst>
+              <a:ext uri="{28A0092B-C50C-407E-A947-70E740481C1C}">
+                <a14:useLocalDpi xmlns:a14="http://schemas.microsoft.com/office/drawing/2010/main" val="0"/>
+              </a:ext>
+            </a:extLst>
+          </a:blip>
+          <a:srcRect/>
+          <a:stretch>
+            <a:fillRect/>
+          </a:stretch>
+        </a:blipFill>
+        <a:ln w="3175">
+          <a:solidFill>
+            <a:schemeClr val="bg1"/>
+          </a:solidFill>
+        </a:ln>
+      </dgm:spPr>
+    </dgm:pt>
+    <dgm:pt modelId="{84C96993-48D6-4D2F-8233-F0D79824F44E}" type="pres">
+      <dgm:prSet presAssocID="{FD84108A-C9F9-4DF3-AB8F-ABB0642FC93E}" presName="sibTrans" presStyleLbl="sibTrans2D1" presStyleIdx="0" presStyleCnt="0"/>
+      <dgm:spPr/>
+    </dgm:pt>
+    <dgm:pt modelId="{3F77C0E3-3093-4FE5-B561-25039E43AB10}" type="pres">
+      <dgm:prSet presAssocID="{3A9B6971-5001-4935-A859-54C77E68093E}" presName="compNode" presStyleCnt="0"/>
+      <dgm:spPr/>
+    </dgm:pt>
+    <dgm:pt modelId="{E131770D-97D1-4B0E-A37C-C013899D3B0E}" type="pres">
+      <dgm:prSet presAssocID="{3A9B6971-5001-4935-A859-54C77E68093E}" presName="bkgdShape" presStyleLbl="node1" presStyleIdx="2" presStyleCnt="3"/>
+      <dgm:spPr/>
+    </dgm:pt>
+    <dgm:pt modelId="{6D900121-C103-42C8-96B2-D895AF5EAFA3}" type="pres">
+      <dgm:prSet presAssocID="{3A9B6971-5001-4935-A859-54C77E68093E}" presName="nodeTx" presStyleLbl="node1" presStyleIdx="2" presStyleCnt="3">
+        <dgm:presLayoutVars>
+          <dgm:bulletEnabled val="1"/>
+        </dgm:presLayoutVars>
+      </dgm:prSet>
+      <dgm:spPr/>
+    </dgm:pt>
+    <dgm:pt modelId="{6B5D729E-0B8F-48CB-85FD-21E1A11F5928}" type="pres">
+      <dgm:prSet presAssocID="{3A9B6971-5001-4935-A859-54C77E68093E}" presName="invisiNode" presStyleLbl="node1" presStyleIdx="2" presStyleCnt="3"/>
+      <dgm:spPr/>
+    </dgm:pt>
+    <dgm:pt modelId="{F46B4E31-F96F-4023-991E-ED88048B4FE0}" type="pres">
+      <dgm:prSet presAssocID="{3A9B6971-5001-4935-A859-54C77E68093E}" presName="imagNode" presStyleLbl="fgImgPlace1" presStyleIdx="2" presStyleCnt="3"/>
+      <dgm:spPr>
+        <a:blipFill>
+          <a:blip xmlns:r="http://schemas.openxmlformats.org/officeDocument/2006/relationships" r:embed="rId3"/>
+          <a:srcRect/>
+          <a:stretch>
+            <a:fillRect/>
+          </a:stretch>
+        </a:blipFill>
+        <a:ln w="3175">
+          <a:solidFill>
+            <a:schemeClr val="bg1"/>
+          </a:solidFill>
+        </a:ln>
+      </dgm:spPr>
+    </dgm:pt>
+  </dgm:ptLst>
+  <dgm:cxnLst>
+    <dgm:cxn modelId="{87F83F02-7C4C-4263-A9E0-5137CD3D2081}" type="presOf" srcId="{A72DFC82-5197-4323-9309-BEA2F627D9F5}" destId="{F9601A18-E15F-4A88-81A1-9C8C54917FA5}" srcOrd="0" destOrd="0" presId="urn:microsoft.com/office/officeart/2005/8/layout/hList7"/>
+    <dgm:cxn modelId="{A48D0635-DB60-46A4-A5A9-7AC245267C0A}" type="presOf" srcId="{1D770145-3F55-499A-9F32-029E59CCC201}" destId="{8769D2E0-21EB-4D72-BE1E-2A364DF9F1A5}" srcOrd="0" destOrd="0" presId="urn:microsoft.com/office/officeart/2005/8/layout/hList7"/>
+    <dgm:cxn modelId="{7408DA3D-83AA-42CB-B1B5-820303AA0259}" type="presOf" srcId="{9B55617A-F390-41B3-924D-662F94BDD86A}" destId="{242CA97C-F649-4E09-8B20-6A5852F55F31}" srcOrd="0" destOrd="0" presId="urn:microsoft.com/office/officeart/2005/8/layout/hList7"/>
+    <dgm:cxn modelId="{2A9FD86F-2A24-4495-81DC-9E8D5917D6D0}" type="presOf" srcId="{3A9B6971-5001-4935-A859-54C77E68093E}" destId="{6D900121-C103-42C8-96B2-D895AF5EAFA3}" srcOrd="1" destOrd="0" presId="urn:microsoft.com/office/officeart/2005/8/layout/hList7"/>
+    <dgm:cxn modelId="{6C2EAF50-714B-47AD-8FB1-C438E4A5D5C0}" srcId="{1D770145-3F55-499A-9F32-029E59CCC201}" destId="{A72DFC82-5197-4323-9309-BEA2F627D9F5}" srcOrd="0" destOrd="0" parTransId="{98ECA12F-A583-4F15-969C-48AA962A3054}" sibTransId="{9B55617A-F390-41B3-924D-662F94BDD86A}"/>
+    <dgm:cxn modelId="{ABD59185-5B5F-46AA-8B96-F461AAD60ED9}" type="presOf" srcId="{6D23556D-B7DF-4919-B34F-7838CB070495}" destId="{2BCFC16C-F898-45ED-9A49-AE5621782DB6}" srcOrd="0" destOrd="0" presId="urn:microsoft.com/office/officeart/2005/8/layout/hList7"/>
+    <dgm:cxn modelId="{77BA4793-2A6B-4E51-B4A6-44F25E68C660}" srcId="{1D770145-3F55-499A-9F32-029E59CCC201}" destId="{3A9B6971-5001-4935-A859-54C77E68093E}" srcOrd="2" destOrd="0" parTransId="{83BE1068-7095-47D1-9915-4A0EC203D9D9}" sibTransId="{A22351D3-110D-447F-AB35-43D270628315}"/>
+    <dgm:cxn modelId="{E76B569E-3387-49A4-A21A-ED0B0CD74FEB}" type="presOf" srcId="{A72DFC82-5197-4323-9309-BEA2F627D9F5}" destId="{583444ED-1E71-4CA7-8396-F44C413CF589}" srcOrd="1" destOrd="0" presId="urn:microsoft.com/office/officeart/2005/8/layout/hList7"/>
+    <dgm:cxn modelId="{CB3DC9B0-1CC0-48DC-B744-E70690B91D5D}" type="presOf" srcId="{3A9B6971-5001-4935-A859-54C77E68093E}" destId="{E131770D-97D1-4B0E-A37C-C013899D3B0E}" srcOrd="0" destOrd="0" presId="urn:microsoft.com/office/officeart/2005/8/layout/hList7"/>
+    <dgm:cxn modelId="{7D5952B5-A93B-4807-9CA7-489A8ECAFEC0}" type="presOf" srcId="{6D23556D-B7DF-4919-B34F-7838CB070495}" destId="{18C5D294-CF8D-4C9E-9D16-1311364564A2}" srcOrd="1" destOrd="0" presId="urn:microsoft.com/office/officeart/2005/8/layout/hList7"/>
+    <dgm:cxn modelId="{9228ACDB-5E51-4A12-ADFD-E4BCFEF2B482}" type="presOf" srcId="{FD84108A-C9F9-4DF3-AB8F-ABB0642FC93E}" destId="{84C96993-48D6-4D2F-8233-F0D79824F44E}" srcOrd="0" destOrd="0" presId="urn:microsoft.com/office/officeart/2005/8/layout/hList7"/>
+    <dgm:cxn modelId="{1F0481E2-9449-4050-B046-736B7514AE66}" srcId="{1D770145-3F55-499A-9F32-029E59CCC201}" destId="{6D23556D-B7DF-4919-B34F-7838CB070495}" srcOrd="1" destOrd="0" parTransId="{B6CA6827-B9D1-4DD4-82DC-7E401F5446EC}" sibTransId="{FD84108A-C9F9-4DF3-AB8F-ABB0642FC93E}"/>
+    <dgm:cxn modelId="{19BD080D-469F-483D-AE34-E2D7EEB5A640}" type="presParOf" srcId="{8769D2E0-21EB-4D72-BE1E-2A364DF9F1A5}" destId="{C33DD371-1842-4E3E-B2DF-4B441C79EC45}" srcOrd="0" destOrd="0" presId="urn:microsoft.com/office/officeart/2005/8/layout/hList7"/>
+    <dgm:cxn modelId="{B52E83D8-5A1D-4D40-8956-76AE085420CC}" type="presParOf" srcId="{8769D2E0-21EB-4D72-BE1E-2A364DF9F1A5}" destId="{27F40F04-8BE1-43EE-AF4E-E2D6F52EE502}" srcOrd="1" destOrd="0" presId="urn:microsoft.com/office/officeart/2005/8/layout/hList7"/>
+    <dgm:cxn modelId="{3BC06641-65D4-4A0B-B263-64C2F21F21E6}" type="presParOf" srcId="{27F40F04-8BE1-43EE-AF4E-E2D6F52EE502}" destId="{8B538D36-8FAD-48BC-81A8-FC3EFA70158C}" srcOrd="0" destOrd="0" presId="urn:microsoft.com/office/officeart/2005/8/layout/hList7"/>
+    <dgm:cxn modelId="{51F6069C-C23C-4CAE-BF23-6A82B12047A7}" type="presParOf" srcId="{8B538D36-8FAD-48BC-81A8-FC3EFA70158C}" destId="{F9601A18-E15F-4A88-81A1-9C8C54917FA5}" srcOrd="0" destOrd="0" presId="urn:microsoft.com/office/officeart/2005/8/layout/hList7"/>
+    <dgm:cxn modelId="{D4ED752C-BF3B-4773-8D91-CDF748F4066F}" type="presParOf" srcId="{8B538D36-8FAD-48BC-81A8-FC3EFA70158C}" destId="{583444ED-1E71-4CA7-8396-F44C413CF589}" srcOrd="1" destOrd="0" presId="urn:microsoft.com/office/officeart/2005/8/layout/hList7"/>
+    <dgm:cxn modelId="{38F3625E-676E-4BF8-A725-1DE884BE2E5E}" type="presParOf" srcId="{8B538D36-8FAD-48BC-81A8-FC3EFA70158C}" destId="{2233F73E-A5C1-440F-86F6-4A9F81BE0385}" srcOrd="2" destOrd="0" presId="urn:microsoft.com/office/officeart/2005/8/layout/hList7"/>
+    <dgm:cxn modelId="{FC646AE9-5203-44AA-8D5C-0F51623EA4E6}" type="presParOf" srcId="{8B538D36-8FAD-48BC-81A8-FC3EFA70158C}" destId="{977BEE19-20F9-4917-93FB-4525F8B2FFC8}" srcOrd="3" destOrd="0" presId="urn:microsoft.com/office/officeart/2005/8/layout/hList7"/>
+    <dgm:cxn modelId="{BC488E37-1191-4A2F-8F17-ABC9CEDB1A44}" type="presParOf" srcId="{27F40F04-8BE1-43EE-AF4E-E2D6F52EE502}" destId="{242CA97C-F649-4E09-8B20-6A5852F55F31}" srcOrd="1" destOrd="0" presId="urn:microsoft.com/office/officeart/2005/8/layout/hList7"/>
+    <dgm:cxn modelId="{9A8FF2C0-D8B1-40B3-AD59-F6FC339728AA}" type="presParOf" srcId="{27F40F04-8BE1-43EE-AF4E-E2D6F52EE502}" destId="{B2B3A3FA-BC34-4292-98DB-97C02B5BDA73}" srcOrd="2" destOrd="0" presId="urn:microsoft.com/office/officeart/2005/8/layout/hList7"/>
+    <dgm:cxn modelId="{8AC07AA0-CF47-4F3E-B5C4-F77BAA58DB19}" type="presParOf" srcId="{B2B3A3FA-BC34-4292-98DB-97C02B5BDA73}" destId="{2BCFC16C-F898-45ED-9A49-AE5621782DB6}" srcOrd="0" destOrd="0" presId="urn:microsoft.com/office/officeart/2005/8/layout/hList7"/>
+    <dgm:cxn modelId="{468D24ED-72C4-4A7A-B63E-823596AEE6FF}" type="presParOf" srcId="{B2B3A3FA-BC34-4292-98DB-97C02B5BDA73}" destId="{18C5D294-CF8D-4C9E-9D16-1311364564A2}" srcOrd="1" destOrd="0" presId="urn:microsoft.com/office/officeart/2005/8/layout/hList7"/>
+    <dgm:cxn modelId="{85977851-9E22-442E-AFBB-C0966F5C67A0}" type="presParOf" srcId="{B2B3A3FA-BC34-4292-98DB-97C02B5BDA73}" destId="{333BC9D5-272C-467D-B2D1-4459526FBA22}" srcOrd="2" destOrd="0" presId="urn:microsoft.com/office/officeart/2005/8/layout/hList7"/>
+    <dgm:cxn modelId="{AF201E5F-C7B3-4EAB-A0BA-99970E6ACD5C}" type="presParOf" srcId="{B2B3A3FA-BC34-4292-98DB-97C02B5BDA73}" destId="{85F2346E-4113-431D-AA64-8C4A1F857277}" srcOrd="3" destOrd="0" presId="urn:microsoft.com/office/officeart/2005/8/layout/hList7"/>
+    <dgm:cxn modelId="{F269D2BF-15A5-4150-A387-0E4178612920}" type="presParOf" srcId="{27F40F04-8BE1-43EE-AF4E-E2D6F52EE502}" destId="{84C96993-48D6-4D2F-8233-F0D79824F44E}" srcOrd="3" destOrd="0" presId="urn:microsoft.com/office/officeart/2005/8/layout/hList7"/>
+    <dgm:cxn modelId="{63F239E7-5454-40B9-B922-71C394290463}" type="presParOf" srcId="{27F40F04-8BE1-43EE-AF4E-E2D6F52EE502}" destId="{3F77C0E3-3093-4FE5-B561-25039E43AB10}" srcOrd="4" destOrd="0" presId="urn:microsoft.com/office/officeart/2005/8/layout/hList7"/>
+    <dgm:cxn modelId="{72C8090A-3889-4689-9914-DE7F1E74AB15}" type="presParOf" srcId="{3F77C0E3-3093-4FE5-B561-25039E43AB10}" destId="{E131770D-97D1-4B0E-A37C-C013899D3B0E}" srcOrd="0" destOrd="0" presId="urn:microsoft.com/office/officeart/2005/8/layout/hList7"/>
+    <dgm:cxn modelId="{756132A2-F0F5-4281-A332-A302ED385F00}" type="presParOf" srcId="{3F77C0E3-3093-4FE5-B561-25039E43AB10}" destId="{6D900121-C103-42C8-96B2-D895AF5EAFA3}" srcOrd="1" destOrd="0" presId="urn:microsoft.com/office/officeart/2005/8/layout/hList7"/>
+    <dgm:cxn modelId="{C52577F7-0E28-4B5C-BE45-4485345F18FF}" type="presParOf" srcId="{3F77C0E3-3093-4FE5-B561-25039E43AB10}" destId="{6B5D729E-0B8F-48CB-85FD-21E1A11F5928}" srcOrd="2" destOrd="0" presId="urn:microsoft.com/office/officeart/2005/8/layout/hList7"/>
+    <dgm:cxn modelId="{A455019A-003F-4013-938B-07DE45B89A4B}" type="presParOf" srcId="{3F77C0E3-3093-4FE5-B561-25039E43AB10}" destId="{F46B4E31-F96F-4023-991E-ED88048B4FE0}" srcOrd="3" destOrd="0" presId="urn:microsoft.com/office/officeart/2005/8/layout/hList7"/>
+  </dgm:cxnLst>
+  <dgm:bg/>
+  <dgm:whole/>
+  <dgm:extLst>
+    <a:ext uri="http://schemas.microsoft.com/office/drawing/2008/diagram">
+      <dsp:dataModelExt xmlns:dsp="http://schemas.microsoft.com/office/drawing/2008/diagram" relId="rId6" minVer="http://schemas.openxmlformats.org/drawingml/2006/diagram"/>
+    </a:ext>
+  </dgm:extLst>
+</dgm:dataModel>
+</file>
+
+<file path=ppt/diagrams/data2.xml><?xml version="1.0" encoding="utf-8"?>
+<dgm:dataModel xmlns:dgm="http://schemas.openxmlformats.org/drawingml/2006/diagram" xmlns:a="http://schemas.openxmlformats.org/drawingml/2006/main">
+  <dgm:ptLst>
+    <dgm:pt modelId="{88F3C1AA-CE67-4663-8C4E-5739587C4C85}" type="doc">
+      <dgm:prSet loTypeId="urn:microsoft.com/office/officeart/2005/8/layout/vList4" loCatId="list" qsTypeId="urn:microsoft.com/office/officeart/2005/8/quickstyle/simple5" qsCatId="simple" csTypeId="urn:microsoft.com/office/officeart/2005/8/colors/accent1_2" csCatId="accent1" phldr="1"/>
+      <dgm:spPr/>
+      <dgm:t>
+        <a:bodyPr/>
+        <a:lstStyle/>
+        <a:p>
+          <a:endParaRPr lang="en-US"/>
+        </a:p>
+      </dgm:t>
+    </dgm:pt>
+    <dgm:pt modelId="{D36D91AA-A698-440A-A2E7-650B4772B315}">
+      <dgm:prSet phldrT="[Text]"/>
+      <dgm:spPr/>
+      <dgm:t>
+        <a:bodyPr/>
+        <a:lstStyle/>
+        <a:p>
+          <a:r>
+            <a:rPr lang="de-DE" dirty="0"/>
+            <a:t>Option 2</a:t>
+          </a:r>
+          <a:endParaRPr lang="en-US" dirty="0"/>
+        </a:p>
+      </dgm:t>
+    </dgm:pt>
+    <dgm:pt modelId="{0C6D27D9-0390-4420-8C8E-189A0F1434FC}" type="parTrans" cxnId="{8D80CE06-28D5-48B5-A58E-31F288630928}">
+      <dgm:prSet/>
+      <dgm:spPr/>
+      <dgm:t>
+        <a:bodyPr/>
+        <a:lstStyle/>
+        <a:p>
+          <a:endParaRPr lang="en-US"/>
+        </a:p>
+      </dgm:t>
+    </dgm:pt>
+    <dgm:pt modelId="{80831EC4-31ED-4038-AC0A-774C020F8DE1}" type="sibTrans" cxnId="{8D80CE06-28D5-48B5-A58E-31F288630928}">
+      <dgm:prSet/>
+      <dgm:spPr/>
+      <dgm:t>
+        <a:bodyPr/>
+        <a:lstStyle/>
+        <a:p>
+          <a:endParaRPr lang="en-US"/>
+        </a:p>
+      </dgm:t>
+    </dgm:pt>
+    <dgm:pt modelId="{534E9A7E-57F2-48B5-AB09-7FC267998813}">
+      <dgm:prSet phldrT="[Text]"/>
+      <dgm:spPr/>
+      <dgm:t>
+        <a:bodyPr/>
+        <a:lstStyle/>
+        <a:p>
+          <a:r>
+            <a:rPr lang="de-DE" dirty="0">
+              <a:solidFill>
+                <a:srgbClr val="00B050"/>
+              </a:solidFill>
+            </a:rPr>
+            <a:t>Empfehlung für Informatiker</a:t>
+          </a:r>
+          <a:endParaRPr lang="en-US" dirty="0">
+            <a:solidFill>
+              <a:srgbClr val="00B050"/>
+            </a:solidFill>
+          </a:endParaRPr>
+        </a:p>
+      </dgm:t>
+    </dgm:pt>
+    <dgm:pt modelId="{871163A8-C156-4908-A079-837EF5E4F8DF}" type="parTrans" cxnId="{05B6A123-D08D-49A6-91B9-C1101DD4E260}">
+      <dgm:prSet/>
+      <dgm:spPr/>
+      <dgm:t>
+        <a:bodyPr/>
+        <a:lstStyle/>
+        <a:p>
+          <a:endParaRPr lang="en-US"/>
+        </a:p>
+      </dgm:t>
+    </dgm:pt>
+    <dgm:pt modelId="{10329004-61E4-40D4-9DFD-FCC69DA53FDB}" type="sibTrans" cxnId="{05B6A123-D08D-49A6-91B9-C1101DD4E260}">
+      <dgm:prSet/>
+      <dgm:spPr/>
+      <dgm:t>
+        <a:bodyPr/>
+        <a:lstStyle/>
+        <a:p>
+          <a:endParaRPr lang="en-US"/>
+        </a:p>
+      </dgm:t>
+    </dgm:pt>
+    <dgm:pt modelId="{4F44F2B1-1F88-4DA0-BD41-D64F93313F40}">
+      <dgm:prSet phldrT="[Text]"/>
+      <dgm:spPr/>
+      <dgm:t>
+        <a:bodyPr/>
+        <a:lstStyle/>
+        <a:p>
+          <a:r>
+            <a:rPr lang="en-US" dirty="0">
+              <a:solidFill>
+                <a:schemeClr val="tx1">
+                  <a:lumMod val="85000"/>
+                  <a:lumOff val="15000"/>
+                </a:schemeClr>
+              </a:solidFill>
+              <a:hlinkClick xmlns:r="http://schemas.openxmlformats.org/officeDocument/2006/relationships" r:id="rId1">
+                <a:extLst>
+                  <a:ext uri="{A12FA001-AC4F-418D-AE19-62706E023703}">
+                    <ahyp:hlinkClr xmlns:ahyp="http://schemas.microsoft.com/office/drawing/2018/hyperlinkcolor" val="tx"/>
+                  </a:ext>
+                </a:extLst>
+              </a:hlinkClick>
+            </a:rPr>
+            <a:t>https://github.com/maximotus/skill-saturday-wordpress-portfolio-website/wiki/Option-2</a:t>
+          </a:r>
+          <a:endParaRPr lang="en-US" dirty="0">
+            <a:solidFill>
+              <a:schemeClr val="tx1">
+                <a:lumMod val="85000"/>
+                <a:lumOff val="15000"/>
+              </a:schemeClr>
+            </a:solidFill>
+          </a:endParaRPr>
+        </a:p>
+      </dgm:t>
+    </dgm:pt>
+    <dgm:pt modelId="{517AD3AA-EF90-4EBE-A5DE-913725FBF4CB}" type="parTrans" cxnId="{094DD498-3373-413C-A36B-EC2A3FE67467}">
+      <dgm:prSet/>
+      <dgm:spPr/>
+      <dgm:t>
+        <a:bodyPr/>
+        <a:lstStyle/>
+        <a:p>
+          <a:endParaRPr lang="en-US"/>
+        </a:p>
+      </dgm:t>
+    </dgm:pt>
+    <dgm:pt modelId="{E0D00119-02DE-48DE-AF4D-671A20534577}" type="sibTrans" cxnId="{094DD498-3373-413C-A36B-EC2A3FE67467}">
+      <dgm:prSet/>
+      <dgm:spPr/>
+      <dgm:t>
+        <a:bodyPr/>
+        <a:lstStyle/>
+        <a:p>
+          <a:endParaRPr lang="en-US"/>
+        </a:p>
+      </dgm:t>
+    </dgm:pt>
+    <dgm:pt modelId="{EFE6B8AB-7B3C-4F96-A919-649D33CC8BC9}">
+      <dgm:prSet phldrT="[Text]"/>
+      <dgm:spPr/>
+      <dgm:t>
+        <a:bodyPr/>
+        <a:lstStyle/>
+        <a:p>
+          <a:r>
+            <a:rPr lang="de-DE" dirty="0"/>
+            <a:t>Option 3</a:t>
+          </a:r>
+          <a:endParaRPr lang="en-US" dirty="0"/>
+        </a:p>
+      </dgm:t>
+    </dgm:pt>
+    <dgm:pt modelId="{EEBC6384-3D50-46C8-A478-13FB96D91CBD}" type="parTrans" cxnId="{6CCC1E45-D0D2-4463-8870-0CD1F8705446}">
+      <dgm:prSet/>
+      <dgm:spPr/>
+      <dgm:t>
+        <a:bodyPr/>
+        <a:lstStyle/>
+        <a:p>
+          <a:endParaRPr lang="en-US"/>
+        </a:p>
+      </dgm:t>
+    </dgm:pt>
+    <dgm:pt modelId="{FF379C51-41E2-4586-A22A-9ADECBC66334}" type="sibTrans" cxnId="{6CCC1E45-D0D2-4463-8870-0CD1F8705446}">
+      <dgm:prSet/>
+      <dgm:spPr/>
+      <dgm:t>
+        <a:bodyPr/>
+        <a:lstStyle/>
+        <a:p>
+          <a:endParaRPr lang="en-US"/>
+        </a:p>
+      </dgm:t>
+    </dgm:pt>
+    <dgm:pt modelId="{3D74735F-EACB-4F99-A3DA-C48DFDA3EFB8}">
+      <dgm:prSet phldrT="[Text]"/>
+      <dgm:spPr/>
+      <dgm:t>
+        <a:bodyPr/>
+        <a:lstStyle/>
+        <a:p>
+          <a:r>
+            <a:rPr lang="de-DE" dirty="0">
+              <a:solidFill>
+                <a:srgbClr val="00B050"/>
+              </a:solidFill>
+            </a:rPr>
+            <a:t>Empfehlung für Nicht-Informatiker</a:t>
+          </a:r>
+          <a:endParaRPr lang="en-US" dirty="0">
+            <a:solidFill>
+              <a:srgbClr val="00B050"/>
+            </a:solidFill>
+          </a:endParaRPr>
+        </a:p>
+      </dgm:t>
+    </dgm:pt>
+    <dgm:pt modelId="{F756F1D6-7C7B-4099-84DF-93185C25C6A3}" type="parTrans" cxnId="{DECAE822-F00A-49DE-B3EE-00E5A86F9281}">
+      <dgm:prSet/>
+      <dgm:spPr/>
+      <dgm:t>
+        <a:bodyPr/>
+        <a:lstStyle/>
+        <a:p>
+          <a:endParaRPr lang="en-US"/>
+        </a:p>
+      </dgm:t>
+    </dgm:pt>
+    <dgm:pt modelId="{8CBD9DF4-CA00-462B-8CA2-418E6DC47B8B}" type="sibTrans" cxnId="{DECAE822-F00A-49DE-B3EE-00E5A86F9281}">
+      <dgm:prSet/>
+      <dgm:spPr/>
+      <dgm:t>
+        <a:bodyPr/>
+        <a:lstStyle/>
+        <a:p>
+          <a:endParaRPr lang="en-US"/>
+        </a:p>
+      </dgm:t>
+    </dgm:pt>
+    <dgm:pt modelId="{48280E94-9C4D-4EC1-ADEE-E54348D94B29}">
+      <dgm:prSet phldrT="[Text]"/>
+      <dgm:spPr/>
+      <dgm:t>
+        <a:bodyPr/>
+        <a:lstStyle/>
+        <a:p>
+          <a:r>
+            <a:rPr lang="en-US" dirty="0">
+              <a:solidFill>
+                <a:schemeClr val="tx1">
+                  <a:lumMod val="85000"/>
+                  <a:lumOff val="15000"/>
+                </a:schemeClr>
+              </a:solidFill>
+              <a:hlinkClick xmlns:r="http://schemas.openxmlformats.org/officeDocument/2006/relationships" r:id="rId2">
+                <a:extLst>
+                  <a:ext uri="{A12FA001-AC4F-418D-AE19-62706E023703}">
+                    <ahyp:hlinkClr xmlns:ahyp="http://schemas.microsoft.com/office/drawing/2018/hyperlinkcolor" val="tx"/>
+                  </a:ext>
+                </a:extLst>
+              </a:hlinkClick>
+            </a:rPr>
+            <a:t>https://github.com/maximotus/skill-saturday-wordpress-portfolio-website/wiki/Option-3</a:t>
+          </a:r>
+          <a:endParaRPr lang="en-US" dirty="0">
+            <a:solidFill>
+              <a:schemeClr val="tx1">
+                <a:lumMod val="85000"/>
+                <a:lumOff val="15000"/>
+              </a:schemeClr>
+            </a:solidFill>
+          </a:endParaRPr>
+        </a:p>
+      </dgm:t>
+    </dgm:pt>
+    <dgm:pt modelId="{30181F8B-6095-488E-B0A0-ED1F71965231}" type="parTrans" cxnId="{E958D634-C74F-4EB9-AEBB-24E4148ABC6E}">
+      <dgm:prSet/>
+      <dgm:spPr/>
+      <dgm:t>
+        <a:bodyPr/>
+        <a:lstStyle/>
+        <a:p>
+          <a:endParaRPr lang="en-US"/>
+        </a:p>
+      </dgm:t>
+    </dgm:pt>
+    <dgm:pt modelId="{FE23EB89-88B9-4EB0-8ED9-0DD03D487DAB}" type="sibTrans" cxnId="{E958D634-C74F-4EB9-AEBB-24E4148ABC6E}">
+      <dgm:prSet/>
+      <dgm:spPr/>
+      <dgm:t>
+        <a:bodyPr/>
+        <a:lstStyle/>
+        <a:p>
+          <a:endParaRPr lang="en-US"/>
+        </a:p>
+      </dgm:t>
+    </dgm:pt>
+    <dgm:pt modelId="{FF869937-3662-48A5-B8E2-C991522DD447}">
+      <dgm:prSet phldrT="[Text]"/>
+      <dgm:spPr/>
+      <dgm:t>
+        <a:bodyPr/>
+        <a:lstStyle/>
+        <a:p>
+          <a:r>
+            <a:rPr lang="de-DE" dirty="0"/>
+            <a:t>Option 4</a:t>
+          </a:r>
+          <a:endParaRPr lang="en-US" dirty="0"/>
+        </a:p>
+      </dgm:t>
+    </dgm:pt>
+    <dgm:pt modelId="{8EDBB306-30E5-4FDF-9118-6638FBDF93AD}" type="parTrans" cxnId="{B8B58D80-9A7A-4A72-B203-3B6A30ACF62B}">
+      <dgm:prSet/>
+      <dgm:spPr/>
+      <dgm:t>
+        <a:bodyPr/>
+        <a:lstStyle/>
+        <a:p>
+          <a:endParaRPr lang="en-US"/>
+        </a:p>
+      </dgm:t>
+    </dgm:pt>
+    <dgm:pt modelId="{7F01C478-6E74-455D-A06B-31E2DC2E21E8}" type="sibTrans" cxnId="{B8B58D80-9A7A-4A72-B203-3B6A30ACF62B}">
+      <dgm:prSet/>
+      <dgm:spPr/>
+      <dgm:t>
+        <a:bodyPr/>
+        <a:lstStyle/>
+        <a:p>
+          <a:endParaRPr lang="en-US"/>
+        </a:p>
+      </dgm:t>
+    </dgm:pt>
+    <dgm:pt modelId="{DB3DCDB3-64EC-467F-8691-C8D04C0CB373}">
+      <dgm:prSet phldrT="[Text]"/>
+      <dgm:spPr/>
+      <dgm:t>
+        <a:bodyPr/>
+        <a:lstStyle/>
+        <a:p>
+          <a:r>
+            <a:rPr lang="de-DE" dirty="0">
+              <a:solidFill>
+                <a:srgbClr val="FFFF00"/>
+              </a:solidFill>
+              <a:latin typeface="Avenir Next LT Pro Light" panose="020B0304020202020204" pitchFamily="34" charset="0"/>
+            </a:rPr>
+            <a:t>Keine Empfehlung (es gibt aber eine Anleitung)!</a:t>
+          </a:r>
+          <a:endParaRPr lang="en-US" dirty="0"/>
+        </a:p>
+      </dgm:t>
+    </dgm:pt>
+    <dgm:pt modelId="{D194B764-1BCF-4364-9570-49D4EACB13D5}" type="parTrans" cxnId="{A094C5CB-54B0-4A12-BD87-8A3CF461C7B5}">
+      <dgm:prSet/>
+      <dgm:spPr/>
+      <dgm:t>
+        <a:bodyPr/>
+        <a:lstStyle/>
+        <a:p>
+          <a:endParaRPr lang="en-US"/>
+        </a:p>
+      </dgm:t>
+    </dgm:pt>
+    <dgm:pt modelId="{BE9B4E90-2BA0-4AC7-8D7B-0C0E213D5347}" type="sibTrans" cxnId="{A094C5CB-54B0-4A12-BD87-8A3CF461C7B5}">
+      <dgm:prSet/>
+      <dgm:spPr/>
+      <dgm:t>
+        <a:bodyPr/>
+        <a:lstStyle/>
+        <a:p>
+          <a:endParaRPr lang="en-US"/>
+        </a:p>
+      </dgm:t>
+    </dgm:pt>
+    <dgm:pt modelId="{E708BED1-C5DF-47B9-8D40-6E3403B66E69}">
+      <dgm:prSet phldrT="[Text]"/>
+      <dgm:spPr/>
+      <dgm:t>
+        <a:bodyPr/>
+        <a:lstStyle/>
+        <a:p>
+          <a:r>
+            <a:rPr lang="en-US" dirty="0">
+              <a:solidFill>
+                <a:schemeClr val="tx1">
+                  <a:lumMod val="85000"/>
+                  <a:lumOff val="15000"/>
+                </a:schemeClr>
+              </a:solidFill>
+              <a:hlinkClick xmlns:r="http://schemas.openxmlformats.org/officeDocument/2006/relationships" r:id="rId3">
+                <a:extLst>
+                  <a:ext uri="{A12FA001-AC4F-418D-AE19-62706E023703}">
+                    <ahyp:hlinkClr xmlns:ahyp="http://schemas.microsoft.com/office/drawing/2018/hyperlinkcolor" val="tx"/>
+                  </a:ext>
+                </a:extLst>
+              </a:hlinkClick>
+            </a:rPr>
+            <a:t>https://github.com/maximotus/skill-saturday-wordpress-portfolio-website/wiki/Option-4</a:t>
+          </a:r>
+          <a:endParaRPr lang="en-US" dirty="0">
+            <a:solidFill>
+              <a:schemeClr val="tx1">
+                <a:lumMod val="85000"/>
+                <a:lumOff val="15000"/>
+              </a:schemeClr>
+            </a:solidFill>
+          </a:endParaRPr>
+        </a:p>
+      </dgm:t>
+    </dgm:pt>
+    <dgm:pt modelId="{B688070F-38FB-4DAE-8DBF-E040B9B8DCE6}" type="parTrans" cxnId="{CFD273A8-E048-4695-969D-518067520BC5}">
+      <dgm:prSet/>
+      <dgm:spPr/>
+      <dgm:t>
+        <a:bodyPr/>
+        <a:lstStyle/>
+        <a:p>
+          <a:endParaRPr lang="en-US"/>
+        </a:p>
+      </dgm:t>
+    </dgm:pt>
+    <dgm:pt modelId="{BCFB4885-78B7-44AD-B2AD-429A34EA38DF}" type="sibTrans" cxnId="{CFD273A8-E048-4695-969D-518067520BC5}">
+      <dgm:prSet/>
+      <dgm:spPr/>
+      <dgm:t>
+        <a:bodyPr/>
+        <a:lstStyle/>
+        <a:p>
+          <a:endParaRPr lang="en-US"/>
+        </a:p>
+      </dgm:t>
+    </dgm:pt>
+    <dgm:pt modelId="{30183D65-48F9-4297-A449-6903C6264016}" type="pres">
+      <dgm:prSet presAssocID="{88F3C1AA-CE67-4663-8C4E-5739587C4C85}" presName="linear" presStyleCnt="0">
+        <dgm:presLayoutVars>
+          <dgm:dir/>
+          <dgm:resizeHandles val="exact"/>
+        </dgm:presLayoutVars>
+      </dgm:prSet>
+      <dgm:spPr/>
+    </dgm:pt>
+    <dgm:pt modelId="{E2C7033F-DB72-4AA7-93EB-B521FEA1E64A}" type="pres">
+      <dgm:prSet presAssocID="{D36D91AA-A698-440A-A2E7-650B4772B315}" presName="comp" presStyleCnt="0"/>
+      <dgm:spPr/>
+    </dgm:pt>
+    <dgm:pt modelId="{4C3F45E2-0089-46DA-822A-9F4B7C76BBB7}" type="pres">
+      <dgm:prSet presAssocID="{D36D91AA-A698-440A-A2E7-650B4772B315}" presName="box" presStyleLbl="node1" presStyleIdx="0" presStyleCnt="3"/>
+      <dgm:spPr/>
+    </dgm:pt>
+    <dgm:pt modelId="{3543167E-0B84-4A2E-8412-B8340644D301}" type="pres">
+      <dgm:prSet presAssocID="{D36D91AA-A698-440A-A2E7-650B4772B315}" presName="img" presStyleLbl="fgImgPlace1" presStyleIdx="0" presStyleCnt="3"/>
+      <dgm:spPr>
+        <a:solidFill>
+          <a:schemeClr val="bg1"/>
+        </a:solidFill>
+      </dgm:spPr>
+    </dgm:pt>
+    <dgm:pt modelId="{71740332-8654-4465-80E5-0D70AB61A957}" type="pres">
+      <dgm:prSet presAssocID="{D36D91AA-A698-440A-A2E7-650B4772B315}" presName="text" presStyleLbl="node1" presStyleIdx="0" presStyleCnt="3">
+        <dgm:presLayoutVars>
+          <dgm:bulletEnabled val="1"/>
+        </dgm:presLayoutVars>
+      </dgm:prSet>
+      <dgm:spPr/>
+    </dgm:pt>
+    <dgm:pt modelId="{A199E1C2-B509-430E-976F-3416D9E6BCF1}" type="pres">
+      <dgm:prSet presAssocID="{80831EC4-31ED-4038-AC0A-774C020F8DE1}" presName="spacer" presStyleCnt="0"/>
+      <dgm:spPr/>
+    </dgm:pt>
+    <dgm:pt modelId="{C615E3BE-DAE0-4F12-A317-9F975E116D92}" type="pres">
+      <dgm:prSet presAssocID="{EFE6B8AB-7B3C-4F96-A919-649D33CC8BC9}" presName="comp" presStyleCnt="0"/>
+      <dgm:spPr/>
+    </dgm:pt>
+    <dgm:pt modelId="{A11EFA34-286D-4420-B635-E2EA95F7BC9A}" type="pres">
+      <dgm:prSet presAssocID="{EFE6B8AB-7B3C-4F96-A919-649D33CC8BC9}" presName="box" presStyleLbl="node1" presStyleIdx="1" presStyleCnt="3"/>
+      <dgm:spPr/>
+    </dgm:pt>
+    <dgm:pt modelId="{501E99D7-A5CC-4814-97C3-485359C94EBE}" type="pres">
+      <dgm:prSet presAssocID="{EFE6B8AB-7B3C-4F96-A919-649D33CC8BC9}" presName="img" presStyleLbl="fgImgPlace1" presStyleIdx="1" presStyleCnt="3"/>
+      <dgm:spPr>
+        <a:solidFill>
+          <a:schemeClr val="bg1"/>
+        </a:solidFill>
+      </dgm:spPr>
+    </dgm:pt>
+    <dgm:pt modelId="{273CF225-9753-4928-95B0-F8E145FD8C01}" type="pres">
+      <dgm:prSet presAssocID="{EFE6B8AB-7B3C-4F96-A919-649D33CC8BC9}" presName="text" presStyleLbl="node1" presStyleIdx="1" presStyleCnt="3">
+        <dgm:presLayoutVars>
+          <dgm:bulletEnabled val="1"/>
+        </dgm:presLayoutVars>
+      </dgm:prSet>
+      <dgm:spPr/>
+    </dgm:pt>
+    <dgm:pt modelId="{5012CD9B-C411-4FAB-A761-36B7BCBADF14}" type="pres">
+      <dgm:prSet presAssocID="{FF379C51-41E2-4586-A22A-9ADECBC66334}" presName="spacer" presStyleCnt="0"/>
+      <dgm:spPr/>
+    </dgm:pt>
+    <dgm:pt modelId="{D78BD2E8-1617-4406-9EB8-886D022D0E09}" type="pres">
+      <dgm:prSet presAssocID="{FF869937-3662-48A5-B8E2-C991522DD447}" presName="comp" presStyleCnt="0"/>
+      <dgm:spPr/>
+    </dgm:pt>
+    <dgm:pt modelId="{5146AC4C-C65D-4679-BD99-A7C261AFA3E3}" type="pres">
+      <dgm:prSet presAssocID="{FF869937-3662-48A5-B8E2-C991522DD447}" presName="box" presStyleLbl="node1" presStyleIdx="2" presStyleCnt="3"/>
+      <dgm:spPr/>
+    </dgm:pt>
+    <dgm:pt modelId="{9CFC517E-AB5B-48A5-8D3A-042E49721566}" type="pres">
+      <dgm:prSet presAssocID="{FF869937-3662-48A5-B8E2-C991522DD447}" presName="img" presStyleLbl="fgImgPlace1" presStyleIdx="2" presStyleCnt="3"/>
+      <dgm:spPr>
+        <a:solidFill>
+          <a:schemeClr val="bg1"/>
+        </a:solidFill>
+      </dgm:spPr>
+    </dgm:pt>
+    <dgm:pt modelId="{076644E2-374B-42F0-B777-E8268CA8EDAC}" type="pres">
+      <dgm:prSet presAssocID="{FF869937-3662-48A5-B8E2-C991522DD447}" presName="text" presStyleLbl="node1" presStyleIdx="2" presStyleCnt="3">
+        <dgm:presLayoutVars>
+          <dgm:bulletEnabled val="1"/>
+        </dgm:presLayoutVars>
+      </dgm:prSet>
+      <dgm:spPr/>
+    </dgm:pt>
+  </dgm:ptLst>
+  <dgm:cxnLst>
+    <dgm:cxn modelId="{8D80CE06-28D5-48B5-A58E-31F288630928}" srcId="{88F3C1AA-CE67-4663-8C4E-5739587C4C85}" destId="{D36D91AA-A698-440A-A2E7-650B4772B315}" srcOrd="0" destOrd="0" parTransId="{0C6D27D9-0390-4420-8C8E-189A0F1434FC}" sibTransId="{80831EC4-31ED-4038-AC0A-774C020F8DE1}"/>
+    <dgm:cxn modelId="{5392B711-9ED0-43CE-9C15-883E920FD189}" type="presOf" srcId="{48280E94-9C4D-4EC1-ADEE-E54348D94B29}" destId="{A11EFA34-286D-4420-B635-E2EA95F7BC9A}" srcOrd="0" destOrd="2" presId="urn:microsoft.com/office/officeart/2005/8/layout/vList4"/>
+    <dgm:cxn modelId="{AC809B14-12A3-4D2B-9BE2-623ABA367CDD}" type="presOf" srcId="{4F44F2B1-1F88-4DA0-BD41-D64F93313F40}" destId="{4C3F45E2-0089-46DA-822A-9F4B7C76BBB7}" srcOrd="0" destOrd="2" presId="urn:microsoft.com/office/officeart/2005/8/layout/vList4"/>
+    <dgm:cxn modelId="{DECAE822-F00A-49DE-B3EE-00E5A86F9281}" srcId="{EFE6B8AB-7B3C-4F96-A919-649D33CC8BC9}" destId="{3D74735F-EACB-4F99-A3DA-C48DFDA3EFB8}" srcOrd="0" destOrd="0" parTransId="{F756F1D6-7C7B-4099-84DF-93185C25C6A3}" sibTransId="{8CBD9DF4-CA00-462B-8CA2-418E6DC47B8B}"/>
+    <dgm:cxn modelId="{05B6A123-D08D-49A6-91B9-C1101DD4E260}" srcId="{D36D91AA-A698-440A-A2E7-650B4772B315}" destId="{534E9A7E-57F2-48B5-AB09-7FC267998813}" srcOrd="0" destOrd="0" parTransId="{871163A8-C156-4908-A079-837EF5E4F8DF}" sibTransId="{10329004-61E4-40D4-9DFD-FCC69DA53FDB}"/>
+    <dgm:cxn modelId="{18066026-661E-4DB9-B59B-B3132CB507B3}" type="presOf" srcId="{DB3DCDB3-64EC-467F-8691-C8D04C0CB373}" destId="{5146AC4C-C65D-4679-BD99-A7C261AFA3E3}" srcOrd="0" destOrd="1" presId="urn:microsoft.com/office/officeart/2005/8/layout/vList4"/>
+    <dgm:cxn modelId="{E958D634-C74F-4EB9-AEBB-24E4148ABC6E}" srcId="{EFE6B8AB-7B3C-4F96-A919-649D33CC8BC9}" destId="{48280E94-9C4D-4EC1-ADEE-E54348D94B29}" srcOrd="1" destOrd="0" parTransId="{30181F8B-6095-488E-B0A0-ED1F71965231}" sibTransId="{FE23EB89-88B9-4EB0-8ED9-0DD03D487DAB}"/>
+    <dgm:cxn modelId="{002CF234-54B9-4337-B790-4D2E2FDE6763}" type="presOf" srcId="{EFE6B8AB-7B3C-4F96-A919-649D33CC8BC9}" destId="{273CF225-9753-4928-95B0-F8E145FD8C01}" srcOrd="1" destOrd="0" presId="urn:microsoft.com/office/officeart/2005/8/layout/vList4"/>
+    <dgm:cxn modelId="{DA8DCE3E-32D2-40F1-AC61-58C2B70CD01B}" type="presOf" srcId="{D36D91AA-A698-440A-A2E7-650B4772B315}" destId="{71740332-8654-4465-80E5-0D70AB61A957}" srcOrd="1" destOrd="0" presId="urn:microsoft.com/office/officeart/2005/8/layout/vList4"/>
+    <dgm:cxn modelId="{6CCC1E45-D0D2-4463-8870-0CD1F8705446}" srcId="{88F3C1AA-CE67-4663-8C4E-5739587C4C85}" destId="{EFE6B8AB-7B3C-4F96-A919-649D33CC8BC9}" srcOrd="1" destOrd="0" parTransId="{EEBC6384-3D50-46C8-A478-13FB96D91CBD}" sibTransId="{FF379C51-41E2-4586-A22A-9ADECBC66334}"/>
+    <dgm:cxn modelId="{1315336D-EE89-4B7F-BF66-1579D96252CE}" type="presOf" srcId="{D36D91AA-A698-440A-A2E7-650B4772B315}" destId="{4C3F45E2-0089-46DA-822A-9F4B7C76BBB7}" srcOrd="0" destOrd="0" presId="urn:microsoft.com/office/officeart/2005/8/layout/vList4"/>
+    <dgm:cxn modelId="{BCD0AE4D-1B5C-44E1-BD89-3F57CC173BE4}" type="presOf" srcId="{FF869937-3662-48A5-B8E2-C991522DD447}" destId="{5146AC4C-C65D-4679-BD99-A7C261AFA3E3}" srcOrd="0" destOrd="0" presId="urn:microsoft.com/office/officeart/2005/8/layout/vList4"/>
+    <dgm:cxn modelId="{0487EE4E-DA51-4548-9160-273C440E94C1}" type="presOf" srcId="{EFE6B8AB-7B3C-4F96-A919-649D33CC8BC9}" destId="{A11EFA34-286D-4420-B635-E2EA95F7BC9A}" srcOrd="0" destOrd="0" presId="urn:microsoft.com/office/officeart/2005/8/layout/vList4"/>
+    <dgm:cxn modelId="{DD68EB76-1CE7-4060-8D46-296DAF789719}" type="presOf" srcId="{3D74735F-EACB-4F99-A3DA-C48DFDA3EFB8}" destId="{273CF225-9753-4928-95B0-F8E145FD8C01}" srcOrd="1" destOrd="1" presId="urn:microsoft.com/office/officeart/2005/8/layout/vList4"/>
+    <dgm:cxn modelId="{BAD8FF7A-646F-4175-9E12-C5CF12BC2896}" type="presOf" srcId="{4F44F2B1-1F88-4DA0-BD41-D64F93313F40}" destId="{71740332-8654-4465-80E5-0D70AB61A957}" srcOrd="1" destOrd="2" presId="urn:microsoft.com/office/officeart/2005/8/layout/vList4"/>
+    <dgm:cxn modelId="{B8B58D80-9A7A-4A72-B203-3B6A30ACF62B}" srcId="{88F3C1AA-CE67-4663-8C4E-5739587C4C85}" destId="{FF869937-3662-48A5-B8E2-C991522DD447}" srcOrd="2" destOrd="0" parTransId="{8EDBB306-30E5-4FDF-9118-6638FBDF93AD}" sibTransId="{7F01C478-6E74-455D-A06B-31E2DC2E21E8}"/>
+    <dgm:cxn modelId="{02DCFA8B-A183-4382-8DBE-7F6E3C64CE9A}" type="presOf" srcId="{E708BED1-C5DF-47B9-8D40-6E3403B66E69}" destId="{5146AC4C-C65D-4679-BD99-A7C261AFA3E3}" srcOrd="0" destOrd="2" presId="urn:microsoft.com/office/officeart/2005/8/layout/vList4"/>
+    <dgm:cxn modelId="{62B7758D-92F3-41DB-8209-EF2A9BD8098D}" type="presOf" srcId="{534E9A7E-57F2-48B5-AB09-7FC267998813}" destId="{4C3F45E2-0089-46DA-822A-9F4B7C76BBB7}" srcOrd="0" destOrd="1" presId="urn:microsoft.com/office/officeart/2005/8/layout/vList4"/>
+    <dgm:cxn modelId="{DF734C8F-4858-49E2-8ACB-EB6A32397E85}" type="presOf" srcId="{E708BED1-C5DF-47B9-8D40-6E3403B66E69}" destId="{076644E2-374B-42F0-B777-E8268CA8EDAC}" srcOrd="1" destOrd="2" presId="urn:microsoft.com/office/officeart/2005/8/layout/vList4"/>
+    <dgm:cxn modelId="{1F5BD990-3DCE-4407-AD47-0C8B8CD846D9}" type="presOf" srcId="{48280E94-9C4D-4EC1-ADEE-E54348D94B29}" destId="{273CF225-9753-4928-95B0-F8E145FD8C01}" srcOrd="1" destOrd="2" presId="urn:microsoft.com/office/officeart/2005/8/layout/vList4"/>
+    <dgm:cxn modelId="{094DD498-3373-413C-A36B-EC2A3FE67467}" srcId="{D36D91AA-A698-440A-A2E7-650B4772B315}" destId="{4F44F2B1-1F88-4DA0-BD41-D64F93313F40}" srcOrd="1" destOrd="0" parTransId="{517AD3AA-EF90-4EBE-A5DE-913725FBF4CB}" sibTransId="{E0D00119-02DE-48DE-AF4D-671A20534577}"/>
+    <dgm:cxn modelId="{CFD273A8-E048-4695-969D-518067520BC5}" srcId="{FF869937-3662-48A5-B8E2-C991522DD447}" destId="{E708BED1-C5DF-47B9-8D40-6E3403B66E69}" srcOrd="1" destOrd="0" parTransId="{B688070F-38FB-4DAE-8DBF-E040B9B8DCE6}" sibTransId="{BCFB4885-78B7-44AD-B2AD-429A34EA38DF}"/>
+    <dgm:cxn modelId="{0CF209A9-B160-4F38-8BB0-D74491818F75}" type="presOf" srcId="{3D74735F-EACB-4F99-A3DA-C48DFDA3EFB8}" destId="{A11EFA34-286D-4420-B635-E2EA95F7BC9A}" srcOrd="0" destOrd="1" presId="urn:microsoft.com/office/officeart/2005/8/layout/vList4"/>
+    <dgm:cxn modelId="{FBD49FA9-D72C-473C-B0A8-EA7462469390}" type="presOf" srcId="{88F3C1AA-CE67-4663-8C4E-5739587C4C85}" destId="{30183D65-48F9-4297-A449-6903C6264016}" srcOrd="0" destOrd="0" presId="urn:microsoft.com/office/officeart/2005/8/layout/vList4"/>
+    <dgm:cxn modelId="{D628A9B8-4E0E-446C-95CF-DBDFF9134D81}" type="presOf" srcId="{534E9A7E-57F2-48B5-AB09-7FC267998813}" destId="{71740332-8654-4465-80E5-0D70AB61A957}" srcOrd="1" destOrd="1" presId="urn:microsoft.com/office/officeart/2005/8/layout/vList4"/>
+    <dgm:cxn modelId="{D9805DC5-D442-4F0A-8B5F-5D760229CE1C}" type="presOf" srcId="{FF869937-3662-48A5-B8E2-C991522DD447}" destId="{076644E2-374B-42F0-B777-E8268CA8EDAC}" srcOrd="1" destOrd="0" presId="urn:microsoft.com/office/officeart/2005/8/layout/vList4"/>
+    <dgm:cxn modelId="{A094C5CB-54B0-4A12-BD87-8A3CF461C7B5}" srcId="{FF869937-3662-48A5-B8E2-C991522DD447}" destId="{DB3DCDB3-64EC-467F-8691-C8D04C0CB373}" srcOrd="0" destOrd="0" parTransId="{D194B764-1BCF-4364-9570-49D4EACB13D5}" sibTransId="{BE9B4E90-2BA0-4AC7-8D7B-0C0E213D5347}"/>
+    <dgm:cxn modelId="{39C2F8F9-6D8E-4DA6-B94E-712983912C8D}" type="presOf" srcId="{DB3DCDB3-64EC-467F-8691-C8D04C0CB373}" destId="{076644E2-374B-42F0-B777-E8268CA8EDAC}" srcOrd="1" destOrd="1" presId="urn:microsoft.com/office/officeart/2005/8/layout/vList4"/>
+    <dgm:cxn modelId="{8BFB1EA6-2560-408E-B1DA-95C4B619D368}" type="presParOf" srcId="{30183D65-48F9-4297-A449-6903C6264016}" destId="{E2C7033F-DB72-4AA7-93EB-B521FEA1E64A}" srcOrd="0" destOrd="0" presId="urn:microsoft.com/office/officeart/2005/8/layout/vList4"/>
+    <dgm:cxn modelId="{39C30E0F-D6BC-4787-A517-CE65864880E8}" type="presParOf" srcId="{E2C7033F-DB72-4AA7-93EB-B521FEA1E64A}" destId="{4C3F45E2-0089-46DA-822A-9F4B7C76BBB7}" srcOrd="0" destOrd="0" presId="urn:microsoft.com/office/officeart/2005/8/layout/vList4"/>
+    <dgm:cxn modelId="{A9CCA6FE-0386-463F-80AB-355AF54720B0}" type="presParOf" srcId="{E2C7033F-DB72-4AA7-93EB-B521FEA1E64A}" destId="{3543167E-0B84-4A2E-8412-B8340644D301}" srcOrd="1" destOrd="0" presId="urn:microsoft.com/office/officeart/2005/8/layout/vList4"/>
+    <dgm:cxn modelId="{920C2517-4996-4395-9F18-8065A7AE44BC}" type="presParOf" srcId="{E2C7033F-DB72-4AA7-93EB-B521FEA1E64A}" destId="{71740332-8654-4465-80E5-0D70AB61A957}" srcOrd="2" destOrd="0" presId="urn:microsoft.com/office/officeart/2005/8/layout/vList4"/>
+    <dgm:cxn modelId="{553A999E-ACA3-4C8A-B04A-C4BAFE288135}" type="presParOf" srcId="{30183D65-48F9-4297-A449-6903C6264016}" destId="{A199E1C2-B509-430E-976F-3416D9E6BCF1}" srcOrd="1" destOrd="0" presId="urn:microsoft.com/office/officeart/2005/8/layout/vList4"/>
+    <dgm:cxn modelId="{539B87C4-8096-4AC8-AA0E-88A9148F5A77}" type="presParOf" srcId="{30183D65-48F9-4297-A449-6903C6264016}" destId="{C615E3BE-DAE0-4F12-A317-9F975E116D92}" srcOrd="2" destOrd="0" presId="urn:microsoft.com/office/officeart/2005/8/layout/vList4"/>
+    <dgm:cxn modelId="{20FC6508-AEBB-4E73-B15D-A47916752D2A}" type="presParOf" srcId="{C615E3BE-DAE0-4F12-A317-9F975E116D92}" destId="{A11EFA34-286D-4420-B635-E2EA95F7BC9A}" srcOrd="0" destOrd="0" presId="urn:microsoft.com/office/officeart/2005/8/layout/vList4"/>
+    <dgm:cxn modelId="{35F6CE0A-759C-4364-8DBB-9316F59F7794}" type="presParOf" srcId="{C615E3BE-DAE0-4F12-A317-9F975E116D92}" destId="{501E99D7-A5CC-4814-97C3-485359C94EBE}" srcOrd="1" destOrd="0" presId="urn:microsoft.com/office/officeart/2005/8/layout/vList4"/>
+    <dgm:cxn modelId="{8F8D1BD6-706C-48DB-BD46-1D22F2B7F88C}" type="presParOf" srcId="{C615E3BE-DAE0-4F12-A317-9F975E116D92}" destId="{273CF225-9753-4928-95B0-F8E145FD8C01}" srcOrd="2" destOrd="0" presId="urn:microsoft.com/office/officeart/2005/8/layout/vList4"/>
+    <dgm:cxn modelId="{5ABF29AC-28C9-4DAD-A658-352B8259F227}" type="presParOf" srcId="{30183D65-48F9-4297-A449-6903C6264016}" destId="{5012CD9B-C411-4FAB-A761-36B7BCBADF14}" srcOrd="3" destOrd="0" presId="urn:microsoft.com/office/officeart/2005/8/layout/vList4"/>
+    <dgm:cxn modelId="{FC823712-E2EC-42CE-A27E-B5B69F0D9F91}" type="presParOf" srcId="{30183D65-48F9-4297-A449-6903C6264016}" destId="{D78BD2E8-1617-4406-9EB8-886D022D0E09}" srcOrd="4" destOrd="0" presId="urn:microsoft.com/office/officeart/2005/8/layout/vList4"/>
+    <dgm:cxn modelId="{0F5300AC-5B92-414E-8A46-D8AE16EA364D}" type="presParOf" srcId="{D78BD2E8-1617-4406-9EB8-886D022D0E09}" destId="{5146AC4C-C65D-4679-BD99-A7C261AFA3E3}" srcOrd="0" destOrd="0" presId="urn:microsoft.com/office/officeart/2005/8/layout/vList4"/>
+    <dgm:cxn modelId="{FC4DF67F-D360-4179-98AD-56C893626442}" type="presParOf" srcId="{D78BD2E8-1617-4406-9EB8-886D022D0E09}" destId="{9CFC517E-AB5B-48A5-8D3A-042E49721566}" srcOrd="1" destOrd="0" presId="urn:microsoft.com/office/officeart/2005/8/layout/vList4"/>
+    <dgm:cxn modelId="{5FE7753B-4172-42F1-A7C0-D24FDD22A962}" type="presParOf" srcId="{D78BD2E8-1617-4406-9EB8-886D022D0E09}" destId="{076644E2-374B-42F0-B777-E8268CA8EDAC}" srcOrd="2" destOrd="0" presId="urn:microsoft.com/office/officeart/2005/8/layout/vList4"/>
+  </dgm:cxnLst>
+  <dgm:bg/>
+  <dgm:whole/>
+  <dgm:extLst>
+    <a:ext uri="http://schemas.microsoft.com/office/drawing/2008/diagram">
+      <dsp:dataModelExt xmlns:dsp="http://schemas.microsoft.com/office/drawing/2008/diagram" relId="rId6" minVer="http://schemas.openxmlformats.org/drawingml/2006/diagram"/>
+    </a:ext>
+  </dgm:extLst>
+</dgm:dataModel>
+</file>
+
+<file path=ppt/diagrams/drawing1.xml><?xml version="1.0" encoding="utf-8"?>
+<dsp:drawing xmlns:dgm="http://schemas.openxmlformats.org/drawingml/2006/diagram" xmlns:dsp="http://schemas.microsoft.com/office/drawing/2008/diagram" xmlns:a="http://schemas.openxmlformats.org/drawingml/2006/main">
+  <dsp:spTree>
+    <dsp:nvGrpSpPr>
+      <dsp:cNvPr id="0" name=""/>
+      <dsp:cNvGrpSpPr/>
+    </dsp:nvGrpSpPr>
+    <dsp:grpSpPr/>
+    <dsp:sp modelId="{F9601A18-E15F-4A88-81A1-9C8C54917FA5}">
+      <dsp:nvSpPr>
+        <dsp:cNvPr id="0" name=""/>
+        <dsp:cNvSpPr/>
+      </dsp:nvSpPr>
+      <dsp:spPr>
+        <a:xfrm>
+          <a:off x="2207" y="0"/>
+          <a:ext cx="3435027" cy="4351338"/>
+        </a:xfrm>
+        <a:prstGeom prst="roundRect">
+          <a:avLst>
+            <a:gd name="adj" fmla="val 10000"/>
+          </a:avLst>
+        </a:prstGeom>
+        <a:solidFill>
+          <a:srgbClr val="024882"/>
+        </a:solidFill>
+        <a:ln w="0" cap="flat" cmpd="sng" algn="ctr">
+          <a:noFill/>
+          <a:prstDash val="solid"/>
+          <a:miter lim="800000"/>
+        </a:ln>
+        <a:effectLst/>
+      </dsp:spPr>
+      <dsp:style>
+        <a:lnRef idx="2">
+          <a:scrgbClr r="0" g="0" b="0"/>
+        </a:lnRef>
+        <a:fillRef idx="1">
+          <a:scrgbClr r="0" g="0" b="0"/>
+        </a:fillRef>
+        <a:effectRef idx="0">
+          <a:scrgbClr r="0" g="0" b="0"/>
+        </a:effectRef>
+        <a:fontRef idx="minor">
+          <a:schemeClr val="lt1"/>
+        </a:fontRef>
+      </dsp:style>
+      <dsp:txBody>
+        <a:bodyPr spcFirstLastPara="0" vert="horz" wrap="square" lIns="199136" tIns="199136" rIns="199136" bIns="199136" numCol="1" spcCol="1270" anchor="ctr" anchorCtr="0">
+          <a:noAutofit/>
+        </a:bodyPr>
+        <a:lstStyle/>
+        <a:p>
+          <a:pPr marL="0" lvl="0" indent="0" algn="ctr" defTabSz="1244600">
+            <a:lnSpc>
+              <a:spcPct val="90000"/>
+            </a:lnSpc>
+            <a:spcBef>
+              <a:spcPct val="0"/>
+            </a:spcBef>
+            <a:spcAft>
+              <a:spcPct val="35000"/>
+            </a:spcAft>
+            <a:buNone/>
+          </a:pPr>
+          <a:r>
+            <a:rPr lang="de-DE" sz="2800" kern="1200" dirty="0">
+              <a:latin typeface="Avenir Next LT Pro Light" panose="020B0304020202020204" pitchFamily="34" charset="0"/>
+            </a:rPr>
+            <a:t>Domain</a:t>
+          </a:r>
+        </a:p>
+        <a:p>
+          <a:pPr marL="0" lvl="0" indent="0" algn="ctr" defTabSz="1244600">
+            <a:lnSpc>
+              <a:spcPct val="90000"/>
+            </a:lnSpc>
+            <a:spcBef>
+              <a:spcPct val="0"/>
+            </a:spcBef>
+            <a:spcAft>
+              <a:spcPct val="35000"/>
+            </a:spcAft>
+            <a:buNone/>
+          </a:pPr>
+          <a:r>
+            <a:rPr lang="de-DE" sz="1600" kern="1200" dirty="0">
+              <a:latin typeface="Avenir Next LT Pro Light" panose="020B0304020202020204" pitchFamily="34" charset="0"/>
+            </a:rPr>
+            <a:t>www.my-first-portfolio-site.de</a:t>
+          </a:r>
+          <a:endParaRPr lang="en-US" sz="1600" kern="1200" dirty="0">
+            <a:latin typeface="Avenir Next LT Pro Light" panose="020B0304020202020204" pitchFamily="34" charset="0"/>
+          </a:endParaRPr>
+        </a:p>
+      </dsp:txBody>
+      <dsp:txXfrm>
+        <a:off x="2207" y="1740535"/>
+        <a:ext cx="3435027" cy="1740535"/>
+      </dsp:txXfrm>
+    </dsp:sp>
+    <dsp:sp modelId="{977BEE19-20F9-4917-93FB-4525F8B2FFC8}">
+      <dsp:nvSpPr>
+        <dsp:cNvPr id="0" name=""/>
+        <dsp:cNvSpPr/>
+      </dsp:nvSpPr>
+      <dsp:spPr>
+        <a:xfrm>
+          <a:off x="995223" y="261080"/>
+          <a:ext cx="1448995" cy="1448995"/>
+        </a:xfrm>
+        <a:prstGeom prst="ellipse">
+          <a:avLst/>
+        </a:prstGeom>
+        <a:blipFill>
+          <a:blip xmlns:r="http://schemas.openxmlformats.org/officeDocument/2006/relationships" r:embed="rId1">
+            <a:extLst>
+              <a:ext uri="{28A0092B-C50C-407E-A947-70E740481C1C}">
+                <a14:useLocalDpi xmlns:a14="http://schemas.microsoft.com/office/drawing/2010/main" val="0"/>
+              </a:ext>
+            </a:extLst>
+          </a:blip>
+          <a:srcRect/>
+          <a:stretch>
+            <a:fillRect/>
+          </a:stretch>
+        </a:blipFill>
+        <a:ln w="3175" cap="flat" cmpd="sng" algn="ctr">
+          <a:solidFill>
+            <a:schemeClr val="bg1"/>
+          </a:solidFill>
+          <a:prstDash val="solid"/>
+          <a:miter lim="800000"/>
+        </a:ln>
+        <a:effectLst/>
+      </dsp:spPr>
+      <dsp:style>
+        <a:lnRef idx="2">
+          <a:scrgbClr r="0" g="0" b="0"/>
+        </a:lnRef>
+        <a:fillRef idx="1">
+          <a:scrgbClr r="0" g="0" b="0"/>
+        </a:fillRef>
+        <a:effectRef idx="0">
+          <a:scrgbClr r="0" g="0" b="0"/>
+        </a:effectRef>
+        <a:fontRef idx="minor"/>
+      </dsp:style>
+    </dsp:sp>
+    <dsp:sp modelId="{2BCFC16C-F898-45ED-9A49-AE5621782DB6}">
+      <dsp:nvSpPr>
+        <dsp:cNvPr id="0" name=""/>
+        <dsp:cNvSpPr/>
+      </dsp:nvSpPr>
+      <dsp:spPr>
+        <a:xfrm>
+          <a:off x="3540286" y="0"/>
+          <a:ext cx="3435027" cy="4351338"/>
+        </a:xfrm>
+        <a:prstGeom prst="roundRect">
+          <a:avLst>
+            <a:gd name="adj" fmla="val 10000"/>
+          </a:avLst>
+        </a:prstGeom>
+        <a:solidFill>
+          <a:srgbClr val="024882"/>
+        </a:solidFill>
+        <a:ln w="0" cap="flat" cmpd="sng" algn="ctr">
+          <a:noFill/>
+          <a:prstDash val="solid"/>
+          <a:miter lim="800000"/>
+        </a:ln>
+        <a:effectLst/>
+      </dsp:spPr>
+      <dsp:style>
+        <a:lnRef idx="2">
+          <a:scrgbClr r="0" g="0" b="0"/>
+        </a:lnRef>
+        <a:fillRef idx="1">
+          <a:scrgbClr r="0" g="0" b="0"/>
+        </a:fillRef>
+        <a:effectRef idx="0">
+          <a:scrgbClr r="0" g="0" b="0"/>
+        </a:effectRef>
+        <a:fontRef idx="minor">
+          <a:schemeClr val="lt1"/>
+        </a:fontRef>
+      </dsp:style>
+      <dsp:txBody>
+        <a:bodyPr spcFirstLastPara="0" vert="horz" wrap="square" lIns="199136" tIns="199136" rIns="199136" bIns="199136" numCol="1" spcCol="1270" anchor="ctr" anchorCtr="0">
+          <a:noAutofit/>
+        </a:bodyPr>
+        <a:lstStyle/>
+        <a:p>
+          <a:pPr marL="0" lvl="0" indent="0" algn="ctr" defTabSz="1244600">
+            <a:lnSpc>
+              <a:spcPct val="90000"/>
+            </a:lnSpc>
+            <a:spcBef>
+              <a:spcPct val="0"/>
+            </a:spcBef>
+            <a:spcAft>
+              <a:spcPct val="35000"/>
+            </a:spcAft>
+            <a:buNone/>
+          </a:pPr>
+          <a:r>
+            <a:rPr lang="de-DE" sz="2800" kern="1200" dirty="0">
+              <a:latin typeface="Avenir Next LT Pro Light" panose="020B0304020202020204" pitchFamily="34" charset="0"/>
+            </a:rPr>
+            <a:t>Webhosting</a:t>
+          </a:r>
+        </a:p>
+        <a:p>
+          <a:pPr marL="0" lvl="0" indent="0" algn="ctr" defTabSz="1244600">
+            <a:lnSpc>
+              <a:spcPct val="90000"/>
+            </a:lnSpc>
+            <a:spcBef>
+              <a:spcPct val="0"/>
+            </a:spcBef>
+            <a:spcAft>
+              <a:spcPct val="35000"/>
+            </a:spcAft>
+            <a:buNone/>
+          </a:pPr>
+          <a:r>
+            <a:rPr lang="de-DE" sz="1600" kern="1200" dirty="0">
+              <a:latin typeface="Avenir Next LT Pro Light" panose="020B0304020202020204" pitchFamily="34" charset="0"/>
+            </a:rPr>
+            <a:t>Server in der Cloud</a:t>
+          </a:r>
+          <a:endParaRPr lang="en-US" sz="1600" kern="1200" dirty="0">
+            <a:latin typeface="Avenir Next LT Pro Light" panose="020B0304020202020204" pitchFamily="34" charset="0"/>
+          </a:endParaRPr>
+        </a:p>
+      </dsp:txBody>
+      <dsp:txXfrm>
+        <a:off x="3540286" y="1740535"/>
+        <a:ext cx="3435027" cy="1740535"/>
+      </dsp:txXfrm>
+    </dsp:sp>
+    <dsp:sp modelId="{85F2346E-4113-431D-AA64-8C4A1F857277}">
+      <dsp:nvSpPr>
+        <dsp:cNvPr id="0" name=""/>
+        <dsp:cNvSpPr/>
+      </dsp:nvSpPr>
+      <dsp:spPr>
+        <a:xfrm>
+          <a:off x="4533302" y="261080"/>
+          <a:ext cx="1448995" cy="1448995"/>
+        </a:xfrm>
+        <a:prstGeom prst="ellipse">
+          <a:avLst/>
+        </a:prstGeom>
+        <a:blipFill>
+          <a:blip xmlns:r="http://schemas.openxmlformats.org/officeDocument/2006/relationships" r:embed="rId2">
+            <a:extLst>
+              <a:ext uri="{28A0092B-C50C-407E-A947-70E740481C1C}">
+                <a14:useLocalDpi xmlns:a14="http://schemas.microsoft.com/office/drawing/2010/main" val="0"/>
+              </a:ext>
+            </a:extLst>
+          </a:blip>
+          <a:srcRect/>
+          <a:stretch>
+            <a:fillRect/>
+          </a:stretch>
+        </a:blipFill>
+        <a:ln w="3175" cap="flat" cmpd="sng" algn="ctr">
+          <a:solidFill>
+            <a:schemeClr val="bg1"/>
+          </a:solidFill>
+          <a:prstDash val="solid"/>
+          <a:miter lim="800000"/>
+        </a:ln>
+        <a:effectLst/>
+      </dsp:spPr>
+      <dsp:style>
+        <a:lnRef idx="2">
+          <a:scrgbClr r="0" g="0" b="0"/>
+        </a:lnRef>
+        <a:fillRef idx="1">
+          <a:scrgbClr r="0" g="0" b="0"/>
+        </a:fillRef>
+        <a:effectRef idx="0">
+          <a:scrgbClr r="0" g="0" b="0"/>
+        </a:effectRef>
+        <a:fontRef idx="minor"/>
+      </dsp:style>
+    </dsp:sp>
+    <dsp:sp modelId="{E131770D-97D1-4B0E-A37C-C013899D3B0E}">
+      <dsp:nvSpPr>
+        <dsp:cNvPr id="0" name=""/>
+        <dsp:cNvSpPr/>
+      </dsp:nvSpPr>
+      <dsp:spPr>
+        <a:xfrm>
+          <a:off x="7078364" y="0"/>
+          <a:ext cx="3435027" cy="4351338"/>
+        </a:xfrm>
+        <a:prstGeom prst="roundRect">
+          <a:avLst>
+            <a:gd name="adj" fmla="val 10000"/>
+          </a:avLst>
+        </a:prstGeom>
+        <a:solidFill>
+          <a:srgbClr val="024882"/>
+        </a:solidFill>
+        <a:ln w="0" cap="flat" cmpd="sng" algn="ctr">
+          <a:noFill/>
+          <a:prstDash val="solid"/>
+          <a:miter lim="800000"/>
+        </a:ln>
+        <a:effectLst/>
+      </dsp:spPr>
+      <dsp:style>
+        <a:lnRef idx="2">
+          <a:scrgbClr r="0" g="0" b="0"/>
+        </a:lnRef>
+        <a:fillRef idx="1">
+          <a:scrgbClr r="0" g="0" b="0"/>
+        </a:fillRef>
+        <a:effectRef idx="0">
+          <a:scrgbClr r="0" g="0" b="0"/>
+        </a:effectRef>
+        <a:fontRef idx="minor">
+          <a:schemeClr val="lt1"/>
+        </a:fontRef>
+      </dsp:style>
+      <dsp:txBody>
+        <a:bodyPr spcFirstLastPara="0" vert="horz" wrap="square" lIns="199136" tIns="199136" rIns="199136" bIns="199136" numCol="1" spcCol="1270" anchor="ctr" anchorCtr="0">
+          <a:noAutofit/>
+        </a:bodyPr>
+        <a:lstStyle/>
+        <a:p>
+          <a:pPr marL="0" lvl="0" indent="0" algn="ctr" defTabSz="1244600">
+            <a:lnSpc>
+              <a:spcPct val="90000"/>
+            </a:lnSpc>
+            <a:spcBef>
+              <a:spcPct val="0"/>
+            </a:spcBef>
+            <a:spcAft>
+              <a:spcPct val="35000"/>
+            </a:spcAft>
+            <a:buNone/>
+          </a:pPr>
+          <a:r>
+            <a:rPr lang="de-DE" sz="2800" kern="1200" dirty="0">
+              <a:latin typeface="Avenir Next LT Pro Light" panose="020B0304020202020204" pitchFamily="34" charset="0"/>
+            </a:rPr>
+            <a:t>Website</a:t>
+          </a:r>
+        </a:p>
+        <a:p>
+          <a:pPr marL="0" lvl="0" indent="0" algn="ctr" defTabSz="1244600">
+            <a:lnSpc>
+              <a:spcPct val="90000"/>
+            </a:lnSpc>
+            <a:spcBef>
+              <a:spcPct val="0"/>
+            </a:spcBef>
+            <a:spcAft>
+              <a:spcPct val="35000"/>
+            </a:spcAft>
+            <a:buNone/>
+          </a:pPr>
+          <a:r>
+            <a:rPr lang="de-DE" sz="1600" kern="1200" dirty="0">
+              <a:latin typeface="Avenir Next LT Pro Light" panose="020B0304020202020204" pitchFamily="34" charset="0"/>
+            </a:rPr>
+            <a:t>WordPress &amp; Kreativität</a:t>
+          </a:r>
+          <a:endParaRPr lang="en-US" sz="1600" kern="1200" dirty="0">
+            <a:latin typeface="Avenir Next LT Pro Light" panose="020B0304020202020204" pitchFamily="34" charset="0"/>
+          </a:endParaRPr>
+        </a:p>
+      </dsp:txBody>
+      <dsp:txXfrm>
+        <a:off x="7078364" y="1740535"/>
+        <a:ext cx="3435027" cy="1740535"/>
+      </dsp:txXfrm>
+    </dsp:sp>
+    <dsp:sp modelId="{F46B4E31-F96F-4023-991E-ED88048B4FE0}">
+      <dsp:nvSpPr>
+        <dsp:cNvPr id="0" name=""/>
+        <dsp:cNvSpPr/>
+      </dsp:nvSpPr>
+      <dsp:spPr>
+        <a:xfrm>
+          <a:off x="8071380" y="261080"/>
+          <a:ext cx="1448995" cy="1448995"/>
+        </a:xfrm>
+        <a:prstGeom prst="ellipse">
+          <a:avLst/>
+        </a:prstGeom>
+        <a:blipFill>
+          <a:blip xmlns:r="http://schemas.openxmlformats.org/officeDocument/2006/relationships" r:embed="rId3"/>
+          <a:srcRect/>
+          <a:stretch>
+            <a:fillRect/>
+          </a:stretch>
+        </a:blipFill>
+        <a:ln w="3175" cap="flat" cmpd="sng" algn="ctr">
+          <a:solidFill>
+            <a:schemeClr val="bg1"/>
+          </a:solidFill>
+          <a:prstDash val="solid"/>
+          <a:miter lim="800000"/>
+        </a:ln>
+        <a:effectLst/>
+      </dsp:spPr>
+      <dsp:style>
+        <a:lnRef idx="2">
+          <a:scrgbClr r="0" g="0" b="0"/>
+        </a:lnRef>
+        <a:fillRef idx="1">
+          <a:scrgbClr r="0" g="0" b="0"/>
+        </a:fillRef>
+        <a:effectRef idx="0">
+          <a:scrgbClr r="0" g="0" b="0"/>
+        </a:effectRef>
+        <a:fontRef idx="minor"/>
+      </dsp:style>
+    </dsp:sp>
+    <dsp:sp modelId="{C33DD371-1842-4E3E-B2DF-4B441C79EC45}">
+      <dsp:nvSpPr>
+        <dsp:cNvPr id="0" name=""/>
+        <dsp:cNvSpPr/>
+      </dsp:nvSpPr>
+      <dsp:spPr>
+        <a:xfrm>
+          <a:off x="420623" y="3481070"/>
+          <a:ext cx="9674352" cy="652700"/>
+        </a:xfrm>
+        <a:prstGeom prst="leftRightArrow">
+          <a:avLst/>
+        </a:prstGeom>
+        <a:solidFill>
+          <a:schemeClr val="accent1">
+            <a:lumMod val="60000"/>
+            <a:lumOff val="40000"/>
+          </a:schemeClr>
+        </a:solidFill>
+        <a:ln w="0" cap="flat" cmpd="sng" algn="ctr">
+          <a:solidFill>
+            <a:schemeClr val="tx1"/>
+          </a:solidFill>
+          <a:prstDash val="solid"/>
+          <a:miter lim="800000"/>
+        </a:ln>
+        <a:effectLst/>
+      </dsp:spPr>
+      <dsp:style>
+        <a:lnRef idx="2">
+          <a:scrgbClr r="0" g="0" b="0"/>
+        </a:lnRef>
+        <a:fillRef idx="1">
+          <a:scrgbClr r="0" g="0" b="0"/>
+        </a:fillRef>
+        <a:effectRef idx="0">
+          <a:scrgbClr r="0" g="0" b="0"/>
+        </a:effectRef>
+        <a:fontRef idx="minor"/>
+      </dsp:style>
+    </dsp:sp>
+  </dsp:spTree>
+</dsp:drawing>
+</file>
+
+<file path=ppt/diagrams/drawing2.xml><?xml version="1.0" encoding="utf-8"?>
+<dsp:drawing xmlns:dgm="http://schemas.openxmlformats.org/drawingml/2006/diagram" xmlns:dsp="http://schemas.microsoft.com/office/drawing/2008/diagram" xmlns:a="http://schemas.openxmlformats.org/drawingml/2006/main">
+  <dsp:spTree>
+    <dsp:nvGrpSpPr>
+      <dsp:cNvPr id="0" name=""/>
+      <dsp:cNvGrpSpPr/>
+    </dsp:nvGrpSpPr>
+    <dsp:grpSpPr/>
+    <dsp:sp modelId="{4C3F45E2-0089-46DA-822A-9F4B7C76BBB7}">
+      <dsp:nvSpPr>
+        <dsp:cNvPr id="0" name=""/>
+        <dsp:cNvSpPr/>
+      </dsp:nvSpPr>
+      <dsp:spPr>
+        <a:xfrm>
+          <a:off x="0" y="0"/>
+          <a:ext cx="10515600" cy="1389889"/>
+        </a:xfrm>
+        <a:prstGeom prst="roundRect">
+          <a:avLst>
+            <a:gd name="adj" fmla="val 10000"/>
+          </a:avLst>
+        </a:prstGeom>
+        <a:gradFill rotWithShape="0">
+          <a:gsLst>
+            <a:gs pos="0">
+              <a:schemeClr val="accent1">
+                <a:hueOff val="0"/>
+                <a:satOff val="0"/>
+                <a:lumOff val="0"/>
+                <a:alphaOff val="0"/>
+                <a:satMod val="103000"/>
+                <a:lumMod val="102000"/>
+                <a:tint val="94000"/>
+              </a:schemeClr>
+            </a:gs>
+            <a:gs pos="50000">
+              <a:schemeClr val="accent1">
+                <a:hueOff val="0"/>
+                <a:satOff val="0"/>
+                <a:lumOff val="0"/>
+                <a:alphaOff val="0"/>
+                <a:satMod val="110000"/>
+                <a:lumMod val="100000"/>
+                <a:shade val="100000"/>
+              </a:schemeClr>
+            </a:gs>
+            <a:gs pos="100000">
+              <a:schemeClr val="accent1">
+                <a:hueOff val="0"/>
+                <a:satOff val="0"/>
+                <a:lumOff val="0"/>
+                <a:alphaOff val="0"/>
+                <a:lumMod val="99000"/>
+                <a:satMod val="120000"/>
+                <a:shade val="78000"/>
+              </a:schemeClr>
+            </a:gs>
+          </a:gsLst>
+          <a:lin ang="5400000" scaled="0"/>
+        </a:gradFill>
+        <a:ln>
+          <a:noFill/>
+        </a:ln>
+        <a:effectLst>
+          <a:outerShdw blurRad="57150" dist="19050" dir="5400000" algn="ctr" rotWithShape="0">
+            <a:srgbClr val="000000">
+              <a:alpha val="63000"/>
+            </a:srgbClr>
+          </a:outerShdw>
+        </a:effectLst>
+      </dsp:spPr>
+      <dsp:style>
+        <a:lnRef idx="0">
+          <a:scrgbClr r="0" g="0" b="0"/>
+        </a:lnRef>
+        <a:fillRef idx="3">
+          <a:scrgbClr r="0" g="0" b="0"/>
+        </a:fillRef>
+        <a:effectRef idx="3">
+          <a:scrgbClr r="0" g="0" b="0"/>
+        </a:effectRef>
+        <a:fontRef idx="minor">
+          <a:schemeClr val="lt1"/>
+        </a:fontRef>
+      </dsp:style>
+      <dsp:txBody>
+        <a:bodyPr spcFirstLastPara="0" vert="horz" wrap="square" lIns="83820" tIns="83820" rIns="83820" bIns="83820" numCol="1" spcCol="1270" anchor="t" anchorCtr="0">
+          <a:noAutofit/>
+        </a:bodyPr>
+        <a:lstStyle/>
+        <a:p>
+          <a:pPr marL="0" lvl="0" indent="0" algn="l" defTabSz="977900">
+            <a:lnSpc>
+              <a:spcPct val="90000"/>
+            </a:lnSpc>
+            <a:spcBef>
+              <a:spcPct val="0"/>
+            </a:spcBef>
+            <a:spcAft>
+              <a:spcPct val="35000"/>
+            </a:spcAft>
+            <a:buNone/>
+          </a:pPr>
+          <a:r>
+            <a:rPr lang="de-DE" sz="2200" kern="1200" dirty="0"/>
+            <a:t>Option 2</a:t>
+          </a:r>
+          <a:endParaRPr lang="en-US" sz="2200" kern="1200" dirty="0"/>
+        </a:p>
+        <a:p>
+          <a:pPr marL="171450" lvl="1" indent="-171450" algn="l" defTabSz="755650">
+            <a:lnSpc>
+              <a:spcPct val="90000"/>
+            </a:lnSpc>
+            <a:spcBef>
+              <a:spcPct val="0"/>
+            </a:spcBef>
+            <a:spcAft>
+              <a:spcPct val="15000"/>
+            </a:spcAft>
+            <a:buChar char="•"/>
+          </a:pPr>
+          <a:r>
+            <a:rPr lang="de-DE" sz="1700" kern="1200" dirty="0">
+              <a:solidFill>
+                <a:srgbClr val="00B050"/>
+              </a:solidFill>
+            </a:rPr>
+            <a:t>Empfehlung für Informatiker</a:t>
+          </a:r>
+          <a:endParaRPr lang="en-US" sz="1700" kern="1200" dirty="0">
+            <a:solidFill>
+              <a:srgbClr val="00B050"/>
+            </a:solidFill>
+          </a:endParaRPr>
+        </a:p>
+        <a:p>
+          <a:pPr marL="171450" lvl="1" indent="-171450" algn="l" defTabSz="755650">
+            <a:lnSpc>
+              <a:spcPct val="90000"/>
+            </a:lnSpc>
+            <a:spcBef>
+              <a:spcPct val="0"/>
+            </a:spcBef>
+            <a:spcAft>
+              <a:spcPct val="15000"/>
+            </a:spcAft>
+            <a:buChar char="•"/>
+          </a:pPr>
+          <a:r>
+            <a:rPr lang="en-US" sz="1700" kern="1200" dirty="0">
+              <a:solidFill>
+                <a:schemeClr val="tx1">
+                  <a:lumMod val="85000"/>
+                  <a:lumOff val="15000"/>
+                </a:schemeClr>
+              </a:solidFill>
+              <a:hlinkClick xmlns:r="http://schemas.openxmlformats.org/officeDocument/2006/relationships" r:id="rId1">
+                <a:extLst>
+                  <a:ext uri="{A12FA001-AC4F-418D-AE19-62706E023703}">
+                    <ahyp:hlinkClr xmlns:ahyp="http://schemas.microsoft.com/office/drawing/2018/hyperlinkcolor" val="tx"/>
+                  </a:ext>
+                </a:extLst>
+              </a:hlinkClick>
+            </a:rPr>
+            <a:t>https://github.com/maximotus/skill-saturday-wordpress-portfolio-website/wiki/Option-2</a:t>
+          </a:r>
+          <a:endParaRPr lang="en-US" sz="1700" kern="1200" dirty="0">
+            <a:solidFill>
+              <a:schemeClr val="tx1">
+                <a:lumMod val="85000"/>
+                <a:lumOff val="15000"/>
+              </a:schemeClr>
+            </a:solidFill>
+          </a:endParaRPr>
+        </a:p>
+      </dsp:txBody>
+      <dsp:txXfrm>
+        <a:off x="2242108" y="0"/>
+        <a:ext cx="8273491" cy="1389889"/>
+      </dsp:txXfrm>
+    </dsp:sp>
+    <dsp:sp modelId="{3543167E-0B84-4A2E-8412-B8340644D301}">
+      <dsp:nvSpPr>
+        <dsp:cNvPr id="0" name=""/>
+        <dsp:cNvSpPr/>
+      </dsp:nvSpPr>
+      <dsp:spPr>
+        <a:xfrm>
+          <a:off x="138988" y="138988"/>
+          <a:ext cx="2103120" cy="1111911"/>
+        </a:xfrm>
+        <a:prstGeom prst="roundRect">
+          <a:avLst>
+            <a:gd name="adj" fmla="val 10000"/>
+          </a:avLst>
+        </a:prstGeom>
+        <a:solidFill>
+          <a:schemeClr val="bg1"/>
+        </a:solidFill>
+        <a:ln>
+          <a:noFill/>
+        </a:ln>
+        <a:effectLst>
+          <a:outerShdw blurRad="57150" dist="19050" dir="5400000" algn="ctr" rotWithShape="0">
+            <a:srgbClr val="000000">
+              <a:alpha val="63000"/>
+            </a:srgbClr>
+          </a:outerShdw>
+        </a:effectLst>
+      </dsp:spPr>
+      <dsp:style>
+        <a:lnRef idx="0">
+          <a:scrgbClr r="0" g="0" b="0"/>
+        </a:lnRef>
+        <a:fillRef idx="1">
+          <a:scrgbClr r="0" g="0" b="0"/>
+        </a:fillRef>
+        <a:effectRef idx="3">
+          <a:scrgbClr r="0" g="0" b="0"/>
+        </a:effectRef>
+        <a:fontRef idx="minor"/>
+      </dsp:style>
+    </dsp:sp>
+    <dsp:sp modelId="{A11EFA34-286D-4420-B635-E2EA95F7BC9A}">
+      <dsp:nvSpPr>
+        <dsp:cNvPr id="0" name=""/>
+        <dsp:cNvSpPr/>
+      </dsp:nvSpPr>
+      <dsp:spPr>
+        <a:xfrm>
+          <a:off x="0" y="1528877"/>
+          <a:ext cx="10515600" cy="1389889"/>
+        </a:xfrm>
+        <a:prstGeom prst="roundRect">
+          <a:avLst>
+            <a:gd name="adj" fmla="val 10000"/>
+          </a:avLst>
+        </a:prstGeom>
+        <a:gradFill rotWithShape="0">
+          <a:gsLst>
+            <a:gs pos="0">
+              <a:schemeClr val="accent1">
+                <a:hueOff val="0"/>
+                <a:satOff val="0"/>
+                <a:lumOff val="0"/>
+                <a:alphaOff val="0"/>
+                <a:satMod val="103000"/>
+                <a:lumMod val="102000"/>
+                <a:tint val="94000"/>
+              </a:schemeClr>
+            </a:gs>
+            <a:gs pos="50000">
+              <a:schemeClr val="accent1">
+                <a:hueOff val="0"/>
+                <a:satOff val="0"/>
+                <a:lumOff val="0"/>
+                <a:alphaOff val="0"/>
+                <a:satMod val="110000"/>
+                <a:lumMod val="100000"/>
+                <a:shade val="100000"/>
+              </a:schemeClr>
+            </a:gs>
+            <a:gs pos="100000">
+              <a:schemeClr val="accent1">
+                <a:hueOff val="0"/>
+                <a:satOff val="0"/>
+                <a:lumOff val="0"/>
+                <a:alphaOff val="0"/>
+                <a:lumMod val="99000"/>
+                <a:satMod val="120000"/>
+                <a:shade val="78000"/>
+              </a:schemeClr>
+            </a:gs>
+          </a:gsLst>
+          <a:lin ang="5400000" scaled="0"/>
+        </a:gradFill>
+        <a:ln>
+          <a:noFill/>
+        </a:ln>
+        <a:effectLst>
+          <a:outerShdw blurRad="57150" dist="19050" dir="5400000" algn="ctr" rotWithShape="0">
+            <a:srgbClr val="000000">
+              <a:alpha val="63000"/>
+            </a:srgbClr>
+          </a:outerShdw>
+        </a:effectLst>
+      </dsp:spPr>
+      <dsp:style>
+        <a:lnRef idx="0">
+          <a:scrgbClr r="0" g="0" b="0"/>
+        </a:lnRef>
+        <a:fillRef idx="3">
+          <a:scrgbClr r="0" g="0" b="0"/>
+        </a:fillRef>
+        <a:effectRef idx="3">
+          <a:scrgbClr r="0" g="0" b="0"/>
+        </a:effectRef>
+        <a:fontRef idx="minor">
+          <a:schemeClr val="lt1"/>
+        </a:fontRef>
+      </dsp:style>
+      <dsp:txBody>
+        <a:bodyPr spcFirstLastPara="0" vert="horz" wrap="square" lIns="83820" tIns="83820" rIns="83820" bIns="83820" numCol="1" spcCol="1270" anchor="t" anchorCtr="0">
+          <a:noAutofit/>
+        </a:bodyPr>
+        <a:lstStyle/>
+        <a:p>
+          <a:pPr marL="0" lvl="0" indent="0" algn="l" defTabSz="977900">
+            <a:lnSpc>
+              <a:spcPct val="90000"/>
+            </a:lnSpc>
+            <a:spcBef>
+              <a:spcPct val="0"/>
+            </a:spcBef>
+            <a:spcAft>
+              <a:spcPct val="35000"/>
+            </a:spcAft>
+            <a:buNone/>
+          </a:pPr>
+          <a:r>
+            <a:rPr lang="de-DE" sz="2200" kern="1200" dirty="0"/>
+            <a:t>Option 3</a:t>
+          </a:r>
+          <a:endParaRPr lang="en-US" sz="2200" kern="1200" dirty="0"/>
+        </a:p>
+        <a:p>
+          <a:pPr marL="171450" lvl="1" indent="-171450" algn="l" defTabSz="755650">
+            <a:lnSpc>
+              <a:spcPct val="90000"/>
+            </a:lnSpc>
+            <a:spcBef>
+              <a:spcPct val="0"/>
+            </a:spcBef>
+            <a:spcAft>
+              <a:spcPct val="15000"/>
+            </a:spcAft>
+            <a:buChar char="•"/>
+          </a:pPr>
+          <a:r>
+            <a:rPr lang="de-DE" sz="1700" kern="1200" dirty="0">
+              <a:solidFill>
+                <a:srgbClr val="00B050"/>
+              </a:solidFill>
+            </a:rPr>
+            <a:t>Empfehlung für Nicht-Informatiker</a:t>
+          </a:r>
+          <a:endParaRPr lang="en-US" sz="1700" kern="1200" dirty="0">
+            <a:solidFill>
+              <a:srgbClr val="00B050"/>
+            </a:solidFill>
+          </a:endParaRPr>
+        </a:p>
+        <a:p>
+          <a:pPr marL="171450" lvl="1" indent="-171450" algn="l" defTabSz="755650">
+            <a:lnSpc>
+              <a:spcPct val="90000"/>
+            </a:lnSpc>
+            <a:spcBef>
+              <a:spcPct val="0"/>
+            </a:spcBef>
+            <a:spcAft>
+              <a:spcPct val="15000"/>
+            </a:spcAft>
+            <a:buChar char="•"/>
+          </a:pPr>
+          <a:r>
+            <a:rPr lang="en-US" sz="1700" kern="1200" dirty="0">
+              <a:solidFill>
+                <a:schemeClr val="tx1">
+                  <a:lumMod val="85000"/>
+                  <a:lumOff val="15000"/>
+                </a:schemeClr>
+              </a:solidFill>
+              <a:hlinkClick xmlns:r="http://schemas.openxmlformats.org/officeDocument/2006/relationships" r:id="rId2">
+                <a:extLst>
+                  <a:ext uri="{A12FA001-AC4F-418D-AE19-62706E023703}">
+                    <ahyp:hlinkClr xmlns:ahyp="http://schemas.microsoft.com/office/drawing/2018/hyperlinkcolor" val="tx"/>
+                  </a:ext>
+                </a:extLst>
+              </a:hlinkClick>
+            </a:rPr>
+            <a:t>https://github.com/maximotus/skill-saturday-wordpress-portfolio-website/wiki/Option-3</a:t>
+          </a:r>
+          <a:endParaRPr lang="en-US" sz="1700" kern="1200" dirty="0">
+            <a:solidFill>
+              <a:schemeClr val="tx1">
+                <a:lumMod val="85000"/>
+                <a:lumOff val="15000"/>
+              </a:schemeClr>
+            </a:solidFill>
+          </a:endParaRPr>
+        </a:p>
+      </dsp:txBody>
+      <dsp:txXfrm>
+        <a:off x="2242108" y="1528877"/>
+        <a:ext cx="8273491" cy="1389889"/>
+      </dsp:txXfrm>
+    </dsp:sp>
+    <dsp:sp modelId="{501E99D7-A5CC-4814-97C3-485359C94EBE}">
+      <dsp:nvSpPr>
+        <dsp:cNvPr id="0" name=""/>
+        <dsp:cNvSpPr/>
+      </dsp:nvSpPr>
+      <dsp:spPr>
+        <a:xfrm>
+          <a:off x="138988" y="1667866"/>
+          <a:ext cx="2103120" cy="1111911"/>
+        </a:xfrm>
+        <a:prstGeom prst="roundRect">
+          <a:avLst>
+            <a:gd name="adj" fmla="val 10000"/>
+          </a:avLst>
+        </a:prstGeom>
+        <a:solidFill>
+          <a:schemeClr val="bg1"/>
+        </a:solidFill>
+        <a:ln>
+          <a:noFill/>
+        </a:ln>
+        <a:effectLst>
+          <a:outerShdw blurRad="57150" dist="19050" dir="5400000" algn="ctr" rotWithShape="0">
+            <a:srgbClr val="000000">
+              <a:alpha val="63000"/>
+            </a:srgbClr>
+          </a:outerShdw>
+        </a:effectLst>
+      </dsp:spPr>
+      <dsp:style>
+        <a:lnRef idx="0">
+          <a:scrgbClr r="0" g="0" b="0"/>
+        </a:lnRef>
+        <a:fillRef idx="1">
+          <a:scrgbClr r="0" g="0" b="0"/>
+        </a:fillRef>
+        <a:effectRef idx="3">
+          <a:scrgbClr r="0" g="0" b="0"/>
+        </a:effectRef>
+        <a:fontRef idx="minor"/>
+      </dsp:style>
+    </dsp:sp>
+    <dsp:sp modelId="{5146AC4C-C65D-4679-BD99-A7C261AFA3E3}">
+      <dsp:nvSpPr>
+        <dsp:cNvPr id="0" name=""/>
+        <dsp:cNvSpPr/>
+      </dsp:nvSpPr>
+      <dsp:spPr>
+        <a:xfrm>
+          <a:off x="0" y="3057755"/>
+          <a:ext cx="10515600" cy="1389889"/>
+        </a:xfrm>
+        <a:prstGeom prst="roundRect">
+          <a:avLst>
+            <a:gd name="adj" fmla="val 10000"/>
+          </a:avLst>
+        </a:prstGeom>
+        <a:gradFill rotWithShape="0">
+          <a:gsLst>
+            <a:gs pos="0">
+              <a:schemeClr val="accent1">
+                <a:hueOff val="0"/>
+                <a:satOff val="0"/>
+                <a:lumOff val="0"/>
+                <a:alphaOff val="0"/>
+                <a:satMod val="103000"/>
+                <a:lumMod val="102000"/>
+                <a:tint val="94000"/>
+              </a:schemeClr>
+            </a:gs>
+            <a:gs pos="50000">
+              <a:schemeClr val="accent1">
+                <a:hueOff val="0"/>
+                <a:satOff val="0"/>
+                <a:lumOff val="0"/>
+                <a:alphaOff val="0"/>
+                <a:satMod val="110000"/>
+                <a:lumMod val="100000"/>
+                <a:shade val="100000"/>
+              </a:schemeClr>
+            </a:gs>
+            <a:gs pos="100000">
+              <a:schemeClr val="accent1">
+                <a:hueOff val="0"/>
+                <a:satOff val="0"/>
+                <a:lumOff val="0"/>
+                <a:alphaOff val="0"/>
+                <a:lumMod val="99000"/>
+                <a:satMod val="120000"/>
+                <a:shade val="78000"/>
+              </a:schemeClr>
+            </a:gs>
+          </a:gsLst>
+          <a:lin ang="5400000" scaled="0"/>
+        </a:gradFill>
+        <a:ln>
+          <a:noFill/>
+        </a:ln>
+        <a:effectLst>
+          <a:outerShdw blurRad="57150" dist="19050" dir="5400000" algn="ctr" rotWithShape="0">
+            <a:srgbClr val="000000">
+              <a:alpha val="63000"/>
+            </a:srgbClr>
+          </a:outerShdw>
+        </a:effectLst>
+      </dsp:spPr>
+      <dsp:style>
+        <a:lnRef idx="0">
+          <a:scrgbClr r="0" g="0" b="0"/>
+        </a:lnRef>
+        <a:fillRef idx="3">
+          <a:scrgbClr r="0" g="0" b="0"/>
+        </a:fillRef>
+        <a:effectRef idx="3">
+          <a:scrgbClr r="0" g="0" b="0"/>
+        </a:effectRef>
+        <a:fontRef idx="minor">
+          <a:schemeClr val="lt1"/>
+        </a:fontRef>
+      </dsp:style>
+      <dsp:txBody>
+        <a:bodyPr spcFirstLastPara="0" vert="horz" wrap="square" lIns="83820" tIns="83820" rIns="83820" bIns="83820" numCol="1" spcCol="1270" anchor="t" anchorCtr="0">
+          <a:noAutofit/>
+        </a:bodyPr>
+        <a:lstStyle/>
+        <a:p>
+          <a:pPr marL="0" lvl="0" indent="0" algn="l" defTabSz="977900">
+            <a:lnSpc>
+              <a:spcPct val="90000"/>
+            </a:lnSpc>
+            <a:spcBef>
+              <a:spcPct val="0"/>
+            </a:spcBef>
+            <a:spcAft>
+              <a:spcPct val="35000"/>
+            </a:spcAft>
+            <a:buNone/>
+          </a:pPr>
+          <a:r>
+            <a:rPr lang="de-DE" sz="2200" kern="1200" dirty="0"/>
+            <a:t>Option 4</a:t>
+          </a:r>
+          <a:endParaRPr lang="en-US" sz="2200" kern="1200" dirty="0"/>
+        </a:p>
+        <a:p>
+          <a:pPr marL="171450" lvl="1" indent="-171450" algn="l" defTabSz="755650">
+            <a:lnSpc>
+              <a:spcPct val="90000"/>
+            </a:lnSpc>
+            <a:spcBef>
+              <a:spcPct val="0"/>
+            </a:spcBef>
+            <a:spcAft>
+              <a:spcPct val="15000"/>
+            </a:spcAft>
+            <a:buChar char="•"/>
+          </a:pPr>
+          <a:r>
+            <a:rPr lang="de-DE" sz="1700" kern="1200" dirty="0">
+              <a:solidFill>
+                <a:srgbClr val="FFFF00"/>
+              </a:solidFill>
+              <a:latin typeface="Avenir Next LT Pro Light" panose="020B0304020202020204" pitchFamily="34" charset="0"/>
+            </a:rPr>
+            <a:t>Keine Empfehlung (es gibt aber eine Anleitung)!</a:t>
+          </a:r>
+          <a:endParaRPr lang="en-US" sz="1700" kern="1200" dirty="0"/>
+        </a:p>
+        <a:p>
+          <a:pPr marL="171450" lvl="1" indent="-171450" algn="l" defTabSz="755650">
+            <a:lnSpc>
+              <a:spcPct val="90000"/>
+            </a:lnSpc>
+            <a:spcBef>
+              <a:spcPct val="0"/>
+            </a:spcBef>
+            <a:spcAft>
+              <a:spcPct val="15000"/>
+            </a:spcAft>
+            <a:buChar char="•"/>
+          </a:pPr>
+          <a:r>
+            <a:rPr lang="en-US" sz="1700" kern="1200" dirty="0">
+              <a:solidFill>
+                <a:schemeClr val="tx1">
+                  <a:lumMod val="85000"/>
+                  <a:lumOff val="15000"/>
+                </a:schemeClr>
+              </a:solidFill>
+              <a:hlinkClick xmlns:r="http://schemas.openxmlformats.org/officeDocument/2006/relationships" r:id="rId3">
+                <a:extLst>
+                  <a:ext uri="{A12FA001-AC4F-418D-AE19-62706E023703}">
+                    <ahyp:hlinkClr xmlns:ahyp="http://schemas.microsoft.com/office/drawing/2018/hyperlinkcolor" val="tx"/>
+                  </a:ext>
+                </a:extLst>
+              </a:hlinkClick>
+            </a:rPr>
+            <a:t>https://github.com/maximotus/skill-saturday-wordpress-portfolio-website/wiki/Option-4</a:t>
+          </a:r>
+          <a:endParaRPr lang="en-US" sz="1700" kern="1200" dirty="0">
+            <a:solidFill>
+              <a:schemeClr val="tx1">
+                <a:lumMod val="85000"/>
+                <a:lumOff val="15000"/>
+              </a:schemeClr>
+            </a:solidFill>
+          </a:endParaRPr>
+        </a:p>
+      </dsp:txBody>
+      <dsp:txXfrm>
+        <a:off x="2242108" y="3057755"/>
+        <a:ext cx="8273491" cy="1389889"/>
+      </dsp:txXfrm>
+    </dsp:sp>
+    <dsp:sp modelId="{9CFC517E-AB5B-48A5-8D3A-042E49721566}">
+      <dsp:nvSpPr>
+        <dsp:cNvPr id="0" name=""/>
+        <dsp:cNvSpPr/>
+      </dsp:nvSpPr>
+      <dsp:spPr>
+        <a:xfrm>
+          <a:off x="138988" y="3196744"/>
+          <a:ext cx="2103120" cy="1111911"/>
+        </a:xfrm>
+        <a:prstGeom prst="roundRect">
+          <a:avLst>
+            <a:gd name="adj" fmla="val 10000"/>
+          </a:avLst>
+        </a:prstGeom>
+        <a:solidFill>
+          <a:schemeClr val="bg1"/>
+        </a:solidFill>
+        <a:ln>
+          <a:noFill/>
+        </a:ln>
+        <a:effectLst>
+          <a:outerShdw blurRad="57150" dist="19050" dir="5400000" algn="ctr" rotWithShape="0">
+            <a:srgbClr val="000000">
+              <a:alpha val="63000"/>
+            </a:srgbClr>
+          </a:outerShdw>
+        </a:effectLst>
+      </dsp:spPr>
+      <dsp:style>
+        <a:lnRef idx="0">
+          <a:scrgbClr r="0" g="0" b="0"/>
+        </a:lnRef>
+        <a:fillRef idx="1">
+          <a:scrgbClr r="0" g="0" b="0"/>
+        </a:fillRef>
+        <a:effectRef idx="3">
+          <a:scrgbClr r="0" g="0" b="0"/>
+        </a:effectRef>
+        <a:fontRef idx="minor"/>
+      </dsp:style>
+    </dsp:sp>
+  </dsp:spTree>
+</dsp:drawing>
+</file>
+
+<file path=ppt/diagrams/layout1.xml><?xml version="1.0" encoding="utf-8"?>
+<dgm:layoutDef xmlns:dgm="http://schemas.openxmlformats.org/drawingml/2006/diagram" xmlns:a="http://schemas.openxmlformats.org/drawingml/2006/main" uniqueId="urn:microsoft.com/office/officeart/2005/8/layout/hList7">
+  <dgm:title val=""/>
+  <dgm:desc val=""/>
+  <dgm:catLst>
+    <dgm:cat type="list" pri="12000"/>
+    <dgm:cat type="process" pri="20000"/>
+    <dgm:cat type="relationship" pri="14000"/>
+    <dgm:cat type="convert" pri="8000"/>
+    <dgm:cat type="picture" pri="25000"/>
+    <dgm:cat type="pictureconvert" pri="25000"/>
+  </dgm:catLst>
+  <dgm:sampData useDef="1">
+    <dgm:dataModel>
+      <dgm:ptLst/>
+      <dgm:bg/>
+      <dgm:whole/>
+    </dgm:dataModel>
+  </dgm:sampData>
+  <dgm:styleData>
+    <dgm:dataModel>
+      <dgm:ptLst>
+        <dgm:pt modelId="0" type="doc"/>
+        <dgm:pt modelId="1"/>
+        <dgm:pt modelId="2"/>
+      </dgm:ptLst>
+      <dgm:cxnLst>
+        <dgm:cxn modelId="3" srcId="0" destId="1" srcOrd="0" destOrd="0"/>
+        <dgm:cxn modelId="4" srcId="0" destId="2" srcOrd="1" destOrd="0"/>
+      </dgm:cxnLst>
+      <dgm:bg/>
+      <dgm:whole/>
+    </dgm:dataModel>
+  </dgm:styleData>
+  <dgm:clrData>
+    <dgm:dataModel>
+      <dgm:ptLst>
+        <dgm:pt modelId="0" type="doc"/>
+        <dgm:pt modelId="1"/>
+        <dgm:pt modelId="2"/>
+        <dgm:pt modelId="3"/>
+        <dgm:pt modelId="4"/>
+      </dgm:ptLst>
+      <dgm:cxnLst>
+        <dgm:cxn modelId="5" srcId="0" destId="1" srcOrd="0" destOrd="0"/>
+        <dgm:cxn modelId="6" srcId="0" destId="2" srcOrd="1" destOrd="0"/>
+        <dgm:cxn modelId="7" srcId="0" destId="3" srcOrd="2" destOrd="0"/>
+        <dgm:cxn modelId="8" srcId="0" destId="4" srcOrd="3" destOrd="0"/>
+      </dgm:cxnLst>
+      <dgm:bg/>
+      <dgm:whole/>
+    </dgm:dataModel>
+  </dgm:clrData>
+  <dgm:layoutNode name="Name0">
+    <dgm:varLst>
+      <dgm:dir/>
+      <dgm:resizeHandles val="exact"/>
+    </dgm:varLst>
+    <dgm:alg type="composite"/>
+    <dgm:shape xmlns:r="http://schemas.openxmlformats.org/officeDocument/2006/relationships" r:blip="">
+      <dgm:adjLst/>
+    </dgm:shape>
+    <dgm:presOf/>
+    <dgm:constrLst>
+      <dgm:constr type="w" for="ch" forName="fgShape" refType="w" fact="0.92"/>
+      <dgm:constr type="h" for="ch" forName="fgShape" refType="h" fact="0.15"/>
+      <dgm:constr type="b" for="ch" forName="fgShape" refType="h" fact="0.95"/>
+      <dgm:constr type="ctrX" for="ch" forName="fgShape" refType="w" fact="0.5"/>
+      <dgm:constr type="w" for="ch" forName="linComp" refType="w"/>
+      <dgm:constr type="h" for="ch" forName="linComp" refType="h"/>
+      <dgm:constr type="ctrX" for="ch" forName="linComp" refType="w" fact="0.5"/>
+    </dgm:constrLst>
+    <dgm:ruleLst/>
+    <dgm:layoutNode name="fgShape" styleLbl="fgShp">
+      <dgm:alg type="sp"/>
+      <dgm:shape xmlns:r="http://schemas.openxmlformats.org/officeDocument/2006/relationships" type="leftRightArrow" r:blip="" zOrderOff="99999">
+        <dgm:adjLst/>
+      </dgm:shape>
+      <dgm:presOf/>
+      <dgm:constrLst/>
+      <dgm:ruleLst/>
+    </dgm:layoutNode>
+    <dgm:layoutNode name="linComp">
+      <dgm:choose name="Name1">
+        <dgm:if name="Name2" func="var" arg="dir" op="equ" val="norm">
+          <dgm:alg type="lin"/>
+        </dgm:if>
+        <dgm:else name="Name3">
+          <dgm:alg type="lin">
+            <dgm:param type="linDir" val="fromR"/>
+          </dgm:alg>
+        </dgm:else>
+      </dgm:choose>
+      <dgm:shape xmlns:r="http://schemas.openxmlformats.org/officeDocument/2006/relationships" r:blip="">
+        <dgm:adjLst/>
+      </dgm:shape>
+      <dgm:presOf/>
+      <dgm:constrLst>
+        <dgm:constr type="w" for="ch" forName="compNode" refType="w"/>
+        <dgm:constr type="h" for="ch" forName="compNode" refType="h"/>
+        <dgm:constr type="w" for="ch" ptType="sibTrans" refType="w" refFor="ch" refForName="compNode" fact="0.03"/>
+        <dgm:constr type="primFontSz" for="des" ptType="node" op="equ" val="65"/>
+      </dgm:constrLst>
+      <dgm:ruleLst/>
+      <dgm:forEach name="nodesForEach" axis="ch" ptType="node">
+        <dgm:layoutNode name="compNode">
+          <dgm:alg type="composite"/>
+          <dgm:shape xmlns:r="http://schemas.openxmlformats.org/officeDocument/2006/relationships" r:blip="">
+            <dgm:adjLst/>
+          </dgm:shape>
+          <dgm:presOf/>
+          <dgm:constrLst>
+            <dgm:constr type="w" for="ch" forName="bkgdShape" refType="w"/>
+            <dgm:constr type="h" for="ch" forName="bkgdShape" refType="h"/>
+            <dgm:constr type="w" for="ch" forName="nodeTx" refType="w"/>
+            <dgm:constr type="h" for="ch" forName="nodeTx" refType="h" fact="0.4"/>
+            <dgm:constr type="b" for="ch" forName="nodeTx" refType="h" fact="0.8"/>
+            <dgm:constr type="w" for="ch" forName="invisiNode" refType="w" fact="0.01"/>
+            <dgm:constr type="h" for="ch" forName="invisiNode" refType="h" fact="0.06"/>
+            <dgm:constr type="t" for="ch" forName="invisiNode"/>
+            <dgm:constr type="ctrX" for="ch" forName="invisiNode" refType="w" fact="0.5"/>
+            <dgm:constr type="h" for="ch" forName="imagNode" refType="h" fact="0.333"/>
+            <dgm:constr type="w" for="ch" forName="imagNode" refType="h" refFor="ch" refForName="imagNode"/>
+            <dgm:constr type="ctrX" for="ch" forName="imagNode" refType="w" fact="0.5"/>
+            <dgm:constr type="t" for="ch" forName="imagNode" refType="h" fact="0.06"/>
+            <dgm:constr type="w" for="ch" forName="imagNode" refType="w" op="lte" fact="0.94"/>
+          </dgm:constrLst>
+          <dgm:ruleLst/>
+          <dgm:layoutNode name="bkgdShape">
+            <dgm:alg type="sp"/>
+            <dgm:shape xmlns:r="http://schemas.openxmlformats.org/officeDocument/2006/relationships" type="roundRect" r:blip="">
+              <dgm:adjLst>
+                <dgm:adj idx="1" val="0.1"/>
+              </dgm:adjLst>
+            </dgm:shape>
+            <dgm:presOf axis="desOrSelf" ptType="node"/>
+            <dgm:constrLst/>
+            <dgm:ruleLst/>
+          </dgm:layoutNode>
+          <dgm:layoutNode name="nodeTx">
+            <dgm:varLst>
+              <dgm:bulletEnabled val="1"/>
+            </dgm:varLst>
+            <dgm:alg type="tx">
+              <dgm:param type="txAnchorVert" val="mid"/>
+              <dgm:param type="txAnchorHorzCh" val="ctr"/>
+              <dgm:param type="stBulletLvl" val="2"/>
+            </dgm:alg>
+            <dgm:shape xmlns:r="http://schemas.openxmlformats.org/officeDocument/2006/relationships" type="rect" r:blip="" hideGeom="1">
+              <dgm:adjLst/>
+            </dgm:shape>
+            <dgm:presOf axis="desOrSelf" ptType="node"/>
+            <dgm:constrLst/>
+            <dgm:ruleLst>
+              <dgm:rule type="primFontSz" val="5" fact="NaN" max="NaN"/>
+            </dgm:ruleLst>
+          </dgm:layoutNode>
+          <dgm:layoutNode name="invisiNode">
+            <dgm:alg type="sp"/>
+            <dgm:shape xmlns:r="http://schemas.openxmlformats.org/officeDocument/2006/relationships" type="roundRect" r:blip="" hideGeom="1">
+              <dgm:adjLst>
+                <dgm:adj idx="1" val="0.1"/>
+              </dgm:adjLst>
+            </dgm:shape>
+            <dgm:presOf/>
+            <dgm:constrLst/>
+            <dgm:ruleLst/>
+          </dgm:layoutNode>
+          <dgm:layoutNode name="imagNode" styleLbl="fgImgPlace1">
+            <dgm:alg type="sp"/>
+            <dgm:shape xmlns:r="http://schemas.openxmlformats.org/officeDocument/2006/relationships" type="ellipse" r:blip="" blipPhldr="1">
+              <dgm:adjLst/>
+            </dgm:shape>
+            <dgm:presOf/>
+            <dgm:constrLst/>
+            <dgm:ruleLst/>
+          </dgm:layoutNode>
+        </dgm:layoutNode>
+        <dgm:forEach name="sibTransForEach" axis="followSib" ptType="sibTrans" cnt="1">
+          <dgm:layoutNode name="sibTrans">
+            <dgm:alg type="sp"/>
+            <dgm:shape xmlns:r="http://schemas.openxmlformats.org/officeDocument/2006/relationships" type="rect" r:blip="" hideGeom="1">
+              <dgm:adjLst/>
+            </dgm:shape>
+            <dgm:presOf axis="self"/>
+            <dgm:constrLst/>
+            <dgm:ruleLst/>
+          </dgm:layoutNode>
+        </dgm:forEach>
+      </dgm:forEach>
+    </dgm:layoutNode>
+  </dgm:layoutNode>
+</dgm:layoutDef>
+</file>
+
+<file path=ppt/diagrams/layout2.xml><?xml version="1.0" encoding="utf-8"?>
+<dgm:layoutDef xmlns:dgm="http://schemas.openxmlformats.org/drawingml/2006/diagram" xmlns:a="http://schemas.openxmlformats.org/drawingml/2006/main" uniqueId="urn:microsoft.com/office/officeart/2005/8/layout/vList4">
+  <dgm:title val=""/>
+  <dgm:desc val=""/>
+  <dgm:catLst>
+    <dgm:cat type="list" pri="13000"/>
+    <dgm:cat type="picture" pri="26000"/>
+    <dgm:cat type="pictureconvert" pri="26000"/>
+  </dgm:catLst>
+  <dgm:sampData>
+    <dgm:dataModel>
+      <dgm:ptLst>
+        <dgm:pt modelId="0" type="doc"/>
+        <dgm:pt modelId="1">
+          <dgm:prSet phldr="1"/>
+        </dgm:pt>
+        <dgm:pt modelId="11">
+          <dgm:prSet phldr="1"/>
+        </dgm:pt>
+        <dgm:pt modelId="12">
+          <dgm:prSet phldr="1"/>
+        </dgm:pt>
+        <dgm:pt modelId="2">
+          <dgm:prSet phldr="1"/>
+        </dgm:pt>
+        <dgm:pt modelId="21">
+          <dgm:prSet phldr="1"/>
+        </dgm:pt>
+        <dgm:pt modelId="22">
+          <dgm:prSet phldr="1"/>
+        </dgm:pt>
+        <dgm:pt modelId="3">
+          <dgm:prSet phldr="1"/>
+        </dgm:pt>
+        <dgm:pt modelId="31">
+          <dgm:prSet phldr="1"/>
+        </dgm:pt>
+        <dgm:pt modelId="32">
+          <dgm:prSet phldr="1"/>
+        </dgm:pt>
+      </dgm:ptLst>
+      <dgm:cxnLst>
+        <dgm:cxn modelId="4" srcId="0" destId="1" srcOrd="0" destOrd="0"/>
+        <dgm:cxn modelId="5" srcId="0" destId="2" srcOrd="1" destOrd="0"/>
+        <dgm:cxn modelId="13" srcId="1" destId="11" srcOrd="0" destOrd="0"/>
+        <dgm:cxn modelId="14" srcId="1" destId="12" srcOrd="0" destOrd="0"/>
+        <dgm:cxn modelId="23" srcId="2" destId="21" srcOrd="0" destOrd="0"/>
+        <dgm:cxn modelId="24" srcId="2" destId="22" srcOrd="0" destOrd="0"/>
+        <dgm:cxn modelId="33" srcId="3" destId="31" srcOrd="0" destOrd="0"/>
+        <dgm:cxn modelId="34" srcId="3" destId="32" srcOrd="0" destOrd="0"/>
+      </dgm:cxnLst>
+      <dgm:bg/>
+      <dgm:whole/>
+    </dgm:dataModel>
+  </dgm:sampData>
+  <dgm:styleData>
+    <dgm:dataModel>
+      <dgm:ptLst>
+        <dgm:pt modelId="0" type="doc"/>
+        <dgm:pt modelId="1"/>
+        <dgm:pt modelId="2"/>
+      </dgm:ptLst>
+      <dgm:cxnLst>
+        <dgm:cxn modelId="3" srcId="0" destId="1" srcOrd="0" destOrd="0"/>
+        <dgm:cxn modelId="4" srcId="0" destId="2" srcOrd="1" destOrd="0"/>
+      </dgm:cxnLst>
+      <dgm:bg/>
+      <dgm:whole/>
+    </dgm:dataModel>
+  </dgm:styleData>
+  <dgm:clrData>
+    <dgm:dataModel>
+      <dgm:ptLst>
+        <dgm:pt modelId="0" type="doc"/>
+        <dgm:pt modelId="1"/>
+        <dgm:pt modelId="2"/>
+        <dgm:pt modelId="3"/>
+        <dgm:pt modelId="4"/>
+      </dgm:ptLst>
+      <dgm:cxnLst>
+        <dgm:cxn modelId="5" srcId="0" destId="1" srcOrd="0" destOrd="0"/>
+        <dgm:cxn modelId="6" srcId="0" destId="2" srcOrd="1" destOrd="0"/>
+        <dgm:cxn modelId="7" srcId="0" destId="3" srcOrd="2" destOrd="0"/>
+        <dgm:cxn modelId="8" srcId="0" destId="4" srcOrd="3" destOrd="0"/>
+      </dgm:cxnLst>
+      <dgm:bg/>
+      <dgm:whole/>
+    </dgm:dataModel>
+  </dgm:clrData>
+  <dgm:layoutNode name="linear">
+    <dgm:varLst>
+      <dgm:dir/>
+      <dgm:resizeHandles val="exact"/>
+    </dgm:varLst>
+    <dgm:alg type="lin">
+      <dgm:param type="linDir" val="fromT"/>
+      <dgm:param type="vertAlign" val="t"/>
+    </dgm:alg>
+    <dgm:shape xmlns:r="http://schemas.openxmlformats.org/officeDocument/2006/relationships" r:blip="">
+      <dgm:adjLst/>
+    </dgm:shape>
+    <dgm:presOf/>
+    <dgm:constrLst>
+      <dgm:constr type="w" for="ch" forName="comp" refType="w"/>
+      <dgm:constr type="h" for="ch" forName="comp" refType="h"/>
+      <dgm:constr type="h" for="ch" forName="spacer" refType="h" refFor="ch" refForName="comp" op="equ" fact="0.1"/>
+      <dgm:constr type="primFontSz" for="des" forName="text" op="equ" val="65"/>
+    </dgm:constrLst>
+    <dgm:ruleLst/>
+    <dgm:forEach name="Name0" axis="ch" ptType="node">
+      <dgm:layoutNode name="comp" styleLbl="node1">
+        <dgm:alg type="composite"/>
+        <dgm:shape xmlns:r="http://schemas.openxmlformats.org/officeDocument/2006/relationships" r:blip="">
+          <dgm:adjLst/>
+        </dgm:shape>
+        <dgm:presOf/>
+        <dgm:choose name="Name1">
+          <dgm:if name="Name2" func="var" arg="dir" op="equ" val="norm">
+            <dgm:constrLst>
+              <dgm:constr type="h" for="ch" forName="box" refType="h"/>
+              <dgm:constr type="w" for="ch" forName="box" refType="w"/>
+              <dgm:constr type="w" for="ch" forName="img" refType="w" refFor="ch" refForName="box" fact="0.2"/>
+              <dgm:constr type="h" for="ch" forName="img" refType="h" refFor="ch" refForName="box" fact="0.8"/>
+              <dgm:constr type="t" for="ch" forName="img" refType="h" refFor="ch" refForName="box" fact="0.1"/>
+              <dgm:constr type="l" for="ch" forName="img" refType="h" refFor="ch" refForName="box" fact="0.1"/>
+              <dgm:constr type="h" for="ch" forName="text" refType="h"/>
+              <dgm:constr type="l" for="ch" forName="text" refType="r" refFor="ch" refForName="img"/>
+              <dgm:constr type="r" for="ch" forName="text" refType="w"/>
+            </dgm:constrLst>
+          </dgm:if>
+          <dgm:else name="Name3">
+            <dgm:constrLst>
+              <dgm:constr type="h" for="ch" forName="box" refType="h"/>
+              <dgm:constr type="w" for="ch" forName="box" refType="w"/>
+              <dgm:constr type="w" for="ch" forName="img" refType="w" refFor="ch" refForName="box" fact="0.2"/>
+              <dgm:constr type="h" for="ch" forName="img" refType="h" refFor="ch" refForName="box" fact="0.8"/>
+              <dgm:constr type="t" for="ch" forName="img" refType="h" refFor="ch" refForName="box" fact="0.1"/>
+              <dgm:constr type="r" for="ch" forName="img" refType="w" refFor="ch" refForName="box"/>
+              <dgm:constr type="rOff" for="ch" forName="img" refType="h" refFor="ch" refForName="box" fact="-0.1"/>
+              <dgm:constr type="h" for="ch" forName="text" refType="h"/>
+              <dgm:constr type="r" for="ch" forName="text" refType="l" refFor="ch" refForName="img"/>
+              <dgm:constr type="l" for="ch" forName="text"/>
+            </dgm:constrLst>
+          </dgm:else>
+        </dgm:choose>
+        <dgm:ruleLst/>
+        <dgm:layoutNode name="box" styleLbl="node1">
+          <dgm:alg type="sp"/>
+          <dgm:shape xmlns:r="http://schemas.openxmlformats.org/officeDocument/2006/relationships" type="roundRect" r:blip="">
+            <dgm:adjLst>
+              <dgm:adj idx="1" val="0.1"/>
+            </dgm:adjLst>
+          </dgm:shape>
+          <dgm:presOf axis="desOrSelf" ptType="node"/>
+          <dgm:constrLst/>
+          <dgm:ruleLst/>
+        </dgm:layoutNode>
+        <dgm:layoutNode name="img" styleLbl="fgImgPlace1">
+          <dgm:alg type="sp"/>
+          <dgm:shape xmlns:r="http://schemas.openxmlformats.org/officeDocument/2006/relationships" type="roundRect" r:blip="" blipPhldr="1">
+            <dgm:adjLst>
+              <dgm:adj idx="1" val="0.1"/>
+            </dgm:adjLst>
+          </dgm:shape>
+          <dgm:presOf/>
+          <dgm:constrLst/>
+          <dgm:ruleLst/>
+        </dgm:layoutNode>
+        <dgm:layoutNode name="text">
+          <dgm:varLst>
+            <dgm:bulletEnabled val="1"/>
+          </dgm:varLst>
+          <dgm:alg type="tx">
+            <dgm:param type="parTxLTRAlign" val="l"/>
+            <dgm:param type="parTxRTLAlign" val="r"/>
+          </dgm:alg>
+          <dgm:shape xmlns:r="http://schemas.openxmlformats.org/officeDocument/2006/relationships" type="rect" r:blip="" hideGeom="1">
+            <dgm:adjLst/>
+          </dgm:shape>
+          <dgm:presOf axis="desOrSelf" ptType="node"/>
+          <dgm:constrLst>
+            <dgm:constr type="tMarg" refType="primFontSz" fact="0.3"/>
+            <dgm:constr type="bMarg" refType="primFontSz" fact="0.3"/>
+            <dgm:constr type="lMarg" refType="primFontSz" fact="0.3"/>
+            <dgm:constr type="rMarg" refType="primFontSz" fact="0.3"/>
+          </dgm:constrLst>
+          <dgm:ruleLst>
+            <dgm:rule type="primFontSz" val="5" fact="NaN" max="NaN"/>
+          </dgm:ruleLst>
+        </dgm:layoutNode>
+      </dgm:layoutNode>
+      <dgm:forEach name="Name4" axis="followSib" ptType="sibTrans" cnt="1">
+        <dgm:layoutNode name="spacer">
+          <dgm:alg type="sp"/>
+          <dgm:shape xmlns:r="http://schemas.openxmlformats.org/officeDocument/2006/relationships" r:blip="">
+            <dgm:adjLst/>
+          </dgm:shape>
+          <dgm:presOf axis="self"/>
+          <dgm:constrLst/>
+          <dgm:ruleLst/>
+        </dgm:layoutNode>
+      </dgm:forEach>
+    </dgm:forEach>
+  </dgm:layoutNode>
+</dgm:layoutDef>
+</file>
+
+<file path=ppt/diagrams/quickStyle1.xml><?xml version="1.0" encoding="utf-8"?>
+<dgm:styleDef xmlns:dgm="http://schemas.openxmlformats.org/drawingml/2006/diagram" xmlns:a="http://schemas.openxmlformats.org/drawingml/2006/main" uniqueId="urn:microsoft.com/office/officeart/2005/8/quickstyle/simple1">
+  <dgm:title val=""/>
+  <dgm:desc val=""/>
+  <dgm:catLst>
+    <dgm:cat type="simple" pri="10100"/>
+  </dgm:catLst>
+  <dgm:scene3d>
+    <a:camera prst="orthographicFront"/>
+    <a:lightRig rig="threePt" dir="t"/>
+  </dgm:scene3d>
+  <dgm:styleLbl name="node0">
+    <dgm:scene3d>
+      <a:camera prst="orthographicFront"/>
+      <a:lightRig rig="threePt" dir="t"/>
+    </dgm:scene3d>
+    <dgm:sp3d/>
+    <dgm:txPr/>
+    <dgm:style>
+      <a:lnRef idx="2">
+        <a:scrgbClr r="0" g="0" b="0"/>
+      </a:lnRef>
+      <a:fillRef idx="1">
+        <a:scrgbClr r="0" g="0" b="0"/>
+      </a:fillRef>
+      <a:effectRef idx="0">
+        <a:scrgbClr r="0" g="0" b="0"/>
+      </a:effectRef>
+      <a:fontRef idx="minor">
+        <a:schemeClr val="lt1"/>
+      </a:fontRef>
+    </dgm:style>
+  </dgm:styleLbl>
+  <dgm:styleLbl name="lnNode1">
+    <dgm:scene3d>
+      <a:camera prst="orthographicFront"/>
+      <a:lightRig rig="threePt" dir="t"/>
+    </dgm:scene3d>
+    <dgm:sp3d/>
+    <dgm:txPr/>
+    <dgm:style>
+      <a:lnRef idx="2">
+        <a:scrgbClr r="0" g="0" b="0"/>
+      </a:lnRef>
+      <a:fillRef idx="1">
+        <a:scrgbClr r="0" g="0" b="0"/>
+      </a:fillRef>
+      <a:effectRef idx="0">
+        <a:scrgbClr r="0" g="0" b="0"/>
+      </a:effectRef>
+      <a:fontRef idx="minor">
+        <a:schemeClr val="lt1"/>
+      </a:fontRef>
+    </dgm:style>
+  </dgm:styleLbl>
+  <dgm:styleLbl name="vennNode1">
+    <dgm:scene3d>
+      <a:camera prst="orthographicFront"/>
+      <a:lightRig rig="threePt" dir="t"/>
+    </dgm:scene3d>
+    <dgm:sp3d/>
+    <dgm:txPr/>
+    <dgm:style>
+      <a:lnRef idx="2">
+        <a:scrgbClr r="0" g="0" b="0"/>
+      </a:lnRef>
+      <a:fillRef idx="1">
+        <a:scrgbClr r="0" g="0" b="0"/>
+      </a:fillRef>
+      <a:effectRef idx="0">
+        <a:scrgbClr r="0" g="0" b="0"/>
+      </a:effectRef>
+      <a:fontRef idx="minor">
+        <a:schemeClr val="tx1"/>
+      </a:fontRef>
+    </dgm:style>
+  </dgm:styleLbl>
+  <dgm:styleLbl name="alignNode1">
+    <dgm:scene3d>
+      <a:camera prst="orthographicFront"/>
+      <a:lightRig rig="threePt" dir="t"/>
+    </dgm:scene3d>
+    <dgm:sp3d/>
+    <dgm:txPr/>
+    <dgm:style>
+      <a:lnRef idx="2">
+        <a:scrgbClr r="0" g="0" b="0"/>
+      </a:lnRef>
+      <a:fillRef idx="1">
+        <a:scrgbClr r="0" g="0" b="0"/>
+      </a:fillRef>
+      <a:effectRef idx="0">
+        <a:scrgbClr r="0" g="0" b="0"/>
+      </a:effectRef>
+      <a:fontRef idx="minor">
+        <a:schemeClr val="lt1"/>
+      </a:fontRef>
+    </dgm:style>
+  </dgm:styleLbl>
+  <dgm:styleLbl name="node1">
+    <dgm:scene3d>
+      <a:camera prst="orthographicFront"/>
+      <a:lightRig rig="threePt" dir="t"/>
+    </dgm:scene3d>
+    <dgm:sp3d/>
+    <dgm:txPr/>
+    <dgm:style>
+      <a:lnRef idx="2">
+        <a:scrgbClr r="0" g="0" b="0"/>
+      </a:lnRef>
+      <a:fillRef idx="1">
+        <a:scrgbClr r="0" g="0" b="0"/>
+      </a:fillRef>
+      <a:effectRef idx="0">
+        <a:scrgbClr r="0" g="0" b="0"/>
+      </a:effectRef>
+      <a:fontRef idx="minor">
+        <a:schemeClr val="lt1"/>
+      </a:fontRef>
+    </dgm:style>
+  </dgm:styleLbl>
+  <dgm:styleLbl name="node2">
+    <dgm:scene3d>
+      <a:camera prst="orthographicFront"/>
+      <a:lightRig rig="threePt" dir="t"/>
+    </dgm:scene3d>
+    <dgm:sp3d/>
+    <dgm:txPr/>
+    <dgm:style>
+      <a:lnRef idx="2">
+        <a:scrgbClr r="0" g="0" b="0"/>
+      </a:lnRef>
+      <a:fillRef idx="1">
+        <a:scrgbClr r="0" g="0" b="0"/>
+      </a:fillRef>
+      <a:effectRef idx="0">
+        <a:scrgbClr r="0" g="0" b="0"/>
+      </a:effectRef>
+      <a:fontRef idx="minor">
+        <a:schemeClr val="lt1"/>
+      </a:fontRef>
+    </dgm:style>
+  </dgm:styleLbl>
+  <dgm:styleLbl name="node3">
+    <dgm:scene3d>
+      <a:camera prst="orthographicFront"/>
+      <a:lightRig rig="threePt" dir="t"/>
+    </dgm:scene3d>
+    <dgm:sp3d/>
+    <dgm:txPr/>
+    <dgm:style>
+      <a:lnRef idx="2">
+        <a:scrgbClr r="0" g="0" b="0"/>
+      </a:lnRef>
+      <a:fillRef idx="1">
+        <a:scrgbClr r="0" g="0" b="0"/>
+      </a:fillRef>
+      <a:effectRef idx="0">
+        <a:scrgbClr r="0" g="0" b="0"/>
+      </a:effectRef>
+      <a:fontRef idx="minor">
+        <a:schemeClr val="lt1"/>
+      </a:fontRef>
+    </dgm:style>
+  </dgm:styleLbl>
+  <dgm:styleLbl name="node4">
+    <dgm:scene3d>
+      <a:camera prst="orthographicFront"/>
+      <a:lightRig rig="threePt" dir="t"/>
+    </dgm:scene3d>
+    <dgm:sp3d/>
+    <dgm:txPr/>
+    <dgm:style>
+      <a:lnRef idx="2">
+        <a:scrgbClr r="0" g="0" b="0"/>
+      </a:lnRef>
+      <a:fillRef idx="1">
+        <a:scrgbClr r="0" g="0" b="0"/>
+      </a:fillRef>
+      <a:effectRef idx="0">
+        <a:scrgbClr r="0" g="0" b="0"/>
+      </a:effectRef>
+      <a:fontRef idx="minor">
+        <a:schemeClr val="lt1"/>
+      </a:fontRef>
+    </dgm:style>
+  </dgm:styleLbl>
+  <dgm:styleLbl name="fgImgPlace1">
+    <dgm:scene3d>
+      <a:camera prst="orthographicFront"/>
+      <a:lightRig rig="threePt" dir="t"/>
+    </dgm:scene3d>
+    <dgm:sp3d/>
+    <dgm:txPr/>
+    <dgm:style>
+      <a:lnRef idx="2">
+        <a:scrgbClr r="0" g="0" b="0"/>
+      </a:lnRef>
+      <a:fillRef idx="1">
+        <a:scrgbClr r="0" g="0" b="0"/>
+      </a:fillRef>
+      <a:effectRef idx="0">
+        <a:scrgbClr r="0" g="0" b="0"/>
+      </a:effectRef>
+      <a:fontRef idx="minor"/>
+    </dgm:style>
+  </dgm:styleLbl>
+  <dgm:styleLbl name="alignImgPlace1">
+    <dgm:scene3d>
+      <a:camera prst="orthographicFront"/>
+      <a:lightRig rig="threePt" dir="t"/>
+    </dgm:scene3d>
+    <dgm:sp3d/>
+    <dgm:txPr/>
+    <dgm:style>
+      <a:lnRef idx="2">
+        <a:scrgbClr r="0" g="0" b="0"/>
+      </a:lnRef>
+      <a:fillRef idx="1">
+        <a:scrgbClr r="0" g="0" b="0"/>
+      </a:fillRef>
+      <a:effectRef idx="0">
+        <a:scrgbClr r="0" g="0" b="0"/>
+      </a:effectRef>
+      <a:fontRef idx="minor"/>
+    </dgm:style>
+  </dgm:styleLbl>
+  <dgm:styleLbl name="bgImgPlace1">
+    <dgm:scene3d>
+      <a:camera prst="orthographicFront"/>
+      <a:lightRig rig="threePt" dir="t"/>
+    </dgm:scene3d>
+    <dgm:sp3d/>
+    <dgm:txPr/>
+    <dgm:style>
+      <a:lnRef idx="2">
+        <a:scrgbClr r="0" g="0" b="0"/>
+      </a:lnRef>
+      <a:fillRef idx="1">
+        <a:scrgbClr r="0" g="0" b="0"/>
+      </a:fillRef>
+      <a:effectRef idx="0">
+        <a:scrgbClr r="0" g="0" b="0"/>
+      </a:effectRef>
+      <a:fontRef idx="minor"/>
+    </dgm:style>
+  </dgm:styleLbl>
+  <dgm:styleLbl name="sibTrans2D1">
+    <dgm:scene3d>
+      <a:camera prst="orthographicFront"/>
+      <a:lightRig rig="threePt" dir="t"/>
+    </dgm:scene3d>
+    <dgm:sp3d/>
+    <dgm:txPr/>
+    <dgm:style>
+      <a:lnRef idx="0">
+        <a:scrgbClr r="0" g="0" b="0"/>
+      </a:lnRef>
+      <a:fillRef idx="1">
+        <a:scrgbClr r="0" g="0" b="0"/>
+      </a:fillRef>
+      <a:effectRef idx="0">
+        <a:scrgbClr r="0" g="0" b="0"/>
+      </a:effectRef>
+      <a:fontRef idx="minor">
+        <a:schemeClr val="lt1"/>
+      </a:fontRef>
+    </dgm:style>
+  </dgm:styleLbl>
+  <dgm:styleLbl name="fgSibTrans2D1">
+    <dgm:scene3d>
+      <a:camera prst="orthographicFront"/>
+      <a:lightRig rig="threePt" dir="t"/>
+    </dgm:scene3d>
+    <dgm:sp3d/>
+    <dgm:txPr/>
+    <dgm:style>
+      <a:lnRef idx="0">
+        <a:scrgbClr r="0" g="0" b="0"/>
+      </a:lnRef>
+      <a:fillRef idx="1">
+        <a:scrgbClr r="0" g="0" b="0"/>
+      </a:fillRef>
+      <a:effectRef idx="0">
+        <a:scrgbClr r="0" g="0" b="0"/>
+      </a:effectRef>
+      <a:fontRef idx="minor">
+        <a:schemeClr val="lt1"/>
+      </a:fontRef>
+    </dgm:style>
+  </dgm:styleLbl>
+  <dgm:styleLbl name="bgSibTrans2D1">
+    <dgm:scene3d>
+      <a:camera prst="orthographicFront"/>
+      <a:lightRig rig="threePt" dir="t"/>
+    </dgm:scene3d>
+    <dgm:sp3d/>
+    <dgm:txPr/>
+    <dgm:style>
+      <a:lnRef idx="0">
+        <a:scrgbClr r="0" g="0" b="0"/>
+      </a:lnRef>
+      <a:fillRef idx="1">
+        <a:scrgbClr r="0" g="0" b="0"/>
+      </a:fillRef>
+      <a:effectRef idx="0">
+        <a:scrgbClr r="0" g="0" b="0"/>
+      </a:effectRef>
+      <a:fontRef idx="minor">
+        <a:schemeClr val="lt1"/>
+      </a:fontRef>
+    </dgm:style>
+  </dgm:styleLbl>
+  <dgm:styleLbl name="sibTrans1D1">
+    <dgm:scene3d>
+      <a:camera prst="orthographicFront"/>
+      <a:lightRig rig="threePt" dir="t"/>
+    </dgm:scene3d>
+    <dgm:sp3d/>
+    <dgm:txPr/>
+    <dgm:style>
+      <a:lnRef idx="1">
+        <a:scrgbClr r="0" g="0" b="0"/>
+      </a:lnRef>
+      <a:fillRef idx="0">
+        <a:scrgbClr r="0" g="0" b="0"/>
+      </a:fillRef>
+      <a:effectRef idx="0">
+        <a:scrgbClr r="0" g="0" b="0"/>
+      </a:effectRef>
+      <a:fontRef idx="minor"/>
+    </dgm:style>
+  </dgm:styleLbl>
+  <dgm:styleLbl name="callout">
+    <dgm:scene3d>
+      <a:camera prst="orthographicFront"/>
+      <a:lightRig rig="threePt" dir="t"/>
+    </dgm:scene3d>
+    <dgm:sp3d/>
+    <dgm:txPr/>
+    <dgm:style>
+      <a:lnRef idx="2">
+        <a:scrgbClr r="0" g="0" b="0"/>
+      </a:lnRef>
+      <a:fillRef idx="1">
+        <a:scrgbClr r="0" g="0" b="0"/>
+      </a:fillRef>
+      <a:effectRef idx="0">
+        <a:scrgbClr r="0" g="0" b="0"/>
+      </a:effectRef>
+      <a:fontRef idx="minor"/>
+    </dgm:style>
+  </dgm:styleLbl>
+  <dgm:styleLbl name="asst0">
+    <dgm:scene3d>
+      <a:camera prst="orthographicFront"/>
+      <a:lightRig rig="threePt" dir="t"/>
+    </dgm:scene3d>
+    <dgm:sp3d/>
+    <dgm:txPr/>
+    <dgm:style>
+      <a:lnRef idx="2">
+        <a:scrgbClr r="0" g="0" b="0"/>
+      </a:lnRef>
+      <a:fillRef idx="1">
+        <a:scrgbClr r="0" g="0" b="0"/>
+      </a:fillRef>
+      <a:effectRef idx="0">
+        <a:scrgbClr r="0" g="0" b="0"/>
+      </a:effectRef>
+      <a:fontRef idx="minor">
+        <a:schemeClr val="lt1"/>
+      </a:fontRef>
+    </dgm:style>
+  </dgm:styleLbl>
+  <dgm:styleLbl name="asst1">
+    <dgm:scene3d>
+      <a:camera prst="orthographicFront"/>
+      <a:lightRig rig="threePt" dir="t"/>
+    </dgm:scene3d>
+    <dgm:sp3d/>
+    <dgm:txPr/>
+    <dgm:style>
+      <a:lnRef idx="2">
+        <a:scrgbClr r="0" g="0" b="0"/>
+      </a:lnRef>
+      <a:fillRef idx="1">
+        <a:scrgbClr r="0" g="0" b="0"/>
+      </a:fillRef>
+      <a:effectRef idx="0">
+        <a:scrgbClr r="0" g="0" b="0"/>
+      </a:effectRef>
+      <a:fontRef idx="minor">
+        <a:schemeClr val="lt1"/>
+      </a:fontRef>
+    </dgm:style>
+  </dgm:styleLbl>
+  <dgm:styleLbl name="asst2">
+    <dgm:scene3d>
+      <a:camera prst="orthographicFront"/>
+      <a:lightRig rig="threePt" dir="t"/>
+    </dgm:scene3d>
+    <dgm:sp3d/>
+    <dgm:txPr/>
+    <dgm:style>
+      <a:lnRef idx="2">
+        <a:scrgbClr r="0" g="0" b="0"/>
+      </a:lnRef>
+      <a:fillRef idx="1">
+        <a:scrgbClr r="0" g="0" b="0"/>
+      </a:fillRef>
+      <a:effectRef idx="0">
+        <a:scrgbClr r="0" g="0" b="0"/>
+      </a:effectRef>
+      <a:fontRef idx="minor">
+        <a:schemeClr val="lt1"/>
+      </a:fontRef>
+    </dgm:style>
+  </dgm:styleLbl>
+  <dgm:styleLbl name="asst3">
+    <dgm:scene3d>
+      <a:camera prst="orthographicFront"/>
+      <a:lightRig rig="threePt" dir="t"/>
+    </dgm:scene3d>
+    <dgm:sp3d/>
+    <dgm:txPr/>
+    <dgm:style>
+      <a:lnRef idx="2">
+        <a:scrgbClr r="0" g="0" b="0"/>
+      </a:lnRef>
+      <a:fillRef idx="1">
+        <a:scrgbClr r="0" g="0" b="0"/>
+      </a:fillRef>
+      <a:effectRef idx="0">
+        <a:scrgbClr r="0" g="0" b="0"/>
+      </a:effectRef>
+      <a:fontRef idx="minor">
+        <a:schemeClr val="lt1"/>
+      </a:fontRef>
+    </dgm:style>
+  </dgm:styleLbl>
+  <dgm:styleLbl name="asst4">
+    <dgm:scene3d>
+      <a:camera prst="orthographicFront"/>
+      <a:lightRig rig="threePt" dir="t"/>
+    </dgm:scene3d>
+    <dgm:sp3d/>
+    <dgm:txPr/>
+    <dgm:style>
+      <a:lnRef idx="2">
+        <a:scrgbClr r="0" g="0" b="0"/>
+      </a:lnRef>
+      <a:fillRef idx="1">
+        <a:scrgbClr r="0" g="0" b="0"/>
+      </a:fillRef>
+      <a:effectRef idx="0">
+        <a:scrgbClr r="0" g="0" b="0"/>
+      </a:effectRef>
+      <a:fontRef idx="minor">
+        <a:schemeClr val="lt1"/>
+      </a:fontRef>
+    </dgm:style>
+  </dgm:styleLbl>
+  <dgm:styleLbl name="parChTrans2D1">
+    <dgm:scene3d>
+      <a:camera prst="orthographicFront"/>
+      <a:lightRig rig="threePt" dir="t"/>
+    </dgm:scene3d>
+    <dgm:sp3d/>
+    <dgm:txPr/>
+    <dgm:style>
+      <a:lnRef idx="2">
+        <a:scrgbClr r="0" g="0" b="0"/>
+      </a:lnRef>
+      <a:fillRef idx="1">
+        <a:scrgbClr r="0" g="0" b="0"/>
+      </a:fillRef>
+      <a:effectRef idx="0">
+        <a:scrgbClr r="0" g="0" b="0"/>
+      </a:effectRef>
+      <a:fontRef idx="minor">
+        <a:schemeClr val="lt1"/>
+      </a:fontRef>
+    </dgm:style>
+  </dgm:styleLbl>
+  <dgm:styleLbl name="parChTrans2D2">
+    <dgm:scene3d>
+      <a:camera prst="orthographicFront"/>
+      <a:lightRig rig="threePt" dir="t"/>
+    </dgm:scene3d>
+    <dgm:sp3d/>
+    <dgm:txPr/>
+    <dgm:style>
+      <a:lnRef idx="2">
+        <a:scrgbClr r="0" g="0" b="0"/>
+      </a:lnRef>
+      <a:fillRef idx="1">
+        <a:scrgbClr r="0" g="0" b="0"/>
+      </a:fillRef>
+      <a:effectRef idx="0">
+        <a:scrgbClr r="0" g="0" b="0"/>
+      </a:effectRef>
+      <a:fontRef idx="minor">
+        <a:schemeClr val="lt1"/>
+      </a:fontRef>
+    </dgm:style>
+  </dgm:styleLbl>
+  <dgm:styleLbl name="parChTrans2D3">
+    <dgm:scene3d>
+      <a:camera prst="orthographicFront"/>
+      <a:lightRig rig="threePt" dir="t"/>
+    </dgm:scene3d>
+    <dgm:sp3d/>
+    <dgm:txPr/>
+    <dgm:style>
+      <a:lnRef idx="2">
+        <a:scrgbClr r="0" g="0" b="0"/>
+      </a:lnRef>
+      <a:fillRef idx="1">
+        <a:scrgbClr r="0" g="0" b="0"/>
+      </a:fillRef>
+      <a:effectRef idx="0">
+        <a:scrgbClr r="0" g="0" b="0"/>
+      </a:effectRef>
+      <a:fontRef idx="minor">
+        <a:schemeClr val="lt1"/>
+      </a:fontRef>
+    </dgm:style>
+  </dgm:styleLbl>
+  <dgm:styleLbl name="parChTrans2D4">
+    <dgm:scene3d>
+      <a:camera prst="orthographicFront"/>
+      <a:lightRig rig="threePt" dir="t"/>
+    </dgm:scene3d>
+    <dgm:sp3d/>
+    <dgm:txPr/>
+    <dgm:style>
+      <a:lnRef idx="2">
+        <a:scrgbClr r="0" g="0" b="0"/>
+      </a:lnRef>
+      <a:fillRef idx="1">
+        <a:scrgbClr r="0" g="0" b="0"/>
+      </a:fillRef>
+      <a:effectRef idx="0">
+        <a:scrgbClr r="0" g="0" b="0"/>
+      </a:effectRef>
+      <a:fontRef idx="minor">
+        <a:schemeClr val="lt1"/>
+      </a:fontRef>
+    </dgm:style>
+  </dgm:styleLbl>
+  <dgm:styleLbl name="parChTrans1D1">
+    <dgm:scene3d>
+      <a:camera prst="orthographicFront"/>
+      <a:lightRig rig="threePt" dir="t"/>
+    </dgm:scene3d>
+    <dgm:sp3d/>
+    <dgm:txPr/>
+    <dgm:style>
+      <a:lnRef idx="2">
+        <a:scrgbClr r="0" g="0" b="0"/>
+      </a:lnRef>
+      <a:fillRef idx="0">
+        <a:scrgbClr r="0" g="0" b="0"/>
+      </a:fillRef>
+      <a:effectRef idx="0">
+        <a:scrgbClr r="0" g="0" b="0"/>
+      </a:effectRef>
+      <a:fontRef idx="minor"/>
+    </dgm:style>
+  </dgm:styleLbl>
+  <dgm:styleLbl name="parChTrans1D2">
+    <dgm:scene3d>
+      <a:camera prst="orthographicFront"/>
+      <a:lightRig rig="threePt" dir="t"/>
+    </dgm:scene3d>
+    <dgm:sp3d/>
+    <dgm:txPr/>
+    <dgm:style>
+      <a:lnRef idx="2">
+        <a:scrgbClr r="0" g="0" b="0"/>
+      </a:lnRef>
+      <a:fillRef idx="0">
+        <a:scrgbClr r="0" g="0" b="0"/>
+      </a:fillRef>
+      <a:effectRef idx="0">
+        <a:scrgbClr r="0" g="0" b="0"/>
+      </a:effectRef>
+      <a:fontRef idx="minor"/>
+    </dgm:style>
+  </dgm:styleLbl>
+  <dgm:styleLbl name="parChTrans1D3">
+    <dgm:scene3d>
+      <a:camera prst="orthographicFront"/>
+      <a:lightRig rig="threePt" dir="t"/>
+    </dgm:scene3d>
+    <dgm:sp3d/>
+    <dgm:txPr/>
+    <dgm:style>
+      <a:lnRef idx="2">
+        <a:scrgbClr r="0" g="0" b="0"/>
+      </a:lnRef>
+      <a:fillRef idx="0">
+        <a:scrgbClr r="0" g="0" b="0"/>
+      </a:fillRef>
+      <a:effectRef idx="0">
+        <a:scrgbClr r="0" g="0" b="0"/>
+      </a:effectRef>
+      <a:fontRef idx="minor"/>
+    </dgm:style>
+  </dgm:styleLbl>
+  <dgm:styleLbl name="parChTrans1D4">
+    <dgm:scene3d>
+      <a:camera prst="orthographicFront"/>
+      <a:lightRig rig="threePt" dir="t"/>
+    </dgm:scene3d>
+    <dgm:sp3d/>
+    <dgm:txPr/>
+    <dgm:style>
+      <a:lnRef idx="2">
+        <a:scrgbClr r="0" g="0" b="0"/>
+      </a:lnRef>
+      <a:fillRef idx="0">
+        <a:scrgbClr r="0" g="0" b="0"/>
+      </a:fillRef>
+      <a:effectRef idx="0">
+        <a:scrgbClr r="0" g="0" b="0"/>
+      </a:effectRef>
+      <a:fontRef idx="minor"/>
+    </dgm:style>
+  </dgm:styleLbl>
+  <dgm:styleLbl name="fgAcc1">
+    <dgm:scene3d>
+      <a:camera prst="orthographicFront"/>
+      <a:lightRig rig="threePt" dir="t"/>
+    </dgm:scene3d>
+    <dgm:sp3d/>
+    <dgm:txPr/>
+    <dgm:style>
+      <a:lnRef idx="2">
+        <a:scrgbClr r="0" g="0" b="0"/>
+      </a:lnRef>
+      <a:fillRef idx="1">
+        <a:scrgbClr r="0" g="0" b="0"/>
+      </a:fillRef>
+      <a:effectRef idx="0">
+        <a:scrgbClr r="0" g="0" b="0"/>
+      </a:effectRef>
+      <a:fontRef idx="minor"/>
+    </dgm:style>
+  </dgm:styleLbl>
+  <dgm:styleLbl name="conFgAcc1">
+    <dgm:scene3d>
+      <a:camera prst="orthographicFront"/>
+      <a:lightRig rig="threePt" dir="t"/>
+    </dgm:scene3d>
+    <dgm:sp3d/>
+    <dgm:txPr/>
+    <dgm:style>
+      <a:lnRef idx="2">
+        <a:scrgbClr r="0" g="0" b="0"/>
+      </a:lnRef>
+      <a:fillRef idx="1">
+        <a:scrgbClr r="0" g="0" b="0"/>
+      </a:fillRef>
+      <a:effectRef idx="0">
+        <a:scrgbClr r="0" g="0" b="0"/>
+      </a:effectRef>
+      <a:fontRef idx="minor"/>
+    </dgm:style>
+  </dgm:styleLbl>
+  <dgm:styleLbl name="alignAcc1">
+    <dgm:scene3d>
+      <a:camera prst="orthographicFront"/>
+      <a:lightRig rig="threePt" dir="t"/>
+    </dgm:scene3d>
+    <dgm:sp3d/>
+    <dgm:txPr/>
+    <dgm:style>
+      <a:lnRef idx="2">
+        <a:scrgbClr r="0" g="0" b="0"/>
+      </a:lnRef>
+      <a:fillRef idx="1">
+        <a:scrgbClr r="0" g="0" b="0"/>
+      </a:fillRef>
+      <a:effectRef idx="0">
+        <a:scrgbClr r="0" g="0" b="0"/>
+      </a:effectRef>
+      <a:fontRef idx="minor"/>
+    </dgm:style>
+  </dgm:styleLbl>
+  <dgm:styleLbl name="trAlignAcc1">
+    <dgm:scene3d>
+      <a:camera prst="orthographicFront"/>
+      <a:lightRig rig="threePt" dir="t"/>
+    </dgm:scene3d>
+    <dgm:sp3d/>
+    <dgm:txPr/>
+    <dgm:style>
+      <a:lnRef idx="1">
+        <a:scrgbClr r="0" g="0" b="0"/>
+      </a:lnRef>
+      <a:fillRef idx="1">
+        <a:scrgbClr r="0" g="0" b="0"/>
+      </a:fillRef>
+      <a:effectRef idx="0">
+        <a:scrgbClr r="0" g="0" b="0"/>
+      </a:effectRef>
+      <a:fontRef idx="minor"/>
+    </dgm:style>
+  </dgm:styleLbl>
+  <dgm:styleLbl name="bgAcc1">
+    <dgm:scene3d>
+      <a:camera prst="orthographicFront"/>
+      <a:lightRig rig="threePt" dir="t"/>
+    </dgm:scene3d>
+    <dgm:sp3d/>
+    <dgm:txPr/>
+    <dgm:style>
+      <a:lnRef idx="2">
+        <a:scrgbClr r="0" g="0" b="0"/>
+      </a:lnRef>
+      <a:fillRef idx="1">
+        <a:scrgbClr r="0" g="0" b="0"/>
+      </a:fillRef>
+      <a:effectRef idx="0">
+        <a:scrgbClr r="0" g="0" b="0"/>
+      </a:effectRef>
+      <a:fontRef idx="minor"/>
+    </dgm:style>
+  </dgm:styleLbl>
+  <dgm:styleLbl name="solidFgAcc1">
+    <dgm:scene3d>
+      <a:camera prst="orthographicFront"/>
+      <a:lightRig rig="threePt" dir="t"/>
+    </dgm:scene3d>
+    <dgm:sp3d/>
+    <dgm:txPr/>
+    <dgm:style>
+      <a:lnRef idx="2">
+        <a:scrgbClr r="0" g="0" b="0"/>
+      </a:lnRef>
+      <a:fillRef idx="1">
+        <a:scrgbClr r="0" g="0" b="0"/>
+      </a:fillRef>
+      <a:effectRef idx="0">
+        <a:scrgbClr r="0" g="0" b="0"/>
+      </a:effectRef>
+      <a:fontRef idx="minor"/>
+    </dgm:style>
+  </dgm:styleLbl>
+  <dgm:styleLbl name="solidAlignAcc1">
+    <dgm:scene3d>
+      <a:camera prst="orthographicFront"/>
+      <a:lightRig rig="threePt" dir="t"/>
+    </dgm:scene3d>
+    <dgm:sp3d/>
+    <dgm:txPr/>
+    <dgm:style>
+      <a:lnRef idx="2">
+        <a:scrgbClr r="0" g="0" b="0"/>
+      </a:lnRef>
+      <a:fillRef idx="1">
+        <a:scrgbClr r="0" g="0" b="0"/>
+      </a:fillRef>
+      <a:effectRef idx="0">
+        <a:scrgbClr r="0" g="0" b="0"/>
+      </a:effectRef>
+      <a:fontRef idx="minor"/>
+    </dgm:style>
+  </dgm:styleLbl>
+  <dgm:styleLbl name="solidBgAcc1">
+    <dgm:scene3d>
+      <a:camera prst="orthographicFront"/>
+      <a:lightRig rig="threePt" dir="t"/>
+    </dgm:scene3d>
+    <dgm:sp3d/>
+    <dgm:txPr/>
+    <dgm:style>
+      <a:lnRef idx="2">
+        <a:scrgbClr r="0" g="0" b="0"/>
+      </a:lnRef>
+      <a:fillRef idx="1">
+        <a:scrgbClr r="0" g="0" b="0"/>
+      </a:fillRef>
+      <a:effectRef idx="0">
+        <a:scrgbClr r="0" g="0" b="0"/>
+      </a:effectRef>
+      <a:fontRef idx="minor"/>
+    </dgm:style>
+  </dgm:styleLbl>
+  <dgm:styleLbl name="fgAccFollowNode1">
+    <dgm:scene3d>
+      <a:camera prst="orthographicFront"/>
+      <a:lightRig rig="threePt" dir="t"/>
+    </dgm:scene3d>
+    <dgm:sp3d/>
+    <dgm:txPr/>
+    <dgm:style>
+      <a:lnRef idx="2">
+        <a:scrgbClr r="0" g="0" b="0"/>
+      </a:lnRef>
+      <a:fillRef idx="1">
+        <a:scrgbClr r="0" g="0" b="0"/>
+      </a:fillRef>
+      <a:effectRef idx="0">
+        <a:scrgbClr r="0" g="0" b="0"/>
+      </a:effectRef>
+      <a:fontRef idx="minor"/>
+    </dgm:style>
+  </dgm:styleLbl>
+  <dgm:styleLbl name="alignAccFollowNode1">
+    <dgm:scene3d>
+      <a:camera prst="orthographicFront"/>
+      <a:lightRig rig="threePt" dir="t"/>
+    </dgm:scene3d>
+    <dgm:sp3d/>
+    <dgm:txPr/>
+    <dgm:style>
+      <a:lnRef idx="2">
+        <a:scrgbClr r="0" g="0" b="0"/>
+      </a:lnRef>
+      <a:fillRef idx="1">
+        <a:scrgbClr r="0" g="0" b="0"/>
+      </a:fillRef>
+      <a:effectRef idx="0">
+        <a:scrgbClr r="0" g="0" b="0"/>
+      </a:effectRef>
+      <a:fontRef idx="minor"/>
+    </dgm:style>
+  </dgm:styleLbl>
+  <dgm:styleLbl name="bgAccFollowNode1">
+    <dgm:scene3d>
+      <a:camera prst="orthographicFront"/>
+      <a:lightRig rig="threePt" dir="t"/>
+    </dgm:scene3d>
+    <dgm:sp3d/>
+    <dgm:txPr/>
+    <dgm:style>
+      <a:lnRef idx="2">
+        <a:scrgbClr r="0" g="0" b="0"/>
+      </a:lnRef>
+      <a:fillRef idx="1">
+        <a:scrgbClr r="0" g="0" b="0"/>
+      </a:fillRef>
+      <a:effectRef idx="0">
+        <a:scrgbClr r="0" g="0" b="0"/>
+      </a:effectRef>
+      <a:fontRef idx="minor"/>
+    </dgm:style>
+  </dgm:styleLbl>
+  <dgm:styleLbl name="fgAcc0">
+    <dgm:scene3d>
+      <a:camera prst="orthographicFront"/>
+      <a:lightRig rig="threePt" dir="t"/>
+    </dgm:scene3d>
+    <dgm:sp3d/>
+    <dgm:txPr/>
+    <dgm:style>
+      <a:lnRef idx="2">
+        <a:scrgbClr r="0" g="0" b="0"/>
+      </a:lnRef>
+      <a:fillRef idx="1">
+        <a:scrgbClr r="0" g="0" b="0"/>
+      </a:fillRef>
+      <a:effectRef idx="0">
+        <a:scrgbClr r="0" g="0" b="0"/>
+      </a:effectRef>
+      <a:fontRef idx="minor"/>
+    </dgm:style>
+  </dgm:styleLbl>
+  <dgm:styleLbl name="fgAcc2">
+    <dgm:scene3d>
+      <a:camera prst="orthographicFront"/>
+      <a:lightRig rig="threePt" dir="t"/>
+    </dgm:scene3d>
+    <dgm:sp3d/>
+    <dgm:txPr/>
+    <dgm:style>
+      <a:lnRef idx="2">
+        <a:scrgbClr r="0" g="0" b="0"/>
+      </a:lnRef>
+      <a:fillRef idx="1">
+        <a:scrgbClr r="0" g="0" b="0"/>
+      </a:fillRef>
+      <a:effectRef idx="0">
+        <a:scrgbClr r="0" g="0" b="0"/>
+      </a:effectRef>
+      <a:fontRef idx="minor"/>
+    </dgm:style>
+  </dgm:styleLbl>
+  <dgm:styleLbl name="fgAcc3">
+    <dgm:scene3d>
+      <a:camera prst="orthographicFront"/>
+      <a:lightRig rig="threePt" dir="t"/>
+    </dgm:scene3d>
+    <dgm:sp3d/>
+    <dgm:txPr/>
+    <dgm:style>
+      <a:lnRef idx="2">
+        <a:scrgbClr r="0" g="0" b="0"/>
+      </a:lnRef>
+      <a:fillRef idx="1">
+        <a:scrgbClr r="0" g="0" b="0"/>
+      </a:fillRef>
+      <a:effectRef idx="0">
+        <a:scrgbClr r="0" g="0" b="0"/>
+      </a:effectRef>
+      <a:fontRef idx="minor"/>
+    </dgm:style>
+  </dgm:styleLbl>
+  <dgm:styleLbl name="fgAcc4">
+    <dgm:scene3d>
+      <a:camera prst="orthographicFront"/>
+      <a:lightRig rig="threePt" dir="t"/>
+    </dgm:scene3d>
+    <dgm:sp3d/>
+    <dgm:txPr/>
+    <dgm:style>
+      <a:lnRef idx="2">
+        <a:scrgbClr r="0" g="0" b="0"/>
+      </a:lnRef>
+      <a:fillRef idx="1">
+        <a:scrgbClr r="0" g="0" b="0"/>
+      </a:fillRef>
+      <a:effectRef idx="0">
+        <a:scrgbClr r="0" g="0" b="0"/>
+      </a:effectRef>
+      <a:fontRef idx="minor"/>
+    </dgm:style>
+  </dgm:styleLbl>
+  <dgm:styleLbl name="bgShp">
+    <dgm:scene3d>
+      <a:camera prst="orthographicFront"/>
+      <a:lightRig rig="threePt" dir="t"/>
+    </dgm:scene3d>
+    <dgm:sp3d/>
+    <dgm:txPr/>
+    <dgm:style>
+      <a:lnRef idx="0">
+        <a:scrgbClr r="0" g="0" b="0"/>
+      </a:lnRef>
+      <a:fillRef idx="1">
+        <a:scrgbClr r="0" g="0" b="0"/>
+      </a:fillRef>
+      <a:effectRef idx="0">
+        <a:scrgbClr r="0" g="0" b="0"/>
+      </a:effectRef>
+      <a:fontRef idx="minor"/>
+    </dgm:style>
+  </dgm:styleLbl>
+  <dgm:styleLbl name="dkBgShp">
+    <dgm:scene3d>
+      <a:camera prst="orthographicFront"/>
+      <a:lightRig rig="threePt" dir="t"/>
+    </dgm:scene3d>
+    <dgm:sp3d/>
+    <dgm:txPr/>
+    <dgm:style>
+      <a:lnRef idx="0">
+        <a:scrgbClr r="0" g="0" b="0"/>
+      </a:lnRef>
+      <a:fillRef idx="1">
+        <a:scrgbClr r="0" g="0" b="0"/>
+      </a:fillRef>
+      <a:effectRef idx="0">
+        <a:scrgbClr r="0" g="0" b="0"/>
+      </a:effectRef>
+      <a:fontRef idx="minor"/>
+    </dgm:style>
+  </dgm:styleLbl>
+  <dgm:styleLbl name="trBgShp">
+    <dgm:scene3d>
+      <a:camera prst="orthographicFront"/>
+      <a:lightRig rig="threePt" dir="t"/>
+    </dgm:scene3d>
+    <dgm:sp3d/>
+    <dgm:txPr/>
+    <dgm:style>
+      <a:lnRef idx="0">
+        <a:scrgbClr r="0" g="0" b="0"/>
+      </a:lnRef>
+      <a:fillRef idx="1">
+        <a:scrgbClr r="0" g="0" b="0"/>
+      </a:fillRef>
+      <a:effectRef idx="0">
+        <a:scrgbClr r="0" g="0" b="0"/>
+      </a:effectRef>
+      <a:fontRef idx="minor"/>
+    </dgm:style>
+  </dgm:styleLbl>
+  <dgm:styleLbl name="fgShp">
+    <dgm:scene3d>
+      <a:camera prst="orthographicFront"/>
+      <a:lightRig rig="threePt" dir="t"/>
+    </dgm:scene3d>
+    <dgm:sp3d/>
+    <dgm:txPr/>
+    <dgm:style>
+      <a:lnRef idx="2">
+        <a:scrgbClr r="0" g="0" b="0"/>
+      </a:lnRef>
+      <a:fillRef idx="1">
+        <a:scrgbClr r="0" g="0" b="0"/>
+      </a:fillRef>
+      <a:effectRef idx="0">
+        <a:scrgbClr r="0" g="0" b="0"/>
+      </a:effectRef>
+      <a:fontRef idx="minor"/>
+    </dgm:style>
+  </dgm:styleLbl>
+  <dgm:styleLbl name="revTx">
+    <dgm:scene3d>
+      <a:camera prst="orthographicFront"/>
+      <a:lightRig rig="threePt" dir="t"/>
+    </dgm:scene3d>
+    <dgm:sp3d/>
+    <dgm:txPr/>
+    <dgm:style>
+      <a:lnRef idx="0">
+        <a:scrgbClr r="0" g="0" b="0"/>
+      </a:lnRef>
+      <a:fillRef idx="0">
+        <a:scrgbClr r="0" g="0" b="0"/>
+      </a:fillRef>
+      <a:effectRef idx="0">
+        <a:scrgbClr r="0" g="0" b="0"/>
+      </a:effectRef>
+      <a:fontRef idx="minor"/>
+    </dgm:style>
+  </dgm:styleLbl>
+</dgm:styleDef>
+</file>
+
+<file path=ppt/diagrams/quickStyle2.xml><?xml version="1.0" encoding="utf-8"?>
+<dgm:styleDef xmlns:dgm="http://schemas.openxmlformats.org/drawingml/2006/diagram" xmlns:a="http://schemas.openxmlformats.org/drawingml/2006/main" uniqueId="urn:microsoft.com/office/officeart/2005/8/quickstyle/simple5">
+  <dgm:title val=""/>
+  <dgm:desc val=""/>
+  <dgm:catLst>
+    <dgm:cat type="simple" pri="10500"/>
+  </dgm:catLst>
+  <dgm:scene3d>
+    <a:camera prst="orthographicFront"/>
+    <a:lightRig rig="threePt" dir="t"/>
+  </dgm:scene3d>
+  <dgm:styleLbl name="node0">
+    <dgm:scene3d>
+      <a:camera prst="orthographicFront"/>
+      <a:lightRig rig="threePt" dir="t"/>
+    </dgm:scene3d>
+    <dgm:sp3d/>
+    <dgm:txPr/>
+    <dgm:style>
+      <a:lnRef idx="0">
+        <a:scrgbClr r="0" g="0" b="0"/>
+      </a:lnRef>
+      <a:fillRef idx="3">
+        <a:scrgbClr r="0" g="0" b="0"/>
+      </a:fillRef>
+      <a:effectRef idx="3">
+        <a:scrgbClr r="0" g="0" b="0"/>
+      </a:effectRef>
+      <a:fontRef idx="minor">
+        <a:schemeClr val="lt1"/>
+      </a:fontRef>
+    </dgm:style>
+  </dgm:styleLbl>
+  <dgm:styleLbl name="lnNode1">
+    <dgm:scene3d>
+      <a:camera prst="orthographicFront"/>
+      <a:lightRig rig="threePt" dir="t"/>
+    </dgm:scene3d>
+    <dgm:sp3d/>
+    <dgm:txPr/>
+    <dgm:style>
+      <a:lnRef idx="0">
+        <a:scrgbClr r="0" g="0" b="0"/>
+      </a:lnRef>
+      <a:fillRef idx="3">
+        <a:scrgbClr r="0" g="0" b="0"/>
+      </a:fillRef>
+      <a:effectRef idx="3">
+        <a:scrgbClr r="0" g="0" b="0"/>
+      </a:effectRef>
+      <a:fontRef idx="minor">
+        <a:schemeClr val="lt1"/>
+      </a:fontRef>
+    </dgm:style>
+  </dgm:styleLbl>
+  <dgm:styleLbl name="vennNode1">
+    <dgm:scene3d>
+      <a:camera prst="orthographicFront"/>
+      <a:lightRig rig="threePt" dir="t"/>
+    </dgm:scene3d>
+    <dgm:sp3d/>
+    <dgm:txPr/>
+    <dgm:style>
+      <a:lnRef idx="0">
+        <a:scrgbClr r="0" g="0" b="0"/>
+      </a:lnRef>
+      <a:fillRef idx="3">
+        <a:scrgbClr r="0" g="0" b="0"/>
+      </a:fillRef>
+      <a:effectRef idx="3">
+        <a:scrgbClr r="0" g="0" b="0"/>
+      </a:effectRef>
+      <a:fontRef idx="minor">
+        <a:schemeClr val="tx1"/>
+      </a:fontRef>
+    </dgm:style>
+  </dgm:styleLbl>
+  <dgm:styleLbl name="alignNode1">
+    <dgm:scene3d>
+      <a:camera prst="orthographicFront"/>
+      <a:lightRig rig="threePt" dir="t"/>
+    </dgm:scene3d>
+    <dgm:sp3d/>
+    <dgm:txPr/>
+    <dgm:style>
+      <a:lnRef idx="1">
+        <a:scrgbClr r="0" g="0" b="0"/>
+      </a:lnRef>
+      <a:fillRef idx="3">
+        <a:scrgbClr r="0" g="0" b="0"/>
+      </a:fillRef>
+      <a:effectRef idx="3">
+        <a:scrgbClr r="0" g="0" b="0"/>
+      </a:effectRef>
+      <a:fontRef idx="minor">
+        <a:schemeClr val="lt1"/>
+      </a:fontRef>
+    </dgm:style>
+  </dgm:styleLbl>
+  <dgm:styleLbl name="node1">
+    <dgm:scene3d>
+      <a:camera prst="orthographicFront"/>
+      <a:lightRig rig="threePt" dir="t"/>
+    </dgm:scene3d>
+    <dgm:sp3d/>
+    <dgm:txPr/>
+    <dgm:style>
+      <a:lnRef idx="0">
+        <a:scrgbClr r="0" g="0" b="0"/>
+      </a:lnRef>
+      <a:fillRef idx="3">
+        <a:scrgbClr r="0" g="0" b="0"/>
+      </a:fillRef>
+      <a:effectRef idx="3">
+        <a:scrgbClr r="0" g="0" b="0"/>
+      </a:effectRef>
+      <a:fontRef idx="minor">
+        <a:schemeClr val="lt1"/>
+      </a:fontRef>
+    </dgm:style>
+  </dgm:styleLbl>
+  <dgm:styleLbl name="node2">
+    <dgm:scene3d>
+      <a:camera prst="orthographicFront"/>
+      <a:lightRig rig="threePt" dir="t"/>
+    </dgm:scene3d>
+    <dgm:sp3d/>
+    <dgm:txPr/>
+    <dgm:style>
+      <a:lnRef idx="0">
+        <a:scrgbClr r="0" g="0" b="0"/>
+      </a:lnRef>
+      <a:fillRef idx="3">
+        <a:scrgbClr r="0" g="0" b="0"/>
+      </a:fillRef>
+      <a:effectRef idx="3">
+        <a:scrgbClr r="0" g="0" b="0"/>
+      </a:effectRef>
+      <a:fontRef idx="minor">
+        <a:schemeClr val="lt1"/>
+      </a:fontRef>
+    </dgm:style>
+  </dgm:styleLbl>
+  <dgm:styleLbl name="node3">
+    <dgm:scene3d>
+      <a:camera prst="orthographicFront"/>
+      <a:lightRig rig="threePt" dir="t"/>
+    </dgm:scene3d>
+    <dgm:sp3d/>
+    <dgm:txPr/>
+    <dgm:style>
+      <a:lnRef idx="0">
+        <a:scrgbClr r="0" g="0" b="0"/>
+      </a:lnRef>
+      <a:fillRef idx="3">
+        <a:scrgbClr r="0" g="0" b="0"/>
+      </a:fillRef>
+      <a:effectRef idx="3">
+        <a:scrgbClr r="0" g="0" b="0"/>
+      </a:effectRef>
+      <a:fontRef idx="minor">
+        <a:schemeClr val="lt1"/>
+      </a:fontRef>
+    </dgm:style>
+  </dgm:styleLbl>
+  <dgm:styleLbl name="node4">
+    <dgm:scene3d>
+      <a:camera prst="orthographicFront"/>
+      <a:lightRig rig="threePt" dir="t"/>
+    </dgm:scene3d>
+    <dgm:sp3d/>
+    <dgm:txPr/>
+    <dgm:style>
+      <a:lnRef idx="0">
+        <a:scrgbClr r="0" g="0" b="0"/>
+      </a:lnRef>
+      <a:fillRef idx="3">
+        <a:scrgbClr r="0" g="0" b="0"/>
+      </a:fillRef>
+      <a:effectRef idx="3">
+        <a:scrgbClr r="0" g="0" b="0"/>
+      </a:effectRef>
+      <a:fontRef idx="minor">
+        <a:schemeClr val="lt1"/>
+      </a:fontRef>
+    </dgm:style>
+  </dgm:styleLbl>
+  <dgm:styleLbl name="fgImgPlace1">
+    <dgm:scene3d>
+      <a:camera prst="orthographicFront"/>
+      <a:lightRig rig="threePt" dir="t"/>
+    </dgm:scene3d>
+    <dgm:sp3d/>
+    <dgm:txPr/>
+    <dgm:style>
+      <a:lnRef idx="0">
+        <a:scrgbClr r="0" g="0" b="0"/>
+      </a:lnRef>
+      <a:fillRef idx="1">
+        <a:scrgbClr r="0" g="0" b="0"/>
+      </a:fillRef>
+      <a:effectRef idx="3">
+        <a:scrgbClr r="0" g="0" b="0"/>
+      </a:effectRef>
+      <a:fontRef idx="minor"/>
+    </dgm:style>
+  </dgm:styleLbl>
+  <dgm:styleLbl name="alignImgPlace1">
+    <dgm:scene3d>
+      <a:camera prst="orthographicFront"/>
+      <a:lightRig rig="threePt" dir="t"/>
+    </dgm:scene3d>
+    <dgm:sp3d/>
+    <dgm:txPr/>
+    <dgm:style>
+      <a:lnRef idx="0">
+        <a:scrgbClr r="0" g="0" b="0"/>
+      </a:lnRef>
+      <a:fillRef idx="1">
+        <a:scrgbClr r="0" g="0" b="0"/>
+      </a:fillRef>
+      <a:effectRef idx="3">
+        <a:scrgbClr r="0" g="0" b="0"/>
+      </a:effectRef>
+      <a:fontRef idx="minor"/>
+    </dgm:style>
+  </dgm:styleLbl>
+  <dgm:styleLbl name="bgImgPlace1">
+    <dgm:scene3d>
+      <a:camera prst="orthographicFront"/>
+      <a:lightRig rig="threePt" dir="t"/>
+    </dgm:scene3d>
+    <dgm:sp3d/>
+    <dgm:txPr/>
+    <dgm:style>
+      <a:lnRef idx="0">
+        <a:scrgbClr r="0" g="0" b="0"/>
+      </a:lnRef>
+      <a:fillRef idx="1">
+        <a:scrgbClr r="0" g="0" b="0"/>
+      </a:fillRef>
+      <a:effectRef idx="3">
+        <a:scrgbClr r="0" g="0" b="0"/>
+      </a:effectRef>
+      <a:fontRef idx="minor"/>
+    </dgm:style>
+  </dgm:styleLbl>
+  <dgm:styleLbl name="sibTrans2D1">
+    <dgm:scene3d>
+      <a:camera prst="orthographicFront"/>
+      <a:lightRig rig="threePt" dir="t"/>
+    </dgm:scene3d>
+    <dgm:sp3d/>
+    <dgm:txPr/>
+    <dgm:style>
+      <a:lnRef idx="0">
+        <a:scrgbClr r="0" g="0" b="0"/>
+      </a:lnRef>
+      <a:fillRef idx="3">
+        <a:scrgbClr r="0" g="0" b="0"/>
+      </a:fillRef>
+      <a:effectRef idx="3">
+        <a:scrgbClr r="0" g="0" b="0"/>
+      </a:effectRef>
+      <a:fontRef idx="minor">
+        <a:schemeClr val="lt1"/>
+      </a:fontRef>
+    </dgm:style>
+  </dgm:styleLbl>
+  <dgm:styleLbl name="fgSibTrans2D1">
+    <dgm:scene3d>
+      <a:camera prst="orthographicFront"/>
+      <a:lightRig rig="threePt" dir="t"/>
+    </dgm:scene3d>
+    <dgm:sp3d/>
+    <dgm:txPr/>
+    <dgm:style>
+      <a:lnRef idx="0">
+        <a:scrgbClr r="0" g="0" b="0"/>
+      </a:lnRef>
+      <a:fillRef idx="3">
+        <a:scrgbClr r="0" g="0" b="0"/>
+      </a:fillRef>
+      <a:effectRef idx="3">
+        <a:scrgbClr r="0" g="0" b="0"/>
+      </a:effectRef>
+      <a:fontRef idx="minor">
+        <a:schemeClr val="lt1"/>
+      </a:fontRef>
+    </dgm:style>
+  </dgm:styleLbl>
+  <dgm:styleLbl name="bgSibTrans2D1">
+    <dgm:scene3d>
+      <a:camera prst="orthographicFront"/>
+      <a:lightRig rig="threePt" dir="t"/>
+    </dgm:scene3d>
+    <dgm:sp3d/>
+    <dgm:txPr/>
+    <dgm:style>
+      <a:lnRef idx="0">
+        <a:scrgbClr r="0" g="0" b="0"/>
+      </a:lnRef>
+      <a:fillRef idx="3">
+        <a:scrgbClr r="0" g="0" b="0"/>
+      </a:fillRef>
+      <a:effectRef idx="3">
+        <a:scrgbClr r="0" g="0" b="0"/>
+      </a:effectRef>
+      <a:fontRef idx="minor">
+        <a:schemeClr val="lt1"/>
+      </a:fontRef>
+    </dgm:style>
+  </dgm:styleLbl>
+  <dgm:styleLbl name="sibTrans1D1">
+    <dgm:scene3d>
+      <a:camera prst="orthographicFront"/>
+      <a:lightRig rig="threePt" dir="t"/>
+    </dgm:scene3d>
+    <dgm:sp3d/>
+    <dgm:txPr/>
+    <dgm:style>
+      <a:lnRef idx="1">
+        <a:scrgbClr r="0" g="0" b="0"/>
+      </a:lnRef>
+      <a:fillRef idx="0">
+        <a:scrgbClr r="0" g="0" b="0"/>
+      </a:fillRef>
+      <a:effectRef idx="0">
+        <a:scrgbClr r="0" g="0" b="0"/>
+      </a:effectRef>
+      <a:fontRef idx="minor"/>
+    </dgm:style>
+  </dgm:styleLbl>
+  <dgm:styleLbl name="callout">
+    <dgm:scene3d>
+      <a:camera prst="orthographicFront"/>
+      <a:lightRig rig="threePt" dir="t"/>
+    </dgm:scene3d>
+    <dgm:sp3d/>
+    <dgm:txPr/>
+    <dgm:style>
+      <a:lnRef idx="1">
+        <a:scrgbClr r="0" g="0" b="0"/>
+      </a:lnRef>
+      <a:fillRef idx="0">
+        <a:scrgbClr r="0" g="0" b="0"/>
+      </a:fillRef>
+      <a:effectRef idx="1">
+        <a:scrgbClr r="0" g="0" b="0"/>
+      </a:effectRef>
+      <a:fontRef idx="minor"/>
+    </dgm:style>
+  </dgm:styleLbl>
+  <dgm:styleLbl name="asst0">
+    <dgm:scene3d>
+      <a:camera prst="orthographicFront"/>
+      <a:lightRig rig="threePt" dir="t"/>
+    </dgm:scene3d>
+    <dgm:sp3d/>
+    <dgm:txPr/>
+    <dgm:style>
+      <a:lnRef idx="0">
+        <a:scrgbClr r="0" g="0" b="0"/>
+      </a:lnRef>
+      <a:fillRef idx="3">
+        <a:scrgbClr r="0" g="0" b="0"/>
+      </a:fillRef>
+      <a:effectRef idx="3">
+        <a:scrgbClr r="0" g="0" b="0"/>
+      </a:effectRef>
+      <a:fontRef idx="minor">
+        <a:schemeClr val="lt1"/>
+      </a:fontRef>
+    </dgm:style>
+  </dgm:styleLbl>
+  <dgm:styleLbl name="asst1">
+    <dgm:scene3d>
+      <a:camera prst="orthographicFront"/>
+      <a:lightRig rig="threePt" dir="t"/>
+    </dgm:scene3d>
+    <dgm:sp3d/>
+    <dgm:txPr/>
+    <dgm:style>
+      <a:lnRef idx="0">
+        <a:scrgbClr r="0" g="0" b="0"/>
+      </a:lnRef>
+      <a:fillRef idx="3">
+        <a:scrgbClr r="0" g="0" b="0"/>
+      </a:fillRef>
+      <a:effectRef idx="3">
+        <a:scrgbClr r="0" g="0" b="0"/>
+      </a:effectRef>
+      <a:fontRef idx="minor">
+        <a:schemeClr val="lt1"/>
+      </a:fontRef>
+    </dgm:style>
+  </dgm:styleLbl>
+  <dgm:styleLbl name="asst2">
+    <dgm:scene3d>
+      <a:camera prst="orthographicFront"/>
+      <a:lightRig rig="threePt" dir="t"/>
+    </dgm:scene3d>
+    <dgm:sp3d/>
+    <dgm:txPr/>
+    <dgm:style>
+      <a:lnRef idx="0">
+        <a:scrgbClr r="0" g="0" b="0"/>
+      </a:lnRef>
+      <a:fillRef idx="3">
+        <a:scrgbClr r="0" g="0" b="0"/>
+      </a:fillRef>
+      <a:effectRef idx="3">
+        <a:scrgbClr r="0" g="0" b="0"/>
+      </a:effectRef>
+      <a:fontRef idx="minor">
+        <a:schemeClr val="lt1"/>
+      </a:fontRef>
+    </dgm:style>
+  </dgm:styleLbl>
+  <dgm:styleLbl name="asst3">
+    <dgm:scene3d>
+      <a:camera prst="orthographicFront"/>
+      <a:lightRig rig="threePt" dir="t"/>
+    </dgm:scene3d>
+    <dgm:sp3d/>
+    <dgm:txPr/>
+    <dgm:style>
+      <a:lnRef idx="0">
+        <a:scrgbClr r="0" g="0" b="0"/>
+      </a:lnRef>
+      <a:fillRef idx="3">
+        <a:scrgbClr r="0" g="0" b="0"/>
+      </a:fillRef>
+      <a:effectRef idx="3">
+        <a:scrgbClr r="0" g="0" b="0"/>
+      </a:effectRef>
+      <a:fontRef idx="minor">
+        <a:schemeClr val="lt1"/>
+      </a:fontRef>
+    </dgm:style>
+  </dgm:styleLbl>
+  <dgm:styleLbl name="asst4">
+    <dgm:scene3d>
+      <a:camera prst="orthographicFront"/>
+      <a:lightRig rig="threePt" dir="t"/>
+    </dgm:scene3d>
+    <dgm:sp3d/>
+    <dgm:txPr/>
+    <dgm:style>
+      <a:lnRef idx="0">
+        <a:scrgbClr r="0" g="0" b="0"/>
+      </a:lnRef>
+      <a:fillRef idx="3">
+        <a:scrgbClr r="0" g="0" b="0"/>
+      </a:fillRef>
+      <a:effectRef idx="3">
+        <a:scrgbClr r="0" g="0" b="0"/>
+      </a:effectRef>
+      <a:fontRef idx="minor">
+        <a:schemeClr val="lt1"/>
+      </a:fontRef>
+    </dgm:style>
+  </dgm:styleLbl>
+  <dgm:styleLbl name="parChTrans2D1">
+    <dgm:scene3d>
+      <a:camera prst="orthographicFront"/>
+      <a:lightRig rig="threePt" dir="t"/>
+    </dgm:scene3d>
+    <dgm:sp3d/>
+    <dgm:txPr/>
+    <dgm:style>
+      <a:lnRef idx="0">
+        <a:scrgbClr r="0" g="0" b="0"/>
+      </a:lnRef>
+      <a:fillRef idx="3">
+        <a:scrgbClr r="0" g="0" b="0"/>
+      </a:fillRef>
+      <a:effectRef idx="3">
+        <a:scrgbClr r="0" g="0" b="0"/>
+      </a:effectRef>
+      <a:fontRef idx="minor">
+        <a:schemeClr val="lt1"/>
+      </a:fontRef>
+    </dgm:style>
+  </dgm:styleLbl>
+  <dgm:styleLbl name="parChTrans2D2">
+    <dgm:scene3d>
+      <a:camera prst="orthographicFront"/>
+      <a:lightRig rig="threePt" dir="t"/>
+    </dgm:scene3d>
+    <dgm:sp3d/>
+    <dgm:txPr/>
+    <dgm:style>
+      <a:lnRef idx="0">
+        <a:scrgbClr r="0" g="0" b="0"/>
+      </a:lnRef>
+      <a:fillRef idx="3">
+        <a:scrgbClr r="0" g="0" b="0"/>
+      </a:fillRef>
+      <a:effectRef idx="3">
+        <a:scrgbClr r="0" g="0" b="0"/>
+      </a:effectRef>
+      <a:fontRef idx="minor">
+        <a:schemeClr val="lt1"/>
+      </a:fontRef>
+    </dgm:style>
+  </dgm:styleLbl>
+  <dgm:styleLbl name="parChTrans2D3">
+    <dgm:scene3d>
+      <a:camera prst="orthographicFront"/>
+      <a:lightRig rig="threePt" dir="t"/>
+    </dgm:scene3d>
+    <dgm:sp3d/>
+    <dgm:txPr/>
+    <dgm:style>
+      <a:lnRef idx="0">
+        <a:scrgbClr r="0" g="0" b="0"/>
+      </a:lnRef>
+      <a:fillRef idx="3">
+        <a:scrgbClr r="0" g="0" b="0"/>
+      </a:fillRef>
+      <a:effectRef idx="3">
+        <a:scrgbClr r="0" g="0" b="0"/>
+      </a:effectRef>
+      <a:fontRef idx="minor">
+        <a:schemeClr val="lt1"/>
+      </a:fontRef>
+    </dgm:style>
+  </dgm:styleLbl>
+  <dgm:styleLbl name="parChTrans2D4">
+    <dgm:scene3d>
+      <a:camera prst="orthographicFront"/>
+      <a:lightRig rig="threePt" dir="t"/>
+    </dgm:scene3d>
+    <dgm:sp3d/>
+    <dgm:txPr/>
+    <dgm:style>
+      <a:lnRef idx="0">
+        <a:scrgbClr r="0" g="0" b="0"/>
+      </a:lnRef>
+      <a:fillRef idx="3">
+        <a:scrgbClr r="0" g="0" b="0"/>
+      </a:fillRef>
+      <a:effectRef idx="3">
+        <a:scrgbClr r="0" g="0" b="0"/>
+      </a:effectRef>
+      <a:fontRef idx="minor">
+        <a:schemeClr val="lt1"/>
+      </a:fontRef>
+    </dgm:style>
+  </dgm:styleLbl>
+  <dgm:styleLbl name="parChTrans1D1">
+    <dgm:scene3d>
+      <a:camera prst="orthographicFront"/>
+      <a:lightRig rig="threePt" dir="t"/>
+    </dgm:scene3d>
+    <dgm:sp3d/>
+    <dgm:txPr/>
+    <dgm:style>
+      <a:lnRef idx="2">
+        <a:scrgbClr r="0" g="0" b="0"/>
+      </a:lnRef>
+      <a:fillRef idx="0">
+        <a:scrgbClr r="0" g="0" b="0"/>
+      </a:fillRef>
+      <a:effectRef idx="0">
+        <a:scrgbClr r="0" g="0" b="0"/>
+      </a:effectRef>
+      <a:fontRef idx="minor"/>
+    </dgm:style>
+  </dgm:styleLbl>
+  <dgm:styleLbl name="parChTrans1D2">
+    <dgm:scene3d>
+      <a:camera prst="orthographicFront"/>
+      <a:lightRig rig="threePt" dir="t"/>
+    </dgm:scene3d>
+    <dgm:sp3d/>
+    <dgm:txPr/>
+    <dgm:style>
+      <a:lnRef idx="2">
+        <a:scrgbClr r="0" g="0" b="0"/>
+      </a:lnRef>
+      <a:fillRef idx="0">
+        <a:scrgbClr r="0" g="0" b="0"/>
+      </a:fillRef>
+      <a:effectRef idx="0">
+        <a:scrgbClr r="0" g="0" b="0"/>
+      </a:effectRef>
+      <a:fontRef idx="minor"/>
+    </dgm:style>
+  </dgm:styleLbl>
+  <dgm:styleLbl name="parChTrans1D3">
+    <dgm:scene3d>
+      <a:camera prst="orthographicFront"/>
+      <a:lightRig rig="threePt" dir="t"/>
+    </dgm:scene3d>
+    <dgm:sp3d/>
+    <dgm:txPr/>
+    <dgm:style>
+      <a:lnRef idx="2">
+        <a:scrgbClr r="0" g="0" b="0"/>
+      </a:lnRef>
+      <a:fillRef idx="0">
+        <a:scrgbClr r="0" g="0" b="0"/>
+      </a:fillRef>
+      <a:effectRef idx="0">
+        <a:scrgbClr r="0" g="0" b="0"/>
+      </a:effectRef>
+      <a:fontRef idx="minor"/>
+    </dgm:style>
+  </dgm:styleLbl>
+  <dgm:styleLbl name="parChTrans1D4">
+    <dgm:scene3d>
+      <a:camera prst="orthographicFront"/>
+      <a:lightRig rig="threePt" dir="t"/>
+    </dgm:scene3d>
+    <dgm:sp3d/>
+    <dgm:txPr/>
+    <dgm:style>
+      <a:lnRef idx="2">
+        <a:scrgbClr r="0" g="0" b="0"/>
+      </a:lnRef>
+      <a:fillRef idx="0">
+        <a:scrgbClr r="0" g="0" b="0"/>
+      </a:fillRef>
+      <a:effectRef idx="0">
+        <a:scrgbClr r="0" g="0" b="0"/>
+      </a:effectRef>
+      <a:fontRef idx="minor"/>
+    </dgm:style>
+  </dgm:styleLbl>
+  <dgm:styleLbl name="fgAcc1">
+    <dgm:scene3d>
+      <a:camera prst="orthographicFront"/>
+      <a:lightRig rig="threePt" dir="t"/>
+    </dgm:scene3d>
+    <dgm:sp3d/>
+    <dgm:txPr/>
+    <dgm:style>
+      <a:lnRef idx="1">
+        <a:scrgbClr r="0" g="0" b="0"/>
+      </a:lnRef>
+      <a:fillRef idx="1">
+        <a:scrgbClr r="0" g="0" b="0"/>
+      </a:fillRef>
+      <a:effectRef idx="2">
+        <a:scrgbClr r="0" g="0" b="0"/>
+      </a:effectRef>
+      <a:fontRef idx="minor"/>
+    </dgm:style>
+  </dgm:styleLbl>
+  <dgm:styleLbl name="conFgAcc1">
+    <dgm:scene3d>
+      <a:camera prst="orthographicFront"/>
+      <a:lightRig rig="threePt" dir="t"/>
+    </dgm:scene3d>
+    <dgm:sp3d/>
+    <dgm:txPr/>
+    <dgm:style>
+      <a:lnRef idx="1">
+        <a:scrgbClr r="0" g="0" b="0"/>
+      </a:lnRef>
+      <a:fillRef idx="1">
+        <a:scrgbClr r="0" g="0" b="0"/>
+      </a:fillRef>
+      <a:effectRef idx="2">
+        <a:scrgbClr r="0" g="0" b="0"/>
+      </a:effectRef>
+      <a:fontRef idx="minor"/>
+    </dgm:style>
+  </dgm:styleLbl>
+  <dgm:styleLbl name="alignAcc1">
+    <dgm:scene3d>
+      <a:camera prst="orthographicFront"/>
+      <a:lightRig rig="threePt" dir="t"/>
+    </dgm:scene3d>
+    <dgm:sp3d/>
+    <dgm:txPr/>
+    <dgm:style>
+      <a:lnRef idx="1">
+        <a:scrgbClr r="0" g="0" b="0"/>
+      </a:lnRef>
+      <a:fillRef idx="1">
+        <a:scrgbClr r="0" g="0" b="0"/>
+      </a:fillRef>
+      <a:effectRef idx="2">
+        <a:scrgbClr r="0" g="0" b="0"/>
+      </a:effectRef>
+      <a:fontRef idx="minor"/>
+    </dgm:style>
+  </dgm:styleLbl>
+  <dgm:styleLbl name="trAlignAcc1">
+    <dgm:scene3d>
+      <a:camera prst="orthographicFront"/>
+      <a:lightRig rig="threePt" dir="t"/>
+    </dgm:scene3d>
+    <dgm:sp3d/>
+    <dgm:txPr/>
+    <dgm:style>
+      <a:lnRef idx="1">
+        <a:scrgbClr r="0" g="0" b="0"/>
+      </a:lnRef>
+      <a:fillRef idx="1">
+        <a:scrgbClr r="0" g="0" b="0"/>
+      </a:fillRef>
+      <a:effectRef idx="0">
+        <a:scrgbClr r="0" g="0" b="0"/>
+      </a:effectRef>
+      <a:fontRef idx="minor"/>
+    </dgm:style>
+  </dgm:styleLbl>
+  <dgm:styleLbl name="bgAcc1">
+    <dgm:scene3d>
+      <a:camera prst="orthographicFront"/>
+      <a:lightRig rig="threePt" dir="t"/>
+    </dgm:scene3d>
+    <dgm:sp3d/>
+    <dgm:txPr/>
+    <dgm:style>
+      <a:lnRef idx="1">
+        <a:scrgbClr r="0" g="0" b="0"/>
+      </a:lnRef>
+      <a:fillRef idx="1">
+        <a:scrgbClr r="0" g="0" b="0"/>
+      </a:fillRef>
+      <a:effectRef idx="2">
+        <a:scrgbClr r="0" g="0" b="0"/>
+      </a:effectRef>
+      <a:fontRef idx="minor"/>
+    </dgm:style>
+  </dgm:styleLbl>
+  <dgm:styleLbl name="solidFgAcc1">
+    <dgm:scene3d>
+      <a:camera prst="orthographicFront"/>
+      <a:lightRig rig="threePt" dir="t"/>
+    </dgm:scene3d>
+    <dgm:sp3d/>
+    <dgm:txPr/>
+    <dgm:style>
+      <a:lnRef idx="1">
+        <a:scrgbClr r="0" g="0" b="0"/>
+      </a:lnRef>
+      <a:fillRef idx="1">
+        <a:scrgbClr r="0" g="0" b="0"/>
+      </a:fillRef>
+      <a:effectRef idx="2">
+        <a:scrgbClr r="0" g="0" b="0"/>
+      </a:effectRef>
+      <a:fontRef idx="minor"/>
+    </dgm:style>
+  </dgm:styleLbl>
+  <dgm:styleLbl name="solidAlignAcc1">
+    <dgm:scene3d>
+      <a:camera prst="orthographicFront"/>
+      <a:lightRig rig="threePt" dir="t"/>
+    </dgm:scene3d>
+    <dgm:sp3d/>
+    <dgm:txPr/>
+    <dgm:style>
+      <a:lnRef idx="1">
+        <a:scrgbClr r="0" g="0" b="0"/>
+      </a:lnRef>
+      <a:fillRef idx="1">
+        <a:scrgbClr r="0" g="0" b="0"/>
+      </a:fillRef>
+      <a:effectRef idx="3">
+        <a:scrgbClr r="0" g="0" b="0"/>
+      </a:effectRef>
+      <a:fontRef idx="minor"/>
+    </dgm:style>
+  </dgm:styleLbl>
+  <dgm:styleLbl name="solidBgAcc1">
+    <dgm:scene3d>
+      <a:camera prst="orthographicFront"/>
+      <a:lightRig rig="threePt" dir="t"/>
+    </dgm:scene3d>
+    <dgm:sp3d/>
+    <dgm:txPr/>
+    <dgm:style>
+      <a:lnRef idx="1">
+        <a:scrgbClr r="0" g="0" b="0"/>
+      </a:lnRef>
+      <a:fillRef idx="1">
+        <a:scrgbClr r="0" g="0" b="0"/>
+      </a:fillRef>
+      <a:effectRef idx="3">
+        <a:scrgbClr r="0" g="0" b="0"/>
+      </a:effectRef>
+      <a:fontRef idx="minor"/>
+    </dgm:style>
+  </dgm:styleLbl>
+  <dgm:styleLbl name="fgAccFollowNode1">
+    <dgm:scene3d>
+      <a:camera prst="orthographicFront"/>
+      <a:lightRig rig="threePt" dir="t"/>
+    </dgm:scene3d>
+    <dgm:sp3d/>
+    <dgm:txPr/>
+    <dgm:style>
+      <a:lnRef idx="1">
+        <a:scrgbClr r="0" g="0" b="0"/>
+      </a:lnRef>
+      <a:fillRef idx="1">
+        <a:scrgbClr r="0" g="0" b="0"/>
+      </a:fillRef>
+      <a:effectRef idx="2">
+        <a:scrgbClr r="0" g="0" b="0"/>
+      </a:effectRef>
+      <a:fontRef idx="minor"/>
+    </dgm:style>
+  </dgm:styleLbl>
+  <dgm:styleLbl name="alignAccFollowNode1">
+    <dgm:scene3d>
+      <a:camera prst="orthographicFront"/>
+      <a:lightRig rig="threePt" dir="t"/>
+    </dgm:scene3d>
+    <dgm:sp3d/>
+    <dgm:txPr/>
+    <dgm:style>
+      <a:lnRef idx="1">
+        <a:scrgbClr r="0" g="0" b="0"/>
+      </a:lnRef>
+      <a:fillRef idx="1">
+        <a:scrgbClr r="0" g="0" b="0"/>
+      </a:fillRef>
+      <a:effectRef idx="2">
+        <a:scrgbClr r="0" g="0" b="0"/>
+      </a:effectRef>
+      <a:fontRef idx="minor"/>
+    </dgm:style>
+  </dgm:styleLbl>
+  <dgm:styleLbl name="bgAccFollowNode1">
+    <dgm:scene3d>
+      <a:camera prst="orthographicFront"/>
+      <a:lightRig rig="threePt" dir="t"/>
+    </dgm:scene3d>
+    <dgm:sp3d/>
+    <dgm:txPr/>
+    <dgm:style>
+      <a:lnRef idx="1">
+        <a:scrgbClr r="0" g="0" b="0"/>
+      </a:lnRef>
+      <a:fillRef idx="1">
+        <a:scrgbClr r="0" g="0" b="0"/>
+      </a:fillRef>
+      <a:effectRef idx="2">
+        <a:scrgbClr r="0" g="0" b="0"/>
+      </a:effectRef>
+      <a:fontRef idx="minor"/>
+    </dgm:style>
+  </dgm:styleLbl>
+  <dgm:styleLbl name="fgAcc0">
+    <dgm:scene3d>
+      <a:camera prst="orthographicFront"/>
+      <a:lightRig rig="threePt" dir="t"/>
+    </dgm:scene3d>
+    <dgm:sp3d/>
+    <dgm:txPr/>
+    <dgm:style>
+      <a:lnRef idx="1">
+        <a:scrgbClr r="0" g="0" b="0"/>
+      </a:lnRef>
+      <a:fillRef idx="1">
+        <a:scrgbClr r="0" g="0" b="0"/>
+      </a:fillRef>
+      <a:effectRef idx="2">
+        <a:scrgbClr r="0" g="0" b="0"/>
+      </a:effectRef>
+      <a:fontRef idx="minor"/>
+    </dgm:style>
+  </dgm:styleLbl>
+  <dgm:styleLbl name="fgAcc2">
+    <dgm:scene3d>
+      <a:camera prst="orthographicFront"/>
+      <a:lightRig rig="threePt" dir="t"/>
+    </dgm:scene3d>
+    <dgm:sp3d/>
+    <dgm:txPr/>
+    <dgm:style>
+      <a:lnRef idx="1">
+        <a:scrgbClr r="0" g="0" b="0"/>
+      </a:lnRef>
+      <a:fillRef idx="1">
+        <a:scrgbClr r="0" g="0" b="0"/>
+      </a:fillRef>
+      <a:effectRef idx="2">
+        <a:scrgbClr r="0" g="0" b="0"/>
+      </a:effectRef>
+      <a:fontRef idx="minor"/>
+    </dgm:style>
+  </dgm:styleLbl>
+  <dgm:styleLbl name="fgAcc3">
+    <dgm:scene3d>
+      <a:camera prst="orthographicFront"/>
+      <a:lightRig rig="threePt" dir="t"/>
+    </dgm:scene3d>
+    <dgm:sp3d/>
+    <dgm:txPr/>
+    <dgm:style>
+      <a:lnRef idx="1">
+        <a:scrgbClr r="0" g="0" b="0"/>
+      </a:lnRef>
+      <a:fillRef idx="1">
+        <a:scrgbClr r="0" g="0" b="0"/>
+      </a:fillRef>
+      <a:effectRef idx="2">
+        <a:scrgbClr r="0" g="0" b="0"/>
+      </a:effectRef>
+      <a:fontRef idx="minor"/>
+    </dgm:style>
+  </dgm:styleLbl>
+  <dgm:styleLbl name="fgAcc4">
+    <dgm:scene3d>
+      <a:camera prst="orthographicFront"/>
+      <a:lightRig rig="threePt" dir="t"/>
+    </dgm:scene3d>
+    <dgm:sp3d/>
+    <dgm:txPr/>
+    <dgm:style>
+      <a:lnRef idx="1">
+        <a:scrgbClr r="0" g="0" b="0"/>
+      </a:lnRef>
+      <a:fillRef idx="1">
+        <a:scrgbClr r="0" g="0" b="0"/>
+      </a:fillRef>
+      <a:effectRef idx="2">
+        <a:scrgbClr r="0" g="0" b="0"/>
+      </a:effectRef>
+      <a:fontRef idx="minor"/>
+    </dgm:style>
+  </dgm:styleLbl>
+  <dgm:styleLbl name="bgShp">
+    <dgm:scene3d>
+      <a:camera prst="orthographicFront"/>
+      <a:lightRig rig="threePt" dir="t"/>
+    </dgm:scene3d>
+    <dgm:sp3d/>
+    <dgm:txPr/>
+    <dgm:style>
+      <a:lnRef idx="0">
+        <a:scrgbClr r="0" g="0" b="0"/>
+      </a:lnRef>
+      <a:fillRef idx="1">
+        <a:scrgbClr r="0" g="0" b="0"/>
+      </a:fillRef>
+      <a:effectRef idx="2">
+        <a:scrgbClr r="0" g="0" b="0"/>
+      </a:effectRef>
+      <a:fontRef idx="minor"/>
+    </dgm:style>
+  </dgm:styleLbl>
+  <dgm:styleLbl name="dkBgShp">
+    <dgm:scene3d>
+      <a:camera prst="orthographicFront"/>
+      <a:lightRig rig="threePt" dir="t"/>
+    </dgm:scene3d>
+    <dgm:sp3d/>
+    <dgm:txPr/>
+    <dgm:style>
+      <a:lnRef idx="0">
+        <a:scrgbClr r="0" g="0" b="0"/>
+      </a:lnRef>
+      <a:fillRef idx="1">
+        <a:scrgbClr r="0" g="0" b="0"/>
+      </a:fillRef>
+      <a:effectRef idx="3">
+        <a:scrgbClr r="0" g="0" b="0"/>
+      </a:effectRef>
+      <a:fontRef idx="minor"/>
+    </dgm:style>
+  </dgm:styleLbl>
+  <dgm:styleLbl name="trBgShp">
+    <dgm:scene3d>
+      <a:camera prst="orthographicFront"/>
+      <a:lightRig rig="threePt" dir="t"/>
+    </dgm:scene3d>
+    <dgm:sp3d/>
+    <dgm:txPr/>
+    <dgm:style>
+      <a:lnRef idx="0">
+        <a:scrgbClr r="0" g="0" b="0"/>
+      </a:lnRef>
+      <a:fillRef idx="1">
+        <a:scrgbClr r="0" g="0" b="0"/>
+      </a:fillRef>
+      <a:effectRef idx="0">
+        <a:scrgbClr r="0" g="0" b="0"/>
+      </a:effectRef>
+      <a:fontRef idx="minor"/>
+    </dgm:style>
+  </dgm:styleLbl>
+  <dgm:styleLbl name="fgShp">
+    <dgm:scene3d>
+      <a:camera prst="orthographicFront"/>
+      <a:lightRig rig="threePt" dir="t"/>
+    </dgm:scene3d>
+    <dgm:sp3d/>
+    <dgm:txPr/>
+    <dgm:style>
+      <a:lnRef idx="0">
+        <a:scrgbClr r="0" g="0" b="0"/>
+      </a:lnRef>
+      <a:fillRef idx="3">
+        <a:scrgbClr r="0" g="0" b="0"/>
+      </a:fillRef>
+      <a:effectRef idx="3">
+        <a:scrgbClr r="0" g="0" b="0"/>
+      </a:effectRef>
+      <a:fontRef idx="minor"/>
+    </dgm:style>
+  </dgm:styleLbl>
+  <dgm:styleLbl name="revTx">
+    <dgm:scene3d>
+      <a:camera prst="orthographicFront"/>
+      <a:lightRig rig="threePt" dir="t"/>
+    </dgm:scene3d>
+    <dgm:sp3d/>
+    <dgm:txPr/>
+    <dgm:style>
+      <a:lnRef idx="0">
+        <a:scrgbClr r="0" g="0" b="0"/>
+      </a:lnRef>
+      <a:fillRef idx="0">
+        <a:scrgbClr r="0" g="0" b="0"/>
+      </a:fillRef>
+      <a:effectRef idx="0">
+        <a:scrgbClr r="0" g="0" b="0"/>
+      </a:effectRef>
+      <a:fontRef idx="minor"/>
+    </dgm:style>
+  </dgm:styleLbl>
+</dgm:styleDef>
 </file>
 
 <file path=ppt/slideLayouts/slideLayout1.xml><?xml version="1.0" encoding="utf-8"?>
@@ -3328,6 +9387,17 @@
 <file path=ppt/slides/slide1.xml><?xml version="1.0" encoding="utf-8"?>
 <p:sld xmlns:a="http://schemas.openxmlformats.org/drawingml/2006/main" xmlns:r="http://schemas.openxmlformats.org/officeDocument/2006/relationships" xmlns:p="http://schemas.openxmlformats.org/presentationml/2006/main">
   <p:cSld>
+    <p:bg>
+      <p:bgPr>
+        <a:solidFill>
+          <a:schemeClr val="tx1">
+            <a:lumMod val="85000"/>
+            <a:lumOff val="15000"/>
+          </a:schemeClr>
+        </a:solidFill>
+        <a:effectLst/>
+      </p:bgPr>
+    </p:bg>
     <p:spTree>
       <p:nvGrpSpPr>
         <p:cNvPr id="1" name=""/>
@@ -3358,16 +9428,37 @@
             <p:ph type="ctrTitle"/>
           </p:nvPr>
         </p:nvSpPr>
-        <p:spPr/>
+        <p:spPr>
+          <a:xfrm>
+            <a:off x="1524000" y="2320757"/>
+            <a:ext cx="9144000" cy="935205"/>
+          </a:xfrm>
+        </p:spPr>
         <p:txBody>
-          <a:bodyPr/>
+          <a:bodyPr>
+            <a:normAutofit/>
+          </a:bodyPr>
           <a:lstStyle/>
           <a:p>
             <a:r>
-              <a:rPr lang="de-DE" dirty="0"/>
+              <a:rPr lang="de-DE" sz="4800" dirty="0">
+                <a:solidFill>
+                  <a:schemeClr val="bg1">
+                    <a:lumMod val="95000"/>
+                  </a:schemeClr>
+                </a:solidFill>
+                <a:latin typeface="Avenir Next LT Pro Light" panose="020B0304020202020204" pitchFamily="34" charset="0"/>
+              </a:rPr>
               <a:t>WordPress Portfolio Website</a:t>
             </a:r>
-            <a:endParaRPr lang="en-US" dirty="0"/>
+            <a:endParaRPr lang="en-US" sz="4800" dirty="0">
+              <a:solidFill>
+                <a:schemeClr val="bg1">
+                  <a:lumMod val="95000"/>
+                </a:schemeClr>
+              </a:solidFill>
+              <a:latin typeface="Avenir Next LT Pro Light" panose="020B0304020202020204" pitchFamily="34" charset="0"/>
+            </a:endParaRPr>
           </a:p>
         </p:txBody>
       </p:sp>
@@ -3387,20 +9478,88 @@
             <p:ph type="subTitle" idx="1"/>
           </p:nvPr>
         </p:nvSpPr>
-        <p:spPr/>
+        <p:spPr>
+          <a:xfrm>
+            <a:off x="1524000" y="3602039"/>
+            <a:ext cx="9144000" cy="1383632"/>
+          </a:xfrm>
+        </p:spPr>
         <p:txBody>
-          <a:bodyPr/>
+          <a:bodyPr>
+            <a:normAutofit/>
+          </a:bodyPr>
           <a:lstStyle/>
           <a:p>
             <a:r>
-              <a:rPr lang="de-DE" dirty="0" err="1"/>
+              <a:rPr lang="de-DE" b="1" dirty="0" err="1">
+                <a:solidFill>
+                  <a:schemeClr val="bg1">
+                    <a:lumMod val="95000"/>
+                  </a:schemeClr>
+                </a:solidFill>
+                <a:latin typeface="Avenir Next LT Pro Light" panose="020B0304020202020204" pitchFamily="34" charset="0"/>
+              </a:rPr>
               <a:t>Skill</a:t>
             </a:r>
             <a:r>
-              <a:rPr lang="de-DE" dirty="0"/>
+              <a:rPr lang="de-DE" b="1" dirty="0">
+                <a:solidFill>
+                  <a:schemeClr val="bg1">
+                    <a:lumMod val="95000"/>
+                  </a:schemeClr>
+                </a:solidFill>
+                <a:latin typeface="Avenir Next LT Pro Light" panose="020B0304020202020204" pitchFamily="34" charset="0"/>
+              </a:rPr>
               <a:t> Saturday</a:t>
             </a:r>
-            <a:endParaRPr lang="en-US" dirty="0"/>
+          </a:p>
+          <a:p>
+            <a:r>
+              <a:rPr lang="de-DE" dirty="0">
+                <a:solidFill>
+                  <a:schemeClr val="bg1">
+                    <a:lumMod val="95000"/>
+                  </a:schemeClr>
+                </a:solidFill>
+                <a:latin typeface="Avenir Next LT Pro Light" panose="020B0304020202020204" pitchFamily="34" charset="0"/>
+              </a:rPr>
+              <a:t>Date: </a:t>
+            </a:r>
+            <a:r>
+              <a:rPr lang="de-DE" b="1" dirty="0">
+                <a:solidFill>
+                  <a:schemeClr val="bg1">
+                    <a:lumMod val="95000"/>
+                  </a:schemeClr>
+                </a:solidFill>
+                <a:latin typeface="Avenir Next LT Pro Light" panose="020B0304020202020204" pitchFamily="34" charset="0"/>
+              </a:rPr>
+              <a:t>09.10.2021</a:t>
+            </a:r>
+          </a:p>
+          <a:p>
+            <a:r>
+              <a:rPr lang="de-DE" dirty="0">
+                <a:solidFill>
+                  <a:schemeClr val="bg1">
+                    <a:lumMod val="95000"/>
+                  </a:schemeClr>
+                </a:solidFill>
+                <a:latin typeface="Avenir Next LT Pro Light" panose="020B0304020202020204" pitchFamily="34" charset="0"/>
+              </a:rPr>
+              <a:t>Host: </a:t>
+            </a:r>
+            <a:r>
+              <a:rPr lang="de-DE" b="1" dirty="0">
+                <a:solidFill>
+                  <a:schemeClr val="bg1">
+                    <a:lumMod val="95000"/>
+                  </a:schemeClr>
+                </a:solidFill>
+                <a:latin typeface="Avenir Next LT Pro Light" panose="020B0304020202020204" pitchFamily="34" charset="0"/>
+              </a:rPr>
+              <a:t>Max Erler</a:t>
+            </a:r>
           </a:p>
         </p:txBody>
       </p:sp>
@@ -3408,6 +9567,3091 @@
     <p:extLst>
       <p:ext uri="{BB962C8B-B14F-4D97-AF65-F5344CB8AC3E}">
         <p14:creationId xmlns:p14="http://schemas.microsoft.com/office/powerpoint/2010/main" val="2016463007"/>
+      </p:ext>
+    </p:extLst>
+  </p:cSld>
+  <p:clrMapOvr>
+    <a:masterClrMapping/>
+  </p:clrMapOvr>
+</p:sld>
+</file>
+
+<file path=ppt/slides/slide2.xml><?xml version="1.0" encoding="utf-8"?>
+<p:sld xmlns:a="http://schemas.openxmlformats.org/drawingml/2006/main" xmlns:r="http://schemas.openxmlformats.org/officeDocument/2006/relationships" xmlns:p="http://schemas.openxmlformats.org/presentationml/2006/main">
+  <p:cSld>
+    <p:bg>
+      <p:bgPr>
+        <a:solidFill>
+          <a:schemeClr val="tx1">
+            <a:lumMod val="85000"/>
+            <a:lumOff val="15000"/>
+          </a:schemeClr>
+        </a:solidFill>
+        <a:effectLst/>
+      </p:bgPr>
+    </p:bg>
+    <p:spTree>
+      <p:nvGrpSpPr>
+        <p:cNvPr id="1" name=""/>
+        <p:cNvGrpSpPr/>
+        <p:nvPr/>
+      </p:nvGrpSpPr>
+      <p:grpSpPr>
+        <a:xfrm>
+          <a:off x="0" y="0"/>
+          <a:ext cx="0" cy="0"/>
+          <a:chOff x="0" y="0"/>
+          <a:chExt cx="0" cy="0"/>
+        </a:xfrm>
+      </p:grpSpPr>
+      <p:sp>
+        <p:nvSpPr>
+          <p:cNvPr id="2" name="Titel 1">
+            <a:extLst>
+              <a:ext uri="{FF2B5EF4-FFF2-40B4-BE49-F238E27FC236}">
+                <a16:creationId xmlns:a16="http://schemas.microsoft.com/office/drawing/2014/main" id="{3AAFA8F2-D0EB-4F9A-BFAB-CC654025C80A}"/>
+              </a:ext>
+            </a:extLst>
+          </p:cNvPr>
+          <p:cNvSpPr>
+            <a:spLocks noGrp="1"/>
+          </p:cNvSpPr>
+          <p:nvPr>
+            <p:ph type="title"/>
+          </p:nvPr>
+        </p:nvSpPr>
+        <p:spPr/>
+        <p:txBody>
+          <a:bodyPr/>
+          <a:lstStyle/>
+          <a:p>
+            <a:r>
+              <a:rPr lang="de-DE" dirty="0">
+                <a:solidFill>
+                  <a:schemeClr val="bg1"/>
+                </a:solidFill>
+              </a:rPr>
+              <a:t>Wie funktioniert eine Website?</a:t>
+            </a:r>
+            <a:endParaRPr lang="en-US" dirty="0">
+              <a:solidFill>
+                <a:schemeClr val="bg1"/>
+              </a:solidFill>
+            </a:endParaRPr>
+          </a:p>
+        </p:txBody>
+      </p:sp>
+      <p:pic>
+        <p:nvPicPr>
+          <p:cNvPr id="4" name="Onlinemedien 3" title="Wie funktioniert eine Website? - einfach erklärt!">
+            <a:hlinkClick r:id="" action="ppaction://media"/>
+            <a:extLst>
+              <a:ext uri="{FF2B5EF4-FFF2-40B4-BE49-F238E27FC236}">
+                <a16:creationId xmlns:a16="http://schemas.microsoft.com/office/drawing/2014/main" id="{08065EF9-F244-4C58-B348-7479940CDDCF}"/>
+              </a:ext>
+            </a:extLst>
+          </p:cNvPr>
+          <p:cNvPicPr>
+            <a:picLocks noGrp="1" noRot="1" noChangeAspect="1"/>
+          </p:cNvPicPr>
+          <p:nvPr>
+            <p:ph idx="1"/>
+            <a:videoFile r:link="rId1"/>
+          </p:nvPr>
+        </p:nvPicPr>
+        <p:blipFill>
+          <a:blip r:embed="rId3"/>
+          <a:stretch>
+            <a:fillRect/>
+          </a:stretch>
+        </p:blipFill>
+        <p:spPr>
+          <a:xfrm>
+            <a:off x="2246313" y="1825625"/>
+            <a:ext cx="7700962" cy="4351338"/>
+          </a:xfrm>
+          <a:prstGeom prst="rect">
+            <a:avLst/>
+          </a:prstGeom>
+        </p:spPr>
+      </p:pic>
+    </p:spTree>
+    <p:extLst>
+      <p:ext uri="{BB962C8B-B14F-4D97-AF65-F5344CB8AC3E}">
+        <p14:creationId xmlns:p14="http://schemas.microsoft.com/office/powerpoint/2010/main" val="2456726293"/>
+      </p:ext>
+    </p:extLst>
+  </p:cSld>
+  <p:clrMapOvr>
+    <a:masterClrMapping/>
+  </p:clrMapOvr>
+  <p:timing>
+    <p:tnLst>
+      <p:par>
+        <p:cTn id="1" dur="indefinite" restart="never" nodeType="tmRoot">
+          <p:childTnLst>
+            <p:seq concurrent="1" nextAc="seek">
+              <p:cTn id="2" dur="indefinite" nodeType="mainSeq">
+                <p:childTnLst>
+                  <p:par>
+                    <p:cTn id="3" fill="hold">
+                      <p:stCondLst>
+                        <p:cond delay="indefinite"/>
+                      </p:stCondLst>
+                      <p:childTnLst>
+                        <p:par>
+                          <p:cTn id="4" fill="hold">
+                            <p:stCondLst>
+                              <p:cond delay="0"/>
+                            </p:stCondLst>
+                            <p:childTnLst>
+                              <p:par>
+                                <p:cTn id="5" presetID="1" presetClass="mediacall" presetSubtype="0" fill="hold" nodeType="clickEffect">
+                                  <p:stCondLst>
+                                    <p:cond delay="0"/>
+                                  </p:stCondLst>
+                                  <p:childTnLst>
+                                    <p:cmd type="call" cmd="playFrom(0.0)">
+                                      <p:cBhvr>
+                                        <p:cTn id="6" dur="1" fill="hold"/>
+                                        <p:tgtEl>
+                                          <p:spTgt spid="4"/>
+                                        </p:tgtEl>
+                                      </p:cBhvr>
+                                    </p:cmd>
+                                  </p:childTnLst>
+                                </p:cTn>
+                              </p:par>
+                            </p:childTnLst>
+                          </p:cTn>
+                        </p:par>
+                      </p:childTnLst>
+                    </p:cTn>
+                  </p:par>
+                </p:childTnLst>
+              </p:cTn>
+              <p:prevCondLst>
+                <p:cond evt="onPrev" delay="0">
+                  <p:tgtEl>
+                    <p:sldTgt/>
+                  </p:tgtEl>
+                </p:cond>
+              </p:prevCondLst>
+              <p:nextCondLst>
+                <p:cond evt="onNext" delay="0">
+                  <p:tgtEl>
+                    <p:sldTgt/>
+                  </p:tgtEl>
+                </p:cond>
+              </p:nextCondLst>
+            </p:seq>
+            <p:video>
+              <p:cMediaNode vol="80000">
+                <p:cTn id="7" fill="hold" display="0">
+                  <p:stCondLst>
+                    <p:cond delay="indefinite"/>
+                  </p:stCondLst>
+                </p:cTn>
+                <p:tgtEl>
+                  <p:spTgt spid="4"/>
+                </p:tgtEl>
+              </p:cMediaNode>
+            </p:video>
+            <p:seq concurrent="1" nextAc="seek">
+              <p:cTn id="8" restart="whenNotActive" fill="hold" evtFilter="cancelBubble" nodeType="interactiveSeq">
+                <p:stCondLst>
+                  <p:cond evt="onClick" delay="0">
+                    <p:tgtEl>
+                      <p:spTgt spid="4"/>
+                    </p:tgtEl>
+                  </p:cond>
+                </p:stCondLst>
+                <p:endSync evt="end" delay="0">
+                  <p:rtn val="all"/>
+                </p:endSync>
+                <p:childTnLst>
+                  <p:par>
+                    <p:cTn id="9" fill="hold">
+                      <p:stCondLst>
+                        <p:cond delay="0"/>
+                      </p:stCondLst>
+                      <p:childTnLst>
+                        <p:par>
+                          <p:cTn id="10" fill="hold">
+                            <p:stCondLst>
+                              <p:cond delay="0"/>
+                            </p:stCondLst>
+                            <p:childTnLst>
+                              <p:par>
+                                <p:cTn id="11" presetID="2" presetClass="mediacall" presetSubtype="0" fill="hold" nodeType="clickEffect">
+                                  <p:stCondLst>
+                                    <p:cond delay="0"/>
+                                  </p:stCondLst>
+                                  <p:childTnLst>
+                                    <p:cmd type="call" cmd="togglePause">
+                                      <p:cBhvr>
+                                        <p:cTn id="12" dur="1" fill="hold"/>
+                                        <p:tgtEl>
+                                          <p:spTgt spid="4"/>
+                                        </p:tgtEl>
+                                      </p:cBhvr>
+                                    </p:cmd>
+                                  </p:childTnLst>
+                                </p:cTn>
+                              </p:par>
+                            </p:childTnLst>
+                          </p:cTn>
+                        </p:par>
+                      </p:childTnLst>
+                    </p:cTn>
+                  </p:par>
+                </p:childTnLst>
+              </p:cTn>
+              <p:nextCondLst>
+                <p:cond evt="onClick" delay="0">
+                  <p:tgtEl>
+                    <p:spTgt spid="4"/>
+                  </p:tgtEl>
+                </p:cond>
+              </p:nextCondLst>
+            </p:seq>
+          </p:childTnLst>
+        </p:cTn>
+      </p:par>
+    </p:tnLst>
+  </p:timing>
+</p:sld>
+</file>
+
+<file path=ppt/slides/slide3.xml><?xml version="1.0" encoding="utf-8"?>
+<p:sld xmlns:a="http://schemas.openxmlformats.org/drawingml/2006/main" xmlns:r="http://schemas.openxmlformats.org/officeDocument/2006/relationships" xmlns:p="http://schemas.openxmlformats.org/presentationml/2006/main">
+  <p:cSld>
+    <p:bg>
+      <p:bgPr>
+        <a:solidFill>
+          <a:schemeClr val="tx1">
+            <a:lumMod val="85000"/>
+            <a:lumOff val="15000"/>
+          </a:schemeClr>
+        </a:solidFill>
+        <a:effectLst/>
+      </p:bgPr>
+    </p:bg>
+    <p:spTree>
+      <p:nvGrpSpPr>
+        <p:cNvPr id="1" name=""/>
+        <p:cNvGrpSpPr/>
+        <p:nvPr/>
+      </p:nvGrpSpPr>
+      <p:grpSpPr>
+        <a:xfrm>
+          <a:off x="0" y="0"/>
+          <a:ext cx="0" cy="0"/>
+          <a:chOff x="0" y="0"/>
+          <a:chExt cx="0" cy="0"/>
+        </a:xfrm>
+      </p:grpSpPr>
+      <p:sp>
+        <p:nvSpPr>
+          <p:cNvPr id="2" name="Titel 1">
+            <a:extLst>
+              <a:ext uri="{FF2B5EF4-FFF2-40B4-BE49-F238E27FC236}">
+                <a16:creationId xmlns:a16="http://schemas.microsoft.com/office/drawing/2014/main" id="{27AE2952-1BBC-4101-B0D2-A7E6329734B4}"/>
+              </a:ext>
+            </a:extLst>
+          </p:cNvPr>
+          <p:cNvSpPr>
+            <a:spLocks noGrp="1"/>
+          </p:cNvSpPr>
+          <p:nvPr>
+            <p:ph type="title"/>
+          </p:nvPr>
+        </p:nvSpPr>
+        <p:spPr/>
+        <p:txBody>
+          <a:bodyPr/>
+          <a:lstStyle/>
+          <a:p>
+            <a:r>
+              <a:rPr lang="de-DE" dirty="0">
+                <a:solidFill>
+                  <a:schemeClr val="bg1">
+                    <a:lumMod val="95000"/>
+                  </a:schemeClr>
+                </a:solidFill>
+              </a:rPr>
+              <a:t>Was wir benötigen</a:t>
+            </a:r>
+            <a:endParaRPr lang="en-US" dirty="0">
+              <a:solidFill>
+                <a:schemeClr val="bg1">
+                  <a:lumMod val="95000"/>
+                </a:schemeClr>
+              </a:solidFill>
+            </a:endParaRPr>
+          </a:p>
+        </p:txBody>
+      </p:sp>
+      <p:graphicFrame>
+        <p:nvGraphicFramePr>
+          <p:cNvPr id="4" name="Inhaltsplatzhalter 3">
+            <a:extLst>
+              <a:ext uri="{FF2B5EF4-FFF2-40B4-BE49-F238E27FC236}">
+                <a16:creationId xmlns:a16="http://schemas.microsoft.com/office/drawing/2014/main" id="{6F15F961-118B-4D47-891E-4D74B1139E5B}"/>
+              </a:ext>
+            </a:extLst>
+          </p:cNvPr>
+          <p:cNvGraphicFramePr>
+            <a:graphicFrameLocks noGrp="1"/>
+          </p:cNvGraphicFramePr>
+          <p:nvPr>
+            <p:ph idx="1"/>
+            <p:extLst>
+              <p:ext uri="{D42A27DB-BD31-4B8C-83A1-F6EECF244321}">
+                <p14:modId xmlns:p14="http://schemas.microsoft.com/office/powerpoint/2010/main" val="332849108"/>
+              </p:ext>
+            </p:extLst>
+          </p:nvPr>
+        </p:nvGraphicFramePr>
+        <p:xfrm>
+          <a:off x="838200" y="1825625"/>
+          <a:ext cx="10515600" cy="4351338"/>
+        </p:xfrm>
+        <a:graphic>
+          <a:graphicData uri="http://schemas.openxmlformats.org/drawingml/2006/diagram">
+            <dgm:relIds xmlns:dgm="http://schemas.openxmlformats.org/drawingml/2006/diagram" xmlns:r="http://schemas.openxmlformats.org/officeDocument/2006/relationships" r:dm="rId2" r:lo="rId3" r:qs="rId4" r:cs="rId5"/>
+          </a:graphicData>
+        </a:graphic>
+      </p:graphicFrame>
+      <p:sp>
+        <p:nvSpPr>
+          <p:cNvPr id="5" name="Textfeld 4">
+            <a:extLst>
+              <a:ext uri="{FF2B5EF4-FFF2-40B4-BE49-F238E27FC236}">
+                <a16:creationId xmlns:a16="http://schemas.microsoft.com/office/drawing/2014/main" id="{CF89FA70-2EED-47C1-BE51-5A95085F7C78}"/>
+              </a:ext>
+            </a:extLst>
+          </p:cNvPr>
+          <p:cNvSpPr txBox="1"/>
+          <p:nvPr/>
+        </p:nvSpPr>
+        <p:spPr>
+          <a:xfrm>
+            <a:off x="4389119" y="5445759"/>
+            <a:ext cx="3610187" cy="369332"/>
+          </a:xfrm>
+          <a:prstGeom prst="rect">
+            <a:avLst/>
+          </a:prstGeom>
+          <a:noFill/>
+        </p:spPr>
+        <p:txBody>
+          <a:bodyPr wrap="square" rtlCol="0">
+            <a:spAutoFit/>
+          </a:bodyPr>
+          <a:lstStyle/>
+          <a:p>
+            <a:r>
+              <a:rPr lang="de-DE" dirty="0">
+                <a:latin typeface="Avenir Next LT Pro Light" panose="020B0304020202020204" pitchFamily="34" charset="0"/>
+              </a:rPr>
+              <a:t>Erreichbare Website im Internet</a:t>
+            </a:r>
+            <a:endParaRPr lang="en-US" dirty="0">
+              <a:latin typeface="Avenir Next LT Pro Light" panose="020B0304020202020204" pitchFamily="34" charset="0"/>
+            </a:endParaRPr>
+          </a:p>
+        </p:txBody>
+      </p:sp>
+    </p:spTree>
+    <p:extLst>
+      <p:ext uri="{BB962C8B-B14F-4D97-AF65-F5344CB8AC3E}">
+        <p14:creationId xmlns:p14="http://schemas.microsoft.com/office/powerpoint/2010/main" val="315908688"/>
+      </p:ext>
+    </p:extLst>
+  </p:cSld>
+  <p:clrMapOvr>
+    <a:masterClrMapping/>
+  </p:clrMapOvr>
+</p:sld>
+</file>
+
+<file path=ppt/slides/slide4.xml><?xml version="1.0" encoding="utf-8"?>
+<p:sld xmlns:a="http://schemas.openxmlformats.org/drawingml/2006/main" xmlns:r="http://schemas.openxmlformats.org/officeDocument/2006/relationships" xmlns:p="http://schemas.openxmlformats.org/presentationml/2006/main">
+  <p:cSld>
+    <p:bg>
+      <p:bgPr>
+        <a:solidFill>
+          <a:schemeClr val="tx1">
+            <a:lumMod val="85000"/>
+            <a:lumOff val="15000"/>
+          </a:schemeClr>
+        </a:solidFill>
+        <a:effectLst/>
+      </p:bgPr>
+    </p:bg>
+    <p:spTree>
+      <p:nvGrpSpPr>
+        <p:cNvPr id="1" name=""/>
+        <p:cNvGrpSpPr/>
+        <p:nvPr/>
+      </p:nvGrpSpPr>
+      <p:grpSpPr>
+        <a:xfrm>
+          <a:off x="0" y="0"/>
+          <a:ext cx="0" cy="0"/>
+          <a:chOff x="0" y="0"/>
+          <a:chExt cx="0" cy="0"/>
+        </a:xfrm>
+      </p:grpSpPr>
+      <p:sp>
+        <p:nvSpPr>
+          <p:cNvPr id="2" name="Titel 1">
+            <a:extLst>
+              <a:ext uri="{FF2B5EF4-FFF2-40B4-BE49-F238E27FC236}">
+                <a16:creationId xmlns:a16="http://schemas.microsoft.com/office/drawing/2014/main" id="{1F63D828-3E47-474F-8962-A96DF73D8031}"/>
+              </a:ext>
+            </a:extLst>
+          </p:cNvPr>
+          <p:cNvSpPr>
+            <a:spLocks noGrp="1"/>
+          </p:cNvSpPr>
+          <p:nvPr>
+            <p:ph type="title"/>
+          </p:nvPr>
+        </p:nvSpPr>
+        <p:spPr/>
+        <p:txBody>
+          <a:bodyPr/>
+          <a:lstStyle/>
+          <a:p>
+            <a:r>
+              <a:rPr lang="de-DE" dirty="0">
+                <a:solidFill>
+                  <a:schemeClr val="bg1">
+                    <a:lumMod val="95000"/>
+                  </a:schemeClr>
+                </a:solidFill>
+              </a:rPr>
+              <a:t>Domain &amp; Webhosting – Optionen</a:t>
+            </a:r>
+            <a:endParaRPr lang="en-US" dirty="0">
+              <a:solidFill>
+                <a:schemeClr val="bg1">
+                  <a:lumMod val="95000"/>
+                </a:schemeClr>
+              </a:solidFill>
+            </a:endParaRPr>
+          </a:p>
+        </p:txBody>
+      </p:sp>
+      <p:graphicFrame>
+        <p:nvGraphicFramePr>
+          <p:cNvPr id="7" name="Tabelle 7">
+            <a:extLst>
+              <a:ext uri="{FF2B5EF4-FFF2-40B4-BE49-F238E27FC236}">
+                <a16:creationId xmlns:a16="http://schemas.microsoft.com/office/drawing/2014/main" id="{B13E0944-20F9-4C11-B64B-90A3D71FB12A}"/>
+              </a:ext>
+            </a:extLst>
+          </p:cNvPr>
+          <p:cNvGraphicFramePr>
+            <a:graphicFrameLocks noGrp="1"/>
+          </p:cNvGraphicFramePr>
+          <p:nvPr>
+            <p:extLst>
+              <p:ext uri="{D42A27DB-BD31-4B8C-83A1-F6EECF244321}">
+                <p14:modId xmlns:p14="http://schemas.microsoft.com/office/powerpoint/2010/main" val="3503573011"/>
+              </p:ext>
+            </p:extLst>
+          </p:nvPr>
+        </p:nvGraphicFramePr>
+        <p:xfrm>
+          <a:off x="754380" y="1817581"/>
+          <a:ext cx="10683240" cy="4516120"/>
+        </p:xfrm>
+        <a:graphic>
+          <a:graphicData uri="http://schemas.openxmlformats.org/drawingml/2006/table">
+            <a:tbl>
+              <a:tblPr firstRow="1" bandRow="1">
+                <a:tableStyleId>{5C22544A-7EE6-4342-B048-85BDC9FD1C3A}</a:tableStyleId>
+              </a:tblPr>
+              <a:tblGrid>
+                <a:gridCol w="2670810">
+                  <a:extLst>
+                    <a:ext uri="{9D8B030D-6E8A-4147-A177-3AD203B41FA5}">
+                      <a16:colId xmlns:a16="http://schemas.microsoft.com/office/drawing/2014/main" val="1307756145"/>
+                    </a:ext>
+                  </a:extLst>
+                </a:gridCol>
+                <a:gridCol w="2670810">
+                  <a:extLst>
+                    <a:ext uri="{9D8B030D-6E8A-4147-A177-3AD203B41FA5}">
+                      <a16:colId xmlns:a16="http://schemas.microsoft.com/office/drawing/2014/main" val="1152997114"/>
+                    </a:ext>
+                  </a:extLst>
+                </a:gridCol>
+                <a:gridCol w="2670810">
+                  <a:extLst>
+                    <a:ext uri="{9D8B030D-6E8A-4147-A177-3AD203B41FA5}">
+                      <a16:colId xmlns:a16="http://schemas.microsoft.com/office/drawing/2014/main" val="2250954691"/>
+                    </a:ext>
+                  </a:extLst>
+                </a:gridCol>
+                <a:gridCol w="2670810">
+                  <a:extLst>
+                    <a:ext uri="{9D8B030D-6E8A-4147-A177-3AD203B41FA5}">
+                      <a16:colId xmlns:a16="http://schemas.microsoft.com/office/drawing/2014/main" val="3052403957"/>
+                    </a:ext>
+                  </a:extLst>
+                </a:gridCol>
+              </a:tblGrid>
+              <a:tr h="370840">
+                <a:tc>
+                  <a:txBody>
+                    <a:bodyPr/>
+                    <a:lstStyle/>
+                    <a:p>
+                      <a:pPr algn="ctr"/>
+                      <a:r>
+                        <a:rPr lang="de-DE" sz="2000" dirty="0">
+                          <a:latin typeface="Avenir Next LT Pro Light" panose="020B0304020202020204" pitchFamily="34" charset="0"/>
+                        </a:rPr>
+                        <a:t>Option 1</a:t>
+                      </a:r>
+                      <a:endParaRPr lang="en-US" sz="2000" dirty="0">
+                        <a:latin typeface="Avenir Next LT Pro Light" panose="020B0304020202020204" pitchFamily="34" charset="0"/>
+                      </a:endParaRPr>
+                    </a:p>
+                  </a:txBody>
+                  <a:tcPr/>
+                </a:tc>
+                <a:tc>
+                  <a:txBody>
+                    <a:bodyPr/>
+                    <a:lstStyle/>
+                    <a:p>
+                      <a:pPr algn="ctr"/>
+                      <a:r>
+                        <a:rPr lang="de-DE" sz="2000" dirty="0">
+                          <a:latin typeface="Avenir Next LT Pro Light" panose="020B0304020202020204" pitchFamily="34" charset="0"/>
+                        </a:rPr>
+                        <a:t>Option 2</a:t>
+                      </a:r>
+                      <a:endParaRPr lang="en-US" sz="2000" dirty="0">
+                        <a:latin typeface="Avenir Next LT Pro Light" panose="020B0304020202020204" pitchFamily="34" charset="0"/>
+                      </a:endParaRPr>
+                    </a:p>
+                  </a:txBody>
+                  <a:tcPr/>
+                </a:tc>
+                <a:tc>
+                  <a:txBody>
+                    <a:bodyPr/>
+                    <a:lstStyle/>
+                    <a:p>
+                      <a:pPr algn="ctr"/>
+                      <a:r>
+                        <a:rPr lang="de-DE" sz="2000" dirty="0">
+                          <a:latin typeface="Avenir Next LT Pro Light" panose="020B0304020202020204" pitchFamily="34" charset="0"/>
+                        </a:rPr>
+                        <a:t>Option 3</a:t>
+                      </a:r>
+                      <a:endParaRPr lang="en-US" sz="2000" dirty="0">
+                        <a:latin typeface="Avenir Next LT Pro Light" panose="020B0304020202020204" pitchFamily="34" charset="0"/>
+                      </a:endParaRPr>
+                    </a:p>
+                  </a:txBody>
+                  <a:tcPr/>
+                </a:tc>
+                <a:tc>
+                  <a:txBody>
+                    <a:bodyPr/>
+                    <a:lstStyle/>
+                    <a:p>
+                      <a:pPr algn="ctr"/>
+                      <a:r>
+                        <a:rPr lang="de-DE" sz="2000" dirty="0">
+                          <a:latin typeface="Avenir Next LT Pro Light" panose="020B0304020202020204" pitchFamily="34" charset="0"/>
+                        </a:rPr>
+                        <a:t>Option 4</a:t>
+                      </a:r>
+                      <a:endParaRPr lang="en-US" sz="2000" dirty="0">
+                        <a:latin typeface="Avenir Next LT Pro Light" panose="020B0304020202020204" pitchFamily="34" charset="0"/>
+                      </a:endParaRPr>
+                    </a:p>
+                  </a:txBody>
+                  <a:tcPr/>
+                </a:tc>
+                <a:extLst>
+                  <a:ext uri="{0D108BD9-81ED-4DB2-BD59-A6C34878D82A}">
+                    <a16:rowId xmlns:a16="http://schemas.microsoft.com/office/drawing/2014/main" val="2225923953"/>
+                  </a:ext>
+                </a:extLst>
+              </a:tr>
+              <a:tr h="370840">
+                <a:tc>
+                  <a:txBody>
+                    <a:bodyPr/>
+                    <a:lstStyle/>
+                    <a:p>
+                      <a:pPr marL="0" marR="0" lvl="0" indent="0" algn="ctr" defTabSz="914400" rtl="0" eaLnBrk="1" fontAlgn="auto" latinLnBrk="0" hangingPunct="1">
+                        <a:lnSpc>
+                          <a:spcPct val="100000"/>
+                        </a:lnSpc>
+                        <a:spcBef>
+                          <a:spcPts val="0"/>
+                        </a:spcBef>
+                        <a:spcAft>
+                          <a:spcPts val="0"/>
+                        </a:spcAft>
+                        <a:buClrTx/>
+                        <a:buSzTx/>
+                        <a:buFontTx/>
+                        <a:buNone/>
+                        <a:tabLst/>
+                        <a:defRPr/>
+                      </a:pPr>
+                      <a:r>
+                        <a:rPr lang="de-DE" sz="1400" dirty="0">
+                          <a:latin typeface="Avenir Next LT Pro Light" panose="020B0304020202020204" pitchFamily="34" charset="0"/>
+                        </a:rPr>
+                        <a:t>1 Vertrag für </a:t>
+                      </a:r>
+                      <a:r>
+                        <a:rPr lang="de-DE" sz="1400" b="1" dirty="0">
+                          <a:latin typeface="Avenir Next LT Pro Light" panose="020B0304020202020204" pitchFamily="34" charset="0"/>
+                        </a:rPr>
+                        <a:t>Domain</a:t>
+                      </a:r>
+                      <a:br>
+                        <a:rPr lang="en-US" sz="1400" dirty="0">
+                          <a:latin typeface="Avenir Next LT Pro Light" panose="020B0304020202020204" pitchFamily="34" charset="0"/>
+                        </a:rPr>
+                      </a:br>
+                      <a:r>
+                        <a:rPr lang="en-US" sz="1400" dirty="0">
+                          <a:latin typeface="Avenir Next LT Pro Light" panose="020B0304020202020204" pitchFamily="34" charset="0"/>
+                        </a:rPr>
+                        <a:t>&amp;</a:t>
+                      </a:r>
+                      <a:br>
+                        <a:rPr lang="en-US" sz="1400" dirty="0">
+                          <a:latin typeface="Avenir Next LT Pro Light" panose="020B0304020202020204" pitchFamily="34" charset="0"/>
+                        </a:rPr>
+                      </a:br>
+                      <a:r>
+                        <a:rPr lang="en-US" sz="1400" dirty="0">
+                          <a:latin typeface="Avenir Next LT Pro Light" panose="020B0304020202020204" pitchFamily="34" charset="0"/>
+                        </a:rPr>
+                        <a:t>1 </a:t>
+                      </a:r>
+                      <a:r>
+                        <a:rPr lang="en-US" sz="1400" dirty="0" err="1">
+                          <a:latin typeface="Avenir Next LT Pro Light" panose="020B0304020202020204" pitchFamily="34" charset="0"/>
+                        </a:rPr>
+                        <a:t>Vertrag</a:t>
+                      </a:r>
+                      <a:r>
+                        <a:rPr lang="en-US" sz="1400" dirty="0">
+                          <a:latin typeface="Avenir Next LT Pro Light" panose="020B0304020202020204" pitchFamily="34" charset="0"/>
+                        </a:rPr>
+                        <a:t> </a:t>
+                      </a:r>
+                      <a:r>
+                        <a:rPr lang="en-US" sz="1400" dirty="0" err="1">
+                          <a:latin typeface="Avenir Next LT Pro Light" panose="020B0304020202020204" pitchFamily="34" charset="0"/>
+                        </a:rPr>
+                        <a:t>für</a:t>
+                      </a:r>
+                      <a:r>
+                        <a:rPr lang="en-US" sz="1400" dirty="0">
+                          <a:latin typeface="Avenir Next LT Pro Light" panose="020B0304020202020204" pitchFamily="34" charset="0"/>
+                        </a:rPr>
+                        <a:t> </a:t>
+                      </a:r>
+                      <a:r>
+                        <a:rPr lang="en-US" sz="1400" b="1" dirty="0">
+                          <a:latin typeface="Avenir Next LT Pro Light" panose="020B0304020202020204" pitchFamily="34" charset="0"/>
+                        </a:rPr>
+                        <a:t>Cloud Server</a:t>
+                      </a:r>
+                      <a:endParaRPr lang="de-DE" sz="1400" b="1" dirty="0">
+                        <a:latin typeface="Avenir Next LT Pro Light" panose="020B0304020202020204" pitchFamily="34" charset="0"/>
+                      </a:endParaRPr>
+                    </a:p>
+                  </a:txBody>
+                  <a:tcPr/>
+                </a:tc>
+                <a:tc>
+                  <a:txBody>
+                    <a:bodyPr/>
+                    <a:lstStyle/>
+                    <a:p>
+                      <a:pPr marL="0" marR="0" lvl="0" indent="0" algn="ctr" defTabSz="914400" rtl="0" eaLnBrk="1" fontAlgn="auto" latinLnBrk="0" hangingPunct="1">
+                        <a:lnSpc>
+                          <a:spcPct val="100000"/>
+                        </a:lnSpc>
+                        <a:spcBef>
+                          <a:spcPts val="0"/>
+                        </a:spcBef>
+                        <a:spcAft>
+                          <a:spcPts val="0"/>
+                        </a:spcAft>
+                        <a:buClrTx/>
+                        <a:buSzTx/>
+                        <a:buFontTx/>
+                        <a:buNone/>
+                        <a:tabLst/>
+                        <a:defRPr/>
+                      </a:pPr>
+                      <a:r>
+                        <a:rPr lang="de-DE" sz="1400" dirty="0">
+                          <a:latin typeface="Avenir Next LT Pro Light" panose="020B0304020202020204" pitchFamily="34" charset="0"/>
+                        </a:rPr>
+                        <a:t>1 gemeinsamer Vertrag für </a:t>
+                      </a:r>
+                      <a:r>
+                        <a:rPr lang="de-DE" sz="1400" b="1" dirty="0">
+                          <a:latin typeface="Avenir Next LT Pro Light" panose="020B0304020202020204" pitchFamily="34" charset="0"/>
+                        </a:rPr>
+                        <a:t>Webhosting</a:t>
+                      </a:r>
+                      <a:r>
+                        <a:rPr lang="de-DE" sz="1400" dirty="0">
+                          <a:latin typeface="Avenir Next LT Pro Light" panose="020B0304020202020204" pitchFamily="34" charset="0"/>
+                        </a:rPr>
+                        <a:t> &amp; </a:t>
+                      </a:r>
+                      <a:r>
+                        <a:rPr lang="de-DE" sz="1400" b="1" dirty="0">
+                          <a:latin typeface="Avenir Next LT Pro Light" panose="020B0304020202020204" pitchFamily="34" charset="0"/>
+                        </a:rPr>
+                        <a:t>Domain</a:t>
+                      </a:r>
+                      <a:endParaRPr lang="en-US" sz="1400" b="1" dirty="0">
+                        <a:latin typeface="Avenir Next LT Pro Light" panose="020B0304020202020204" pitchFamily="34" charset="0"/>
+                      </a:endParaRPr>
+                    </a:p>
+                  </a:txBody>
+                  <a:tcPr/>
+                </a:tc>
+                <a:tc>
+                  <a:txBody>
+                    <a:bodyPr/>
+                    <a:lstStyle/>
+                    <a:p>
+                      <a:pPr marL="0" marR="0" lvl="0" indent="0" algn="ctr" defTabSz="914400" rtl="0" eaLnBrk="1" fontAlgn="auto" latinLnBrk="0" hangingPunct="1">
+                        <a:lnSpc>
+                          <a:spcPct val="100000"/>
+                        </a:lnSpc>
+                        <a:spcBef>
+                          <a:spcPts val="0"/>
+                        </a:spcBef>
+                        <a:spcAft>
+                          <a:spcPts val="0"/>
+                        </a:spcAft>
+                        <a:buClrTx/>
+                        <a:buSzTx/>
+                        <a:buFontTx/>
+                        <a:buNone/>
+                        <a:tabLst/>
+                        <a:defRPr/>
+                      </a:pPr>
+                      <a:r>
+                        <a:rPr lang="de-DE" sz="1400" dirty="0">
+                          <a:latin typeface="Avenir Next LT Pro Light" panose="020B0304020202020204" pitchFamily="34" charset="0"/>
+                        </a:rPr>
+                        <a:t>1 gemeinsamer Vertrag für </a:t>
+                      </a:r>
+                      <a:r>
+                        <a:rPr lang="de-DE" sz="1400" b="1" dirty="0">
+                          <a:latin typeface="Avenir Next LT Pro Light" panose="020B0304020202020204" pitchFamily="34" charset="0"/>
+                        </a:rPr>
+                        <a:t>Webhosting</a:t>
+                      </a:r>
+                      <a:r>
+                        <a:rPr lang="de-DE" sz="1400" dirty="0">
+                          <a:latin typeface="Avenir Next LT Pro Light" panose="020B0304020202020204" pitchFamily="34" charset="0"/>
+                        </a:rPr>
+                        <a:t> &amp; </a:t>
+                      </a:r>
+                      <a:r>
+                        <a:rPr lang="de-DE" sz="1400" b="1" dirty="0">
+                          <a:latin typeface="Avenir Next LT Pro Light" panose="020B0304020202020204" pitchFamily="34" charset="0"/>
+                        </a:rPr>
+                        <a:t>Domain</a:t>
+                      </a:r>
+                      <a:endParaRPr lang="en-US" sz="1400" b="1" dirty="0">
+                        <a:latin typeface="Avenir Next LT Pro Light" panose="020B0304020202020204" pitchFamily="34" charset="0"/>
+                      </a:endParaRPr>
+                    </a:p>
+                  </a:txBody>
+                  <a:tcPr/>
+                </a:tc>
+                <a:tc>
+                  <a:txBody>
+                    <a:bodyPr/>
+                    <a:lstStyle/>
+                    <a:p>
+                      <a:pPr algn="ctr"/>
+                      <a:r>
+                        <a:rPr lang="de-DE" sz="1400" dirty="0">
+                          <a:latin typeface="Avenir Next LT Pro Light" panose="020B0304020202020204" pitchFamily="34" charset="0"/>
+                        </a:rPr>
+                        <a:t>Kein Vertrag</a:t>
+                      </a:r>
+                      <a:br>
+                        <a:rPr lang="de-DE" sz="1400" dirty="0">
+                          <a:latin typeface="Avenir Next LT Pro Light" panose="020B0304020202020204" pitchFamily="34" charset="0"/>
+                        </a:rPr>
+                      </a:br>
+                      <a:r>
+                        <a:rPr lang="de-DE" sz="1400" dirty="0">
+                          <a:solidFill>
+                            <a:srgbClr val="FF0000"/>
+                          </a:solidFill>
+                          <a:latin typeface="Avenir Next LT Pro Light" panose="020B0304020202020204" pitchFamily="34" charset="0"/>
+                        </a:rPr>
+                        <a:t>(Website wird nicht im Internet erreichbar sein!)</a:t>
+                      </a:r>
+                      <a:endParaRPr lang="en-US" sz="1400" dirty="0">
+                        <a:solidFill>
+                          <a:srgbClr val="FF0000"/>
+                        </a:solidFill>
+                        <a:latin typeface="Avenir Next LT Pro Light" panose="020B0304020202020204" pitchFamily="34" charset="0"/>
+                      </a:endParaRPr>
+                    </a:p>
+                  </a:txBody>
+                  <a:tcPr/>
+                </a:tc>
+                <a:extLst>
+                  <a:ext uri="{0D108BD9-81ED-4DB2-BD59-A6C34878D82A}">
+                    <a16:rowId xmlns:a16="http://schemas.microsoft.com/office/drawing/2014/main" val="251936022"/>
+                  </a:ext>
+                </a:extLst>
+              </a:tr>
+              <a:tr h="370840">
+                <a:tc>
+                  <a:txBody>
+                    <a:bodyPr/>
+                    <a:lstStyle/>
+                    <a:p>
+                      <a:pPr algn="ctr"/>
+                      <a:r>
+                        <a:rPr lang="de-DE" sz="1400" b="1" dirty="0">
+                          <a:latin typeface="Avenir Next LT Pro Light" panose="020B0304020202020204" pitchFamily="34" charset="0"/>
+                        </a:rPr>
+                        <a:t>2 Verträge</a:t>
+                      </a:r>
+                      <a:endParaRPr lang="en-US" sz="1400" b="1" dirty="0">
+                        <a:latin typeface="Avenir Next LT Pro Light" panose="020B0304020202020204" pitchFamily="34" charset="0"/>
+                      </a:endParaRPr>
+                    </a:p>
+                  </a:txBody>
+                  <a:tcPr/>
+                </a:tc>
+                <a:tc>
+                  <a:txBody>
+                    <a:bodyPr/>
+                    <a:lstStyle/>
+                    <a:p>
+                      <a:pPr marL="0" marR="0" lvl="0" indent="0" algn="ctr" defTabSz="914400" rtl="0" eaLnBrk="1" fontAlgn="auto" latinLnBrk="0" hangingPunct="1">
+                        <a:lnSpc>
+                          <a:spcPct val="100000"/>
+                        </a:lnSpc>
+                        <a:spcBef>
+                          <a:spcPts val="0"/>
+                        </a:spcBef>
+                        <a:spcAft>
+                          <a:spcPts val="0"/>
+                        </a:spcAft>
+                        <a:buClrTx/>
+                        <a:buSzTx/>
+                        <a:buFontTx/>
+                        <a:buNone/>
+                        <a:tabLst/>
+                        <a:defRPr/>
+                      </a:pPr>
+                      <a:r>
+                        <a:rPr lang="de-DE" sz="1400" b="1" dirty="0">
+                          <a:latin typeface="Avenir Next LT Pro Light" panose="020B0304020202020204" pitchFamily="34" charset="0"/>
+                        </a:rPr>
+                        <a:t>1 Vertrag</a:t>
+                      </a:r>
+                      <a:endParaRPr lang="en-US" sz="1400" b="1" dirty="0">
+                        <a:latin typeface="Avenir Next LT Pro Light" panose="020B0304020202020204" pitchFamily="34" charset="0"/>
+                      </a:endParaRPr>
+                    </a:p>
+                  </a:txBody>
+                  <a:tcPr/>
+                </a:tc>
+                <a:tc>
+                  <a:txBody>
+                    <a:bodyPr/>
+                    <a:lstStyle/>
+                    <a:p>
+                      <a:pPr marL="0" marR="0" lvl="0" indent="0" algn="ctr" defTabSz="914400" rtl="0" eaLnBrk="1" fontAlgn="auto" latinLnBrk="0" hangingPunct="1">
+                        <a:lnSpc>
+                          <a:spcPct val="100000"/>
+                        </a:lnSpc>
+                        <a:spcBef>
+                          <a:spcPts val="0"/>
+                        </a:spcBef>
+                        <a:spcAft>
+                          <a:spcPts val="0"/>
+                        </a:spcAft>
+                        <a:buClrTx/>
+                        <a:buSzTx/>
+                        <a:buFontTx/>
+                        <a:buNone/>
+                        <a:tabLst/>
+                        <a:defRPr/>
+                      </a:pPr>
+                      <a:r>
+                        <a:rPr lang="de-DE" sz="1400" b="1" dirty="0">
+                          <a:latin typeface="Avenir Next LT Pro Light" panose="020B0304020202020204" pitchFamily="34" charset="0"/>
+                        </a:rPr>
+                        <a:t>1 Vertrag</a:t>
+                      </a:r>
+                      <a:endParaRPr lang="en-US" sz="1400" b="1" dirty="0">
+                        <a:latin typeface="Avenir Next LT Pro Light" panose="020B0304020202020204" pitchFamily="34" charset="0"/>
+                      </a:endParaRPr>
+                    </a:p>
+                  </a:txBody>
+                  <a:tcPr/>
+                </a:tc>
+                <a:tc>
+                  <a:txBody>
+                    <a:bodyPr/>
+                    <a:lstStyle/>
+                    <a:p>
+                      <a:pPr algn="ctr"/>
+                      <a:r>
+                        <a:rPr lang="de-DE" sz="1400" b="1" dirty="0">
+                          <a:latin typeface="Avenir Next LT Pro Light" panose="020B0304020202020204" pitchFamily="34" charset="0"/>
+                        </a:rPr>
+                        <a:t>Kein Vertrag</a:t>
+                      </a:r>
+                      <a:endParaRPr lang="en-US" sz="1400" b="1" dirty="0">
+                        <a:latin typeface="Avenir Next LT Pro Light" panose="020B0304020202020204" pitchFamily="34" charset="0"/>
+                      </a:endParaRPr>
+                    </a:p>
+                  </a:txBody>
+                  <a:tcPr/>
+                </a:tc>
+                <a:extLst>
+                  <a:ext uri="{0D108BD9-81ED-4DB2-BD59-A6C34878D82A}">
+                    <a16:rowId xmlns:a16="http://schemas.microsoft.com/office/drawing/2014/main" val="653720428"/>
+                  </a:ext>
+                </a:extLst>
+              </a:tr>
+              <a:tr h="370840">
+                <a:tc>
+                  <a:txBody>
+                    <a:bodyPr/>
+                    <a:lstStyle/>
+                    <a:p>
+                      <a:pPr algn="ctr"/>
+                      <a:r>
+                        <a:rPr lang="de-DE" sz="1400" b="1" dirty="0">
+                          <a:latin typeface="Avenir Next LT Pro Light" panose="020B0304020202020204" pitchFamily="34" charset="0"/>
+                        </a:rPr>
+                        <a:t>Domain &amp; Cloud Server</a:t>
+                      </a:r>
+                      <a:endParaRPr lang="en-US" sz="1400" b="1" dirty="0">
+                        <a:latin typeface="Avenir Next LT Pro Light" panose="020B0304020202020204" pitchFamily="34" charset="0"/>
+                      </a:endParaRPr>
+                    </a:p>
+                  </a:txBody>
+                  <a:tcPr/>
+                </a:tc>
+                <a:tc>
+                  <a:txBody>
+                    <a:bodyPr/>
+                    <a:lstStyle/>
+                    <a:p>
+                      <a:pPr algn="ctr"/>
+                      <a:r>
+                        <a:rPr lang="de-DE" sz="1400" b="1" dirty="0">
+                          <a:latin typeface="Avenir Next LT Pro Light" panose="020B0304020202020204" pitchFamily="34" charset="0"/>
+                        </a:rPr>
+                        <a:t>Webhosting</a:t>
+                      </a:r>
+                      <a:br>
+                        <a:rPr lang="de-DE" sz="1400" b="1" dirty="0">
+                          <a:latin typeface="Avenir Next LT Pro Light" panose="020B0304020202020204" pitchFamily="34" charset="0"/>
+                        </a:rPr>
+                      </a:br>
+                      <a:r>
+                        <a:rPr lang="de-DE" sz="1400" b="1" dirty="0">
+                          <a:latin typeface="Avenir Next LT Pro Light" panose="020B0304020202020204" pitchFamily="34" charset="0"/>
+                        </a:rPr>
+                        <a:t>(kostenlose Domain inkl.)</a:t>
+                      </a:r>
+                      <a:endParaRPr lang="en-US" sz="1400" b="1" dirty="0">
+                        <a:latin typeface="Avenir Next LT Pro Light" panose="020B0304020202020204" pitchFamily="34" charset="0"/>
+                      </a:endParaRPr>
+                    </a:p>
+                  </a:txBody>
+                  <a:tcPr/>
+                </a:tc>
+                <a:tc>
+                  <a:txBody>
+                    <a:bodyPr/>
+                    <a:lstStyle/>
+                    <a:p>
+                      <a:pPr marL="0" marR="0" lvl="0" indent="0" algn="ctr" defTabSz="914400" rtl="0" eaLnBrk="1" fontAlgn="auto" latinLnBrk="0" hangingPunct="1">
+                        <a:lnSpc>
+                          <a:spcPct val="100000"/>
+                        </a:lnSpc>
+                        <a:spcBef>
+                          <a:spcPts val="0"/>
+                        </a:spcBef>
+                        <a:spcAft>
+                          <a:spcPts val="0"/>
+                        </a:spcAft>
+                        <a:buClrTx/>
+                        <a:buSzTx/>
+                        <a:buFontTx/>
+                        <a:buNone/>
+                        <a:tabLst/>
+                        <a:defRPr/>
+                      </a:pPr>
+                      <a:r>
+                        <a:rPr lang="de-DE" sz="1400" b="1" dirty="0">
+                          <a:latin typeface="Avenir Next LT Pro Light" panose="020B0304020202020204" pitchFamily="34" charset="0"/>
+                        </a:rPr>
+                        <a:t>WordPress Hosting (kostenlose Domain inkl.)</a:t>
+                      </a:r>
+                      <a:endParaRPr lang="en-US" sz="1400" b="1" dirty="0">
+                        <a:latin typeface="Avenir Next LT Pro Light" panose="020B0304020202020204" pitchFamily="34" charset="0"/>
+                      </a:endParaRPr>
+                    </a:p>
+                  </a:txBody>
+                  <a:tcPr/>
+                </a:tc>
+                <a:tc>
+                  <a:txBody>
+                    <a:bodyPr/>
+                    <a:lstStyle/>
+                    <a:p>
+                      <a:pPr algn="ctr"/>
+                      <a:r>
+                        <a:rPr lang="de-DE" sz="1400" b="1" dirty="0">
+                          <a:latin typeface="Avenir Next LT Pro Light" panose="020B0304020202020204" pitchFamily="34" charset="0"/>
+                        </a:rPr>
+                        <a:t>Lokal auf eigenem Notebook</a:t>
+                      </a:r>
+                      <a:endParaRPr lang="en-US" sz="1400" b="1" dirty="0">
+                        <a:latin typeface="Avenir Next LT Pro Light" panose="020B0304020202020204" pitchFamily="34" charset="0"/>
+                      </a:endParaRPr>
+                    </a:p>
+                  </a:txBody>
+                  <a:tcPr/>
+                </a:tc>
+                <a:extLst>
+                  <a:ext uri="{0D108BD9-81ED-4DB2-BD59-A6C34878D82A}">
+                    <a16:rowId xmlns:a16="http://schemas.microsoft.com/office/drawing/2014/main" val="3856814743"/>
+                  </a:ext>
+                </a:extLst>
+              </a:tr>
+              <a:tr h="370840">
+                <a:tc>
+                  <a:txBody>
+                    <a:bodyPr/>
+                    <a:lstStyle/>
+                    <a:p>
+                      <a:pPr algn="ctr"/>
+                      <a:r>
+                        <a:rPr lang="de-DE" sz="1400" dirty="0">
+                          <a:latin typeface="Avenir Next LT Pro Light" panose="020B0304020202020204" pitchFamily="34" charset="0"/>
+                        </a:rPr>
+                        <a:t>0,42€ / Monat (Domain)</a:t>
+                      </a:r>
+                      <a:br>
+                        <a:rPr lang="de-DE" sz="1400" dirty="0">
+                          <a:latin typeface="Avenir Next LT Pro Light" panose="020B0304020202020204" pitchFamily="34" charset="0"/>
+                        </a:rPr>
+                      </a:br>
+                      <a:r>
+                        <a:rPr lang="de-DE" sz="1400" dirty="0">
+                          <a:latin typeface="Avenir Next LT Pro Light" panose="020B0304020202020204" pitchFamily="34" charset="0"/>
+                        </a:rPr>
+                        <a:t>+ 2,69€ / Monat (Server)</a:t>
+                      </a:r>
+                      <a:endParaRPr lang="en-US" sz="1400" dirty="0">
+                        <a:latin typeface="Avenir Next LT Pro Light" panose="020B0304020202020204" pitchFamily="34" charset="0"/>
+                      </a:endParaRPr>
+                    </a:p>
+                  </a:txBody>
+                  <a:tcPr/>
+                </a:tc>
+                <a:tc>
+                  <a:txBody>
+                    <a:bodyPr/>
+                    <a:lstStyle/>
+                    <a:p>
+                      <a:pPr algn="ctr"/>
+                      <a:r>
+                        <a:rPr lang="de-DE" sz="1400" dirty="0">
+                          <a:latin typeface="Avenir Next LT Pro Light" panose="020B0304020202020204" pitchFamily="34" charset="0"/>
+                        </a:rPr>
+                        <a:t>1,99€ / Monat</a:t>
+                      </a:r>
+                      <a:endParaRPr lang="en-US" sz="1400" dirty="0">
+                        <a:latin typeface="Avenir Next LT Pro Light" panose="020B0304020202020204" pitchFamily="34" charset="0"/>
+                      </a:endParaRPr>
+                    </a:p>
+                  </a:txBody>
+                  <a:tcPr/>
+                </a:tc>
+                <a:tc>
+                  <a:txBody>
+                    <a:bodyPr/>
+                    <a:lstStyle/>
+                    <a:p>
+                      <a:pPr algn="ctr"/>
+                      <a:r>
+                        <a:rPr lang="de-DE" sz="1400" dirty="0">
+                          <a:latin typeface="Avenir Next LT Pro Light" panose="020B0304020202020204" pitchFamily="34" charset="0"/>
+                        </a:rPr>
+                        <a:t>2€ / Monat für 1 Jahr,</a:t>
+                      </a:r>
+                      <a:br>
+                        <a:rPr lang="de-DE" sz="1400" dirty="0">
+                          <a:latin typeface="Avenir Next LT Pro Light" panose="020B0304020202020204" pitchFamily="34" charset="0"/>
+                        </a:rPr>
+                      </a:br>
+                      <a:r>
+                        <a:rPr lang="de-DE" sz="1400" dirty="0">
+                          <a:latin typeface="Avenir Next LT Pro Light" panose="020B0304020202020204" pitchFamily="34" charset="0"/>
+                        </a:rPr>
+                        <a:t>danach 4€ / Monat</a:t>
+                      </a:r>
+                      <a:endParaRPr lang="en-US" sz="1400" dirty="0">
+                        <a:latin typeface="Avenir Next LT Pro Light" panose="020B0304020202020204" pitchFamily="34" charset="0"/>
+                      </a:endParaRPr>
+                    </a:p>
+                  </a:txBody>
+                  <a:tcPr/>
+                </a:tc>
+                <a:tc>
+                  <a:txBody>
+                    <a:bodyPr/>
+                    <a:lstStyle/>
+                    <a:p>
+                      <a:pPr algn="ctr"/>
+                      <a:r>
+                        <a:rPr lang="de-DE" sz="1400" dirty="0">
+                          <a:latin typeface="Avenir Next LT Pro Light" panose="020B0304020202020204" pitchFamily="34" charset="0"/>
+                        </a:rPr>
+                        <a:t>0€</a:t>
+                      </a:r>
+                      <a:endParaRPr lang="en-US" sz="1400" dirty="0">
+                        <a:latin typeface="Avenir Next LT Pro Light" panose="020B0304020202020204" pitchFamily="34" charset="0"/>
+                      </a:endParaRPr>
+                    </a:p>
+                  </a:txBody>
+                  <a:tcPr/>
+                </a:tc>
+                <a:extLst>
+                  <a:ext uri="{0D108BD9-81ED-4DB2-BD59-A6C34878D82A}">
+                    <a16:rowId xmlns:a16="http://schemas.microsoft.com/office/drawing/2014/main" val="765440579"/>
+                  </a:ext>
+                </a:extLst>
+              </a:tr>
+              <a:tr h="370840">
+                <a:tc>
+                  <a:txBody>
+                    <a:bodyPr/>
+                    <a:lstStyle/>
+                    <a:p>
+                      <a:pPr algn="ctr"/>
+                      <a:r>
+                        <a:rPr lang="en-US" sz="1400" b="0" i="0" kern="1200" dirty="0">
+                          <a:solidFill>
+                            <a:schemeClr val="dk1"/>
+                          </a:solidFill>
+                          <a:effectLst/>
+                          <a:latin typeface="+mn-lt"/>
+                          <a:ea typeface="+mn-ea"/>
+                          <a:cs typeface="+mn-cs"/>
+                        </a:rPr>
+                        <a:t>👍 </a:t>
+                      </a:r>
+                      <a:r>
+                        <a:rPr lang="en-US" sz="1400" b="0" i="0" kern="1200" dirty="0" err="1">
+                          <a:solidFill>
+                            <a:schemeClr val="dk1"/>
+                          </a:solidFill>
+                          <a:effectLst/>
+                          <a:latin typeface="Avenir Next LT Pro Light" panose="020B0304020202020204" pitchFamily="34" charset="0"/>
+                          <a:ea typeface="+mn-ea"/>
+                          <a:cs typeface="+mn-cs"/>
+                        </a:rPr>
+                        <a:t>Volle</a:t>
+                      </a:r>
+                      <a:r>
+                        <a:rPr lang="en-US" sz="1400" b="0" i="0" kern="1200" dirty="0">
+                          <a:solidFill>
+                            <a:schemeClr val="dk1"/>
+                          </a:solidFill>
+                          <a:effectLst/>
+                          <a:latin typeface="Avenir Next LT Pro Light" panose="020B0304020202020204" pitchFamily="34" charset="0"/>
+                          <a:ea typeface="+mn-ea"/>
+                          <a:cs typeface="+mn-cs"/>
+                        </a:rPr>
+                        <a:t> </a:t>
+                      </a:r>
+                      <a:r>
+                        <a:rPr lang="en-US" sz="1400" b="0" i="0" kern="1200" dirty="0" err="1">
+                          <a:solidFill>
+                            <a:schemeClr val="dk1"/>
+                          </a:solidFill>
+                          <a:effectLst/>
+                          <a:latin typeface="Avenir Next LT Pro Light" panose="020B0304020202020204" pitchFamily="34" charset="0"/>
+                          <a:ea typeface="+mn-ea"/>
+                          <a:cs typeface="+mn-cs"/>
+                        </a:rPr>
+                        <a:t>Kontrolle</a:t>
+                      </a:r>
+                      <a:endParaRPr lang="en-US" sz="1400" b="0" i="0" kern="1200" dirty="0">
+                        <a:solidFill>
+                          <a:schemeClr val="dk1"/>
+                        </a:solidFill>
+                        <a:effectLst/>
+                        <a:latin typeface="+mn-lt"/>
+                        <a:ea typeface="+mn-ea"/>
+                        <a:cs typeface="+mn-cs"/>
+                      </a:endParaRPr>
+                    </a:p>
+                    <a:p>
+                      <a:pPr marL="0" marR="0" lvl="0" indent="0" algn="ctr" defTabSz="914400" rtl="0" eaLnBrk="1" fontAlgn="auto" latinLnBrk="0" hangingPunct="1">
+                        <a:lnSpc>
+                          <a:spcPct val="100000"/>
+                        </a:lnSpc>
+                        <a:spcBef>
+                          <a:spcPts val="0"/>
+                        </a:spcBef>
+                        <a:spcAft>
+                          <a:spcPts val="0"/>
+                        </a:spcAft>
+                        <a:buClrTx/>
+                        <a:buSzTx/>
+                        <a:buFontTx/>
+                        <a:buNone/>
+                        <a:tabLst/>
+                        <a:defRPr/>
+                      </a:pPr>
+                      <a:r>
+                        <a:rPr lang="en-US" sz="1400" b="0" i="0" kern="1200" dirty="0">
+                          <a:solidFill>
+                            <a:schemeClr val="dk1"/>
+                          </a:solidFill>
+                          <a:effectLst/>
+                          <a:latin typeface="+mn-lt"/>
+                          <a:ea typeface="+mn-ea"/>
+                          <a:cs typeface="+mn-cs"/>
+                        </a:rPr>
+                        <a:t>👍 </a:t>
+                      </a:r>
+                      <a:r>
+                        <a:rPr lang="en-US" sz="1400" b="0" i="0" kern="1200" dirty="0" err="1">
+                          <a:solidFill>
+                            <a:schemeClr val="dk1"/>
+                          </a:solidFill>
+                          <a:effectLst/>
+                          <a:latin typeface="Avenir Next LT Pro Light" panose="020B0304020202020204" pitchFamily="34" charset="0"/>
+                          <a:ea typeface="+mn-ea"/>
+                          <a:cs typeface="+mn-cs"/>
+                        </a:rPr>
+                        <a:t>Vielseitig</a:t>
+                      </a:r>
+                      <a:r>
+                        <a:rPr lang="en-US" sz="1400" b="0" i="0" kern="1200" dirty="0">
+                          <a:solidFill>
+                            <a:schemeClr val="dk1"/>
+                          </a:solidFill>
+                          <a:effectLst/>
+                          <a:latin typeface="Avenir Next LT Pro Light" panose="020B0304020202020204" pitchFamily="34" charset="0"/>
+                          <a:ea typeface="+mn-ea"/>
+                          <a:cs typeface="+mn-cs"/>
+                        </a:rPr>
+                        <a:t> </a:t>
+                      </a:r>
+                      <a:r>
+                        <a:rPr lang="en-US" sz="1400" b="0" i="0" kern="1200" dirty="0" err="1">
+                          <a:solidFill>
+                            <a:schemeClr val="dk1"/>
+                          </a:solidFill>
+                          <a:effectLst/>
+                          <a:latin typeface="Avenir Next LT Pro Light" panose="020B0304020202020204" pitchFamily="34" charset="0"/>
+                          <a:ea typeface="+mn-ea"/>
+                          <a:cs typeface="+mn-cs"/>
+                        </a:rPr>
+                        <a:t>nutzbar</a:t>
+                      </a:r>
+                      <a:endParaRPr lang="en-US" sz="1400" b="0" i="0" kern="1200" dirty="0">
+                        <a:solidFill>
+                          <a:schemeClr val="dk1"/>
+                        </a:solidFill>
+                        <a:effectLst/>
+                        <a:latin typeface="+mn-lt"/>
+                        <a:ea typeface="+mn-ea"/>
+                        <a:cs typeface="+mn-cs"/>
+                      </a:endParaRPr>
+                    </a:p>
+                  </a:txBody>
+                  <a:tcPr/>
+                </a:tc>
+                <a:tc>
+                  <a:txBody>
+                    <a:bodyPr/>
+                    <a:lstStyle/>
+                    <a:p>
+                      <a:pPr algn="ctr"/>
+                      <a:r>
+                        <a:rPr lang="en-US" sz="1400" b="0" i="0" kern="1200" dirty="0">
+                          <a:solidFill>
+                            <a:schemeClr val="dk1"/>
+                          </a:solidFill>
+                          <a:effectLst/>
+                          <a:latin typeface="+mn-lt"/>
+                          <a:ea typeface="+mn-ea"/>
+                          <a:cs typeface="+mn-cs"/>
+                        </a:rPr>
+                        <a:t>👍 </a:t>
+                      </a:r>
+                      <a:r>
+                        <a:rPr lang="en-US" sz="1400" b="0" i="0" kern="1200" dirty="0" err="1">
+                          <a:solidFill>
+                            <a:schemeClr val="dk1"/>
+                          </a:solidFill>
+                          <a:effectLst/>
+                          <a:latin typeface="Avenir Next LT Pro Light" panose="020B0304020202020204" pitchFamily="34" charset="0"/>
+                          <a:ea typeface="+mn-ea"/>
+                          <a:cs typeface="+mn-cs"/>
+                        </a:rPr>
+                        <a:t>Viel</a:t>
+                      </a:r>
+                      <a:r>
+                        <a:rPr lang="en-US" sz="1400" b="0" i="0" kern="1200" dirty="0">
+                          <a:solidFill>
+                            <a:schemeClr val="dk1"/>
+                          </a:solidFill>
+                          <a:effectLst/>
+                          <a:latin typeface="Avenir Next LT Pro Light" panose="020B0304020202020204" pitchFamily="34" charset="0"/>
+                          <a:ea typeface="+mn-ea"/>
+                          <a:cs typeface="+mn-cs"/>
+                        </a:rPr>
+                        <a:t> </a:t>
+                      </a:r>
+                      <a:r>
+                        <a:rPr lang="en-US" sz="1400" b="0" i="0" kern="1200" dirty="0" err="1">
+                          <a:solidFill>
+                            <a:schemeClr val="dk1"/>
+                          </a:solidFill>
+                          <a:effectLst/>
+                          <a:latin typeface="Avenir Next LT Pro Light" panose="020B0304020202020204" pitchFamily="34" charset="0"/>
+                          <a:ea typeface="+mn-ea"/>
+                          <a:cs typeface="+mn-cs"/>
+                        </a:rPr>
+                        <a:t>Kontrolle</a:t>
+                      </a:r>
+                      <a:endParaRPr lang="en-US" sz="1400" b="0" i="0" kern="1200" dirty="0">
+                        <a:solidFill>
+                          <a:schemeClr val="dk1"/>
+                        </a:solidFill>
+                        <a:effectLst/>
+                        <a:latin typeface="+mn-lt"/>
+                        <a:ea typeface="+mn-ea"/>
+                        <a:cs typeface="+mn-cs"/>
+                      </a:endParaRPr>
+                    </a:p>
+                    <a:p>
+                      <a:pPr marL="0" marR="0" lvl="0" indent="0" algn="ctr" defTabSz="914400" rtl="0" eaLnBrk="1" fontAlgn="auto" latinLnBrk="0" hangingPunct="1">
+                        <a:lnSpc>
+                          <a:spcPct val="100000"/>
+                        </a:lnSpc>
+                        <a:spcBef>
+                          <a:spcPts val="0"/>
+                        </a:spcBef>
+                        <a:spcAft>
+                          <a:spcPts val="0"/>
+                        </a:spcAft>
+                        <a:buClrTx/>
+                        <a:buSzTx/>
+                        <a:buFontTx/>
+                        <a:buNone/>
+                        <a:tabLst/>
+                        <a:defRPr/>
+                      </a:pPr>
+                      <a:r>
+                        <a:rPr lang="en-US" sz="1400" b="0" i="0" kern="1200" dirty="0">
+                          <a:solidFill>
+                            <a:schemeClr val="dk1"/>
+                          </a:solidFill>
+                          <a:effectLst/>
+                          <a:latin typeface="+mn-lt"/>
+                          <a:ea typeface="+mn-ea"/>
+                          <a:cs typeface="+mn-cs"/>
+                        </a:rPr>
+                        <a:t>👍 </a:t>
+                      </a:r>
+                      <a:r>
+                        <a:rPr lang="en-US" sz="1400" b="0" i="0" kern="1200" dirty="0" err="1">
+                          <a:solidFill>
+                            <a:schemeClr val="dk1"/>
+                          </a:solidFill>
+                          <a:effectLst/>
+                          <a:latin typeface="Avenir Next LT Pro Light" panose="020B0304020202020204" pitchFamily="34" charset="0"/>
+                          <a:ea typeface="+mn-ea"/>
+                          <a:cs typeface="+mn-cs"/>
+                        </a:rPr>
+                        <a:t>Gute</a:t>
+                      </a:r>
+                      <a:r>
+                        <a:rPr lang="en-US" sz="1400" b="0" i="0" kern="1200" dirty="0">
+                          <a:solidFill>
+                            <a:schemeClr val="dk1"/>
+                          </a:solidFill>
+                          <a:effectLst/>
+                          <a:latin typeface="Avenir Next LT Pro Light" panose="020B0304020202020204" pitchFamily="34" charset="0"/>
+                          <a:ea typeface="+mn-ea"/>
+                          <a:cs typeface="+mn-cs"/>
+                        </a:rPr>
+                        <a:t> </a:t>
+                      </a:r>
+                      <a:r>
+                        <a:rPr lang="en-US" sz="1400" b="0" i="0" kern="1200" dirty="0" err="1">
+                          <a:solidFill>
+                            <a:schemeClr val="dk1"/>
+                          </a:solidFill>
+                          <a:effectLst/>
+                          <a:latin typeface="Avenir Next LT Pro Light" panose="020B0304020202020204" pitchFamily="34" charset="0"/>
+                          <a:ea typeface="+mn-ea"/>
+                          <a:cs typeface="+mn-cs"/>
+                        </a:rPr>
+                        <a:t>Preis-Leistung</a:t>
+                      </a:r>
+                      <a:endParaRPr lang="en-US" sz="1400" b="0" i="0" kern="1200" dirty="0">
+                        <a:solidFill>
+                          <a:schemeClr val="dk1"/>
+                        </a:solidFill>
+                        <a:effectLst/>
+                        <a:latin typeface="+mn-lt"/>
+                        <a:ea typeface="+mn-ea"/>
+                        <a:cs typeface="+mn-cs"/>
+                      </a:endParaRPr>
+                    </a:p>
+                  </a:txBody>
+                  <a:tcPr/>
+                </a:tc>
+                <a:tc>
+                  <a:txBody>
+                    <a:bodyPr/>
+                    <a:lstStyle/>
+                    <a:p>
+                      <a:pPr marL="0" marR="0" lvl="0" indent="0" algn="ctr" defTabSz="914400" rtl="0" eaLnBrk="1" fontAlgn="auto" latinLnBrk="0" hangingPunct="1">
+                        <a:lnSpc>
+                          <a:spcPct val="100000"/>
+                        </a:lnSpc>
+                        <a:spcBef>
+                          <a:spcPts val="0"/>
+                        </a:spcBef>
+                        <a:spcAft>
+                          <a:spcPts val="0"/>
+                        </a:spcAft>
+                        <a:buClrTx/>
+                        <a:buSzTx/>
+                        <a:buFontTx/>
+                        <a:buNone/>
+                        <a:tabLst/>
+                        <a:defRPr/>
+                      </a:pPr>
+                      <a:r>
+                        <a:rPr lang="en-US" sz="1400" b="0" i="0" kern="1200" dirty="0">
+                          <a:solidFill>
+                            <a:schemeClr val="dk1"/>
+                          </a:solidFill>
+                          <a:effectLst/>
+                          <a:latin typeface="+mn-lt"/>
+                          <a:ea typeface="+mn-ea"/>
+                          <a:cs typeface="+mn-cs"/>
+                        </a:rPr>
+                        <a:t>👍 </a:t>
+                      </a:r>
+                      <a:r>
+                        <a:rPr lang="en-US" sz="1400" b="0" i="0" kern="1200" dirty="0">
+                          <a:solidFill>
+                            <a:schemeClr val="dk1"/>
+                          </a:solidFill>
+                          <a:effectLst/>
+                          <a:latin typeface="Avenir Next LT Pro Light" panose="020B0304020202020204" pitchFamily="34" charset="0"/>
+                          <a:ea typeface="+mn-ea"/>
+                          <a:cs typeface="+mn-cs"/>
+                        </a:rPr>
+                        <a:t>Schnell &amp; </a:t>
+                      </a:r>
+                      <a:r>
+                        <a:rPr lang="en-US" sz="1400" b="0" i="0" kern="1200" dirty="0" err="1">
+                          <a:solidFill>
+                            <a:schemeClr val="dk1"/>
+                          </a:solidFill>
+                          <a:effectLst/>
+                          <a:latin typeface="Avenir Next LT Pro Light" panose="020B0304020202020204" pitchFamily="34" charset="0"/>
+                          <a:ea typeface="+mn-ea"/>
+                          <a:cs typeface="+mn-cs"/>
+                        </a:rPr>
+                        <a:t>einfach</a:t>
+                      </a:r>
+                      <a:endParaRPr lang="en-US" sz="1400" b="0" i="0" kern="1200" dirty="0">
+                        <a:solidFill>
+                          <a:schemeClr val="dk1"/>
+                        </a:solidFill>
+                        <a:effectLst/>
+                        <a:latin typeface="+mn-lt"/>
+                        <a:ea typeface="+mn-ea"/>
+                        <a:cs typeface="+mn-cs"/>
+                      </a:endParaRPr>
+                    </a:p>
+                    <a:p>
+                      <a:pPr marL="0" marR="0" lvl="0" indent="0" algn="ctr" defTabSz="914400" rtl="0" eaLnBrk="1" fontAlgn="auto" latinLnBrk="0" hangingPunct="1">
+                        <a:lnSpc>
+                          <a:spcPct val="100000"/>
+                        </a:lnSpc>
+                        <a:spcBef>
+                          <a:spcPts val="0"/>
+                        </a:spcBef>
+                        <a:spcAft>
+                          <a:spcPts val="0"/>
+                        </a:spcAft>
+                        <a:buClrTx/>
+                        <a:buSzTx/>
+                        <a:buFontTx/>
+                        <a:buNone/>
+                        <a:tabLst/>
+                        <a:defRPr/>
+                      </a:pPr>
+                      <a:r>
+                        <a:rPr lang="en-US" sz="1400" b="0" i="0" kern="1200" dirty="0">
+                          <a:solidFill>
+                            <a:schemeClr val="dk1"/>
+                          </a:solidFill>
+                          <a:effectLst/>
+                          <a:latin typeface="+mn-lt"/>
+                          <a:ea typeface="+mn-ea"/>
+                          <a:cs typeface="+mn-cs"/>
+                        </a:rPr>
+                        <a:t>👍 </a:t>
+                      </a:r>
+                      <a:r>
+                        <a:rPr lang="en-US" sz="1400" b="0" i="0" kern="1200" dirty="0" err="1">
+                          <a:solidFill>
+                            <a:schemeClr val="dk1"/>
+                          </a:solidFill>
+                          <a:effectLst/>
+                          <a:latin typeface="Avenir Next LT Pro Light" panose="020B0304020202020204" pitchFamily="34" charset="0"/>
+                          <a:ea typeface="+mn-ea"/>
+                          <a:cs typeface="+mn-cs"/>
+                        </a:rPr>
+                        <a:t>Ausreichend</a:t>
+                      </a:r>
+                      <a:r>
+                        <a:rPr lang="en-US" sz="1400" b="0" i="0" kern="1200" dirty="0">
+                          <a:solidFill>
+                            <a:schemeClr val="dk1"/>
+                          </a:solidFill>
+                          <a:effectLst/>
+                          <a:latin typeface="Avenir Next LT Pro Light" panose="020B0304020202020204" pitchFamily="34" charset="0"/>
+                          <a:ea typeface="+mn-ea"/>
+                          <a:cs typeface="+mn-cs"/>
+                        </a:rPr>
+                        <a:t> </a:t>
+                      </a:r>
+                      <a:r>
+                        <a:rPr lang="en-US" sz="1400" b="0" i="0" kern="1200" dirty="0" err="1">
+                          <a:solidFill>
+                            <a:schemeClr val="dk1"/>
+                          </a:solidFill>
+                          <a:effectLst/>
+                          <a:latin typeface="Avenir Next LT Pro Light" panose="020B0304020202020204" pitchFamily="34" charset="0"/>
+                          <a:ea typeface="+mn-ea"/>
+                          <a:cs typeface="+mn-cs"/>
+                        </a:rPr>
+                        <a:t>Kontrolle</a:t>
+                      </a:r>
+                      <a:endParaRPr lang="en-US" sz="1400" b="0" i="0" kern="1200" dirty="0">
+                        <a:solidFill>
+                          <a:schemeClr val="dk1"/>
+                        </a:solidFill>
+                        <a:effectLst/>
+                        <a:latin typeface="+mn-lt"/>
+                        <a:ea typeface="+mn-ea"/>
+                        <a:cs typeface="+mn-cs"/>
+                      </a:endParaRPr>
+                    </a:p>
+                    <a:p>
+                      <a:pPr marL="0" marR="0" lvl="0" indent="0" algn="ctr" defTabSz="914400" rtl="0" eaLnBrk="1" fontAlgn="auto" latinLnBrk="0" hangingPunct="1">
+                        <a:lnSpc>
+                          <a:spcPct val="100000"/>
+                        </a:lnSpc>
+                        <a:spcBef>
+                          <a:spcPts val="0"/>
+                        </a:spcBef>
+                        <a:spcAft>
+                          <a:spcPts val="0"/>
+                        </a:spcAft>
+                        <a:buClrTx/>
+                        <a:buSzTx/>
+                        <a:buFontTx/>
+                        <a:buNone/>
+                        <a:tabLst/>
+                        <a:defRPr/>
+                      </a:pPr>
+                      <a:r>
+                        <a:rPr lang="en-US" sz="1400" b="0" i="0" kern="1200" dirty="0">
+                          <a:solidFill>
+                            <a:schemeClr val="dk1"/>
+                          </a:solidFill>
+                          <a:effectLst/>
+                          <a:latin typeface="+mn-lt"/>
+                          <a:ea typeface="+mn-ea"/>
+                          <a:cs typeface="+mn-cs"/>
+                        </a:rPr>
+                        <a:t>👍 </a:t>
+                      </a:r>
+                      <a:r>
+                        <a:rPr lang="en-US" sz="1400" b="0" i="0" kern="1200" dirty="0" err="1">
+                          <a:solidFill>
+                            <a:schemeClr val="dk1"/>
+                          </a:solidFill>
+                          <a:effectLst/>
+                          <a:latin typeface="Avenir Next LT Pro Light" panose="020B0304020202020204" pitchFamily="34" charset="0"/>
+                          <a:ea typeface="+mn-ea"/>
+                          <a:cs typeface="+mn-cs"/>
+                        </a:rPr>
+                        <a:t>Gute</a:t>
+                      </a:r>
+                      <a:r>
+                        <a:rPr lang="en-US" sz="1400" b="0" i="0" kern="1200" dirty="0">
+                          <a:solidFill>
+                            <a:schemeClr val="dk1"/>
+                          </a:solidFill>
+                          <a:effectLst/>
+                          <a:latin typeface="Avenir Next LT Pro Light" panose="020B0304020202020204" pitchFamily="34" charset="0"/>
+                          <a:ea typeface="+mn-ea"/>
+                          <a:cs typeface="+mn-cs"/>
+                        </a:rPr>
+                        <a:t> </a:t>
+                      </a:r>
+                      <a:r>
+                        <a:rPr lang="en-US" sz="1400" b="0" i="0" kern="1200" dirty="0" err="1">
+                          <a:solidFill>
+                            <a:schemeClr val="dk1"/>
+                          </a:solidFill>
+                          <a:effectLst/>
+                          <a:latin typeface="Avenir Next LT Pro Light" panose="020B0304020202020204" pitchFamily="34" charset="0"/>
+                          <a:ea typeface="+mn-ea"/>
+                          <a:cs typeface="+mn-cs"/>
+                        </a:rPr>
+                        <a:t>Preis-Leistung</a:t>
+                      </a:r>
+                      <a:endParaRPr lang="en-US" sz="1400" b="0" i="0" kern="1200" dirty="0">
+                        <a:solidFill>
+                          <a:schemeClr val="dk1"/>
+                        </a:solidFill>
+                        <a:effectLst/>
+                        <a:latin typeface="+mn-lt"/>
+                        <a:ea typeface="+mn-ea"/>
+                        <a:cs typeface="+mn-cs"/>
+                      </a:endParaRPr>
+                    </a:p>
+                  </a:txBody>
+                  <a:tcPr/>
+                </a:tc>
+                <a:tc>
+                  <a:txBody>
+                    <a:bodyPr/>
+                    <a:lstStyle/>
+                    <a:p>
+                      <a:pPr marL="0" marR="0" lvl="0" indent="0" algn="ctr" defTabSz="914400" rtl="0" eaLnBrk="1" fontAlgn="auto" latinLnBrk="0" hangingPunct="1">
+                        <a:lnSpc>
+                          <a:spcPct val="100000"/>
+                        </a:lnSpc>
+                        <a:spcBef>
+                          <a:spcPts val="0"/>
+                        </a:spcBef>
+                        <a:spcAft>
+                          <a:spcPts val="0"/>
+                        </a:spcAft>
+                        <a:buClrTx/>
+                        <a:buSzTx/>
+                        <a:buFontTx/>
+                        <a:buNone/>
+                        <a:tabLst/>
+                        <a:defRPr/>
+                      </a:pPr>
+                      <a:r>
+                        <a:rPr lang="en-US" sz="1400" b="0" i="0" kern="1200" dirty="0">
+                          <a:solidFill>
+                            <a:schemeClr val="dk1"/>
+                          </a:solidFill>
+                          <a:effectLst/>
+                          <a:latin typeface="+mn-lt"/>
+                          <a:ea typeface="+mn-ea"/>
+                          <a:cs typeface="+mn-cs"/>
+                        </a:rPr>
+                        <a:t>👍 </a:t>
+                      </a:r>
+                      <a:r>
+                        <a:rPr lang="en-US" sz="1400" b="0" i="0" kern="1200" dirty="0" err="1">
+                          <a:solidFill>
+                            <a:schemeClr val="dk1"/>
+                          </a:solidFill>
+                          <a:effectLst/>
+                          <a:latin typeface="Avenir Next LT Pro Light" panose="020B0304020202020204" pitchFamily="34" charset="0"/>
+                          <a:ea typeface="+mn-ea"/>
+                          <a:cs typeface="+mn-cs"/>
+                        </a:rPr>
+                        <a:t>kostenlos</a:t>
+                      </a:r>
+                      <a:endParaRPr lang="en-US" sz="1400" b="0" i="0" kern="1200" dirty="0">
+                        <a:solidFill>
+                          <a:schemeClr val="dk1"/>
+                        </a:solidFill>
+                        <a:effectLst/>
+                        <a:latin typeface="+mn-lt"/>
+                        <a:ea typeface="+mn-ea"/>
+                        <a:cs typeface="+mn-cs"/>
+                      </a:endParaRPr>
+                    </a:p>
+                    <a:p>
+                      <a:pPr algn="ctr"/>
+                      <a:endParaRPr lang="en-US" sz="1400" dirty="0">
+                        <a:latin typeface="Avenir Next LT Pro Light" panose="020B0304020202020204" pitchFamily="34" charset="0"/>
+                      </a:endParaRPr>
+                    </a:p>
+                  </a:txBody>
+                  <a:tcPr/>
+                </a:tc>
+                <a:extLst>
+                  <a:ext uri="{0D108BD9-81ED-4DB2-BD59-A6C34878D82A}">
+                    <a16:rowId xmlns:a16="http://schemas.microsoft.com/office/drawing/2014/main" val="1652636995"/>
+                  </a:ext>
+                </a:extLst>
+              </a:tr>
+              <a:tr h="370840">
+                <a:tc>
+                  <a:txBody>
+                    <a:bodyPr/>
+                    <a:lstStyle/>
+                    <a:p>
+                      <a:pPr algn="ctr"/>
+                      <a:r>
+                        <a:rPr lang="en-US" sz="1400" b="0" i="0" kern="1200" dirty="0">
+                          <a:solidFill>
+                            <a:schemeClr val="dk1"/>
+                          </a:solidFill>
+                          <a:effectLst/>
+                          <a:latin typeface="+mn-lt"/>
+                          <a:ea typeface="+mn-ea"/>
+                          <a:cs typeface="+mn-cs"/>
+                        </a:rPr>
+                        <a:t>👎 </a:t>
+                      </a:r>
+                      <a:r>
+                        <a:rPr lang="en-US" sz="1400" b="0" i="0" kern="1200" dirty="0" err="1">
+                          <a:solidFill>
+                            <a:schemeClr val="dk1"/>
+                          </a:solidFill>
+                          <a:effectLst/>
+                          <a:latin typeface="Avenir Next LT Pro Light" panose="020B0304020202020204" pitchFamily="34" charset="0"/>
+                          <a:ea typeface="+mn-ea"/>
+                          <a:cs typeface="+mn-cs"/>
+                        </a:rPr>
+                        <a:t>Unnötig</a:t>
+                      </a:r>
+                      <a:r>
+                        <a:rPr lang="en-US" sz="1400" b="0" i="0" kern="1200" dirty="0">
+                          <a:solidFill>
+                            <a:schemeClr val="dk1"/>
+                          </a:solidFill>
+                          <a:effectLst/>
+                          <a:latin typeface="Avenir Next LT Pro Light" panose="020B0304020202020204" pitchFamily="34" charset="0"/>
+                          <a:ea typeface="+mn-ea"/>
+                          <a:cs typeface="+mn-cs"/>
+                        </a:rPr>
+                        <a:t> </a:t>
+                      </a:r>
+                      <a:r>
+                        <a:rPr lang="en-US" sz="1400" b="0" i="0" kern="1200" dirty="0" err="1">
+                          <a:solidFill>
+                            <a:schemeClr val="dk1"/>
+                          </a:solidFill>
+                          <a:effectLst/>
+                          <a:latin typeface="Avenir Next LT Pro Light" panose="020B0304020202020204" pitchFamily="34" charset="0"/>
+                          <a:ea typeface="+mn-ea"/>
+                          <a:cs typeface="+mn-cs"/>
+                        </a:rPr>
+                        <a:t>viel</a:t>
+                      </a:r>
+                      <a:r>
+                        <a:rPr lang="en-US" sz="1400" b="0" i="0" kern="1200" dirty="0">
+                          <a:solidFill>
+                            <a:schemeClr val="dk1"/>
+                          </a:solidFill>
+                          <a:effectLst/>
+                          <a:latin typeface="Avenir Next LT Pro Light" panose="020B0304020202020204" pitchFamily="34" charset="0"/>
+                          <a:ea typeface="+mn-ea"/>
+                          <a:cs typeface="+mn-cs"/>
+                        </a:rPr>
+                        <a:t> </a:t>
+                      </a:r>
+                      <a:r>
+                        <a:rPr lang="en-US" sz="1400" b="0" i="0" kern="1200" dirty="0" err="1">
+                          <a:solidFill>
+                            <a:schemeClr val="dk1"/>
+                          </a:solidFill>
+                          <a:effectLst/>
+                          <a:latin typeface="Avenir Next LT Pro Light" panose="020B0304020202020204" pitchFamily="34" charset="0"/>
+                          <a:ea typeface="+mn-ea"/>
+                          <a:cs typeface="+mn-cs"/>
+                        </a:rPr>
+                        <a:t>Kontrolle</a:t>
+                      </a:r>
+                      <a:endParaRPr lang="en-US" sz="1400" b="0" i="0" kern="1200" dirty="0">
+                        <a:solidFill>
+                          <a:schemeClr val="dk1"/>
+                        </a:solidFill>
+                        <a:effectLst/>
+                        <a:latin typeface="Avenir Next LT Pro Light" panose="020B0304020202020204" pitchFamily="34" charset="0"/>
+                        <a:ea typeface="+mn-ea"/>
+                        <a:cs typeface="+mn-cs"/>
+                      </a:endParaRPr>
+                    </a:p>
+                    <a:p>
+                      <a:pPr marL="0" marR="0" lvl="0" indent="0" algn="ctr" defTabSz="914400" rtl="0" eaLnBrk="1" fontAlgn="auto" latinLnBrk="0" hangingPunct="1">
+                        <a:lnSpc>
+                          <a:spcPct val="100000"/>
+                        </a:lnSpc>
+                        <a:spcBef>
+                          <a:spcPts val="0"/>
+                        </a:spcBef>
+                        <a:spcAft>
+                          <a:spcPts val="0"/>
+                        </a:spcAft>
+                        <a:buClrTx/>
+                        <a:buSzTx/>
+                        <a:buFontTx/>
+                        <a:buNone/>
+                        <a:tabLst/>
+                        <a:defRPr/>
+                      </a:pPr>
+                      <a:r>
+                        <a:rPr lang="en-US" sz="1400" b="0" i="0" kern="1200" dirty="0">
+                          <a:solidFill>
+                            <a:schemeClr val="dk1"/>
+                          </a:solidFill>
+                          <a:effectLst/>
+                          <a:latin typeface="+mn-lt"/>
+                          <a:ea typeface="+mn-ea"/>
+                          <a:cs typeface="+mn-cs"/>
+                        </a:rPr>
+                        <a:t>👎 </a:t>
+                      </a:r>
+                      <a:r>
+                        <a:rPr lang="en-US" sz="1400" b="0" i="0" kern="1200" dirty="0" err="1">
+                          <a:solidFill>
+                            <a:schemeClr val="dk1"/>
+                          </a:solidFill>
+                          <a:effectLst/>
+                          <a:latin typeface="Avenir Next LT Pro Light" panose="020B0304020202020204" pitchFamily="34" charset="0"/>
+                          <a:ea typeface="+mn-ea"/>
+                          <a:cs typeface="+mn-cs"/>
+                        </a:rPr>
+                        <a:t>Relativ</a:t>
+                      </a:r>
+                      <a:r>
+                        <a:rPr lang="en-US" sz="1400" b="0" i="0" kern="1200" dirty="0">
+                          <a:solidFill>
+                            <a:schemeClr val="dk1"/>
+                          </a:solidFill>
+                          <a:effectLst/>
+                          <a:latin typeface="Avenir Next LT Pro Light" panose="020B0304020202020204" pitchFamily="34" charset="0"/>
+                          <a:ea typeface="+mn-ea"/>
+                          <a:cs typeface="+mn-cs"/>
+                        </a:rPr>
+                        <a:t> </a:t>
+                      </a:r>
+                      <a:r>
+                        <a:rPr lang="en-US" sz="1400" b="0" i="0" kern="1200" dirty="0" err="1">
+                          <a:solidFill>
+                            <a:schemeClr val="dk1"/>
+                          </a:solidFill>
+                          <a:effectLst/>
+                          <a:latin typeface="Avenir Next LT Pro Light" panose="020B0304020202020204" pitchFamily="34" charset="0"/>
+                          <a:ea typeface="+mn-ea"/>
+                          <a:cs typeface="+mn-cs"/>
+                        </a:rPr>
+                        <a:t>teuer</a:t>
+                      </a:r>
+                      <a:endParaRPr lang="en-US" sz="1400" b="0" i="0" kern="1200" dirty="0">
+                        <a:solidFill>
+                          <a:schemeClr val="dk1"/>
+                        </a:solidFill>
+                        <a:effectLst/>
+                        <a:latin typeface="Avenir Next LT Pro Light" panose="020B0304020202020204" pitchFamily="34" charset="0"/>
+                        <a:ea typeface="+mn-ea"/>
+                        <a:cs typeface="+mn-cs"/>
+                      </a:endParaRPr>
+                    </a:p>
+                    <a:p>
+                      <a:pPr marL="0" marR="0" lvl="0" indent="0" algn="ctr" defTabSz="914400" rtl="0" eaLnBrk="1" fontAlgn="auto" latinLnBrk="0" hangingPunct="1">
+                        <a:lnSpc>
+                          <a:spcPct val="100000"/>
+                        </a:lnSpc>
+                        <a:spcBef>
+                          <a:spcPts val="0"/>
+                        </a:spcBef>
+                        <a:spcAft>
+                          <a:spcPts val="0"/>
+                        </a:spcAft>
+                        <a:buClrTx/>
+                        <a:buSzTx/>
+                        <a:buFontTx/>
+                        <a:buNone/>
+                        <a:tabLst/>
+                        <a:defRPr/>
+                      </a:pPr>
+                      <a:r>
+                        <a:rPr lang="en-US" sz="1400" b="0" i="0" kern="1200" dirty="0">
+                          <a:solidFill>
+                            <a:schemeClr val="dk1"/>
+                          </a:solidFill>
+                          <a:effectLst/>
+                          <a:latin typeface="+mn-lt"/>
+                          <a:ea typeface="+mn-ea"/>
+                          <a:cs typeface="+mn-cs"/>
+                        </a:rPr>
+                        <a:t>👎 </a:t>
+                      </a:r>
+                      <a:r>
+                        <a:rPr lang="en-US" sz="1400" b="0" i="0" kern="1200" dirty="0" err="1">
+                          <a:solidFill>
+                            <a:schemeClr val="dk1"/>
+                          </a:solidFill>
+                          <a:effectLst/>
+                          <a:latin typeface="Avenir Next LT Pro Light" panose="020B0304020202020204" pitchFamily="34" charset="0"/>
+                          <a:ea typeface="+mn-ea"/>
+                          <a:cs typeface="+mn-cs"/>
+                        </a:rPr>
+                        <a:t>Viel</a:t>
+                      </a:r>
+                      <a:r>
+                        <a:rPr lang="en-US" sz="1400" b="0" i="0" kern="1200" dirty="0">
+                          <a:solidFill>
+                            <a:schemeClr val="dk1"/>
+                          </a:solidFill>
+                          <a:effectLst/>
+                          <a:latin typeface="Avenir Next LT Pro Light" panose="020B0304020202020204" pitchFamily="34" charset="0"/>
+                          <a:ea typeface="+mn-ea"/>
+                          <a:cs typeface="+mn-cs"/>
+                        </a:rPr>
+                        <a:t> </a:t>
+                      </a:r>
+                      <a:r>
+                        <a:rPr lang="en-US" sz="1400" b="0" i="0" kern="1200" dirty="0" err="1">
+                          <a:solidFill>
+                            <a:schemeClr val="dk1"/>
+                          </a:solidFill>
+                          <a:effectLst/>
+                          <a:latin typeface="Avenir Next LT Pro Light" panose="020B0304020202020204" pitchFamily="34" charset="0"/>
+                          <a:ea typeface="+mn-ea"/>
+                          <a:cs typeface="+mn-cs"/>
+                        </a:rPr>
+                        <a:t>manuelle</a:t>
+                      </a:r>
+                      <a:r>
+                        <a:rPr lang="en-US" sz="1400" b="0" i="0" kern="1200" dirty="0">
+                          <a:solidFill>
+                            <a:schemeClr val="dk1"/>
+                          </a:solidFill>
+                          <a:effectLst/>
+                          <a:latin typeface="Avenir Next LT Pro Light" panose="020B0304020202020204" pitchFamily="34" charset="0"/>
+                          <a:ea typeface="+mn-ea"/>
+                          <a:cs typeface="+mn-cs"/>
+                        </a:rPr>
+                        <a:t> Arbeit</a:t>
+                      </a:r>
+                      <a:endParaRPr lang="en-US" sz="1400" b="0" i="0" kern="1200" dirty="0">
+                        <a:solidFill>
+                          <a:schemeClr val="dk1"/>
+                        </a:solidFill>
+                        <a:effectLst/>
+                        <a:latin typeface="+mn-lt"/>
+                        <a:ea typeface="+mn-ea"/>
+                        <a:cs typeface="+mn-cs"/>
+                      </a:endParaRPr>
+                    </a:p>
+                  </a:txBody>
+                  <a:tcPr/>
+                </a:tc>
+                <a:tc>
+                  <a:txBody>
+                    <a:bodyPr/>
+                    <a:lstStyle/>
+                    <a:p>
+                      <a:pPr marL="0" marR="0" lvl="0" indent="0" algn="ctr" defTabSz="914400" rtl="0" eaLnBrk="1" fontAlgn="auto" latinLnBrk="0" hangingPunct="1">
+                        <a:lnSpc>
+                          <a:spcPct val="100000"/>
+                        </a:lnSpc>
+                        <a:spcBef>
+                          <a:spcPts val="0"/>
+                        </a:spcBef>
+                        <a:spcAft>
+                          <a:spcPts val="0"/>
+                        </a:spcAft>
+                        <a:buClrTx/>
+                        <a:buSzTx/>
+                        <a:buFontTx/>
+                        <a:buNone/>
+                        <a:tabLst/>
+                        <a:defRPr/>
+                      </a:pPr>
+                      <a:r>
+                        <a:rPr lang="en-US" sz="1400" b="0" i="0" kern="1200" dirty="0">
+                          <a:solidFill>
+                            <a:schemeClr val="dk1"/>
+                          </a:solidFill>
+                          <a:effectLst/>
+                          <a:latin typeface="+mn-lt"/>
+                          <a:ea typeface="+mn-ea"/>
+                          <a:cs typeface="+mn-cs"/>
+                        </a:rPr>
+                        <a:t>👎 </a:t>
+                      </a:r>
+                      <a:r>
+                        <a:rPr lang="en-US" sz="1400" b="0" i="0" kern="1200" dirty="0" err="1">
+                          <a:solidFill>
+                            <a:schemeClr val="dk1"/>
+                          </a:solidFill>
+                          <a:effectLst/>
+                          <a:latin typeface="Avenir Next LT Pro Light" panose="020B0304020202020204" pitchFamily="34" charset="0"/>
+                          <a:ea typeface="+mn-ea"/>
+                          <a:cs typeface="+mn-cs"/>
+                        </a:rPr>
+                        <a:t>Keine</a:t>
+                      </a:r>
+                      <a:r>
+                        <a:rPr lang="en-US" sz="1400" b="0" i="0" kern="1200" dirty="0">
+                          <a:solidFill>
+                            <a:schemeClr val="dk1"/>
+                          </a:solidFill>
+                          <a:effectLst/>
+                          <a:latin typeface="Avenir Next LT Pro Light" panose="020B0304020202020204" pitchFamily="34" charset="0"/>
+                          <a:ea typeface="+mn-ea"/>
+                          <a:cs typeface="+mn-cs"/>
+                        </a:rPr>
+                        <a:t> </a:t>
+                      </a:r>
+                      <a:r>
+                        <a:rPr lang="en-US" sz="1400" b="0" i="0" kern="1200" dirty="0" err="1">
+                          <a:solidFill>
+                            <a:schemeClr val="dk1"/>
+                          </a:solidFill>
+                          <a:effectLst/>
+                          <a:latin typeface="Avenir Next LT Pro Light" panose="020B0304020202020204" pitchFamily="34" charset="0"/>
+                          <a:ea typeface="+mn-ea"/>
+                          <a:cs typeface="+mn-cs"/>
+                        </a:rPr>
+                        <a:t>volle</a:t>
+                      </a:r>
+                      <a:r>
+                        <a:rPr lang="en-US" sz="1400" b="0" i="0" kern="1200" dirty="0">
+                          <a:solidFill>
+                            <a:schemeClr val="dk1"/>
+                          </a:solidFill>
+                          <a:effectLst/>
+                          <a:latin typeface="Avenir Next LT Pro Light" panose="020B0304020202020204" pitchFamily="34" charset="0"/>
+                          <a:ea typeface="+mn-ea"/>
+                          <a:cs typeface="+mn-cs"/>
+                        </a:rPr>
+                        <a:t> </a:t>
+                      </a:r>
+                      <a:r>
+                        <a:rPr lang="en-US" sz="1400" b="0" i="0" kern="1200" dirty="0" err="1">
+                          <a:solidFill>
+                            <a:schemeClr val="dk1"/>
+                          </a:solidFill>
+                          <a:effectLst/>
+                          <a:latin typeface="Avenir Next LT Pro Light" panose="020B0304020202020204" pitchFamily="34" charset="0"/>
+                          <a:ea typeface="+mn-ea"/>
+                          <a:cs typeface="+mn-cs"/>
+                        </a:rPr>
+                        <a:t>Kontrolle</a:t>
+                      </a:r>
+                      <a:endParaRPr lang="en-US" sz="1400" b="0" i="0" kern="1200" dirty="0">
+                        <a:solidFill>
+                          <a:schemeClr val="dk1"/>
+                        </a:solidFill>
+                        <a:effectLst/>
+                        <a:latin typeface="Avenir Next LT Pro Light" panose="020B0304020202020204" pitchFamily="34" charset="0"/>
+                        <a:ea typeface="+mn-ea"/>
+                        <a:cs typeface="+mn-cs"/>
+                      </a:endParaRPr>
+                    </a:p>
+                    <a:p>
+                      <a:pPr marL="0" marR="0" lvl="0" indent="0" algn="ctr" defTabSz="914400" rtl="0" eaLnBrk="1" fontAlgn="auto" latinLnBrk="0" hangingPunct="1">
+                        <a:lnSpc>
+                          <a:spcPct val="100000"/>
+                        </a:lnSpc>
+                        <a:spcBef>
+                          <a:spcPts val="0"/>
+                        </a:spcBef>
+                        <a:spcAft>
+                          <a:spcPts val="0"/>
+                        </a:spcAft>
+                        <a:buClrTx/>
+                        <a:buSzTx/>
+                        <a:buFontTx/>
+                        <a:buNone/>
+                        <a:tabLst/>
+                        <a:defRPr/>
+                      </a:pPr>
+                      <a:r>
+                        <a:rPr lang="en-US" sz="1400" b="0" i="0" kern="1200" dirty="0">
+                          <a:solidFill>
+                            <a:schemeClr val="dk1"/>
+                          </a:solidFill>
+                          <a:effectLst/>
+                          <a:latin typeface="+mn-lt"/>
+                          <a:ea typeface="+mn-ea"/>
+                          <a:cs typeface="+mn-cs"/>
+                        </a:rPr>
+                        <a:t>👎 </a:t>
+                      </a:r>
+                      <a:r>
+                        <a:rPr lang="en-US" sz="1400" b="0" i="0" kern="1200" dirty="0" err="1">
+                          <a:solidFill>
+                            <a:schemeClr val="dk1"/>
+                          </a:solidFill>
+                          <a:effectLst/>
+                          <a:latin typeface="Avenir Next LT Pro Light" panose="020B0304020202020204" pitchFamily="34" charset="0"/>
+                          <a:ea typeface="+mn-ea"/>
+                          <a:cs typeface="+mn-cs"/>
+                        </a:rPr>
+                        <a:t>Etwas</a:t>
+                      </a:r>
+                      <a:r>
+                        <a:rPr lang="en-US" sz="1400" b="0" i="0" kern="1200" dirty="0">
+                          <a:solidFill>
+                            <a:schemeClr val="dk1"/>
+                          </a:solidFill>
+                          <a:effectLst/>
+                          <a:latin typeface="Avenir Next LT Pro Light" panose="020B0304020202020204" pitchFamily="34" charset="0"/>
+                          <a:ea typeface="+mn-ea"/>
+                          <a:cs typeface="+mn-cs"/>
+                        </a:rPr>
+                        <a:t> </a:t>
+                      </a:r>
+                      <a:r>
+                        <a:rPr lang="en-US" sz="1400" b="0" i="0" kern="1200" dirty="0" err="1">
+                          <a:solidFill>
+                            <a:schemeClr val="dk1"/>
+                          </a:solidFill>
+                          <a:effectLst/>
+                          <a:latin typeface="Avenir Next LT Pro Light" panose="020B0304020202020204" pitchFamily="34" charset="0"/>
+                          <a:ea typeface="+mn-ea"/>
+                          <a:cs typeface="+mn-cs"/>
+                        </a:rPr>
+                        <a:t>manuelle</a:t>
+                      </a:r>
+                      <a:r>
+                        <a:rPr lang="en-US" sz="1400" b="0" i="0" kern="1200" dirty="0">
+                          <a:solidFill>
+                            <a:schemeClr val="dk1"/>
+                          </a:solidFill>
+                          <a:effectLst/>
+                          <a:latin typeface="Avenir Next LT Pro Light" panose="020B0304020202020204" pitchFamily="34" charset="0"/>
+                          <a:ea typeface="+mn-ea"/>
+                          <a:cs typeface="+mn-cs"/>
+                        </a:rPr>
+                        <a:t> Arbeit (</a:t>
+                      </a:r>
+                      <a:r>
+                        <a:rPr lang="en-US" sz="1400" b="0" i="0" kern="1200" dirty="0" err="1">
+                          <a:solidFill>
+                            <a:schemeClr val="dk1"/>
+                          </a:solidFill>
+                          <a:effectLst/>
+                          <a:latin typeface="Avenir Next LT Pro Light" panose="020B0304020202020204" pitchFamily="34" charset="0"/>
+                          <a:ea typeface="+mn-ea"/>
+                          <a:cs typeface="+mn-cs"/>
+                        </a:rPr>
+                        <a:t>mySQL</a:t>
+                      </a:r>
+                      <a:r>
+                        <a:rPr lang="en-US" sz="1400" b="0" i="0" kern="1200" dirty="0">
+                          <a:solidFill>
+                            <a:schemeClr val="dk1"/>
+                          </a:solidFill>
+                          <a:effectLst/>
+                          <a:latin typeface="Avenir Next LT Pro Light" panose="020B0304020202020204" pitchFamily="34" charset="0"/>
+                          <a:ea typeface="+mn-ea"/>
+                          <a:cs typeface="+mn-cs"/>
+                        </a:rPr>
+                        <a:t>, FTP)</a:t>
+                      </a:r>
+                      <a:endParaRPr lang="en-US" sz="1400" b="0" i="0" kern="1200" dirty="0">
+                        <a:solidFill>
+                          <a:schemeClr val="dk1"/>
+                        </a:solidFill>
+                        <a:effectLst/>
+                        <a:latin typeface="+mn-lt"/>
+                        <a:ea typeface="+mn-ea"/>
+                        <a:cs typeface="+mn-cs"/>
+                      </a:endParaRPr>
+                    </a:p>
+                  </a:txBody>
+                  <a:tcPr/>
+                </a:tc>
+                <a:tc>
+                  <a:txBody>
+                    <a:bodyPr/>
+                    <a:lstStyle/>
+                    <a:p>
+                      <a:pPr marL="0" marR="0" lvl="0" indent="0" algn="ctr" defTabSz="914400" rtl="0" eaLnBrk="1" fontAlgn="auto" latinLnBrk="0" hangingPunct="1">
+                        <a:lnSpc>
+                          <a:spcPct val="100000"/>
+                        </a:lnSpc>
+                        <a:spcBef>
+                          <a:spcPts val="0"/>
+                        </a:spcBef>
+                        <a:spcAft>
+                          <a:spcPts val="0"/>
+                        </a:spcAft>
+                        <a:buClrTx/>
+                        <a:buSzTx/>
+                        <a:buFontTx/>
+                        <a:buNone/>
+                        <a:tabLst/>
+                        <a:defRPr/>
+                      </a:pPr>
+                      <a:r>
+                        <a:rPr lang="en-US" sz="1400" b="0" i="0" kern="1200" dirty="0">
+                          <a:solidFill>
+                            <a:schemeClr val="dk1"/>
+                          </a:solidFill>
+                          <a:effectLst/>
+                          <a:latin typeface="+mn-lt"/>
+                          <a:ea typeface="+mn-ea"/>
+                          <a:cs typeface="+mn-cs"/>
+                        </a:rPr>
+                        <a:t>👎 </a:t>
+                      </a:r>
+                      <a:r>
+                        <a:rPr lang="en-US" sz="1400" b="0" i="0" kern="1200" dirty="0" err="1">
+                          <a:solidFill>
+                            <a:schemeClr val="dk1"/>
+                          </a:solidFill>
+                          <a:effectLst/>
+                          <a:latin typeface="Avenir Next LT Pro Light" panose="020B0304020202020204" pitchFamily="34" charset="0"/>
+                          <a:ea typeface="+mn-ea"/>
+                          <a:cs typeface="+mn-cs"/>
+                        </a:rPr>
+                        <a:t>Keine</a:t>
+                      </a:r>
+                      <a:r>
+                        <a:rPr lang="en-US" sz="1400" b="0" i="0" kern="1200" dirty="0">
+                          <a:solidFill>
+                            <a:schemeClr val="dk1"/>
+                          </a:solidFill>
+                          <a:effectLst/>
+                          <a:latin typeface="Avenir Next LT Pro Light" panose="020B0304020202020204" pitchFamily="34" charset="0"/>
+                          <a:ea typeface="+mn-ea"/>
+                          <a:cs typeface="+mn-cs"/>
+                        </a:rPr>
+                        <a:t> </a:t>
+                      </a:r>
+                      <a:r>
+                        <a:rPr lang="en-US" sz="1400" b="0" i="0" kern="1200" dirty="0" err="1">
+                          <a:solidFill>
+                            <a:schemeClr val="dk1"/>
+                          </a:solidFill>
+                          <a:effectLst/>
+                          <a:latin typeface="Avenir Next LT Pro Light" panose="020B0304020202020204" pitchFamily="34" charset="0"/>
+                          <a:ea typeface="+mn-ea"/>
+                          <a:cs typeface="+mn-cs"/>
+                        </a:rPr>
+                        <a:t>volle</a:t>
+                      </a:r>
+                      <a:r>
+                        <a:rPr lang="en-US" sz="1400" b="0" i="0" kern="1200" dirty="0">
+                          <a:solidFill>
+                            <a:schemeClr val="dk1"/>
+                          </a:solidFill>
+                          <a:effectLst/>
+                          <a:latin typeface="Avenir Next LT Pro Light" panose="020B0304020202020204" pitchFamily="34" charset="0"/>
+                          <a:ea typeface="+mn-ea"/>
+                          <a:cs typeface="+mn-cs"/>
+                        </a:rPr>
+                        <a:t> </a:t>
+                      </a:r>
+                      <a:r>
+                        <a:rPr lang="en-US" sz="1400" b="0" i="0" kern="1200" dirty="0" err="1">
+                          <a:solidFill>
+                            <a:schemeClr val="dk1"/>
+                          </a:solidFill>
+                          <a:effectLst/>
+                          <a:latin typeface="Avenir Next LT Pro Light" panose="020B0304020202020204" pitchFamily="34" charset="0"/>
+                          <a:ea typeface="+mn-ea"/>
+                          <a:cs typeface="+mn-cs"/>
+                        </a:rPr>
+                        <a:t>Kontrolle</a:t>
+                      </a:r>
+                      <a:endParaRPr lang="en-US" sz="1400" b="0" i="0" kern="1200" dirty="0">
+                        <a:solidFill>
+                          <a:schemeClr val="dk1"/>
+                        </a:solidFill>
+                        <a:effectLst/>
+                        <a:latin typeface="Avenir Next LT Pro Light" panose="020B0304020202020204" pitchFamily="34" charset="0"/>
+                        <a:ea typeface="+mn-ea"/>
+                        <a:cs typeface="+mn-cs"/>
+                      </a:endParaRPr>
+                    </a:p>
+                    <a:p>
+                      <a:pPr marL="0" marR="0" lvl="0" indent="0" algn="ctr" defTabSz="914400" rtl="0" eaLnBrk="1" fontAlgn="auto" latinLnBrk="0" hangingPunct="1">
+                        <a:lnSpc>
+                          <a:spcPct val="100000"/>
+                        </a:lnSpc>
+                        <a:spcBef>
+                          <a:spcPts val="0"/>
+                        </a:spcBef>
+                        <a:spcAft>
+                          <a:spcPts val="0"/>
+                        </a:spcAft>
+                        <a:buClrTx/>
+                        <a:buSzTx/>
+                        <a:buFontTx/>
+                        <a:buNone/>
+                        <a:tabLst/>
+                        <a:defRPr/>
+                      </a:pPr>
+                      <a:r>
+                        <a:rPr lang="en-US" sz="1400" b="0" i="0" kern="1200" dirty="0">
+                          <a:solidFill>
+                            <a:schemeClr val="dk1"/>
+                          </a:solidFill>
+                          <a:effectLst/>
+                          <a:latin typeface="+mn-lt"/>
+                          <a:ea typeface="+mn-ea"/>
+                          <a:cs typeface="+mn-cs"/>
+                        </a:rPr>
+                        <a:t>👎 </a:t>
+                      </a:r>
+                      <a:r>
+                        <a:rPr lang="en-US" sz="1400" b="0" i="0" kern="1200" dirty="0" err="1">
+                          <a:solidFill>
+                            <a:schemeClr val="dk1"/>
+                          </a:solidFill>
+                          <a:effectLst/>
+                          <a:latin typeface="Avenir Next LT Pro Light" panose="020B0304020202020204" pitchFamily="34" charset="0"/>
+                          <a:ea typeface="+mn-ea"/>
+                          <a:cs typeface="+mn-cs"/>
+                        </a:rPr>
+                        <a:t>Teurer</a:t>
+                      </a:r>
+                      <a:r>
+                        <a:rPr lang="en-US" sz="1400" b="0" i="0" kern="1200" dirty="0">
+                          <a:solidFill>
+                            <a:schemeClr val="dk1"/>
+                          </a:solidFill>
+                          <a:effectLst/>
+                          <a:latin typeface="Avenir Next LT Pro Light" panose="020B0304020202020204" pitchFamily="34" charset="0"/>
+                          <a:ea typeface="+mn-ea"/>
+                          <a:cs typeface="+mn-cs"/>
+                        </a:rPr>
+                        <a:t> </a:t>
+                      </a:r>
+                      <a:r>
+                        <a:rPr lang="en-US" sz="1400" b="0" i="0" kern="1200" dirty="0" err="1">
+                          <a:solidFill>
+                            <a:schemeClr val="dk1"/>
+                          </a:solidFill>
+                          <a:effectLst/>
+                          <a:latin typeface="Avenir Next LT Pro Light" panose="020B0304020202020204" pitchFamily="34" charset="0"/>
+                          <a:ea typeface="+mn-ea"/>
+                          <a:cs typeface="+mn-cs"/>
+                        </a:rPr>
+                        <a:t>nach</a:t>
+                      </a:r>
+                      <a:r>
+                        <a:rPr lang="en-US" sz="1400" b="0" i="0" kern="1200" dirty="0">
+                          <a:solidFill>
+                            <a:schemeClr val="dk1"/>
+                          </a:solidFill>
+                          <a:effectLst/>
+                          <a:latin typeface="Avenir Next LT Pro Light" panose="020B0304020202020204" pitchFamily="34" charset="0"/>
+                          <a:ea typeface="+mn-ea"/>
+                          <a:cs typeface="+mn-cs"/>
+                        </a:rPr>
+                        <a:t> </a:t>
+                      </a:r>
+                      <a:r>
+                        <a:rPr lang="en-US" sz="1400" b="0" i="0" kern="1200" dirty="0" err="1">
+                          <a:solidFill>
+                            <a:schemeClr val="dk1"/>
+                          </a:solidFill>
+                          <a:effectLst/>
+                          <a:latin typeface="Avenir Next LT Pro Light" panose="020B0304020202020204" pitchFamily="34" charset="0"/>
+                          <a:ea typeface="+mn-ea"/>
+                          <a:cs typeface="+mn-cs"/>
+                        </a:rPr>
+                        <a:t>einem</a:t>
+                      </a:r>
+                      <a:r>
+                        <a:rPr lang="en-US" sz="1400" b="0" i="0" kern="1200" dirty="0">
+                          <a:solidFill>
+                            <a:schemeClr val="dk1"/>
+                          </a:solidFill>
+                          <a:effectLst/>
+                          <a:latin typeface="Avenir Next LT Pro Light" panose="020B0304020202020204" pitchFamily="34" charset="0"/>
+                          <a:ea typeface="+mn-ea"/>
+                          <a:cs typeface="+mn-cs"/>
+                        </a:rPr>
+                        <a:t> </a:t>
+                      </a:r>
+                      <a:r>
+                        <a:rPr lang="en-US" sz="1400" b="0" i="0" kern="1200" dirty="0" err="1">
+                          <a:solidFill>
+                            <a:schemeClr val="dk1"/>
+                          </a:solidFill>
+                          <a:effectLst/>
+                          <a:latin typeface="Avenir Next LT Pro Light" panose="020B0304020202020204" pitchFamily="34" charset="0"/>
+                          <a:ea typeface="+mn-ea"/>
+                          <a:cs typeface="+mn-cs"/>
+                        </a:rPr>
+                        <a:t>Jahr</a:t>
+                      </a:r>
+                      <a:endParaRPr lang="en-US" sz="1400" b="0" i="0" kern="1200" dirty="0">
+                        <a:solidFill>
+                          <a:schemeClr val="dk1"/>
+                        </a:solidFill>
+                        <a:effectLst/>
+                        <a:latin typeface="Avenir Next LT Pro Light" panose="020B0304020202020204" pitchFamily="34" charset="0"/>
+                        <a:ea typeface="+mn-ea"/>
+                        <a:cs typeface="+mn-cs"/>
+                      </a:endParaRPr>
+                    </a:p>
+                  </a:txBody>
+                  <a:tcPr/>
+                </a:tc>
+                <a:tc>
+                  <a:txBody>
+                    <a:bodyPr/>
+                    <a:lstStyle/>
+                    <a:p>
+                      <a:pPr marL="0" marR="0" lvl="0" indent="0" algn="ctr" defTabSz="914400" rtl="0" eaLnBrk="1" fontAlgn="auto" latinLnBrk="0" hangingPunct="1">
+                        <a:lnSpc>
+                          <a:spcPct val="100000"/>
+                        </a:lnSpc>
+                        <a:spcBef>
+                          <a:spcPts val="0"/>
+                        </a:spcBef>
+                        <a:spcAft>
+                          <a:spcPts val="0"/>
+                        </a:spcAft>
+                        <a:buClrTx/>
+                        <a:buSzTx/>
+                        <a:buFontTx/>
+                        <a:buNone/>
+                        <a:tabLst/>
+                        <a:defRPr/>
+                      </a:pPr>
+                      <a:r>
+                        <a:rPr lang="en-US" sz="1400" b="0" i="0" kern="1200" dirty="0">
+                          <a:solidFill>
+                            <a:schemeClr val="dk1"/>
+                          </a:solidFill>
+                          <a:effectLst/>
+                          <a:latin typeface="+mn-lt"/>
+                          <a:ea typeface="+mn-ea"/>
+                          <a:cs typeface="+mn-cs"/>
+                        </a:rPr>
+                        <a:t>👎 </a:t>
+                      </a:r>
+                      <a:r>
+                        <a:rPr lang="en-US" sz="1400" b="0" i="0" kern="1200" dirty="0">
+                          <a:solidFill>
+                            <a:schemeClr val="dk1"/>
+                          </a:solidFill>
+                          <a:effectLst/>
+                          <a:latin typeface="Avenir Next LT Pro Light" panose="020B0304020202020204" pitchFamily="34" charset="0"/>
+                          <a:ea typeface="+mn-ea"/>
+                          <a:cs typeface="+mn-cs"/>
+                        </a:rPr>
+                        <a:t>Offline (</a:t>
+                      </a:r>
+                      <a:r>
+                        <a:rPr lang="en-US" sz="1400" b="0" i="0" kern="1200" dirty="0" err="1">
+                          <a:solidFill>
+                            <a:schemeClr val="dk1"/>
+                          </a:solidFill>
+                          <a:effectLst/>
+                          <a:latin typeface="Avenir Next LT Pro Light" panose="020B0304020202020204" pitchFamily="34" charset="0"/>
+                          <a:ea typeface="+mn-ea"/>
+                          <a:cs typeface="+mn-cs"/>
+                        </a:rPr>
+                        <a:t>nur</a:t>
+                      </a:r>
+                      <a:r>
+                        <a:rPr lang="en-US" sz="1400" b="0" i="0" kern="1200" dirty="0">
+                          <a:solidFill>
+                            <a:schemeClr val="dk1"/>
+                          </a:solidFill>
+                          <a:effectLst/>
+                          <a:latin typeface="Avenir Next LT Pro Light" panose="020B0304020202020204" pitchFamily="34" charset="0"/>
+                          <a:ea typeface="+mn-ea"/>
+                          <a:cs typeface="+mn-cs"/>
+                        </a:rPr>
+                        <a:t> </a:t>
+                      </a:r>
+                      <a:r>
+                        <a:rPr lang="en-US" sz="1400" b="0" i="0" kern="1200" dirty="0" err="1">
+                          <a:solidFill>
+                            <a:schemeClr val="dk1"/>
+                          </a:solidFill>
+                          <a:effectLst/>
+                          <a:latin typeface="Avenir Next LT Pro Light" panose="020B0304020202020204" pitchFamily="34" charset="0"/>
+                          <a:ea typeface="+mn-ea"/>
+                          <a:cs typeface="+mn-cs"/>
+                        </a:rPr>
+                        <a:t>lokal</a:t>
+                      </a:r>
+                      <a:r>
+                        <a:rPr lang="en-US" sz="1400" b="0" i="0" kern="1200" dirty="0">
+                          <a:solidFill>
+                            <a:schemeClr val="dk1"/>
+                          </a:solidFill>
+                          <a:effectLst/>
+                          <a:latin typeface="Avenir Next LT Pro Light" panose="020B0304020202020204" pitchFamily="34" charset="0"/>
+                          <a:ea typeface="+mn-ea"/>
+                          <a:cs typeface="+mn-cs"/>
+                        </a:rPr>
+                        <a:t>)</a:t>
+                      </a:r>
+                    </a:p>
+                    <a:p>
+                      <a:pPr marL="0" marR="0" lvl="0" indent="0" algn="ctr" defTabSz="914400" rtl="0" eaLnBrk="1" fontAlgn="auto" latinLnBrk="0" hangingPunct="1">
+                        <a:lnSpc>
+                          <a:spcPct val="100000"/>
+                        </a:lnSpc>
+                        <a:spcBef>
+                          <a:spcPts val="0"/>
+                        </a:spcBef>
+                        <a:spcAft>
+                          <a:spcPts val="0"/>
+                        </a:spcAft>
+                        <a:buClrTx/>
+                        <a:buSzTx/>
+                        <a:buFontTx/>
+                        <a:buNone/>
+                        <a:tabLst/>
+                        <a:defRPr/>
+                      </a:pPr>
+                      <a:r>
+                        <a:rPr lang="en-US" sz="1400" b="0" i="0" kern="1200" dirty="0">
+                          <a:solidFill>
+                            <a:schemeClr val="dk1"/>
+                          </a:solidFill>
+                          <a:effectLst/>
+                          <a:latin typeface="+mn-lt"/>
+                          <a:ea typeface="+mn-ea"/>
+                          <a:cs typeface="+mn-cs"/>
+                        </a:rPr>
+                        <a:t>👎 </a:t>
+                      </a:r>
+                      <a:r>
+                        <a:rPr lang="en-US" sz="1400" b="0" i="0" kern="1200" dirty="0" err="1">
+                          <a:solidFill>
+                            <a:schemeClr val="dk1"/>
+                          </a:solidFill>
+                          <a:effectLst/>
+                          <a:latin typeface="Avenir Next LT Pro Light" panose="020B0304020202020204" pitchFamily="34" charset="0"/>
+                          <a:ea typeface="+mn-ea"/>
+                          <a:cs typeface="+mn-cs"/>
+                        </a:rPr>
+                        <a:t>Aufwendige</a:t>
+                      </a:r>
+                      <a:r>
+                        <a:rPr lang="en-US" sz="1400" b="0" i="0" kern="1200" dirty="0">
+                          <a:solidFill>
+                            <a:schemeClr val="dk1"/>
+                          </a:solidFill>
+                          <a:effectLst/>
+                          <a:latin typeface="Avenir Next LT Pro Light" panose="020B0304020202020204" pitchFamily="34" charset="0"/>
+                          <a:ea typeface="+mn-ea"/>
+                          <a:cs typeface="+mn-cs"/>
+                        </a:rPr>
+                        <a:t> Installation</a:t>
+                      </a:r>
+                    </a:p>
+                    <a:p>
+                      <a:pPr marL="0" marR="0" lvl="0" indent="0" algn="ctr" defTabSz="914400" rtl="0" eaLnBrk="1" fontAlgn="auto" latinLnBrk="0" hangingPunct="1">
+                        <a:lnSpc>
+                          <a:spcPct val="100000"/>
+                        </a:lnSpc>
+                        <a:spcBef>
+                          <a:spcPts val="0"/>
+                        </a:spcBef>
+                        <a:spcAft>
+                          <a:spcPts val="0"/>
+                        </a:spcAft>
+                        <a:buClrTx/>
+                        <a:buSzTx/>
+                        <a:buFontTx/>
+                        <a:buNone/>
+                        <a:tabLst/>
+                        <a:defRPr/>
+                      </a:pPr>
+                      <a:r>
+                        <a:rPr lang="en-US" sz="1400" b="0" i="0" kern="1200" dirty="0">
+                          <a:solidFill>
+                            <a:schemeClr val="dk1"/>
+                          </a:solidFill>
+                          <a:effectLst/>
+                          <a:latin typeface="+mn-lt"/>
+                          <a:ea typeface="+mn-ea"/>
+                          <a:cs typeface="+mn-cs"/>
+                        </a:rPr>
+                        <a:t>👎 </a:t>
+                      </a:r>
+                      <a:r>
+                        <a:rPr lang="en-US" sz="1400" b="0" i="0" kern="1200" dirty="0" err="1">
+                          <a:solidFill>
+                            <a:schemeClr val="dk1"/>
+                          </a:solidFill>
+                          <a:effectLst/>
+                          <a:latin typeface="Avenir Next LT Pro Light" panose="020B0304020202020204" pitchFamily="34" charset="0"/>
+                          <a:ea typeface="+mn-ea"/>
+                          <a:cs typeface="+mn-cs"/>
+                        </a:rPr>
+                        <a:t>Fehleranfällig</a:t>
+                      </a:r>
+                      <a:endParaRPr lang="en-US" sz="1400" b="0" i="0" kern="1200" dirty="0">
+                        <a:solidFill>
+                          <a:schemeClr val="dk1"/>
+                        </a:solidFill>
+                        <a:effectLst/>
+                        <a:latin typeface="Avenir Next LT Pro Light" panose="020B0304020202020204" pitchFamily="34" charset="0"/>
+                        <a:ea typeface="+mn-ea"/>
+                        <a:cs typeface="+mn-cs"/>
+                      </a:endParaRPr>
+                    </a:p>
+                  </a:txBody>
+                  <a:tcPr/>
+                </a:tc>
+                <a:extLst>
+                  <a:ext uri="{0D108BD9-81ED-4DB2-BD59-A6C34878D82A}">
+                    <a16:rowId xmlns:a16="http://schemas.microsoft.com/office/drawing/2014/main" val="3351722295"/>
+                  </a:ext>
+                </a:extLst>
+              </a:tr>
+              <a:tr h="370840">
+                <a:tc>
+                  <a:txBody>
+                    <a:bodyPr/>
+                    <a:lstStyle/>
+                    <a:p>
+                      <a:pPr marL="0" marR="0" lvl="0" indent="0" algn="ctr" defTabSz="914400" rtl="0" eaLnBrk="1" fontAlgn="auto" latinLnBrk="0" hangingPunct="1">
+                        <a:lnSpc>
+                          <a:spcPct val="100000"/>
+                        </a:lnSpc>
+                        <a:spcBef>
+                          <a:spcPts val="0"/>
+                        </a:spcBef>
+                        <a:spcAft>
+                          <a:spcPts val="0"/>
+                        </a:spcAft>
+                        <a:buClrTx/>
+                        <a:buSzTx/>
+                        <a:buFontTx/>
+                        <a:buNone/>
+                        <a:tabLst/>
+                        <a:defRPr/>
+                      </a:pPr>
+                      <a:r>
+                        <a:rPr lang="de-DE" sz="1400" b="0" i="0" kern="1200" dirty="0">
+                          <a:solidFill>
+                            <a:srgbClr val="FF0000"/>
+                          </a:solidFill>
+                          <a:effectLst/>
+                          <a:latin typeface="Avenir Next LT Pro Light" panose="020B0304020202020204" pitchFamily="34" charset="0"/>
+                          <a:ea typeface="+mn-ea"/>
+                          <a:cs typeface="+mn-cs"/>
+                        </a:rPr>
+                        <a:t>Keine Empfehlung (wird hier nicht behandelt)!</a:t>
+                      </a:r>
+                      <a:endParaRPr lang="en-US" sz="1400" b="0" i="0" kern="1200" dirty="0">
+                        <a:solidFill>
+                          <a:srgbClr val="FF0000"/>
+                        </a:solidFill>
+                        <a:effectLst/>
+                        <a:latin typeface="Avenir Next LT Pro Light" panose="020B0304020202020204" pitchFamily="34" charset="0"/>
+                        <a:ea typeface="+mn-ea"/>
+                        <a:cs typeface="+mn-cs"/>
+                      </a:endParaRPr>
+                    </a:p>
+                  </a:txBody>
+                  <a:tcPr/>
+                </a:tc>
+                <a:tc>
+                  <a:txBody>
+                    <a:bodyPr/>
+                    <a:lstStyle/>
+                    <a:p>
+                      <a:pPr marL="0" marR="0" lvl="0" indent="0" algn="ctr" defTabSz="914400" rtl="0" eaLnBrk="1" fontAlgn="auto" latinLnBrk="0" hangingPunct="1">
+                        <a:lnSpc>
+                          <a:spcPct val="100000"/>
+                        </a:lnSpc>
+                        <a:spcBef>
+                          <a:spcPts val="0"/>
+                        </a:spcBef>
+                        <a:spcAft>
+                          <a:spcPts val="0"/>
+                        </a:spcAft>
+                        <a:buClrTx/>
+                        <a:buSzTx/>
+                        <a:buFontTx/>
+                        <a:buNone/>
+                        <a:tabLst/>
+                        <a:defRPr/>
+                      </a:pPr>
+                      <a:r>
+                        <a:rPr lang="de-DE" sz="1400" b="0" i="0" kern="1200" dirty="0">
+                          <a:solidFill>
+                            <a:srgbClr val="00B050"/>
+                          </a:solidFill>
+                          <a:effectLst/>
+                          <a:latin typeface="Avenir Next LT Pro Light" panose="020B0304020202020204" pitchFamily="34" charset="0"/>
+                          <a:ea typeface="+mn-ea"/>
+                          <a:cs typeface="+mn-cs"/>
+                        </a:rPr>
+                        <a:t>Empfehlung für Informatiker</a:t>
+                      </a:r>
+                      <a:endParaRPr lang="en-US" sz="1400" b="0" i="0" kern="1200" dirty="0">
+                        <a:solidFill>
+                          <a:srgbClr val="00B050"/>
+                        </a:solidFill>
+                        <a:effectLst/>
+                        <a:latin typeface="Avenir Next LT Pro Light" panose="020B0304020202020204" pitchFamily="34" charset="0"/>
+                        <a:ea typeface="+mn-ea"/>
+                        <a:cs typeface="+mn-cs"/>
+                      </a:endParaRPr>
+                    </a:p>
+                  </a:txBody>
+                  <a:tcPr/>
+                </a:tc>
+                <a:tc>
+                  <a:txBody>
+                    <a:bodyPr/>
+                    <a:lstStyle/>
+                    <a:p>
+                      <a:pPr algn="ctr"/>
+                      <a:r>
+                        <a:rPr lang="de-DE" sz="1400" dirty="0">
+                          <a:solidFill>
+                            <a:srgbClr val="00B050"/>
+                          </a:solidFill>
+                          <a:latin typeface="Avenir Next LT Pro Light" panose="020B0304020202020204" pitchFamily="34" charset="0"/>
+                        </a:rPr>
+                        <a:t>Empfehlung für</a:t>
+                      </a:r>
+                      <a:br>
+                        <a:rPr lang="de-DE" sz="1400" dirty="0">
+                          <a:solidFill>
+                            <a:srgbClr val="00B050"/>
+                          </a:solidFill>
+                          <a:latin typeface="Avenir Next LT Pro Light" panose="020B0304020202020204" pitchFamily="34" charset="0"/>
+                        </a:rPr>
+                      </a:br>
+                      <a:r>
+                        <a:rPr lang="de-DE" sz="1400" dirty="0">
+                          <a:solidFill>
+                            <a:srgbClr val="00B050"/>
+                          </a:solidFill>
+                          <a:latin typeface="Avenir Next LT Pro Light" panose="020B0304020202020204" pitchFamily="34" charset="0"/>
+                        </a:rPr>
+                        <a:t>Nicht-Informatiker</a:t>
+                      </a:r>
+                      <a:endParaRPr lang="en-US" sz="1400" dirty="0">
+                        <a:solidFill>
+                          <a:srgbClr val="00B050"/>
+                        </a:solidFill>
+                        <a:latin typeface="Avenir Next LT Pro Light" panose="020B0304020202020204" pitchFamily="34" charset="0"/>
+                      </a:endParaRPr>
+                    </a:p>
+                  </a:txBody>
+                  <a:tcPr/>
+                </a:tc>
+                <a:tc>
+                  <a:txBody>
+                    <a:bodyPr/>
+                    <a:lstStyle/>
+                    <a:p>
+                      <a:pPr algn="ctr"/>
+                      <a:r>
+                        <a:rPr lang="de-DE" sz="1400" dirty="0">
+                          <a:solidFill>
+                            <a:srgbClr val="FFFF00"/>
+                          </a:solidFill>
+                          <a:latin typeface="Avenir Next LT Pro Light" panose="020B0304020202020204" pitchFamily="34" charset="0"/>
+                        </a:rPr>
+                        <a:t>Keine Empfehlung (es gibt aber eine Anleitung)!</a:t>
+                      </a:r>
+                      <a:endParaRPr lang="en-US" sz="1400" dirty="0">
+                        <a:solidFill>
+                          <a:srgbClr val="FFFF00"/>
+                        </a:solidFill>
+                        <a:latin typeface="Avenir Next LT Pro Light" panose="020B0304020202020204" pitchFamily="34" charset="0"/>
+                      </a:endParaRPr>
+                    </a:p>
+                  </a:txBody>
+                  <a:tcPr/>
+                </a:tc>
+                <a:extLst>
+                  <a:ext uri="{0D108BD9-81ED-4DB2-BD59-A6C34878D82A}">
+                    <a16:rowId xmlns:a16="http://schemas.microsoft.com/office/drawing/2014/main" val="3875466407"/>
+                  </a:ext>
+                </a:extLst>
+              </a:tr>
+            </a:tbl>
+          </a:graphicData>
+        </a:graphic>
+      </p:graphicFrame>
+    </p:spTree>
+    <p:extLst>
+      <p:ext uri="{BB962C8B-B14F-4D97-AF65-F5344CB8AC3E}">
+        <p14:creationId xmlns:p14="http://schemas.microsoft.com/office/powerpoint/2010/main" val="3934779449"/>
+      </p:ext>
+    </p:extLst>
+  </p:cSld>
+  <p:clrMapOvr>
+    <a:masterClrMapping/>
+  </p:clrMapOvr>
+</p:sld>
+</file>
+
+<file path=ppt/slides/slide5.xml><?xml version="1.0" encoding="utf-8"?>
+<p:sld xmlns:a="http://schemas.openxmlformats.org/drawingml/2006/main" xmlns:r="http://schemas.openxmlformats.org/officeDocument/2006/relationships" xmlns:p="http://schemas.openxmlformats.org/presentationml/2006/main">
+  <p:cSld>
+    <p:bg>
+      <p:bgPr>
+        <a:solidFill>
+          <a:schemeClr val="tx1">
+            <a:lumMod val="85000"/>
+            <a:lumOff val="15000"/>
+          </a:schemeClr>
+        </a:solidFill>
+        <a:effectLst/>
+      </p:bgPr>
+    </p:bg>
+    <p:spTree>
+      <p:nvGrpSpPr>
+        <p:cNvPr id="1" name=""/>
+        <p:cNvGrpSpPr/>
+        <p:nvPr/>
+      </p:nvGrpSpPr>
+      <p:grpSpPr>
+        <a:xfrm>
+          <a:off x="0" y="0"/>
+          <a:ext cx="0" cy="0"/>
+          <a:chOff x="0" y="0"/>
+          <a:chExt cx="0" cy="0"/>
+        </a:xfrm>
+      </p:grpSpPr>
+      <p:sp>
+        <p:nvSpPr>
+          <p:cNvPr id="2" name="Titel 1">
+            <a:extLst>
+              <a:ext uri="{FF2B5EF4-FFF2-40B4-BE49-F238E27FC236}">
+                <a16:creationId xmlns:a16="http://schemas.microsoft.com/office/drawing/2014/main" id="{29839E47-B2B4-43A8-A66F-1650B465DBB3}"/>
+              </a:ext>
+            </a:extLst>
+          </p:cNvPr>
+          <p:cNvSpPr>
+            <a:spLocks noGrp="1"/>
+          </p:cNvSpPr>
+          <p:nvPr>
+            <p:ph type="title"/>
+          </p:nvPr>
+        </p:nvSpPr>
+        <p:spPr/>
+        <p:txBody>
+          <a:bodyPr/>
+          <a:lstStyle/>
+          <a:p>
+            <a:r>
+              <a:rPr lang="de-DE" dirty="0">
+                <a:solidFill>
+                  <a:schemeClr val="bg1">
+                    <a:lumMod val="95000"/>
+                  </a:schemeClr>
+                </a:solidFill>
+              </a:rPr>
+              <a:t>Domain &amp; Webhosting – Anleitungen</a:t>
+            </a:r>
+            <a:endParaRPr lang="en-US" dirty="0">
+              <a:solidFill>
+                <a:schemeClr val="bg1">
+                  <a:lumMod val="95000"/>
+                </a:schemeClr>
+              </a:solidFill>
+            </a:endParaRPr>
+          </a:p>
+        </p:txBody>
+      </p:sp>
+      <p:graphicFrame>
+        <p:nvGraphicFramePr>
+          <p:cNvPr id="10" name="Diagramm 9">
+            <a:extLst>
+              <a:ext uri="{FF2B5EF4-FFF2-40B4-BE49-F238E27FC236}">
+                <a16:creationId xmlns:a16="http://schemas.microsoft.com/office/drawing/2014/main" id="{0B363433-2E30-4ACB-84E5-8EFAB29386EC}"/>
+              </a:ext>
+            </a:extLst>
+          </p:cNvPr>
+          <p:cNvGraphicFramePr/>
+          <p:nvPr>
+            <p:extLst>
+              <p:ext uri="{D42A27DB-BD31-4B8C-83A1-F6EECF244321}">
+                <p14:modId xmlns:p14="http://schemas.microsoft.com/office/powerpoint/2010/main" val="913768973"/>
+              </p:ext>
+            </p:extLst>
+          </p:nvPr>
+        </p:nvGraphicFramePr>
+        <p:xfrm>
+          <a:off x="838201" y="1690688"/>
+          <a:ext cx="10515600" cy="4447645"/>
+        </p:xfrm>
+        <a:graphic>
+          <a:graphicData uri="http://schemas.openxmlformats.org/drawingml/2006/diagram">
+            <dgm:relIds xmlns:dgm="http://schemas.openxmlformats.org/drawingml/2006/diagram" xmlns:r="http://schemas.openxmlformats.org/officeDocument/2006/relationships" r:dm="rId2" r:lo="rId3" r:qs="rId4" r:cs="rId5"/>
+          </a:graphicData>
+        </a:graphic>
+      </p:graphicFrame>
+      <p:pic>
+        <p:nvPicPr>
+          <p:cNvPr id="12" name="Grafik 11">
+            <a:extLst>
+              <a:ext uri="{FF2B5EF4-FFF2-40B4-BE49-F238E27FC236}">
+                <a16:creationId xmlns:a16="http://schemas.microsoft.com/office/drawing/2014/main" id="{1A26BFC6-44FF-401E-A635-7A49118017EB}"/>
+              </a:ext>
+            </a:extLst>
+          </p:cNvPr>
+          <p:cNvPicPr>
+            <a:picLocks noChangeAspect="1"/>
+          </p:cNvPicPr>
+          <p:nvPr/>
+        </p:nvPicPr>
+        <p:blipFill>
+          <a:blip r:embed="rId7">
+            <a:extLst>
+              <a:ext uri="{28A0092B-C50C-407E-A947-70E740481C1C}">
+                <a14:useLocalDpi xmlns:a14="http://schemas.microsoft.com/office/drawing/2010/main" val="0"/>
+              </a:ext>
+            </a:extLst>
+          </a:blip>
+          <a:stretch>
+            <a:fillRect/>
+          </a:stretch>
+        </p:blipFill>
+        <p:spPr>
+          <a:xfrm>
+            <a:off x="1503681" y="1858329"/>
+            <a:ext cx="1049866" cy="1049866"/>
+          </a:xfrm>
+          <a:prstGeom prst="rect">
+            <a:avLst/>
+          </a:prstGeom>
+        </p:spPr>
+      </p:pic>
+      <p:pic>
+        <p:nvPicPr>
+          <p:cNvPr id="14" name="Grafik 13">
+            <a:extLst>
+              <a:ext uri="{FF2B5EF4-FFF2-40B4-BE49-F238E27FC236}">
+                <a16:creationId xmlns:a16="http://schemas.microsoft.com/office/drawing/2014/main" id="{1C964010-BAA7-41C6-8FC2-AB654A1D05FA}"/>
+              </a:ext>
+            </a:extLst>
+          </p:cNvPr>
+          <p:cNvPicPr>
+            <a:picLocks noChangeAspect="1"/>
+          </p:cNvPicPr>
+          <p:nvPr/>
+        </p:nvPicPr>
+        <p:blipFill>
+          <a:blip r:embed="rId8">
+            <a:extLst>
+              <a:ext uri="{28A0092B-C50C-407E-A947-70E740481C1C}">
+                <a14:useLocalDpi xmlns:a14="http://schemas.microsoft.com/office/drawing/2010/main" val="0"/>
+              </a:ext>
+            </a:extLst>
+          </a:blip>
+          <a:stretch>
+            <a:fillRect/>
+          </a:stretch>
+        </p:blipFill>
+        <p:spPr>
+          <a:xfrm>
+            <a:off x="1503681" y="3389577"/>
+            <a:ext cx="1049866" cy="1049866"/>
+          </a:xfrm>
+          <a:prstGeom prst="rect">
+            <a:avLst/>
+          </a:prstGeom>
+        </p:spPr>
+      </p:pic>
+      <p:pic>
+        <p:nvPicPr>
+          <p:cNvPr id="16" name="Grafik 15">
+            <a:extLst>
+              <a:ext uri="{FF2B5EF4-FFF2-40B4-BE49-F238E27FC236}">
+                <a16:creationId xmlns:a16="http://schemas.microsoft.com/office/drawing/2014/main" id="{8B244281-5A99-448C-9BD7-C65765B2DA3B}"/>
+              </a:ext>
+            </a:extLst>
+          </p:cNvPr>
+          <p:cNvPicPr>
+            <a:picLocks noChangeAspect="1"/>
+          </p:cNvPicPr>
+          <p:nvPr/>
+        </p:nvPicPr>
+        <p:blipFill>
+          <a:blip r:embed="rId9">
+            <a:extLst>
+              <a:ext uri="{28A0092B-C50C-407E-A947-70E740481C1C}">
+                <a14:useLocalDpi xmlns:a14="http://schemas.microsoft.com/office/drawing/2010/main" val="0"/>
+              </a:ext>
+            </a:extLst>
+          </a:blip>
+          <a:stretch>
+            <a:fillRect/>
+          </a:stretch>
+        </p:blipFill>
+        <p:spPr>
+          <a:xfrm>
+            <a:off x="1503680" y="4920825"/>
+            <a:ext cx="1049867" cy="1049867"/>
+          </a:xfrm>
+          <a:prstGeom prst="rect">
+            <a:avLst/>
+          </a:prstGeom>
+        </p:spPr>
+      </p:pic>
+    </p:spTree>
+    <p:extLst>
+      <p:ext uri="{BB962C8B-B14F-4D97-AF65-F5344CB8AC3E}">
+        <p14:creationId xmlns:p14="http://schemas.microsoft.com/office/powerpoint/2010/main" val="1866697414"/>
       </p:ext>
     </p:extLst>
   </p:cSld>

--- a/wordpress-portfolio-website-presentation.pptx
+++ b/wordpress-portfolio-website-presentation.pptx
@@ -6,10 +6,17 @@
   </p:sldMasterIdLst>
   <p:sldIdLst>
     <p:sldId id="256" r:id="rId2"/>
-    <p:sldId id="260" r:id="rId3"/>
-    <p:sldId id="257" r:id="rId4"/>
-    <p:sldId id="259" r:id="rId5"/>
-    <p:sldId id="258" r:id="rId6"/>
+    <p:sldId id="262" r:id="rId3"/>
+    <p:sldId id="260" r:id="rId4"/>
+    <p:sldId id="257" r:id="rId5"/>
+    <p:sldId id="259" r:id="rId6"/>
+    <p:sldId id="258" r:id="rId7"/>
+    <p:sldId id="261" r:id="rId8"/>
+    <p:sldId id="263" r:id="rId9"/>
+    <p:sldId id="264" r:id="rId10"/>
+    <p:sldId id="266" r:id="rId11"/>
+    <p:sldId id="267" r:id="rId12"/>
+    <p:sldId id="268" r:id="rId13"/>
   </p:sldIdLst>
   <p:sldSz cx="12192000" cy="6858000"/>
   <p:notesSz cx="6858000" cy="9144000"/>
@@ -1605,7 +1612,1031 @@
 </dgm:colorsDef>
 </file>
 
+<file path=ppt/diagrams/colors3.xml><?xml version="1.0" encoding="utf-8"?>
+<dgm:colorsDef xmlns:dgm="http://schemas.openxmlformats.org/drawingml/2006/diagram" xmlns:a="http://schemas.openxmlformats.org/drawingml/2006/main" uniqueId="urn:microsoft.com/office/officeart/2005/8/colors/accent1_2">
+  <dgm:title val=""/>
+  <dgm:desc val=""/>
+  <dgm:catLst>
+    <dgm:cat type="accent1" pri="11200"/>
+  </dgm:catLst>
+  <dgm:styleLbl name="node0">
+    <dgm:fillClrLst meth="repeat">
+      <a:schemeClr val="accent1"/>
+    </dgm:fillClrLst>
+    <dgm:linClrLst meth="repeat">
+      <a:schemeClr val="lt1"/>
+    </dgm:linClrLst>
+    <dgm:effectClrLst/>
+    <dgm:txLinClrLst/>
+    <dgm:txFillClrLst/>
+    <dgm:txEffectClrLst/>
+  </dgm:styleLbl>
+  <dgm:styleLbl name="alignNode1">
+    <dgm:fillClrLst meth="repeat">
+      <a:schemeClr val="accent1"/>
+    </dgm:fillClrLst>
+    <dgm:linClrLst meth="repeat">
+      <a:schemeClr val="accent1"/>
+    </dgm:linClrLst>
+    <dgm:effectClrLst/>
+    <dgm:txLinClrLst/>
+    <dgm:txFillClrLst/>
+    <dgm:txEffectClrLst/>
+  </dgm:styleLbl>
+  <dgm:styleLbl name="node1">
+    <dgm:fillClrLst meth="repeat">
+      <a:schemeClr val="accent1"/>
+    </dgm:fillClrLst>
+    <dgm:linClrLst meth="repeat">
+      <a:schemeClr val="lt1"/>
+    </dgm:linClrLst>
+    <dgm:effectClrLst/>
+    <dgm:txLinClrLst/>
+    <dgm:txFillClrLst/>
+    <dgm:txEffectClrLst/>
+  </dgm:styleLbl>
+  <dgm:styleLbl name="lnNode1">
+    <dgm:fillClrLst meth="repeat">
+      <a:schemeClr val="accent1"/>
+    </dgm:fillClrLst>
+    <dgm:linClrLst meth="repeat">
+      <a:schemeClr val="lt1"/>
+    </dgm:linClrLst>
+    <dgm:effectClrLst/>
+    <dgm:txLinClrLst/>
+    <dgm:txFillClrLst/>
+    <dgm:txEffectClrLst/>
+  </dgm:styleLbl>
+  <dgm:styleLbl name="vennNode1">
+    <dgm:fillClrLst meth="repeat">
+      <a:schemeClr val="accent1">
+        <a:alpha val="50000"/>
+      </a:schemeClr>
+    </dgm:fillClrLst>
+    <dgm:linClrLst meth="repeat">
+      <a:schemeClr val="lt1"/>
+    </dgm:linClrLst>
+    <dgm:effectClrLst/>
+    <dgm:txLinClrLst/>
+    <dgm:txFillClrLst/>
+    <dgm:txEffectClrLst/>
+  </dgm:styleLbl>
+  <dgm:styleLbl name="node2">
+    <dgm:fillClrLst meth="repeat">
+      <a:schemeClr val="accent1"/>
+    </dgm:fillClrLst>
+    <dgm:linClrLst meth="repeat">
+      <a:schemeClr val="lt1"/>
+    </dgm:linClrLst>
+    <dgm:effectClrLst/>
+    <dgm:txLinClrLst/>
+    <dgm:txFillClrLst/>
+    <dgm:txEffectClrLst/>
+  </dgm:styleLbl>
+  <dgm:styleLbl name="node3">
+    <dgm:fillClrLst meth="repeat">
+      <a:schemeClr val="accent1"/>
+    </dgm:fillClrLst>
+    <dgm:linClrLst meth="repeat">
+      <a:schemeClr val="lt1"/>
+    </dgm:linClrLst>
+    <dgm:effectClrLst/>
+    <dgm:txLinClrLst/>
+    <dgm:txFillClrLst/>
+    <dgm:txEffectClrLst/>
+  </dgm:styleLbl>
+  <dgm:styleLbl name="node4">
+    <dgm:fillClrLst meth="repeat">
+      <a:schemeClr val="accent1"/>
+    </dgm:fillClrLst>
+    <dgm:linClrLst meth="repeat">
+      <a:schemeClr val="lt1"/>
+    </dgm:linClrLst>
+    <dgm:effectClrLst/>
+    <dgm:txLinClrLst/>
+    <dgm:txFillClrLst/>
+    <dgm:txEffectClrLst/>
+  </dgm:styleLbl>
+  <dgm:styleLbl name="fgImgPlace1">
+    <dgm:fillClrLst meth="repeat">
+      <a:schemeClr val="accent1">
+        <a:tint val="50000"/>
+      </a:schemeClr>
+    </dgm:fillClrLst>
+    <dgm:linClrLst meth="repeat">
+      <a:schemeClr val="lt1"/>
+    </dgm:linClrLst>
+    <dgm:effectClrLst/>
+    <dgm:txLinClrLst/>
+    <dgm:txFillClrLst meth="repeat">
+      <a:schemeClr val="lt1"/>
+    </dgm:txFillClrLst>
+    <dgm:txEffectClrLst/>
+  </dgm:styleLbl>
+  <dgm:styleLbl name="alignImgPlace1">
+    <dgm:fillClrLst meth="repeat">
+      <a:schemeClr val="accent1">
+        <a:tint val="50000"/>
+      </a:schemeClr>
+    </dgm:fillClrLst>
+    <dgm:linClrLst meth="repeat">
+      <a:schemeClr val="lt1"/>
+    </dgm:linClrLst>
+    <dgm:effectClrLst/>
+    <dgm:txLinClrLst/>
+    <dgm:txFillClrLst meth="repeat">
+      <a:schemeClr val="lt1"/>
+    </dgm:txFillClrLst>
+    <dgm:txEffectClrLst/>
+  </dgm:styleLbl>
+  <dgm:styleLbl name="bgImgPlace1">
+    <dgm:fillClrLst meth="repeat">
+      <a:schemeClr val="accent1">
+        <a:tint val="50000"/>
+      </a:schemeClr>
+    </dgm:fillClrLst>
+    <dgm:linClrLst meth="repeat">
+      <a:schemeClr val="lt1"/>
+    </dgm:linClrLst>
+    <dgm:effectClrLst/>
+    <dgm:txLinClrLst/>
+    <dgm:txFillClrLst meth="repeat">
+      <a:schemeClr val="lt1"/>
+    </dgm:txFillClrLst>
+    <dgm:txEffectClrLst/>
+  </dgm:styleLbl>
+  <dgm:styleLbl name="sibTrans2D1">
+    <dgm:fillClrLst meth="repeat">
+      <a:schemeClr val="accent1">
+        <a:tint val="60000"/>
+      </a:schemeClr>
+    </dgm:fillClrLst>
+    <dgm:linClrLst meth="repeat">
+      <a:schemeClr val="accent1">
+        <a:tint val="60000"/>
+      </a:schemeClr>
+    </dgm:linClrLst>
+    <dgm:effectClrLst/>
+    <dgm:txLinClrLst/>
+    <dgm:txFillClrLst/>
+    <dgm:txEffectClrLst/>
+  </dgm:styleLbl>
+  <dgm:styleLbl name="fgSibTrans2D1">
+    <dgm:fillClrLst meth="repeat">
+      <a:schemeClr val="accent1">
+        <a:tint val="60000"/>
+      </a:schemeClr>
+    </dgm:fillClrLst>
+    <dgm:linClrLst meth="repeat">
+      <a:schemeClr val="accent1">
+        <a:tint val="60000"/>
+      </a:schemeClr>
+    </dgm:linClrLst>
+    <dgm:effectClrLst/>
+    <dgm:txLinClrLst/>
+    <dgm:txFillClrLst/>
+    <dgm:txEffectClrLst/>
+  </dgm:styleLbl>
+  <dgm:styleLbl name="bgSibTrans2D1">
+    <dgm:fillClrLst meth="repeat">
+      <a:schemeClr val="accent1">
+        <a:tint val="60000"/>
+      </a:schemeClr>
+    </dgm:fillClrLst>
+    <dgm:linClrLst meth="repeat">
+      <a:schemeClr val="accent1">
+        <a:tint val="60000"/>
+      </a:schemeClr>
+    </dgm:linClrLst>
+    <dgm:effectClrLst/>
+    <dgm:txLinClrLst/>
+    <dgm:txFillClrLst/>
+    <dgm:txEffectClrLst/>
+  </dgm:styleLbl>
+  <dgm:styleLbl name="sibTrans1D1">
+    <dgm:fillClrLst meth="repeat">
+      <a:schemeClr val="accent1"/>
+    </dgm:fillClrLst>
+    <dgm:linClrLst meth="repeat">
+      <a:schemeClr val="accent1"/>
+    </dgm:linClrLst>
+    <dgm:effectClrLst/>
+    <dgm:txLinClrLst/>
+    <dgm:txFillClrLst meth="repeat">
+      <a:schemeClr val="tx1"/>
+    </dgm:txFillClrLst>
+    <dgm:txEffectClrLst/>
+  </dgm:styleLbl>
+  <dgm:styleLbl name="callout">
+    <dgm:fillClrLst meth="repeat">
+      <a:schemeClr val="accent1"/>
+    </dgm:fillClrLst>
+    <dgm:linClrLst meth="repeat">
+      <a:schemeClr val="accent1">
+        <a:tint val="50000"/>
+      </a:schemeClr>
+    </dgm:linClrLst>
+    <dgm:effectClrLst/>
+    <dgm:txLinClrLst/>
+    <dgm:txFillClrLst meth="repeat">
+      <a:schemeClr val="tx1"/>
+    </dgm:txFillClrLst>
+    <dgm:txEffectClrLst/>
+  </dgm:styleLbl>
+  <dgm:styleLbl name="asst0">
+    <dgm:fillClrLst meth="repeat">
+      <a:schemeClr val="accent1"/>
+    </dgm:fillClrLst>
+    <dgm:linClrLst meth="repeat">
+      <a:schemeClr val="lt1"/>
+    </dgm:linClrLst>
+    <dgm:effectClrLst/>
+    <dgm:txLinClrLst/>
+    <dgm:txFillClrLst/>
+    <dgm:txEffectClrLst/>
+  </dgm:styleLbl>
+  <dgm:styleLbl name="asst1">
+    <dgm:fillClrLst meth="repeat">
+      <a:schemeClr val="accent1"/>
+    </dgm:fillClrLst>
+    <dgm:linClrLst meth="repeat">
+      <a:schemeClr val="lt1"/>
+    </dgm:linClrLst>
+    <dgm:effectClrLst/>
+    <dgm:txLinClrLst/>
+    <dgm:txFillClrLst/>
+    <dgm:txEffectClrLst/>
+  </dgm:styleLbl>
+  <dgm:styleLbl name="asst2">
+    <dgm:fillClrLst meth="repeat">
+      <a:schemeClr val="accent1"/>
+    </dgm:fillClrLst>
+    <dgm:linClrLst meth="repeat">
+      <a:schemeClr val="lt1"/>
+    </dgm:linClrLst>
+    <dgm:effectClrLst/>
+    <dgm:txLinClrLst/>
+    <dgm:txFillClrLst/>
+    <dgm:txEffectClrLst/>
+  </dgm:styleLbl>
+  <dgm:styleLbl name="asst3">
+    <dgm:fillClrLst meth="repeat">
+      <a:schemeClr val="accent1"/>
+    </dgm:fillClrLst>
+    <dgm:linClrLst meth="repeat">
+      <a:schemeClr val="lt1"/>
+    </dgm:linClrLst>
+    <dgm:effectClrLst/>
+    <dgm:txLinClrLst/>
+    <dgm:txFillClrLst/>
+    <dgm:txEffectClrLst/>
+  </dgm:styleLbl>
+  <dgm:styleLbl name="asst4">
+    <dgm:fillClrLst meth="repeat">
+      <a:schemeClr val="accent1"/>
+    </dgm:fillClrLst>
+    <dgm:linClrLst meth="repeat">
+      <a:schemeClr val="lt1"/>
+    </dgm:linClrLst>
+    <dgm:effectClrLst/>
+    <dgm:txLinClrLst/>
+    <dgm:txFillClrLst/>
+    <dgm:txEffectClrLst/>
+  </dgm:styleLbl>
+  <dgm:styleLbl name="parChTrans2D1">
+    <dgm:fillClrLst meth="repeat">
+      <a:schemeClr val="accent1">
+        <a:tint val="60000"/>
+      </a:schemeClr>
+    </dgm:fillClrLst>
+    <dgm:linClrLst meth="repeat">
+      <a:schemeClr val="accent1">
+        <a:tint val="60000"/>
+      </a:schemeClr>
+    </dgm:linClrLst>
+    <dgm:effectClrLst/>
+    <dgm:txLinClrLst/>
+    <dgm:txFillClrLst meth="repeat">
+      <a:schemeClr val="lt1"/>
+    </dgm:txFillClrLst>
+    <dgm:txEffectClrLst/>
+  </dgm:styleLbl>
+  <dgm:styleLbl name="parChTrans2D2">
+    <dgm:fillClrLst meth="repeat">
+      <a:schemeClr val="accent1"/>
+    </dgm:fillClrLst>
+    <dgm:linClrLst meth="repeat">
+      <a:schemeClr val="accent1"/>
+    </dgm:linClrLst>
+    <dgm:effectClrLst/>
+    <dgm:txLinClrLst/>
+    <dgm:txFillClrLst meth="repeat">
+      <a:schemeClr val="lt1"/>
+    </dgm:txFillClrLst>
+    <dgm:txEffectClrLst/>
+  </dgm:styleLbl>
+  <dgm:styleLbl name="parChTrans2D3">
+    <dgm:fillClrLst meth="repeat">
+      <a:schemeClr val="accent1"/>
+    </dgm:fillClrLst>
+    <dgm:linClrLst meth="repeat">
+      <a:schemeClr val="accent1"/>
+    </dgm:linClrLst>
+    <dgm:effectClrLst/>
+    <dgm:txLinClrLst/>
+    <dgm:txFillClrLst meth="repeat">
+      <a:schemeClr val="lt1"/>
+    </dgm:txFillClrLst>
+    <dgm:txEffectClrLst/>
+  </dgm:styleLbl>
+  <dgm:styleLbl name="parChTrans2D4">
+    <dgm:fillClrLst meth="repeat">
+      <a:schemeClr val="accent1"/>
+    </dgm:fillClrLst>
+    <dgm:linClrLst meth="repeat">
+      <a:schemeClr val="accent1"/>
+    </dgm:linClrLst>
+    <dgm:effectClrLst/>
+    <dgm:txLinClrLst/>
+    <dgm:txFillClrLst meth="repeat">
+      <a:schemeClr val="lt1"/>
+    </dgm:txFillClrLst>
+    <dgm:txEffectClrLst/>
+  </dgm:styleLbl>
+  <dgm:styleLbl name="parChTrans1D1">
+    <dgm:fillClrLst meth="repeat">
+      <a:schemeClr val="accent1"/>
+    </dgm:fillClrLst>
+    <dgm:linClrLst meth="repeat">
+      <a:schemeClr val="accent1">
+        <a:shade val="60000"/>
+      </a:schemeClr>
+    </dgm:linClrLst>
+    <dgm:effectClrLst/>
+    <dgm:txLinClrLst/>
+    <dgm:txFillClrLst meth="repeat">
+      <a:schemeClr val="tx1"/>
+    </dgm:txFillClrLst>
+    <dgm:txEffectClrLst/>
+  </dgm:styleLbl>
+  <dgm:styleLbl name="parChTrans1D2">
+    <dgm:fillClrLst meth="repeat">
+      <a:schemeClr val="accent1"/>
+    </dgm:fillClrLst>
+    <dgm:linClrLst meth="repeat">
+      <a:schemeClr val="accent1">
+        <a:shade val="60000"/>
+      </a:schemeClr>
+    </dgm:linClrLst>
+    <dgm:effectClrLst/>
+    <dgm:txLinClrLst/>
+    <dgm:txFillClrLst meth="repeat">
+      <a:schemeClr val="tx1"/>
+    </dgm:txFillClrLst>
+    <dgm:txEffectClrLst/>
+  </dgm:styleLbl>
+  <dgm:styleLbl name="parChTrans1D3">
+    <dgm:fillClrLst meth="repeat">
+      <a:schemeClr val="accent1"/>
+    </dgm:fillClrLst>
+    <dgm:linClrLst meth="repeat">
+      <a:schemeClr val="accent1">
+        <a:shade val="80000"/>
+      </a:schemeClr>
+    </dgm:linClrLst>
+    <dgm:effectClrLst/>
+    <dgm:txLinClrLst/>
+    <dgm:txFillClrLst meth="repeat">
+      <a:schemeClr val="tx1"/>
+    </dgm:txFillClrLst>
+    <dgm:txEffectClrLst/>
+  </dgm:styleLbl>
+  <dgm:styleLbl name="parChTrans1D4">
+    <dgm:fillClrLst meth="repeat">
+      <a:schemeClr val="accent1"/>
+    </dgm:fillClrLst>
+    <dgm:linClrLst meth="repeat">
+      <a:schemeClr val="accent1">
+        <a:shade val="80000"/>
+      </a:schemeClr>
+    </dgm:linClrLst>
+    <dgm:effectClrLst/>
+    <dgm:txLinClrLst/>
+    <dgm:txFillClrLst meth="repeat">
+      <a:schemeClr val="tx1"/>
+    </dgm:txFillClrLst>
+    <dgm:txEffectClrLst/>
+  </dgm:styleLbl>
+  <dgm:styleLbl name="fgAcc1">
+    <dgm:fillClrLst meth="repeat">
+      <a:schemeClr val="lt1">
+        <a:alpha val="90000"/>
+      </a:schemeClr>
+    </dgm:fillClrLst>
+    <dgm:linClrLst meth="repeat">
+      <a:schemeClr val="accent1"/>
+    </dgm:linClrLst>
+    <dgm:effectClrLst/>
+    <dgm:txLinClrLst/>
+    <dgm:txFillClrLst meth="repeat">
+      <a:schemeClr val="dk1"/>
+    </dgm:txFillClrLst>
+    <dgm:txEffectClrLst/>
+  </dgm:styleLbl>
+  <dgm:styleLbl name="conFgAcc1">
+    <dgm:fillClrLst meth="repeat">
+      <a:schemeClr val="lt1">
+        <a:alpha val="90000"/>
+      </a:schemeClr>
+    </dgm:fillClrLst>
+    <dgm:linClrLst meth="repeat">
+      <a:schemeClr val="accent1"/>
+    </dgm:linClrLst>
+    <dgm:effectClrLst/>
+    <dgm:txLinClrLst/>
+    <dgm:txFillClrLst meth="repeat">
+      <a:schemeClr val="dk1"/>
+    </dgm:txFillClrLst>
+    <dgm:txEffectClrLst/>
+  </dgm:styleLbl>
+  <dgm:styleLbl name="alignAcc1">
+    <dgm:fillClrLst meth="repeat">
+      <a:schemeClr val="lt1">
+        <a:alpha val="90000"/>
+      </a:schemeClr>
+    </dgm:fillClrLst>
+    <dgm:linClrLst meth="repeat">
+      <a:schemeClr val="accent1"/>
+    </dgm:linClrLst>
+    <dgm:effectClrLst/>
+    <dgm:txLinClrLst/>
+    <dgm:txFillClrLst meth="repeat">
+      <a:schemeClr val="dk1"/>
+    </dgm:txFillClrLst>
+    <dgm:txEffectClrLst/>
+  </dgm:styleLbl>
+  <dgm:styleLbl name="trAlignAcc1">
+    <dgm:fillClrLst meth="repeat">
+      <a:schemeClr val="lt1">
+        <a:alpha val="40000"/>
+      </a:schemeClr>
+    </dgm:fillClrLst>
+    <dgm:linClrLst meth="repeat">
+      <a:schemeClr val="accent1"/>
+    </dgm:linClrLst>
+    <dgm:effectClrLst/>
+    <dgm:txLinClrLst/>
+    <dgm:txFillClrLst meth="repeat">
+      <a:schemeClr val="dk1"/>
+    </dgm:txFillClrLst>
+    <dgm:txEffectClrLst/>
+  </dgm:styleLbl>
+  <dgm:styleLbl name="bgAcc1">
+    <dgm:fillClrLst meth="repeat">
+      <a:schemeClr val="lt1">
+        <a:alpha val="90000"/>
+      </a:schemeClr>
+    </dgm:fillClrLst>
+    <dgm:linClrLst meth="repeat">
+      <a:schemeClr val="accent1"/>
+    </dgm:linClrLst>
+    <dgm:effectClrLst/>
+    <dgm:txLinClrLst/>
+    <dgm:txFillClrLst meth="repeat">
+      <a:schemeClr val="dk1"/>
+    </dgm:txFillClrLst>
+    <dgm:txEffectClrLst/>
+  </dgm:styleLbl>
+  <dgm:styleLbl name="solidFgAcc1">
+    <dgm:fillClrLst meth="repeat">
+      <a:schemeClr val="lt1"/>
+    </dgm:fillClrLst>
+    <dgm:linClrLst meth="repeat">
+      <a:schemeClr val="accent1"/>
+    </dgm:linClrLst>
+    <dgm:effectClrLst/>
+    <dgm:txLinClrLst/>
+    <dgm:txFillClrLst meth="repeat">
+      <a:schemeClr val="dk1"/>
+    </dgm:txFillClrLst>
+    <dgm:txEffectClrLst/>
+  </dgm:styleLbl>
+  <dgm:styleLbl name="solidAlignAcc1">
+    <dgm:fillClrLst meth="repeat">
+      <a:schemeClr val="lt1"/>
+    </dgm:fillClrLst>
+    <dgm:linClrLst meth="repeat">
+      <a:schemeClr val="accent1"/>
+    </dgm:linClrLst>
+    <dgm:effectClrLst/>
+    <dgm:txLinClrLst/>
+    <dgm:txFillClrLst meth="repeat">
+      <a:schemeClr val="dk1"/>
+    </dgm:txFillClrLst>
+    <dgm:txEffectClrLst/>
+  </dgm:styleLbl>
+  <dgm:styleLbl name="solidBgAcc1">
+    <dgm:fillClrLst meth="repeat">
+      <a:schemeClr val="lt1"/>
+    </dgm:fillClrLst>
+    <dgm:linClrLst meth="repeat">
+      <a:schemeClr val="accent1"/>
+    </dgm:linClrLst>
+    <dgm:effectClrLst/>
+    <dgm:txLinClrLst/>
+    <dgm:txFillClrLst meth="repeat">
+      <a:schemeClr val="dk1"/>
+    </dgm:txFillClrLst>
+    <dgm:txEffectClrLst/>
+  </dgm:styleLbl>
+  <dgm:styleLbl name="fgAccFollowNode1">
+    <dgm:fillClrLst meth="repeat">
+      <a:schemeClr val="accent1">
+        <a:alpha val="90000"/>
+        <a:tint val="40000"/>
+      </a:schemeClr>
+    </dgm:fillClrLst>
+    <dgm:linClrLst meth="repeat">
+      <a:schemeClr val="accent1">
+        <a:alpha val="90000"/>
+        <a:tint val="40000"/>
+      </a:schemeClr>
+    </dgm:linClrLst>
+    <dgm:effectClrLst/>
+    <dgm:txLinClrLst/>
+    <dgm:txFillClrLst meth="repeat">
+      <a:schemeClr val="dk1"/>
+    </dgm:txFillClrLst>
+    <dgm:txEffectClrLst/>
+  </dgm:styleLbl>
+  <dgm:styleLbl name="alignAccFollowNode1">
+    <dgm:fillClrLst meth="repeat">
+      <a:schemeClr val="accent1">
+        <a:alpha val="90000"/>
+        <a:tint val="40000"/>
+      </a:schemeClr>
+    </dgm:fillClrLst>
+    <dgm:linClrLst meth="repeat">
+      <a:schemeClr val="accent1">
+        <a:alpha val="90000"/>
+        <a:tint val="40000"/>
+      </a:schemeClr>
+    </dgm:linClrLst>
+    <dgm:effectClrLst/>
+    <dgm:txLinClrLst/>
+    <dgm:txFillClrLst meth="repeat">
+      <a:schemeClr val="dk1"/>
+    </dgm:txFillClrLst>
+    <dgm:txEffectClrLst/>
+  </dgm:styleLbl>
+  <dgm:styleLbl name="bgAccFollowNode1">
+    <dgm:fillClrLst meth="repeat">
+      <a:schemeClr val="accent1">
+        <a:alpha val="90000"/>
+        <a:tint val="40000"/>
+      </a:schemeClr>
+    </dgm:fillClrLst>
+    <dgm:linClrLst meth="repeat">
+      <a:schemeClr val="accent1">
+        <a:alpha val="90000"/>
+        <a:tint val="40000"/>
+      </a:schemeClr>
+    </dgm:linClrLst>
+    <dgm:effectClrLst/>
+    <dgm:txLinClrLst/>
+    <dgm:txFillClrLst meth="repeat">
+      <a:schemeClr val="dk1"/>
+    </dgm:txFillClrLst>
+    <dgm:txEffectClrLst/>
+  </dgm:styleLbl>
+  <dgm:styleLbl name="fgAcc0">
+    <dgm:fillClrLst meth="repeat">
+      <a:schemeClr val="lt1">
+        <a:alpha val="90000"/>
+      </a:schemeClr>
+    </dgm:fillClrLst>
+    <dgm:linClrLst meth="repeat">
+      <a:schemeClr val="accent1"/>
+    </dgm:linClrLst>
+    <dgm:effectClrLst/>
+    <dgm:txLinClrLst/>
+    <dgm:txFillClrLst meth="repeat">
+      <a:schemeClr val="dk1"/>
+    </dgm:txFillClrLst>
+    <dgm:txEffectClrLst/>
+  </dgm:styleLbl>
+  <dgm:styleLbl name="fgAcc2">
+    <dgm:fillClrLst meth="repeat">
+      <a:schemeClr val="lt1">
+        <a:alpha val="90000"/>
+      </a:schemeClr>
+    </dgm:fillClrLst>
+    <dgm:linClrLst meth="repeat">
+      <a:schemeClr val="accent1"/>
+    </dgm:linClrLst>
+    <dgm:effectClrLst/>
+    <dgm:txLinClrLst/>
+    <dgm:txFillClrLst meth="repeat">
+      <a:schemeClr val="dk1"/>
+    </dgm:txFillClrLst>
+    <dgm:txEffectClrLst/>
+  </dgm:styleLbl>
+  <dgm:styleLbl name="fgAcc3">
+    <dgm:fillClrLst meth="repeat">
+      <a:schemeClr val="lt1">
+        <a:alpha val="90000"/>
+      </a:schemeClr>
+    </dgm:fillClrLst>
+    <dgm:linClrLst meth="repeat">
+      <a:schemeClr val="accent1"/>
+    </dgm:linClrLst>
+    <dgm:effectClrLst/>
+    <dgm:txLinClrLst/>
+    <dgm:txFillClrLst meth="repeat">
+      <a:schemeClr val="dk1"/>
+    </dgm:txFillClrLst>
+    <dgm:txEffectClrLst/>
+  </dgm:styleLbl>
+  <dgm:styleLbl name="fgAcc4">
+    <dgm:fillClrLst meth="repeat">
+      <a:schemeClr val="lt1">
+        <a:alpha val="90000"/>
+      </a:schemeClr>
+    </dgm:fillClrLst>
+    <dgm:linClrLst meth="repeat">
+      <a:schemeClr val="accent1"/>
+    </dgm:linClrLst>
+    <dgm:effectClrLst/>
+    <dgm:txLinClrLst/>
+    <dgm:txFillClrLst meth="repeat">
+      <a:schemeClr val="dk1"/>
+    </dgm:txFillClrLst>
+    <dgm:txEffectClrLst/>
+  </dgm:styleLbl>
+  <dgm:styleLbl name="bgShp">
+    <dgm:fillClrLst meth="repeat">
+      <a:schemeClr val="accent1">
+        <a:tint val="40000"/>
+      </a:schemeClr>
+    </dgm:fillClrLst>
+    <dgm:linClrLst meth="repeat">
+      <a:schemeClr val="accent1"/>
+    </dgm:linClrLst>
+    <dgm:effectClrLst/>
+    <dgm:txLinClrLst/>
+    <dgm:txFillClrLst meth="repeat">
+      <a:schemeClr val="dk1"/>
+    </dgm:txFillClrLst>
+    <dgm:txEffectClrLst/>
+  </dgm:styleLbl>
+  <dgm:styleLbl name="dkBgShp">
+    <dgm:fillClrLst meth="repeat">
+      <a:schemeClr val="accent1">
+        <a:shade val="80000"/>
+      </a:schemeClr>
+    </dgm:fillClrLst>
+    <dgm:linClrLst meth="repeat">
+      <a:schemeClr val="accent1"/>
+    </dgm:linClrLst>
+    <dgm:effectClrLst/>
+    <dgm:txLinClrLst/>
+    <dgm:txFillClrLst meth="repeat">
+      <a:schemeClr val="lt1"/>
+    </dgm:txFillClrLst>
+    <dgm:txEffectClrLst/>
+  </dgm:styleLbl>
+  <dgm:styleLbl name="trBgShp">
+    <dgm:fillClrLst meth="repeat">
+      <a:schemeClr val="accent1">
+        <a:tint val="50000"/>
+        <a:alpha val="40000"/>
+      </a:schemeClr>
+    </dgm:fillClrLst>
+    <dgm:linClrLst meth="repeat">
+      <a:schemeClr val="accent1"/>
+    </dgm:linClrLst>
+    <dgm:effectClrLst/>
+    <dgm:txLinClrLst/>
+    <dgm:txFillClrLst meth="repeat">
+      <a:schemeClr val="lt1"/>
+    </dgm:txFillClrLst>
+    <dgm:txEffectClrLst/>
+  </dgm:styleLbl>
+  <dgm:styleLbl name="fgShp">
+    <dgm:fillClrLst meth="repeat">
+      <a:schemeClr val="accent1">
+        <a:tint val="60000"/>
+      </a:schemeClr>
+    </dgm:fillClrLst>
+    <dgm:linClrLst meth="repeat">
+      <a:schemeClr val="lt1"/>
+    </dgm:linClrLst>
+    <dgm:effectClrLst/>
+    <dgm:txLinClrLst/>
+    <dgm:txFillClrLst meth="repeat">
+      <a:schemeClr val="dk1"/>
+    </dgm:txFillClrLst>
+    <dgm:txEffectClrLst/>
+  </dgm:styleLbl>
+  <dgm:styleLbl name="revTx">
+    <dgm:fillClrLst meth="repeat">
+      <a:schemeClr val="lt1">
+        <a:alpha val="0"/>
+      </a:schemeClr>
+    </dgm:fillClrLst>
+    <dgm:linClrLst meth="repeat">
+      <a:schemeClr val="dk1">
+        <a:alpha val="0"/>
+      </a:schemeClr>
+    </dgm:linClrLst>
+    <dgm:effectClrLst/>
+    <dgm:txLinClrLst/>
+    <dgm:txFillClrLst meth="repeat">
+      <a:schemeClr val="tx1"/>
+    </dgm:txFillClrLst>
+    <dgm:txEffectClrLst/>
+  </dgm:styleLbl>
+</dgm:colorsDef>
+</file>
+
 <file path=ppt/diagrams/data1.xml><?xml version="1.0" encoding="utf-8"?>
+<dgm:dataModel xmlns:dgm="http://schemas.openxmlformats.org/drawingml/2006/diagram" xmlns:a="http://schemas.openxmlformats.org/drawingml/2006/main">
+  <dgm:ptLst>
+    <dgm:pt modelId="{F1845319-E799-43C3-B03D-DE6CCFC701CC}" type="doc">
+      <dgm:prSet loTypeId="urn:microsoft.com/office/officeart/2005/8/layout/default" loCatId="list" qsTypeId="urn:microsoft.com/office/officeart/2005/8/quickstyle/simple1" qsCatId="simple" csTypeId="urn:microsoft.com/office/officeart/2005/8/colors/accent1_2" csCatId="accent1" phldr="1"/>
+      <dgm:spPr/>
+      <dgm:t>
+        <a:bodyPr/>
+        <a:lstStyle/>
+        <a:p>
+          <a:endParaRPr lang="en-US"/>
+        </a:p>
+      </dgm:t>
+    </dgm:pt>
+    <dgm:pt modelId="{2C3D509D-615B-479D-ABCD-A2AE994D1D1E}">
+      <dgm:prSet phldrT="[Text]"/>
+      <dgm:spPr/>
+      <dgm:t>
+        <a:bodyPr/>
+        <a:lstStyle/>
+        <a:p>
+          <a:endParaRPr lang="en-US" dirty="0"/>
+        </a:p>
+      </dgm:t>
+    </dgm:pt>
+    <dgm:pt modelId="{FFC164FC-A919-440F-9686-35A57264F308}" type="parTrans" cxnId="{1AF2C737-E95E-43DC-ACFE-4BCCDF617145}">
+      <dgm:prSet/>
+      <dgm:spPr/>
+      <dgm:t>
+        <a:bodyPr/>
+        <a:lstStyle/>
+        <a:p>
+          <a:endParaRPr lang="en-US"/>
+        </a:p>
+      </dgm:t>
+    </dgm:pt>
+    <dgm:pt modelId="{F09FB46C-CB96-4BF2-8491-1F7404A6C04B}" type="sibTrans" cxnId="{1AF2C737-E95E-43DC-ACFE-4BCCDF617145}">
+      <dgm:prSet/>
+      <dgm:spPr/>
+      <dgm:t>
+        <a:bodyPr/>
+        <a:lstStyle/>
+        <a:p>
+          <a:endParaRPr lang="en-US"/>
+        </a:p>
+      </dgm:t>
+    </dgm:pt>
+    <dgm:pt modelId="{0673E12D-2BA1-436B-A0F0-67300283202B}">
+      <dgm:prSet phldrT="[Text]" phldr="1"/>
+      <dgm:spPr/>
+      <dgm:t>
+        <a:bodyPr/>
+        <a:lstStyle/>
+        <a:p>
+          <a:endParaRPr lang="en-US"/>
+        </a:p>
+      </dgm:t>
+    </dgm:pt>
+    <dgm:pt modelId="{81DE3D56-9702-46DF-B6BE-33C01AD983D3}" type="parTrans" cxnId="{D41C715E-8D21-49D9-867D-258B50790E0C}">
+      <dgm:prSet/>
+      <dgm:spPr/>
+      <dgm:t>
+        <a:bodyPr/>
+        <a:lstStyle/>
+        <a:p>
+          <a:endParaRPr lang="en-US"/>
+        </a:p>
+      </dgm:t>
+    </dgm:pt>
+    <dgm:pt modelId="{FE46F0E4-EFFC-49FD-95FF-DEC190EA043E}" type="sibTrans" cxnId="{D41C715E-8D21-49D9-867D-258B50790E0C}">
+      <dgm:prSet/>
+      <dgm:spPr/>
+      <dgm:t>
+        <a:bodyPr/>
+        <a:lstStyle/>
+        <a:p>
+          <a:endParaRPr lang="en-US"/>
+        </a:p>
+      </dgm:t>
+    </dgm:pt>
+    <dgm:pt modelId="{600067ED-D018-40FE-A8AB-FACC6CB925F0}">
+      <dgm:prSet phldrT="[Text]" phldr="1"/>
+      <dgm:spPr/>
+      <dgm:t>
+        <a:bodyPr/>
+        <a:lstStyle/>
+        <a:p>
+          <a:endParaRPr lang="en-US"/>
+        </a:p>
+      </dgm:t>
+    </dgm:pt>
+    <dgm:pt modelId="{5A42EB01-D39A-4D88-A0C7-119DC3373363}" type="parTrans" cxnId="{F09D67DE-3E51-4363-A86D-EDBDB4A50AEB}">
+      <dgm:prSet/>
+      <dgm:spPr/>
+      <dgm:t>
+        <a:bodyPr/>
+        <a:lstStyle/>
+        <a:p>
+          <a:endParaRPr lang="en-US"/>
+        </a:p>
+      </dgm:t>
+    </dgm:pt>
+    <dgm:pt modelId="{5008C360-CEC5-43CD-9B3A-5305520D07D9}" type="sibTrans" cxnId="{F09D67DE-3E51-4363-A86D-EDBDB4A50AEB}">
+      <dgm:prSet/>
+      <dgm:spPr/>
+      <dgm:t>
+        <a:bodyPr/>
+        <a:lstStyle/>
+        <a:p>
+          <a:endParaRPr lang="en-US"/>
+        </a:p>
+      </dgm:t>
+    </dgm:pt>
+    <dgm:pt modelId="{19006CEF-E3C0-40CE-B71D-3B0761C21DDC}">
+      <dgm:prSet phldrT="[Text]" phldr="1"/>
+      <dgm:spPr/>
+      <dgm:t>
+        <a:bodyPr/>
+        <a:lstStyle/>
+        <a:p>
+          <a:endParaRPr lang="en-US"/>
+        </a:p>
+      </dgm:t>
+    </dgm:pt>
+    <dgm:pt modelId="{26A108C3-4A02-4A31-9DB0-1F9D0A487293}" type="parTrans" cxnId="{85E87CDC-1592-4FF6-B9DA-DC4ED8D02996}">
+      <dgm:prSet/>
+      <dgm:spPr/>
+      <dgm:t>
+        <a:bodyPr/>
+        <a:lstStyle/>
+        <a:p>
+          <a:endParaRPr lang="en-US"/>
+        </a:p>
+      </dgm:t>
+    </dgm:pt>
+    <dgm:pt modelId="{1EC5AF48-D0CD-4295-97CC-0C47F3BE6467}" type="sibTrans" cxnId="{85E87CDC-1592-4FF6-B9DA-DC4ED8D02996}">
+      <dgm:prSet/>
+      <dgm:spPr/>
+      <dgm:t>
+        <a:bodyPr/>
+        <a:lstStyle/>
+        <a:p>
+          <a:endParaRPr lang="en-US"/>
+        </a:p>
+      </dgm:t>
+    </dgm:pt>
+    <dgm:pt modelId="{EC3D3934-4B85-4705-9F9C-7BDB5DDCE64B}">
+      <dgm:prSet phldrT="[Text]" phldr="1"/>
+      <dgm:spPr/>
+      <dgm:t>
+        <a:bodyPr/>
+        <a:lstStyle/>
+        <a:p>
+          <a:endParaRPr lang="en-US"/>
+        </a:p>
+      </dgm:t>
+    </dgm:pt>
+    <dgm:pt modelId="{EFBEB933-B796-43C0-96C2-F9145B9A76CD}" type="parTrans" cxnId="{33C048A9-52A8-444E-8A8A-D8C3E347F8E0}">
+      <dgm:prSet/>
+      <dgm:spPr/>
+      <dgm:t>
+        <a:bodyPr/>
+        <a:lstStyle/>
+        <a:p>
+          <a:endParaRPr lang="en-US"/>
+        </a:p>
+      </dgm:t>
+    </dgm:pt>
+    <dgm:pt modelId="{03DC4387-837C-46ED-9005-3F66069CEA2C}" type="sibTrans" cxnId="{33C048A9-52A8-444E-8A8A-D8C3E347F8E0}">
+      <dgm:prSet/>
+      <dgm:spPr/>
+      <dgm:t>
+        <a:bodyPr/>
+        <a:lstStyle/>
+        <a:p>
+          <a:endParaRPr lang="en-US"/>
+        </a:p>
+      </dgm:t>
+    </dgm:pt>
+    <dgm:pt modelId="{4228E20B-6C1A-428F-9805-26F23166E598}" type="pres">
+      <dgm:prSet presAssocID="{F1845319-E799-43C3-B03D-DE6CCFC701CC}" presName="diagram" presStyleCnt="0">
+        <dgm:presLayoutVars>
+          <dgm:dir/>
+          <dgm:resizeHandles val="exact"/>
+        </dgm:presLayoutVars>
+      </dgm:prSet>
+      <dgm:spPr/>
+    </dgm:pt>
+    <dgm:pt modelId="{9A50B1E1-E461-4060-A423-61FAAE8D3C7D}" type="pres">
+      <dgm:prSet presAssocID="{2C3D509D-615B-479D-ABCD-A2AE994D1D1E}" presName="node" presStyleLbl="node1" presStyleIdx="0" presStyleCnt="5">
+        <dgm:presLayoutVars>
+          <dgm:bulletEnabled val="1"/>
+        </dgm:presLayoutVars>
+      </dgm:prSet>
+      <dgm:spPr/>
+    </dgm:pt>
+    <dgm:pt modelId="{6BD53DDA-1A45-4687-8F63-BB7B0D0E5EE7}" type="pres">
+      <dgm:prSet presAssocID="{F09FB46C-CB96-4BF2-8491-1F7404A6C04B}" presName="sibTrans" presStyleCnt="0"/>
+      <dgm:spPr/>
+    </dgm:pt>
+    <dgm:pt modelId="{4640FC90-9F05-4E74-BCBA-0929F4D0349F}" type="pres">
+      <dgm:prSet presAssocID="{0673E12D-2BA1-436B-A0F0-67300283202B}" presName="node" presStyleLbl="node1" presStyleIdx="1" presStyleCnt="5">
+        <dgm:presLayoutVars>
+          <dgm:bulletEnabled val="1"/>
+        </dgm:presLayoutVars>
+      </dgm:prSet>
+      <dgm:spPr/>
+    </dgm:pt>
+    <dgm:pt modelId="{AAC4F484-B265-4675-B4E9-238EEC7CF6EB}" type="pres">
+      <dgm:prSet presAssocID="{FE46F0E4-EFFC-49FD-95FF-DEC190EA043E}" presName="sibTrans" presStyleCnt="0"/>
+      <dgm:spPr/>
+    </dgm:pt>
+    <dgm:pt modelId="{B1052000-F0AF-4AE2-A94D-DAE61F471E44}" type="pres">
+      <dgm:prSet presAssocID="{600067ED-D018-40FE-A8AB-FACC6CB925F0}" presName="node" presStyleLbl="node1" presStyleIdx="2" presStyleCnt="5">
+        <dgm:presLayoutVars>
+          <dgm:bulletEnabled val="1"/>
+        </dgm:presLayoutVars>
+      </dgm:prSet>
+      <dgm:spPr/>
+    </dgm:pt>
+    <dgm:pt modelId="{B25D01C0-CF21-4E33-A4AB-9FB9196F05F7}" type="pres">
+      <dgm:prSet presAssocID="{5008C360-CEC5-43CD-9B3A-5305520D07D9}" presName="sibTrans" presStyleCnt="0"/>
+      <dgm:spPr/>
+    </dgm:pt>
+    <dgm:pt modelId="{6AE58D41-D901-400D-B51F-DC8478122DE0}" type="pres">
+      <dgm:prSet presAssocID="{19006CEF-E3C0-40CE-B71D-3B0761C21DDC}" presName="node" presStyleLbl="node1" presStyleIdx="3" presStyleCnt="5">
+        <dgm:presLayoutVars>
+          <dgm:bulletEnabled val="1"/>
+        </dgm:presLayoutVars>
+      </dgm:prSet>
+      <dgm:spPr/>
+    </dgm:pt>
+    <dgm:pt modelId="{1E037D48-5F28-4369-95E7-1A77BB19D7E4}" type="pres">
+      <dgm:prSet presAssocID="{1EC5AF48-D0CD-4295-97CC-0C47F3BE6467}" presName="sibTrans" presStyleCnt="0"/>
+      <dgm:spPr/>
+    </dgm:pt>
+    <dgm:pt modelId="{3A4FA4A8-E366-4CF2-8C17-E50647C7F972}" type="pres">
+      <dgm:prSet presAssocID="{EC3D3934-4B85-4705-9F9C-7BDB5DDCE64B}" presName="node" presStyleLbl="node1" presStyleIdx="4" presStyleCnt="5">
+        <dgm:presLayoutVars>
+          <dgm:bulletEnabled val="1"/>
+        </dgm:presLayoutVars>
+      </dgm:prSet>
+      <dgm:spPr/>
+    </dgm:pt>
+  </dgm:ptLst>
+  <dgm:cxnLst>
+    <dgm:cxn modelId="{8F11BE26-B0AC-4248-927B-23AB88D9DE5A}" type="presOf" srcId="{600067ED-D018-40FE-A8AB-FACC6CB925F0}" destId="{B1052000-F0AF-4AE2-A94D-DAE61F471E44}" srcOrd="0" destOrd="0" presId="urn:microsoft.com/office/officeart/2005/8/layout/default"/>
+    <dgm:cxn modelId="{321D3B31-6D7F-42ED-8C38-50F8B048E0B5}" type="presOf" srcId="{2C3D509D-615B-479D-ABCD-A2AE994D1D1E}" destId="{9A50B1E1-E461-4060-A423-61FAAE8D3C7D}" srcOrd="0" destOrd="0" presId="urn:microsoft.com/office/officeart/2005/8/layout/default"/>
+    <dgm:cxn modelId="{1AF2C737-E95E-43DC-ACFE-4BCCDF617145}" srcId="{F1845319-E799-43C3-B03D-DE6CCFC701CC}" destId="{2C3D509D-615B-479D-ABCD-A2AE994D1D1E}" srcOrd="0" destOrd="0" parTransId="{FFC164FC-A919-440F-9686-35A57264F308}" sibTransId="{F09FB46C-CB96-4BF2-8491-1F7404A6C04B}"/>
+    <dgm:cxn modelId="{D41C715E-8D21-49D9-867D-258B50790E0C}" srcId="{F1845319-E799-43C3-B03D-DE6CCFC701CC}" destId="{0673E12D-2BA1-436B-A0F0-67300283202B}" srcOrd="1" destOrd="0" parTransId="{81DE3D56-9702-46DF-B6BE-33C01AD983D3}" sibTransId="{FE46F0E4-EFFC-49FD-95FF-DEC190EA043E}"/>
+    <dgm:cxn modelId="{01C2EF43-2E2A-44E3-9E53-0ECB6F213E97}" type="presOf" srcId="{F1845319-E799-43C3-B03D-DE6CCFC701CC}" destId="{4228E20B-6C1A-428F-9805-26F23166E598}" srcOrd="0" destOrd="0" presId="urn:microsoft.com/office/officeart/2005/8/layout/default"/>
+    <dgm:cxn modelId="{33C048A9-52A8-444E-8A8A-D8C3E347F8E0}" srcId="{F1845319-E799-43C3-B03D-DE6CCFC701CC}" destId="{EC3D3934-4B85-4705-9F9C-7BDB5DDCE64B}" srcOrd="4" destOrd="0" parTransId="{EFBEB933-B796-43C0-96C2-F9145B9A76CD}" sibTransId="{03DC4387-837C-46ED-9005-3F66069CEA2C}"/>
+    <dgm:cxn modelId="{7B5E46DB-619D-4679-891D-AFF14B9B04C0}" type="presOf" srcId="{19006CEF-E3C0-40CE-B71D-3B0761C21DDC}" destId="{6AE58D41-D901-400D-B51F-DC8478122DE0}" srcOrd="0" destOrd="0" presId="urn:microsoft.com/office/officeart/2005/8/layout/default"/>
+    <dgm:cxn modelId="{85E87CDC-1592-4FF6-B9DA-DC4ED8D02996}" srcId="{F1845319-E799-43C3-B03D-DE6CCFC701CC}" destId="{19006CEF-E3C0-40CE-B71D-3B0761C21DDC}" srcOrd="3" destOrd="0" parTransId="{26A108C3-4A02-4A31-9DB0-1F9D0A487293}" sibTransId="{1EC5AF48-D0CD-4295-97CC-0C47F3BE6467}"/>
+    <dgm:cxn modelId="{F09D67DE-3E51-4363-A86D-EDBDB4A50AEB}" srcId="{F1845319-E799-43C3-B03D-DE6CCFC701CC}" destId="{600067ED-D018-40FE-A8AB-FACC6CB925F0}" srcOrd="2" destOrd="0" parTransId="{5A42EB01-D39A-4D88-A0C7-119DC3373363}" sibTransId="{5008C360-CEC5-43CD-9B3A-5305520D07D9}"/>
+    <dgm:cxn modelId="{12129AEE-7973-4B5C-8C3B-D41E00F51348}" type="presOf" srcId="{0673E12D-2BA1-436B-A0F0-67300283202B}" destId="{4640FC90-9F05-4E74-BCBA-0929F4D0349F}" srcOrd="0" destOrd="0" presId="urn:microsoft.com/office/officeart/2005/8/layout/default"/>
+    <dgm:cxn modelId="{4B85D9F3-7BBA-4F8D-B44B-6DF3FD57C719}" type="presOf" srcId="{EC3D3934-4B85-4705-9F9C-7BDB5DDCE64B}" destId="{3A4FA4A8-E366-4CF2-8C17-E50647C7F972}" srcOrd="0" destOrd="0" presId="urn:microsoft.com/office/officeart/2005/8/layout/default"/>
+    <dgm:cxn modelId="{7A34C0AF-698E-48E2-BCB5-031584BC3E99}" type="presParOf" srcId="{4228E20B-6C1A-428F-9805-26F23166E598}" destId="{9A50B1E1-E461-4060-A423-61FAAE8D3C7D}" srcOrd="0" destOrd="0" presId="urn:microsoft.com/office/officeart/2005/8/layout/default"/>
+    <dgm:cxn modelId="{3D078EEC-28A1-47D6-BE39-0FC9A181A8C2}" type="presParOf" srcId="{4228E20B-6C1A-428F-9805-26F23166E598}" destId="{6BD53DDA-1A45-4687-8F63-BB7B0D0E5EE7}" srcOrd="1" destOrd="0" presId="urn:microsoft.com/office/officeart/2005/8/layout/default"/>
+    <dgm:cxn modelId="{457DDCCD-4549-4082-8D61-748C9A4C05C8}" type="presParOf" srcId="{4228E20B-6C1A-428F-9805-26F23166E598}" destId="{4640FC90-9F05-4E74-BCBA-0929F4D0349F}" srcOrd="2" destOrd="0" presId="urn:microsoft.com/office/officeart/2005/8/layout/default"/>
+    <dgm:cxn modelId="{BFC7D844-2BEF-48BB-8026-3544D9C1D9E0}" type="presParOf" srcId="{4228E20B-6C1A-428F-9805-26F23166E598}" destId="{AAC4F484-B265-4675-B4E9-238EEC7CF6EB}" srcOrd="3" destOrd="0" presId="urn:microsoft.com/office/officeart/2005/8/layout/default"/>
+    <dgm:cxn modelId="{76A3F80E-0018-45F5-8B1A-F4B032B26AD9}" type="presParOf" srcId="{4228E20B-6C1A-428F-9805-26F23166E598}" destId="{B1052000-F0AF-4AE2-A94D-DAE61F471E44}" srcOrd="4" destOrd="0" presId="urn:microsoft.com/office/officeart/2005/8/layout/default"/>
+    <dgm:cxn modelId="{601349EC-AA7F-493C-8F00-4F413E4034E5}" type="presParOf" srcId="{4228E20B-6C1A-428F-9805-26F23166E598}" destId="{B25D01C0-CF21-4E33-A4AB-9FB9196F05F7}" srcOrd="5" destOrd="0" presId="urn:microsoft.com/office/officeart/2005/8/layout/default"/>
+    <dgm:cxn modelId="{1FBB9C46-D3C6-4C77-BAAB-4E0BF003E571}" type="presParOf" srcId="{4228E20B-6C1A-428F-9805-26F23166E598}" destId="{6AE58D41-D901-400D-B51F-DC8478122DE0}" srcOrd="6" destOrd="0" presId="urn:microsoft.com/office/officeart/2005/8/layout/default"/>
+    <dgm:cxn modelId="{6A4E50A7-3362-4D17-B897-9B795B6FF19D}" type="presParOf" srcId="{4228E20B-6C1A-428F-9805-26F23166E598}" destId="{1E037D48-5F28-4369-95E7-1A77BB19D7E4}" srcOrd="7" destOrd="0" presId="urn:microsoft.com/office/officeart/2005/8/layout/default"/>
+    <dgm:cxn modelId="{1A8890AE-FEDC-47A3-9AC3-9864FD4C982B}" type="presParOf" srcId="{4228E20B-6C1A-428F-9805-26F23166E598}" destId="{3A4FA4A8-E366-4CF2-8C17-E50647C7F972}" srcOrd="8" destOrd="0" presId="urn:microsoft.com/office/officeart/2005/8/layout/default"/>
+  </dgm:cxnLst>
+  <dgm:bg/>
+  <dgm:whole/>
+  <dgm:extLst>
+    <a:ext uri="http://schemas.microsoft.com/office/drawing/2008/diagram">
+      <dsp:dataModelExt xmlns:dsp="http://schemas.microsoft.com/office/drawing/2008/diagram" relId="rId6" minVer="http://schemas.openxmlformats.org/drawingml/2006/diagram"/>
+    </a:ext>
+  </dgm:extLst>
+</dgm:dataModel>
+</file>
+
+<file path=ppt/diagrams/data2.xml><?xml version="1.0" encoding="utf-8"?>
 <dgm:dataModel xmlns:dgm="http://schemas.openxmlformats.org/drawingml/2006/diagram" xmlns:a="http://schemas.openxmlformats.org/drawingml/2006/main">
   <dgm:ptLst>
     <dgm:pt modelId="{1D770145-3F55-499A-9F32-029E59CCC201}" type="doc">
@@ -1991,7 +3022,7 @@
 </dgm:dataModel>
 </file>
 
-<file path=ppt/diagrams/data2.xml><?xml version="1.0" encoding="utf-8"?>
+<file path=ppt/diagrams/data3.xml><?xml version="1.0" encoding="utf-8"?>
 <dgm:dataModel xmlns:dgm="http://schemas.openxmlformats.org/drawingml/2006/diagram" xmlns:a="http://schemas.openxmlformats.org/drawingml/2006/main">
   <dgm:ptLst>
     <dgm:pt modelId="{88F3C1AA-CE67-4663-8C4E-5739587C4C85}" type="doc">
@@ -2055,7 +3086,7 @@
                 <a:srgbClr val="00B050"/>
               </a:solidFill>
             </a:rPr>
-            <a:t>Empfehlung für Informatiker</a:t>
+            <a:t>Empfehlung</a:t>
           </a:r>
           <a:endParaRPr lang="en-US" dirty="0">
             <a:solidFill>
@@ -2145,146 +3176,6 @@
         </a:p>
       </dgm:t>
     </dgm:pt>
-    <dgm:pt modelId="{EFE6B8AB-7B3C-4F96-A919-649D33CC8BC9}">
-      <dgm:prSet phldrT="[Text]"/>
-      <dgm:spPr/>
-      <dgm:t>
-        <a:bodyPr/>
-        <a:lstStyle/>
-        <a:p>
-          <a:r>
-            <a:rPr lang="de-DE" dirty="0"/>
-            <a:t>Option 3</a:t>
-          </a:r>
-          <a:endParaRPr lang="en-US" dirty="0"/>
-        </a:p>
-      </dgm:t>
-    </dgm:pt>
-    <dgm:pt modelId="{EEBC6384-3D50-46C8-A478-13FB96D91CBD}" type="parTrans" cxnId="{6CCC1E45-D0D2-4463-8870-0CD1F8705446}">
-      <dgm:prSet/>
-      <dgm:spPr/>
-      <dgm:t>
-        <a:bodyPr/>
-        <a:lstStyle/>
-        <a:p>
-          <a:endParaRPr lang="en-US"/>
-        </a:p>
-      </dgm:t>
-    </dgm:pt>
-    <dgm:pt modelId="{FF379C51-41E2-4586-A22A-9ADECBC66334}" type="sibTrans" cxnId="{6CCC1E45-D0D2-4463-8870-0CD1F8705446}">
-      <dgm:prSet/>
-      <dgm:spPr/>
-      <dgm:t>
-        <a:bodyPr/>
-        <a:lstStyle/>
-        <a:p>
-          <a:endParaRPr lang="en-US"/>
-        </a:p>
-      </dgm:t>
-    </dgm:pt>
-    <dgm:pt modelId="{3D74735F-EACB-4F99-A3DA-C48DFDA3EFB8}">
-      <dgm:prSet phldrT="[Text]"/>
-      <dgm:spPr/>
-      <dgm:t>
-        <a:bodyPr/>
-        <a:lstStyle/>
-        <a:p>
-          <a:r>
-            <a:rPr lang="de-DE" dirty="0">
-              <a:solidFill>
-                <a:srgbClr val="00B050"/>
-              </a:solidFill>
-            </a:rPr>
-            <a:t>Empfehlung für Nicht-Informatiker</a:t>
-          </a:r>
-          <a:endParaRPr lang="en-US" dirty="0">
-            <a:solidFill>
-              <a:srgbClr val="00B050"/>
-            </a:solidFill>
-          </a:endParaRPr>
-        </a:p>
-      </dgm:t>
-    </dgm:pt>
-    <dgm:pt modelId="{F756F1D6-7C7B-4099-84DF-93185C25C6A3}" type="parTrans" cxnId="{DECAE822-F00A-49DE-B3EE-00E5A86F9281}">
-      <dgm:prSet/>
-      <dgm:spPr/>
-      <dgm:t>
-        <a:bodyPr/>
-        <a:lstStyle/>
-        <a:p>
-          <a:endParaRPr lang="en-US"/>
-        </a:p>
-      </dgm:t>
-    </dgm:pt>
-    <dgm:pt modelId="{8CBD9DF4-CA00-462B-8CA2-418E6DC47B8B}" type="sibTrans" cxnId="{DECAE822-F00A-49DE-B3EE-00E5A86F9281}">
-      <dgm:prSet/>
-      <dgm:spPr/>
-      <dgm:t>
-        <a:bodyPr/>
-        <a:lstStyle/>
-        <a:p>
-          <a:endParaRPr lang="en-US"/>
-        </a:p>
-      </dgm:t>
-    </dgm:pt>
-    <dgm:pt modelId="{48280E94-9C4D-4EC1-ADEE-E54348D94B29}">
-      <dgm:prSet phldrT="[Text]"/>
-      <dgm:spPr/>
-      <dgm:t>
-        <a:bodyPr/>
-        <a:lstStyle/>
-        <a:p>
-          <a:r>
-            <a:rPr lang="en-US" dirty="0">
-              <a:solidFill>
-                <a:schemeClr val="tx1">
-                  <a:lumMod val="85000"/>
-                  <a:lumOff val="15000"/>
-                </a:schemeClr>
-              </a:solidFill>
-              <a:hlinkClick xmlns:r="http://schemas.openxmlformats.org/officeDocument/2006/relationships" r:id="rId2">
-                <a:extLst>
-                  <a:ext uri="{A12FA001-AC4F-418D-AE19-62706E023703}">
-                    <ahyp:hlinkClr xmlns:ahyp="http://schemas.microsoft.com/office/drawing/2018/hyperlinkcolor" val="tx"/>
-                  </a:ext>
-                </a:extLst>
-              </a:hlinkClick>
-            </a:rPr>
-            <a:t>https://github.com/maximotus/skill-saturday-wordpress-portfolio-website/wiki/Option-3</a:t>
-          </a:r>
-          <a:endParaRPr lang="en-US" dirty="0">
-            <a:solidFill>
-              <a:schemeClr val="tx1">
-                <a:lumMod val="85000"/>
-                <a:lumOff val="15000"/>
-              </a:schemeClr>
-            </a:solidFill>
-          </a:endParaRPr>
-        </a:p>
-      </dgm:t>
-    </dgm:pt>
-    <dgm:pt modelId="{30181F8B-6095-488E-B0A0-ED1F71965231}" type="parTrans" cxnId="{E958D634-C74F-4EB9-AEBB-24E4148ABC6E}">
-      <dgm:prSet/>
-      <dgm:spPr/>
-      <dgm:t>
-        <a:bodyPr/>
-        <a:lstStyle/>
-        <a:p>
-          <a:endParaRPr lang="en-US"/>
-        </a:p>
-      </dgm:t>
-    </dgm:pt>
-    <dgm:pt modelId="{FE23EB89-88B9-4EB0-8ED9-0DD03D487DAB}" type="sibTrans" cxnId="{E958D634-C74F-4EB9-AEBB-24E4148ABC6E}">
-      <dgm:prSet/>
-      <dgm:spPr/>
-      <dgm:t>
-        <a:bodyPr/>
-        <a:lstStyle/>
-        <a:p>
-          <a:endParaRPr lang="en-US"/>
-        </a:p>
-      </dgm:t>
-    </dgm:pt>
     <dgm:pt modelId="{FF869937-3662-48A5-B8E2-C991522DD447}">
       <dgm:prSet phldrT="[Text]"/>
       <dgm:spPr/>
@@ -2294,7 +3185,7 @@
         <a:p>
           <a:r>
             <a:rPr lang="de-DE" dirty="0"/>
-            <a:t>Option 4</a:t>
+            <a:t>Option 2</a:t>
           </a:r>
           <a:endParaRPr lang="en-US" dirty="0"/>
         </a:p>
@@ -2379,7 +3270,7 @@
                   <a:lumOff val="15000"/>
                 </a:schemeClr>
               </a:solidFill>
-              <a:hlinkClick xmlns:r="http://schemas.openxmlformats.org/officeDocument/2006/relationships" r:id="rId3">
+              <a:hlinkClick xmlns:r="http://schemas.openxmlformats.org/officeDocument/2006/relationships" r:id="rId2">
                 <a:extLst>
                   <a:ext uri="{A12FA001-AC4F-418D-AE19-62706E023703}">
                     <ahyp:hlinkClr xmlns:ahyp="http://schemas.microsoft.com/office/drawing/2018/hyperlinkcolor" val="tx"/>
@@ -2387,7 +3278,7 @@
                 </a:extLst>
               </a:hlinkClick>
             </a:rPr>
-            <a:t>https://github.com/maximotus/skill-saturday-wordpress-portfolio-website/wiki/Option-4</a:t>
+            <a:t>https://github.com/maximotus/skill-saturday-wordpress-portfolio-website/wiki/Option-3</a:t>
           </a:r>
           <a:endParaRPr lang="en-US" dirty="0">
             <a:solidFill>
@@ -2436,11 +3327,11 @@
       <dgm:spPr/>
     </dgm:pt>
     <dgm:pt modelId="{4C3F45E2-0089-46DA-822A-9F4B7C76BBB7}" type="pres">
-      <dgm:prSet presAssocID="{D36D91AA-A698-440A-A2E7-650B4772B315}" presName="box" presStyleLbl="node1" presStyleIdx="0" presStyleCnt="3"/>
+      <dgm:prSet presAssocID="{D36D91AA-A698-440A-A2E7-650B4772B315}" presName="box" presStyleLbl="node1" presStyleIdx="0" presStyleCnt="2"/>
       <dgm:spPr/>
     </dgm:pt>
     <dgm:pt modelId="{3543167E-0B84-4A2E-8412-B8340644D301}" type="pres">
-      <dgm:prSet presAssocID="{D36D91AA-A698-440A-A2E7-650B4772B315}" presName="img" presStyleLbl="fgImgPlace1" presStyleIdx="0" presStyleCnt="3"/>
+      <dgm:prSet presAssocID="{D36D91AA-A698-440A-A2E7-650B4772B315}" presName="img" presStyleLbl="fgImgPlace1" presStyleIdx="0" presStyleCnt="2"/>
       <dgm:spPr>
         <a:solidFill>
           <a:schemeClr val="bg1"/>
@@ -2448,7 +3339,7 @@
       </dgm:spPr>
     </dgm:pt>
     <dgm:pt modelId="{71740332-8654-4465-80E5-0D70AB61A957}" type="pres">
-      <dgm:prSet presAssocID="{D36D91AA-A698-440A-A2E7-650B4772B315}" presName="text" presStyleLbl="node1" presStyleIdx="0" presStyleCnt="3">
+      <dgm:prSet presAssocID="{D36D91AA-A698-440A-A2E7-650B4772B315}" presName="text" presStyleLbl="node1" presStyleIdx="0" presStyleCnt="2">
         <dgm:presLayoutVars>
           <dgm:bulletEnabled val="1"/>
         </dgm:presLayoutVars>
@@ -2459,44 +3350,16 @@
       <dgm:prSet presAssocID="{80831EC4-31ED-4038-AC0A-774C020F8DE1}" presName="spacer" presStyleCnt="0"/>
       <dgm:spPr/>
     </dgm:pt>
-    <dgm:pt modelId="{C615E3BE-DAE0-4F12-A317-9F975E116D92}" type="pres">
-      <dgm:prSet presAssocID="{EFE6B8AB-7B3C-4F96-A919-649D33CC8BC9}" presName="comp" presStyleCnt="0"/>
-      <dgm:spPr/>
-    </dgm:pt>
-    <dgm:pt modelId="{A11EFA34-286D-4420-B635-E2EA95F7BC9A}" type="pres">
-      <dgm:prSet presAssocID="{EFE6B8AB-7B3C-4F96-A919-649D33CC8BC9}" presName="box" presStyleLbl="node1" presStyleIdx="1" presStyleCnt="3"/>
-      <dgm:spPr/>
-    </dgm:pt>
-    <dgm:pt modelId="{501E99D7-A5CC-4814-97C3-485359C94EBE}" type="pres">
-      <dgm:prSet presAssocID="{EFE6B8AB-7B3C-4F96-A919-649D33CC8BC9}" presName="img" presStyleLbl="fgImgPlace1" presStyleIdx="1" presStyleCnt="3"/>
-      <dgm:spPr>
-        <a:solidFill>
-          <a:schemeClr val="bg1"/>
-        </a:solidFill>
-      </dgm:spPr>
-    </dgm:pt>
-    <dgm:pt modelId="{273CF225-9753-4928-95B0-F8E145FD8C01}" type="pres">
-      <dgm:prSet presAssocID="{EFE6B8AB-7B3C-4F96-A919-649D33CC8BC9}" presName="text" presStyleLbl="node1" presStyleIdx="1" presStyleCnt="3">
-        <dgm:presLayoutVars>
-          <dgm:bulletEnabled val="1"/>
-        </dgm:presLayoutVars>
-      </dgm:prSet>
-      <dgm:spPr/>
-    </dgm:pt>
-    <dgm:pt modelId="{5012CD9B-C411-4FAB-A761-36B7BCBADF14}" type="pres">
-      <dgm:prSet presAssocID="{FF379C51-41E2-4586-A22A-9ADECBC66334}" presName="spacer" presStyleCnt="0"/>
-      <dgm:spPr/>
-    </dgm:pt>
     <dgm:pt modelId="{D78BD2E8-1617-4406-9EB8-886D022D0E09}" type="pres">
       <dgm:prSet presAssocID="{FF869937-3662-48A5-B8E2-C991522DD447}" presName="comp" presStyleCnt="0"/>
       <dgm:spPr/>
     </dgm:pt>
     <dgm:pt modelId="{5146AC4C-C65D-4679-BD99-A7C261AFA3E3}" type="pres">
-      <dgm:prSet presAssocID="{FF869937-3662-48A5-B8E2-C991522DD447}" presName="box" presStyleLbl="node1" presStyleIdx="2" presStyleCnt="3"/>
+      <dgm:prSet presAssocID="{FF869937-3662-48A5-B8E2-C991522DD447}" presName="box" presStyleLbl="node1" presStyleIdx="1" presStyleCnt="2"/>
       <dgm:spPr/>
     </dgm:pt>
     <dgm:pt modelId="{9CFC517E-AB5B-48A5-8D3A-042E49721566}" type="pres">
-      <dgm:prSet presAssocID="{FF869937-3662-48A5-B8E2-C991522DD447}" presName="img" presStyleLbl="fgImgPlace1" presStyleIdx="2" presStyleCnt="3"/>
+      <dgm:prSet presAssocID="{FF869937-3662-48A5-B8E2-C991522DD447}" presName="img" presStyleLbl="fgImgPlace1" presStyleIdx="1" presStyleCnt="2"/>
       <dgm:spPr>
         <a:solidFill>
           <a:schemeClr val="bg1"/>
@@ -2504,7 +3367,7 @@
       </dgm:spPr>
     </dgm:pt>
     <dgm:pt modelId="{076644E2-374B-42F0-B777-E8268CA8EDAC}" type="pres">
-      <dgm:prSet presAssocID="{FF869937-3662-48A5-B8E2-C991522DD447}" presName="text" presStyleLbl="node1" presStyleIdx="2" presStyleCnt="3">
+      <dgm:prSet presAssocID="{FF869937-3662-48A5-B8E2-C991522DD447}" presName="text" presStyleLbl="node1" presStyleIdx="1" presStyleCnt="2">
         <dgm:presLayoutVars>
           <dgm:bulletEnabled val="1"/>
         </dgm:presLayoutVars>
@@ -2514,28 +3377,19 @@
   </dgm:ptLst>
   <dgm:cxnLst>
     <dgm:cxn modelId="{8D80CE06-28D5-48B5-A58E-31F288630928}" srcId="{88F3C1AA-CE67-4663-8C4E-5739587C4C85}" destId="{D36D91AA-A698-440A-A2E7-650B4772B315}" srcOrd="0" destOrd="0" parTransId="{0C6D27D9-0390-4420-8C8E-189A0F1434FC}" sibTransId="{80831EC4-31ED-4038-AC0A-774C020F8DE1}"/>
-    <dgm:cxn modelId="{5392B711-9ED0-43CE-9C15-883E920FD189}" type="presOf" srcId="{48280E94-9C4D-4EC1-ADEE-E54348D94B29}" destId="{A11EFA34-286D-4420-B635-E2EA95F7BC9A}" srcOrd="0" destOrd="2" presId="urn:microsoft.com/office/officeart/2005/8/layout/vList4"/>
     <dgm:cxn modelId="{AC809B14-12A3-4D2B-9BE2-623ABA367CDD}" type="presOf" srcId="{4F44F2B1-1F88-4DA0-BD41-D64F93313F40}" destId="{4C3F45E2-0089-46DA-822A-9F4B7C76BBB7}" srcOrd="0" destOrd="2" presId="urn:microsoft.com/office/officeart/2005/8/layout/vList4"/>
-    <dgm:cxn modelId="{DECAE822-F00A-49DE-B3EE-00E5A86F9281}" srcId="{EFE6B8AB-7B3C-4F96-A919-649D33CC8BC9}" destId="{3D74735F-EACB-4F99-A3DA-C48DFDA3EFB8}" srcOrd="0" destOrd="0" parTransId="{F756F1D6-7C7B-4099-84DF-93185C25C6A3}" sibTransId="{8CBD9DF4-CA00-462B-8CA2-418E6DC47B8B}"/>
     <dgm:cxn modelId="{05B6A123-D08D-49A6-91B9-C1101DD4E260}" srcId="{D36D91AA-A698-440A-A2E7-650B4772B315}" destId="{534E9A7E-57F2-48B5-AB09-7FC267998813}" srcOrd="0" destOrd="0" parTransId="{871163A8-C156-4908-A079-837EF5E4F8DF}" sibTransId="{10329004-61E4-40D4-9DFD-FCC69DA53FDB}"/>
     <dgm:cxn modelId="{18066026-661E-4DB9-B59B-B3132CB507B3}" type="presOf" srcId="{DB3DCDB3-64EC-467F-8691-C8D04C0CB373}" destId="{5146AC4C-C65D-4679-BD99-A7C261AFA3E3}" srcOrd="0" destOrd="1" presId="urn:microsoft.com/office/officeart/2005/8/layout/vList4"/>
-    <dgm:cxn modelId="{E958D634-C74F-4EB9-AEBB-24E4148ABC6E}" srcId="{EFE6B8AB-7B3C-4F96-A919-649D33CC8BC9}" destId="{48280E94-9C4D-4EC1-ADEE-E54348D94B29}" srcOrd="1" destOrd="0" parTransId="{30181F8B-6095-488E-B0A0-ED1F71965231}" sibTransId="{FE23EB89-88B9-4EB0-8ED9-0DD03D487DAB}"/>
-    <dgm:cxn modelId="{002CF234-54B9-4337-B790-4D2E2FDE6763}" type="presOf" srcId="{EFE6B8AB-7B3C-4F96-A919-649D33CC8BC9}" destId="{273CF225-9753-4928-95B0-F8E145FD8C01}" srcOrd="1" destOrd="0" presId="urn:microsoft.com/office/officeart/2005/8/layout/vList4"/>
     <dgm:cxn modelId="{DA8DCE3E-32D2-40F1-AC61-58C2B70CD01B}" type="presOf" srcId="{D36D91AA-A698-440A-A2E7-650B4772B315}" destId="{71740332-8654-4465-80E5-0D70AB61A957}" srcOrd="1" destOrd="0" presId="urn:microsoft.com/office/officeart/2005/8/layout/vList4"/>
-    <dgm:cxn modelId="{6CCC1E45-D0D2-4463-8870-0CD1F8705446}" srcId="{88F3C1AA-CE67-4663-8C4E-5739587C4C85}" destId="{EFE6B8AB-7B3C-4F96-A919-649D33CC8BC9}" srcOrd="1" destOrd="0" parTransId="{EEBC6384-3D50-46C8-A478-13FB96D91CBD}" sibTransId="{FF379C51-41E2-4586-A22A-9ADECBC66334}"/>
     <dgm:cxn modelId="{1315336D-EE89-4B7F-BF66-1579D96252CE}" type="presOf" srcId="{D36D91AA-A698-440A-A2E7-650B4772B315}" destId="{4C3F45E2-0089-46DA-822A-9F4B7C76BBB7}" srcOrd="0" destOrd="0" presId="urn:microsoft.com/office/officeart/2005/8/layout/vList4"/>
     <dgm:cxn modelId="{BCD0AE4D-1B5C-44E1-BD89-3F57CC173BE4}" type="presOf" srcId="{FF869937-3662-48A5-B8E2-C991522DD447}" destId="{5146AC4C-C65D-4679-BD99-A7C261AFA3E3}" srcOrd="0" destOrd="0" presId="urn:microsoft.com/office/officeart/2005/8/layout/vList4"/>
-    <dgm:cxn modelId="{0487EE4E-DA51-4548-9160-273C440E94C1}" type="presOf" srcId="{EFE6B8AB-7B3C-4F96-A919-649D33CC8BC9}" destId="{A11EFA34-286D-4420-B635-E2EA95F7BC9A}" srcOrd="0" destOrd="0" presId="urn:microsoft.com/office/officeart/2005/8/layout/vList4"/>
-    <dgm:cxn modelId="{DD68EB76-1CE7-4060-8D46-296DAF789719}" type="presOf" srcId="{3D74735F-EACB-4F99-A3DA-C48DFDA3EFB8}" destId="{273CF225-9753-4928-95B0-F8E145FD8C01}" srcOrd="1" destOrd="1" presId="urn:microsoft.com/office/officeart/2005/8/layout/vList4"/>
     <dgm:cxn modelId="{BAD8FF7A-646F-4175-9E12-C5CF12BC2896}" type="presOf" srcId="{4F44F2B1-1F88-4DA0-BD41-D64F93313F40}" destId="{71740332-8654-4465-80E5-0D70AB61A957}" srcOrd="1" destOrd="2" presId="urn:microsoft.com/office/officeart/2005/8/layout/vList4"/>
-    <dgm:cxn modelId="{B8B58D80-9A7A-4A72-B203-3B6A30ACF62B}" srcId="{88F3C1AA-CE67-4663-8C4E-5739587C4C85}" destId="{FF869937-3662-48A5-B8E2-C991522DD447}" srcOrd="2" destOrd="0" parTransId="{8EDBB306-30E5-4FDF-9118-6638FBDF93AD}" sibTransId="{7F01C478-6E74-455D-A06B-31E2DC2E21E8}"/>
+    <dgm:cxn modelId="{B8B58D80-9A7A-4A72-B203-3B6A30ACF62B}" srcId="{88F3C1AA-CE67-4663-8C4E-5739587C4C85}" destId="{FF869937-3662-48A5-B8E2-C991522DD447}" srcOrd="1" destOrd="0" parTransId="{8EDBB306-30E5-4FDF-9118-6638FBDF93AD}" sibTransId="{7F01C478-6E74-455D-A06B-31E2DC2E21E8}"/>
     <dgm:cxn modelId="{02DCFA8B-A183-4382-8DBE-7F6E3C64CE9A}" type="presOf" srcId="{E708BED1-C5DF-47B9-8D40-6E3403B66E69}" destId="{5146AC4C-C65D-4679-BD99-A7C261AFA3E3}" srcOrd="0" destOrd="2" presId="urn:microsoft.com/office/officeart/2005/8/layout/vList4"/>
     <dgm:cxn modelId="{62B7758D-92F3-41DB-8209-EF2A9BD8098D}" type="presOf" srcId="{534E9A7E-57F2-48B5-AB09-7FC267998813}" destId="{4C3F45E2-0089-46DA-822A-9F4B7C76BBB7}" srcOrd="0" destOrd="1" presId="urn:microsoft.com/office/officeart/2005/8/layout/vList4"/>
     <dgm:cxn modelId="{DF734C8F-4858-49E2-8ACB-EB6A32397E85}" type="presOf" srcId="{E708BED1-C5DF-47B9-8D40-6E3403B66E69}" destId="{076644E2-374B-42F0-B777-E8268CA8EDAC}" srcOrd="1" destOrd="2" presId="urn:microsoft.com/office/officeart/2005/8/layout/vList4"/>
-    <dgm:cxn modelId="{1F5BD990-3DCE-4407-AD47-0C8B8CD846D9}" type="presOf" srcId="{48280E94-9C4D-4EC1-ADEE-E54348D94B29}" destId="{273CF225-9753-4928-95B0-F8E145FD8C01}" srcOrd="1" destOrd="2" presId="urn:microsoft.com/office/officeart/2005/8/layout/vList4"/>
     <dgm:cxn modelId="{094DD498-3373-413C-A36B-EC2A3FE67467}" srcId="{D36D91AA-A698-440A-A2E7-650B4772B315}" destId="{4F44F2B1-1F88-4DA0-BD41-D64F93313F40}" srcOrd="1" destOrd="0" parTransId="{517AD3AA-EF90-4EBE-A5DE-913725FBF4CB}" sibTransId="{E0D00119-02DE-48DE-AF4D-671A20534577}"/>
     <dgm:cxn modelId="{CFD273A8-E048-4695-969D-518067520BC5}" srcId="{FF869937-3662-48A5-B8E2-C991522DD447}" destId="{E708BED1-C5DF-47B9-8D40-6E3403B66E69}" srcOrd="1" destOrd="0" parTransId="{B688070F-38FB-4DAE-8DBF-E040B9B8DCE6}" sibTransId="{BCFB4885-78B7-44AD-B2AD-429A34EA38DF}"/>
-    <dgm:cxn modelId="{0CF209A9-B160-4F38-8BB0-D74491818F75}" type="presOf" srcId="{3D74735F-EACB-4F99-A3DA-C48DFDA3EFB8}" destId="{A11EFA34-286D-4420-B635-E2EA95F7BC9A}" srcOrd="0" destOrd="1" presId="urn:microsoft.com/office/officeart/2005/8/layout/vList4"/>
     <dgm:cxn modelId="{FBD49FA9-D72C-473C-B0A8-EA7462469390}" type="presOf" srcId="{88F3C1AA-CE67-4663-8C4E-5739587C4C85}" destId="{30183D65-48F9-4297-A449-6903C6264016}" srcOrd="0" destOrd="0" presId="urn:microsoft.com/office/officeart/2005/8/layout/vList4"/>
     <dgm:cxn modelId="{D628A9B8-4E0E-446C-95CF-DBDFF9134D81}" type="presOf" srcId="{534E9A7E-57F2-48B5-AB09-7FC267998813}" destId="{71740332-8654-4465-80E5-0D70AB61A957}" srcOrd="1" destOrd="1" presId="urn:microsoft.com/office/officeart/2005/8/layout/vList4"/>
     <dgm:cxn modelId="{D9805DC5-D442-4F0A-8B5F-5D760229CE1C}" type="presOf" srcId="{FF869937-3662-48A5-B8E2-C991522DD447}" destId="{076644E2-374B-42F0-B777-E8268CA8EDAC}" srcOrd="1" destOrd="0" presId="urn:microsoft.com/office/officeart/2005/8/layout/vList4"/>
@@ -2546,12 +3400,7 @@
     <dgm:cxn modelId="{A9CCA6FE-0386-463F-80AB-355AF54720B0}" type="presParOf" srcId="{E2C7033F-DB72-4AA7-93EB-B521FEA1E64A}" destId="{3543167E-0B84-4A2E-8412-B8340644D301}" srcOrd="1" destOrd="0" presId="urn:microsoft.com/office/officeart/2005/8/layout/vList4"/>
     <dgm:cxn modelId="{920C2517-4996-4395-9F18-8065A7AE44BC}" type="presParOf" srcId="{E2C7033F-DB72-4AA7-93EB-B521FEA1E64A}" destId="{71740332-8654-4465-80E5-0D70AB61A957}" srcOrd="2" destOrd="0" presId="urn:microsoft.com/office/officeart/2005/8/layout/vList4"/>
     <dgm:cxn modelId="{553A999E-ACA3-4C8A-B04A-C4BAFE288135}" type="presParOf" srcId="{30183D65-48F9-4297-A449-6903C6264016}" destId="{A199E1C2-B509-430E-976F-3416D9E6BCF1}" srcOrd="1" destOrd="0" presId="urn:microsoft.com/office/officeart/2005/8/layout/vList4"/>
-    <dgm:cxn modelId="{539B87C4-8096-4AC8-AA0E-88A9148F5A77}" type="presParOf" srcId="{30183D65-48F9-4297-A449-6903C6264016}" destId="{C615E3BE-DAE0-4F12-A317-9F975E116D92}" srcOrd="2" destOrd="0" presId="urn:microsoft.com/office/officeart/2005/8/layout/vList4"/>
-    <dgm:cxn modelId="{20FC6508-AEBB-4E73-B15D-A47916752D2A}" type="presParOf" srcId="{C615E3BE-DAE0-4F12-A317-9F975E116D92}" destId="{A11EFA34-286D-4420-B635-E2EA95F7BC9A}" srcOrd="0" destOrd="0" presId="urn:microsoft.com/office/officeart/2005/8/layout/vList4"/>
-    <dgm:cxn modelId="{35F6CE0A-759C-4364-8DBB-9316F59F7794}" type="presParOf" srcId="{C615E3BE-DAE0-4F12-A317-9F975E116D92}" destId="{501E99D7-A5CC-4814-97C3-485359C94EBE}" srcOrd="1" destOrd="0" presId="urn:microsoft.com/office/officeart/2005/8/layout/vList4"/>
-    <dgm:cxn modelId="{8F8D1BD6-706C-48DB-BD46-1D22F2B7F88C}" type="presParOf" srcId="{C615E3BE-DAE0-4F12-A317-9F975E116D92}" destId="{273CF225-9753-4928-95B0-F8E145FD8C01}" srcOrd="2" destOrd="0" presId="urn:microsoft.com/office/officeart/2005/8/layout/vList4"/>
-    <dgm:cxn modelId="{5ABF29AC-28C9-4DAD-A658-352B8259F227}" type="presParOf" srcId="{30183D65-48F9-4297-A449-6903C6264016}" destId="{5012CD9B-C411-4FAB-A761-36B7BCBADF14}" srcOrd="3" destOrd="0" presId="urn:microsoft.com/office/officeart/2005/8/layout/vList4"/>
-    <dgm:cxn modelId="{FC823712-E2EC-42CE-A27E-B5B69F0D9F91}" type="presParOf" srcId="{30183D65-48F9-4297-A449-6903C6264016}" destId="{D78BD2E8-1617-4406-9EB8-886D022D0E09}" srcOrd="4" destOrd="0" presId="urn:microsoft.com/office/officeart/2005/8/layout/vList4"/>
+    <dgm:cxn modelId="{FC823712-E2EC-42CE-A27E-B5B69F0D9F91}" type="presParOf" srcId="{30183D65-48F9-4297-A449-6903C6264016}" destId="{D78BD2E8-1617-4406-9EB8-886D022D0E09}" srcOrd="2" destOrd="0" presId="urn:microsoft.com/office/officeart/2005/8/layout/vList4"/>
     <dgm:cxn modelId="{0F5300AC-5B92-414E-8A46-D8AE16EA364D}" type="presParOf" srcId="{D78BD2E8-1617-4406-9EB8-886D022D0E09}" destId="{5146AC4C-C65D-4679-BD99-A7C261AFA3E3}" srcOrd="0" destOrd="0" presId="urn:microsoft.com/office/officeart/2005/8/layout/vList4"/>
     <dgm:cxn modelId="{FC4DF67F-D360-4179-98AD-56C893626442}" type="presParOf" srcId="{D78BD2E8-1617-4406-9EB8-886D022D0E09}" destId="{9CFC517E-AB5B-48A5-8D3A-042E49721566}" srcOrd="1" destOrd="0" presId="urn:microsoft.com/office/officeart/2005/8/layout/vList4"/>
     <dgm:cxn modelId="{5FE7753B-4172-42F1-A7C0-D24FDD22A962}" type="presParOf" srcId="{D78BD2E8-1617-4406-9EB8-886D022D0E09}" destId="{076644E2-374B-42F0-B777-E8268CA8EDAC}" srcOrd="2" destOrd="0" presId="urn:microsoft.com/office/officeart/2005/8/layout/vList4"/>
@@ -2567,6 +3416,393 @@
 </file>
 
 <file path=ppt/diagrams/drawing1.xml><?xml version="1.0" encoding="utf-8"?>
+<dsp:drawing xmlns:dgm="http://schemas.openxmlformats.org/drawingml/2006/diagram" xmlns:dsp="http://schemas.microsoft.com/office/drawing/2008/diagram" xmlns:a="http://schemas.openxmlformats.org/drawingml/2006/main">
+  <dsp:spTree>
+    <dsp:nvGrpSpPr>
+      <dsp:cNvPr id="0" name=""/>
+      <dsp:cNvGrpSpPr/>
+    </dsp:nvGrpSpPr>
+    <dsp:grpSpPr/>
+    <dsp:sp modelId="{9A50B1E1-E461-4060-A423-61FAAE8D3C7D}">
+      <dsp:nvSpPr>
+        <dsp:cNvPr id="0" name=""/>
+        <dsp:cNvSpPr/>
+      </dsp:nvSpPr>
+      <dsp:spPr>
+        <a:xfrm>
+          <a:off x="0" y="39687"/>
+          <a:ext cx="3286125" cy="1971675"/>
+        </a:xfrm>
+        <a:prstGeom prst="rect">
+          <a:avLst/>
+        </a:prstGeom>
+        <a:solidFill>
+          <a:schemeClr val="accent1">
+            <a:hueOff val="0"/>
+            <a:satOff val="0"/>
+            <a:lumOff val="0"/>
+            <a:alphaOff val="0"/>
+          </a:schemeClr>
+        </a:solidFill>
+        <a:ln w="12700" cap="flat" cmpd="sng" algn="ctr">
+          <a:solidFill>
+            <a:schemeClr val="lt1">
+              <a:hueOff val="0"/>
+              <a:satOff val="0"/>
+              <a:lumOff val="0"/>
+              <a:alphaOff val="0"/>
+            </a:schemeClr>
+          </a:solidFill>
+          <a:prstDash val="solid"/>
+          <a:miter lim="800000"/>
+        </a:ln>
+        <a:effectLst/>
+      </dsp:spPr>
+      <dsp:style>
+        <a:lnRef idx="2">
+          <a:scrgbClr r="0" g="0" b="0"/>
+        </a:lnRef>
+        <a:fillRef idx="1">
+          <a:scrgbClr r="0" g="0" b="0"/>
+        </a:fillRef>
+        <a:effectRef idx="0">
+          <a:scrgbClr r="0" g="0" b="0"/>
+        </a:effectRef>
+        <a:fontRef idx="minor">
+          <a:schemeClr val="lt1"/>
+        </a:fontRef>
+      </dsp:style>
+      <dsp:txBody>
+        <a:bodyPr spcFirstLastPara="0" vert="horz" wrap="square" lIns="247650" tIns="247650" rIns="247650" bIns="247650" numCol="1" spcCol="1270" anchor="ctr" anchorCtr="0">
+          <a:noAutofit/>
+        </a:bodyPr>
+        <a:lstStyle/>
+        <a:p>
+          <a:pPr marL="0" lvl="0" indent="0" algn="ctr" defTabSz="2889250">
+            <a:lnSpc>
+              <a:spcPct val="90000"/>
+            </a:lnSpc>
+            <a:spcBef>
+              <a:spcPct val="0"/>
+            </a:spcBef>
+            <a:spcAft>
+              <a:spcPct val="35000"/>
+            </a:spcAft>
+            <a:buNone/>
+          </a:pPr>
+          <a:endParaRPr lang="en-US" sz="6500" kern="1200" dirty="0"/>
+        </a:p>
+      </dsp:txBody>
+      <dsp:txXfrm>
+        <a:off x="0" y="39687"/>
+        <a:ext cx="3286125" cy="1971675"/>
+      </dsp:txXfrm>
+    </dsp:sp>
+    <dsp:sp modelId="{4640FC90-9F05-4E74-BCBA-0929F4D0349F}">
+      <dsp:nvSpPr>
+        <dsp:cNvPr id="0" name=""/>
+        <dsp:cNvSpPr/>
+      </dsp:nvSpPr>
+      <dsp:spPr>
+        <a:xfrm>
+          <a:off x="3614737" y="39687"/>
+          <a:ext cx="3286125" cy="1971675"/>
+        </a:xfrm>
+        <a:prstGeom prst="rect">
+          <a:avLst/>
+        </a:prstGeom>
+        <a:solidFill>
+          <a:schemeClr val="accent1">
+            <a:hueOff val="0"/>
+            <a:satOff val="0"/>
+            <a:lumOff val="0"/>
+            <a:alphaOff val="0"/>
+          </a:schemeClr>
+        </a:solidFill>
+        <a:ln w="12700" cap="flat" cmpd="sng" algn="ctr">
+          <a:solidFill>
+            <a:schemeClr val="lt1">
+              <a:hueOff val="0"/>
+              <a:satOff val="0"/>
+              <a:lumOff val="0"/>
+              <a:alphaOff val="0"/>
+            </a:schemeClr>
+          </a:solidFill>
+          <a:prstDash val="solid"/>
+          <a:miter lim="800000"/>
+        </a:ln>
+        <a:effectLst/>
+      </dsp:spPr>
+      <dsp:style>
+        <a:lnRef idx="2">
+          <a:scrgbClr r="0" g="0" b="0"/>
+        </a:lnRef>
+        <a:fillRef idx="1">
+          <a:scrgbClr r="0" g="0" b="0"/>
+        </a:fillRef>
+        <a:effectRef idx="0">
+          <a:scrgbClr r="0" g="0" b="0"/>
+        </a:effectRef>
+        <a:fontRef idx="minor">
+          <a:schemeClr val="lt1"/>
+        </a:fontRef>
+      </dsp:style>
+      <dsp:txBody>
+        <a:bodyPr spcFirstLastPara="0" vert="horz" wrap="square" lIns="247650" tIns="247650" rIns="247650" bIns="247650" numCol="1" spcCol="1270" anchor="ctr" anchorCtr="0">
+          <a:noAutofit/>
+        </a:bodyPr>
+        <a:lstStyle/>
+        <a:p>
+          <a:pPr marL="0" lvl="0" indent="0" algn="ctr" defTabSz="2889250">
+            <a:lnSpc>
+              <a:spcPct val="90000"/>
+            </a:lnSpc>
+            <a:spcBef>
+              <a:spcPct val="0"/>
+            </a:spcBef>
+            <a:spcAft>
+              <a:spcPct val="35000"/>
+            </a:spcAft>
+            <a:buNone/>
+          </a:pPr>
+          <a:endParaRPr lang="en-US" sz="6500" kern="1200"/>
+        </a:p>
+      </dsp:txBody>
+      <dsp:txXfrm>
+        <a:off x="3614737" y="39687"/>
+        <a:ext cx="3286125" cy="1971675"/>
+      </dsp:txXfrm>
+    </dsp:sp>
+    <dsp:sp modelId="{B1052000-F0AF-4AE2-A94D-DAE61F471E44}">
+      <dsp:nvSpPr>
+        <dsp:cNvPr id="0" name=""/>
+        <dsp:cNvSpPr/>
+      </dsp:nvSpPr>
+      <dsp:spPr>
+        <a:xfrm>
+          <a:off x="7229475" y="39687"/>
+          <a:ext cx="3286125" cy="1971675"/>
+        </a:xfrm>
+        <a:prstGeom prst="rect">
+          <a:avLst/>
+        </a:prstGeom>
+        <a:solidFill>
+          <a:schemeClr val="accent1">
+            <a:hueOff val="0"/>
+            <a:satOff val="0"/>
+            <a:lumOff val="0"/>
+            <a:alphaOff val="0"/>
+          </a:schemeClr>
+        </a:solidFill>
+        <a:ln w="12700" cap="flat" cmpd="sng" algn="ctr">
+          <a:solidFill>
+            <a:schemeClr val="lt1">
+              <a:hueOff val="0"/>
+              <a:satOff val="0"/>
+              <a:lumOff val="0"/>
+              <a:alphaOff val="0"/>
+            </a:schemeClr>
+          </a:solidFill>
+          <a:prstDash val="solid"/>
+          <a:miter lim="800000"/>
+        </a:ln>
+        <a:effectLst/>
+      </dsp:spPr>
+      <dsp:style>
+        <a:lnRef idx="2">
+          <a:scrgbClr r="0" g="0" b="0"/>
+        </a:lnRef>
+        <a:fillRef idx="1">
+          <a:scrgbClr r="0" g="0" b="0"/>
+        </a:fillRef>
+        <a:effectRef idx="0">
+          <a:scrgbClr r="0" g="0" b="0"/>
+        </a:effectRef>
+        <a:fontRef idx="minor">
+          <a:schemeClr val="lt1"/>
+        </a:fontRef>
+      </dsp:style>
+      <dsp:txBody>
+        <a:bodyPr spcFirstLastPara="0" vert="horz" wrap="square" lIns="247650" tIns="247650" rIns="247650" bIns="247650" numCol="1" spcCol="1270" anchor="ctr" anchorCtr="0">
+          <a:noAutofit/>
+        </a:bodyPr>
+        <a:lstStyle/>
+        <a:p>
+          <a:pPr marL="0" lvl="0" indent="0" algn="ctr" defTabSz="2889250">
+            <a:lnSpc>
+              <a:spcPct val="90000"/>
+            </a:lnSpc>
+            <a:spcBef>
+              <a:spcPct val="0"/>
+            </a:spcBef>
+            <a:spcAft>
+              <a:spcPct val="35000"/>
+            </a:spcAft>
+            <a:buNone/>
+          </a:pPr>
+          <a:endParaRPr lang="en-US" sz="6500" kern="1200"/>
+        </a:p>
+      </dsp:txBody>
+      <dsp:txXfrm>
+        <a:off x="7229475" y="39687"/>
+        <a:ext cx="3286125" cy="1971675"/>
+      </dsp:txXfrm>
+    </dsp:sp>
+    <dsp:sp modelId="{6AE58D41-D901-400D-B51F-DC8478122DE0}">
+      <dsp:nvSpPr>
+        <dsp:cNvPr id="0" name=""/>
+        <dsp:cNvSpPr/>
+      </dsp:nvSpPr>
+      <dsp:spPr>
+        <a:xfrm>
+          <a:off x="1807368" y="2339975"/>
+          <a:ext cx="3286125" cy="1971675"/>
+        </a:xfrm>
+        <a:prstGeom prst="rect">
+          <a:avLst/>
+        </a:prstGeom>
+        <a:solidFill>
+          <a:schemeClr val="accent1">
+            <a:hueOff val="0"/>
+            <a:satOff val="0"/>
+            <a:lumOff val="0"/>
+            <a:alphaOff val="0"/>
+          </a:schemeClr>
+        </a:solidFill>
+        <a:ln w="12700" cap="flat" cmpd="sng" algn="ctr">
+          <a:solidFill>
+            <a:schemeClr val="lt1">
+              <a:hueOff val="0"/>
+              <a:satOff val="0"/>
+              <a:lumOff val="0"/>
+              <a:alphaOff val="0"/>
+            </a:schemeClr>
+          </a:solidFill>
+          <a:prstDash val="solid"/>
+          <a:miter lim="800000"/>
+        </a:ln>
+        <a:effectLst/>
+      </dsp:spPr>
+      <dsp:style>
+        <a:lnRef idx="2">
+          <a:scrgbClr r="0" g="0" b="0"/>
+        </a:lnRef>
+        <a:fillRef idx="1">
+          <a:scrgbClr r="0" g="0" b="0"/>
+        </a:fillRef>
+        <a:effectRef idx="0">
+          <a:scrgbClr r="0" g="0" b="0"/>
+        </a:effectRef>
+        <a:fontRef idx="minor">
+          <a:schemeClr val="lt1"/>
+        </a:fontRef>
+      </dsp:style>
+      <dsp:txBody>
+        <a:bodyPr spcFirstLastPara="0" vert="horz" wrap="square" lIns="247650" tIns="247650" rIns="247650" bIns="247650" numCol="1" spcCol="1270" anchor="ctr" anchorCtr="0">
+          <a:noAutofit/>
+        </a:bodyPr>
+        <a:lstStyle/>
+        <a:p>
+          <a:pPr marL="0" lvl="0" indent="0" algn="ctr" defTabSz="2889250">
+            <a:lnSpc>
+              <a:spcPct val="90000"/>
+            </a:lnSpc>
+            <a:spcBef>
+              <a:spcPct val="0"/>
+            </a:spcBef>
+            <a:spcAft>
+              <a:spcPct val="35000"/>
+            </a:spcAft>
+            <a:buNone/>
+          </a:pPr>
+          <a:endParaRPr lang="en-US" sz="6500" kern="1200"/>
+        </a:p>
+      </dsp:txBody>
+      <dsp:txXfrm>
+        <a:off x="1807368" y="2339975"/>
+        <a:ext cx="3286125" cy="1971675"/>
+      </dsp:txXfrm>
+    </dsp:sp>
+    <dsp:sp modelId="{3A4FA4A8-E366-4CF2-8C17-E50647C7F972}">
+      <dsp:nvSpPr>
+        <dsp:cNvPr id="0" name=""/>
+        <dsp:cNvSpPr/>
+      </dsp:nvSpPr>
+      <dsp:spPr>
+        <a:xfrm>
+          <a:off x="5422106" y="2339975"/>
+          <a:ext cx="3286125" cy="1971675"/>
+        </a:xfrm>
+        <a:prstGeom prst="rect">
+          <a:avLst/>
+        </a:prstGeom>
+        <a:solidFill>
+          <a:schemeClr val="accent1">
+            <a:hueOff val="0"/>
+            <a:satOff val="0"/>
+            <a:lumOff val="0"/>
+            <a:alphaOff val="0"/>
+          </a:schemeClr>
+        </a:solidFill>
+        <a:ln w="12700" cap="flat" cmpd="sng" algn="ctr">
+          <a:solidFill>
+            <a:schemeClr val="lt1">
+              <a:hueOff val="0"/>
+              <a:satOff val="0"/>
+              <a:lumOff val="0"/>
+              <a:alphaOff val="0"/>
+            </a:schemeClr>
+          </a:solidFill>
+          <a:prstDash val="solid"/>
+          <a:miter lim="800000"/>
+        </a:ln>
+        <a:effectLst/>
+      </dsp:spPr>
+      <dsp:style>
+        <a:lnRef idx="2">
+          <a:scrgbClr r="0" g="0" b="0"/>
+        </a:lnRef>
+        <a:fillRef idx="1">
+          <a:scrgbClr r="0" g="0" b="0"/>
+        </a:fillRef>
+        <a:effectRef idx="0">
+          <a:scrgbClr r="0" g="0" b="0"/>
+        </a:effectRef>
+        <a:fontRef idx="minor">
+          <a:schemeClr val="lt1"/>
+        </a:fontRef>
+      </dsp:style>
+      <dsp:txBody>
+        <a:bodyPr spcFirstLastPara="0" vert="horz" wrap="square" lIns="247650" tIns="247650" rIns="247650" bIns="247650" numCol="1" spcCol="1270" anchor="ctr" anchorCtr="0">
+          <a:noAutofit/>
+        </a:bodyPr>
+        <a:lstStyle/>
+        <a:p>
+          <a:pPr marL="0" lvl="0" indent="0" algn="ctr" defTabSz="2889250">
+            <a:lnSpc>
+              <a:spcPct val="90000"/>
+            </a:lnSpc>
+            <a:spcBef>
+              <a:spcPct val="0"/>
+            </a:spcBef>
+            <a:spcAft>
+              <a:spcPct val="35000"/>
+            </a:spcAft>
+            <a:buNone/>
+          </a:pPr>
+          <a:endParaRPr lang="en-US" sz="6500" kern="1200"/>
+        </a:p>
+      </dsp:txBody>
+      <dsp:txXfrm>
+        <a:off x="5422106" y="2339975"/>
+        <a:ext cx="3286125" cy="1971675"/>
+      </dsp:txXfrm>
+    </dsp:sp>
+  </dsp:spTree>
+</dsp:drawing>
+</file>
+
+<file path=ppt/diagrams/drawing2.xml><?xml version="1.0" encoding="utf-8"?>
 <dsp:drawing xmlns:dgm="http://schemas.openxmlformats.org/drawingml/2006/diagram" xmlns:dsp="http://schemas.microsoft.com/office/drawing/2008/diagram" xmlns:a="http://schemas.openxmlformats.org/drawingml/2006/main">
   <dsp:spTree>
     <dsp:nvGrpSpPr>
@@ -3036,7 +4272,7 @@
 </dsp:drawing>
 </file>
 
-<file path=ppt/diagrams/drawing2.xml><?xml version="1.0" encoding="utf-8"?>
+<file path=ppt/diagrams/drawing3.xml><?xml version="1.0" encoding="utf-8"?>
 <dsp:drawing xmlns:dgm="http://schemas.openxmlformats.org/drawingml/2006/diagram" xmlns:dsp="http://schemas.microsoft.com/office/drawing/2008/diagram" xmlns:a="http://schemas.openxmlformats.org/drawingml/2006/main">
   <dsp:spTree>
     <dsp:nvGrpSpPr>
@@ -3052,7 +4288,7 @@
       <dsp:spPr>
         <a:xfrm>
           <a:off x="0" y="0"/>
-          <a:ext cx="10515600" cy="1389889"/>
+          <a:ext cx="10515600" cy="2117409"/>
         </a:xfrm>
         <a:prstGeom prst="roundRect">
           <a:avLst>
@@ -3123,12 +4359,12 @@
         </a:fontRef>
       </dsp:style>
       <dsp:txBody>
-        <a:bodyPr spcFirstLastPara="0" vert="horz" wrap="square" lIns="83820" tIns="83820" rIns="83820" bIns="83820" numCol="1" spcCol="1270" anchor="t" anchorCtr="0">
+        <a:bodyPr spcFirstLastPara="0" vert="horz" wrap="square" lIns="129540" tIns="129540" rIns="129540" bIns="129540" numCol="1" spcCol="1270" anchor="t" anchorCtr="0">
           <a:noAutofit/>
         </a:bodyPr>
         <a:lstStyle/>
         <a:p>
-          <a:pPr marL="0" lvl="0" indent="0" algn="l" defTabSz="977900">
+          <a:pPr marL="0" lvl="0" indent="0" algn="l" defTabSz="1511300">
             <a:lnSpc>
               <a:spcPct val="90000"/>
             </a:lnSpc>
@@ -3141,13 +4377,13 @@
             <a:buNone/>
           </a:pPr>
           <a:r>
-            <a:rPr lang="de-DE" sz="2200" kern="1200" dirty="0"/>
+            <a:rPr lang="de-DE" sz="3400" kern="1200" dirty="0"/>
             <a:t>Option 2</a:t>
           </a:r>
-          <a:endParaRPr lang="en-US" sz="2200" kern="1200" dirty="0"/>
+          <a:endParaRPr lang="en-US" sz="3400" kern="1200" dirty="0"/>
         </a:p>
         <a:p>
-          <a:pPr marL="171450" lvl="1" indent="-171450" algn="l" defTabSz="755650">
+          <a:pPr marL="228600" lvl="1" indent="-228600" algn="l" defTabSz="1200150">
             <a:lnSpc>
               <a:spcPct val="90000"/>
             </a:lnSpc>
@@ -3160,21 +4396,21 @@
             <a:buChar char="•"/>
           </a:pPr>
           <a:r>
-            <a:rPr lang="de-DE" sz="1700" kern="1200" dirty="0">
+            <a:rPr lang="de-DE" sz="2700" kern="1200" dirty="0">
               <a:solidFill>
                 <a:srgbClr val="00B050"/>
               </a:solidFill>
             </a:rPr>
-            <a:t>Empfehlung für Informatiker</a:t>
+            <a:t>Empfehlung</a:t>
           </a:r>
-          <a:endParaRPr lang="en-US" sz="1700" kern="1200" dirty="0">
+          <a:endParaRPr lang="en-US" sz="2700" kern="1200" dirty="0">
             <a:solidFill>
               <a:srgbClr val="00B050"/>
             </a:solidFill>
           </a:endParaRPr>
         </a:p>
         <a:p>
-          <a:pPr marL="171450" lvl="1" indent="-171450" algn="l" defTabSz="755650">
+          <a:pPr marL="228600" lvl="1" indent="-228600" algn="l" defTabSz="1200150">
             <a:lnSpc>
               <a:spcPct val="90000"/>
             </a:lnSpc>
@@ -3187,7 +4423,7 @@
             <a:buChar char="•"/>
           </a:pPr>
           <a:r>
-            <a:rPr lang="en-US" sz="1700" kern="1200" dirty="0">
+            <a:rPr lang="en-US" sz="2700" kern="1200" dirty="0">
               <a:solidFill>
                 <a:schemeClr val="tx1">
                   <a:lumMod val="85000"/>
@@ -3204,7 +4440,7 @@
             </a:rPr>
             <a:t>https://github.com/maximotus/skill-saturday-wordpress-portfolio-website/wiki/Option-2</a:t>
           </a:r>
-          <a:endParaRPr lang="en-US" sz="1700" kern="1200" dirty="0">
+          <a:endParaRPr lang="en-US" sz="2700" kern="1200" dirty="0">
             <a:solidFill>
               <a:schemeClr val="tx1">
                 <a:lumMod val="85000"/>
@@ -3215,8 +4451,8 @@
         </a:p>
       </dsp:txBody>
       <dsp:txXfrm>
-        <a:off x="2242108" y="0"/>
-        <a:ext cx="8273491" cy="1389889"/>
+        <a:off x="2314860" y="0"/>
+        <a:ext cx="8200739" cy="2117409"/>
       </dsp:txXfrm>
     </dsp:sp>
     <dsp:sp modelId="{3543167E-0B84-4A2E-8412-B8340644D301}">
@@ -3226,8 +4462,8 @@
       </dsp:nvSpPr>
       <dsp:spPr>
         <a:xfrm>
-          <a:off x="138988" y="138988"/>
-          <a:ext cx="2103120" cy="1111911"/>
+          <a:off x="211740" y="211740"/>
+          <a:ext cx="2103120" cy="1693927"/>
         </a:xfrm>
         <a:prstGeom prst="roundRect">
           <a:avLst>
@@ -3261,15 +4497,15 @@
         <a:fontRef idx="minor"/>
       </dsp:style>
     </dsp:sp>
-    <dsp:sp modelId="{A11EFA34-286D-4420-B635-E2EA95F7BC9A}">
+    <dsp:sp modelId="{5146AC4C-C65D-4679-BD99-A7C261AFA3E3}">
       <dsp:nvSpPr>
         <dsp:cNvPr id="0" name=""/>
         <dsp:cNvSpPr/>
       </dsp:nvSpPr>
       <dsp:spPr>
         <a:xfrm>
-          <a:off x="0" y="1528877"/>
-          <a:ext cx="10515600" cy="1389889"/>
+          <a:off x="0" y="2329150"/>
+          <a:ext cx="10515600" cy="2117409"/>
         </a:xfrm>
         <a:prstGeom prst="roundRect">
           <a:avLst>
@@ -3340,12 +4576,12 @@
         </a:fontRef>
       </dsp:style>
       <dsp:txBody>
-        <a:bodyPr spcFirstLastPara="0" vert="horz" wrap="square" lIns="83820" tIns="83820" rIns="83820" bIns="83820" numCol="1" spcCol="1270" anchor="t" anchorCtr="0">
+        <a:bodyPr spcFirstLastPara="0" vert="horz" wrap="square" lIns="129540" tIns="129540" rIns="129540" bIns="129540" numCol="1" spcCol="1270" anchor="t" anchorCtr="0">
           <a:noAutofit/>
         </a:bodyPr>
         <a:lstStyle/>
         <a:p>
-          <a:pPr marL="0" lvl="0" indent="0" algn="l" defTabSz="977900">
+          <a:pPr marL="0" lvl="0" indent="0" algn="l" defTabSz="1511300">
             <a:lnSpc>
               <a:spcPct val="90000"/>
             </a:lnSpc>
@@ -3358,13 +4594,13 @@
             <a:buNone/>
           </a:pPr>
           <a:r>
-            <a:rPr lang="de-DE" sz="2200" kern="1200" dirty="0"/>
-            <a:t>Option 3</a:t>
+            <a:rPr lang="de-DE" sz="3400" kern="1200" dirty="0"/>
+            <a:t>Option 2</a:t>
           </a:r>
-          <a:endParaRPr lang="en-US" sz="2200" kern="1200" dirty="0"/>
+          <a:endParaRPr lang="en-US" sz="3400" kern="1200" dirty="0"/>
         </a:p>
         <a:p>
-          <a:pPr marL="171450" lvl="1" indent="-171450" algn="l" defTabSz="755650">
+          <a:pPr marL="228600" lvl="1" indent="-228600" algn="l" defTabSz="1200150">
             <a:lnSpc>
               <a:spcPct val="90000"/>
             </a:lnSpc>
@@ -3377,21 +4613,18 @@
             <a:buChar char="•"/>
           </a:pPr>
           <a:r>
-            <a:rPr lang="de-DE" sz="1700" kern="1200" dirty="0">
+            <a:rPr lang="de-DE" sz="2700" kern="1200" dirty="0">
               <a:solidFill>
-                <a:srgbClr val="00B050"/>
+                <a:srgbClr val="FFFF00"/>
               </a:solidFill>
+              <a:latin typeface="Avenir Next LT Pro Light" panose="020B0304020202020204" pitchFamily="34" charset="0"/>
             </a:rPr>
-            <a:t>Empfehlung für Nicht-Informatiker</a:t>
+            <a:t>Keine Empfehlung (es gibt aber eine Anleitung)!</a:t>
           </a:r>
-          <a:endParaRPr lang="en-US" sz="1700" kern="1200" dirty="0">
-            <a:solidFill>
-              <a:srgbClr val="00B050"/>
-            </a:solidFill>
-          </a:endParaRPr>
+          <a:endParaRPr lang="en-US" sz="2700" kern="1200" dirty="0"/>
         </a:p>
         <a:p>
-          <a:pPr marL="171450" lvl="1" indent="-171450" algn="l" defTabSz="755650">
+          <a:pPr marL="228600" lvl="1" indent="-228600" algn="l" defTabSz="1200150">
             <a:lnSpc>
               <a:spcPct val="90000"/>
             </a:lnSpc>
@@ -3404,7 +4637,7 @@
             <a:buChar char="•"/>
           </a:pPr>
           <a:r>
-            <a:rPr lang="en-US" sz="1700" kern="1200" dirty="0">
+            <a:rPr lang="en-US" sz="2700" kern="1200" dirty="0">
               <a:solidFill>
                 <a:schemeClr val="tx1">
                   <a:lumMod val="85000"/>
@@ -3421,7 +4654,7 @@
             </a:rPr>
             <a:t>https://github.com/maximotus/skill-saturday-wordpress-portfolio-website/wiki/Option-3</a:t>
           </a:r>
-          <a:endParaRPr lang="en-US" sz="1700" kern="1200" dirty="0">
+          <a:endParaRPr lang="en-US" sz="2700" kern="1200" dirty="0">
             <a:solidFill>
               <a:schemeClr val="tx1">
                 <a:lumMod val="85000"/>
@@ -3432,222 +4665,8 @@
         </a:p>
       </dsp:txBody>
       <dsp:txXfrm>
-        <a:off x="2242108" y="1528877"/>
-        <a:ext cx="8273491" cy="1389889"/>
-      </dsp:txXfrm>
-    </dsp:sp>
-    <dsp:sp modelId="{501E99D7-A5CC-4814-97C3-485359C94EBE}">
-      <dsp:nvSpPr>
-        <dsp:cNvPr id="0" name=""/>
-        <dsp:cNvSpPr/>
-      </dsp:nvSpPr>
-      <dsp:spPr>
-        <a:xfrm>
-          <a:off x="138988" y="1667866"/>
-          <a:ext cx="2103120" cy="1111911"/>
-        </a:xfrm>
-        <a:prstGeom prst="roundRect">
-          <a:avLst>
-            <a:gd name="adj" fmla="val 10000"/>
-          </a:avLst>
-        </a:prstGeom>
-        <a:solidFill>
-          <a:schemeClr val="bg1"/>
-        </a:solidFill>
-        <a:ln>
-          <a:noFill/>
-        </a:ln>
-        <a:effectLst>
-          <a:outerShdw blurRad="57150" dist="19050" dir="5400000" algn="ctr" rotWithShape="0">
-            <a:srgbClr val="000000">
-              <a:alpha val="63000"/>
-            </a:srgbClr>
-          </a:outerShdw>
-        </a:effectLst>
-      </dsp:spPr>
-      <dsp:style>
-        <a:lnRef idx="0">
-          <a:scrgbClr r="0" g="0" b="0"/>
-        </a:lnRef>
-        <a:fillRef idx="1">
-          <a:scrgbClr r="0" g="0" b="0"/>
-        </a:fillRef>
-        <a:effectRef idx="3">
-          <a:scrgbClr r="0" g="0" b="0"/>
-        </a:effectRef>
-        <a:fontRef idx="minor"/>
-      </dsp:style>
-    </dsp:sp>
-    <dsp:sp modelId="{5146AC4C-C65D-4679-BD99-A7C261AFA3E3}">
-      <dsp:nvSpPr>
-        <dsp:cNvPr id="0" name=""/>
-        <dsp:cNvSpPr/>
-      </dsp:nvSpPr>
-      <dsp:spPr>
-        <a:xfrm>
-          <a:off x="0" y="3057755"/>
-          <a:ext cx="10515600" cy="1389889"/>
-        </a:xfrm>
-        <a:prstGeom prst="roundRect">
-          <a:avLst>
-            <a:gd name="adj" fmla="val 10000"/>
-          </a:avLst>
-        </a:prstGeom>
-        <a:gradFill rotWithShape="0">
-          <a:gsLst>
-            <a:gs pos="0">
-              <a:schemeClr val="accent1">
-                <a:hueOff val="0"/>
-                <a:satOff val="0"/>
-                <a:lumOff val="0"/>
-                <a:alphaOff val="0"/>
-                <a:satMod val="103000"/>
-                <a:lumMod val="102000"/>
-                <a:tint val="94000"/>
-              </a:schemeClr>
-            </a:gs>
-            <a:gs pos="50000">
-              <a:schemeClr val="accent1">
-                <a:hueOff val="0"/>
-                <a:satOff val="0"/>
-                <a:lumOff val="0"/>
-                <a:alphaOff val="0"/>
-                <a:satMod val="110000"/>
-                <a:lumMod val="100000"/>
-                <a:shade val="100000"/>
-              </a:schemeClr>
-            </a:gs>
-            <a:gs pos="100000">
-              <a:schemeClr val="accent1">
-                <a:hueOff val="0"/>
-                <a:satOff val="0"/>
-                <a:lumOff val="0"/>
-                <a:alphaOff val="0"/>
-                <a:lumMod val="99000"/>
-                <a:satMod val="120000"/>
-                <a:shade val="78000"/>
-              </a:schemeClr>
-            </a:gs>
-          </a:gsLst>
-          <a:lin ang="5400000" scaled="0"/>
-        </a:gradFill>
-        <a:ln>
-          <a:noFill/>
-        </a:ln>
-        <a:effectLst>
-          <a:outerShdw blurRad="57150" dist="19050" dir="5400000" algn="ctr" rotWithShape="0">
-            <a:srgbClr val="000000">
-              <a:alpha val="63000"/>
-            </a:srgbClr>
-          </a:outerShdw>
-        </a:effectLst>
-      </dsp:spPr>
-      <dsp:style>
-        <a:lnRef idx="0">
-          <a:scrgbClr r="0" g="0" b="0"/>
-        </a:lnRef>
-        <a:fillRef idx="3">
-          <a:scrgbClr r="0" g="0" b="0"/>
-        </a:fillRef>
-        <a:effectRef idx="3">
-          <a:scrgbClr r="0" g="0" b="0"/>
-        </a:effectRef>
-        <a:fontRef idx="minor">
-          <a:schemeClr val="lt1"/>
-        </a:fontRef>
-      </dsp:style>
-      <dsp:txBody>
-        <a:bodyPr spcFirstLastPara="0" vert="horz" wrap="square" lIns="83820" tIns="83820" rIns="83820" bIns="83820" numCol="1" spcCol="1270" anchor="t" anchorCtr="0">
-          <a:noAutofit/>
-        </a:bodyPr>
-        <a:lstStyle/>
-        <a:p>
-          <a:pPr marL="0" lvl="0" indent="0" algn="l" defTabSz="977900">
-            <a:lnSpc>
-              <a:spcPct val="90000"/>
-            </a:lnSpc>
-            <a:spcBef>
-              <a:spcPct val="0"/>
-            </a:spcBef>
-            <a:spcAft>
-              <a:spcPct val="35000"/>
-            </a:spcAft>
-            <a:buNone/>
-          </a:pPr>
-          <a:r>
-            <a:rPr lang="de-DE" sz="2200" kern="1200" dirty="0"/>
-            <a:t>Option 4</a:t>
-          </a:r>
-          <a:endParaRPr lang="en-US" sz="2200" kern="1200" dirty="0"/>
-        </a:p>
-        <a:p>
-          <a:pPr marL="171450" lvl="1" indent="-171450" algn="l" defTabSz="755650">
-            <a:lnSpc>
-              <a:spcPct val="90000"/>
-            </a:lnSpc>
-            <a:spcBef>
-              <a:spcPct val="0"/>
-            </a:spcBef>
-            <a:spcAft>
-              <a:spcPct val="15000"/>
-            </a:spcAft>
-            <a:buChar char="•"/>
-          </a:pPr>
-          <a:r>
-            <a:rPr lang="de-DE" sz="1700" kern="1200" dirty="0">
-              <a:solidFill>
-                <a:srgbClr val="FFFF00"/>
-              </a:solidFill>
-              <a:latin typeface="Avenir Next LT Pro Light" panose="020B0304020202020204" pitchFamily="34" charset="0"/>
-            </a:rPr>
-            <a:t>Keine Empfehlung (es gibt aber eine Anleitung)!</a:t>
-          </a:r>
-          <a:endParaRPr lang="en-US" sz="1700" kern="1200" dirty="0"/>
-        </a:p>
-        <a:p>
-          <a:pPr marL="171450" lvl="1" indent="-171450" algn="l" defTabSz="755650">
-            <a:lnSpc>
-              <a:spcPct val="90000"/>
-            </a:lnSpc>
-            <a:spcBef>
-              <a:spcPct val="0"/>
-            </a:spcBef>
-            <a:spcAft>
-              <a:spcPct val="15000"/>
-            </a:spcAft>
-            <a:buChar char="•"/>
-          </a:pPr>
-          <a:r>
-            <a:rPr lang="en-US" sz="1700" kern="1200" dirty="0">
-              <a:solidFill>
-                <a:schemeClr val="tx1">
-                  <a:lumMod val="85000"/>
-                  <a:lumOff val="15000"/>
-                </a:schemeClr>
-              </a:solidFill>
-              <a:hlinkClick xmlns:r="http://schemas.openxmlformats.org/officeDocument/2006/relationships" r:id="rId3">
-                <a:extLst>
-                  <a:ext uri="{A12FA001-AC4F-418D-AE19-62706E023703}">
-                    <ahyp:hlinkClr xmlns:ahyp="http://schemas.microsoft.com/office/drawing/2018/hyperlinkcolor" val="tx"/>
-                  </a:ext>
-                </a:extLst>
-              </a:hlinkClick>
-            </a:rPr>
-            <a:t>https://github.com/maximotus/skill-saturday-wordpress-portfolio-website/wiki/Option-4</a:t>
-          </a:r>
-          <a:endParaRPr lang="en-US" sz="1700" kern="1200" dirty="0">
-            <a:solidFill>
-              <a:schemeClr val="tx1">
-                <a:lumMod val="85000"/>
-                <a:lumOff val="15000"/>
-              </a:schemeClr>
-            </a:solidFill>
-          </a:endParaRPr>
-        </a:p>
-      </dsp:txBody>
-      <dsp:txXfrm>
-        <a:off x="2242108" y="3057755"/>
-        <a:ext cx="8273491" cy="1389889"/>
+        <a:off x="2314860" y="2329150"/>
+        <a:ext cx="8200739" cy="2117409"/>
       </dsp:txXfrm>
     </dsp:sp>
     <dsp:sp modelId="{9CFC517E-AB5B-48A5-8D3A-042E49721566}">
@@ -3657,8 +4676,8 @@
       </dsp:nvSpPr>
       <dsp:spPr>
         <a:xfrm>
-          <a:off x="138988" y="3196744"/>
-          <a:ext cx="2103120" cy="1111911"/>
+          <a:off x="211740" y="2540890"/>
+          <a:ext cx="2103120" cy="1693927"/>
         </a:xfrm>
         <a:prstGeom prst="roundRect">
           <a:avLst>
@@ -3697,6 +4716,153 @@
 </file>
 
 <file path=ppt/diagrams/layout1.xml><?xml version="1.0" encoding="utf-8"?>
+<dgm:layoutDef xmlns:dgm="http://schemas.openxmlformats.org/drawingml/2006/diagram" xmlns:a="http://schemas.openxmlformats.org/drawingml/2006/main" uniqueId="urn:microsoft.com/office/officeart/2005/8/layout/default">
+  <dgm:title val=""/>
+  <dgm:desc val=""/>
+  <dgm:catLst>
+    <dgm:cat type="list" pri="400"/>
+  </dgm:catLst>
+  <dgm:sampData>
+    <dgm:dataModel>
+      <dgm:ptLst>
+        <dgm:pt modelId="0" type="doc"/>
+        <dgm:pt modelId="1">
+          <dgm:prSet phldr="1"/>
+        </dgm:pt>
+        <dgm:pt modelId="2">
+          <dgm:prSet phldr="1"/>
+        </dgm:pt>
+        <dgm:pt modelId="3">
+          <dgm:prSet phldr="1"/>
+        </dgm:pt>
+        <dgm:pt modelId="4">
+          <dgm:prSet phldr="1"/>
+        </dgm:pt>
+        <dgm:pt modelId="5">
+          <dgm:prSet phldr="1"/>
+        </dgm:pt>
+      </dgm:ptLst>
+      <dgm:cxnLst>
+        <dgm:cxn modelId="6" srcId="0" destId="1" srcOrd="0" destOrd="0"/>
+        <dgm:cxn modelId="7" srcId="0" destId="2" srcOrd="1" destOrd="0"/>
+        <dgm:cxn modelId="8" srcId="0" destId="3" srcOrd="2" destOrd="0"/>
+        <dgm:cxn modelId="9" srcId="0" destId="4" srcOrd="3" destOrd="0"/>
+        <dgm:cxn modelId="10" srcId="0" destId="5" srcOrd="4" destOrd="0"/>
+      </dgm:cxnLst>
+      <dgm:bg/>
+      <dgm:whole/>
+    </dgm:dataModel>
+  </dgm:sampData>
+  <dgm:styleData>
+    <dgm:dataModel>
+      <dgm:ptLst>
+        <dgm:pt modelId="0" type="doc"/>
+        <dgm:pt modelId="1"/>
+        <dgm:pt modelId="2"/>
+      </dgm:ptLst>
+      <dgm:cxnLst>
+        <dgm:cxn modelId="3" srcId="0" destId="1" srcOrd="0" destOrd="0"/>
+        <dgm:cxn modelId="4" srcId="0" destId="2" srcOrd="1" destOrd="0"/>
+      </dgm:cxnLst>
+      <dgm:bg/>
+      <dgm:whole/>
+    </dgm:dataModel>
+  </dgm:styleData>
+  <dgm:clrData>
+    <dgm:dataModel>
+      <dgm:ptLst>
+        <dgm:pt modelId="0" type="doc"/>
+        <dgm:pt modelId="1"/>
+        <dgm:pt modelId="2"/>
+        <dgm:pt modelId="3"/>
+        <dgm:pt modelId="4"/>
+        <dgm:pt modelId="5"/>
+        <dgm:pt modelId="6"/>
+      </dgm:ptLst>
+      <dgm:cxnLst>
+        <dgm:cxn modelId="7" srcId="0" destId="1" srcOrd="0" destOrd="0"/>
+        <dgm:cxn modelId="8" srcId="0" destId="2" srcOrd="1" destOrd="0"/>
+        <dgm:cxn modelId="9" srcId="0" destId="3" srcOrd="2" destOrd="0"/>
+        <dgm:cxn modelId="10" srcId="0" destId="4" srcOrd="3" destOrd="0"/>
+        <dgm:cxn modelId="11" srcId="0" destId="5" srcOrd="4" destOrd="0"/>
+        <dgm:cxn modelId="12" srcId="0" destId="6" srcOrd="5" destOrd="0"/>
+      </dgm:cxnLst>
+      <dgm:bg/>
+      <dgm:whole/>
+    </dgm:dataModel>
+  </dgm:clrData>
+  <dgm:layoutNode name="diagram">
+    <dgm:varLst>
+      <dgm:dir/>
+      <dgm:resizeHandles val="exact"/>
+    </dgm:varLst>
+    <dgm:choose name="Name0">
+      <dgm:if name="Name1" func="var" arg="dir" op="equ" val="norm">
+        <dgm:alg type="snake">
+          <dgm:param type="grDir" val="tL"/>
+          <dgm:param type="flowDir" val="row"/>
+          <dgm:param type="contDir" val="sameDir"/>
+          <dgm:param type="off" val="ctr"/>
+        </dgm:alg>
+      </dgm:if>
+      <dgm:else name="Name2">
+        <dgm:alg type="snake">
+          <dgm:param type="grDir" val="tR"/>
+          <dgm:param type="flowDir" val="row"/>
+          <dgm:param type="contDir" val="sameDir"/>
+          <dgm:param type="off" val="ctr"/>
+        </dgm:alg>
+      </dgm:else>
+    </dgm:choose>
+    <dgm:shape xmlns:r="http://schemas.openxmlformats.org/officeDocument/2006/relationships" r:blip="">
+      <dgm:adjLst/>
+    </dgm:shape>
+    <dgm:presOf/>
+    <dgm:constrLst>
+      <dgm:constr type="w" for="ch" forName="node" refType="w"/>
+      <dgm:constr type="h" for="ch" forName="node" refType="w" refFor="ch" refForName="node" fact="0.6"/>
+      <dgm:constr type="w" for="ch" forName="sibTrans" refType="w" refFor="ch" refForName="node" fact="0.1"/>
+      <dgm:constr type="sp" refType="w" refFor="ch" refForName="sibTrans"/>
+      <dgm:constr type="primFontSz" for="ch" forName="node" op="equ" val="65"/>
+    </dgm:constrLst>
+    <dgm:ruleLst/>
+    <dgm:forEach name="Name3" axis="ch" ptType="node">
+      <dgm:layoutNode name="node">
+        <dgm:varLst>
+          <dgm:bulletEnabled val="1"/>
+        </dgm:varLst>
+        <dgm:alg type="tx"/>
+        <dgm:shape xmlns:r="http://schemas.openxmlformats.org/officeDocument/2006/relationships" type="rect" r:blip="">
+          <dgm:adjLst/>
+        </dgm:shape>
+        <dgm:presOf axis="desOrSelf" ptType="node"/>
+        <dgm:constrLst>
+          <dgm:constr type="lMarg" refType="primFontSz" fact="0.3"/>
+          <dgm:constr type="rMarg" refType="primFontSz" fact="0.3"/>
+          <dgm:constr type="tMarg" refType="primFontSz" fact="0.3"/>
+          <dgm:constr type="bMarg" refType="primFontSz" fact="0.3"/>
+        </dgm:constrLst>
+        <dgm:ruleLst>
+          <dgm:rule type="primFontSz" val="5" fact="NaN" max="NaN"/>
+        </dgm:ruleLst>
+      </dgm:layoutNode>
+      <dgm:forEach name="Name4" axis="followSib" ptType="sibTrans" cnt="1">
+        <dgm:layoutNode name="sibTrans">
+          <dgm:alg type="sp"/>
+          <dgm:shape xmlns:r="http://schemas.openxmlformats.org/officeDocument/2006/relationships" r:blip="">
+            <dgm:adjLst/>
+          </dgm:shape>
+          <dgm:presOf/>
+          <dgm:constrLst/>
+          <dgm:ruleLst/>
+        </dgm:layoutNode>
+      </dgm:forEach>
+    </dgm:forEach>
+  </dgm:layoutNode>
+</dgm:layoutDef>
+</file>
+
+<file path=ppt/diagrams/layout2.xml><?xml version="1.0" encoding="utf-8"?>
 <dgm:layoutDef xmlns:dgm="http://schemas.openxmlformats.org/drawingml/2006/diagram" xmlns:a="http://schemas.openxmlformats.org/drawingml/2006/main" uniqueId="urn:microsoft.com/office/officeart/2005/8/layout/hList7">
   <dgm:title val=""/>
   <dgm:desc val=""/>
@@ -3891,7 +5057,7 @@
 </dgm:layoutDef>
 </file>
 
-<file path=ppt/diagrams/layout2.xml><?xml version="1.0" encoding="utf-8"?>
+<file path=ppt/diagrams/layout3.xml><?xml version="1.0" encoding="utf-8"?>
 <dgm:layoutDef xmlns:dgm="http://schemas.openxmlformats.org/drawingml/2006/diagram" xmlns:a="http://schemas.openxmlformats.org/drawingml/2006/main" uniqueId="urn:microsoft.com/office/officeart/2005/8/layout/vList4">
   <dgm:title val=""/>
   <dgm:desc val=""/>
@@ -5133,6 +6299,1040 @@
 </file>
 
 <file path=ppt/diagrams/quickStyle2.xml><?xml version="1.0" encoding="utf-8"?>
+<dgm:styleDef xmlns:dgm="http://schemas.openxmlformats.org/drawingml/2006/diagram" xmlns:a="http://schemas.openxmlformats.org/drawingml/2006/main" uniqueId="urn:microsoft.com/office/officeart/2005/8/quickstyle/simple1">
+  <dgm:title val=""/>
+  <dgm:desc val=""/>
+  <dgm:catLst>
+    <dgm:cat type="simple" pri="10100"/>
+  </dgm:catLst>
+  <dgm:scene3d>
+    <a:camera prst="orthographicFront"/>
+    <a:lightRig rig="threePt" dir="t"/>
+  </dgm:scene3d>
+  <dgm:styleLbl name="node0">
+    <dgm:scene3d>
+      <a:camera prst="orthographicFront"/>
+      <a:lightRig rig="threePt" dir="t"/>
+    </dgm:scene3d>
+    <dgm:sp3d/>
+    <dgm:txPr/>
+    <dgm:style>
+      <a:lnRef idx="2">
+        <a:scrgbClr r="0" g="0" b="0"/>
+      </a:lnRef>
+      <a:fillRef idx="1">
+        <a:scrgbClr r="0" g="0" b="0"/>
+      </a:fillRef>
+      <a:effectRef idx="0">
+        <a:scrgbClr r="0" g="0" b="0"/>
+      </a:effectRef>
+      <a:fontRef idx="minor">
+        <a:schemeClr val="lt1"/>
+      </a:fontRef>
+    </dgm:style>
+  </dgm:styleLbl>
+  <dgm:styleLbl name="lnNode1">
+    <dgm:scene3d>
+      <a:camera prst="orthographicFront"/>
+      <a:lightRig rig="threePt" dir="t"/>
+    </dgm:scene3d>
+    <dgm:sp3d/>
+    <dgm:txPr/>
+    <dgm:style>
+      <a:lnRef idx="2">
+        <a:scrgbClr r="0" g="0" b="0"/>
+      </a:lnRef>
+      <a:fillRef idx="1">
+        <a:scrgbClr r="0" g="0" b="0"/>
+      </a:fillRef>
+      <a:effectRef idx="0">
+        <a:scrgbClr r="0" g="0" b="0"/>
+      </a:effectRef>
+      <a:fontRef idx="minor">
+        <a:schemeClr val="lt1"/>
+      </a:fontRef>
+    </dgm:style>
+  </dgm:styleLbl>
+  <dgm:styleLbl name="vennNode1">
+    <dgm:scene3d>
+      <a:camera prst="orthographicFront"/>
+      <a:lightRig rig="threePt" dir="t"/>
+    </dgm:scene3d>
+    <dgm:sp3d/>
+    <dgm:txPr/>
+    <dgm:style>
+      <a:lnRef idx="2">
+        <a:scrgbClr r="0" g="0" b="0"/>
+      </a:lnRef>
+      <a:fillRef idx="1">
+        <a:scrgbClr r="0" g="0" b="0"/>
+      </a:fillRef>
+      <a:effectRef idx="0">
+        <a:scrgbClr r="0" g="0" b="0"/>
+      </a:effectRef>
+      <a:fontRef idx="minor">
+        <a:schemeClr val="tx1"/>
+      </a:fontRef>
+    </dgm:style>
+  </dgm:styleLbl>
+  <dgm:styleLbl name="alignNode1">
+    <dgm:scene3d>
+      <a:camera prst="orthographicFront"/>
+      <a:lightRig rig="threePt" dir="t"/>
+    </dgm:scene3d>
+    <dgm:sp3d/>
+    <dgm:txPr/>
+    <dgm:style>
+      <a:lnRef idx="2">
+        <a:scrgbClr r="0" g="0" b="0"/>
+      </a:lnRef>
+      <a:fillRef idx="1">
+        <a:scrgbClr r="0" g="0" b="0"/>
+      </a:fillRef>
+      <a:effectRef idx="0">
+        <a:scrgbClr r="0" g="0" b="0"/>
+      </a:effectRef>
+      <a:fontRef idx="minor">
+        <a:schemeClr val="lt1"/>
+      </a:fontRef>
+    </dgm:style>
+  </dgm:styleLbl>
+  <dgm:styleLbl name="node1">
+    <dgm:scene3d>
+      <a:camera prst="orthographicFront"/>
+      <a:lightRig rig="threePt" dir="t"/>
+    </dgm:scene3d>
+    <dgm:sp3d/>
+    <dgm:txPr/>
+    <dgm:style>
+      <a:lnRef idx="2">
+        <a:scrgbClr r="0" g="0" b="0"/>
+      </a:lnRef>
+      <a:fillRef idx="1">
+        <a:scrgbClr r="0" g="0" b="0"/>
+      </a:fillRef>
+      <a:effectRef idx="0">
+        <a:scrgbClr r="0" g="0" b="0"/>
+      </a:effectRef>
+      <a:fontRef idx="minor">
+        <a:schemeClr val="lt1"/>
+      </a:fontRef>
+    </dgm:style>
+  </dgm:styleLbl>
+  <dgm:styleLbl name="node2">
+    <dgm:scene3d>
+      <a:camera prst="orthographicFront"/>
+      <a:lightRig rig="threePt" dir="t"/>
+    </dgm:scene3d>
+    <dgm:sp3d/>
+    <dgm:txPr/>
+    <dgm:style>
+      <a:lnRef idx="2">
+        <a:scrgbClr r="0" g="0" b="0"/>
+      </a:lnRef>
+      <a:fillRef idx="1">
+        <a:scrgbClr r="0" g="0" b="0"/>
+      </a:fillRef>
+      <a:effectRef idx="0">
+        <a:scrgbClr r="0" g="0" b="0"/>
+      </a:effectRef>
+      <a:fontRef idx="minor">
+        <a:schemeClr val="lt1"/>
+      </a:fontRef>
+    </dgm:style>
+  </dgm:styleLbl>
+  <dgm:styleLbl name="node3">
+    <dgm:scene3d>
+      <a:camera prst="orthographicFront"/>
+      <a:lightRig rig="threePt" dir="t"/>
+    </dgm:scene3d>
+    <dgm:sp3d/>
+    <dgm:txPr/>
+    <dgm:style>
+      <a:lnRef idx="2">
+        <a:scrgbClr r="0" g="0" b="0"/>
+      </a:lnRef>
+      <a:fillRef idx="1">
+        <a:scrgbClr r="0" g="0" b="0"/>
+      </a:fillRef>
+      <a:effectRef idx="0">
+        <a:scrgbClr r="0" g="0" b="0"/>
+      </a:effectRef>
+      <a:fontRef idx="minor">
+        <a:schemeClr val="lt1"/>
+      </a:fontRef>
+    </dgm:style>
+  </dgm:styleLbl>
+  <dgm:styleLbl name="node4">
+    <dgm:scene3d>
+      <a:camera prst="orthographicFront"/>
+      <a:lightRig rig="threePt" dir="t"/>
+    </dgm:scene3d>
+    <dgm:sp3d/>
+    <dgm:txPr/>
+    <dgm:style>
+      <a:lnRef idx="2">
+        <a:scrgbClr r="0" g="0" b="0"/>
+      </a:lnRef>
+      <a:fillRef idx="1">
+        <a:scrgbClr r="0" g="0" b="0"/>
+      </a:fillRef>
+      <a:effectRef idx="0">
+        <a:scrgbClr r="0" g="0" b="0"/>
+      </a:effectRef>
+      <a:fontRef idx="minor">
+        <a:schemeClr val="lt1"/>
+      </a:fontRef>
+    </dgm:style>
+  </dgm:styleLbl>
+  <dgm:styleLbl name="fgImgPlace1">
+    <dgm:scene3d>
+      <a:camera prst="orthographicFront"/>
+      <a:lightRig rig="threePt" dir="t"/>
+    </dgm:scene3d>
+    <dgm:sp3d/>
+    <dgm:txPr/>
+    <dgm:style>
+      <a:lnRef idx="2">
+        <a:scrgbClr r="0" g="0" b="0"/>
+      </a:lnRef>
+      <a:fillRef idx="1">
+        <a:scrgbClr r="0" g="0" b="0"/>
+      </a:fillRef>
+      <a:effectRef idx="0">
+        <a:scrgbClr r="0" g="0" b="0"/>
+      </a:effectRef>
+      <a:fontRef idx="minor"/>
+    </dgm:style>
+  </dgm:styleLbl>
+  <dgm:styleLbl name="alignImgPlace1">
+    <dgm:scene3d>
+      <a:camera prst="orthographicFront"/>
+      <a:lightRig rig="threePt" dir="t"/>
+    </dgm:scene3d>
+    <dgm:sp3d/>
+    <dgm:txPr/>
+    <dgm:style>
+      <a:lnRef idx="2">
+        <a:scrgbClr r="0" g="0" b="0"/>
+      </a:lnRef>
+      <a:fillRef idx="1">
+        <a:scrgbClr r="0" g="0" b="0"/>
+      </a:fillRef>
+      <a:effectRef idx="0">
+        <a:scrgbClr r="0" g="0" b="0"/>
+      </a:effectRef>
+      <a:fontRef idx="minor"/>
+    </dgm:style>
+  </dgm:styleLbl>
+  <dgm:styleLbl name="bgImgPlace1">
+    <dgm:scene3d>
+      <a:camera prst="orthographicFront"/>
+      <a:lightRig rig="threePt" dir="t"/>
+    </dgm:scene3d>
+    <dgm:sp3d/>
+    <dgm:txPr/>
+    <dgm:style>
+      <a:lnRef idx="2">
+        <a:scrgbClr r="0" g="0" b="0"/>
+      </a:lnRef>
+      <a:fillRef idx="1">
+        <a:scrgbClr r="0" g="0" b="0"/>
+      </a:fillRef>
+      <a:effectRef idx="0">
+        <a:scrgbClr r="0" g="0" b="0"/>
+      </a:effectRef>
+      <a:fontRef idx="minor"/>
+    </dgm:style>
+  </dgm:styleLbl>
+  <dgm:styleLbl name="sibTrans2D1">
+    <dgm:scene3d>
+      <a:camera prst="orthographicFront"/>
+      <a:lightRig rig="threePt" dir="t"/>
+    </dgm:scene3d>
+    <dgm:sp3d/>
+    <dgm:txPr/>
+    <dgm:style>
+      <a:lnRef idx="0">
+        <a:scrgbClr r="0" g="0" b="0"/>
+      </a:lnRef>
+      <a:fillRef idx="1">
+        <a:scrgbClr r="0" g="0" b="0"/>
+      </a:fillRef>
+      <a:effectRef idx="0">
+        <a:scrgbClr r="0" g="0" b="0"/>
+      </a:effectRef>
+      <a:fontRef idx="minor">
+        <a:schemeClr val="lt1"/>
+      </a:fontRef>
+    </dgm:style>
+  </dgm:styleLbl>
+  <dgm:styleLbl name="fgSibTrans2D1">
+    <dgm:scene3d>
+      <a:camera prst="orthographicFront"/>
+      <a:lightRig rig="threePt" dir="t"/>
+    </dgm:scene3d>
+    <dgm:sp3d/>
+    <dgm:txPr/>
+    <dgm:style>
+      <a:lnRef idx="0">
+        <a:scrgbClr r="0" g="0" b="0"/>
+      </a:lnRef>
+      <a:fillRef idx="1">
+        <a:scrgbClr r="0" g="0" b="0"/>
+      </a:fillRef>
+      <a:effectRef idx="0">
+        <a:scrgbClr r="0" g="0" b="0"/>
+      </a:effectRef>
+      <a:fontRef idx="minor">
+        <a:schemeClr val="lt1"/>
+      </a:fontRef>
+    </dgm:style>
+  </dgm:styleLbl>
+  <dgm:styleLbl name="bgSibTrans2D1">
+    <dgm:scene3d>
+      <a:camera prst="orthographicFront"/>
+      <a:lightRig rig="threePt" dir="t"/>
+    </dgm:scene3d>
+    <dgm:sp3d/>
+    <dgm:txPr/>
+    <dgm:style>
+      <a:lnRef idx="0">
+        <a:scrgbClr r="0" g="0" b="0"/>
+      </a:lnRef>
+      <a:fillRef idx="1">
+        <a:scrgbClr r="0" g="0" b="0"/>
+      </a:fillRef>
+      <a:effectRef idx="0">
+        <a:scrgbClr r="0" g="0" b="0"/>
+      </a:effectRef>
+      <a:fontRef idx="minor">
+        <a:schemeClr val="lt1"/>
+      </a:fontRef>
+    </dgm:style>
+  </dgm:styleLbl>
+  <dgm:styleLbl name="sibTrans1D1">
+    <dgm:scene3d>
+      <a:camera prst="orthographicFront"/>
+      <a:lightRig rig="threePt" dir="t"/>
+    </dgm:scene3d>
+    <dgm:sp3d/>
+    <dgm:txPr/>
+    <dgm:style>
+      <a:lnRef idx="1">
+        <a:scrgbClr r="0" g="0" b="0"/>
+      </a:lnRef>
+      <a:fillRef idx="0">
+        <a:scrgbClr r="0" g="0" b="0"/>
+      </a:fillRef>
+      <a:effectRef idx="0">
+        <a:scrgbClr r="0" g="0" b="0"/>
+      </a:effectRef>
+      <a:fontRef idx="minor"/>
+    </dgm:style>
+  </dgm:styleLbl>
+  <dgm:styleLbl name="callout">
+    <dgm:scene3d>
+      <a:camera prst="orthographicFront"/>
+      <a:lightRig rig="threePt" dir="t"/>
+    </dgm:scene3d>
+    <dgm:sp3d/>
+    <dgm:txPr/>
+    <dgm:style>
+      <a:lnRef idx="2">
+        <a:scrgbClr r="0" g="0" b="0"/>
+      </a:lnRef>
+      <a:fillRef idx="1">
+        <a:scrgbClr r="0" g="0" b="0"/>
+      </a:fillRef>
+      <a:effectRef idx="0">
+        <a:scrgbClr r="0" g="0" b="0"/>
+      </a:effectRef>
+      <a:fontRef idx="minor"/>
+    </dgm:style>
+  </dgm:styleLbl>
+  <dgm:styleLbl name="asst0">
+    <dgm:scene3d>
+      <a:camera prst="orthographicFront"/>
+      <a:lightRig rig="threePt" dir="t"/>
+    </dgm:scene3d>
+    <dgm:sp3d/>
+    <dgm:txPr/>
+    <dgm:style>
+      <a:lnRef idx="2">
+        <a:scrgbClr r="0" g="0" b="0"/>
+      </a:lnRef>
+      <a:fillRef idx="1">
+        <a:scrgbClr r="0" g="0" b="0"/>
+      </a:fillRef>
+      <a:effectRef idx="0">
+        <a:scrgbClr r="0" g="0" b="0"/>
+      </a:effectRef>
+      <a:fontRef idx="minor">
+        <a:schemeClr val="lt1"/>
+      </a:fontRef>
+    </dgm:style>
+  </dgm:styleLbl>
+  <dgm:styleLbl name="asst1">
+    <dgm:scene3d>
+      <a:camera prst="orthographicFront"/>
+      <a:lightRig rig="threePt" dir="t"/>
+    </dgm:scene3d>
+    <dgm:sp3d/>
+    <dgm:txPr/>
+    <dgm:style>
+      <a:lnRef idx="2">
+        <a:scrgbClr r="0" g="0" b="0"/>
+      </a:lnRef>
+      <a:fillRef idx="1">
+        <a:scrgbClr r="0" g="0" b="0"/>
+      </a:fillRef>
+      <a:effectRef idx="0">
+        <a:scrgbClr r="0" g="0" b="0"/>
+      </a:effectRef>
+      <a:fontRef idx="minor">
+        <a:schemeClr val="lt1"/>
+      </a:fontRef>
+    </dgm:style>
+  </dgm:styleLbl>
+  <dgm:styleLbl name="asst2">
+    <dgm:scene3d>
+      <a:camera prst="orthographicFront"/>
+      <a:lightRig rig="threePt" dir="t"/>
+    </dgm:scene3d>
+    <dgm:sp3d/>
+    <dgm:txPr/>
+    <dgm:style>
+      <a:lnRef idx="2">
+        <a:scrgbClr r="0" g="0" b="0"/>
+      </a:lnRef>
+      <a:fillRef idx="1">
+        <a:scrgbClr r="0" g="0" b="0"/>
+      </a:fillRef>
+      <a:effectRef idx="0">
+        <a:scrgbClr r="0" g="0" b="0"/>
+      </a:effectRef>
+      <a:fontRef idx="minor">
+        <a:schemeClr val="lt1"/>
+      </a:fontRef>
+    </dgm:style>
+  </dgm:styleLbl>
+  <dgm:styleLbl name="asst3">
+    <dgm:scene3d>
+      <a:camera prst="orthographicFront"/>
+      <a:lightRig rig="threePt" dir="t"/>
+    </dgm:scene3d>
+    <dgm:sp3d/>
+    <dgm:txPr/>
+    <dgm:style>
+      <a:lnRef idx="2">
+        <a:scrgbClr r="0" g="0" b="0"/>
+      </a:lnRef>
+      <a:fillRef idx="1">
+        <a:scrgbClr r="0" g="0" b="0"/>
+      </a:fillRef>
+      <a:effectRef idx="0">
+        <a:scrgbClr r="0" g="0" b="0"/>
+      </a:effectRef>
+      <a:fontRef idx="minor">
+        <a:schemeClr val="lt1"/>
+      </a:fontRef>
+    </dgm:style>
+  </dgm:styleLbl>
+  <dgm:styleLbl name="asst4">
+    <dgm:scene3d>
+      <a:camera prst="orthographicFront"/>
+      <a:lightRig rig="threePt" dir="t"/>
+    </dgm:scene3d>
+    <dgm:sp3d/>
+    <dgm:txPr/>
+    <dgm:style>
+      <a:lnRef idx="2">
+        <a:scrgbClr r="0" g="0" b="0"/>
+      </a:lnRef>
+      <a:fillRef idx="1">
+        <a:scrgbClr r="0" g="0" b="0"/>
+      </a:fillRef>
+      <a:effectRef idx="0">
+        <a:scrgbClr r="0" g="0" b="0"/>
+      </a:effectRef>
+      <a:fontRef idx="minor">
+        <a:schemeClr val="lt1"/>
+      </a:fontRef>
+    </dgm:style>
+  </dgm:styleLbl>
+  <dgm:styleLbl name="parChTrans2D1">
+    <dgm:scene3d>
+      <a:camera prst="orthographicFront"/>
+      <a:lightRig rig="threePt" dir="t"/>
+    </dgm:scene3d>
+    <dgm:sp3d/>
+    <dgm:txPr/>
+    <dgm:style>
+      <a:lnRef idx="2">
+        <a:scrgbClr r="0" g="0" b="0"/>
+      </a:lnRef>
+      <a:fillRef idx="1">
+        <a:scrgbClr r="0" g="0" b="0"/>
+      </a:fillRef>
+      <a:effectRef idx="0">
+        <a:scrgbClr r="0" g="0" b="0"/>
+      </a:effectRef>
+      <a:fontRef idx="minor">
+        <a:schemeClr val="lt1"/>
+      </a:fontRef>
+    </dgm:style>
+  </dgm:styleLbl>
+  <dgm:styleLbl name="parChTrans2D2">
+    <dgm:scene3d>
+      <a:camera prst="orthographicFront"/>
+      <a:lightRig rig="threePt" dir="t"/>
+    </dgm:scene3d>
+    <dgm:sp3d/>
+    <dgm:txPr/>
+    <dgm:style>
+      <a:lnRef idx="2">
+        <a:scrgbClr r="0" g="0" b="0"/>
+      </a:lnRef>
+      <a:fillRef idx="1">
+        <a:scrgbClr r="0" g="0" b="0"/>
+      </a:fillRef>
+      <a:effectRef idx="0">
+        <a:scrgbClr r="0" g="0" b="0"/>
+      </a:effectRef>
+      <a:fontRef idx="minor">
+        <a:schemeClr val="lt1"/>
+      </a:fontRef>
+    </dgm:style>
+  </dgm:styleLbl>
+  <dgm:styleLbl name="parChTrans2D3">
+    <dgm:scene3d>
+      <a:camera prst="orthographicFront"/>
+      <a:lightRig rig="threePt" dir="t"/>
+    </dgm:scene3d>
+    <dgm:sp3d/>
+    <dgm:txPr/>
+    <dgm:style>
+      <a:lnRef idx="2">
+        <a:scrgbClr r="0" g="0" b="0"/>
+      </a:lnRef>
+      <a:fillRef idx="1">
+        <a:scrgbClr r="0" g="0" b="0"/>
+      </a:fillRef>
+      <a:effectRef idx="0">
+        <a:scrgbClr r="0" g="0" b="0"/>
+      </a:effectRef>
+      <a:fontRef idx="minor">
+        <a:schemeClr val="lt1"/>
+      </a:fontRef>
+    </dgm:style>
+  </dgm:styleLbl>
+  <dgm:styleLbl name="parChTrans2D4">
+    <dgm:scene3d>
+      <a:camera prst="orthographicFront"/>
+      <a:lightRig rig="threePt" dir="t"/>
+    </dgm:scene3d>
+    <dgm:sp3d/>
+    <dgm:txPr/>
+    <dgm:style>
+      <a:lnRef idx="2">
+        <a:scrgbClr r="0" g="0" b="0"/>
+      </a:lnRef>
+      <a:fillRef idx="1">
+        <a:scrgbClr r="0" g="0" b="0"/>
+      </a:fillRef>
+      <a:effectRef idx="0">
+        <a:scrgbClr r="0" g="0" b="0"/>
+      </a:effectRef>
+      <a:fontRef idx="minor">
+        <a:schemeClr val="lt1"/>
+      </a:fontRef>
+    </dgm:style>
+  </dgm:styleLbl>
+  <dgm:styleLbl name="parChTrans1D1">
+    <dgm:scene3d>
+      <a:camera prst="orthographicFront"/>
+      <a:lightRig rig="threePt" dir="t"/>
+    </dgm:scene3d>
+    <dgm:sp3d/>
+    <dgm:txPr/>
+    <dgm:style>
+      <a:lnRef idx="2">
+        <a:scrgbClr r="0" g="0" b="0"/>
+      </a:lnRef>
+      <a:fillRef idx="0">
+        <a:scrgbClr r="0" g="0" b="0"/>
+      </a:fillRef>
+      <a:effectRef idx="0">
+        <a:scrgbClr r="0" g="0" b="0"/>
+      </a:effectRef>
+      <a:fontRef idx="minor"/>
+    </dgm:style>
+  </dgm:styleLbl>
+  <dgm:styleLbl name="parChTrans1D2">
+    <dgm:scene3d>
+      <a:camera prst="orthographicFront"/>
+      <a:lightRig rig="threePt" dir="t"/>
+    </dgm:scene3d>
+    <dgm:sp3d/>
+    <dgm:txPr/>
+    <dgm:style>
+      <a:lnRef idx="2">
+        <a:scrgbClr r="0" g="0" b="0"/>
+      </a:lnRef>
+      <a:fillRef idx="0">
+        <a:scrgbClr r="0" g="0" b="0"/>
+      </a:fillRef>
+      <a:effectRef idx="0">
+        <a:scrgbClr r="0" g="0" b="0"/>
+      </a:effectRef>
+      <a:fontRef idx="minor"/>
+    </dgm:style>
+  </dgm:styleLbl>
+  <dgm:styleLbl name="parChTrans1D3">
+    <dgm:scene3d>
+      <a:camera prst="orthographicFront"/>
+      <a:lightRig rig="threePt" dir="t"/>
+    </dgm:scene3d>
+    <dgm:sp3d/>
+    <dgm:txPr/>
+    <dgm:style>
+      <a:lnRef idx="2">
+        <a:scrgbClr r="0" g="0" b="0"/>
+      </a:lnRef>
+      <a:fillRef idx="0">
+        <a:scrgbClr r="0" g="0" b="0"/>
+      </a:fillRef>
+      <a:effectRef idx="0">
+        <a:scrgbClr r="0" g="0" b="0"/>
+      </a:effectRef>
+      <a:fontRef idx="minor"/>
+    </dgm:style>
+  </dgm:styleLbl>
+  <dgm:styleLbl name="parChTrans1D4">
+    <dgm:scene3d>
+      <a:camera prst="orthographicFront"/>
+      <a:lightRig rig="threePt" dir="t"/>
+    </dgm:scene3d>
+    <dgm:sp3d/>
+    <dgm:txPr/>
+    <dgm:style>
+      <a:lnRef idx="2">
+        <a:scrgbClr r="0" g="0" b="0"/>
+      </a:lnRef>
+      <a:fillRef idx="0">
+        <a:scrgbClr r="0" g="0" b="0"/>
+      </a:fillRef>
+      <a:effectRef idx="0">
+        <a:scrgbClr r="0" g="0" b="0"/>
+      </a:effectRef>
+      <a:fontRef idx="minor"/>
+    </dgm:style>
+  </dgm:styleLbl>
+  <dgm:styleLbl name="fgAcc1">
+    <dgm:scene3d>
+      <a:camera prst="orthographicFront"/>
+      <a:lightRig rig="threePt" dir="t"/>
+    </dgm:scene3d>
+    <dgm:sp3d/>
+    <dgm:txPr/>
+    <dgm:style>
+      <a:lnRef idx="2">
+        <a:scrgbClr r="0" g="0" b="0"/>
+      </a:lnRef>
+      <a:fillRef idx="1">
+        <a:scrgbClr r="0" g="0" b="0"/>
+      </a:fillRef>
+      <a:effectRef idx="0">
+        <a:scrgbClr r="0" g="0" b="0"/>
+      </a:effectRef>
+      <a:fontRef idx="minor"/>
+    </dgm:style>
+  </dgm:styleLbl>
+  <dgm:styleLbl name="conFgAcc1">
+    <dgm:scene3d>
+      <a:camera prst="orthographicFront"/>
+      <a:lightRig rig="threePt" dir="t"/>
+    </dgm:scene3d>
+    <dgm:sp3d/>
+    <dgm:txPr/>
+    <dgm:style>
+      <a:lnRef idx="2">
+        <a:scrgbClr r="0" g="0" b="0"/>
+      </a:lnRef>
+      <a:fillRef idx="1">
+        <a:scrgbClr r="0" g="0" b="0"/>
+      </a:fillRef>
+      <a:effectRef idx="0">
+        <a:scrgbClr r="0" g="0" b="0"/>
+      </a:effectRef>
+      <a:fontRef idx="minor"/>
+    </dgm:style>
+  </dgm:styleLbl>
+  <dgm:styleLbl name="alignAcc1">
+    <dgm:scene3d>
+      <a:camera prst="orthographicFront"/>
+      <a:lightRig rig="threePt" dir="t"/>
+    </dgm:scene3d>
+    <dgm:sp3d/>
+    <dgm:txPr/>
+    <dgm:style>
+      <a:lnRef idx="2">
+        <a:scrgbClr r="0" g="0" b="0"/>
+      </a:lnRef>
+      <a:fillRef idx="1">
+        <a:scrgbClr r="0" g="0" b="0"/>
+      </a:fillRef>
+      <a:effectRef idx="0">
+        <a:scrgbClr r="0" g="0" b="0"/>
+      </a:effectRef>
+      <a:fontRef idx="minor"/>
+    </dgm:style>
+  </dgm:styleLbl>
+  <dgm:styleLbl name="trAlignAcc1">
+    <dgm:scene3d>
+      <a:camera prst="orthographicFront"/>
+      <a:lightRig rig="threePt" dir="t"/>
+    </dgm:scene3d>
+    <dgm:sp3d/>
+    <dgm:txPr/>
+    <dgm:style>
+      <a:lnRef idx="1">
+        <a:scrgbClr r="0" g="0" b="0"/>
+      </a:lnRef>
+      <a:fillRef idx="1">
+        <a:scrgbClr r="0" g="0" b="0"/>
+      </a:fillRef>
+      <a:effectRef idx="0">
+        <a:scrgbClr r="0" g="0" b="0"/>
+      </a:effectRef>
+      <a:fontRef idx="minor"/>
+    </dgm:style>
+  </dgm:styleLbl>
+  <dgm:styleLbl name="bgAcc1">
+    <dgm:scene3d>
+      <a:camera prst="orthographicFront"/>
+      <a:lightRig rig="threePt" dir="t"/>
+    </dgm:scene3d>
+    <dgm:sp3d/>
+    <dgm:txPr/>
+    <dgm:style>
+      <a:lnRef idx="2">
+        <a:scrgbClr r="0" g="0" b="0"/>
+      </a:lnRef>
+      <a:fillRef idx="1">
+        <a:scrgbClr r="0" g="0" b="0"/>
+      </a:fillRef>
+      <a:effectRef idx="0">
+        <a:scrgbClr r="0" g="0" b="0"/>
+      </a:effectRef>
+      <a:fontRef idx="minor"/>
+    </dgm:style>
+  </dgm:styleLbl>
+  <dgm:styleLbl name="solidFgAcc1">
+    <dgm:scene3d>
+      <a:camera prst="orthographicFront"/>
+      <a:lightRig rig="threePt" dir="t"/>
+    </dgm:scene3d>
+    <dgm:sp3d/>
+    <dgm:txPr/>
+    <dgm:style>
+      <a:lnRef idx="2">
+        <a:scrgbClr r="0" g="0" b="0"/>
+      </a:lnRef>
+      <a:fillRef idx="1">
+        <a:scrgbClr r="0" g="0" b="0"/>
+      </a:fillRef>
+      <a:effectRef idx="0">
+        <a:scrgbClr r="0" g="0" b="0"/>
+      </a:effectRef>
+      <a:fontRef idx="minor"/>
+    </dgm:style>
+  </dgm:styleLbl>
+  <dgm:styleLbl name="solidAlignAcc1">
+    <dgm:scene3d>
+      <a:camera prst="orthographicFront"/>
+      <a:lightRig rig="threePt" dir="t"/>
+    </dgm:scene3d>
+    <dgm:sp3d/>
+    <dgm:txPr/>
+    <dgm:style>
+      <a:lnRef idx="2">
+        <a:scrgbClr r="0" g="0" b="0"/>
+      </a:lnRef>
+      <a:fillRef idx="1">
+        <a:scrgbClr r="0" g="0" b="0"/>
+      </a:fillRef>
+      <a:effectRef idx="0">
+        <a:scrgbClr r="0" g="0" b="0"/>
+      </a:effectRef>
+      <a:fontRef idx="minor"/>
+    </dgm:style>
+  </dgm:styleLbl>
+  <dgm:styleLbl name="solidBgAcc1">
+    <dgm:scene3d>
+      <a:camera prst="orthographicFront"/>
+      <a:lightRig rig="threePt" dir="t"/>
+    </dgm:scene3d>
+    <dgm:sp3d/>
+    <dgm:txPr/>
+    <dgm:style>
+      <a:lnRef idx="2">
+        <a:scrgbClr r="0" g="0" b="0"/>
+      </a:lnRef>
+      <a:fillRef idx="1">
+        <a:scrgbClr r="0" g="0" b="0"/>
+      </a:fillRef>
+      <a:effectRef idx="0">
+        <a:scrgbClr r="0" g="0" b="0"/>
+      </a:effectRef>
+      <a:fontRef idx="minor"/>
+    </dgm:style>
+  </dgm:styleLbl>
+  <dgm:styleLbl name="fgAccFollowNode1">
+    <dgm:scene3d>
+      <a:camera prst="orthographicFront"/>
+      <a:lightRig rig="threePt" dir="t"/>
+    </dgm:scene3d>
+    <dgm:sp3d/>
+    <dgm:txPr/>
+    <dgm:style>
+      <a:lnRef idx="2">
+        <a:scrgbClr r="0" g="0" b="0"/>
+      </a:lnRef>
+      <a:fillRef idx="1">
+        <a:scrgbClr r="0" g="0" b="0"/>
+      </a:fillRef>
+      <a:effectRef idx="0">
+        <a:scrgbClr r="0" g="0" b="0"/>
+      </a:effectRef>
+      <a:fontRef idx="minor"/>
+    </dgm:style>
+  </dgm:styleLbl>
+  <dgm:styleLbl name="alignAccFollowNode1">
+    <dgm:scene3d>
+      <a:camera prst="orthographicFront"/>
+      <a:lightRig rig="threePt" dir="t"/>
+    </dgm:scene3d>
+    <dgm:sp3d/>
+    <dgm:txPr/>
+    <dgm:style>
+      <a:lnRef idx="2">
+        <a:scrgbClr r="0" g="0" b="0"/>
+      </a:lnRef>
+      <a:fillRef idx="1">
+        <a:scrgbClr r="0" g="0" b="0"/>
+      </a:fillRef>
+      <a:effectRef idx="0">
+        <a:scrgbClr r="0" g="0" b="0"/>
+      </a:effectRef>
+      <a:fontRef idx="minor"/>
+    </dgm:style>
+  </dgm:styleLbl>
+  <dgm:styleLbl name="bgAccFollowNode1">
+    <dgm:scene3d>
+      <a:camera prst="orthographicFront"/>
+      <a:lightRig rig="threePt" dir="t"/>
+    </dgm:scene3d>
+    <dgm:sp3d/>
+    <dgm:txPr/>
+    <dgm:style>
+      <a:lnRef idx="2">
+        <a:scrgbClr r="0" g="0" b="0"/>
+      </a:lnRef>
+      <a:fillRef idx="1">
+        <a:scrgbClr r="0" g="0" b="0"/>
+      </a:fillRef>
+      <a:effectRef idx="0">
+        <a:scrgbClr r="0" g="0" b="0"/>
+      </a:effectRef>
+      <a:fontRef idx="minor"/>
+    </dgm:style>
+  </dgm:styleLbl>
+  <dgm:styleLbl name="fgAcc0">
+    <dgm:scene3d>
+      <a:camera prst="orthographicFront"/>
+      <a:lightRig rig="threePt" dir="t"/>
+    </dgm:scene3d>
+    <dgm:sp3d/>
+    <dgm:txPr/>
+    <dgm:style>
+      <a:lnRef idx="2">
+        <a:scrgbClr r="0" g="0" b="0"/>
+      </a:lnRef>
+      <a:fillRef idx="1">
+        <a:scrgbClr r="0" g="0" b="0"/>
+      </a:fillRef>
+      <a:effectRef idx="0">
+        <a:scrgbClr r="0" g="0" b="0"/>
+      </a:effectRef>
+      <a:fontRef idx="minor"/>
+    </dgm:style>
+  </dgm:styleLbl>
+  <dgm:styleLbl name="fgAcc2">
+    <dgm:scene3d>
+      <a:camera prst="orthographicFront"/>
+      <a:lightRig rig="threePt" dir="t"/>
+    </dgm:scene3d>
+    <dgm:sp3d/>
+    <dgm:txPr/>
+    <dgm:style>
+      <a:lnRef idx="2">
+        <a:scrgbClr r="0" g="0" b="0"/>
+      </a:lnRef>
+      <a:fillRef idx="1">
+        <a:scrgbClr r="0" g="0" b="0"/>
+      </a:fillRef>
+      <a:effectRef idx="0">
+        <a:scrgbClr r="0" g="0" b="0"/>
+      </a:effectRef>
+      <a:fontRef idx="minor"/>
+    </dgm:style>
+  </dgm:styleLbl>
+  <dgm:styleLbl name="fgAcc3">
+    <dgm:scene3d>
+      <a:camera prst="orthographicFront"/>
+      <a:lightRig rig="threePt" dir="t"/>
+    </dgm:scene3d>
+    <dgm:sp3d/>
+    <dgm:txPr/>
+    <dgm:style>
+      <a:lnRef idx="2">
+        <a:scrgbClr r="0" g="0" b="0"/>
+      </a:lnRef>
+      <a:fillRef idx="1">
+        <a:scrgbClr r="0" g="0" b="0"/>
+      </a:fillRef>
+      <a:effectRef idx="0">
+        <a:scrgbClr r="0" g="0" b="0"/>
+      </a:effectRef>
+      <a:fontRef idx="minor"/>
+    </dgm:style>
+  </dgm:styleLbl>
+  <dgm:styleLbl name="fgAcc4">
+    <dgm:scene3d>
+      <a:camera prst="orthographicFront"/>
+      <a:lightRig rig="threePt" dir="t"/>
+    </dgm:scene3d>
+    <dgm:sp3d/>
+    <dgm:txPr/>
+    <dgm:style>
+      <a:lnRef idx="2">
+        <a:scrgbClr r="0" g="0" b="0"/>
+      </a:lnRef>
+      <a:fillRef idx="1">
+        <a:scrgbClr r="0" g="0" b="0"/>
+      </a:fillRef>
+      <a:effectRef idx="0">
+        <a:scrgbClr r="0" g="0" b="0"/>
+      </a:effectRef>
+      <a:fontRef idx="minor"/>
+    </dgm:style>
+  </dgm:styleLbl>
+  <dgm:styleLbl name="bgShp">
+    <dgm:scene3d>
+      <a:camera prst="orthographicFront"/>
+      <a:lightRig rig="threePt" dir="t"/>
+    </dgm:scene3d>
+    <dgm:sp3d/>
+    <dgm:txPr/>
+    <dgm:style>
+      <a:lnRef idx="0">
+        <a:scrgbClr r="0" g="0" b="0"/>
+      </a:lnRef>
+      <a:fillRef idx="1">
+        <a:scrgbClr r="0" g="0" b="0"/>
+      </a:fillRef>
+      <a:effectRef idx="0">
+        <a:scrgbClr r="0" g="0" b="0"/>
+      </a:effectRef>
+      <a:fontRef idx="minor"/>
+    </dgm:style>
+  </dgm:styleLbl>
+  <dgm:styleLbl name="dkBgShp">
+    <dgm:scene3d>
+      <a:camera prst="orthographicFront"/>
+      <a:lightRig rig="threePt" dir="t"/>
+    </dgm:scene3d>
+    <dgm:sp3d/>
+    <dgm:txPr/>
+    <dgm:style>
+      <a:lnRef idx="0">
+        <a:scrgbClr r="0" g="0" b="0"/>
+      </a:lnRef>
+      <a:fillRef idx="1">
+        <a:scrgbClr r="0" g="0" b="0"/>
+      </a:fillRef>
+      <a:effectRef idx="0">
+        <a:scrgbClr r="0" g="0" b="0"/>
+      </a:effectRef>
+      <a:fontRef idx="minor"/>
+    </dgm:style>
+  </dgm:styleLbl>
+  <dgm:styleLbl name="trBgShp">
+    <dgm:scene3d>
+      <a:camera prst="orthographicFront"/>
+      <a:lightRig rig="threePt" dir="t"/>
+    </dgm:scene3d>
+    <dgm:sp3d/>
+    <dgm:txPr/>
+    <dgm:style>
+      <a:lnRef idx="0">
+        <a:scrgbClr r="0" g="0" b="0"/>
+      </a:lnRef>
+      <a:fillRef idx="1">
+        <a:scrgbClr r="0" g="0" b="0"/>
+      </a:fillRef>
+      <a:effectRef idx="0">
+        <a:scrgbClr r="0" g="0" b="0"/>
+      </a:effectRef>
+      <a:fontRef idx="minor"/>
+    </dgm:style>
+  </dgm:styleLbl>
+  <dgm:styleLbl name="fgShp">
+    <dgm:scene3d>
+      <a:camera prst="orthographicFront"/>
+      <a:lightRig rig="threePt" dir="t"/>
+    </dgm:scene3d>
+    <dgm:sp3d/>
+    <dgm:txPr/>
+    <dgm:style>
+      <a:lnRef idx="2">
+        <a:scrgbClr r="0" g="0" b="0"/>
+      </a:lnRef>
+      <a:fillRef idx="1">
+        <a:scrgbClr r="0" g="0" b="0"/>
+      </a:fillRef>
+      <a:effectRef idx="0">
+        <a:scrgbClr r="0" g="0" b="0"/>
+      </a:effectRef>
+      <a:fontRef idx="minor"/>
+    </dgm:style>
+  </dgm:styleLbl>
+  <dgm:styleLbl name="revTx">
+    <dgm:scene3d>
+      <a:camera prst="orthographicFront"/>
+      <a:lightRig rig="threePt" dir="t"/>
+    </dgm:scene3d>
+    <dgm:sp3d/>
+    <dgm:txPr/>
+    <dgm:style>
+      <a:lnRef idx="0">
+        <a:scrgbClr r="0" g="0" b="0"/>
+      </a:lnRef>
+      <a:fillRef idx="0">
+        <a:scrgbClr r="0" g="0" b="0"/>
+      </a:fillRef>
+      <a:effectRef idx="0">
+        <a:scrgbClr r="0" g="0" b="0"/>
+      </a:effectRef>
+      <a:fontRef idx="minor"/>
+    </dgm:style>
+  </dgm:styleLbl>
+</dgm:styleDef>
+</file>
+
+<file path=ppt/diagrams/quickStyle3.xml><?xml version="1.0" encoding="utf-8"?>
 <dgm:styleDef xmlns:dgm="http://schemas.openxmlformats.org/drawingml/2006/diagram" xmlns:a="http://schemas.openxmlformats.org/drawingml/2006/main" uniqueId="urn:microsoft.com/office/officeart/2005/8/quickstyle/simple5">
   <dgm:title val=""/>
   <dgm:desc val=""/>
@@ -9576,7 +11776,698 @@
 </p:sld>
 </file>
 
+<file path=ppt/slides/slide10.xml><?xml version="1.0" encoding="utf-8"?>
+<p:sld xmlns:a="http://schemas.openxmlformats.org/drawingml/2006/main" xmlns:r="http://schemas.openxmlformats.org/officeDocument/2006/relationships" xmlns:p="http://schemas.openxmlformats.org/presentationml/2006/main">
+  <p:cSld>
+    <p:bg>
+      <p:bgPr>
+        <a:solidFill>
+          <a:schemeClr val="tx1">
+            <a:lumMod val="85000"/>
+            <a:lumOff val="15000"/>
+          </a:schemeClr>
+        </a:solidFill>
+        <a:effectLst/>
+      </p:bgPr>
+    </p:bg>
+    <p:spTree>
+      <p:nvGrpSpPr>
+        <p:cNvPr id="1" name=""/>
+        <p:cNvGrpSpPr/>
+        <p:nvPr/>
+      </p:nvGrpSpPr>
+      <p:grpSpPr>
+        <a:xfrm>
+          <a:off x="0" y="0"/>
+          <a:ext cx="0" cy="0"/>
+          <a:chOff x="0" y="0"/>
+          <a:chExt cx="0" cy="0"/>
+        </a:xfrm>
+      </p:grpSpPr>
+      <p:sp>
+        <p:nvSpPr>
+          <p:cNvPr id="2" name="Titel 1">
+            <a:extLst>
+              <a:ext uri="{FF2B5EF4-FFF2-40B4-BE49-F238E27FC236}">
+                <a16:creationId xmlns:a16="http://schemas.microsoft.com/office/drawing/2014/main" id="{747753E9-46C1-43E7-BF55-1C39C3D2263B}"/>
+              </a:ext>
+            </a:extLst>
+          </p:cNvPr>
+          <p:cNvSpPr>
+            <a:spLocks noGrp="1"/>
+          </p:cNvSpPr>
+          <p:nvPr>
+            <p:ph type="title"/>
+          </p:nvPr>
+        </p:nvSpPr>
+        <p:spPr/>
+        <p:txBody>
+          <a:bodyPr/>
+          <a:lstStyle/>
+          <a:p>
+            <a:r>
+              <a:rPr lang="de-DE" dirty="0">
+                <a:solidFill>
+                  <a:schemeClr val="bg1"/>
+                </a:solidFill>
+                <a:latin typeface="Avenir Next LT Pro Light" panose="020B0304020202020204" pitchFamily="34" charset="0"/>
+              </a:rPr>
+              <a:t>SSL/TLS Verschlüsselung</a:t>
+            </a:r>
+            <a:endParaRPr lang="en-US" dirty="0">
+              <a:solidFill>
+                <a:schemeClr val="bg1"/>
+              </a:solidFill>
+              <a:latin typeface="Avenir Next LT Pro Light" panose="020B0304020202020204" pitchFamily="34" charset="0"/>
+            </a:endParaRPr>
+          </a:p>
+        </p:txBody>
+      </p:sp>
+      <p:pic>
+        <p:nvPicPr>
+          <p:cNvPr id="3" name="Onlinemedien 2" title="SSL in 2:48 Minuten verstehen">
+            <a:hlinkClick r:id="" action="ppaction://media"/>
+            <a:extLst>
+              <a:ext uri="{FF2B5EF4-FFF2-40B4-BE49-F238E27FC236}">
+                <a16:creationId xmlns:a16="http://schemas.microsoft.com/office/drawing/2014/main" id="{D2D654F4-036B-4862-9C3F-6536F511A4FF}"/>
+              </a:ext>
+            </a:extLst>
+          </p:cNvPr>
+          <p:cNvPicPr>
+            <a:picLocks noRot="1" noChangeAspect="1"/>
+          </p:cNvPicPr>
+          <p:nvPr>
+            <a:videoFile r:link="rId1"/>
+          </p:nvPr>
+        </p:nvPicPr>
+        <p:blipFill>
+          <a:blip r:embed="rId3"/>
+          <a:stretch>
+            <a:fillRect/>
+          </a:stretch>
+        </p:blipFill>
+        <p:spPr>
+          <a:xfrm>
+            <a:off x="2011201" y="1690688"/>
+            <a:ext cx="8169598" cy="4615823"/>
+          </a:xfrm>
+          <a:prstGeom prst="rect">
+            <a:avLst/>
+          </a:prstGeom>
+        </p:spPr>
+      </p:pic>
+    </p:spTree>
+    <p:extLst>
+      <p:ext uri="{BB962C8B-B14F-4D97-AF65-F5344CB8AC3E}">
+        <p14:creationId xmlns:p14="http://schemas.microsoft.com/office/powerpoint/2010/main" val="1366479321"/>
+      </p:ext>
+    </p:extLst>
+  </p:cSld>
+  <p:clrMapOvr>
+    <a:masterClrMapping/>
+  </p:clrMapOvr>
+  <p:timing>
+    <p:tnLst>
+      <p:par>
+        <p:cTn id="1" dur="indefinite" restart="never" nodeType="tmRoot">
+          <p:childTnLst>
+            <p:seq concurrent="1" nextAc="seek">
+              <p:cTn id="2" dur="indefinite" nodeType="mainSeq">
+                <p:childTnLst>
+                  <p:par>
+                    <p:cTn id="3" fill="hold">
+                      <p:stCondLst>
+                        <p:cond delay="indefinite"/>
+                      </p:stCondLst>
+                      <p:childTnLst>
+                        <p:par>
+                          <p:cTn id="4" fill="hold">
+                            <p:stCondLst>
+                              <p:cond delay="0"/>
+                            </p:stCondLst>
+                            <p:childTnLst>
+                              <p:par>
+                                <p:cTn id="5" presetID="1" presetClass="mediacall" presetSubtype="0" fill="hold" nodeType="clickEffect">
+                                  <p:stCondLst>
+                                    <p:cond delay="0"/>
+                                  </p:stCondLst>
+                                  <p:childTnLst>
+                                    <p:cmd type="call" cmd="playFrom(0.0)">
+                                      <p:cBhvr>
+                                        <p:cTn id="6" dur="1" fill="hold"/>
+                                        <p:tgtEl>
+                                          <p:spTgt spid="3"/>
+                                        </p:tgtEl>
+                                      </p:cBhvr>
+                                    </p:cmd>
+                                  </p:childTnLst>
+                                </p:cTn>
+                              </p:par>
+                            </p:childTnLst>
+                          </p:cTn>
+                        </p:par>
+                      </p:childTnLst>
+                    </p:cTn>
+                  </p:par>
+                </p:childTnLst>
+              </p:cTn>
+              <p:prevCondLst>
+                <p:cond evt="onPrev" delay="0">
+                  <p:tgtEl>
+                    <p:sldTgt/>
+                  </p:tgtEl>
+                </p:cond>
+              </p:prevCondLst>
+              <p:nextCondLst>
+                <p:cond evt="onNext" delay="0">
+                  <p:tgtEl>
+                    <p:sldTgt/>
+                  </p:tgtEl>
+                </p:cond>
+              </p:nextCondLst>
+            </p:seq>
+            <p:video>
+              <p:cMediaNode vol="80000">
+                <p:cTn id="7" fill="hold" display="0">
+                  <p:stCondLst>
+                    <p:cond delay="indefinite"/>
+                  </p:stCondLst>
+                </p:cTn>
+                <p:tgtEl>
+                  <p:spTgt spid="3"/>
+                </p:tgtEl>
+              </p:cMediaNode>
+            </p:video>
+            <p:seq concurrent="1" nextAc="seek">
+              <p:cTn id="8" restart="whenNotActive" fill="hold" evtFilter="cancelBubble" nodeType="interactiveSeq">
+                <p:stCondLst>
+                  <p:cond evt="onClick" delay="0">
+                    <p:tgtEl>
+                      <p:spTgt spid="3"/>
+                    </p:tgtEl>
+                  </p:cond>
+                </p:stCondLst>
+                <p:endSync evt="end" delay="0">
+                  <p:rtn val="all"/>
+                </p:endSync>
+                <p:childTnLst>
+                  <p:par>
+                    <p:cTn id="9" fill="hold">
+                      <p:stCondLst>
+                        <p:cond delay="0"/>
+                      </p:stCondLst>
+                      <p:childTnLst>
+                        <p:par>
+                          <p:cTn id="10" fill="hold">
+                            <p:stCondLst>
+                              <p:cond delay="0"/>
+                            </p:stCondLst>
+                            <p:childTnLst>
+                              <p:par>
+                                <p:cTn id="11" presetID="2" presetClass="mediacall" presetSubtype="0" fill="hold" nodeType="clickEffect">
+                                  <p:stCondLst>
+                                    <p:cond delay="0"/>
+                                  </p:stCondLst>
+                                  <p:childTnLst>
+                                    <p:cmd type="call" cmd="togglePause">
+                                      <p:cBhvr>
+                                        <p:cTn id="12" dur="1" fill="hold"/>
+                                        <p:tgtEl>
+                                          <p:spTgt spid="3"/>
+                                        </p:tgtEl>
+                                      </p:cBhvr>
+                                    </p:cmd>
+                                  </p:childTnLst>
+                                </p:cTn>
+                              </p:par>
+                            </p:childTnLst>
+                          </p:cTn>
+                        </p:par>
+                      </p:childTnLst>
+                    </p:cTn>
+                  </p:par>
+                </p:childTnLst>
+              </p:cTn>
+              <p:nextCondLst>
+                <p:cond evt="onClick" delay="0">
+                  <p:tgtEl>
+                    <p:spTgt spid="3"/>
+                  </p:tgtEl>
+                </p:cond>
+              </p:nextCondLst>
+            </p:seq>
+          </p:childTnLst>
+        </p:cTn>
+      </p:par>
+    </p:tnLst>
+  </p:timing>
+</p:sld>
+</file>
+
+<file path=ppt/slides/slide11.xml><?xml version="1.0" encoding="utf-8"?>
+<p:sld xmlns:a="http://schemas.openxmlformats.org/drawingml/2006/main" xmlns:r="http://schemas.openxmlformats.org/officeDocument/2006/relationships" xmlns:p="http://schemas.openxmlformats.org/presentationml/2006/main">
+  <p:cSld>
+    <p:bg>
+      <p:bgPr>
+        <a:solidFill>
+          <a:schemeClr val="tx1">
+            <a:lumMod val="85000"/>
+            <a:lumOff val="15000"/>
+          </a:schemeClr>
+        </a:solidFill>
+        <a:effectLst/>
+      </p:bgPr>
+    </p:bg>
+    <p:spTree>
+      <p:nvGrpSpPr>
+        <p:cNvPr id="1" name=""/>
+        <p:cNvGrpSpPr/>
+        <p:nvPr/>
+      </p:nvGrpSpPr>
+      <p:grpSpPr>
+        <a:xfrm>
+          <a:off x="0" y="0"/>
+          <a:ext cx="0" cy="0"/>
+          <a:chOff x="0" y="0"/>
+          <a:chExt cx="0" cy="0"/>
+        </a:xfrm>
+      </p:grpSpPr>
+      <p:sp>
+        <p:nvSpPr>
+          <p:cNvPr id="2" name="Titel 1">
+            <a:extLst>
+              <a:ext uri="{FF2B5EF4-FFF2-40B4-BE49-F238E27FC236}">
+                <a16:creationId xmlns:a16="http://schemas.microsoft.com/office/drawing/2014/main" id="{747753E9-46C1-43E7-BF55-1C39C3D2263B}"/>
+              </a:ext>
+            </a:extLst>
+          </p:cNvPr>
+          <p:cNvSpPr>
+            <a:spLocks noGrp="1"/>
+          </p:cNvSpPr>
+          <p:nvPr>
+            <p:ph type="title"/>
+          </p:nvPr>
+        </p:nvSpPr>
+        <p:spPr/>
+        <p:txBody>
+          <a:bodyPr/>
+          <a:lstStyle/>
+          <a:p>
+            <a:r>
+              <a:rPr lang="de-DE" dirty="0">
+                <a:solidFill>
+                  <a:schemeClr val="bg1"/>
+                </a:solidFill>
+                <a:latin typeface="Avenir Next LT Pro Light" panose="020B0304020202020204" pitchFamily="34" charset="0"/>
+              </a:rPr>
+              <a:t>SSL-Zertifikat / HTTPS</a:t>
+            </a:r>
+            <a:endParaRPr lang="en-US" dirty="0">
+              <a:solidFill>
+                <a:schemeClr val="bg1"/>
+              </a:solidFill>
+              <a:latin typeface="Avenir Next LT Pro Light" panose="020B0304020202020204" pitchFamily="34" charset="0"/>
+            </a:endParaRPr>
+          </a:p>
+        </p:txBody>
+      </p:sp>
+      <p:pic>
+        <p:nvPicPr>
+          <p:cNvPr id="4" name="Inhaltsplatzhalter 8" descr="Stoppuhr">
+            <a:extLst>
+              <a:ext uri="{FF2B5EF4-FFF2-40B4-BE49-F238E27FC236}">
+                <a16:creationId xmlns:a16="http://schemas.microsoft.com/office/drawing/2014/main" id="{A7F8691E-369A-483B-9E90-EB30764D8BB1}"/>
+              </a:ext>
+            </a:extLst>
+          </p:cNvPr>
+          <p:cNvPicPr>
+            <a:picLocks noChangeAspect="1"/>
+          </p:cNvPicPr>
+          <p:nvPr/>
+        </p:nvPicPr>
+        <p:blipFill>
+          <a:blip r:embed="rId2">
+            <a:extLst>
+              <a:ext uri="{28A0092B-C50C-407E-A947-70E740481C1C}">
+                <a14:useLocalDpi xmlns:a14="http://schemas.microsoft.com/office/drawing/2010/main" val="0"/>
+              </a:ext>
+              <a:ext uri="{96DAC541-7B7A-43D3-8B79-37D633B846F1}">
+                <asvg:svgBlip xmlns:asvg="http://schemas.microsoft.com/office/drawing/2016/SVG/main" r:embed="rId3"/>
+              </a:ext>
+            </a:extLst>
+          </a:blip>
+          <a:stretch>
+            <a:fillRect/>
+          </a:stretch>
+        </p:blipFill>
+        <p:spPr>
+          <a:xfrm>
+            <a:off x="838199" y="1690687"/>
+            <a:ext cx="4682067" cy="4682067"/>
+          </a:xfrm>
+          <a:prstGeom prst="rect">
+            <a:avLst/>
+          </a:prstGeom>
+        </p:spPr>
+      </p:pic>
+      <p:sp>
+        <p:nvSpPr>
+          <p:cNvPr id="5" name="Textfeld 4">
+            <a:extLst>
+              <a:ext uri="{FF2B5EF4-FFF2-40B4-BE49-F238E27FC236}">
+                <a16:creationId xmlns:a16="http://schemas.microsoft.com/office/drawing/2014/main" id="{0B2772EB-64EC-4DAB-AFEE-457A1C00BCD7}"/>
+              </a:ext>
+            </a:extLst>
+          </p:cNvPr>
+          <p:cNvSpPr txBox="1"/>
+          <p:nvPr/>
+        </p:nvSpPr>
+        <p:spPr>
+          <a:xfrm>
+            <a:off x="5520266" y="3677778"/>
+            <a:ext cx="5960533" cy="707886"/>
+          </a:xfrm>
+          <a:prstGeom prst="rect">
+            <a:avLst/>
+          </a:prstGeom>
+          <a:noFill/>
+        </p:spPr>
+        <p:txBody>
+          <a:bodyPr wrap="square" rtlCol="0">
+            <a:spAutoFit/>
+          </a:bodyPr>
+          <a:lstStyle/>
+          <a:p>
+            <a:pPr algn="ctr"/>
+            <a:r>
+              <a:rPr lang="de-DE" sz="4000" dirty="0">
+                <a:solidFill>
+                  <a:schemeClr val="bg1"/>
+                </a:solidFill>
+                <a:latin typeface="Avenir Next LT Pro Light" panose="020B0304020202020204" pitchFamily="34" charset="0"/>
+              </a:rPr>
+              <a:t>ca. 16:30 –  16:45</a:t>
+            </a:r>
+            <a:endParaRPr lang="en-US" sz="4000" dirty="0">
+              <a:solidFill>
+                <a:schemeClr val="bg1"/>
+              </a:solidFill>
+              <a:latin typeface="Avenir Next LT Pro Light" panose="020B0304020202020204" pitchFamily="34" charset="0"/>
+            </a:endParaRPr>
+          </a:p>
+        </p:txBody>
+      </p:sp>
+    </p:spTree>
+    <p:extLst>
+      <p:ext uri="{BB962C8B-B14F-4D97-AF65-F5344CB8AC3E}">
+        <p14:creationId xmlns:p14="http://schemas.microsoft.com/office/powerpoint/2010/main" val="2373898536"/>
+      </p:ext>
+    </p:extLst>
+  </p:cSld>
+  <p:clrMapOvr>
+    <a:masterClrMapping/>
+  </p:clrMapOvr>
+</p:sld>
+</file>
+
+<file path=ppt/slides/slide12.xml><?xml version="1.0" encoding="utf-8"?>
+<p:sld xmlns:a="http://schemas.openxmlformats.org/drawingml/2006/main" xmlns:r="http://schemas.openxmlformats.org/officeDocument/2006/relationships" xmlns:p="http://schemas.openxmlformats.org/presentationml/2006/main">
+  <p:cSld>
+    <p:bg>
+      <p:bgPr>
+        <a:solidFill>
+          <a:schemeClr val="tx1">
+            <a:lumMod val="85000"/>
+            <a:lumOff val="15000"/>
+          </a:schemeClr>
+        </a:solidFill>
+        <a:effectLst/>
+      </p:bgPr>
+    </p:bg>
+    <p:spTree>
+      <p:nvGrpSpPr>
+        <p:cNvPr id="1" name=""/>
+        <p:cNvGrpSpPr/>
+        <p:nvPr/>
+      </p:nvGrpSpPr>
+      <p:grpSpPr>
+        <a:xfrm>
+          <a:off x="0" y="0"/>
+          <a:ext cx="0" cy="0"/>
+          <a:chOff x="0" y="0"/>
+          <a:chExt cx="0" cy="0"/>
+        </a:xfrm>
+      </p:grpSpPr>
+      <p:sp>
+        <p:nvSpPr>
+          <p:cNvPr id="2" name="Titel 1">
+            <a:extLst>
+              <a:ext uri="{FF2B5EF4-FFF2-40B4-BE49-F238E27FC236}">
+                <a16:creationId xmlns:a16="http://schemas.microsoft.com/office/drawing/2014/main" id="{747753E9-46C1-43E7-BF55-1C39C3D2263B}"/>
+              </a:ext>
+            </a:extLst>
+          </p:cNvPr>
+          <p:cNvSpPr>
+            <a:spLocks noGrp="1"/>
+          </p:cNvSpPr>
+          <p:nvPr>
+            <p:ph type="title"/>
+          </p:nvPr>
+        </p:nvSpPr>
+        <p:spPr/>
+        <p:txBody>
+          <a:bodyPr/>
+          <a:lstStyle/>
+          <a:p>
+            <a:r>
+              <a:rPr lang="de-DE" dirty="0">
+                <a:solidFill>
+                  <a:schemeClr val="bg1"/>
+                </a:solidFill>
+                <a:latin typeface="Avenir Next LT Pro Light" panose="020B0304020202020204" pitchFamily="34" charset="0"/>
+              </a:rPr>
+              <a:t>WordPress – Einführung</a:t>
+            </a:r>
+            <a:endParaRPr lang="en-US" dirty="0">
+              <a:solidFill>
+                <a:schemeClr val="bg1"/>
+              </a:solidFill>
+              <a:latin typeface="Avenir Next LT Pro Light" panose="020B0304020202020204" pitchFamily="34" charset="0"/>
+            </a:endParaRPr>
+          </a:p>
+        </p:txBody>
+      </p:sp>
+      <p:pic>
+        <p:nvPicPr>
+          <p:cNvPr id="4" name="Inhaltsplatzhalter 8" descr="Stoppuhr">
+            <a:extLst>
+              <a:ext uri="{FF2B5EF4-FFF2-40B4-BE49-F238E27FC236}">
+                <a16:creationId xmlns:a16="http://schemas.microsoft.com/office/drawing/2014/main" id="{A7F8691E-369A-483B-9E90-EB30764D8BB1}"/>
+              </a:ext>
+            </a:extLst>
+          </p:cNvPr>
+          <p:cNvPicPr>
+            <a:picLocks noChangeAspect="1"/>
+          </p:cNvPicPr>
+          <p:nvPr/>
+        </p:nvPicPr>
+        <p:blipFill>
+          <a:blip r:embed="rId2">
+            <a:extLst>
+              <a:ext uri="{28A0092B-C50C-407E-A947-70E740481C1C}">
+                <a14:useLocalDpi xmlns:a14="http://schemas.microsoft.com/office/drawing/2010/main" val="0"/>
+              </a:ext>
+              <a:ext uri="{96DAC541-7B7A-43D3-8B79-37D633B846F1}">
+                <asvg:svgBlip xmlns:asvg="http://schemas.microsoft.com/office/drawing/2016/SVG/main" r:embed="rId3"/>
+              </a:ext>
+            </a:extLst>
+          </a:blip>
+          <a:stretch>
+            <a:fillRect/>
+          </a:stretch>
+        </p:blipFill>
+        <p:spPr>
+          <a:xfrm>
+            <a:off x="838199" y="1690687"/>
+            <a:ext cx="4682067" cy="4682067"/>
+          </a:xfrm>
+          <a:prstGeom prst="rect">
+            <a:avLst/>
+          </a:prstGeom>
+        </p:spPr>
+      </p:pic>
+      <p:sp>
+        <p:nvSpPr>
+          <p:cNvPr id="5" name="Textfeld 4">
+            <a:extLst>
+              <a:ext uri="{FF2B5EF4-FFF2-40B4-BE49-F238E27FC236}">
+                <a16:creationId xmlns:a16="http://schemas.microsoft.com/office/drawing/2014/main" id="{0B2772EB-64EC-4DAB-AFEE-457A1C00BCD7}"/>
+              </a:ext>
+            </a:extLst>
+          </p:cNvPr>
+          <p:cNvSpPr txBox="1"/>
+          <p:nvPr/>
+        </p:nvSpPr>
+        <p:spPr>
+          <a:xfrm>
+            <a:off x="5520266" y="3677778"/>
+            <a:ext cx="5960533" cy="707886"/>
+          </a:xfrm>
+          <a:prstGeom prst="rect">
+            <a:avLst/>
+          </a:prstGeom>
+          <a:noFill/>
+        </p:spPr>
+        <p:txBody>
+          <a:bodyPr wrap="square" rtlCol="0">
+            <a:spAutoFit/>
+          </a:bodyPr>
+          <a:lstStyle/>
+          <a:p>
+            <a:pPr algn="ctr"/>
+            <a:r>
+              <a:rPr lang="de-DE" sz="4000" dirty="0">
+                <a:solidFill>
+                  <a:schemeClr val="bg1"/>
+                </a:solidFill>
+                <a:latin typeface="Avenir Next LT Pro Light" panose="020B0304020202020204" pitchFamily="34" charset="0"/>
+              </a:rPr>
+              <a:t>ca. 16:45 –  17:15</a:t>
+            </a:r>
+            <a:endParaRPr lang="en-US" sz="4000" dirty="0">
+              <a:solidFill>
+                <a:schemeClr val="bg1"/>
+              </a:solidFill>
+              <a:latin typeface="Avenir Next LT Pro Light" panose="020B0304020202020204" pitchFamily="34" charset="0"/>
+            </a:endParaRPr>
+          </a:p>
+        </p:txBody>
+      </p:sp>
+    </p:spTree>
+    <p:extLst>
+      <p:ext uri="{BB962C8B-B14F-4D97-AF65-F5344CB8AC3E}">
+        <p14:creationId xmlns:p14="http://schemas.microsoft.com/office/powerpoint/2010/main" val="2575987303"/>
+      </p:ext>
+    </p:extLst>
+  </p:cSld>
+  <p:clrMapOvr>
+    <a:masterClrMapping/>
+  </p:clrMapOvr>
+</p:sld>
+</file>
+
 <file path=ppt/slides/slide2.xml><?xml version="1.0" encoding="utf-8"?>
+<p:sld xmlns:a="http://schemas.openxmlformats.org/drawingml/2006/main" xmlns:r="http://schemas.openxmlformats.org/officeDocument/2006/relationships" xmlns:p="http://schemas.openxmlformats.org/presentationml/2006/main">
+  <p:cSld>
+    <p:bg>
+      <p:bgPr>
+        <a:solidFill>
+          <a:schemeClr val="tx1">
+            <a:lumMod val="85000"/>
+            <a:lumOff val="15000"/>
+          </a:schemeClr>
+        </a:solidFill>
+        <a:effectLst/>
+      </p:bgPr>
+    </p:bg>
+    <p:spTree>
+      <p:nvGrpSpPr>
+        <p:cNvPr id="1" name=""/>
+        <p:cNvGrpSpPr/>
+        <p:nvPr/>
+      </p:nvGrpSpPr>
+      <p:grpSpPr>
+        <a:xfrm>
+          <a:off x="0" y="0"/>
+          <a:ext cx="0" cy="0"/>
+          <a:chOff x="0" y="0"/>
+          <a:chExt cx="0" cy="0"/>
+        </a:xfrm>
+      </p:grpSpPr>
+      <p:sp>
+        <p:nvSpPr>
+          <p:cNvPr id="2" name="Titel 1">
+            <a:extLst>
+              <a:ext uri="{FF2B5EF4-FFF2-40B4-BE49-F238E27FC236}">
+                <a16:creationId xmlns:a16="http://schemas.microsoft.com/office/drawing/2014/main" id="{03F11C62-7D22-42E3-B8EA-ABAEBB011B61}"/>
+              </a:ext>
+            </a:extLst>
+          </p:cNvPr>
+          <p:cNvSpPr>
+            <a:spLocks noGrp="1"/>
+          </p:cNvSpPr>
+          <p:nvPr>
+            <p:ph type="title"/>
+          </p:nvPr>
+        </p:nvSpPr>
+        <p:spPr/>
+        <p:txBody>
+          <a:bodyPr/>
+          <a:lstStyle/>
+          <a:p>
+            <a:r>
+              <a:rPr lang="de-DE" dirty="0">
+                <a:solidFill>
+                  <a:schemeClr val="bg1"/>
+                </a:solidFill>
+                <a:latin typeface="Avenir Next LT Pro Light" panose="020B0304020202020204" pitchFamily="34" charset="0"/>
+              </a:rPr>
+              <a:t>Portfolio Website</a:t>
+            </a:r>
+            <a:endParaRPr lang="en-US" dirty="0">
+              <a:solidFill>
+                <a:schemeClr val="bg1"/>
+              </a:solidFill>
+              <a:latin typeface="Avenir Next LT Pro Light" panose="020B0304020202020204" pitchFamily="34" charset="0"/>
+            </a:endParaRPr>
+          </a:p>
+        </p:txBody>
+      </p:sp>
+      <p:graphicFrame>
+        <p:nvGraphicFramePr>
+          <p:cNvPr id="4" name="Inhaltsplatzhalter 3">
+            <a:extLst>
+              <a:ext uri="{FF2B5EF4-FFF2-40B4-BE49-F238E27FC236}">
+                <a16:creationId xmlns:a16="http://schemas.microsoft.com/office/drawing/2014/main" id="{BEB886FF-FBB0-4A9C-8989-32ECC9147FD0}"/>
+              </a:ext>
+            </a:extLst>
+          </p:cNvPr>
+          <p:cNvGraphicFramePr>
+            <a:graphicFrameLocks noGrp="1"/>
+          </p:cNvGraphicFramePr>
+          <p:nvPr>
+            <p:ph idx="1"/>
+            <p:extLst>
+              <p:ext uri="{D42A27DB-BD31-4B8C-83A1-F6EECF244321}">
+                <p14:modId xmlns:p14="http://schemas.microsoft.com/office/powerpoint/2010/main" val="619419059"/>
+              </p:ext>
+            </p:extLst>
+          </p:nvPr>
+        </p:nvGraphicFramePr>
+        <p:xfrm>
+          <a:off x="838200" y="1825625"/>
+          <a:ext cx="10515600" cy="4351338"/>
+        </p:xfrm>
+        <a:graphic>
+          <a:graphicData uri="http://schemas.openxmlformats.org/drawingml/2006/diagram">
+            <dgm:relIds xmlns:dgm="http://schemas.openxmlformats.org/drawingml/2006/diagram" xmlns:r="http://schemas.openxmlformats.org/officeDocument/2006/relationships" r:dm="rId2" r:lo="rId3" r:qs="rId4" r:cs="rId5"/>
+          </a:graphicData>
+        </a:graphic>
+      </p:graphicFrame>
+    </p:spTree>
+    <p:extLst>
+      <p:ext uri="{BB962C8B-B14F-4D97-AF65-F5344CB8AC3E}">
+        <p14:creationId xmlns:p14="http://schemas.microsoft.com/office/powerpoint/2010/main" val="2673352310"/>
+      </p:ext>
+    </p:extLst>
+  </p:cSld>
+  <p:clrMapOvr>
+    <a:masterClrMapping/>
+  </p:clrMapOvr>
+</p:sld>
+</file>
+
+<file path=ppt/slides/slide3.xml><?xml version="1.0" encoding="utf-8"?>
 <p:sld xmlns:a="http://schemas.openxmlformats.org/drawingml/2006/main" xmlns:r="http://schemas.openxmlformats.org/officeDocument/2006/relationships" xmlns:p="http://schemas.openxmlformats.org/presentationml/2006/main">
   <p:cSld>
     <p:bg>
@@ -9823,7 +12714,7 @@
 </p:sld>
 </file>
 
-<file path=ppt/slides/slide3.xml><?xml version="1.0" encoding="utf-8"?>
+<file path=ppt/slides/slide4.xml><?xml version="1.0" encoding="utf-8"?>
 <p:sld xmlns:a="http://schemas.openxmlformats.org/drawingml/2006/main" xmlns:r="http://schemas.openxmlformats.org/officeDocument/2006/relationships" xmlns:p="http://schemas.openxmlformats.org/presentationml/2006/main">
   <p:cSld>
     <p:bg>
@@ -9976,7 +12867,7 @@
 </p:sld>
 </file>
 
-<file path=ppt/slides/slide4.xml><?xml version="1.0" encoding="utf-8"?>
+<file path=ppt/slides/slide5.xml><?xml version="1.0" encoding="utf-8"?>
 <p:sld xmlns:a="http://schemas.openxmlformats.org/drawingml/2006/main" xmlns:r="http://schemas.openxmlformats.org/officeDocument/2006/relationships" xmlns:p="http://schemas.openxmlformats.org/presentationml/2006/main">
   <p:cSld>
     <p:bg>
@@ -10060,14 +12951,14 @@
           <p:nvPr>
             <p:extLst>
               <p:ext uri="{D42A27DB-BD31-4B8C-83A1-F6EECF244321}">
-                <p14:modId xmlns:p14="http://schemas.microsoft.com/office/powerpoint/2010/main" val="3503573011"/>
+                <p14:modId xmlns:p14="http://schemas.microsoft.com/office/powerpoint/2010/main" val="2531025584"/>
               </p:ext>
             </p:extLst>
           </p:nvPr>
         </p:nvGraphicFramePr>
         <p:xfrm>
-          <a:off x="754380" y="1817581"/>
-          <a:ext cx="10683240" cy="4516120"/>
+          <a:off x="838200" y="1898861"/>
+          <a:ext cx="10515600" cy="4516120"/>
         </p:xfrm>
         <a:graphic>
           <a:graphicData uri="http://schemas.openxmlformats.org/drawingml/2006/table">
@@ -10076,28 +12967,21 @@
                 <a:tableStyleId>{5C22544A-7EE6-4342-B048-85BDC9FD1C3A}</a:tableStyleId>
               </a:tblPr>
               <a:tblGrid>
-                <a:gridCol w="2670810">
+                <a:gridCol w="3505200">
                   <a:extLst>
                     <a:ext uri="{9D8B030D-6E8A-4147-A177-3AD203B41FA5}">
                       <a16:colId xmlns:a16="http://schemas.microsoft.com/office/drawing/2014/main" val="1307756145"/>
                     </a:ext>
                   </a:extLst>
                 </a:gridCol>
-                <a:gridCol w="2670810">
+                <a:gridCol w="3505200">
                   <a:extLst>
                     <a:ext uri="{9D8B030D-6E8A-4147-A177-3AD203B41FA5}">
                       <a16:colId xmlns:a16="http://schemas.microsoft.com/office/drawing/2014/main" val="1152997114"/>
                     </a:ext>
                   </a:extLst>
                 </a:gridCol>
-                <a:gridCol w="2670810">
-                  <a:extLst>
-                    <a:ext uri="{9D8B030D-6E8A-4147-A177-3AD203B41FA5}">
-                      <a16:colId xmlns:a16="http://schemas.microsoft.com/office/drawing/2014/main" val="2250954691"/>
-                    </a:ext>
-                  </a:extLst>
-                </a:gridCol>
-                <a:gridCol w="2670810">
+                <a:gridCol w="3505200">
                   <a:extLst>
                     <a:ext uri="{9D8B030D-6E8A-4147-A177-3AD203B41FA5}">
                       <a16:colId xmlns:a16="http://schemas.microsoft.com/office/drawing/2014/main" val="3052403957"/>
@@ -10155,25 +13039,6 @@
                           <a:latin typeface="Avenir Next LT Pro Light" panose="020B0304020202020204" pitchFamily="34" charset="0"/>
                         </a:rPr>
                         <a:t>Option 3</a:t>
-                      </a:r>
-                      <a:endParaRPr lang="en-US" sz="2000" dirty="0">
-                        <a:latin typeface="Avenir Next LT Pro Light" panose="020B0304020202020204" pitchFamily="34" charset="0"/>
-                      </a:endParaRPr>
-                    </a:p>
-                  </a:txBody>
-                  <a:tcPr/>
-                </a:tc>
-                <a:tc>
-                  <a:txBody>
-                    <a:bodyPr/>
-                    <a:lstStyle/>
-                    <a:p>
-                      <a:pPr algn="ctr"/>
-                      <a:r>
-                        <a:rPr lang="de-DE" sz="2000" dirty="0">
-                          <a:latin typeface="Avenir Next LT Pro Light" panose="020B0304020202020204" pitchFamily="34" charset="0"/>
-                        </a:rPr>
-                        <a:t>Option 4</a:t>
                       </a:r>
                       <a:endParaRPr lang="en-US" sz="2000" dirty="0">
                         <a:latin typeface="Avenir Next LT Pro Light" panose="020B0304020202020204" pitchFamily="34" charset="0"/>
@@ -10308,61 +13173,13 @@
                         <a:rPr lang="de-DE" sz="1400" dirty="0">
                           <a:latin typeface="Avenir Next LT Pro Light" panose="020B0304020202020204" pitchFamily="34" charset="0"/>
                         </a:rPr>
-                        <a:t>1 gemeinsamer Vertrag für </a:t>
+                        <a:t>1 gemeinsamer Vertrag für</a:t>
                       </a:r>
-                      <a:r>
-                        <a:rPr lang="de-DE" sz="1400" b="1" dirty="0">
-                          <a:latin typeface="Avenir Next LT Pro Light" panose="020B0304020202020204" pitchFamily="34" charset="0"/>
-                        </a:rPr>
-                        <a:t>Webhosting</a:t>
-                      </a:r>
-                      <a:r>
+                      <a:br>
                         <a:rPr lang="de-DE" sz="1400" dirty="0">
                           <a:latin typeface="Avenir Next LT Pro Light" panose="020B0304020202020204" pitchFamily="34" charset="0"/>
                         </a:rPr>
-                        <a:t> &amp; </a:t>
-                      </a:r>
-                      <a:r>
-                        <a:rPr lang="de-DE" sz="1400" b="1" dirty="0">
-                          <a:latin typeface="Avenir Next LT Pro Light" panose="020B0304020202020204" pitchFamily="34" charset="0"/>
-                        </a:rPr>
-                        <a:t>Domain</a:t>
-                      </a:r>
-                      <a:endParaRPr lang="en-US" sz="1400" b="1" dirty="0">
-                        <a:latin typeface="Avenir Next LT Pro Light" panose="020B0304020202020204" pitchFamily="34" charset="0"/>
-                      </a:endParaRPr>
-                    </a:p>
-                  </a:txBody>
-                  <a:tcPr/>
-                </a:tc>
-                <a:tc>
-                  <a:txBody>
-                    <a:bodyPr/>
-                    <a:lstStyle/>
-                    <a:p>
-                      <a:pPr marL="0" marR="0" lvl="0" indent="0" algn="ctr" defTabSz="914400" rtl="0" eaLnBrk="1" fontAlgn="auto" latinLnBrk="0" hangingPunct="1">
-                        <a:lnSpc>
-                          <a:spcPct val="100000"/>
-                        </a:lnSpc>
-                        <a:spcBef>
-                          <a:spcPts val="0"/>
-                        </a:spcBef>
-                        <a:spcAft>
-                          <a:spcPts val="0"/>
-                        </a:spcAft>
-                        <a:buClrTx/>
-                        <a:buSzTx/>
-                        <a:buFontTx/>
-                        <a:buNone/>
-                        <a:tabLst/>
-                        <a:defRPr/>
-                      </a:pPr>
-                      <a:r>
-                        <a:rPr lang="de-DE" sz="1400" dirty="0">
-                          <a:latin typeface="Avenir Next LT Pro Light" panose="020B0304020202020204" pitchFamily="34" charset="0"/>
-                        </a:rPr>
-                        <a:t>1 gemeinsamer Vertrag für </a:t>
-                      </a:r>
+                      </a:br>
                       <a:r>
                         <a:rPr lang="de-DE" sz="1400" b="1" dirty="0">
                           <a:latin typeface="Avenir Next LT Pro Light" panose="020B0304020202020204" pitchFamily="34" charset="0"/>
@@ -10412,7 +13229,24 @@
                           </a:solidFill>
                           <a:latin typeface="Avenir Next LT Pro Light" panose="020B0304020202020204" pitchFamily="34" charset="0"/>
                         </a:rPr>
-                        <a:t>(Website wird nicht im Internet erreichbar sein!)</a:t>
+                        <a:t>(Website wird nicht im</a:t>
+                      </a:r>
+                      <a:br>
+                        <a:rPr lang="de-DE" sz="1400" dirty="0">
+                          <a:solidFill>
+                            <a:srgbClr val="FF0000"/>
+                          </a:solidFill>
+                          <a:latin typeface="Avenir Next LT Pro Light" panose="020B0304020202020204" pitchFamily="34" charset="0"/>
+                        </a:rPr>
+                      </a:br>
+                      <a:r>
+                        <a:rPr lang="de-DE" sz="1400" dirty="0">
+                          <a:solidFill>
+                            <a:srgbClr val="FF0000"/>
+                          </a:solidFill>
+                          <a:latin typeface="Avenir Next LT Pro Light" panose="020B0304020202020204" pitchFamily="34" charset="0"/>
+                        </a:rPr>
+                        <a:t>Internet erreichbar sein!)</a:t>
                       </a:r>
                       <a:endParaRPr lang="en-US" sz="1400" dirty="0">
                         <a:solidFill>
@@ -10442,41 +13276,6 @@
                           <a:latin typeface="Avenir Next LT Pro Light" panose="020B0304020202020204" pitchFamily="34" charset="0"/>
                         </a:rPr>
                         <a:t>2 Verträge</a:t>
-                      </a:r>
-                      <a:endParaRPr lang="en-US" sz="1400" b="1" dirty="0">
-                        <a:latin typeface="Avenir Next LT Pro Light" panose="020B0304020202020204" pitchFamily="34" charset="0"/>
-                      </a:endParaRPr>
-                    </a:p>
-                  </a:txBody>
-                  <a:tcPr/>
-                </a:tc>
-                <a:tc>
-                  <a:txBody>
-                    <a:bodyPr/>
-                    <a:lstStyle/>
-                    <a:p>
-                      <a:pPr marL="0" marR="0" lvl="0" indent="0" algn="ctr" defTabSz="914400" rtl="0" eaLnBrk="1" fontAlgn="auto" latinLnBrk="0" hangingPunct="1">
-                        <a:lnSpc>
-                          <a:spcPct val="100000"/>
-                        </a:lnSpc>
-                        <a:spcBef>
-                          <a:spcPts val="0"/>
-                        </a:spcBef>
-                        <a:spcAft>
-                          <a:spcPts val="0"/>
-                        </a:spcAft>
-                        <a:buClrTx/>
-                        <a:buSzTx/>
-                        <a:buFontTx/>
-                        <a:buNone/>
-                        <a:tabLst/>
-                        <a:defRPr/>
-                      </a:pPr>
-                      <a:r>
-                        <a:rPr lang="de-DE" sz="1400" b="1" dirty="0">
-                          <a:latin typeface="Avenir Next LT Pro Light" panose="020B0304020202020204" pitchFamily="34" charset="0"/>
-                        </a:rPr>
-                        <a:t>1 Vertrag</a:t>
                       </a:r>
                       <a:endParaRPr lang="en-US" sz="1400" b="1" dirty="0">
                         <a:latin typeface="Avenir Next LT Pro Light" panose="020B0304020202020204" pitchFamily="34" charset="0"/>
@@ -10600,41 +13399,6 @@
                     <a:bodyPr/>
                     <a:lstStyle/>
                     <a:p>
-                      <a:pPr marL="0" marR="0" lvl="0" indent="0" algn="ctr" defTabSz="914400" rtl="0" eaLnBrk="1" fontAlgn="auto" latinLnBrk="0" hangingPunct="1">
-                        <a:lnSpc>
-                          <a:spcPct val="100000"/>
-                        </a:lnSpc>
-                        <a:spcBef>
-                          <a:spcPts val="0"/>
-                        </a:spcBef>
-                        <a:spcAft>
-                          <a:spcPts val="0"/>
-                        </a:spcAft>
-                        <a:buClrTx/>
-                        <a:buSzTx/>
-                        <a:buFontTx/>
-                        <a:buNone/>
-                        <a:tabLst/>
-                        <a:defRPr/>
-                      </a:pPr>
-                      <a:r>
-                        <a:rPr lang="de-DE" sz="1400" b="1" dirty="0">
-                          <a:latin typeface="Avenir Next LT Pro Light" panose="020B0304020202020204" pitchFamily="34" charset="0"/>
-                        </a:rPr>
-                        <a:t>WordPress Hosting (kostenlose Domain inkl.)</a:t>
-                      </a:r>
-                      <a:endParaRPr lang="en-US" sz="1400" b="1" dirty="0">
-                        <a:latin typeface="Avenir Next LT Pro Light" panose="020B0304020202020204" pitchFamily="34" charset="0"/>
-                      </a:endParaRPr>
-                    </a:p>
-                  </a:txBody>
-                  <a:tcPr/>
-                </a:tc>
-                <a:tc>
-                  <a:txBody>
-                    <a:bodyPr/>
-                    <a:lstStyle/>
-                    <a:p>
                       <a:pPr algn="ctr"/>
                       <a:r>
                         <a:rPr lang="de-DE" sz="1400" b="1" dirty="0">
@@ -10697,36 +13461,6 @@
                           <a:latin typeface="Avenir Next LT Pro Light" panose="020B0304020202020204" pitchFamily="34" charset="0"/>
                         </a:rPr>
                         <a:t>1,99€ / Monat</a:t>
-                      </a:r>
-                      <a:endParaRPr lang="en-US" sz="1400" dirty="0">
-                        <a:latin typeface="Avenir Next LT Pro Light" panose="020B0304020202020204" pitchFamily="34" charset="0"/>
-                      </a:endParaRPr>
-                    </a:p>
-                  </a:txBody>
-                  <a:tcPr/>
-                </a:tc>
-                <a:tc>
-                  <a:txBody>
-                    <a:bodyPr/>
-                    <a:lstStyle/>
-                    <a:p>
-                      <a:pPr algn="ctr"/>
-                      <a:r>
-                        <a:rPr lang="de-DE" sz="1400" dirty="0">
-                          <a:latin typeface="Avenir Next LT Pro Light" panose="020B0304020202020204" pitchFamily="34" charset="0"/>
-                        </a:rPr>
-                        <a:t>2€ / Monat für 1 Jahr,</a:t>
-                      </a:r>
-                      <a:br>
-                        <a:rPr lang="de-DE" sz="1400" dirty="0">
-                          <a:latin typeface="Avenir Next LT Pro Light" panose="020B0304020202020204" pitchFamily="34" charset="0"/>
-                        </a:rPr>
-                      </a:br>
-                      <a:r>
-                        <a:rPr lang="de-DE" sz="1400" dirty="0">
-                          <a:latin typeface="Avenir Next LT Pro Light" panose="020B0304020202020204" pitchFamily="34" charset="0"/>
-                        </a:rPr>
-                        <a:t>danach 4€ / Monat</a:t>
                       </a:r>
                       <a:endParaRPr lang="en-US" sz="1400" dirty="0">
                         <a:latin typeface="Avenir Next LT Pro Light" panose="020B0304020202020204" pitchFamily="34" charset="0"/>
@@ -11039,78 +13773,7 @@
                           <a:schemeClr val="dk1"/>
                         </a:solidFill>
                         <a:effectLst/>
-                        <a:latin typeface="+mn-lt"/>
-                        <a:ea typeface="+mn-ea"/>
-                        <a:cs typeface="+mn-cs"/>
-                      </a:endParaRPr>
-                    </a:p>
-                  </a:txBody>
-                  <a:tcPr/>
-                </a:tc>
-                <a:tc>
-                  <a:txBody>
-                    <a:bodyPr/>
-                    <a:lstStyle/>
-                    <a:p>
-                      <a:pPr marL="0" marR="0" lvl="0" indent="0" algn="ctr" defTabSz="914400" rtl="0" eaLnBrk="1" fontAlgn="auto" latinLnBrk="0" hangingPunct="1">
-                        <a:lnSpc>
-                          <a:spcPct val="100000"/>
-                        </a:lnSpc>
-                        <a:spcBef>
-                          <a:spcPts val="0"/>
-                        </a:spcBef>
-                        <a:spcAft>
-                          <a:spcPts val="0"/>
-                        </a:spcAft>
-                        <a:buClrTx/>
-                        <a:buSzTx/>
-                        <a:buFontTx/>
-                        <a:buNone/>
-                        <a:tabLst/>
-                        <a:defRPr/>
-                      </a:pPr>
-                      <a:r>
-                        <a:rPr lang="en-US" sz="1400" b="0" i="0" kern="1200" dirty="0">
-                          <a:solidFill>
-                            <a:schemeClr val="dk1"/>
-                          </a:solidFill>
-                          <a:effectLst/>
-                          <a:latin typeface="+mn-lt"/>
-                          <a:ea typeface="+mn-ea"/>
-                          <a:cs typeface="+mn-cs"/>
-                        </a:rPr>
-                        <a:t>👍 </a:t>
-                      </a:r>
-                      <a:r>
-                        <a:rPr lang="en-US" sz="1400" b="0" i="0" kern="1200" dirty="0">
-                          <a:solidFill>
-                            <a:schemeClr val="dk1"/>
-                          </a:solidFill>
-                          <a:effectLst/>
-                          <a:latin typeface="Avenir Next LT Pro Light" panose="020B0304020202020204" pitchFamily="34" charset="0"/>
-                          <a:ea typeface="+mn-ea"/>
-                          <a:cs typeface="+mn-cs"/>
-                        </a:rPr>
-                        <a:t>Schnell &amp; </a:t>
-                      </a:r>
-                      <a:r>
-                        <a:rPr lang="en-US" sz="1400" b="0" i="0" kern="1200" dirty="0" err="1">
-                          <a:solidFill>
-                            <a:schemeClr val="dk1"/>
-                          </a:solidFill>
-                          <a:effectLst/>
-                          <a:latin typeface="Avenir Next LT Pro Light" panose="020B0304020202020204" pitchFamily="34" charset="0"/>
-                          <a:ea typeface="+mn-ea"/>
-                          <a:cs typeface="+mn-cs"/>
-                        </a:rPr>
-                        <a:t>einfach</a:t>
-                      </a:r>
-                      <a:endParaRPr lang="en-US" sz="1400" b="0" i="0" kern="1200" dirty="0">
-                        <a:solidFill>
-                          <a:schemeClr val="dk1"/>
-                        </a:solidFill>
-                        <a:effectLst/>
-                        <a:latin typeface="+mn-lt"/>
+                        <a:latin typeface="Avenir Next LT Pro Light" panose="020B0304020202020204" pitchFamily="34" charset="0"/>
                         <a:ea typeface="+mn-ea"/>
                         <a:cs typeface="+mn-cs"/>
                       </a:endParaRPr>
@@ -11155,7 +13818,7 @@
                           <a:ea typeface="+mn-ea"/>
                           <a:cs typeface="+mn-cs"/>
                         </a:rPr>
-                        <a:t>Ausreichend</a:t>
+                        <a:t>Wenig</a:t>
                       </a:r>
                       <a:r>
                         <a:rPr lang="en-US" sz="1400" b="0" i="0" kern="1200" dirty="0">
@@ -11179,59 +13842,7 @@
                           <a:ea typeface="+mn-ea"/>
                           <a:cs typeface="+mn-cs"/>
                         </a:rPr>
-                        <a:t>Kontrolle</a:t>
-                      </a:r>
-                      <a:endParaRPr lang="en-US" sz="1400" b="0" i="0" kern="1200" dirty="0">
-                        <a:solidFill>
-                          <a:schemeClr val="dk1"/>
-                        </a:solidFill>
-                        <a:effectLst/>
-                        <a:latin typeface="+mn-lt"/>
-                        <a:ea typeface="+mn-ea"/>
-                        <a:cs typeface="+mn-cs"/>
-                      </a:endParaRPr>
-                    </a:p>
-                    <a:p>
-                      <a:pPr marL="0" marR="0" lvl="0" indent="0" algn="ctr" defTabSz="914400" rtl="0" eaLnBrk="1" fontAlgn="auto" latinLnBrk="0" hangingPunct="1">
-                        <a:lnSpc>
-                          <a:spcPct val="100000"/>
-                        </a:lnSpc>
-                        <a:spcBef>
-                          <a:spcPts val="0"/>
-                        </a:spcBef>
-                        <a:spcAft>
-                          <a:spcPts val="0"/>
-                        </a:spcAft>
-                        <a:buClrTx/>
-                        <a:buSzTx/>
-                        <a:buFontTx/>
-                        <a:buNone/>
-                        <a:tabLst/>
-                        <a:defRPr/>
-                      </a:pPr>
-                      <a:r>
-                        <a:rPr lang="en-US" sz="1400" b="0" i="0" kern="1200" dirty="0">
-                          <a:solidFill>
-                            <a:schemeClr val="dk1"/>
-                          </a:solidFill>
-                          <a:effectLst/>
-                          <a:latin typeface="+mn-lt"/>
-                          <a:ea typeface="+mn-ea"/>
-                          <a:cs typeface="+mn-cs"/>
-                        </a:rPr>
-                        <a:t>👍 </a:t>
-                      </a:r>
-                      <a:r>
-                        <a:rPr lang="en-US" sz="1400" b="0" i="0" kern="1200" dirty="0" err="1">
-                          <a:solidFill>
-                            <a:schemeClr val="dk1"/>
-                          </a:solidFill>
-                          <a:effectLst/>
-                          <a:latin typeface="Avenir Next LT Pro Light" panose="020B0304020202020204" pitchFamily="34" charset="0"/>
-                          <a:ea typeface="+mn-ea"/>
-                          <a:cs typeface="+mn-cs"/>
-                        </a:rPr>
-                        <a:t>Gute</a:t>
+                        <a:t>manuelle</a:t>
                       </a:r>
                       <a:r>
                         <a:rPr lang="en-US" sz="1400" b="0" i="0" kern="1200" dirty="0">
@@ -11243,19 +13854,7 @@
                           <a:ea typeface="+mn-ea"/>
                           <a:cs typeface="+mn-cs"/>
                         </a:rPr>
-                        <a:t> </a:t>
-                      </a:r>
-                      <a:r>
-                        <a:rPr lang="en-US" sz="1400" b="0" i="0" kern="1200" dirty="0" err="1">
-                          <a:solidFill>
-                            <a:schemeClr val="dk1"/>
-                          </a:solidFill>
-                          <a:effectLst/>
-                          <a:latin typeface="Avenir Next LT Pro Light" panose="020B0304020202020204" pitchFamily="34" charset="0"/>
-                          <a:ea typeface="+mn-ea"/>
-                          <a:cs typeface="+mn-cs"/>
-                        </a:rPr>
-                        <a:t>Preis-Leistung</a:t>
+                        <a:t> Arbeit</a:t>
                       </a:r>
                       <a:endParaRPr lang="en-US" sz="1400" b="0" i="0" kern="1200" dirty="0">
                         <a:solidFill>
@@ -11701,349 +14300,6 @@
                         <a:cs typeface="+mn-cs"/>
                       </a:endParaRPr>
                     </a:p>
-                    <a:p>
-                      <a:pPr marL="0" marR="0" lvl="0" indent="0" algn="ctr" defTabSz="914400" rtl="0" eaLnBrk="1" fontAlgn="auto" latinLnBrk="0" hangingPunct="1">
-                        <a:lnSpc>
-                          <a:spcPct val="100000"/>
-                        </a:lnSpc>
-                        <a:spcBef>
-                          <a:spcPts val="0"/>
-                        </a:spcBef>
-                        <a:spcAft>
-                          <a:spcPts val="0"/>
-                        </a:spcAft>
-                        <a:buClrTx/>
-                        <a:buSzTx/>
-                        <a:buFontTx/>
-                        <a:buNone/>
-                        <a:tabLst/>
-                        <a:defRPr/>
-                      </a:pPr>
-                      <a:r>
-                        <a:rPr lang="en-US" sz="1400" b="0" i="0" kern="1200" dirty="0">
-                          <a:solidFill>
-                            <a:schemeClr val="dk1"/>
-                          </a:solidFill>
-                          <a:effectLst/>
-                          <a:latin typeface="+mn-lt"/>
-                          <a:ea typeface="+mn-ea"/>
-                          <a:cs typeface="+mn-cs"/>
-                        </a:rPr>
-                        <a:t>👎 </a:t>
-                      </a:r>
-                      <a:r>
-                        <a:rPr lang="en-US" sz="1400" b="0" i="0" kern="1200" dirty="0" err="1">
-                          <a:solidFill>
-                            <a:schemeClr val="dk1"/>
-                          </a:solidFill>
-                          <a:effectLst/>
-                          <a:latin typeface="Avenir Next LT Pro Light" panose="020B0304020202020204" pitchFamily="34" charset="0"/>
-                          <a:ea typeface="+mn-ea"/>
-                          <a:cs typeface="+mn-cs"/>
-                        </a:rPr>
-                        <a:t>Etwas</a:t>
-                      </a:r>
-                      <a:r>
-                        <a:rPr lang="en-US" sz="1400" b="0" i="0" kern="1200" dirty="0">
-                          <a:solidFill>
-                            <a:schemeClr val="dk1"/>
-                          </a:solidFill>
-                          <a:effectLst/>
-                          <a:latin typeface="Avenir Next LT Pro Light" panose="020B0304020202020204" pitchFamily="34" charset="0"/>
-                          <a:ea typeface="+mn-ea"/>
-                          <a:cs typeface="+mn-cs"/>
-                        </a:rPr>
-                        <a:t> </a:t>
-                      </a:r>
-                      <a:r>
-                        <a:rPr lang="en-US" sz="1400" b="0" i="0" kern="1200" dirty="0" err="1">
-                          <a:solidFill>
-                            <a:schemeClr val="dk1"/>
-                          </a:solidFill>
-                          <a:effectLst/>
-                          <a:latin typeface="Avenir Next LT Pro Light" panose="020B0304020202020204" pitchFamily="34" charset="0"/>
-                          <a:ea typeface="+mn-ea"/>
-                          <a:cs typeface="+mn-cs"/>
-                        </a:rPr>
-                        <a:t>manuelle</a:t>
-                      </a:r>
-                      <a:r>
-                        <a:rPr lang="en-US" sz="1400" b="0" i="0" kern="1200" dirty="0">
-                          <a:solidFill>
-                            <a:schemeClr val="dk1"/>
-                          </a:solidFill>
-                          <a:effectLst/>
-                          <a:latin typeface="Avenir Next LT Pro Light" panose="020B0304020202020204" pitchFamily="34" charset="0"/>
-                          <a:ea typeface="+mn-ea"/>
-                          <a:cs typeface="+mn-cs"/>
-                        </a:rPr>
-                        <a:t> Arbeit (</a:t>
-                      </a:r>
-                      <a:r>
-                        <a:rPr lang="en-US" sz="1400" b="0" i="0" kern="1200" dirty="0" err="1">
-                          <a:solidFill>
-                            <a:schemeClr val="dk1"/>
-                          </a:solidFill>
-                          <a:effectLst/>
-                          <a:latin typeface="Avenir Next LT Pro Light" panose="020B0304020202020204" pitchFamily="34" charset="0"/>
-                          <a:ea typeface="+mn-ea"/>
-                          <a:cs typeface="+mn-cs"/>
-                        </a:rPr>
-                        <a:t>mySQL</a:t>
-                      </a:r>
-                      <a:r>
-                        <a:rPr lang="en-US" sz="1400" b="0" i="0" kern="1200" dirty="0">
-                          <a:solidFill>
-                            <a:schemeClr val="dk1"/>
-                          </a:solidFill>
-                          <a:effectLst/>
-                          <a:latin typeface="Avenir Next LT Pro Light" panose="020B0304020202020204" pitchFamily="34" charset="0"/>
-                          <a:ea typeface="+mn-ea"/>
-                          <a:cs typeface="+mn-cs"/>
-                        </a:rPr>
-                        <a:t>, FTP)</a:t>
-                      </a:r>
-                      <a:endParaRPr lang="en-US" sz="1400" b="0" i="0" kern="1200" dirty="0">
-                        <a:solidFill>
-                          <a:schemeClr val="dk1"/>
-                        </a:solidFill>
-                        <a:effectLst/>
-                        <a:latin typeface="+mn-lt"/>
-                        <a:ea typeface="+mn-ea"/>
-                        <a:cs typeface="+mn-cs"/>
-                      </a:endParaRPr>
-                    </a:p>
-                  </a:txBody>
-                  <a:tcPr/>
-                </a:tc>
-                <a:tc>
-                  <a:txBody>
-                    <a:bodyPr/>
-                    <a:lstStyle/>
-                    <a:p>
-                      <a:pPr marL="0" marR="0" lvl="0" indent="0" algn="ctr" defTabSz="914400" rtl="0" eaLnBrk="1" fontAlgn="auto" latinLnBrk="0" hangingPunct="1">
-                        <a:lnSpc>
-                          <a:spcPct val="100000"/>
-                        </a:lnSpc>
-                        <a:spcBef>
-                          <a:spcPts val="0"/>
-                        </a:spcBef>
-                        <a:spcAft>
-                          <a:spcPts val="0"/>
-                        </a:spcAft>
-                        <a:buClrTx/>
-                        <a:buSzTx/>
-                        <a:buFontTx/>
-                        <a:buNone/>
-                        <a:tabLst/>
-                        <a:defRPr/>
-                      </a:pPr>
-                      <a:r>
-                        <a:rPr lang="en-US" sz="1400" b="0" i="0" kern="1200" dirty="0">
-                          <a:solidFill>
-                            <a:schemeClr val="dk1"/>
-                          </a:solidFill>
-                          <a:effectLst/>
-                          <a:latin typeface="+mn-lt"/>
-                          <a:ea typeface="+mn-ea"/>
-                          <a:cs typeface="+mn-cs"/>
-                        </a:rPr>
-                        <a:t>👎 </a:t>
-                      </a:r>
-                      <a:r>
-                        <a:rPr lang="en-US" sz="1400" b="0" i="0" kern="1200" dirty="0" err="1">
-                          <a:solidFill>
-                            <a:schemeClr val="dk1"/>
-                          </a:solidFill>
-                          <a:effectLst/>
-                          <a:latin typeface="Avenir Next LT Pro Light" panose="020B0304020202020204" pitchFamily="34" charset="0"/>
-                          <a:ea typeface="+mn-ea"/>
-                          <a:cs typeface="+mn-cs"/>
-                        </a:rPr>
-                        <a:t>Keine</a:t>
-                      </a:r>
-                      <a:r>
-                        <a:rPr lang="en-US" sz="1400" b="0" i="0" kern="1200" dirty="0">
-                          <a:solidFill>
-                            <a:schemeClr val="dk1"/>
-                          </a:solidFill>
-                          <a:effectLst/>
-                          <a:latin typeface="Avenir Next LT Pro Light" panose="020B0304020202020204" pitchFamily="34" charset="0"/>
-                          <a:ea typeface="+mn-ea"/>
-                          <a:cs typeface="+mn-cs"/>
-                        </a:rPr>
-                        <a:t> </a:t>
-                      </a:r>
-                      <a:r>
-                        <a:rPr lang="en-US" sz="1400" b="0" i="0" kern="1200" dirty="0" err="1">
-                          <a:solidFill>
-                            <a:schemeClr val="dk1"/>
-                          </a:solidFill>
-                          <a:effectLst/>
-                          <a:latin typeface="Avenir Next LT Pro Light" panose="020B0304020202020204" pitchFamily="34" charset="0"/>
-                          <a:ea typeface="+mn-ea"/>
-                          <a:cs typeface="+mn-cs"/>
-                        </a:rPr>
-                        <a:t>volle</a:t>
-                      </a:r>
-                      <a:r>
-                        <a:rPr lang="en-US" sz="1400" b="0" i="0" kern="1200" dirty="0">
-                          <a:solidFill>
-                            <a:schemeClr val="dk1"/>
-                          </a:solidFill>
-                          <a:effectLst/>
-                          <a:latin typeface="Avenir Next LT Pro Light" panose="020B0304020202020204" pitchFamily="34" charset="0"/>
-                          <a:ea typeface="+mn-ea"/>
-                          <a:cs typeface="+mn-cs"/>
-                        </a:rPr>
-                        <a:t> </a:t>
-                      </a:r>
-                      <a:r>
-                        <a:rPr lang="en-US" sz="1400" b="0" i="0" kern="1200" dirty="0" err="1">
-                          <a:solidFill>
-                            <a:schemeClr val="dk1"/>
-                          </a:solidFill>
-                          <a:effectLst/>
-                          <a:latin typeface="Avenir Next LT Pro Light" panose="020B0304020202020204" pitchFamily="34" charset="0"/>
-                          <a:ea typeface="+mn-ea"/>
-                          <a:cs typeface="+mn-cs"/>
-                        </a:rPr>
-                        <a:t>Kontrolle</a:t>
-                      </a:r>
-                      <a:endParaRPr lang="en-US" sz="1400" b="0" i="0" kern="1200" dirty="0">
-                        <a:solidFill>
-                          <a:schemeClr val="dk1"/>
-                        </a:solidFill>
-                        <a:effectLst/>
-                        <a:latin typeface="Avenir Next LT Pro Light" panose="020B0304020202020204" pitchFamily="34" charset="0"/>
-                        <a:ea typeface="+mn-ea"/>
-                        <a:cs typeface="+mn-cs"/>
-                      </a:endParaRPr>
-                    </a:p>
-                    <a:p>
-                      <a:pPr marL="0" marR="0" lvl="0" indent="0" algn="ctr" defTabSz="914400" rtl="0" eaLnBrk="1" fontAlgn="auto" latinLnBrk="0" hangingPunct="1">
-                        <a:lnSpc>
-                          <a:spcPct val="100000"/>
-                        </a:lnSpc>
-                        <a:spcBef>
-                          <a:spcPts val="0"/>
-                        </a:spcBef>
-                        <a:spcAft>
-                          <a:spcPts val="0"/>
-                        </a:spcAft>
-                        <a:buClrTx/>
-                        <a:buSzTx/>
-                        <a:buFontTx/>
-                        <a:buNone/>
-                        <a:tabLst/>
-                        <a:defRPr/>
-                      </a:pPr>
-                      <a:r>
-                        <a:rPr lang="en-US" sz="1400" b="0" i="0" kern="1200" dirty="0">
-                          <a:solidFill>
-                            <a:schemeClr val="dk1"/>
-                          </a:solidFill>
-                          <a:effectLst/>
-                          <a:latin typeface="+mn-lt"/>
-                          <a:ea typeface="+mn-ea"/>
-                          <a:cs typeface="+mn-cs"/>
-                        </a:rPr>
-                        <a:t>👎 </a:t>
-                      </a:r>
-                      <a:r>
-                        <a:rPr lang="en-US" sz="1400" b="0" i="0" kern="1200" dirty="0" err="1">
-                          <a:solidFill>
-                            <a:schemeClr val="dk1"/>
-                          </a:solidFill>
-                          <a:effectLst/>
-                          <a:latin typeface="Avenir Next LT Pro Light" panose="020B0304020202020204" pitchFamily="34" charset="0"/>
-                          <a:ea typeface="+mn-ea"/>
-                          <a:cs typeface="+mn-cs"/>
-                        </a:rPr>
-                        <a:t>Teurer</a:t>
-                      </a:r>
-                      <a:r>
-                        <a:rPr lang="en-US" sz="1400" b="0" i="0" kern="1200" dirty="0">
-                          <a:solidFill>
-                            <a:schemeClr val="dk1"/>
-                          </a:solidFill>
-                          <a:effectLst/>
-                          <a:latin typeface="Avenir Next LT Pro Light" panose="020B0304020202020204" pitchFamily="34" charset="0"/>
-                          <a:ea typeface="+mn-ea"/>
-                          <a:cs typeface="+mn-cs"/>
-                        </a:rPr>
-                        <a:t> </a:t>
-                      </a:r>
-                      <a:r>
-                        <a:rPr lang="en-US" sz="1400" b="0" i="0" kern="1200" dirty="0" err="1">
-                          <a:solidFill>
-                            <a:schemeClr val="dk1"/>
-                          </a:solidFill>
-                          <a:effectLst/>
-                          <a:latin typeface="Avenir Next LT Pro Light" panose="020B0304020202020204" pitchFamily="34" charset="0"/>
-                          <a:ea typeface="+mn-ea"/>
-                          <a:cs typeface="+mn-cs"/>
-                        </a:rPr>
-                        <a:t>nach</a:t>
-                      </a:r>
-                      <a:r>
-                        <a:rPr lang="en-US" sz="1400" b="0" i="0" kern="1200" dirty="0">
-                          <a:solidFill>
-                            <a:schemeClr val="dk1"/>
-                          </a:solidFill>
-                          <a:effectLst/>
-                          <a:latin typeface="Avenir Next LT Pro Light" panose="020B0304020202020204" pitchFamily="34" charset="0"/>
-                          <a:ea typeface="+mn-ea"/>
-                          <a:cs typeface="+mn-cs"/>
-                        </a:rPr>
-                        <a:t> </a:t>
-                      </a:r>
-                      <a:r>
-                        <a:rPr lang="en-US" sz="1400" b="0" i="0" kern="1200" dirty="0" err="1">
-                          <a:solidFill>
-                            <a:schemeClr val="dk1"/>
-                          </a:solidFill>
-                          <a:effectLst/>
-                          <a:latin typeface="Avenir Next LT Pro Light" panose="020B0304020202020204" pitchFamily="34" charset="0"/>
-                          <a:ea typeface="+mn-ea"/>
-                          <a:cs typeface="+mn-cs"/>
-                        </a:rPr>
-                        <a:t>einem</a:t>
-                      </a:r>
-                      <a:r>
-                        <a:rPr lang="en-US" sz="1400" b="0" i="0" kern="1200" dirty="0">
-                          <a:solidFill>
-                            <a:schemeClr val="dk1"/>
-                          </a:solidFill>
-                          <a:effectLst/>
-                          <a:latin typeface="Avenir Next LT Pro Light" panose="020B0304020202020204" pitchFamily="34" charset="0"/>
-                          <a:ea typeface="+mn-ea"/>
-                          <a:cs typeface="+mn-cs"/>
-                        </a:rPr>
-                        <a:t> </a:t>
-                      </a:r>
-                      <a:r>
-                        <a:rPr lang="en-US" sz="1400" b="0" i="0" kern="1200" dirty="0" err="1">
-                          <a:solidFill>
-                            <a:schemeClr val="dk1"/>
-                          </a:solidFill>
-                          <a:effectLst/>
-                          <a:latin typeface="Avenir Next LT Pro Light" panose="020B0304020202020204" pitchFamily="34" charset="0"/>
-                          <a:ea typeface="+mn-ea"/>
-                          <a:cs typeface="+mn-cs"/>
-                        </a:rPr>
-                        <a:t>Jahr</a:t>
-                      </a:r>
-                      <a:endParaRPr lang="en-US" sz="1400" b="0" i="0" kern="1200" dirty="0">
-                        <a:solidFill>
-                          <a:schemeClr val="dk1"/>
-                        </a:solidFill>
-                        <a:effectLst/>
-                        <a:latin typeface="Avenir Next LT Pro Light" panose="020B0304020202020204" pitchFamily="34" charset="0"/>
-                        <a:ea typeface="+mn-ea"/>
-                        <a:cs typeface="+mn-cs"/>
-                      </a:endParaRPr>
-                    </a:p>
                   </a:txBody>
                   <a:tcPr/>
                 </a:tc>
@@ -12291,7 +14547,30 @@
                           <a:ea typeface="+mn-ea"/>
                           <a:cs typeface="+mn-cs"/>
                         </a:rPr>
-                        <a:t>Keine Empfehlung (wird hier nicht behandelt)!</a:t>
+                        <a:t>Keine Empfehlung</a:t>
+                      </a:r>
+                      <a:br>
+                        <a:rPr lang="de-DE" sz="1400" b="0" i="0" kern="1200" dirty="0">
+                          <a:solidFill>
+                            <a:srgbClr val="FF0000"/>
+                          </a:solidFill>
+                          <a:effectLst/>
+                          <a:latin typeface="Avenir Next LT Pro Light" panose="020B0304020202020204" pitchFamily="34" charset="0"/>
+                          <a:ea typeface="+mn-ea"/>
+                          <a:cs typeface="+mn-cs"/>
+                        </a:rPr>
+                      </a:br>
+                      <a:r>
+                        <a:rPr lang="de-DE" sz="1400" b="0" i="0" kern="1200" dirty="0">
+                          <a:solidFill>
+                            <a:srgbClr val="FF0000"/>
+                          </a:solidFill>
+                          <a:effectLst/>
+                          <a:latin typeface="Avenir Next LT Pro Light" panose="020B0304020202020204" pitchFamily="34" charset="0"/>
+                          <a:ea typeface="+mn-ea"/>
+                          <a:cs typeface="+mn-cs"/>
+                        </a:rPr>
+                        <a:t>(wird hier nicht behandelt)!</a:t>
                       </a:r>
                       <a:endParaRPr lang="en-US" sz="1400" b="0" i="0" kern="1200" dirty="0">
                         <a:solidFill>
@@ -12338,7 +14617,7 @@
                           <a:ea typeface="+mn-ea"/>
                           <a:cs typeface="+mn-cs"/>
                         </a:rPr>
-                        <a:t>Empfehlung für Informatiker</a:t>
+                        <a:t>Empfehlung</a:t>
                       </a:r>
                       <a:endParaRPr lang="en-US" sz="1400" b="0" i="0" kern="1200" dirty="0">
                         <a:solidFill>
@@ -12362,16 +14641,16 @@
                       <a:r>
                         <a:rPr lang="de-DE" sz="1400" dirty="0">
                           <a:solidFill>
-                            <a:srgbClr val="00B050"/>
+                            <a:srgbClr val="FFFF00"/>
                           </a:solidFill>
                           <a:latin typeface="Avenir Next LT Pro Light" panose="020B0304020202020204" pitchFamily="34" charset="0"/>
                         </a:rPr>
-                        <a:t>Empfehlung für</a:t>
+                        <a:t>Keine Empfehlung</a:t>
                       </a:r>
                       <a:br>
                         <a:rPr lang="de-DE" sz="1400" dirty="0">
                           <a:solidFill>
-                            <a:srgbClr val="00B050"/>
+                            <a:srgbClr val="FFFF00"/>
                           </a:solidFill>
                           <a:latin typeface="Avenir Next LT Pro Light" panose="020B0304020202020204" pitchFamily="34" charset="0"/>
                         </a:rPr>
@@ -12379,36 +14658,11 @@
                       <a:r>
                         <a:rPr lang="de-DE" sz="1400" dirty="0">
                           <a:solidFill>
-                            <a:srgbClr val="00B050"/>
-                          </a:solidFill>
-                          <a:latin typeface="Avenir Next LT Pro Light" panose="020B0304020202020204" pitchFamily="34" charset="0"/>
-                        </a:rPr>
-                        <a:t>Nicht-Informatiker</a:t>
-                      </a:r>
-                      <a:endParaRPr lang="en-US" sz="1400" dirty="0">
-                        <a:solidFill>
-                          <a:srgbClr val="00B050"/>
-                        </a:solidFill>
-                        <a:latin typeface="Avenir Next LT Pro Light" panose="020B0304020202020204" pitchFamily="34" charset="0"/>
-                      </a:endParaRPr>
-                    </a:p>
-                  </a:txBody>
-                  <a:tcPr/>
-                </a:tc>
-                <a:tc>
-                  <a:txBody>
-                    <a:bodyPr/>
-                    <a:lstStyle/>
-                    <a:p>
-                      <a:pPr algn="ctr"/>
-                      <a:r>
-                        <a:rPr lang="de-DE" sz="1400" dirty="0">
-                          <a:solidFill>
                             <a:srgbClr val="FFFF00"/>
                           </a:solidFill>
                           <a:latin typeface="Avenir Next LT Pro Light" panose="020B0304020202020204" pitchFamily="34" charset="0"/>
                         </a:rPr>
-                        <a:t>Keine Empfehlung (es gibt aber eine Anleitung)!</a:t>
+                        <a:t>(es gibt aber eine Anleitung)!</a:t>
                       </a:r>
                       <a:endParaRPr lang="en-US" sz="1400" dirty="0">
                         <a:solidFill>
@@ -12443,7 +14697,7 @@
 </p:sld>
 </file>
 
-<file path=ppt/slides/slide5.xml><?xml version="1.0" encoding="utf-8"?>
+<file path=ppt/slides/slide6.xml><?xml version="1.0" encoding="utf-8"?>
 <p:sld xmlns:a="http://schemas.openxmlformats.org/drawingml/2006/main" xmlns:r="http://schemas.openxmlformats.org/officeDocument/2006/relationships" xmlns:p="http://schemas.openxmlformats.org/presentationml/2006/main">
   <p:cSld>
     <p:bg>
@@ -12525,7 +14779,7 @@
           <p:nvPr>
             <p:extLst>
               <p:ext uri="{D42A27DB-BD31-4B8C-83A1-F6EECF244321}">
-                <p14:modId xmlns:p14="http://schemas.microsoft.com/office/powerpoint/2010/main" val="913768973"/>
+                <p14:modId xmlns:p14="http://schemas.microsoft.com/office/powerpoint/2010/main" val="2114431789"/>
               </p:ext>
             </p:extLst>
           </p:nvPr>
@@ -12568,8 +14822,8 @@
         </p:blipFill>
         <p:spPr>
           <a:xfrm>
-            <a:off x="1503681" y="1858329"/>
-            <a:ext cx="1049866" cy="1049866"/>
+            <a:off x="1334348" y="1957494"/>
+            <a:ext cx="1578185" cy="1578185"/>
           </a:xfrm>
           <a:prstGeom prst="rect">
             <a:avLst/>
@@ -12578,10 +14832,10 @@
       </p:pic>
       <p:pic>
         <p:nvPicPr>
-          <p:cNvPr id="14" name="Grafik 13">
+          <p:cNvPr id="16" name="Grafik 15">
             <a:extLst>
               <a:ext uri="{FF2B5EF4-FFF2-40B4-BE49-F238E27FC236}">
-                <a16:creationId xmlns:a16="http://schemas.microsoft.com/office/drawing/2014/main" id="{1C964010-BAA7-41C6-8FC2-AB654A1D05FA}"/>
+                <a16:creationId xmlns:a16="http://schemas.microsoft.com/office/drawing/2014/main" id="{8B244281-5A99-448C-9BD7-C65765B2DA3B}"/>
               </a:ext>
             </a:extLst>
           </p:cNvPr>
@@ -12604,44 +14858,8 @@
         </p:blipFill>
         <p:spPr>
           <a:xfrm>
-            <a:off x="1503681" y="3389577"/>
-            <a:ext cx="1049866" cy="1049866"/>
-          </a:xfrm>
-          <a:prstGeom prst="rect">
-            <a:avLst/>
-          </a:prstGeom>
-        </p:spPr>
-      </p:pic>
-      <p:pic>
-        <p:nvPicPr>
-          <p:cNvPr id="16" name="Grafik 15">
-            <a:extLst>
-              <a:ext uri="{FF2B5EF4-FFF2-40B4-BE49-F238E27FC236}">
-                <a16:creationId xmlns:a16="http://schemas.microsoft.com/office/drawing/2014/main" id="{8B244281-5A99-448C-9BD7-C65765B2DA3B}"/>
-              </a:ext>
-            </a:extLst>
-          </p:cNvPr>
-          <p:cNvPicPr>
-            <a:picLocks noChangeAspect="1"/>
-          </p:cNvPicPr>
-          <p:nvPr/>
-        </p:nvPicPr>
-        <p:blipFill>
-          <a:blip r:embed="rId9">
-            <a:extLst>
-              <a:ext uri="{28A0092B-C50C-407E-A947-70E740481C1C}">
-                <a14:useLocalDpi xmlns:a14="http://schemas.microsoft.com/office/drawing/2010/main" val="0"/>
-              </a:ext>
-            </a:extLst>
-          </a:blip>
-          <a:stretch>
-            <a:fillRect/>
-          </a:stretch>
-        </p:blipFill>
-        <p:spPr>
-          <a:xfrm>
-            <a:off x="1503680" y="4920825"/>
-            <a:ext cx="1049867" cy="1049867"/>
+            <a:off x="1334347" y="4287520"/>
+            <a:ext cx="1578185" cy="1578185"/>
           </a:xfrm>
           <a:prstGeom prst="rect">
             <a:avLst/>
@@ -12652,6 +14870,526 @@
     <p:extLst>
       <p:ext uri="{BB962C8B-B14F-4D97-AF65-F5344CB8AC3E}">
         <p14:creationId xmlns:p14="http://schemas.microsoft.com/office/powerpoint/2010/main" val="1866697414"/>
+      </p:ext>
+    </p:extLst>
+  </p:cSld>
+  <p:clrMapOvr>
+    <a:masterClrMapping/>
+  </p:clrMapOvr>
+</p:sld>
+</file>
+
+<file path=ppt/slides/slide7.xml><?xml version="1.0" encoding="utf-8"?>
+<p:sld xmlns:a="http://schemas.openxmlformats.org/drawingml/2006/main" xmlns:r="http://schemas.openxmlformats.org/officeDocument/2006/relationships" xmlns:p="http://schemas.openxmlformats.org/presentationml/2006/main">
+  <p:cSld>
+    <p:bg>
+      <p:bgPr>
+        <a:solidFill>
+          <a:schemeClr val="tx1">
+            <a:lumMod val="85000"/>
+            <a:lumOff val="15000"/>
+          </a:schemeClr>
+        </a:solidFill>
+        <a:effectLst/>
+      </p:bgPr>
+    </p:bg>
+    <p:spTree>
+      <p:nvGrpSpPr>
+        <p:cNvPr id="1" name=""/>
+        <p:cNvGrpSpPr/>
+        <p:nvPr/>
+      </p:nvGrpSpPr>
+      <p:grpSpPr>
+        <a:xfrm>
+          <a:off x="0" y="0"/>
+          <a:ext cx="0" cy="0"/>
+          <a:chOff x="0" y="0"/>
+          <a:chExt cx="0" cy="0"/>
+        </a:xfrm>
+      </p:grpSpPr>
+      <p:sp>
+        <p:nvSpPr>
+          <p:cNvPr id="2" name="Titel 1">
+            <a:extLst>
+              <a:ext uri="{FF2B5EF4-FFF2-40B4-BE49-F238E27FC236}">
+                <a16:creationId xmlns:a16="http://schemas.microsoft.com/office/drawing/2014/main" id="{2DE3D5A1-87BE-4970-A6BA-E6C1A071C38E}"/>
+              </a:ext>
+            </a:extLst>
+          </p:cNvPr>
+          <p:cNvSpPr>
+            <a:spLocks noGrp="1"/>
+          </p:cNvSpPr>
+          <p:nvPr>
+            <p:ph type="title"/>
+          </p:nvPr>
+        </p:nvSpPr>
+        <p:spPr/>
+        <p:txBody>
+          <a:bodyPr/>
+          <a:lstStyle/>
+          <a:p>
+            <a:r>
+              <a:rPr lang="de-DE" dirty="0">
+                <a:solidFill>
+                  <a:schemeClr val="bg1"/>
+                </a:solidFill>
+                <a:latin typeface="Avenir Next LT Pro Light" panose="020B0304020202020204" pitchFamily="34" charset="0"/>
+              </a:rPr>
+              <a:t>Domain &amp; Webhosting</a:t>
+            </a:r>
+            <a:endParaRPr lang="en-US" dirty="0">
+              <a:solidFill>
+                <a:schemeClr val="bg1"/>
+              </a:solidFill>
+              <a:latin typeface="Avenir Next LT Pro Light" panose="020B0304020202020204" pitchFamily="34" charset="0"/>
+            </a:endParaRPr>
+          </a:p>
+        </p:txBody>
+      </p:sp>
+      <p:pic>
+        <p:nvPicPr>
+          <p:cNvPr id="9" name="Inhaltsplatzhalter 8" descr="Stoppuhr">
+            <a:extLst>
+              <a:ext uri="{FF2B5EF4-FFF2-40B4-BE49-F238E27FC236}">
+                <a16:creationId xmlns:a16="http://schemas.microsoft.com/office/drawing/2014/main" id="{7A8D0E6D-3D6C-49AD-9331-04BF2478D466}"/>
+              </a:ext>
+            </a:extLst>
+          </p:cNvPr>
+          <p:cNvPicPr>
+            <a:picLocks noGrp="1" noChangeAspect="1"/>
+          </p:cNvPicPr>
+          <p:nvPr>
+            <p:ph idx="1"/>
+          </p:nvPr>
+        </p:nvPicPr>
+        <p:blipFill>
+          <a:blip r:embed="rId2">
+            <a:extLst>
+              <a:ext uri="{28A0092B-C50C-407E-A947-70E740481C1C}">
+                <a14:useLocalDpi xmlns:a14="http://schemas.microsoft.com/office/drawing/2010/main" val="0"/>
+              </a:ext>
+              <a:ext uri="{96DAC541-7B7A-43D3-8B79-37D633B846F1}">
+                <asvg:svgBlip xmlns:asvg="http://schemas.microsoft.com/office/drawing/2016/SVG/main" r:embed="rId3"/>
+              </a:ext>
+            </a:extLst>
+          </a:blip>
+          <a:stretch>
+            <a:fillRect/>
+          </a:stretch>
+        </p:blipFill>
+        <p:spPr>
+          <a:xfrm>
+            <a:off x="838199" y="1690687"/>
+            <a:ext cx="4682067" cy="4682067"/>
+          </a:xfrm>
+        </p:spPr>
+      </p:pic>
+      <p:sp>
+        <p:nvSpPr>
+          <p:cNvPr id="10" name="Textfeld 9">
+            <a:extLst>
+              <a:ext uri="{FF2B5EF4-FFF2-40B4-BE49-F238E27FC236}">
+                <a16:creationId xmlns:a16="http://schemas.microsoft.com/office/drawing/2014/main" id="{0019AF28-98ED-4E61-BCA4-22883C2607D5}"/>
+              </a:ext>
+            </a:extLst>
+          </p:cNvPr>
+          <p:cNvSpPr txBox="1"/>
+          <p:nvPr/>
+        </p:nvSpPr>
+        <p:spPr>
+          <a:xfrm>
+            <a:off x="5520266" y="3381282"/>
+            <a:ext cx="5960533" cy="1323439"/>
+          </a:xfrm>
+          <a:prstGeom prst="rect">
+            <a:avLst/>
+          </a:prstGeom>
+          <a:noFill/>
+        </p:spPr>
+        <p:txBody>
+          <a:bodyPr wrap="square" rtlCol="0">
+            <a:spAutoFit/>
+          </a:bodyPr>
+          <a:lstStyle/>
+          <a:p>
+            <a:pPr algn="ctr"/>
+            <a:r>
+              <a:rPr lang="de-DE" sz="4000" dirty="0">
+                <a:solidFill>
+                  <a:schemeClr val="bg1"/>
+                </a:solidFill>
+                <a:latin typeface="Avenir Next LT Pro Light" panose="020B0304020202020204" pitchFamily="34" charset="0"/>
+              </a:rPr>
+              <a:t>Selbstständiges Arbeiten</a:t>
+            </a:r>
+          </a:p>
+          <a:p>
+            <a:pPr algn="ctr"/>
+            <a:r>
+              <a:rPr lang="de-DE" sz="4000" dirty="0">
+                <a:solidFill>
+                  <a:schemeClr val="bg1"/>
+                </a:solidFill>
+                <a:latin typeface="Avenir Next LT Pro Light" panose="020B0304020202020204" pitchFamily="34" charset="0"/>
+              </a:rPr>
+              <a:t>ca. 15:00 –  15:45</a:t>
+            </a:r>
+            <a:endParaRPr lang="en-US" sz="4000" dirty="0">
+              <a:solidFill>
+                <a:schemeClr val="bg1"/>
+              </a:solidFill>
+              <a:latin typeface="Avenir Next LT Pro Light" panose="020B0304020202020204" pitchFamily="34" charset="0"/>
+            </a:endParaRPr>
+          </a:p>
+        </p:txBody>
+      </p:sp>
+    </p:spTree>
+    <p:extLst>
+      <p:ext uri="{BB962C8B-B14F-4D97-AF65-F5344CB8AC3E}">
+        <p14:creationId xmlns:p14="http://schemas.microsoft.com/office/powerpoint/2010/main" val="2710880683"/>
+      </p:ext>
+    </p:extLst>
+  </p:cSld>
+  <p:clrMapOvr>
+    <a:masterClrMapping/>
+  </p:clrMapOvr>
+</p:sld>
+</file>
+
+<file path=ppt/slides/slide8.xml><?xml version="1.0" encoding="utf-8"?>
+<p:sld xmlns:a="http://schemas.openxmlformats.org/drawingml/2006/main" xmlns:r="http://schemas.openxmlformats.org/officeDocument/2006/relationships" xmlns:p="http://schemas.openxmlformats.org/presentationml/2006/main">
+  <p:cSld>
+    <p:bg>
+      <p:bgPr>
+        <a:solidFill>
+          <a:schemeClr val="tx1">
+            <a:lumMod val="85000"/>
+            <a:lumOff val="15000"/>
+          </a:schemeClr>
+        </a:solidFill>
+        <a:effectLst/>
+      </p:bgPr>
+    </p:bg>
+    <p:spTree>
+      <p:nvGrpSpPr>
+        <p:cNvPr id="1" name=""/>
+        <p:cNvGrpSpPr/>
+        <p:nvPr/>
+      </p:nvGrpSpPr>
+      <p:grpSpPr>
+        <a:xfrm>
+          <a:off x="0" y="0"/>
+          <a:ext cx="0" cy="0"/>
+          <a:chOff x="0" y="0"/>
+          <a:chExt cx="0" cy="0"/>
+        </a:xfrm>
+      </p:grpSpPr>
+      <p:sp>
+        <p:nvSpPr>
+          <p:cNvPr id="2" name="Titel 1">
+            <a:extLst>
+              <a:ext uri="{FF2B5EF4-FFF2-40B4-BE49-F238E27FC236}">
+                <a16:creationId xmlns:a16="http://schemas.microsoft.com/office/drawing/2014/main" id="{2DE3D5A1-87BE-4970-A6BA-E6C1A071C38E}"/>
+              </a:ext>
+            </a:extLst>
+          </p:cNvPr>
+          <p:cNvSpPr>
+            <a:spLocks noGrp="1"/>
+          </p:cNvSpPr>
+          <p:nvPr>
+            <p:ph type="title"/>
+          </p:nvPr>
+        </p:nvSpPr>
+        <p:spPr/>
+        <p:txBody>
+          <a:bodyPr/>
+          <a:lstStyle/>
+          <a:p>
+            <a:r>
+              <a:rPr lang="de-DE" dirty="0">
+                <a:solidFill>
+                  <a:schemeClr val="bg1"/>
+                </a:solidFill>
+                <a:latin typeface="Avenir Next LT Pro Light" panose="020B0304020202020204" pitchFamily="34" charset="0"/>
+              </a:rPr>
+              <a:t>WordPress Installation</a:t>
+            </a:r>
+            <a:endParaRPr lang="en-US" dirty="0">
+              <a:solidFill>
+                <a:schemeClr val="bg1"/>
+              </a:solidFill>
+              <a:latin typeface="Avenir Next LT Pro Light" panose="020B0304020202020204" pitchFamily="34" charset="0"/>
+            </a:endParaRPr>
+          </a:p>
+        </p:txBody>
+      </p:sp>
+      <p:pic>
+        <p:nvPicPr>
+          <p:cNvPr id="9" name="Inhaltsplatzhalter 8" descr="Stoppuhr">
+            <a:extLst>
+              <a:ext uri="{FF2B5EF4-FFF2-40B4-BE49-F238E27FC236}">
+                <a16:creationId xmlns:a16="http://schemas.microsoft.com/office/drawing/2014/main" id="{7A8D0E6D-3D6C-49AD-9331-04BF2478D466}"/>
+              </a:ext>
+            </a:extLst>
+          </p:cNvPr>
+          <p:cNvPicPr>
+            <a:picLocks noGrp="1" noChangeAspect="1"/>
+          </p:cNvPicPr>
+          <p:nvPr>
+            <p:ph idx="1"/>
+          </p:nvPr>
+        </p:nvPicPr>
+        <p:blipFill>
+          <a:blip r:embed="rId2">
+            <a:extLst>
+              <a:ext uri="{28A0092B-C50C-407E-A947-70E740481C1C}">
+                <a14:useLocalDpi xmlns:a14="http://schemas.microsoft.com/office/drawing/2010/main" val="0"/>
+              </a:ext>
+              <a:ext uri="{96DAC541-7B7A-43D3-8B79-37D633B846F1}">
+                <asvg:svgBlip xmlns:asvg="http://schemas.microsoft.com/office/drawing/2016/SVG/main" r:embed="rId3"/>
+              </a:ext>
+            </a:extLst>
+          </a:blip>
+          <a:stretch>
+            <a:fillRect/>
+          </a:stretch>
+        </p:blipFill>
+        <p:spPr>
+          <a:xfrm>
+            <a:off x="838199" y="1690687"/>
+            <a:ext cx="4682067" cy="4682067"/>
+          </a:xfrm>
+        </p:spPr>
+      </p:pic>
+      <p:sp>
+        <p:nvSpPr>
+          <p:cNvPr id="10" name="Textfeld 9">
+            <a:extLst>
+              <a:ext uri="{FF2B5EF4-FFF2-40B4-BE49-F238E27FC236}">
+                <a16:creationId xmlns:a16="http://schemas.microsoft.com/office/drawing/2014/main" id="{0019AF28-98ED-4E61-BCA4-22883C2607D5}"/>
+              </a:ext>
+            </a:extLst>
+          </p:cNvPr>
+          <p:cNvSpPr txBox="1"/>
+          <p:nvPr/>
+        </p:nvSpPr>
+        <p:spPr>
+          <a:xfrm>
+            <a:off x="5520266" y="3381282"/>
+            <a:ext cx="5960533" cy="1323439"/>
+          </a:xfrm>
+          <a:prstGeom prst="rect">
+            <a:avLst/>
+          </a:prstGeom>
+          <a:noFill/>
+        </p:spPr>
+        <p:txBody>
+          <a:bodyPr wrap="square" rtlCol="0">
+            <a:spAutoFit/>
+          </a:bodyPr>
+          <a:lstStyle/>
+          <a:p>
+            <a:pPr algn="ctr"/>
+            <a:r>
+              <a:rPr lang="de-DE" sz="4000" dirty="0">
+                <a:solidFill>
+                  <a:schemeClr val="bg1"/>
+                </a:solidFill>
+                <a:latin typeface="Avenir Next LT Pro Light" panose="020B0304020202020204" pitchFamily="34" charset="0"/>
+              </a:rPr>
+              <a:t>Selbstständiges Arbeiten</a:t>
+            </a:r>
+          </a:p>
+          <a:p>
+            <a:pPr algn="ctr"/>
+            <a:r>
+              <a:rPr lang="de-DE" sz="4000" dirty="0">
+                <a:solidFill>
+                  <a:schemeClr val="bg1"/>
+                </a:solidFill>
+                <a:latin typeface="Avenir Next LT Pro Light" panose="020B0304020202020204" pitchFamily="34" charset="0"/>
+              </a:rPr>
+              <a:t>ca. 15:45 –  16:00</a:t>
+            </a:r>
+            <a:endParaRPr lang="en-US" sz="4000" dirty="0">
+              <a:solidFill>
+                <a:schemeClr val="bg1"/>
+              </a:solidFill>
+              <a:latin typeface="Avenir Next LT Pro Light" panose="020B0304020202020204" pitchFamily="34" charset="0"/>
+            </a:endParaRPr>
+          </a:p>
+        </p:txBody>
+      </p:sp>
+    </p:spTree>
+    <p:extLst>
+      <p:ext uri="{BB962C8B-B14F-4D97-AF65-F5344CB8AC3E}">
+        <p14:creationId xmlns:p14="http://schemas.microsoft.com/office/powerpoint/2010/main" val="3449857767"/>
+      </p:ext>
+    </p:extLst>
+  </p:cSld>
+  <p:clrMapOvr>
+    <a:masterClrMapping/>
+  </p:clrMapOvr>
+</p:sld>
+</file>
+
+<file path=ppt/slides/slide9.xml><?xml version="1.0" encoding="utf-8"?>
+<p:sld xmlns:a="http://schemas.openxmlformats.org/drawingml/2006/main" xmlns:r="http://schemas.openxmlformats.org/officeDocument/2006/relationships" xmlns:p="http://schemas.openxmlformats.org/presentationml/2006/main">
+  <p:cSld>
+    <p:bg>
+      <p:bgPr>
+        <a:solidFill>
+          <a:schemeClr val="tx1">
+            <a:lumMod val="85000"/>
+            <a:lumOff val="15000"/>
+          </a:schemeClr>
+        </a:solidFill>
+        <a:effectLst/>
+      </p:bgPr>
+    </p:bg>
+    <p:spTree>
+      <p:nvGrpSpPr>
+        <p:cNvPr id="1" name=""/>
+        <p:cNvGrpSpPr/>
+        <p:nvPr/>
+      </p:nvGrpSpPr>
+      <p:grpSpPr>
+        <a:xfrm>
+          <a:off x="0" y="0"/>
+          <a:ext cx="0" cy="0"/>
+          <a:chOff x="0" y="0"/>
+          <a:chExt cx="0" cy="0"/>
+        </a:xfrm>
+      </p:grpSpPr>
+      <p:sp>
+        <p:nvSpPr>
+          <p:cNvPr id="2" name="Titel 1">
+            <a:extLst>
+              <a:ext uri="{FF2B5EF4-FFF2-40B4-BE49-F238E27FC236}">
+                <a16:creationId xmlns:a16="http://schemas.microsoft.com/office/drawing/2014/main" id="{747753E9-46C1-43E7-BF55-1C39C3D2263B}"/>
+              </a:ext>
+            </a:extLst>
+          </p:cNvPr>
+          <p:cNvSpPr>
+            <a:spLocks noGrp="1"/>
+          </p:cNvSpPr>
+          <p:nvPr>
+            <p:ph type="title"/>
+          </p:nvPr>
+        </p:nvSpPr>
+        <p:spPr/>
+        <p:txBody>
+          <a:bodyPr/>
+          <a:lstStyle/>
+          <a:p>
+            <a:r>
+              <a:rPr lang="de-DE" dirty="0">
+                <a:solidFill>
+                  <a:schemeClr val="bg1"/>
+                </a:solidFill>
+                <a:latin typeface="Avenir Next LT Pro Light" panose="020B0304020202020204" pitchFamily="34" charset="0"/>
+              </a:rPr>
+              <a:t>Pause – Snacks &amp; Drinks</a:t>
+            </a:r>
+            <a:endParaRPr lang="en-US" dirty="0">
+              <a:solidFill>
+                <a:schemeClr val="bg1"/>
+              </a:solidFill>
+              <a:latin typeface="Avenir Next LT Pro Light" panose="020B0304020202020204" pitchFamily="34" charset="0"/>
+            </a:endParaRPr>
+          </a:p>
+        </p:txBody>
+      </p:sp>
+      <p:pic>
+        <p:nvPicPr>
+          <p:cNvPr id="4" name="Inhaltsplatzhalter 8" descr="Stoppuhr">
+            <a:extLst>
+              <a:ext uri="{FF2B5EF4-FFF2-40B4-BE49-F238E27FC236}">
+                <a16:creationId xmlns:a16="http://schemas.microsoft.com/office/drawing/2014/main" id="{A7F8691E-369A-483B-9E90-EB30764D8BB1}"/>
+              </a:ext>
+            </a:extLst>
+          </p:cNvPr>
+          <p:cNvPicPr>
+            <a:picLocks noChangeAspect="1"/>
+          </p:cNvPicPr>
+          <p:nvPr/>
+        </p:nvPicPr>
+        <p:blipFill>
+          <a:blip r:embed="rId2">
+            <a:extLst>
+              <a:ext uri="{28A0092B-C50C-407E-A947-70E740481C1C}">
+                <a14:useLocalDpi xmlns:a14="http://schemas.microsoft.com/office/drawing/2010/main" val="0"/>
+              </a:ext>
+              <a:ext uri="{96DAC541-7B7A-43D3-8B79-37D633B846F1}">
+                <asvg:svgBlip xmlns:asvg="http://schemas.microsoft.com/office/drawing/2016/SVG/main" r:embed="rId3"/>
+              </a:ext>
+            </a:extLst>
+          </a:blip>
+          <a:stretch>
+            <a:fillRect/>
+          </a:stretch>
+        </p:blipFill>
+        <p:spPr>
+          <a:xfrm>
+            <a:off x="838199" y="1690687"/>
+            <a:ext cx="4682067" cy="4682067"/>
+          </a:xfrm>
+          <a:prstGeom prst="rect">
+            <a:avLst/>
+          </a:prstGeom>
+        </p:spPr>
+      </p:pic>
+      <p:sp>
+        <p:nvSpPr>
+          <p:cNvPr id="5" name="Textfeld 4">
+            <a:extLst>
+              <a:ext uri="{FF2B5EF4-FFF2-40B4-BE49-F238E27FC236}">
+                <a16:creationId xmlns:a16="http://schemas.microsoft.com/office/drawing/2014/main" id="{0B2772EB-64EC-4DAB-AFEE-457A1C00BCD7}"/>
+              </a:ext>
+            </a:extLst>
+          </p:cNvPr>
+          <p:cNvSpPr txBox="1"/>
+          <p:nvPr/>
+        </p:nvSpPr>
+        <p:spPr>
+          <a:xfrm>
+            <a:off x="5520266" y="3677778"/>
+            <a:ext cx="5960533" cy="707886"/>
+          </a:xfrm>
+          <a:prstGeom prst="rect">
+            <a:avLst/>
+          </a:prstGeom>
+          <a:noFill/>
+        </p:spPr>
+        <p:txBody>
+          <a:bodyPr wrap="square" rtlCol="0">
+            <a:spAutoFit/>
+          </a:bodyPr>
+          <a:lstStyle/>
+          <a:p>
+            <a:pPr algn="ctr"/>
+            <a:r>
+              <a:rPr lang="de-DE" sz="4000" dirty="0">
+                <a:solidFill>
+                  <a:schemeClr val="bg1"/>
+                </a:solidFill>
+                <a:latin typeface="Avenir Next LT Pro Light" panose="020B0304020202020204" pitchFamily="34" charset="0"/>
+              </a:rPr>
+              <a:t>ca. 16:00 –  16:30</a:t>
+            </a:r>
+            <a:endParaRPr lang="en-US" sz="4000" dirty="0">
+              <a:solidFill>
+                <a:schemeClr val="bg1"/>
+              </a:solidFill>
+              <a:latin typeface="Avenir Next LT Pro Light" panose="020B0304020202020204" pitchFamily="34" charset="0"/>
+            </a:endParaRPr>
+          </a:p>
+        </p:txBody>
+      </p:sp>
+    </p:spTree>
+    <p:extLst>
+      <p:ext uri="{BB962C8B-B14F-4D97-AF65-F5344CB8AC3E}">
+        <p14:creationId xmlns:p14="http://schemas.microsoft.com/office/powerpoint/2010/main" val="534879473"/>
       </p:ext>
     </p:extLst>
   </p:cSld>

--- a/wordpress-portfolio-website-presentation.pptx
+++ b/wordpress-portfolio-website-presentation.pptx
@@ -7,16 +7,17 @@
   <p:sldIdLst>
     <p:sldId id="256" r:id="rId2"/>
     <p:sldId id="262" r:id="rId3"/>
-    <p:sldId id="260" r:id="rId4"/>
-    <p:sldId id="257" r:id="rId5"/>
-    <p:sldId id="259" r:id="rId6"/>
-    <p:sldId id="258" r:id="rId7"/>
-    <p:sldId id="261" r:id="rId8"/>
-    <p:sldId id="263" r:id="rId9"/>
-    <p:sldId id="264" r:id="rId10"/>
-    <p:sldId id="266" r:id="rId11"/>
-    <p:sldId id="267" r:id="rId12"/>
-    <p:sldId id="268" r:id="rId13"/>
+    <p:sldId id="269" r:id="rId4"/>
+    <p:sldId id="260" r:id="rId5"/>
+    <p:sldId id="257" r:id="rId6"/>
+    <p:sldId id="259" r:id="rId7"/>
+    <p:sldId id="258" r:id="rId8"/>
+    <p:sldId id="261" r:id="rId9"/>
+    <p:sldId id="263" r:id="rId10"/>
+    <p:sldId id="264" r:id="rId11"/>
+    <p:sldId id="266" r:id="rId12"/>
+    <p:sldId id="267" r:id="rId13"/>
+    <p:sldId id="268" r:id="rId14"/>
   </p:sldIdLst>
   <p:sldSz cx="12192000" cy="6858000"/>
   <p:notesSz cx="6858000" cy="9144000"/>
@@ -115,6 +116,11 @@
       </a:defRPr>
     </a:lvl9pPr>
   </p:defaultTextStyle>
+  <p:extLst>
+    <p:ext uri="{EFAFB233-063F-42B5-8137-9DF3F51BA10A}">
+      <p15:sldGuideLst xmlns:p15="http://schemas.microsoft.com/office/powerpoint/2012/main"/>
+    </p:ext>
+  </p:extLst>
 </p:presentation>
 </file>
 
@@ -2359,6 +2365,753 @@
 </dgm:colorsDef>
 </file>
 
+<file path=ppt/diagrams/colors4.xml><?xml version="1.0" encoding="utf-8"?>
+<dgm:colorsDef xmlns:dgm="http://schemas.openxmlformats.org/drawingml/2006/diagram" xmlns:a="http://schemas.openxmlformats.org/drawingml/2006/main" uniqueId="urn:microsoft.com/office/officeart/2005/8/colors/accent1_2">
+  <dgm:title val=""/>
+  <dgm:desc val=""/>
+  <dgm:catLst>
+    <dgm:cat type="accent1" pri="11200"/>
+  </dgm:catLst>
+  <dgm:styleLbl name="node0">
+    <dgm:fillClrLst meth="repeat">
+      <a:schemeClr val="accent1"/>
+    </dgm:fillClrLst>
+    <dgm:linClrLst meth="repeat">
+      <a:schemeClr val="lt1"/>
+    </dgm:linClrLst>
+    <dgm:effectClrLst/>
+    <dgm:txLinClrLst/>
+    <dgm:txFillClrLst/>
+    <dgm:txEffectClrLst/>
+  </dgm:styleLbl>
+  <dgm:styleLbl name="alignNode1">
+    <dgm:fillClrLst meth="repeat">
+      <a:schemeClr val="accent1"/>
+    </dgm:fillClrLst>
+    <dgm:linClrLst meth="repeat">
+      <a:schemeClr val="accent1"/>
+    </dgm:linClrLst>
+    <dgm:effectClrLst/>
+    <dgm:txLinClrLst/>
+    <dgm:txFillClrLst/>
+    <dgm:txEffectClrLst/>
+  </dgm:styleLbl>
+  <dgm:styleLbl name="node1">
+    <dgm:fillClrLst meth="repeat">
+      <a:schemeClr val="accent1"/>
+    </dgm:fillClrLst>
+    <dgm:linClrLst meth="repeat">
+      <a:schemeClr val="lt1"/>
+    </dgm:linClrLst>
+    <dgm:effectClrLst/>
+    <dgm:txLinClrLst/>
+    <dgm:txFillClrLst/>
+    <dgm:txEffectClrLst/>
+  </dgm:styleLbl>
+  <dgm:styleLbl name="lnNode1">
+    <dgm:fillClrLst meth="repeat">
+      <a:schemeClr val="accent1"/>
+    </dgm:fillClrLst>
+    <dgm:linClrLst meth="repeat">
+      <a:schemeClr val="lt1"/>
+    </dgm:linClrLst>
+    <dgm:effectClrLst/>
+    <dgm:txLinClrLst/>
+    <dgm:txFillClrLst/>
+    <dgm:txEffectClrLst/>
+  </dgm:styleLbl>
+  <dgm:styleLbl name="vennNode1">
+    <dgm:fillClrLst meth="repeat">
+      <a:schemeClr val="accent1">
+        <a:alpha val="50000"/>
+      </a:schemeClr>
+    </dgm:fillClrLst>
+    <dgm:linClrLst meth="repeat">
+      <a:schemeClr val="lt1"/>
+    </dgm:linClrLst>
+    <dgm:effectClrLst/>
+    <dgm:txLinClrLst/>
+    <dgm:txFillClrLst/>
+    <dgm:txEffectClrLst/>
+  </dgm:styleLbl>
+  <dgm:styleLbl name="node2">
+    <dgm:fillClrLst meth="repeat">
+      <a:schemeClr val="accent1"/>
+    </dgm:fillClrLst>
+    <dgm:linClrLst meth="repeat">
+      <a:schemeClr val="lt1"/>
+    </dgm:linClrLst>
+    <dgm:effectClrLst/>
+    <dgm:txLinClrLst/>
+    <dgm:txFillClrLst/>
+    <dgm:txEffectClrLst/>
+  </dgm:styleLbl>
+  <dgm:styleLbl name="node3">
+    <dgm:fillClrLst meth="repeat">
+      <a:schemeClr val="accent1"/>
+    </dgm:fillClrLst>
+    <dgm:linClrLst meth="repeat">
+      <a:schemeClr val="lt1"/>
+    </dgm:linClrLst>
+    <dgm:effectClrLst/>
+    <dgm:txLinClrLst/>
+    <dgm:txFillClrLst/>
+    <dgm:txEffectClrLst/>
+  </dgm:styleLbl>
+  <dgm:styleLbl name="node4">
+    <dgm:fillClrLst meth="repeat">
+      <a:schemeClr val="accent1"/>
+    </dgm:fillClrLst>
+    <dgm:linClrLst meth="repeat">
+      <a:schemeClr val="lt1"/>
+    </dgm:linClrLst>
+    <dgm:effectClrLst/>
+    <dgm:txLinClrLst/>
+    <dgm:txFillClrLst/>
+    <dgm:txEffectClrLst/>
+  </dgm:styleLbl>
+  <dgm:styleLbl name="fgImgPlace1">
+    <dgm:fillClrLst meth="repeat">
+      <a:schemeClr val="accent1">
+        <a:tint val="50000"/>
+      </a:schemeClr>
+    </dgm:fillClrLst>
+    <dgm:linClrLst meth="repeat">
+      <a:schemeClr val="lt1"/>
+    </dgm:linClrLst>
+    <dgm:effectClrLst/>
+    <dgm:txLinClrLst/>
+    <dgm:txFillClrLst meth="repeat">
+      <a:schemeClr val="lt1"/>
+    </dgm:txFillClrLst>
+    <dgm:txEffectClrLst/>
+  </dgm:styleLbl>
+  <dgm:styleLbl name="alignImgPlace1">
+    <dgm:fillClrLst meth="repeat">
+      <a:schemeClr val="accent1">
+        <a:tint val="50000"/>
+      </a:schemeClr>
+    </dgm:fillClrLst>
+    <dgm:linClrLst meth="repeat">
+      <a:schemeClr val="lt1"/>
+    </dgm:linClrLst>
+    <dgm:effectClrLst/>
+    <dgm:txLinClrLst/>
+    <dgm:txFillClrLst meth="repeat">
+      <a:schemeClr val="lt1"/>
+    </dgm:txFillClrLst>
+    <dgm:txEffectClrLst/>
+  </dgm:styleLbl>
+  <dgm:styleLbl name="bgImgPlace1">
+    <dgm:fillClrLst meth="repeat">
+      <a:schemeClr val="accent1">
+        <a:tint val="50000"/>
+      </a:schemeClr>
+    </dgm:fillClrLst>
+    <dgm:linClrLst meth="repeat">
+      <a:schemeClr val="lt1"/>
+    </dgm:linClrLst>
+    <dgm:effectClrLst/>
+    <dgm:txLinClrLst/>
+    <dgm:txFillClrLst meth="repeat">
+      <a:schemeClr val="lt1"/>
+    </dgm:txFillClrLst>
+    <dgm:txEffectClrLst/>
+  </dgm:styleLbl>
+  <dgm:styleLbl name="sibTrans2D1">
+    <dgm:fillClrLst meth="repeat">
+      <a:schemeClr val="accent1">
+        <a:tint val="60000"/>
+      </a:schemeClr>
+    </dgm:fillClrLst>
+    <dgm:linClrLst meth="repeat">
+      <a:schemeClr val="accent1">
+        <a:tint val="60000"/>
+      </a:schemeClr>
+    </dgm:linClrLst>
+    <dgm:effectClrLst/>
+    <dgm:txLinClrLst/>
+    <dgm:txFillClrLst/>
+    <dgm:txEffectClrLst/>
+  </dgm:styleLbl>
+  <dgm:styleLbl name="fgSibTrans2D1">
+    <dgm:fillClrLst meth="repeat">
+      <a:schemeClr val="accent1">
+        <a:tint val="60000"/>
+      </a:schemeClr>
+    </dgm:fillClrLst>
+    <dgm:linClrLst meth="repeat">
+      <a:schemeClr val="accent1">
+        <a:tint val="60000"/>
+      </a:schemeClr>
+    </dgm:linClrLst>
+    <dgm:effectClrLst/>
+    <dgm:txLinClrLst/>
+    <dgm:txFillClrLst/>
+    <dgm:txEffectClrLst/>
+  </dgm:styleLbl>
+  <dgm:styleLbl name="bgSibTrans2D1">
+    <dgm:fillClrLst meth="repeat">
+      <a:schemeClr val="accent1">
+        <a:tint val="60000"/>
+      </a:schemeClr>
+    </dgm:fillClrLst>
+    <dgm:linClrLst meth="repeat">
+      <a:schemeClr val="accent1">
+        <a:tint val="60000"/>
+      </a:schemeClr>
+    </dgm:linClrLst>
+    <dgm:effectClrLst/>
+    <dgm:txLinClrLst/>
+    <dgm:txFillClrLst/>
+    <dgm:txEffectClrLst/>
+  </dgm:styleLbl>
+  <dgm:styleLbl name="sibTrans1D1">
+    <dgm:fillClrLst meth="repeat">
+      <a:schemeClr val="accent1"/>
+    </dgm:fillClrLst>
+    <dgm:linClrLst meth="repeat">
+      <a:schemeClr val="accent1"/>
+    </dgm:linClrLst>
+    <dgm:effectClrLst/>
+    <dgm:txLinClrLst/>
+    <dgm:txFillClrLst meth="repeat">
+      <a:schemeClr val="tx1"/>
+    </dgm:txFillClrLst>
+    <dgm:txEffectClrLst/>
+  </dgm:styleLbl>
+  <dgm:styleLbl name="callout">
+    <dgm:fillClrLst meth="repeat">
+      <a:schemeClr val="accent1"/>
+    </dgm:fillClrLst>
+    <dgm:linClrLst meth="repeat">
+      <a:schemeClr val="accent1">
+        <a:tint val="50000"/>
+      </a:schemeClr>
+    </dgm:linClrLst>
+    <dgm:effectClrLst/>
+    <dgm:txLinClrLst/>
+    <dgm:txFillClrLst meth="repeat">
+      <a:schemeClr val="tx1"/>
+    </dgm:txFillClrLst>
+    <dgm:txEffectClrLst/>
+  </dgm:styleLbl>
+  <dgm:styleLbl name="asst0">
+    <dgm:fillClrLst meth="repeat">
+      <a:schemeClr val="accent1"/>
+    </dgm:fillClrLst>
+    <dgm:linClrLst meth="repeat">
+      <a:schemeClr val="lt1"/>
+    </dgm:linClrLst>
+    <dgm:effectClrLst/>
+    <dgm:txLinClrLst/>
+    <dgm:txFillClrLst/>
+    <dgm:txEffectClrLst/>
+  </dgm:styleLbl>
+  <dgm:styleLbl name="asst1">
+    <dgm:fillClrLst meth="repeat">
+      <a:schemeClr val="accent1"/>
+    </dgm:fillClrLst>
+    <dgm:linClrLst meth="repeat">
+      <a:schemeClr val="lt1"/>
+    </dgm:linClrLst>
+    <dgm:effectClrLst/>
+    <dgm:txLinClrLst/>
+    <dgm:txFillClrLst/>
+    <dgm:txEffectClrLst/>
+  </dgm:styleLbl>
+  <dgm:styleLbl name="asst2">
+    <dgm:fillClrLst meth="repeat">
+      <a:schemeClr val="accent1"/>
+    </dgm:fillClrLst>
+    <dgm:linClrLst meth="repeat">
+      <a:schemeClr val="lt1"/>
+    </dgm:linClrLst>
+    <dgm:effectClrLst/>
+    <dgm:txLinClrLst/>
+    <dgm:txFillClrLst/>
+    <dgm:txEffectClrLst/>
+  </dgm:styleLbl>
+  <dgm:styleLbl name="asst3">
+    <dgm:fillClrLst meth="repeat">
+      <a:schemeClr val="accent1"/>
+    </dgm:fillClrLst>
+    <dgm:linClrLst meth="repeat">
+      <a:schemeClr val="lt1"/>
+    </dgm:linClrLst>
+    <dgm:effectClrLst/>
+    <dgm:txLinClrLst/>
+    <dgm:txFillClrLst/>
+    <dgm:txEffectClrLst/>
+  </dgm:styleLbl>
+  <dgm:styleLbl name="asst4">
+    <dgm:fillClrLst meth="repeat">
+      <a:schemeClr val="accent1"/>
+    </dgm:fillClrLst>
+    <dgm:linClrLst meth="repeat">
+      <a:schemeClr val="lt1"/>
+    </dgm:linClrLst>
+    <dgm:effectClrLst/>
+    <dgm:txLinClrLst/>
+    <dgm:txFillClrLst/>
+    <dgm:txEffectClrLst/>
+  </dgm:styleLbl>
+  <dgm:styleLbl name="parChTrans2D1">
+    <dgm:fillClrLst meth="repeat">
+      <a:schemeClr val="accent1">
+        <a:tint val="60000"/>
+      </a:schemeClr>
+    </dgm:fillClrLst>
+    <dgm:linClrLst meth="repeat">
+      <a:schemeClr val="accent1">
+        <a:tint val="60000"/>
+      </a:schemeClr>
+    </dgm:linClrLst>
+    <dgm:effectClrLst/>
+    <dgm:txLinClrLst/>
+    <dgm:txFillClrLst meth="repeat">
+      <a:schemeClr val="lt1"/>
+    </dgm:txFillClrLst>
+    <dgm:txEffectClrLst/>
+  </dgm:styleLbl>
+  <dgm:styleLbl name="parChTrans2D2">
+    <dgm:fillClrLst meth="repeat">
+      <a:schemeClr val="accent1"/>
+    </dgm:fillClrLst>
+    <dgm:linClrLst meth="repeat">
+      <a:schemeClr val="accent1"/>
+    </dgm:linClrLst>
+    <dgm:effectClrLst/>
+    <dgm:txLinClrLst/>
+    <dgm:txFillClrLst meth="repeat">
+      <a:schemeClr val="lt1"/>
+    </dgm:txFillClrLst>
+    <dgm:txEffectClrLst/>
+  </dgm:styleLbl>
+  <dgm:styleLbl name="parChTrans2D3">
+    <dgm:fillClrLst meth="repeat">
+      <a:schemeClr val="accent1"/>
+    </dgm:fillClrLst>
+    <dgm:linClrLst meth="repeat">
+      <a:schemeClr val="accent1"/>
+    </dgm:linClrLst>
+    <dgm:effectClrLst/>
+    <dgm:txLinClrLst/>
+    <dgm:txFillClrLst meth="repeat">
+      <a:schemeClr val="lt1"/>
+    </dgm:txFillClrLst>
+    <dgm:txEffectClrLst/>
+  </dgm:styleLbl>
+  <dgm:styleLbl name="parChTrans2D4">
+    <dgm:fillClrLst meth="repeat">
+      <a:schemeClr val="accent1"/>
+    </dgm:fillClrLst>
+    <dgm:linClrLst meth="repeat">
+      <a:schemeClr val="accent1"/>
+    </dgm:linClrLst>
+    <dgm:effectClrLst/>
+    <dgm:txLinClrLst/>
+    <dgm:txFillClrLst meth="repeat">
+      <a:schemeClr val="lt1"/>
+    </dgm:txFillClrLst>
+    <dgm:txEffectClrLst/>
+  </dgm:styleLbl>
+  <dgm:styleLbl name="parChTrans1D1">
+    <dgm:fillClrLst meth="repeat">
+      <a:schemeClr val="accent1"/>
+    </dgm:fillClrLst>
+    <dgm:linClrLst meth="repeat">
+      <a:schemeClr val="accent1">
+        <a:shade val="60000"/>
+      </a:schemeClr>
+    </dgm:linClrLst>
+    <dgm:effectClrLst/>
+    <dgm:txLinClrLst/>
+    <dgm:txFillClrLst meth="repeat">
+      <a:schemeClr val="tx1"/>
+    </dgm:txFillClrLst>
+    <dgm:txEffectClrLst/>
+  </dgm:styleLbl>
+  <dgm:styleLbl name="parChTrans1D2">
+    <dgm:fillClrLst meth="repeat">
+      <a:schemeClr val="accent1"/>
+    </dgm:fillClrLst>
+    <dgm:linClrLst meth="repeat">
+      <a:schemeClr val="accent1">
+        <a:shade val="60000"/>
+      </a:schemeClr>
+    </dgm:linClrLst>
+    <dgm:effectClrLst/>
+    <dgm:txLinClrLst/>
+    <dgm:txFillClrLst meth="repeat">
+      <a:schemeClr val="tx1"/>
+    </dgm:txFillClrLst>
+    <dgm:txEffectClrLst/>
+  </dgm:styleLbl>
+  <dgm:styleLbl name="parChTrans1D3">
+    <dgm:fillClrLst meth="repeat">
+      <a:schemeClr val="accent1"/>
+    </dgm:fillClrLst>
+    <dgm:linClrLst meth="repeat">
+      <a:schemeClr val="accent1">
+        <a:shade val="80000"/>
+      </a:schemeClr>
+    </dgm:linClrLst>
+    <dgm:effectClrLst/>
+    <dgm:txLinClrLst/>
+    <dgm:txFillClrLst meth="repeat">
+      <a:schemeClr val="tx1"/>
+    </dgm:txFillClrLst>
+    <dgm:txEffectClrLst/>
+  </dgm:styleLbl>
+  <dgm:styleLbl name="parChTrans1D4">
+    <dgm:fillClrLst meth="repeat">
+      <a:schemeClr val="accent1"/>
+    </dgm:fillClrLst>
+    <dgm:linClrLst meth="repeat">
+      <a:schemeClr val="accent1">
+        <a:shade val="80000"/>
+      </a:schemeClr>
+    </dgm:linClrLst>
+    <dgm:effectClrLst/>
+    <dgm:txLinClrLst/>
+    <dgm:txFillClrLst meth="repeat">
+      <a:schemeClr val="tx1"/>
+    </dgm:txFillClrLst>
+    <dgm:txEffectClrLst/>
+  </dgm:styleLbl>
+  <dgm:styleLbl name="fgAcc1">
+    <dgm:fillClrLst meth="repeat">
+      <a:schemeClr val="lt1">
+        <a:alpha val="90000"/>
+      </a:schemeClr>
+    </dgm:fillClrLst>
+    <dgm:linClrLst meth="repeat">
+      <a:schemeClr val="accent1"/>
+    </dgm:linClrLst>
+    <dgm:effectClrLst/>
+    <dgm:txLinClrLst/>
+    <dgm:txFillClrLst meth="repeat">
+      <a:schemeClr val="dk1"/>
+    </dgm:txFillClrLst>
+    <dgm:txEffectClrLst/>
+  </dgm:styleLbl>
+  <dgm:styleLbl name="conFgAcc1">
+    <dgm:fillClrLst meth="repeat">
+      <a:schemeClr val="lt1">
+        <a:alpha val="90000"/>
+      </a:schemeClr>
+    </dgm:fillClrLst>
+    <dgm:linClrLst meth="repeat">
+      <a:schemeClr val="accent1"/>
+    </dgm:linClrLst>
+    <dgm:effectClrLst/>
+    <dgm:txLinClrLst/>
+    <dgm:txFillClrLst meth="repeat">
+      <a:schemeClr val="dk1"/>
+    </dgm:txFillClrLst>
+    <dgm:txEffectClrLst/>
+  </dgm:styleLbl>
+  <dgm:styleLbl name="alignAcc1">
+    <dgm:fillClrLst meth="repeat">
+      <a:schemeClr val="lt1">
+        <a:alpha val="90000"/>
+      </a:schemeClr>
+    </dgm:fillClrLst>
+    <dgm:linClrLst meth="repeat">
+      <a:schemeClr val="accent1"/>
+    </dgm:linClrLst>
+    <dgm:effectClrLst/>
+    <dgm:txLinClrLst/>
+    <dgm:txFillClrLst meth="repeat">
+      <a:schemeClr val="dk1"/>
+    </dgm:txFillClrLst>
+    <dgm:txEffectClrLst/>
+  </dgm:styleLbl>
+  <dgm:styleLbl name="trAlignAcc1">
+    <dgm:fillClrLst meth="repeat">
+      <a:schemeClr val="lt1">
+        <a:alpha val="40000"/>
+      </a:schemeClr>
+    </dgm:fillClrLst>
+    <dgm:linClrLst meth="repeat">
+      <a:schemeClr val="accent1"/>
+    </dgm:linClrLst>
+    <dgm:effectClrLst/>
+    <dgm:txLinClrLst/>
+    <dgm:txFillClrLst meth="repeat">
+      <a:schemeClr val="dk1"/>
+    </dgm:txFillClrLst>
+    <dgm:txEffectClrLst/>
+  </dgm:styleLbl>
+  <dgm:styleLbl name="bgAcc1">
+    <dgm:fillClrLst meth="repeat">
+      <a:schemeClr val="lt1">
+        <a:alpha val="90000"/>
+      </a:schemeClr>
+    </dgm:fillClrLst>
+    <dgm:linClrLst meth="repeat">
+      <a:schemeClr val="accent1"/>
+    </dgm:linClrLst>
+    <dgm:effectClrLst/>
+    <dgm:txLinClrLst/>
+    <dgm:txFillClrLst meth="repeat">
+      <a:schemeClr val="dk1"/>
+    </dgm:txFillClrLst>
+    <dgm:txEffectClrLst/>
+  </dgm:styleLbl>
+  <dgm:styleLbl name="solidFgAcc1">
+    <dgm:fillClrLst meth="repeat">
+      <a:schemeClr val="lt1"/>
+    </dgm:fillClrLst>
+    <dgm:linClrLst meth="repeat">
+      <a:schemeClr val="accent1"/>
+    </dgm:linClrLst>
+    <dgm:effectClrLst/>
+    <dgm:txLinClrLst/>
+    <dgm:txFillClrLst meth="repeat">
+      <a:schemeClr val="dk1"/>
+    </dgm:txFillClrLst>
+    <dgm:txEffectClrLst/>
+  </dgm:styleLbl>
+  <dgm:styleLbl name="solidAlignAcc1">
+    <dgm:fillClrLst meth="repeat">
+      <a:schemeClr val="lt1"/>
+    </dgm:fillClrLst>
+    <dgm:linClrLst meth="repeat">
+      <a:schemeClr val="accent1"/>
+    </dgm:linClrLst>
+    <dgm:effectClrLst/>
+    <dgm:txLinClrLst/>
+    <dgm:txFillClrLst meth="repeat">
+      <a:schemeClr val="dk1"/>
+    </dgm:txFillClrLst>
+    <dgm:txEffectClrLst/>
+  </dgm:styleLbl>
+  <dgm:styleLbl name="solidBgAcc1">
+    <dgm:fillClrLst meth="repeat">
+      <a:schemeClr val="lt1"/>
+    </dgm:fillClrLst>
+    <dgm:linClrLst meth="repeat">
+      <a:schemeClr val="accent1"/>
+    </dgm:linClrLst>
+    <dgm:effectClrLst/>
+    <dgm:txLinClrLst/>
+    <dgm:txFillClrLst meth="repeat">
+      <a:schemeClr val="dk1"/>
+    </dgm:txFillClrLst>
+    <dgm:txEffectClrLst/>
+  </dgm:styleLbl>
+  <dgm:styleLbl name="fgAccFollowNode1">
+    <dgm:fillClrLst meth="repeat">
+      <a:schemeClr val="accent1">
+        <a:alpha val="90000"/>
+        <a:tint val="40000"/>
+      </a:schemeClr>
+    </dgm:fillClrLst>
+    <dgm:linClrLst meth="repeat">
+      <a:schemeClr val="accent1">
+        <a:alpha val="90000"/>
+        <a:tint val="40000"/>
+      </a:schemeClr>
+    </dgm:linClrLst>
+    <dgm:effectClrLst/>
+    <dgm:txLinClrLst/>
+    <dgm:txFillClrLst meth="repeat">
+      <a:schemeClr val="dk1"/>
+    </dgm:txFillClrLst>
+    <dgm:txEffectClrLst/>
+  </dgm:styleLbl>
+  <dgm:styleLbl name="alignAccFollowNode1">
+    <dgm:fillClrLst meth="repeat">
+      <a:schemeClr val="accent1">
+        <a:alpha val="90000"/>
+        <a:tint val="40000"/>
+      </a:schemeClr>
+    </dgm:fillClrLst>
+    <dgm:linClrLst meth="repeat">
+      <a:schemeClr val="accent1">
+        <a:alpha val="90000"/>
+        <a:tint val="40000"/>
+      </a:schemeClr>
+    </dgm:linClrLst>
+    <dgm:effectClrLst/>
+    <dgm:txLinClrLst/>
+    <dgm:txFillClrLst meth="repeat">
+      <a:schemeClr val="dk1"/>
+    </dgm:txFillClrLst>
+    <dgm:txEffectClrLst/>
+  </dgm:styleLbl>
+  <dgm:styleLbl name="bgAccFollowNode1">
+    <dgm:fillClrLst meth="repeat">
+      <a:schemeClr val="accent1">
+        <a:alpha val="90000"/>
+        <a:tint val="40000"/>
+      </a:schemeClr>
+    </dgm:fillClrLst>
+    <dgm:linClrLst meth="repeat">
+      <a:schemeClr val="accent1">
+        <a:alpha val="90000"/>
+        <a:tint val="40000"/>
+      </a:schemeClr>
+    </dgm:linClrLst>
+    <dgm:effectClrLst/>
+    <dgm:txLinClrLst/>
+    <dgm:txFillClrLst meth="repeat">
+      <a:schemeClr val="dk1"/>
+    </dgm:txFillClrLst>
+    <dgm:txEffectClrLst/>
+  </dgm:styleLbl>
+  <dgm:styleLbl name="fgAcc0">
+    <dgm:fillClrLst meth="repeat">
+      <a:schemeClr val="lt1">
+        <a:alpha val="90000"/>
+      </a:schemeClr>
+    </dgm:fillClrLst>
+    <dgm:linClrLst meth="repeat">
+      <a:schemeClr val="accent1"/>
+    </dgm:linClrLst>
+    <dgm:effectClrLst/>
+    <dgm:txLinClrLst/>
+    <dgm:txFillClrLst meth="repeat">
+      <a:schemeClr val="dk1"/>
+    </dgm:txFillClrLst>
+    <dgm:txEffectClrLst/>
+  </dgm:styleLbl>
+  <dgm:styleLbl name="fgAcc2">
+    <dgm:fillClrLst meth="repeat">
+      <a:schemeClr val="lt1">
+        <a:alpha val="90000"/>
+      </a:schemeClr>
+    </dgm:fillClrLst>
+    <dgm:linClrLst meth="repeat">
+      <a:schemeClr val="accent1"/>
+    </dgm:linClrLst>
+    <dgm:effectClrLst/>
+    <dgm:txLinClrLst/>
+    <dgm:txFillClrLst meth="repeat">
+      <a:schemeClr val="dk1"/>
+    </dgm:txFillClrLst>
+    <dgm:txEffectClrLst/>
+  </dgm:styleLbl>
+  <dgm:styleLbl name="fgAcc3">
+    <dgm:fillClrLst meth="repeat">
+      <a:schemeClr val="lt1">
+        <a:alpha val="90000"/>
+      </a:schemeClr>
+    </dgm:fillClrLst>
+    <dgm:linClrLst meth="repeat">
+      <a:schemeClr val="accent1"/>
+    </dgm:linClrLst>
+    <dgm:effectClrLst/>
+    <dgm:txLinClrLst/>
+    <dgm:txFillClrLst meth="repeat">
+      <a:schemeClr val="dk1"/>
+    </dgm:txFillClrLst>
+    <dgm:txEffectClrLst/>
+  </dgm:styleLbl>
+  <dgm:styleLbl name="fgAcc4">
+    <dgm:fillClrLst meth="repeat">
+      <a:schemeClr val="lt1">
+        <a:alpha val="90000"/>
+      </a:schemeClr>
+    </dgm:fillClrLst>
+    <dgm:linClrLst meth="repeat">
+      <a:schemeClr val="accent1"/>
+    </dgm:linClrLst>
+    <dgm:effectClrLst/>
+    <dgm:txLinClrLst/>
+    <dgm:txFillClrLst meth="repeat">
+      <a:schemeClr val="dk1"/>
+    </dgm:txFillClrLst>
+    <dgm:txEffectClrLst/>
+  </dgm:styleLbl>
+  <dgm:styleLbl name="bgShp">
+    <dgm:fillClrLst meth="repeat">
+      <a:schemeClr val="accent1">
+        <a:tint val="40000"/>
+      </a:schemeClr>
+    </dgm:fillClrLst>
+    <dgm:linClrLst meth="repeat">
+      <a:schemeClr val="accent1"/>
+    </dgm:linClrLst>
+    <dgm:effectClrLst/>
+    <dgm:txLinClrLst/>
+    <dgm:txFillClrLst meth="repeat">
+      <a:schemeClr val="dk1"/>
+    </dgm:txFillClrLst>
+    <dgm:txEffectClrLst/>
+  </dgm:styleLbl>
+  <dgm:styleLbl name="dkBgShp">
+    <dgm:fillClrLst meth="repeat">
+      <a:schemeClr val="accent1">
+        <a:shade val="80000"/>
+      </a:schemeClr>
+    </dgm:fillClrLst>
+    <dgm:linClrLst meth="repeat">
+      <a:schemeClr val="accent1"/>
+    </dgm:linClrLst>
+    <dgm:effectClrLst/>
+    <dgm:txLinClrLst/>
+    <dgm:txFillClrLst meth="repeat">
+      <a:schemeClr val="lt1"/>
+    </dgm:txFillClrLst>
+    <dgm:txEffectClrLst/>
+  </dgm:styleLbl>
+  <dgm:styleLbl name="trBgShp">
+    <dgm:fillClrLst meth="repeat">
+      <a:schemeClr val="accent1">
+        <a:tint val="50000"/>
+        <a:alpha val="40000"/>
+      </a:schemeClr>
+    </dgm:fillClrLst>
+    <dgm:linClrLst meth="repeat">
+      <a:schemeClr val="accent1"/>
+    </dgm:linClrLst>
+    <dgm:effectClrLst/>
+    <dgm:txLinClrLst/>
+    <dgm:txFillClrLst meth="repeat">
+      <a:schemeClr val="lt1"/>
+    </dgm:txFillClrLst>
+    <dgm:txEffectClrLst/>
+  </dgm:styleLbl>
+  <dgm:styleLbl name="fgShp">
+    <dgm:fillClrLst meth="repeat">
+      <a:schemeClr val="accent1">
+        <a:tint val="60000"/>
+      </a:schemeClr>
+    </dgm:fillClrLst>
+    <dgm:linClrLst meth="repeat">
+      <a:schemeClr val="lt1"/>
+    </dgm:linClrLst>
+    <dgm:effectClrLst/>
+    <dgm:txLinClrLst/>
+    <dgm:txFillClrLst meth="repeat">
+      <a:schemeClr val="dk1"/>
+    </dgm:txFillClrLst>
+    <dgm:txEffectClrLst/>
+  </dgm:styleLbl>
+  <dgm:styleLbl name="revTx">
+    <dgm:fillClrLst meth="repeat">
+      <a:schemeClr val="lt1">
+        <a:alpha val="0"/>
+      </a:schemeClr>
+    </dgm:fillClrLst>
+    <dgm:linClrLst meth="repeat">
+      <a:schemeClr val="dk1">
+        <a:alpha val="0"/>
+      </a:schemeClr>
+    </dgm:linClrLst>
+    <dgm:effectClrLst/>
+    <dgm:txLinClrLst/>
+    <dgm:txFillClrLst meth="repeat">
+      <a:schemeClr val="tx1"/>
+    </dgm:txFillClrLst>
+    <dgm:txEffectClrLst/>
+  </dgm:styleLbl>
+</dgm:colorsDef>
+</file>
+
 <file path=ppt/diagrams/data1.xml><?xml version="1.0" encoding="utf-8"?>
 <dgm:dataModel xmlns:dgm="http://schemas.openxmlformats.org/drawingml/2006/diagram" xmlns:a="http://schemas.openxmlformats.org/drawingml/2006/main">
   <dgm:ptLst>
@@ -2375,12 +3128,24 @@
     </dgm:pt>
     <dgm:pt modelId="{2C3D509D-615B-479D-ABCD-A2AE994D1D1E}">
       <dgm:prSet phldrT="[Text]"/>
-      <dgm:spPr/>
+      <dgm:spPr>
+        <a:ln>
+          <a:noFill/>
+        </a:ln>
+      </dgm:spPr>
       <dgm:t>
         <a:bodyPr/>
         <a:lstStyle/>
         <a:p>
-          <a:endParaRPr lang="en-US" dirty="0"/>
+          <a:r>
+            <a:rPr lang="de-DE" dirty="0">
+              <a:latin typeface="Avenir Next LT Pro Light" panose="020B0304020202020204" pitchFamily="34" charset="0"/>
+            </a:rPr>
+            <a:t>Digitaler Fußabdruck</a:t>
+          </a:r>
+          <a:endParaRPr lang="en-US" dirty="0">
+            <a:latin typeface="Avenir Next LT Pro Light" panose="020B0304020202020204" pitchFamily="34" charset="0"/>
+          </a:endParaRPr>
         </a:p>
       </dgm:t>
     </dgm:pt>
@@ -2407,13 +3172,25 @@
       </dgm:t>
     </dgm:pt>
     <dgm:pt modelId="{0673E12D-2BA1-436B-A0F0-67300283202B}">
-      <dgm:prSet phldrT="[Text]" phldr="1"/>
-      <dgm:spPr/>
+      <dgm:prSet phldrT="[Text]"/>
+      <dgm:spPr>
+        <a:ln>
+          <a:noFill/>
+        </a:ln>
+      </dgm:spPr>
       <dgm:t>
         <a:bodyPr/>
         <a:lstStyle/>
         <a:p>
-          <a:endParaRPr lang="en-US"/>
+          <a:r>
+            <a:rPr lang="de-DE" dirty="0">
+              <a:latin typeface="Avenir Next LT Pro Light" panose="020B0304020202020204" pitchFamily="34" charset="0"/>
+            </a:rPr>
+            <a:t>Selbstvermarktung</a:t>
+          </a:r>
+          <a:endParaRPr lang="en-US" dirty="0">
+            <a:latin typeface="Avenir Next LT Pro Light" panose="020B0304020202020204" pitchFamily="34" charset="0"/>
+          </a:endParaRPr>
         </a:p>
       </dgm:t>
     </dgm:pt>
@@ -2440,13 +3217,25 @@
       </dgm:t>
     </dgm:pt>
     <dgm:pt modelId="{600067ED-D018-40FE-A8AB-FACC6CB925F0}">
-      <dgm:prSet phldrT="[Text]" phldr="1"/>
-      <dgm:spPr/>
+      <dgm:prSet phldrT="[Text]"/>
+      <dgm:spPr>
+        <a:ln>
+          <a:noFill/>
+        </a:ln>
+      </dgm:spPr>
       <dgm:t>
         <a:bodyPr/>
         <a:lstStyle/>
         <a:p>
-          <a:endParaRPr lang="en-US"/>
+          <a:r>
+            <a:rPr lang="de-DE" dirty="0">
+              <a:latin typeface="Avenir Next LT Pro Light" panose="020B0304020202020204" pitchFamily="34" charset="0"/>
+            </a:rPr>
+            <a:t>Beweis von digitalem Verständnis</a:t>
+          </a:r>
+          <a:endParaRPr lang="en-US" dirty="0">
+            <a:latin typeface="Avenir Next LT Pro Light" panose="020B0304020202020204" pitchFamily="34" charset="0"/>
+          </a:endParaRPr>
         </a:p>
       </dgm:t>
     </dgm:pt>
@@ -2473,13 +3262,36 @@
       </dgm:t>
     </dgm:pt>
     <dgm:pt modelId="{19006CEF-E3C0-40CE-B71D-3B0761C21DDC}">
-      <dgm:prSet phldrT="[Text]" phldr="1"/>
-      <dgm:spPr/>
+      <dgm:prSet phldrT="[Text]"/>
+      <dgm:spPr>
+        <a:ln>
+          <a:noFill/>
+        </a:ln>
+      </dgm:spPr>
       <dgm:t>
         <a:bodyPr/>
         <a:lstStyle/>
         <a:p>
-          <a:endParaRPr lang="en-US"/>
+          <a:r>
+            <a:rPr lang="de-DE" dirty="0">
+              <a:latin typeface="Avenir Next LT Pro Light" panose="020B0304020202020204" pitchFamily="34" charset="0"/>
+            </a:rPr>
+            <a:t>Online-Präsenz</a:t>
+          </a:r>
+          <a:br>
+            <a:rPr lang="de-DE" dirty="0">
+              <a:latin typeface="Avenir Next LT Pro Light" panose="020B0304020202020204" pitchFamily="34" charset="0"/>
+            </a:rPr>
+          </a:br>
+          <a:r>
+            <a:rPr lang="de-DE" dirty="0">
+              <a:latin typeface="Avenir Next LT Pro Light" panose="020B0304020202020204" pitchFamily="34" charset="0"/>
+            </a:rPr>
+            <a:t>(2021)</a:t>
+          </a:r>
+          <a:endParaRPr lang="en-US" dirty="0">
+            <a:latin typeface="Avenir Next LT Pro Light" panose="020B0304020202020204" pitchFamily="34" charset="0"/>
+          </a:endParaRPr>
         </a:p>
       </dgm:t>
     </dgm:pt>
@@ -2506,13 +3318,25 @@
       </dgm:t>
     </dgm:pt>
     <dgm:pt modelId="{EC3D3934-4B85-4705-9F9C-7BDB5DDCE64B}">
-      <dgm:prSet phldrT="[Text]" phldr="1"/>
-      <dgm:spPr/>
+      <dgm:prSet phldrT="[Text]"/>
+      <dgm:spPr>
+        <a:ln>
+          <a:noFill/>
+        </a:ln>
+      </dgm:spPr>
       <dgm:t>
         <a:bodyPr/>
         <a:lstStyle/>
         <a:p>
-          <a:endParaRPr lang="en-US"/>
+          <a:r>
+            <a:rPr lang="de-DE" dirty="0">
+              <a:latin typeface="Avenir Next LT Pro Light" panose="020B0304020202020204" pitchFamily="34" charset="0"/>
+            </a:rPr>
+            <a:t>Analyse der Besucher</a:t>
+          </a:r>
+          <a:endParaRPr lang="en-US" dirty="0">
+            <a:latin typeface="Avenir Next LT Pro Light" panose="020B0304020202020204" pitchFamily="34" charset="0"/>
+          </a:endParaRPr>
         </a:p>
       </dgm:t>
     </dgm:pt>
@@ -2553,7 +3377,11 @@
           <dgm:bulletEnabled val="1"/>
         </dgm:presLayoutVars>
       </dgm:prSet>
-      <dgm:spPr/>
+      <dgm:spPr>
+        <a:prstGeom prst="roundRect">
+          <a:avLst/>
+        </a:prstGeom>
+      </dgm:spPr>
     </dgm:pt>
     <dgm:pt modelId="{6BD53DDA-1A45-4687-8F63-BB7B0D0E5EE7}" type="pres">
       <dgm:prSet presAssocID="{F09FB46C-CB96-4BF2-8491-1F7404A6C04B}" presName="sibTrans" presStyleCnt="0"/>
@@ -2565,7 +3393,11 @@
           <dgm:bulletEnabled val="1"/>
         </dgm:presLayoutVars>
       </dgm:prSet>
-      <dgm:spPr/>
+      <dgm:spPr>
+        <a:prstGeom prst="roundRect">
+          <a:avLst/>
+        </a:prstGeom>
+      </dgm:spPr>
     </dgm:pt>
     <dgm:pt modelId="{AAC4F484-B265-4675-B4E9-238EEC7CF6EB}" type="pres">
       <dgm:prSet presAssocID="{FE46F0E4-EFFC-49FD-95FF-DEC190EA043E}" presName="sibTrans" presStyleCnt="0"/>
@@ -2577,7 +3409,11 @@
           <dgm:bulletEnabled val="1"/>
         </dgm:presLayoutVars>
       </dgm:prSet>
-      <dgm:spPr/>
+      <dgm:spPr>
+        <a:prstGeom prst="roundRect">
+          <a:avLst/>
+        </a:prstGeom>
+      </dgm:spPr>
     </dgm:pt>
     <dgm:pt modelId="{B25D01C0-CF21-4E33-A4AB-9FB9196F05F7}" type="pres">
       <dgm:prSet presAssocID="{5008C360-CEC5-43CD-9B3A-5305520D07D9}" presName="sibTrans" presStyleCnt="0"/>
@@ -2589,7 +3425,11 @@
           <dgm:bulletEnabled val="1"/>
         </dgm:presLayoutVars>
       </dgm:prSet>
-      <dgm:spPr/>
+      <dgm:spPr>
+        <a:prstGeom prst="roundRect">
+          <a:avLst/>
+        </a:prstGeom>
+      </dgm:spPr>
     </dgm:pt>
     <dgm:pt modelId="{1E037D48-5F28-4369-95E7-1A77BB19D7E4}" type="pres">
       <dgm:prSet presAssocID="{1EC5AF48-D0CD-4295-97CC-0C47F3BE6467}" presName="sibTrans" presStyleCnt="0"/>
@@ -2601,7 +3441,11 @@
           <dgm:bulletEnabled val="1"/>
         </dgm:presLayoutVars>
       </dgm:prSet>
-      <dgm:spPr/>
+      <dgm:spPr>
+        <a:prstGeom prst="roundRect">
+          <a:avLst/>
+        </a:prstGeom>
+      </dgm:spPr>
     </dgm:pt>
   </dgm:ptLst>
   <dgm:cxnLst>
@@ -2637,6 +3481,790 @@
 </file>
 
 <file path=ppt/diagrams/data2.xml><?xml version="1.0" encoding="utf-8"?>
+<dgm:dataModel xmlns:dgm="http://schemas.openxmlformats.org/drawingml/2006/diagram" xmlns:a="http://schemas.openxmlformats.org/drawingml/2006/main">
+  <dgm:ptLst>
+    <dgm:pt modelId="{3A7092F6-6C5F-46A0-BDFB-7306C2987FA3}" type="doc">
+      <dgm:prSet loTypeId="urn:microsoft.com/office/officeart/2005/8/layout/pList1" loCatId="list" qsTypeId="urn:microsoft.com/office/officeart/2005/8/quickstyle/simple1" qsCatId="simple" csTypeId="urn:microsoft.com/office/officeart/2005/8/colors/accent1_2" csCatId="accent1" phldr="1"/>
+      <dgm:spPr/>
+      <dgm:t>
+        <a:bodyPr/>
+        <a:lstStyle/>
+        <a:p>
+          <a:endParaRPr lang="en-US"/>
+        </a:p>
+      </dgm:t>
+    </dgm:pt>
+    <dgm:pt modelId="{80296E60-74B0-44D6-95CF-1A164E27BB23}">
+      <dgm:prSet phldrT="[Text]"/>
+      <dgm:spPr/>
+      <dgm:t>
+        <a:bodyPr/>
+        <a:lstStyle/>
+        <a:p>
+          <a:r>
+            <a:rPr lang="de-DE" dirty="0">
+              <a:solidFill>
+                <a:schemeClr val="bg1"/>
+              </a:solidFill>
+              <a:latin typeface="Avenir Next LT Pro Light" panose="020B0304020202020204" pitchFamily="34" charset="0"/>
+            </a:rPr>
+            <a:t>About </a:t>
+          </a:r>
+          <a:r>
+            <a:rPr lang="de-DE" dirty="0" err="1">
+              <a:solidFill>
+                <a:schemeClr val="bg1"/>
+              </a:solidFill>
+              <a:latin typeface="Avenir Next LT Pro Light" panose="020B0304020202020204" pitchFamily="34" charset="0"/>
+            </a:rPr>
+            <a:t>me</a:t>
+          </a:r>
+          <a:endParaRPr lang="en-US" dirty="0">
+            <a:solidFill>
+              <a:schemeClr val="bg1"/>
+            </a:solidFill>
+            <a:latin typeface="Avenir Next LT Pro Light" panose="020B0304020202020204" pitchFamily="34" charset="0"/>
+          </a:endParaRPr>
+        </a:p>
+      </dgm:t>
+    </dgm:pt>
+    <dgm:pt modelId="{BD95CD89-106E-49DE-A651-0539E4C61760}" type="parTrans" cxnId="{165A9046-FA95-4443-8676-E0914F242E16}">
+      <dgm:prSet/>
+      <dgm:spPr/>
+      <dgm:t>
+        <a:bodyPr/>
+        <a:lstStyle/>
+        <a:p>
+          <a:endParaRPr lang="en-US">
+            <a:solidFill>
+              <a:schemeClr val="bg1"/>
+            </a:solidFill>
+            <a:latin typeface="Avenir Next LT Pro Light" panose="020B0304020202020204" pitchFamily="34" charset="0"/>
+          </a:endParaRPr>
+        </a:p>
+      </dgm:t>
+    </dgm:pt>
+    <dgm:pt modelId="{E934C0C6-FD3D-40F3-9C46-31A39D2BB06C}" type="sibTrans" cxnId="{165A9046-FA95-4443-8676-E0914F242E16}">
+      <dgm:prSet/>
+      <dgm:spPr/>
+      <dgm:t>
+        <a:bodyPr/>
+        <a:lstStyle/>
+        <a:p>
+          <a:endParaRPr lang="en-US">
+            <a:solidFill>
+              <a:schemeClr val="bg1"/>
+            </a:solidFill>
+            <a:latin typeface="Avenir Next LT Pro Light" panose="020B0304020202020204" pitchFamily="34" charset="0"/>
+          </a:endParaRPr>
+        </a:p>
+      </dgm:t>
+    </dgm:pt>
+    <dgm:pt modelId="{0419046C-E754-45C1-89DE-E85336861A98}">
+      <dgm:prSet phldrT="[Text]"/>
+      <dgm:spPr/>
+      <dgm:t>
+        <a:bodyPr/>
+        <a:lstStyle/>
+        <a:p>
+          <a:r>
+            <a:rPr lang="de-DE" dirty="0">
+              <a:solidFill>
+                <a:schemeClr val="bg1"/>
+              </a:solidFill>
+              <a:latin typeface="Avenir Next LT Pro Light" panose="020B0304020202020204" pitchFamily="34" charset="0"/>
+            </a:rPr>
+            <a:t>Skills</a:t>
+          </a:r>
+          <a:endParaRPr lang="en-US" dirty="0">
+            <a:solidFill>
+              <a:schemeClr val="bg1"/>
+            </a:solidFill>
+            <a:latin typeface="Avenir Next LT Pro Light" panose="020B0304020202020204" pitchFamily="34" charset="0"/>
+          </a:endParaRPr>
+        </a:p>
+      </dgm:t>
+    </dgm:pt>
+    <dgm:pt modelId="{E5F29191-052E-4EF7-900E-3B4A37D2F100}" type="parTrans" cxnId="{9A9A8408-97F9-459D-A80A-6964203C54C2}">
+      <dgm:prSet/>
+      <dgm:spPr/>
+      <dgm:t>
+        <a:bodyPr/>
+        <a:lstStyle/>
+        <a:p>
+          <a:endParaRPr lang="en-US">
+            <a:solidFill>
+              <a:schemeClr val="bg1"/>
+            </a:solidFill>
+            <a:latin typeface="Avenir Next LT Pro Light" panose="020B0304020202020204" pitchFamily="34" charset="0"/>
+          </a:endParaRPr>
+        </a:p>
+      </dgm:t>
+    </dgm:pt>
+    <dgm:pt modelId="{C4963C74-AB7A-4B1F-A650-F93A701D2AFF}" type="sibTrans" cxnId="{9A9A8408-97F9-459D-A80A-6964203C54C2}">
+      <dgm:prSet/>
+      <dgm:spPr/>
+      <dgm:t>
+        <a:bodyPr/>
+        <a:lstStyle/>
+        <a:p>
+          <a:endParaRPr lang="en-US">
+            <a:solidFill>
+              <a:schemeClr val="bg1"/>
+            </a:solidFill>
+            <a:latin typeface="Avenir Next LT Pro Light" panose="020B0304020202020204" pitchFamily="34" charset="0"/>
+          </a:endParaRPr>
+        </a:p>
+      </dgm:t>
+    </dgm:pt>
+    <dgm:pt modelId="{CE7BC2D2-456C-4655-810E-8E55648A2B62}">
+      <dgm:prSet phldrT="[Text]"/>
+      <dgm:spPr/>
+      <dgm:t>
+        <a:bodyPr/>
+        <a:lstStyle/>
+        <a:p>
+          <a:r>
+            <a:rPr lang="de-DE" dirty="0">
+              <a:solidFill>
+                <a:schemeClr val="bg1"/>
+              </a:solidFill>
+              <a:latin typeface="Avenir Next LT Pro Light" panose="020B0304020202020204" pitchFamily="34" charset="0"/>
+            </a:rPr>
+            <a:t>Social Links</a:t>
+          </a:r>
+          <a:endParaRPr lang="en-US" dirty="0">
+            <a:solidFill>
+              <a:schemeClr val="bg1"/>
+            </a:solidFill>
+            <a:latin typeface="Avenir Next LT Pro Light" panose="020B0304020202020204" pitchFamily="34" charset="0"/>
+          </a:endParaRPr>
+        </a:p>
+      </dgm:t>
+    </dgm:pt>
+    <dgm:pt modelId="{B798E56C-B211-40F4-8460-7513097147BF}" type="parTrans" cxnId="{7D8C9689-DE88-4566-824C-3B97785D3481}">
+      <dgm:prSet/>
+      <dgm:spPr/>
+      <dgm:t>
+        <a:bodyPr/>
+        <a:lstStyle/>
+        <a:p>
+          <a:endParaRPr lang="en-US">
+            <a:solidFill>
+              <a:schemeClr val="bg1"/>
+            </a:solidFill>
+            <a:latin typeface="Avenir Next LT Pro Light" panose="020B0304020202020204" pitchFamily="34" charset="0"/>
+          </a:endParaRPr>
+        </a:p>
+      </dgm:t>
+    </dgm:pt>
+    <dgm:pt modelId="{531E1F15-0A53-4DCD-956D-FD81701B020F}" type="sibTrans" cxnId="{7D8C9689-DE88-4566-824C-3B97785D3481}">
+      <dgm:prSet/>
+      <dgm:spPr/>
+      <dgm:t>
+        <a:bodyPr/>
+        <a:lstStyle/>
+        <a:p>
+          <a:endParaRPr lang="en-US">
+            <a:solidFill>
+              <a:schemeClr val="bg1"/>
+            </a:solidFill>
+            <a:latin typeface="Avenir Next LT Pro Light" panose="020B0304020202020204" pitchFamily="34" charset="0"/>
+          </a:endParaRPr>
+        </a:p>
+      </dgm:t>
+    </dgm:pt>
+    <dgm:pt modelId="{2FFE06FC-8B5E-4427-8364-57D7558D9106}">
+      <dgm:prSet phldrT="[Text]"/>
+      <dgm:spPr/>
+      <dgm:t>
+        <a:bodyPr/>
+        <a:lstStyle/>
+        <a:p>
+          <a:r>
+            <a:rPr lang="de-DE" dirty="0">
+              <a:solidFill>
+                <a:schemeClr val="bg1"/>
+              </a:solidFill>
+              <a:latin typeface="Avenir Next LT Pro Light" panose="020B0304020202020204" pitchFamily="34" charset="0"/>
+            </a:rPr>
+            <a:t>Impressum &amp; Datenschutz</a:t>
+          </a:r>
+          <a:endParaRPr lang="en-US" dirty="0">
+            <a:solidFill>
+              <a:schemeClr val="bg1"/>
+            </a:solidFill>
+            <a:latin typeface="Avenir Next LT Pro Light" panose="020B0304020202020204" pitchFamily="34" charset="0"/>
+          </a:endParaRPr>
+        </a:p>
+      </dgm:t>
+    </dgm:pt>
+    <dgm:pt modelId="{964CED51-231D-48E1-B18A-D9097D864564}" type="parTrans" cxnId="{D031AB77-D84B-43BC-91F7-1DCA55D5FF0A}">
+      <dgm:prSet/>
+      <dgm:spPr/>
+      <dgm:t>
+        <a:bodyPr/>
+        <a:lstStyle/>
+        <a:p>
+          <a:endParaRPr lang="en-US">
+            <a:solidFill>
+              <a:schemeClr val="bg1"/>
+            </a:solidFill>
+            <a:latin typeface="Avenir Next LT Pro Light" panose="020B0304020202020204" pitchFamily="34" charset="0"/>
+          </a:endParaRPr>
+        </a:p>
+      </dgm:t>
+    </dgm:pt>
+    <dgm:pt modelId="{6F09B1CE-D1BB-4824-AF22-3D2C7018B288}" type="sibTrans" cxnId="{D031AB77-D84B-43BC-91F7-1DCA55D5FF0A}">
+      <dgm:prSet/>
+      <dgm:spPr/>
+      <dgm:t>
+        <a:bodyPr/>
+        <a:lstStyle/>
+        <a:p>
+          <a:endParaRPr lang="en-US">
+            <a:solidFill>
+              <a:schemeClr val="bg1"/>
+            </a:solidFill>
+            <a:latin typeface="Avenir Next LT Pro Light" panose="020B0304020202020204" pitchFamily="34" charset="0"/>
+          </a:endParaRPr>
+        </a:p>
+      </dgm:t>
+    </dgm:pt>
+    <dgm:pt modelId="{FFC12E30-4167-4469-BFF7-7DD995A9AEFD}">
+      <dgm:prSet phldrT="[Text]"/>
+      <dgm:spPr/>
+      <dgm:t>
+        <a:bodyPr/>
+        <a:lstStyle/>
+        <a:p>
+          <a:r>
+            <a:rPr lang="de-DE" dirty="0">
+              <a:solidFill>
+                <a:schemeClr val="bg1"/>
+              </a:solidFill>
+              <a:latin typeface="Avenir Next LT Pro Light" panose="020B0304020202020204" pitchFamily="34" charset="0"/>
+            </a:rPr>
+            <a:t>Impressionen</a:t>
+          </a:r>
+          <a:endParaRPr lang="en-US" dirty="0">
+            <a:solidFill>
+              <a:schemeClr val="bg1"/>
+            </a:solidFill>
+            <a:latin typeface="Avenir Next LT Pro Light" panose="020B0304020202020204" pitchFamily="34" charset="0"/>
+          </a:endParaRPr>
+        </a:p>
+      </dgm:t>
+    </dgm:pt>
+    <dgm:pt modelId="{650C743D-CC53-4A96-A613-C8B785A16DBC}" type="parTrans" cxnId="{7F1C0C11-1AA2-4462-AFCA-00F5F2CEEDF9}">
+      <dgm:prSet/>
+      <dgm:spPr/>
+      <dgm:t>
+        <a:bodyPr/>
+        <a:lstStyle/>
+        <a:p>
+          <a:endParaRPr lang="en-US"/>
+        </a:p>
+      </dgm:t>
+    </dgm:pt>
+    <dgm:pt modelId="{08B87CB5-AC9E-4526-8A02-0A27446B1B22}" type="sibTrans" cxnId="{7F1C0C11-1AA2-4462-AFCA-00F5F2CEEDF9}">
+      <dgm:prSet/>
+      <dgm:spPr/>
+      <dgm:t>
+        <a:bodyPr/>
+        <a:lstStyle/>
+        <a:p>
+          <a:endParaRPr lang="en-US"/>
+        </a:p>
+      </dgm:t>
+    </dgm:pt>
+    <dgm:pt modelId="{A4351EF2-3C70-461E-A9A4-C9436AB7C0A5}">
+      <dgm:prSet phldrT="[Text]"/>
+      <dgm:spPr/>
+      <dgm:t>
+        <a:bodyPr/>
+        <a:lstStyle/>
+        <a:p>
+          <a:r>
+            <a:rPr lang="de-DE" dirty="0">
+              <a:solidFill>
+                <a:schemeClr val="bg1"/>
+              </a:solidFill>
+              <a:latin typeface="Avenir Next LT Pro Light" panose="020B0304020202020204" pitchFamily="34" charset="0"/>
+            </a:rPr>
+            <a:t>Kontaktformular</a:t>
+          </a:r>
+          <a:endParaRPr lang="en-US" dirty="0">
+            <a:solidFill>
+              <a:schemeClr val="bg1"/>
+            </a:solidFill>
+            <a:latin typeface="Avenir Next LT Pro Light" panose="020B0304020202020204" pitchFamily="34" charset="0"/>
+          </a:endParaRPr>
+        </a:p>
+      </dgm:t>
+    </dgm:pt>
+    <dgm:pt modelId="{F9D03EEE-DE96-4A7E-B6CD-7B7D3256E296}" type="parTrans" cxnId="{8C5A9988-5C2E-4E41-ABBC-9CDF4A19F94E}">
+      <dgm:prSet/>
+      <dgm:spPr/>
+      <dgm:t>
+        <a:bodyPr/>
+        <a:lstStyle/>
+        <a:p>
+          <a:endParaRPr lang="en-US"/>
+        </a:p>
+      </dgm:t>
+    </dgm:pt>
+    <dgm:pt modelId="{C70BAFE5-9DBF-418B-8352-B9F18394B98A}" type="sibTrans" cxnId="{8C5A9988-5C2E-4E41-ABBC-9CDF4A19F94E}">
+      <dgm:prSet/>
+      <dgm:spPr/>
+      <dgm:t>
+        <a:bodyPr/>
+        <a:lstStyle/>
+        <a:p>
+          <a:endParaRPr lang="en-US"/>
+        </a:p>
+      </dgm:t>
+    </dgm:pt>
+    <dgm:pt modelId="{8AE08E94-0970-4850-A94F-7003C0343422}">
+      <dgm:prSet phldrT="[Text]"/>
+      <dgm:spPr/>
+      <dgm:t>
+        <a:bodyPr/>
+        <a:lstStyle/>
+        <a:p>
+          <a:r>
+            <a:rPr lang="de-DE" dirty="0">
+              <a:solidFill>
+                <a:schemeClr val="bg1"/>
+              </a:solidFill>
+              <a:latin typeface="Avenir Next LT Pro Light" panose="020B0304020202020204" pitchFamily="34" charset="0"/>
+            </a:rPr>
+            <a:t>CV</a:t>
+          </a:r>
+          <a:endParaRPr lang="en-US" dirty="0">
+            <a:solidFill>
+              <a:schemeClr val="bg1"/>
+            </a:solidFill>
+            <a:latin typeface="Avenir Next LT Pro Light" panose="020B0304020202020204" pitchFamily="34" charset="0"/>
+          </a:endParaRPr>
+        </a:p>
+      </dgm:t>
+    </dgm:pt>
+    <dgm:pt modelId="{ED172093-B22E-4962-9B61-ED27C981E0B9}" type="parTrans" cxnId="{1990B450-8785-44E6-85AB-8528652D2200}">
+      <dgm:prSet/>
+      <dgm:spPr/>
+      <dgm:t>
+        <a:bodyPr/>
+        <a:lstStyle/>
+        <a:p>
+          <a:endParaRPr lang="en-US"/>
+        </a:p>
+      </dgm:t>
+    </dgm:pt>
+    <dgm:pt modelId="{62C0F16F-22E7-44B7-82E9-3C81C6735BDB}" type="sibTrans" cxnId="{1990B450-8785-44E6-85AB-8528652D2200}">
+      <dgm:prSet/>
+      <dgm:spPr/>
+      <dgm:t>
+        <a:bodyPr/>
+        <a:lstStyle/>
+        <a:p>
+          <a:endParaRPr lang="en-US"/>
+        </a:p>
+      </dgm:t>
+    </dgm:pt>
+    <dgm:pt modelId="{50E757FF-031A-4965-8A12-B8CA1A713A47}">
+      <dgm:prSet phldrT="[Text]"/>
+      <dgm:spPr/>
+      <dgm:t>
+        <a:bodyPr/>
+        <a:lstStyle/>
+        <a:p>
+          <a:r>
+            <a:rPr lang="de-DE" dirty="0">
+              <a:solidFill>
+                <a:schemeClr val="bg1"/>
+              </a:solidFill>
+              <a:latin typeface="Avenir Next LT Pro Light" panose="020B0304020202020204" pitchFamily="34" charset="0"/>
+            </a:rPr>
+            <a:t>Projekte</a:t>
+          </a:r>
+          <a:endParaRPr lang="en-US" dirty="0">
+            <a:solidFill>
+              <a:schemeClr val="bg1"/>
+            </a:solidFill>
+            <a:latin typeface="Avenir Next LT Pro Light" panose="020B0304020202020204" pitchFamily="34" charset="0"/>
+          </a:endParaRPr>
+        </a:p>
+      </dgm:t>
+    </dgm:pt>
+    <dgm:pt modelId="{31D430B6-DD12-4BCF-A4E9-6584653AA6FC}" type="parTrans" cxnId="{9D64C993-24C0-4DA1-A3F7-E4ED70083879}">
+      <dgm:prSet/>
+      <dgm:spPr/>
+      <dgm:t>
+        <a:bodyPr/>
+        <a:lstStyle/>
+        <a:p>
+          <a:endParaRPr lang="en-US"/>
+        </a:p>
+      </dgm:t>
+    </dgm:pt>
+    <dgm:pt modelId="{EB79D781-B9D6-4752-A6FE-ADBE6B5E7016}" type="sibTrans" cxnId="{9D64C993-24C0-4DA1-A3F7-E4ED70083879}">
+      <dgm:prSet/>
+      <dgm:spPr/>
+      <dgm:t>
+        <a:bodyPr/>
+        <a:lstStyle/>
+        <a:p>
+          <a:endParaRPr lang="en-US"/>
+        </a:p>
+      </dgm:t>
+    </dgm:pt>
+    <dgm:pt modelId="{A7DF0925-7573-4755-A3FB-772C44E2AF3B}" type="pres">
+      <dgm:prSet presAssocID="{3A7092F6-6C5F-46A0-BDFB-7306C2987FA3}" presName="Name0" presStyleCnt="0">
+        <dgm:presLayoutVars>
+          <dgm:dir/>
+          <dgm:resizeHandles val="exact"/>
+        </dgm:presLayoutVars>
+      </dgm:prSet>
+      <dgm:spPr/>
+    </dgm:pt>
+    <dgm:pt modelId="{4BE4524C-64F0-446E-BDEC-7E6EF852D3CF}" type="pres">
+      <dgm:prSet presAssocID="{80296E60-74B0-44D6-95CF-1A164E27BB23}" presName="compNode" presStyleCnt="0"/>
+      <dgm:spPr/>
+    </dgm:pt>
+    <dgm:pt modelId="{08B3B5DD-6024-40CC-9122-EE9FFBC6D223}" type="pres">
+      <dgm:prSet presAssocID="{80296E60-74B0-44D6-95CF-1A164E27BB23}" presName="pictRect" presStyleLbl="node1" presStyleIdx="0" presStyleCnt="8"/>
+      <dgm:spPr>
+        <a:blipFill>
+          <a:blip xmlns:r="http://schemas.openxmlformats.org/officeDocument/2006/relationships" r:embed="rId1">
+            <a:extLst>
+              <a:ext uri="{28A0092B-C50C-407E-A947-70E740481C1C}">
+                <a14:useLocalDpi xmlns:a14="http://schemas.microsoft.com/office/drawing/2010/main" val="0"/>
+              </a:ext>
+            </a:extLst>
+          </a:blip>
+          <a:srcRect/>
+          <a:stretch>
+            <a:fillRect l="-2000" r="-2000"/>
+          </a:stretch>
+        </a:blipFill>
+      </dgm:spPr>
+    </dgm:pt>
+    <dgm:pt modelId="{D84E618A-68F0-4D58-A2D7-57C908F5C649}" type="pres">
+      <dgm:prSet presAssocID="{80296E60-74B0-44D6-95CF-1A164E27BB23}" presName="textRect" presStyleLbl="revTx" presStyleIdx="0" presStyleCnt="8">
+        <dgm:presLayoutVars>
+          <dgm:bulletEnabled val="1"/>
+        </dgm:presLayoutVars>
+      </dgm:prSet>
+      <dgm:spPr/>
+    </dgm:pt>
+    <dgm:pt modelId="{65002717-9F4C-4316-92BF-93A0ED48BCF9}" type="pres">
+      <dgm:prSet presAssocID="{E934C0C6-FD3D-40F3-9C46-31A39D2BB06C}" presName="sibTrans" presStyleLbl="sibTrans2D1" presStyleIdx="0" presStyleCnt="0"/>
+      <dgm:spPr/>
+    </dgm:pt>
+    <dgm:pt modelId="{B939DA0E-7A5A-4C10-8F9F-74853295119E}" type="pres">
+      <dgm:prSet presAssocID="{0419046C-E754-45C1-89DE-E85336861A98}" presName="compNode" presStyleCnt="0"/>
+      <dgm:spPr/>
+    </dgm:pt>
+    <dgm:pt modelId="{C3477498-562D-4AF3-A7E9-D6844C7F5D6B}" type="pres">
+      <dgm:prSet presAssocID="{0419046C-E754-45C1-89DE-E85336861A98}" presName="pictRect" presStyleLbl="node1" presStyleIdx="1" presStyleCnt="8"/>
+      <dgm:spPr>
+        <a:blipFill>
+          <a:blip xmlns:r="http://schemas.openxmlformats.org/officeDocument/2006/relationships" r:embed="rId2">
+            <a:extLst>
+              <a:ext uri="{28A0092B-C50C-407E-A947-70E740481C1C}">
+                <a14:useLocalDpi xmlns:a14="http://schemas.microsoft.com/office/drawing/2010/main" val="0"/>
+              </a:ext>
+            </a:extLst>
+          </a:blip>
+          <a:srcRect/>
+          <a:stretch>
+            <a:fillRect l="-11000" r="-11000"/>
+          </a:stretch>
+        </a:blipFill>
+      </dgm:spPr>
+    </dgm:pt>
+    <dgm:pt modelId="{8330A74D-D004-4BDE-8CEC-FDF44C107CF7}" type="pres">
+      <dgm:prSet presAssocID="{0419046C-E754-45C1-89DE-E85336861A98}" presName="textRect" presStyleLbl="revTx" presStyleIdx="1" presStyleCnt="8">
+        <dgm:presLayoutVars>
+          <dgm:bulletEnabled val="1"/>
+        </dgm:presLayoutVars>
+      </dgm:prSet>
+      <dgm:spPr/>
+    </dgm:pt>
+    <dgm:pt modelId="{92861679-FCE0-4581-95CE-8ED2B8FCD2F1}" type="pres">
+      <dgm:prSet presAssocID="{C4963C74-AB7A-4B1F-A650-F93A701D2AFF}" presName="sibTrans" presStyleLbl="sibTrans2D1" presStyleIdx="0" presStyleCnt="0"/>
+      <dgm:spPr/>
+    </dgm:pt>
+    <dgm:pt modelId="{66680C4F-E7B4-46C9-83CC-860ADCDFAC71}" type="pres">
+      <dgm:prSet presAssocID="{CE7BC2D2-456C-4655-810E-8E55648A2B62}" presName="compNode" presStyleCnt="0"/>
+      <dgm:spPr/>
+    </dgm:pt>
+    <dgm:pt modelId="{FBD68601-0C9B-431C-ABB0-30A090410727}" type="pres">
+      <dgm:prSet presAssocID="{CE7BC2D2-456C-4655-810E-8E55648A2B62}" presName="pictRect" presStyleLbl="node1" presStyleIdx="2" presStyleCnt="8"/>
+      <dgm:spPr>
+        <a:blipFill>
+          <a:blip xmlns:r="http://schemas.openxmlformats.org/officeDocument/2006/relationships" r:embed="rId3">
+            <a:extLst>
+              <a:ext uri="{28A0092B-C50C-407E-A947-70E740481C1C}">
+                <a14:useLocalDpi xmlns:a14="http://schemas.microsoft.com/office/drawing/2010/main" val="0"/>
+              </a:ext>
+            </a:extLst>
+          </a:blip>
+          <a:srcRect/>
+          <a:stretch>
+            <a:fillRect t="-4000" b="-4000"/>
+          </a:stretch>
+        </a:blipFill>
+      </dgm:spPr>
+    </dgm:pt>
+    <dgm:pt modelId="{E7116AF9-CDC1-4B8B-88F8-0883E6D4B686}" type="pres">
+      <dgm:prSet presAssocID="{CE7BC2D2-456C-4655-810E-8E55648A2B62}" presName="textRect" presStyleLbl="revTx" presStyleIdx="2" presStyleCnt="8">
+        <dgm:presLayoutVars>
+          <dgm:bulletEnabled val="1"/>
+        </dgm:presLayoutVars>
+      </dgm:prSet>
+      <dgm:spPr/>
+    </dgm:pt>
+    <dgm:pt modelId="{A7C60C4F-B642-46B3-9B9F-C64FC0AAF0C9}" type="pres">
+      <dgm:prSet presAssocID="{531E1F15-0A53-4DCD-956D-FD81701B020F}" presName="sibTrans" presStyleLbl="sibTrans2D1" presStyleIdx="0" presStyleCnt="0"/>
+      <dgm:spPr/>
+    </dgm:pt>
+    <dgm:pt modelId="{2BBED265-78FA-4189-8159-64DD1B725082}" type="pres">
+      <dgm:prSet presAssocID="{FFC12E30-4167-4469-BFF7-7DD995A9AEFD}" presName="compNode" presStyleCnt="0"/>
+      <dgm:spPr/>
+    </dgm:pt>
+    <dgm:pt modelId="{B686AA93-A60C-443F-BC5C-A56EEF20403A}" type="pres">
+      <dgm:prSet presAssocID="{FFC12E30-4167-4469-BFF7-7DD995A9AEFD}" presName="pictRect" presStyleLbl="node1" presStyleIdx="3" presStyleCnt="8"/>
+      <dgm:spPr>
+        <a:blipFill>
+          <a:blip xmlns:r="http://schemas.openxmlformats.org/officeDocument/2006/relationships" r:embed="rId4">
+            <a:extLst>
+              <a:ext uri="{28A0092B-C50C-407E-A947-70E740481C1C}">
+                <a14:useLocalDpi xmlns:a14="http://schemas.microsoft.com/office/drawing/2010/main" val="0"/>
+              </a:ext>
+            </a:extLst>
+          </a:blip>
+          <a:srcRect/>
+          <a:stretch>
+            <a:fillRect l="-4000" r="-4000"/>
+          </a:stretch>
+        </a:blipFill>
+      </dgm:spPr>
+    </dgm:pt>
+    <dgm:pt modelId="{5AD9BDB5-9070-4C08-80AB-150A1ECD2333}" type="pres">
+      <dgm:prSet presAssocID="{FFC12E30-4167-4469-BFF7-7DD995A9AEFD}" presName="textRect" presStyleLbl="revTx" presStyleIdx="3" presStyleCnt="8">
+        <dgm:presLayoutVars>
+          <dgm:bulletEnabled val="1"/>
+        </dgm:presLayoutVars>
+      </dgm:prSet>
+      <dgm:spPr/>
+    </dgm:pt>
+    <dgm:pt modelId="{5AC67F9E-323F-420C-BB77-ECF5352E0EF1}" type="pres">
+      <dgm:prSet presAssocID="{08B87CB5-AC9E-4526-8A02-0A27446B1B22}" presName="sibTrans" presStyleLbl="sibTrans2D1" presStyleIdx="0" presStyleCnt="0"/>
+      <dgm:spPr/>
+    </dgm:pt>
+    <dgm:pt modelId="{73662F00-6E7E-452E-80CC-D3FF27DCBB17}" type="pres">
+      <dgm:prSet presAssocID="{A4351EF2-3C70-461E-A9A4-C9436AB7C0A5}" presName="compNode" presStyleCnt="0"/>
+      <dgm:spPr/>
+    </dgm:pt>
+    <dgm:pt modelId="{55D54D63-0850-4C6A-B844-C8B9CD9167AC}" type="pres">
+      <dgm:prSet presAssocID="{A4351EF2-3C70-461E-A9A4-C9436AB7C0A5}" presName="pictRect" presStyleLbl="node1" presStyleIdx="4" presStyleCnt="8"/>
+      <dgm:spPr>
+        <a:blipFill>
+          <a:blip xmlns:r="http://schemas.openxmlformats.org/officeDocument/2006/relationships" r:embed="rId5">
+            <a:extLst>
+              <a:ext uri="{837473B0-CC2E-450A-ABE3-18F120FF3D39}">
+                <a1611:picAttrSrcUrl xmlns:a1611="http://schemas.microsoft.com/office/drawing/2016/11/main" r:id="rId6"/>
+              </a:ext>
+            </a:extLst>
+          </a:blip>
+          <a:srcRect/>
+          <a:stretch>
+            <a:fillRect l="-2000" r="-2000"/>
+          </a:stretch>
+        </a:blipFill>
+      </dgm:spPr>
+    </dgm:pt>
+    <dgm:pt modelId="{D1E5B10C-3EDB-4FAC-9F16-3B46C5EEED33}" type="pres">
+      <dgm:prSet presAssocID="{A4351EF2-3C70-461E-A9A4-C9436AB7C0A5}" presName="textRect" presStyleLbl="revTx" presStyleIdx="4" presStyleCnt="8">
+        <dgm:presLayoutVars>
+          <dgm:bulletEnabled val="1"/>
+        </dgm:presLayoutVars>
+      </dgm:prSet>
+      <dgm:spPr/>
+    </dgm:pt>
+    <dgm:pt modelId="{1AECF1A7-0B06-4645-B2D2-51FF60FFD3DF}" type="pres">
+      <dgm:prSet presAssocID="{C70BAFE5-9DBF-418B-8352-B9F18394B98A}" presName="sibTrans" presStyleLbl="sibTrans2D1" presStyleIdx="0" presStyleCnt="0"/>
+      <dgm:spPr/>
+    </dgm:pt>
+    <dgm:pt modelId="{9B787E20-70D7-46D8-90C1-47CE42385775}" type="pres">
+      <dgm:prSet presAssocID="{8AE08E94-0970-4850-A94F-7003C0343422}" presName="compNode" presStyleCnt="0"/>
+      <dgm:spPr/>
+    </dgm:pt>
+    <dgm:pt modelId="{6D2EA794-5383-497B-BDA7-459DEABE05A1}" type="pres">
+      <dgm:prSet presAssocID="{8AE08E94-0970-4850-A94F-7003C0343422}" presName="pictRect" presStyleLbl="node1" presStyleIdx="5" presStyleCnt="8"/>
+      <dgm:spPr>
+        <a:blipFill>
+          <a:blip xmlns:r="http://schemas.openxmlformats.org/officeDocument/2006/relationships" r:embed="rId7">
+            <a:extLst>
+              <a:ext uri="{28A0092B-C50C-407E-A947-70E740481C1C}">
+                <a14:useLocalDpi xmlns:a14="http://schemas.microsoft.com/office/drawing/2010/main" val="0"/>
+              </a:ext>
+            </a:extLst>
+          </a:blip>
+          <a:srcRect/>
+          <a:stretch>
+            <a:fillRect t="-23000" b="-23000"/>
+          </a:stretch>
+        </a:blipFill>
+      </dgm:spPr>
+    </dgm:pt>
+    <dgm:pt modelId="{FAA1DF62-4C73-48C1-B540-67A5D05203CB}" type="pres">
+      <dgm:prSet presAssocID="{8AE08E94-0970-4850-A94F-7003C0343422}" presName="textRect" presStyleLbl="revTx" presStyleIdx="5" presStyleCnt="8">
+        <dgm:presLayoutVars>
+          <dgm:bulletEnabled val="1"/>
+        </dgm:presLayoutVars>
+      </dgm:prSet>
+      <dgm:spPr/>
+    </dgm:pt>
+    <dgm:pt modelId="{2EE44439-406A-4BC3-BDCF-0C9D30BFE159}" type="pres">
+      <dgm:prSet presAssocID="{62C0F16F-22E7-44B7-82E9-3C81C6735BDB}" presName="sibTrans" presStyleLbl="sibTrans2D1" presStyleIdx="0" presStyleCnt="0"/>
+      <dgm:spPr/>
+    </dgm:pt>
+    <dgm:pt modelId="{F5A94469-147C-4EE2-83AB-8FF6C6FCF9E8}" type="pres">
+      <dgm:prSet presAssocID="{50E757FF-031A-4965-8A12-B8CA1A713A47}" presName="compNode" presStyleCnt="0"/>
+      <dgm:spPr/>
+    </dgm:pt>
+    <dgm:pt modelId="{A6416663-75CF-4964-BF35-2303A754F899}" type="pres">
+      <dgm:prSet presAssocID="{50E757FF-031A-4965-8A12-B8CA1A713A47}" presName="pictRect" presStyleLbl="node1" presStyleIdx="6" presStyleCnt="8"/>
+      <dgm:spPr>
+        <a:blipFill>
+          <a:blip xmlns:r="http://schemas.openxmlformats.org/officeDocument/2006/relationships" r:embed="rId8">
+            <a:extLst>
+              <a:ext uri="{28A0092B-C50C-407E-A947-70E740481C1C}">
+                <a14:useLocalDpi xmlns:a14="http://schemas.microsoft.com/office/drawing/2010/main" val="0"/>
+              </a:ext>
+            </a:extLst>
+          </a:blip>
+          <a:srcRect/>
+          <a:stretch>
+            <a:fillRect l="-4000" r="-4000"/>
+          </a:stretch>
+        </a:blipFill>
+      </dgm:spPr>
+    </dgm:pt>
+    <dgm:pt modelId="{00289AAA-2FEC-4D81-9A76-53BB0E833F86}" type="pres">
+      <dgm:prSet presAssocID="{50E757FF-031A-4965-8A12-B8CA1A713A47}" presName="textRect" presStyleLbl="revTx" presStyleIdx="6" presStyleCnt="8">
+        <dgm:presLayoutVars>
+          <dgm:bulletEnabled val="1"/>
+        </dgm:presLayoutVars>
+      </dgm:prSet>
+      <dgm:spPr/>
+    </dgm:pt>
+    <dgm:pt modelId="{238E6344-53A0-4C01-8F70-8E2B129ED09C}" type="pres">
+      <dgm:prSet presAssocID="{EB79D781-B9D6-4752-A6FE-ADBE6B5E7016}" presName="sibTrans" presStyleLbl="sibTrans2D1" presStyleIdx="0" presStyleCnt="0"/>
+      <dgm:spPr/>
+    </dgm:pt>
+    <dgm:pt modelId="{5821613E-A31A-48B8-833F-75B02D09DD5E}" type="pres">
+      <dgm:prSet presAssocID="{2FFE06FC-8B5E-4427-8364-57D7558D9106}" presName="compNode" presStyleCnt="0"/>
+      <dgm:spPr/>
+    </dgm:pt>
+    <dgm:pt modelId="{091EE184-7F97-4203-9ACA-B521C4BF1B7B}" type="pres">
+      <dgm:prSet presAssocID="{2FFE06FC-8B5E-4427-8364-57D7558D9106}" presName="pictRect" presStyleLbl="node1" presStyleIdx="7" presStyleCnt="8"/>
+      <dgm:spPr>
+        <a:blipFill>
+          <a:blip xmlns:r="http://schemas.openxmlformats.org/officeDocument/2006/relationships" r:embed="rId9">
+            <a:extLst>
+              <a:ext uri="{28A0092B-C50C-407E-A947-70E740481C1C}">
+                <a14:useLocalDpi xmlns:a14="http://schemas.microsoft.com/office/drawing/2010/main" val="0"/>
+              </a:ext>
+            </a:extLst>
+          </a:blip>
+          <a:srcRect/>
+          <a:stretch>
+            <a:fillRect l="-2000" r="-2000"/>
+          </a:stretch>
+        </a:blipFill>
+      </dgm:spPr>
+    </dgm:pt>
+    <dgm:pt modelId="{4A865439-83EB-43A2-B43D-2D06AC9F578A}" type="pres">
+      <dgm:prSet presAssocID="{2FFE06FC-8B5E-4427-8364-57D7558D9106}" presName="textRect" presStyleLbl="revTx" presStyleIdx="7" presStyleCnt="8">
+        <dgm:presLayoutVars>
+          <dgm:bulletEnabled val="1"/>
+        </dgm:presLayoutVars>
+      </dgm:prSet>
+      <dgm:spPr/>
+    </dgm:pt>
+  </dgm:ptLst>
+  <dgm:cxnLst>
+    <dgm:cxn modelId="{F8653501-DCB2-46D9-87E4-F680792D3208}" type="presOf" srcId="{531E1F15-0A53-4DCD-956D-FD81701B020F}" destId="{A7C60C4F-B642-46B3-9B9F-C64FC0AAF0C9}" srcOrd="0" destOrd="0" presId="urn:microsoft.com/office/officeart/2005/8/layout/pList1"/>
+    <dgm:cxn modelId="{9A9A8408-97F9-459D-A80A-6964203C54C2}" srcId="{3A7092F6-6C5F-46A0-BDFB-7306C2987FA3}" destId="{0419046C-E754-45C1-89DE-E85336861A98}" srcOrd="1" destOrd="0" parTransId="{E5F29191-052E-4EF7-900E-3B4A37D2F100}" sibTransId="{C4963C74-AB7A-4B1F-A650-F93A701D2AFF}"/>
+    <dgm:cxn modelId="{7F1C0C11-1AA2-4462-AFCA-00F5F2CEEDF9}" srcId="{3A7092F6-6C5F-46A0-BDFB-7306C2987FA3}" destId="{FFC12E30-4167-4469-BFF7-7DD995A9AEFD}" srcOrd="3" destOrd="0" parTransId="{650C743D-CC53-4A96-A613-C8B785A16DBC}" sibTransId="{08B87CB5-AC9E-4526-8A02-0A27446B1B22}"/>
+    <dgm:cxn modelId="{A024951A-1FCC-4189-AFF8-8C9868F51A19}" type="presOf" srcId="{FFC12E30-4167-4469-BFF7-7DD995A9AEFD}" destId="{5AD9BDB5-9070-4C08-80AB-150A1ECD2333}" srcOrd="0" destOrd="0" presId="urn:microsoft.com/office/officeart/2005/8/layout/pList1"/>
+    <dgm:cxn modelId="{5C72FD3E-E5DA-4DEC-99CE-A2C7D7B1C171}" type="presOf" srcId="{C70BAFE5-9DBF-418B-8352-B9F18394B98A}" destId="{1AECF1A7-0B06-4645-B2D2-51FF60FFD3DF}" srcOrd="0" destOrd="0" presId="urn:microsoft.com/office/officeart/2005/8/layout/pList1"/>
+    <dgm:cxn modelId="{8C191D5C-870A-4AAF-B4FB-D1164FEC4909}" type="presOf" srcId="{EB79D781-B9D6-4752-A6FE-ADBE6B5E7016}" destId="{238E6344-53A0-4C01-8F70-8E2B129ED09C}" srcOrd="0" destOrd="0" presId="urn:microsoft.com/office/officeart/2005/8/layout/pList1"/>
+    <dgm:cxn modelId="{165A9046-FA95-4443-8676-E0914F242E16}" srcId="{3A7092F6-6C5F-46A0-BDFB-7306C2987FA3}" destId="{80296E60-74B0-44D6-95CF-1A164E27BB23}" srcOrd="0" destOrd="0" parTransId="{BD95CD89-106E-49DE-A651-0539E4C61760}" sibTransId="{E934C0C6-FD3D-40F3-9C46-31A39D2BB06C}"/>
+    <dgm:cxn modelId="{83B8F846-057F-4DF6-ABE2-A257D2E0ECC2}" type="presOf" srcId="{CE7BC2D2-456C-4655-810E-8E55648A2B62}" destId="{E7116AF9-CDC1-4B8B-88F8-0883E6D4B686}" srcOrd="0" destOrd="0" presId="urn:microsoft.com/office/officeart/2005/8/layout/pList1"/>
+    <dgm:cxn modelId="{AB847450-A35A-4820-83B0-B99CFF8A3301}" type="presOf" srcId="{08B87CB5-AC9E-4526-8A02-0A27446B1B22}" destId="{5AC67F9E-323F-420C-BB77-ECF5352E0EF1}" srcOrd="0" destOrd="0" presId="urn:microsoft.com/office/officeart/2005/8/layout/pList1"/>
+    <dgm:cxn modelId="{1990B450-8785-44E6-85AB-8528652D2200}" srcId="{3A7092F6-6C5F-46A0-BDFB-7306C2987FA3}" destId="{8AE08E94-0970-4850-A94F-7003C0343422}" srcOrd="5" destOrd="0" parTransId="{ED172093-B22E-4962-9B61-ED27C981E0B9}" sibTransId="{62C0F16F-22E7-44B7-82E9-3C81C6735BDB}"/>
+    <dgm:cxn modelId="{D031AB77-D84B-43BC-91F7-1DCA55D5FF0A}" srcId="{3A7092F6-6C5F-46A0-BDFB-7306C2987FA3}" destId="{2FFE06FC-8B5E-4427-8364-57D7558D9106}" srcOrd="7" destOrd="0" parTransId="{964CED51-231D-48E1-B18A-D9097D864564}" sibTransId="{6F09B1CE-D1BB-4824-AF22-3D2C7018B288}"/>
+    <dgm:cxn modelId="{F50CBC80-2A11-45D2-9CDF-713518FBB9CF}" type="presOf" srcId="{0419046C-E754-45C1-89DE-E85336861A98}" destId="{8330A74D-D004-4BDE-8CEC-FDF44C107CF7}" srcOrd="0" destOrd="0" presId="urn:microsoft.com/office/officeart/2005/8/layout/pList1"/>
+    <dgm:cxn modelId="{8C5A9988-5C2E-4E41-ABBC-9CDF4A19F94E}" srcId="{3A7092F6-6C5F-46A0-BDFB-7306C2987FA3}" destId="{A4351EF2-3C70-461E-A9A4-C9436AB7C0A5}" srcOrd="4" destOrd="0" parTransId="{F9D03EEE-DE96-4A7E-B6CD-7B7D3256E296}" sibTransId="{C70BAFE5-9DBF-418B-8352-B9F18394B98A}"/>
+    <dgm:cxn modelId="{7D8C9689-DE88-4566-824C-3B97785D3481}" srcId="{3A7092F6-6C5F-46A0-BDFB-7306C2987FA3}" destId="{CE7BC2D2-456C-4655-810E-8E55648A2B62}" srcOrd="2" destOrd="0" parTransId="{B798E56C-B211-40F4-8460-7513097147BF}" sibTransId="{531E1F15-0A53-4DCD-956D-FD81701B020F}"/>
+    <dgm:cxn modelId="{5B88828C-2406-4127-9496-21DAA6825444}" type="presOf" srcId="{C4963C74-AB7A-4B1F-A650-F93A701D2AFF}" destId="{92861679-FCE0-4581-95CE-8ED2B8FCD2F1}" srcOrd="0" destOrd="0" presId="urn:microsoft.com/office/officeart/2005/8/layout/pList1"/>
+    <dgm:cxn modelId="{0ED40791-84F7-4F79-BF68-29119B61C647}" type="presOf" srcId="{62C0F16F-22E7-44B7-82E9-3C81C6735BDB}" destId="{2EE44439-406A-4BC3-BDCF-0C9D30BFE159}" srcOrd="0" destOrd="0" presId="urn:microsoft.com/office/officeart/2005/8/layout/pList1"/>
+    <dgm:cxn modelId="{9D64C993-24C0-4DA1-A3F7-E4ED70083879}" srcId="{3A7092F6-6C5F-46A0-BDFB-7306C2987FA3}" destId="{50E757FF-031A-4965-8A12-B8CA1A713A47}" srcOrd="6" destOrd="0" parTransId="{31D430B6-DD12-4BCF-A4E9-6584653AA6FC}" sibTransId="{EB79D781-B9D6-4752-A6FE-ADBE6B5E7016}"/>
+    <dgm:cxn modelId="{580C7DA6-5A81-43AF-96C3-5A0D03F7FD2D}" type="presOf" srcId="{3A7092F6-6C5F-46A0-BDFB-7306C2987FA3}" destId="{A7DF0925-7573-4755-A3FB-772C44E2AF3B}" srcOrd="0" destOrd="0" presId="urn:microsoft.com/office/officeart/2005/8/layout/pList1"/>
+    <dgm:cxn modelId="{700A75A9-C617-4299-BE94-2E24071C933E}" type="presOf" srcId="{2FFE06FC-8B5E-4427-8364-57D7558D9106}" destId="{4A865439-83EB-43A2-B43D-2D06AC9F578A}" srcOrd="0" destOrd="0" presId="urn:microsoft.com/office/officeart/2005/8/layout/pList1"/>
+    <dgm:cxn modelId="{1D0043B3-0C85-49C3-835F-0BFB1342BD5B}" type="presOf" srcId="{A4351EF2-3C70-461E-A9A4-C9436AB7C0A5}" destId="{D1E5B10C-3EDB-4FAC-9F16-3B46C5EEED33}" srcOrd="0" destOrd="0" presId="urn:microsoft.com/office/officeart/2005/8/layout/pList1"/>
+    <dgm:cxn modelId="{967774C0-BE80-4859-8426-C6E1FCA76846}" type="presOf" srcId="{8AE08E94-0970-4850-A94F-7003C0343422}" destId="{FAA1DF62-4C73-48C1-B540-67A5D05203CB}" srcOrd="0" destOrd="0" presId="urn:microsoft.com/office/officeart/2005/8/layout/pList1"/>
+    <dgm:cxn modelId="{BBE965D5-6A32-4C4A-84AC-5C00C7493856}" type="presOf" srcId="{E934C0C6-FD3D-40F3-9C46-31A39D2BB06C}" destId="{65002717-9F4C-4316-92BF-93A0ED48BCF9}" srcOrd="0" destOrd="0" presId="urn:microsoft.com/office/officeart/2005/8/layout/pList1"/>
+    <dgm:cxn modelId="{57B164D8-8F55-453F-82EF-E0A6DBF4B3E8}" type="presOf" srcId="{80296E60-74B0-44D6-95CF-1A164E27BB23}" destId="{D84E618A-68F0-4D58-A2D7-57C908F5C649}" srcOrd="0" destOrd="0" presId="urn:microsoft.com/office/officeart/2005/8/layout/pList1"/>
+    <dgm:cxn modelId="{200BD5DD-9A97-40DC-AC4F-848CAACA728E}" type="presOf" srcId="{50E757FF-031A-4965-8A12-B8CA1A713A47}" destId="{00289AAA-2FEC-4D81-9A76-53BB0E833F86}" srcOrd="0" destOrd="0" presId="urn:microsoft.com/office/officeart/2005/8/layout/pList1"/>
+    <dgm:cxn modelId="{47599283-DA83-437F-98A2-FB25D53CD8F5}" type="presParOf" srcId="{A7DF0925-7573-4755-A3FB-772C44E2AF3B}" destId="{4BE4524C-64F0-446E-BDEC-7E6EF852D3CF}" srcOrd="0" destOrd="0" presId="urn:microsoft.com/office/officeart/2005/8/layout/pList1"/>
+    <dgm:cxn modelId="{F1120687-FB8B-487D-A402-4ED1425F6054}" type="presParOf" srcId="{4BE4524C-64F0-446E-BDEC-7E6EF852D3CF}" destId="{08B3B5DD-6024-40CC-9122-EE9FFBC6D223}" srcOrd="0" destOrd="0" presId="urn:microsoft.com/office/officeart/2005/8/layout/pList1"/>
+    <dgm:cxn modelId="{7FCF93E8-7B85-4939-A171-695E67F00F7E}" type="presParOf" srcId="{4BE4524C-64F0-446E-BDEC-7E6EF852D3CF}" destId="{D84E618A-68F0-4D58-A2D7-57C908F5C649}" srcOrd="1" destOrd="0" presId="urn:microsoft.com/office/officeart/2005/8/layout/pList1"/>
+    <dgm:cxn modelId="{5635FE87-5C57-4FC5-94DA-BE6D12CF2A1B}" type="presParOf" srcId="{A7DF0925-7573-4755-A3FB-772C44E2AF3B}" destId="{65002717-9F4C-4316-92BF-93A0ED48BCF9}" srcOrd="1" destOrd="0" presId="urn:microsoft.com/office/officeart/2005/8/layout/pList1"/>
+    <dgm:cxn modelId="{B6C5C3C0-8203-464D-BD54-F70C731CCD89}" type="presParOf" srcId="{A7DF0925-7573-4755-A3FB-772C44E2AF3B}" destId="{B939DA0E-7A5A-4C10-8F9F-74853295119E}" srcOrd="2" destOrd="0" presId="urn:microsoft.com/office/officeart/2005/8/layout/pList1"/>
+    <dgm:cxn modelId="{4FF7DB06-4426-4208-BA30-974F3FAB088A}" type="presParOf" srcId="{B939DA0E-7A5A-4C10-8F9F-74853295119E}" destId="{C3477498-562D-4AF3-A7E9-D6844C7F5D6B}" srcOrd="0" destOrd="0" presId="urn:microsoft.com/office/officeart/2005/8/layout/pList1"/>
+    <dgm:cxn modelId="{D7D63584-3572-4BC4-A784-B7C36ADE30BF}" type="presParOf" srcId="{B939DA0E-7A5A-4C10-8F9F-74853295119E}" destId="{8330A74D-D004-4BDE-8CEC-FDF44C107CF7}" srcOrd="1" destOrd="0" presId="urn:microsoft.com/office/officeart/2005/8/layout/pList1"/>
+    <dgm:cxn modelId="{A27D304B-FF36-4D6C-B287-B322910F7879}" type="presParOf" srcId="{A7DF0925-7573-4755-A3FB-772C44E2AF3B}" destId="{92861679-FCE0-4581-95CE-8ED2B8FCD2F1}" srcOrd="3" destOrd="0" presId="urn:microsoft.com/office/officeart/2005/8/layout/pList1"/>
+    <dgm:cxn modelId="{1D492A44-FE0F-4994-B856-5B6923A7DA41}" type="presParOf" srcId="{A7DF0925-7573-4755-A3FB-772C44E2AF3B}" destId="{66680C4F-E7B4-46C9-83CC-860ADCDFAC71}" srcOrd="4" destOrd="0" presId="urn:microsoft.com/office/officeart/2005/8/layout/pList1"/>
+    <dgm:cxn modelId="{FF493027-6AF1-42B3-960F-3CCEF38973C4}" type="presParOf" srcId="{66680C4F-E7B4-46C9-83CC-860ADCDFAC71}" destId="{FBD68601-0C9B-431C-ABB0-30A090410727}" srcOrd="0" destOrd="0" presId="urn:microsoft.com/office/officeart/2005/8/layout/pList1"/>
+    <dgm:cxn modelId="{8D0AA789-9178-4B60-95DB-24BEB52E2E4B}" type="presParOf" srcId="{66680C4F-E7B4-46C9-83CC-860ADCDFAC71}" destId="{E7116AF9-CDC1-4B8B-88F8-0883E6D4B686}" srcOrd="1" destOrd="0" presId="urn:microsoft.com/office/officeart/2005/8/layout/pList1"/>
+    <dgm:cxn modelId="{034816FA-5064-40D7-A281-1D9F466E8A9D}" type="presParOf" srcId="{A7DF0925-7573-4755-A3FB-772C44E2AF3B}" destId="{A7C60C4F-B642-46B3-9B9F-C64FC0AAF0C9}" srcOrd="5" destOrd="0" presId="urn:microsoft.com/office/officeart/2005/8/layout/pList1"/>
+    <dgm:cxn modelId="{061BB253-442A-4DB5-AC01-18FE502478AE}" type="presParOf" srcId="{A7DF0925-7573-4755-A3FB-772C44E2AF3B}" destId="{2BBED265-78FA-4189-8159-64DD1B725082}" srcOrd="6" destOrd="0" presId="urn:microsoft.com/office/officeart/2005/8/layout/pList1"/>
+    <dgm:cxn modelId="{47B8497D-436F-4CFE-86AF-D3BEB44F50E7}" type="presParOf" srcId="{2BBED265-78FA-4189-8159-64DD1B725082}" destId="{B686AA93-A60C-443F-BC5C-A56EEF20403A}" srcOrd="0" destOrd="0" presId="urn:microsoft.com/office/officeart/2005/8/layout/pList1"/>
+    <dgm:cxn modelId="{8A92D358-F4E2-48B6-A3C1-280449486D10}" type="presParOf" srcId="{2BBED265-78FA-4189-8159-64DD1B725082}" destId="{5AD9BDB5-9070-4C08-80AB-150A1ECD2333}" srcOrd="1" destOrd="0" presId="urn:microsoft.com/office/officeart/2005/8/layout/pList1"/>
+    <dgm:cxn modelId="{2884EC6E-A8B3-4F24-B029-348F634D8E4C}" type="presParOf" srcId="{A7DF0925-7573-4755-A3FB-772C44E2AF3B}" destId="{5AC67F9E-323F-420C-BB77-ECF5352E0EF1}" srcOrd="7" destOrd="0" presId="urn:microsoft.com/office/officeart/2005/8/layout/pList1"/>
+    <dgm:cxn modelId="{697B05CF-8A7A-46DC-994B-6136C32DB98A}" type="presParOf" srcId="{A7DF0925-7573-4755-A3FB-772C44E2AF3B}" destId="{73662F00-6E7E-452E-80CC-D3FF27DCBB17}" srcOrd="8" destOrd="0" presId="urn:microsoft.com/office/officeart/2005/8/layout/pList1"/>
+    <dgm:cxn modelId="{E980D477-49CC-428C-8E16-00A6BA9C79BA}" type="presParOf" srcId="{73662F00-6E7E-452E-80CC-D3FF27DCBB17}" destId="{55D54D63-0850-4C6A-B844-C8B9CD9167AC}" srcOrd="0" destOrd="0" presId="urn:microsoft.com/office/officeart/2005/8/layout/pList1"/>
+    <dgm:cxn modelId="{62B2EABC-0C46-48DF-902B-68E8F100E076}" type="presParOf" srcId="{73662F00-6E7E-452E-80CC-D3FF27DCBB17}" destId="{D1E5B10C-3EDB-4FAC-9F16-3B46C5EEED33}" srcOrd="1" destOrd="0" presId="urn:microsoft.com/office/officeart/2005/8/layout/pList1"/>
+    <dgm:cxn modelId="{1B584760-704B-4E2F-B5C4-03F0BCDE54A5}" type="presParOf" srcId="{A7DF0925-7573-4755-A3FB-772C44E2AF3B}" destId="{1AECF1A7-0B06-4645-B2D2-51FF60FFD3DF}" srcOrd="9" destOrd="0" presId="urn:microsoft.com/office/officeart/2005/8/layout/pList1"/>
+    <dgm:cxn modelId="{662C8242-8FAE-42EC-B586-E7261E6592A2}" type="presParOf" srcId="{A7DF0925-7573-4755-A3FB-772C44E2AF3B}" destId="{9B787E20-70D7-46D8-90C1-47CE42385775}" srcOrd="10" destOrd="0" presId="urn:microsoft.com/office/officeart/2005/8/layout/pList1"/>
+    <dgm:cxn modelId="{CC732F53-897B-4194-B156-1238D4542E7A}" type="presParOf" srcId="{9B787E20-70D7-46D8-90C1-47CE42385775}" destId="{6D2EA794-5383-497B-BDA7-459DEABE05A1}" srcOrd="0" destOrd="0" presId="urn:microsoft.com/office/officeart/2005/8/layout/pList1"/>
+    <dgm:cxn modelId="{FD31F3AB-64DA-49E9-AF40-4BF9B28090F0}" type="presParOf" srcId="{9B787E20-70D7-46D8-90C1-47CE42385775}" destId="{FAA1DF62-4C73-48C1-B540-67A5D05203CB}" srcOrd="1" destOrd="0" presId="urn:microsoft.com/office/officeart/2005/8/layout/pList1"/>
+    <dgm:cxn modelId="{B3DDB7F5-F042-4992-9137-D686C9E7FF85}" type="presParOf" srcId="{A7DF0925-7573-4755-A3FB-772C44E2AF3B}" destId="{2EE44439-406A-4BC3-BDCF-0C9D30BFE159}" srcOrd="11" destOrd="0" presId="urn:microsoft.com/office/officeart/2005/8/layout/pList1"/>
+    <dgm:cxn modelId="{49BA1CA7-2769-48F7-A9F3-50A5FB36117F}" type="presParOf" srcId="{A7DF0925-7573-4755-A3FB-772C44E2AF3B}" destId="{F5A94469-147C-4EE2-83AB-8FF6C6FCF9E8}" srcOrd="12" destOrd="0" presId="urn:microsoft.com/office/officeart/2005/8/layout/pList1"/>
+    <dgm:cxn modelId="{3CBB1EF6-4716-4F59-A7BD-54EBF9601A89}" type="presParOf" srcId="{F5A94469-147C-4EE2-83AB-8FF6C6FCF9E8}" destId="{A6416663-75CF-4964-BF35-2303A754F899}" srcOrd="0" destOrd="0" presId="urn:microsoft.com/office/officeart/2005/8/layout/pList1"/>
+    <dgm:cxn modelId="{600E031E-C601-4C10-8ADB-5F8E88E91649}" type="presParOf" srcId="{F5A94469-147C-4EE2-83AB-8FF6C6FCF9E8}" destId="{00289AAA-2FEC-4D81-9A76-53BB0E833F86}" srcOrd="1" destOrd="0" presId="urn:microsoft.com/office/officeart/2005/8/layout/pList1"/>
+    <dgm:cxn modelId="{B2FB3DDD-9C37-422E-ADEB-84DF58592C1F}" type="presParOf" srcId="{A7DF0925-7573-4755-A3FB-772C44E2AF3B}" destId="{238E6344-53A0-4C01-8F70-8E2B129ED09C}" srcOrd="13" destOrd="0" presId="urn:microsoft.com/office/officeart/2005/8/layout/pList1"/>
+    <dgm:cxn modelId="{5DED4520-96FB-4809-9090-CA9739BFFE5A}" type="presParOf" srcId="{A7DF0925-7573-4755-A3FB-772C44E2AF3B}" destId="{5821613E-A31A-48B8-833F-75B02D09DD5E}" srcOrd="14" destOrd="0" presId="urn:microsoft.com/office/officeart/2005/8/layout/pList1"/>
+    <dgm:cxn modelId="{272EAF76-AFA3-4705-B7F7-5E82438468CD}" type="presParOf" srcId="{5821613E-A31A-48B8-833F-75B02D09DD5E}" destId="{091EE184-7F97-4203-9ACA-B521C4BF1B7B}" srcOrd="0" destOrd="0" presId="urn:microsoft.com/office/officeart/2005/8/layout/pList1"/>
+    <dgm:cxn modelId="{24CED593-91C9-4AFB-B438-C950B784A182}" type="presParOf" srcId="{5821613E-A31A-48B8-833F-75B02D09DD5E}" destId="{4A865439-83EB-43A2-B43D-2D06AC9F578A}" srcOrd="1" destOrd="0" presId="urn:microsoft.com/office/officeart/2005/8/layout/pList1"/>
+  </dgm:cxnLst>
+  <dgm:bg/>
+  <dgm:whole/>
+  <dgm:extLst>
+    <a:ext uri="http://schemas.microsoft.com/office/drawing/2008/diagram">
+      <dsp:dataModelExt xmlns:dsp="http://schemas.microsoft.com/office/drawing/2008/diagram" relId="rId6" minVer="http://schemas.openxmlformats.org/drawingml/2006/diagram"/>
+    </a:ext>
+  </dgm:extLst>
+</dgm:dataModel>
+</file>
+
+<file path=ppt/diagrams/data3.xml><?xml version="1.0" encoding="utf-8"?>
 <dgm:dataModel xmlns:dgm="http://schemas.openxmlformats.org/drawingml/2006/diagram" xmlns:a="http://schemas.openxmlformats.org/drawingml/2006/main">
   <dgm:ptLst>
     <dgm:pt modelId="{1D770145-3F55-499A-9F32-029E59CCC201}" type="doc">
@@ -3022,7 +4650,7 @@
 </dgm:dataModel>
 </file>
 
-<file path=ppt/diagrams/data3.xml><?xml version="1.0" encoding="utf-8"?>
+<file path=ppt/diagrams/data4.xml><?xml version="1.0" encoding="utf-8"?>
 <dgm:dataModel xmlns:dgm="http://schemas.openxmlformats.org/drawingml/2006/diagram" xmlns:a="http://schemas.openxmlformats.org/drawingml/2006/main">
   <dgm:ptLst>
     <dgm:pt modelId="{88F3C1AA-CE67-4663-8C4E-5739587C4C85}" type="doc">
@@ -3433,7 +5061,7 @@
           <a:off x="0" y="39687"/>
           <a:ext cx="3286125" cy="1971675"/>
         </a:xfrm>
-        <a:prstGeom prst="rect">
+        <a:prstGeom prst="roundRect">
           <a:avLst/>
         </a:prstGeom>
         <a:solidFill>
@@ -3444,6 +5072,414 @@
             <a:alphaOff val="0"/>
           </a:schemeClr>
         </a:solidFill>
+        <a:ln w="12700" cap="flat" cmpd="sng" algn="ctr">
+          <a:noFill/>
+          <a:prstDash val="solid"/>
+          <a:miter lim="800000"/>
+        </a:ln>
+        <a:effectLst/>
+      </dsp:spPr>
+      <dsp:style>
+        <a:lnRef idx="2">
+          <a:scrgbClr r="0" g="0" b="0"/>
+        </a:lnRef>
+        <a:fillRef idx="1">
+          <a:scrgbClr r="0" g="0" b="0"/>
+        </a:fillRef>
+        <a:effectRef idx="0">
+          <a:scrgbClr r="0" g="0" b="0"/>
+        </a:effectRef>
+        <a:fontRef idx="minor">
+          <a:schemeClr val="lt1"/>
+        </a:fontRef>
+      </dsp:style>
+      <dsp:txBody>
+        <a:bodyPr spcFirstLastPara="0" vert="horz" wrap="square" lIns="99060" tIns="99060" rIns="99060" bIns="99060" numCol="1" spcCol="1270" anchor="ctr" anchorCtr="0">
+          <a:noAutofit/>
+        </a:bodyPr>
+        <a:lstStyle/>
+        <a:p>
+          <a:pPr marL="0" lvl="0" indent="0" algn="ctr" defTabSz="1155700">
+            <a:lnSpc>
+              <a:spcPct val="90000"/>
+            </a:lnSpc>
+            <a:spcBef>
+              <a:spcPct val="0"/>
+            </a:spcBef>
+            <a:spcAft>
+              <a:spcPct val="35000"/>
+            </a:spcAft>
+            <a:buNone/>
+          </a:pPr>
+          <a:r>
+            <a:rPr lang="de-DE" sz="2600" kern="1200" dirty="0">
+              <a:latin typeface="Avenir Next LT Pro Light" panose="020B0304020202020204" pitchFamily="34" charset="0"/>
+            </a:rPr>
+            <a:t>Digitaler Fußabdruck</a:t>
+          </a:r>
+          <a:endParaRPr lang="en-US" sz="2600" kern="1200" dirty="0">
+            <a:latin typeface="Avenir Next LT Pro Light" panose="020B0304020202020204" pitchFamily="34" charset="0"/>
+          </a:endParaRPr>
+        </a:p>
+      </dsp:txBody>
+      <dsp:txXfrm>
+        <a:off x="96249" y="135936"/>
+        <a:ext cx="3093627" cy="1779177"/>
+      </dsp:txXfrm>
+    </dsp:sp>
+    <dsp:sp modelId="{4640FC90-9F05-4E74-BCBA-0929F4D0349F}">
+      <dsp:nvSpPr>
+        <dsp:cNvPr id="0" name=""/>
+        <dsp:cNvSpPr/>
+      </dsp:nvSpPr>
+      <dsp:spPr>
+        <a:xfrm>
+          <a:off x="3614737" y="39687"/>
+          <a:ext cx="3286125" cy="1971675"/>
+        </a:xfrm>
+        <a:prstGeom prst="roundRect">
+          <a:avLst/>
+        </a:prstGeom>
+        <a:solidFill>
+          <a:schemeClr val="accent1">
+            <a:hueOff val="0"/>
+            <a:satOff val="0"/>
+            <a:lumOff val="0"/>
+            <a:alphaOff val="0"/>
+          </a:schemeClr>
+        </a:solidFill>
+        <a:ln w="12700" cap="flat" cmpd="sng" algn="ctr">
+          <a:noFill/>
+          <a:prstDash val="solid"/>
+          <a:miter lim="800000"/>
+        </a:ln>
+        <a:effectLst/>
+      </dsp:spPr>
+      <dsp:style>
+        <a:lnRef idx="2">
+          <a:scrgbClr r="0" g="0" b="0"/>
+        </a:lnRef>
+        <a:fillRef idx="1">
+          <a:scrgbClr r="0" g="0" b="0"/>
+        </a:fillRef>
+        <a:effectRef idx="0">
+          <a:scrgbClr r="0" g="0" b="0"/>
+        </a:effectRef>
+        <a:fontRef idx="minor">
+          <a:schemeClr val="lt1"/>
+        </a:fontRef>
+      </dsp:style>
+      <dsp:txBody>
+        <a:bodyPr spcFirstLastPara="0" vert="horz" wrap="square" lIns="99060" tIns="99060" rIns="99060" bIns="99060" numCol="1" spcCol="1270" anchor="ctr" anchorCtr="0">
+          <a:noAutofit/>
+        </a:bodyPr>
+        <a:lstStyle/>
+        <a:p>
+          <a:pPr marL="0" lvl="0" indent="0" algn="ctr" defTabSz="1155700">
+            <a:lnSpc>
+              <a:spcPct val="90000"/>
+            </a:lnSpc>
+            <a:spcBef>
+              <a:spcPct val="0"/>
+            </a:spcBef>
+            <a:spcAft>
+              <a:spcPct val="35000"/>
+            </a:spcAft>
+            <a:buNone/>
+          </a:pPr>
+          <a:r>
+            <a:rPr lang="de-DE" sz="2600" kern="1200" dirty="0">
+              <a:latin typeface="Avenir Next LT Pro Light" panose="020B0304020202020204" pitchFamily="34" charset="0"/>
+            </a:rPr>
+            <a:t>Selbstvermarktung</a:t>
+          </a:r>
+          <a:endParaRPr lang="en-US" sz="2600" kern="1200" dirty="0">
+            <a:latin typeface="Avenir Next LT Pro Light" panose="020B0304020202020204" pitchFamily="34" charset="0"/>
+          </a:endParaRPr>
+        </a:p>
+      </dsp:txBody>
+      <dsp:txXfrm>
+        <a:off x="3710986" y="135936"/>
+        <a:ext cx="3093627" cy="1779177"/>
+      </dsp:txXfrm>
+    </dsp:sp>
+    <dsp:sp modelId="{B1052000-F0AF-4AE2-A94D-DAE61F471E44}">
+      <dsp:nvSpPr>
+        <dsp:cNvPr id="0" name=""/>
+        <dsp:cNvSpPr/>
+      </dsp:nvSpPr>
+      <dsp:spPr>
+        <a:xfrm>
+          <a:off x="7229475" y="39687"/>
+          <a:ext cx="3286125" cy="1971675"/>
+        </a:xfrm>
+        <a:prstGeom prst="roundRect">
+          <a:avLst/>
+        </a:prstGeom>
+        <a:solidFill>
+          <a:schemeClr val="accent1">
+            <a:hueOff val="0"/>
+            <a:satOff val="0"/>
+            <a:lumOff val="0"/>
+            <a:alphaOff val="0"/>
+          </a:schemeClr>
+        </a:solidFill>
+        <a:ln w="12700" cap="flat" cmpd="sng" algn="ctr">
+          <a:noFill/>
+          <a:prstDash val="solid"/>
+          <a:miter lim="800000"/>
+        </a:ln>
+        <a:effectLst/>
+      </dsp:spPr>
+      <dsp:style>
+        <a:lnRef idx="2">
+          <a:scrgbClr r="0" g="0" b="0"/>
+        </a:lnRef>
+        <a:fillRef idx="1">
+          <a:scrgbClr r="0" g="0" b="0"/>
+        </a:fillRef>
+        <a:effectRef idx="0">
+          <a:scrgbClr r="0" g="0" b="0"/>
+        </a:effectRef>
+        <a:fontRef idx="minor">
+          <a:schemeClr val="lt1"/>
+        </a:fontRef>
+      </dsp:style>
+      <dsp:txBody>
+        <a:bodyPr spcFirstLastPara="0" vert="horz" wrap="square" lIns="99060" tIns="99060" rIns="99060" bIns="99060" numCol="1" spcCol="1270" anchor="ctr" anchorCtr="0">
+          <a:noAutofit/>
+        </a:bodyPr>
+        <a:lstStyle/>
+        <a:p>
+          <a:pPr marL="0" lvl="0" indent="0" algn="ctr" defTabSz="1155700">
+            <a:lnSpc>
+              <a:spcPct val="90000"/>
+            </a:lnSpc>
+            <a:spcBef>
+              <a:spcPct val="0"/>
+            </a:spcBef>
+            <a:spcAft>
+              <a:spcPct val="35000"/>
+            </a:spcAft>
+            <a:buNone/>
+          </a:pPr>
+          <a:r>
+            <a:rPr lang="de-DE" sz="2600" kern="1200" dirty="0">
+              <a:latin typeface="Avenir Next LT Pro Light" panose="020B0304020202020204" pitchFamily="34" charset="0"/>
+            </a:rPr>
+            <a:t>Beweis von digitalem Verständnis</a:t>
+          </a:r>
+          <a:endParaRPr lang="en-US" sz="2600" kern="1200" dirty="0">
+            <a:latin typeface="Avenir Next LT Pro Light" panose="020B0304020202020204" pitchFamily="34" charset="0"/>
+          </a:endParaRPr>
+        </a:p>
+      </dsp:txBody>
+      <dsp:txXfrm>
+        <a:off x="7325724" y="135936"/>
+        <a:ext cx="3093627" cy="1779177"/>
+      </dsp:txXfrm>
+    </dsp:sp>
+    <dsp:sp modelId="{6AE58D41-D901-400D-B51F-DC8478122DE0}">
+      <dsp:nvSpPr>
+        <dsp:cNvPr id="0" name=""/>
+        <dsp:cNvSpPr/>
+      </dsp:nvSpPr>
+      <dsp:spPr>
+        <a:xfrm>
+          <a:off x="1807368" y="2339975"/>
+          <a:ext cx="3286125" cy="1971675"/>
+        </a:xfrm>
+        <a:prstGeom prst="roundRect">
+          <a:avLst/>
+        </a:prstGeom>
+        <a:solidFill>
+          <a:schemeClr val="accent1">
+            <a:hueOff val="0"/>
+            <a:satOff val="0"/>
+            <a:lumOff val="0"/>
+            <a:alphaOff val="0"/>
+          </a:schemeClr>
+        </a:solidFill>
+        <a:ln w="12700" cap="flat" cmpd="sng" algn="ctr">
+          <a:noFill/>
+          <a:prstDash val="solid"/>
+          <a:miter lim="800000"/>
+        </a:ln>
+        <a:effectLst/>
+      </dsp:spPr>
+      <dsp:style>
+        <a:lnRef idx="2">
+          <a:scrgbClr r="0" g="0" b="0"/>
+        </a:lnRef>
+        <a:fillRef idx="1">
+          <a:scrgbClr r="0" g="0" b="0"/>
+        </a:fillRef>
+        <a:effectRef idx="0">
+          <a:scrgbClr r="0" g="0" b="0"/>
+        </a:effectRef>
+        <a:fontRef idx="minor">
+          <a:schemeClr val="lt1"/>
+        </a:fontRef>
+      </dsp:style>
+      <dsp:txBody>
+        <a:bodyPr spcFirstLastPara="0" vert="horz" wrap="square" lIns="99060" tIns="99060" rIns="99060" bIns="99060" numCol="1" spcCol="1270" anchor="ctr" anchorCtr="0">
+          <a:noAutofit/>
+        </a:bodyPr>
+        <a:lstStyle/>
+        <a:p>
+          <a:pPr marL="0" lvl="0" indent="0" algn="ctr" defTabSz="1155700">
+            <a:lnSpc>
+              <a:spcPct val="90000"/>
+            </a:lnSpc>
+            <a:spcBef>
+              <a:spcPct val="0"/>
+            </a:spcBef>
+            <a:spcAft>
+              <a:spcPct val="35000"/>
+            </a:spcAft>
+            <a:buNone/>
+          </a:pPr>
+          <a:r>
+            <a:rPr lang="de-DE" sz="2600" kern="1200" dirty="0">
+              <a:latin typeface="Avenir Next LT Pro Light" panose="020B0304020202020204" pitchFamily="34" charset="0"/>
+            </a:rPr>
+            <a:t>Online-Präsenz</a:t>
+          </a:r>
+          <a:br>
+            <a:rPr lang="de-DE" sz="2600" kern="1200" dirty="0">
+              <a:latin typeface="Avenir Next LT Pro Light" panose="020B0304020202020204" pitchFamily="34" charset="0"/>
+            </a:rPr>
+          </a:br>
+          <a:r>
+            <a:rPr lang="de-DE" sz="2600" kern="1200" dirty="0">
+              <a:latin typeface="Avenir Next LT Pro Light" panose="020B0304020202020204" pitchFamily="34" charset="0"/>
+            </a:rPr>
+            <a:t>(2021)</a:t>
+          </a:r>
+          <a:endParaRPr lang="en-US" sz="2600" kern="1200" dirty="0">
+            <a:latin typeface="Avenir Next LT Pro Light" panose="020B0304020202020204" pitchFamily="34" charset="0"/>
+          </a:endParaRPr>
+        </a:p>
+      </dsp:txBody>
+      <dsp:txXfrm>
+        <a:off x="1903617" y="2436224"/>
+        <a:ext cx="3093627" cy="1779177"/>
+      </dsp:txXfrm>
+    </dsp:sp>
+    <dsp:sp modelId="{3A4FA4A8-E366-4CF2-8C17-E50647C7F972}">
+      <dsp:nvSpPr>
+        <dsp:cNvPr id="0" name=""/>
+        <dsp:cNvSpPr/>
+      </dsp:nvSpPr>
+      <dsp:spPr>
+        <a:xfrm>
+          <a:off x="5422106" y="2339975"/>
+          <a:ext cx="3286125" cy="1971675"/>
+        </a:xfrm>
+        <a:prstGeom prst="roundRect">
+          <a:avLst/>
+        </a:prstGeom>
+        <a:solidFill>
+          <a:schemeClr val="accent1">
+            <a:hueOff val="0"/>
+            <a:satOff val="0"/>
+            <a:lumOff val="0"/>
+            <a:alphaOff val="0"/>
+          </a:schemeClr>
+        </a:solidFill>
+        <a:ln w="12700" cap="flat" cmpd="sng" algn="ctr">
+          <a:noFill/>
+          <a:prstDash val="solid"/>
+          <a:miter lim="800000"/>
+        </a:ln>
+        <a:effectLst/>
+      </dsp:spPr>
+      <dsp:style>
+        <a:lnRef idx="2">
+          <a:scrgbClr r="0" g="0" b="0"/>
+        </a:lnRef>
+        <a:fillRef idx="1">
+          <a:scrgbClr r="0" g="0" b="0"/>
+        </a:fillRef>
+        <a:effectRef idx="0">
+          <a:scrgbClr r="0" g="0" b="0"/>
+        </a:effectRef>
+        <a:fontRef idx="minor">
+          <a:schemeClr val="lt1"/>
+        </a:fontRef>
+      </dsp:style>
+      <dsp:txBody>
+        <a:bodyPr spcFirstLastPara="0" vert="horz" wrap="square" lIns="99060" tIns="99060" rIns="99060" bIns="99060" numCol="1" spcCol="1270" anchor="ctr" anchorCtr="0">
+          <a:noAutofit/>
+        </a:bodyPr>
+        <a:lstStyle/>
+        <a:p>
+          <a:pPr marL="0" lvl="0" indent="0" algn="ctr" defTabSz="1155700">
+            <a:lnSpc>
+              <a:spcPct val="90000"/>
+            </a:lnSpc>
+            <a:spcBef>
+              <a:spcPct val="0"/>
+            </a:spcBef>
+            <a:spcAft>
+              <a:spcPct val="35000"/>
+            </a:spcAft>
+            <a:buNone/>
+          </a:pPr>
+          <a:r>
+            <a:rPr lang="de-DE" sz="2600" kern="1200" dirty="0">
+              <a:latin typeface="Avenir Next LT Pro Light" panose="020B0304020202020204" pitchFamily="34" charset="0"/>
+            </a:rPr>
+            <a:t>Analyse der Besucher</a:t>
+          </a:r>
+          <a:endParaRPr lang="en-US" sz="2600" kern="1200" dirty="0">
+            <a:latin typeface="Avenir Next LT Pro Light" panose="020B0304020202020204" pitchFamily="34" charset="0"/>
+          </a:endParaRPr>
+        </a:p>
+      </dsp:txBody>
+      <dsp:txXfrm>
+        <a:off x="5518355" y="2436224"/>
+        <a:ext cx="3093627" cy="1779177"/>
+      </dsp:txXfrm>
+    </dsp:sp>
+  </dsp:spTree>
+</dsp:drawing>
+</file>
+
+<file path=ppt/diagrams/drawing2.xml><?xml version="1.0" encoding="utf-8"?>
+<dsp:drawing xmlns:dgm="http://schemas.openxmlformats.org/drawingml/2006/diagram" xmlns:dsp="http://schemas.microsoft.com/office/drawing/2008/diagram" xmlns:a="http://schemas.openxmlformats.org/drawingml/2006/main">
+  <dsp:spTree>
+    <dsp:nvGrpSpPr>
+      <dsp:cNvPr id="0" name=""/>
+      <dsp:cNvGrpSpPr/>
+    </dsp:nvGrpSpPr>
+    <dsp:grpSpPr/>
+    <dsp:sp modelId="{08B3B5DD-6024-40CC-9122-EE9FFBC6D223}">
+      <dsp:nvSpPr>
+        <dsp:cNvPr id="0" name=""/>
+        <dsp:cNvSpPr/>
+      </dsp:nvSpPr>
+      <dsp:spPr>
+        <a:xfrm>
+          <a:off x="1047942" y="2271"/>
+          <a:ext cx="1958015" cy="1349072"/>
+        </a:xfrm>
+        <a:prstGeom prst="roundRect">
+          <a:avLst/>
+        </a:prstGeom>
+        <a:blipFill>
+          <a:blip xmlns:r="http://schemas.openxmlformats.org/officeDocument/2006/relationships" r:embed="rId1">
+            <a:extLst>
+              <a:ext uri="{28A0092B-C50C-407E-A947-70E740481C1C}">
+                <a14:useLocalDpi xmlns:a14="http://schemas.microsoft.com/office/drawing/2010/main" val="0"/>
+              </a:ext>
+            </a:extLst>
+          </a:blip>
+          <a:srcRect/>
+          <a:stretch>
+            <a:fillRect l="-2000" r="-2000"/>
+          </a:stretch>
+        </a:blipFill>
         <a:ln w="12700" cap="flat" cmpd="sng" algn="ctr">
           <a:solidFill>
             <a:schemeClr val="lt1">
@@ -3472,13 +5508,45 @@
           <a:schemeClr val="lt1"/>
         </a:fontRef>
       </dsp:style>
+    </dsp:sp>
+    <dsp:sp modelId="{D84E618A-68F0-4D58-A2D7-57C908F5C649}">
+      <dsp:nvSpPr>
+        <dsp:cNvPr id="0" name=""/>
+        <dsp:cNvSpPr/>
+      </dsp:nvSpPr>
+      <dsp:spPr>
+        <a:xfrm>
+          <a:off x="1047942" y="1351344"/>
+          <a:ext cx="1958015" cy="726423"/>
+        </a:xfrm>
+        <a:prstGeom prst="rect">
+          <a:avLst/>
+        </a:prstGeom>
+        <a:noFill/>
+        <a:ln>
+          <a:noFill/>
+        </a:ln>
+        <a:effectLst/>
+      </dsp:spPr>
+      <dsp:style>
+        <a:lnRef idx="0">
+          <a:scrgbClr r="0" g="0" b="0"/>
+        </a:lnRef>
+        <a:fillRef idx="0">
+          <a:scrgbClr r="0" g="0" b="0"/>
+        </a:fillRef>
+        <a:effectRef idx="0">
+          <a:scrgbClr r="0" g="0" b="0"/>
+        </a:effectRef>
+        <a:fontRef idx="minor"/>
+      </dsp:style>
       <dsp:txBody>
-        <a:bodyPr spcFirstLastPara="0" vert="horz" wrap="square" lIns="247650" tIns="247650" rIns="247650" bIns="247650" numCol="1" spcCol="1270" anchor="ctr" anchorCtr="0">
+        <a:bodyPr spcFirstLastPara="0" vert="horz" wrap="square" lIns="128016" tIns="128016" rIns="128016" bIns="0" numCol="1" spcCol="1270" anchor="t" anchorCtr="0">
           <a:noAutofit/>
         </a:bodyPr>
         <a:lstStyle/>
         <a:p>
-          <a:pPr marL="0" lvl="0" indent="0" algn="ctr" defTabSz="2889250">
+          <a:pPr marL="0" lvl="0" indent="0" algn="ctr" defTabSz="800100">
             <a:lnSpc>
               <a:spcPct val="90000"/>
             </a:lnSpc>
@@ -3490,35 +5558,63 @@
             </a:spcAft>
             <a:buNone/>
           </a:pPr>
-          <a:endParaRPr lang="en-US" sz="6500" kern="1200" dirty="0"/>
+          <a:r>
+            <a:rPr lang="de-DE" sz="1800" kern="1200" dirty="0">
+              <a:solidFill>
+                <a:schemeClr val="bg1"/>
+              </a:solidFill>
+              <a:latin typeface="Avenir Next LT Pro Light" panose="020B0304020202020204" pitchFamily="34" charset="0"/>
+            </a:rPr>
+            <a:t>About </a:t>
+          </a:r>
+          <a:r>
+            <a:rPr lang="de-DE" sz="1800" kern="1200" dirty="0" err="1">
+              <a:solidFill>
+                <a:schemeClr val="bg1"/>
+              </a:solidFill>
+              <a:latin typeface="Avenir Next LT Pro Light" panose="020B0304020202020204" pitchFamily="34" charset="0"/>
+            </a:rPr>
+            <a:t>me</a:t>
+          </a:r>
+          <a:endParaRPr lang="en-US" sz="1800" kern="1200" dirty="0">
+            <a:solidFill>
+              <a:schemeClr val="bg1"/>
+            </a:solidFill>
+            <a:latin typeface="Avenir Next LT Pro Light" panose="020B0304020202020204" pitchFamily="34" charset="0"/>
+          </a:endParaRPr>
         </a:p>
       </dsp:txBody>
       <dsp:txXfrm>
-        <a:off x="0" y="39687"/>
-        <a:ext cx="3286125" cy="1971675"/>
+        <a:off x="1047942" y="1351344"/>
+        <a:ext cx="1958015" cy="726423"/>
       </dsp:txXfrm>
     </dsp:sp>
-    <dsp:sp modelId="{4640FC90-9F05-4E74-BCBA-0929F4D0349F}">
+    <dsp:sp modelId="{C3477498-562D-4AF3-A7E9-D6844C7F5D6B}">
       <dsp:nvSpPr>
         <dsp:cNvPr id="0" name=""/>
         <dsp:cNvSpPr/>
       </dsp:nvSpPr>
       <dsp:spPr>
         <a:xfrm>
-          <a:off x="3614737" y="39687"/>
-          <a:ext cx="3286125" cy="1971675"/>
+          <a:off x="3201842" y="2271"/>
+          <a:ext cx="1958015" cy="1349072"/>
         </a:xfrm>
-        <a:prstGeom prst="rect">
+        <a:prstGeom prst="roundRect">
           <a:avLst/>
         </a:prstGeom>
-        <a:solidFill>
-          <a:schemeClr val="accent1">
-            <a:hueOff val="0"/>
-            <a:satOff val="0"/>
-            <a:lumOff val="0"/>
-            <a:alphaOff val="0"/>
-          </a:schemeClr>
-        </a:solidFill>
+        <a:blipFill>
+          <a:blip xmlns:r="http://schemas.openxmlformats.org/officeDocument/2006/relationships" r:embed="rId2">
+            <a:extLst>
+              <a:ext uri="{28A0092B-C50C-407E-A947-70E740481C1C}">
+                <a14:useLocalDpi xmlns:a14="http://schemas.microsoft.com/office/drawing/2010/main" val="0"/>
+              </a:ext>
+            </a:extLst>
+          </a:blip>
+          <a:srcRect/>
+          <a:stretch>
+            <a:fillRect l="-11000" r="-11000"/>
+          </a:stretch>
+        </a:blipFill>
         <a:ln w="12700" cap="flat" cmpd="sng" algn="ctr">
           <a:solidFill>
             <a:schemeClr val="lt1">
@@ -3547,13 +5643,45 @@
           <a:schemeClr val="lt1"/>
         </a:fontRef>
       </dsp:style>
+    </dsp:sp>
+    <dsp:sp modelId="{8330A74D-D004-4BDE-8CEC-FDF44C107CF7}">
+      <dsp:nvSpPr>
+        <dsp:cNvPr id="0" name=""/>
+        <dsp:cNvSpPr/>
+      </dsp:nvSpPr>
+      <dsp:spPr>
+        <a:xfrm>
+          <a:off x="3201842" y="1351344"/>
+          <a:ext cx="1958015" cy="726423"/>
+        </a:xfrm>
+        <a:prstGeom prst="rect">
+          <a:avLst/>
+        </a:prstGeom>
+        <a:noFill/>
+        <a:ln>
+          <a:noFill/>
+        </a:ln>
+        <a:effectLst/>
+      </dsp:spPr>
+      <dsp:style>
+        <a:lnRef idx="0">
+          <a:scrgbClr r="0" g="0" b="0"/>
+        </a:lnRef>
+        <a:fillRef idx="0">
+          <a:scrgbClr r="0" g="0" b="0"/>
+        </a:fillRef>
+        <a:effectRef idx="0">
+          <a:scrgbClr r="0" g="0" b="0"/>
+        </a:effectRef>
+        <a:fontRef idx="minor"/>
+      </dsp:style>
       <dsp:txBody>
-        <a:bodyPr spcFirstLastPara="0" vert="horz" wrap="square" lIns="247650" tIns="247650" rIns="247650" bIns="247650" numCol="1" spcCol="1270" anchor="ctr" anchorCtr="0">
+        <a:bodyPr spcFirstLastPara="0" vert="horz" wrap="square" lIns="128016" tIns="128016" rIns="128016" bIns="0" numCol="1" spcCol="1270" anchor="t" anchorCtr="0">
           <a:noAutofit/>
         </a:bodyPr>
         <a:lstStyle/>
         <a:p>
-          <a:pPr marL="0" lvl="0" indent="0" algn="ctr" defTabSz="2889250">
+          <a:pPr marL="0" lvl="0" indent="0" algn="ctr" defTabSz="800100">
             <a:lnSpc>
               <a:spcPct val="90000"/>
             </a:lnSpc>
@@ -3565,35 +5693,54 @@
             </a:spcAft>
             <a:buNone/>
           </a:pPr>
-          <a:endParaRPr lang="en-US" sz="6500" kern="1200"/>
+          <a:r>
+            <a:rPr lang="de-DE" sz="1800" kern="1200" dirty="0">
+              <a:solidFill>
+                <a:schemeClr val="bg1"/>
+              </a:solidFill>
+              <a:latin typeface="Avenir Next LT Pro Light" panose="020B0304020202020204" pitchFamily="34" charset="0"/>
+            </a:rPr>
+            <a:t>Skills</a:t>
+          </a:r>
+          <a:endParaRPr lang="en-US" sz="1800" kern="1200" dirty="0">
+            <a:solidFill>
+              <a:schemeClr val="bg1"/>
+            </a:solidFill>
+            <a:latin typeface="Avenir Next LT Pro Light" panose="020B0304020202020204" pitchFamily="34" charset="0"/>
+          </a:endParaRPr>
         </a:p>
       </dsp:txBody>
       <dsp:txXfrm>
-        <a:off x="3614737" y="39687"/>
-        <a:ext cx="3286125" cy="1971675"/>
+        <a:off x="3201842" y="1351344"/>
+        <a:ext cx="1958015" cy="726423"/>
       </dsp:txXfrm>
     </dsp:sp>
-    <dsp:sp modelId="{B1052000-F0AF-4AE2-A94D-DAE61F471E44}">
+    <dsp:sp modelId="{FBD68601-0C9B-431C-ABB0-30A090410727}">
       <dsp:nvSpPr>
         <dsp:cNvPr id="0" name=""/>
         <dsp:cNvSpPr/>
       </dsp:nvSpPr>
       <dsp:spPr>
         <a:xfrm>
-          <a:off x="7229475" y="39687"/>
-          <a:ext cx="3286125" cy="1971675"/>
+          <a:off x="5355741" y="2271"/>
+          <a:ext cx="1958015" cy="1349072"/>
         </a:xfrm>
-        <a:prstGeom prst="rect">
+        <a:prstGeom prst="roundRect">
           <a:avLst/>
         </a:prstGeom>
-        <a:solidFill>
-          <a:schemeClr val="accent1">
-            <a:hueOff val="0"/>
-            <a:satOff val="0"/>
-            <a:lumOff val="0"/>
-            <a:alphaOff val="0"/>
-          </a:schemeClr>
-        </a:solidFill>
+        <a:blipFill>
+          <a:blip xmlns:r="http://schemas.openxmlformats.org/officeDocument/2006/relationships" r:embed="rId3">
+            <a:extLst>
+              <a:ext uri="{28A0092B-C50C-407E-A947-70E740481C1C}">
+                <a14:useLocalDpi xmlns:a14="http://schemas.microsoft.com/office/drawing/2010/main" val="0"/>
+              </a:ext>
+            </a:extLst>
+          </a:blip>
+          <a:srcRect/>
+          <a:stretch>
+            <a:fillRect t="-4000" b="-4000"/>
+          </a:stretch>
+        </a:blipFill>
         <a:ln w="12700" cap="flat" cmpd="sng" algn="ctr">
           <a:solidFill>
             <a:schemeClr val="lt1">
@@ -3622,13 +5769,45 @@
           <a:schemeClr val="lt1"/>
         </a:fontRef>
       </dsp:style>
+    </dsp:sp>
+    <dsp:sp modelId="{E7116AF9-CDC1-4B8B-88F8-0883E6D4B686}">
+      <dsp:nvSpPr>
+        <dsp:cNvPr id="0" name=""/>
+        <dsp:cNvSpPr/>
+      </dsp:nvSpPr>
+      <dsp:spPr>
+        <a:xfrm>
+          <a:off x="5355741" y="1351344"/>
+          <a:ext cx="1958015" cy="726423"/>
+        </a:xfrm>
+        <a:prstGeom prst="rect">
+          <a:avLst/>
+        </a:prstGeom>
+        <a:noFill/>
+        <a:ln>
+          <a:noFill/>
+        </a:ln>
+        <a:effectLst/>
+      </dsp:spPr>
+      <dsp:style>
+        <a:lnRef idx="0">
+          <a:scrgbClr r="0" g="0" b="0"/>
+        </a:lnRef>
+        <a:fillRef idx="0">
+          <a:scrgbClr r="0" g="0" b="0"/>
+        </a:fillRef>
+        <a:effectRef idx="0">
+          <a:scrgbClr r="0" g="0" b="0"/>
+        </a:effectRef>
+        <a:fontRef idx="minor"/>
+      </dsp:style>
       <dsp:txBody>
-        <a:bodyPr spcFirstLastPara="0" vert="horz" wrap="square" lIns="247650" tIns="247650" rIns="247650" bIns="247650" numCol="1" spcCol="1270" anchor="ctr" anchorCtr="0">
+        <a:bodyPr spcFirstLastPara="0" vert="horz" wrap="square" lIns="128016" tIns="128016" rIns="128016" bIns="0" numCol="1" spcCol="1270" anchor="t" anchorCtr="0">
           <a:noAutofit/>
         </a:bodyPr>
         <a:lstStyle/>
         <a:p>
-          <a:pPr marL="0" lvl="0" indent="0" algn="ctr" defTabSz="2889250">
+          <a:pPr marL="0" lvl="0" indent="0" algn="ctr" defTabSz="800100">
             <a:lnSpc>
               <a:spcPct val="90000"/>
             </a:lnSpc>
@@ -3640,35 +5819,54 @@
             </a:spcAft>
             <a:buNone/>
           </a:pPr>
-          <a:endParaRPr lang="en-US" sz="6500" kern="1200"/>
+          <a:r>
+            <a:rPr lang="de-DE" sz="1800" kern="1200" dirty="0">
+              <a:solidFill>
+                <a:schemeClr val="bg1"/>
+              </a:solidFill>
+              <a:latin typeface="Avenir Next LT Pro Light" panose="020B0304020202020204" pitchFamily="34" charset="0"/>
+            </a:rPr>
+            <a:t>Social Links</a:t>
+          </a:r>
+          <a:endParaRPr lang="en-US" sz="1800" kern="1200" dirty="0">
+            <a:solidFill>
+              <a:schemeClr val="bg1"/>
+            </a:solidFill>
+            <a:latin typeface="Avenir Next LT Pro Light" panose="020B0304020202020204" pitchFamily="34" charset="0"/>
+          </a:endParaRPr>
         </a:p>
       </dsp:txBody>
       <dsp:txXfrm>
-        <a:off x="7229475" y="39687"/>
-        <a:ext cx="3286125" cy="1971675"/>
+        <a:off x="5355741" y="1351344"/>
+        <a:ext cx="1958015" cy="726423"/>
       </dsp:txXfrm>
     </dsp:sp>
-    <dsp:sp modelId="{6AE58D41-D901-400D-B51F-DC8478122DE0}">
+    <dsp:sp modelId="{B686AA93-A60C-443F-BC5C-A56EEF20403A}">
       <dsp:nvSpPr>
         <dsp:cNvPr id="0" name=""/>
         <dsp:cNvSpPr/>
       </dsp:nvSpPr>
       <dsp:spPr>
         <a:xfrm>
-          <a:off x="1807368" y="2339975"/>
-          <a:ext cx="3286125" cy="1971675"/>
+          <a:off x="7509641" y="2271"/>
+          <a:ext cx="1958015" cy="1349072"/>
         </a:xfrm>
-        <a:prstGeom prst="rect">
+        <a:prstGeom prst="roundRect">
           <a:avLst/>
         </a:prstGeom>
-        <a:solidFill>
-          <a:schemeClr val="accent1">
-            <a:hueOff val="0"/>
-            <a:satOff val="0"/>
-            <a:lumOff val="0"/>
-            <a:alphaOff val="0"/>
-          </a:schemeClr>
-        </a:solidFill>
+        <a:blipFill>
+          <a:blip xmlns:r="http://schemas.openxmlformats.org/officeDocument/2006/relationships" r:embed="rId4">
+            <a:extLst>
+              <a:ext uri="{28A0092B-C50C-407E-A947-70E740481C1C}">
+                <a14:useLocalDpi xmlns:a14="http://schemas.microsoft.com/office/drawing/2010/main" val="0"/>
+              </a:ext>
+            </a:extLst>
+          </a:blip>
+          <a:srcRect/>
+          <a:stretch>
+            <a:fillRect l="-4000" r="-4000"/>
+          </a:stretch>
+        </a:blipFill>
         <a:ln w="12700" cap="flat" cmpd="sng" algn="ctr">
           <a:solidFill>
             <a:schemeClr val="lt1">
@@ -3697,13 +5895,45 @@
           <a:schemeClr val="lt1"/>
         </a:fontRef>
       </dsp:style>
+    </dsp:sp>
+    <dsp:sp modelId="{5AD9BDB5-9070-4C08-80AB-150A1ECD2333}">
+      <dsp:nvSpPr>
+        <dsp:cNvPr id="0" name=""/>
+        <dsp:cNvSpPr/>
+      </dsp:nvSpPr>
+      <dsp:spPr>
+        <a:xfrm>
+          <a:off x="7509641" y="1351344"/>
+          <a:ext cx="1958015" cy="726423"/>
+        </a:xfrm>
+        <a:prstGeom prst="rect">
+          <a:avLst/>
+        </a:prstGeom>
+        <a:noFill/>
+        <a:ln>
+          <a:noFill/>
+        </a:ln>
+        <a:effectLst/>
+      </dsp:spPr>
+      <dsp:style>
+        <a:lnRef idx="0">
+          <a:scrgbClr r="0" g="0" b="0"/>
+        </a:lnRef>
+        <a:fillRef idx="0">
+          <a:scrgbClr r="0" g="0" b="0"/>
+        </a:fillRef>
+        <a:effectRef idx="0">
+          <a:scrgbClr r="0" g="0" b="0"/>
+        </a:effectRef>
+        <a:fontRef idx="minor"/>
+      </dsp:style>
       <dsp:txBody>
-        <a:bodyPr spcFirstLastPara="0" vert="horz" wrap="square" lIns="247650" tIns="247650" rIns="247650" bIns="247650" numCol="1" spcCol="1270" anchor="ctr" anchorCtr="0">
+        <a:bodyPr spcFirstLastPara="0" vert="horz" wrap="square" lIns="128016" tIns="128016" rIns="128016" bIns="0" numCol="1" spcCol="1270" anchor="t" anchorCtr="0">
           <a:noAutofit/>
         </a:bodyPr>
         <a:lstStyle/>
         <a:p>
-          <a:pPr marL="0" lvl="0" indent="0" algn="ctr" defTabSz="2889250">
+          <a:pPr marL="0" lvl="0" indent="0" algn="ctr" defTabSz="800100">
             <a:lnSpc>
               <a:spcPct val="90000"/>
             </a:lnSpc>
@@ -3715,35 +5945,54 @@
             </a:spcAft>
             <a:buNone/>
           </a:pPr>
-          <a:endParaRPr lang="en-US" sz="6500" kern="1200"/>
+          <a:r>
+            <a:rPr lang="de-DE" sz="1800" kern="1200" dirty="0">
+              <a:solidFill>
+                <a:schemeClr val="bg1"/>
+              </a:solidFill>
+              <a:latin typeface="Avenir Next LT Pro Light" panose="020B0304020202020204" pitchFamily="34" charset="0"/>
+            </a:rPr>
+            <a:t>Impressionen</a:t>
+          </a:r>
+          <a:endParaRPr lang="en-US" sz="1800" kern="1200" dirty="0">
+            <a:solidFill>
+              <a:schemeClr val="bg1"/>
+            </a:solidFill>
+            <a:latin typeface="Avenir Next LT Pro Light" panose="020B0304020202020204" pitchFamily="34" charset="0"/>
+          </a:endParaRPr>
         </a:p>
       </dsp:txBody>
       <dsp:txXfrm>
-        <a:off x="1807368" y="2339975"/>
-        <a:ext cx="3286125" cy="1971675"/>
+        <a:off x="7509641" y="1351344"/>
+        <a:ext cx="1958015" cy="726423"/>
       </dsp:txXfrm>
     </dsp:sp>
-    <dsp:sp modelId="{3A4FA4A8-E366-4CF2-8C17-E50647C7F972}">
+    <dsp:sp modelId="{55D54D63-0850-4C6A-B844-C8B9CD9167AC}">
       <dsp:nvSpPr>
         <dsp:cNvPr id="0" name=""/>
         <dsp:cNvSpPr/>
       </dsp:nvSpPr>
       <dsp:spPr>
         <a:xfrm>
-          <a:off x="5422106" y="2339975"/>
-          <a:ext cx="3286125" cy="1971675"/>
+          <a:off x="1047942" y="2273569"/>
+          <a:ext cx="1958015" cy="1349072"/>
         </a:xfrm>
-        <a:prstGeom prst="rect">
+        <a:prstGeom prst="roundRect">
           <a:avLst/>
         </a:prstGeom>
-        <a:solidFill>
-          <a:schemeClr val="accent1">
-            <a:hueOff val="0"/>
-            <a:satOff val="0"/>
-            <a:lumOff val="0"/>
-            <a:alphaOff val="0"/>
-          </a:schemeClr>
-        </a:solidFill>
+        <a:blipFill>
+          <a:blip xmlns:r="http://schemas.openxmlformats.org/officeDocument/2006/relationships" r:embed="rId5">
+            <a:extLst>
+              <a:ext uri="{837473B0-CC2E-450A-ABE3-18F120FF3D39}">
+                <a1611:picAttrSrcUrl xmlns:a1611="http://schemas.microsoft.com/office/drawing/2016/11/main" r:id="rId6"/>
+              </a:ext>
+            </a:extLst>
+          </a:blip>
+          <a:srcRect/>
+          <a:stretch>
+            <a:fillRect l="-2000" r="-2000"/>
+          </a:stretch>
+        </a:blipFill>
         <a:ln w="12700" cap="flat" cmpd="sng" algn="ctr">
           <a:solidFill>
             <a:schemeClr val="lt1">
@@ -3772,13 +6021,45 @@
           <a:schemeClr val="lt1"/>
         </a:fontRef>
       </dsp:style>
+    </dsp:sp>
+    <dsp:sp modelId="{D1E5B10C-3EDB-4FAC-9F16-3B46C5EEED33}">
+      <dsp:nvSpPr>
+        <dsp:cNvPr id="0" name=""/>
+        <dsp:cNvSpPr/>
+      </dsp:nvSpPr>
+      <dsp:spPr>
+        <a:xfrm>
+          <a:off x="1047942" y="3622642"/>
+          <a:ext cx="1958015" cy="726423"/>
+        </a:xfrm>
+        <a:prstGeom prst="rect">
+          <a:avLst/>
+        </a:prstGeom>
+        <a:noFill/>
+        <a:ln>
+          <a:noFill/>
+        </a:ln>
+        <a:effectLst/>
+      </dsp:spPr>
+      <dsp:style>
+        <a:lnRef idx="0">
+          <a:scrgbClr r="0" g="0" b="0"/>
+        </a:lnRef>
+        <a:fillRef idx="0">
+          <a:scrgbClr r="0" g="0" b="0"/>
+        </a:fillRef>
+        <a:effectRef idx="0">
+          <a:scrgbClr r="0" g="0" b="0"/>
+        </a:effectRef>
+        <a:fontRef idx="minor"/>
+      </dsp:style>
       <dsp:txBody>
-        <a:bodyPr spcFirstLastPara="0" vert="horz" wrap="square" lIns="247650" tIns="247650" rIns="247650" bIns="247650" numCol="1" spcCol="1270" anchor="ctr" anchorCtr="0">
+        <a:bodyPr spcFirstLastPara="0" vert="horz" wrap="square" lIns="128016" tIns="128016" rIns="128016" bIns="0" numCol="1" spcCol="1270" anchor="t" anchorCtr="0">
           <a:noAutofit/>
         </a:bodyPr>
         <a:lstStyle/>
         <a:p>
-          <a:pPr marL="0" lvl="0" indent="0" algn="ctr" defTabSz="2889250">
+          <a:pPr marL="0" lvl="0" indent="0" algn="ctr" defTabSz="800100">
             <a:lnSpc>
               <a:spcPct val="90000"/>
             </a:lnSpc>
@@ -3790,19 +6071,411 @@
             </a:spcAft>
             <a:buNone/>
           </a:pPr>
-          <a:endParaRPr lang="en-US" sz="6500" kern="1200"/>
+          <a:r>
+            <a:rPr lang="de-DE" sz="1800" kern="1200" dirty="0">
+              <a:solidFill>
+                <a:schemeClr val="bg1"/>
+              </a:solidFill>
+              <a:latin typeface="Avenir Next LT Pro Light" panose="020B0304020202020204" pitchFamily="34" charset="0"/>
+            </a:rPr>
+            <a:t>Kontaktformular</a:t>
+          </a:r>
+          <a:endParaRPr lang="en-US" sz="1800" kern="1200" dirty="0">
+            <a:solidFill>
+              <a:schemeClr val="bg1"/>
+            </a:solidFill>
+            <a:latin typeface="Avenir Next LT Pro Light" panose="020B0304020202020204" pitchFamily="34" charset="0"/>
+          </a:endParaRPr>
         </a:p>
       </dsp:txBody>
       <dsp:txXfrm>
-        <a:off x="5422106" y="2339975"/>
-        <a:ext cx="3286125" cy="1971675"/>
+        <a:off x="1047942" y="3622642"/>
+        <a:ext cx="1958015" cy="726423"/>
+      </dsp:txXfrm>
+    </dsp:sp>
+    <dsp:sp modelId="{6D2EA794-5383-497B-BDA7-459DEABE05A1}">
+      <dsp:nvSpPr>
+        <dsp:cNvPr id="0" name=""/>
+        <dsp:cNvSpPr/>
+      </dsp:nvSpPr>
+      <dsp:spPr>
+        <a:xfrm>
+          <a:off x="3201842" y="2273569"/>
+          <a:ext cx="1958015" cy="1349072"/>
+        </a:xfrm>
+        <a:prstGeom prst="roundRect">
+          <a:avLst/>
+        </a:prstGeom>
+        <a:blipFill>
+          <a:blip xmlns:r="http://schemas.openxmlformats.org/officeDocument/2006/relationships" r:embed="rId7">
+            <a:extLst>
+              <a:ext uri="{28A0092B-C50C-407E-A947-70E740481C1C}">
+                <a14:useLocalDpi xmlns:a14="http://schemas.microsoft.com/office/drawing/2010/main" val="0"/>
+              </a:ext>
+            </a:extLst>
+          </a:blip>
+          <a:srcRect/>
+          <a:stretch>
+            <a:fillRect t="-23000" b="-23000"/>
+          </a:stretch>
+        </a:blipFill>
+        <a:ln w="12700" cap="flat" cmpd="sng" algn="ctr">
+          <a:solidFill>
+            <a:schemeClr val="lt1">
+              <a:hueOff val="0"/>
+              <a:satOff val="0"/>
+              <a:lumOff val="0"/>
+              <a:alphaOff val="0"/>
+            </a:schemeClr>
+          </a:solidFill>
+          <a:prstDash val="solid"/>
+          <a:miter lim="800000"/>
+        </a:ln>
+        <a:effectLst/>
+      </dsp:spPr>
+      <dsp:style>
+        <a:lnRef idx="2">
+          <a:scrgbClr r="0" g="0" b="0"/>
+        </a:lnRef>
+        <a:fillRef idx="1">
+          <a:scrgbClr r="0" g="0" b="0"/>
+        </a:fillRef>
+        <a:effectRef idx="0">
+          <a:scrgbClr r="0" g="0" b="0"/>
+        </a:effectRef>
+        <a:fontRef idx="minor">
+          <a:schemeClr val="lt1"/>
+        </a:fontRef>
+      </dsp:style>
+    </dsp:sp>
+    <dsp:sp modelId="{FAA1DF62-4C73-48C1-B540-67A5D05203CB}">
+      <dsp:nvSpPr>
+        <dsp:cNvPr id="0" name=""/>
+        <dsp:cNvSpPr/>
+      </dsp:nvSpPr>
+      <dsp:spPr>
+        <a:xfrm>
+          <a:off x="3201842" y="3622642"/>
+          <a:ext cx="1958015" cy="726423"/>
+        </a:xfrm>
+        <a:prstGeom prst="rect">
+          <a:avLst/>
+        </a:prstGeom>
+        <a:noFill/>
+        <a:ln>
+          <a:noFill/>
+        </a:ln>
+        <a:effectLst/>
+      </dsp:spPr>
+      <dsp:style>
+        <a:lnRef idx="0">
+          <a:scrgbClr r="0" g="0" b="0"/>
+        </a:lnRef>
+        <a:fillRef idx="0">
+          <a:scrgbClr r="0" g="0" b="0"/>
+        </a:fillRef>
+        <a:effectRef idx="0">
+          <a:scrgbClr r="0" g="0" b="0"/>
+        </a:effectRef>
+        <a:fontRef idx="minor"/>
+      </dsp:style>
+      <dsp:txBody>
+        <a:bodyPr spcFirstLastPara="0" vert="horz" wrap="square" lIns="128016" tIns="128016" rIns="128016" bIns="0" numCol="1" spcCol="1270" anchor="t" anchorCtr="0">
+          <a:noAutofit/>
+        </a:bodyPr>
+        <a:lstStyle/>
+        <a:p>
+          <a:pPr marL="0" lvl="0" indent="0" algn="ctr" defTabSz="800100">
+            <a:lnSpc>
+              <a:spcPct val="90000"/>
+            </a:lnSpc>
+            <a:spcBef>
+              <a:spcPct val="0"/>
+            </a:spcBef>
+            <a:spcAft>
+              <a:spcPct val="35000"/>
+            </a:spcAft>
+            <a:buNone/>
+          </a:pPr>
+          <a:r>
+            <a:rPr lang="de-DE" sz="1800" kern="1200" dirty="0">
+              <a:solidFill>
+                <a:schemeClr val="bg1"/>
+              </a:solidFill>
+              <a:latin typeface="Avenir Next LT Pro Light" panose="020B0304020202020204" pitchFamily="34" charset="0"/>
+            </a:rPr>
+            <a:t>CV</a:t>
+          </a:r>
+          <a:endParaRPr lang="en-US" sz="1800" kern="1200" dirty="0">
+            <a:solidFill>
+              <a:schemeClr val="bg1"/>
+            </a:solidFill>
+            <a:latin typeface="Avenir Next LT Pro Light" panose="020B0304020202020204" pitchFamily="34" charset="0"/>
+          </a:endParaRPr>
+        </a:p>
+      </dsp:txBody>
+      <dsp:txXfrm>
+        <a:off x="3201842" y="3622642"/>
+        <a:ext cx="1958015" cy="726423"/>
+      </dsp:txXfrm>
+    </dsp:sp>
+    <dsp:sp modelId="{A6416663-75CF-4964-BF35-2303A754F899}">
+      <dsp:nvSpPr>
+        <dsp:cNvPr id="0" name=""/>
+        <dsp:cNvSpPr/>
+      </dsp:nvSpPr>
+      <dsp:spPr>
+        <a:xfrm>
+          <a:off x="5355741" y="2273569"/>
+          <a:ext cx="1958015" cy="1349072"/>
+        </a:xfrm>
+        <a:prstGeom prst="roundRect">
+          <a:avLst/>
+        </a:prstGeom>
+        <a:blipFill>
+          <a:blip xmlns:r="http://schemas.openxmlformats.org/officeDocument/2006/relationships" r:embed="rId8">
+            <a:extLst>
+              <a:ext uri="{28A0092B-C50C-407E-A947-70E740481C1C}">
+                <a14:useLocalDpi xmlns:a14="http://schemas.microsoft.com/office/drawing/2010/main" val="0"/>
+              </a:ext>
+            </a:extLst>
+          </a:blip>
+          <a:srcRect/>
+          <a:stretch>
+            <a:fillRect l="-4000" r="-4000"/>
+          </a:stretch>
+        </a:blipFill>
+        <a:ln w="12700" cap="flat" cmpd="sng" algn="ctr">
+          <a:solidFill>
+            <a:schemeClr val="lt1">
+              <a:hueOff val="0"/>
+              <a:satOff val="0"/>
+              <a:lumOff val="0"/>
+              <a:alphaOff val="0"/>
+            </a:schemeClr>
+          </a:solidFill>
+          <a:prstDash val="solid"/>
+          <a:miter lim="800000"/>
+        </a:ln>
+        <a:effectLst/>
+      </dsp:spPr>
+      <dsp:style>
+        <a:lnRef idx="2">
+          <a:scrgbClr r="0" g="0" b="0"/>
+        </a:lnRef>
+        <a:fillRef idx="1">
+          <a:scrgbClr r="0" g="0" b="0"/>
+        </a:fillRef>
+        <a:effectRef idx="0">
+          <a:scrgbClr r="0" g="0" b="0"/>
+        </a:effectRef>
+        <a:fontRef idx="minor">
+          <a:schemeClr val="lt1"/>
+        </a:fontRef>
+      </dsp:style>
+    </dsp:sp>
+    <dsp:sp modelId="{00289AAA-2FEC-4D81-9A76-53BB0E833F86}">
+      <dsp:nvSpPr>
+        <dsp:cNvPr id="0" name=""/>
+        <dsp:cNvSpPr/>
+      </dsp:nvSpPr>
+      <dsp:spPr>
+        <a:xfrm>
+          <a:off x="5355741" y="3622642"/>
+          <a:ext cx="1958015" cy="726423"/>
+        </a:xfrm>
+        <a:prstGeom prst="rect">
+          <a:avLst/>
+        </a:prstGeom>
+        <a:noFill/>
+        <a:ln>
+          <a:noFill/>
+        </a:ln>
+        <a:effectLst/>
+      </dsp:spPr>
+      <dsp:style>
+        <a:lnRef idx="0">
+          <a:scrgbClr r="0" g="0" b="0"/>
+        </a:lnRef>
+        <a:fillRef idx="0">
+          <a:scrgbClr r="0" g="0" b="0"/>
+        </a:fillRef>
+        <a:effectRef idx="0">
+          <a:scrgbClr r="0" g="0" b="0"/>
+        </a:effectRef>
+        <a:fontRef idx="minor"/>
+      </dsp:style>
+      <dsp:txBody>
+        <a:bodyPr spcFirstLastPara="0" vert="horz" wrap="square" lIns="128016" tIns="128016" rIns="128016" bIns="0" numCol="1" spcCol="1270" anchor="t" anchorCtr="0">
+          <a:noAutofit/>
+        </a:bodyPr>
+        <a:lstStyle/>
+        <a:p>
+          <a:pPr marL="0" lvl="0" indent="0" algn="ctr" defTabSz="800100">
+            <a:lnSpc>
+              <a:spcPct val="90000"/>
+            </a:lnSpc>
+            <a:spcBef>
+              <a:spcPct val="0"/>
+            </a:spcBef>
+            <a:spcAft>
+              <a:spcPct val="35000"/>
+            </a:spcAft>
+            <a:buNone/>
+          </a:pPr>
+          <a:r>
+            <a:rPr lang="de-DE" sz="1800" kern="1200" dirty="0">
+              <a:solidFill>
+                <a:schemeClr val="bg1"/>
+              </a:solidFill>
+              <a:latin typeface="Avenir Next LT Pro Light" panose="020B0304020202020204" pitchFamily="34" charset="0"/>
+            </a:rPr>
+            <a:t>Projekte</a:t>
+          </a:r>
+          <a:endParaRPr lang="en-US" sz="1800" kern="1200" dirty="0">
+            <a:solidFill>
+              <a:schemeClr val="bg1"/>
+            </a:solidFill>
+            <a:latin typeface="Avenir Next LT Pro Light" panose="020B0304020202020204" pitchFamily="34" charset="0"/>
+          </a:endParaRPr>
+        </a:p>
+      </dsp:txBody>
+      <dsp:txXfrm>
+        <a:off x="5355741" y="3622642"/>
+        <a:ext cx="1958015" cy="726423"/>
+      </dsp:txXfrm>
+    </dsp:sp>
+    <dsp:sp modelId="{091EE184-7F97-4203-9ACA-B521C4BF1B7B}">
+      <dsp:nvSpPr>
+        <dsp:cNvPr id="0" name=""/>
+        <dsp:cNvSpPr/>
+      </dsp:nvSpPr>
+      <dsp:spPr>
+        <a:xfrm>
+          <a:off x="7509641" y="2273569"/>
+          <a:ext cx="1958015" cy="1349072"/>
+        </a:xfrm>
+        <a:prstGeom prst="roundRect">
+          <a:avLst/>
+        </a:prstGeom>
+        <a:blipFill>
+          <a:blip xmlns:r="http://schemas.openxmlformats.org/officeDocument/2006/relationships" r:embed="rId9">
+            <a:extLst>
+              <a:ext uri="{28A0092B-C50C-407E-A947-70E740481C1C}">
+                <a14:useLocalDpi xmlns:a14="http://schemas.microsoft.com/office/drawing/2010/main" val="0"/>
+              </a:ext>
+            </a:extLst>
+          </a:blip>
+          <a:srcRect/>
+          <a:stretch>
+            <a:fillRect l="-2000" r="-2000"/>
+          </a:stretch>
+        </a:blipFill>
+        <a:ln w="12700" cap="flat" cmpd="sng" algn="ctr">
+          <a:solidFill>
+            <a:schemeClr val="lt1">
+              <a:hueOff val="0"/>
+              <a:satOff val="0"/>
+              <a:lumOff val="0"/>
+              <a:alphaOff val="0"/>
+            </a:schemeClr>
+          </a:solidFill>
+          <a:prstDash val="solid"/>
+          <a:miter lim="800000"/>
+        </a:ln>
+        <a:effectLst/>
+      </dsp:spPr>
+      <dsp:style>
+        <a:lnRef idx="2">
+          <a:scrgbClr r="0" g="0" b="0"/>
+        </a:lnRef>
+        <a:fillRef idx="1">
+          <a:scrgbClr r="0" g="0" b="0"/>
+        </a:fillRef>
+        <a:effectRef idx="0">
+          <a:scrgbClr r="0" g="0" b="0"/>
+        </a:effectRef>
+        <a:fontRef idx="minor">
+          <a:schemeClr val="lt1"/>
+        </a:fontRef>
+      </dsp:style>
+    </dsp:sp>
+    <dsp:sp modelId="{4A865439-83EB-43A2-B43D-2D06AC9F578A}">
+      <dsp:nvSpPr>
+        <dsp:cNvPr id="0" name=""/>
+        <dsp:cNvSpPr/>
+      </dsp:nvSpPr>
+      <dsp:spPr>
+        <a:xfrm>
+          <a:off x="7509641" y="3622642"/>
+          <a:ext cx="1958015" cy="726423"/>
+        </a:xfrm>
+        <a:prstGeom prst="rect">
+          <a:avLst/>
+        </a:prstGeom>
+        <a:noFill/>
+        <a:ln>
+          <a:noFill/>
+        </a:ln>
+        <a:effectLst/>
+      </dsp:spPr>
+      <dsp:style>
+        <a:lnRef idx="0">
+          <a:scrgbClr r="0" g="0" b="0"/>
+        </a:lnRef>
+        <a:fillRef idx="0">
+          <a:scrgbClr r="0" g="0" b="0"/>
+        </a:fillRef>
+        <a:effectRef idx="0">
+          <a:scrgbClr r="0" g="0" b="0"/>
+        </a:effectRef>
+        <a:fontRef idx="minor"/>
+      </dsp:style>
+      <dsp:txBody>
+        <a:bodyPr spcFirstLastPara="0" vert="horz" wrap="square" lIns="128016" tIns="128016" rIns="128016" bIns="0" numCol="1" spcCol="1270" anchor="t" anchorCtr="0">
+          <a:noAutofit/>
+        </a:bodyPr>
+        <a:lstStyle/>
+        <a:p>
+          <a:pPr marL="0" lvl="0" indent="0" algn="ctr" defTabSz="800100">
+            <a:lnSpc>
+              <a:spcPct val="90000"/>
+            </a:lnSpc>
+            <a:spcBef>
+              <a:spcPct val="0"/>
+            </a:spcBef>
+            <a:spcAft>
+              <a:spcPct val="35000"/>
+            </a:spcAft>
+            <a:buNone/>
+          </a:pPr>
+          <a:r>
+            <a:rPr lang="de-DE" sz="1800" kern="1200" dirty="0">
+              <a:solidFill>
+                <a:schemeClr val="bg1"/>
+              </a:solidFill>
+              <a:latin typeface="Avenir Next LT Pro Light" panose="020B0304020202020204" pitchFamily="34" charset="0"/>
+            </a:rPr>
+            <a:t>Impressum &amp; Datenschutz</a:t>
+          </a:r>
+          <a:endParaRPr lang="en-US" sz="1800" kern="1200" dirty="0">
+            <a:solidFill>
+              <a:schemeClr val="bg1"/>
+            </a:solidFill>
+            <a:latin typeface="Avenir Next LT Pro Light" panose="020B0304020202020204" pitchFamily="34" charset="0"/>
+          </a:endParaRPr>
+        </a:p>
+      </dsp:txBody>
+      <dsp:txXfrm>
+        <a:off x="7509641" y="3622642"/>
+        <a:ext cx="1958015" cy="726423"/>
       </dsp:txXfrm>
     </dsp:sp>
   </dsp:spTree>
 </dsp:drawing>
 </file>
 
-<file path=ppt/diagrams/drawing2.xml><?xml version="1.0" encoding="utf-8"?>
+<file path=ppt/diagrams/drawing3.xml><?xml version="1.0" encoding="utf-8"?>
 <dsp:drawing xmlns:dgm="http://schemas.openxmlformats.org/drawingml/2006/diagram" xmlns:dsp="http://schemas.microsoft.com/office/drawing/2008/diagram" xmlns:a="http://schemas.openxmlformats.org/drawingml/2006/main">
   <dsp:spTree>
     <dsp:nvGrpSpPr>
@@ -4272,7 +6945,7 @@
 </dsp:drawing>
 </file>
 
-<file path=ppt/diagrams/drawing3.xml><?xml version="1.0" encoding="utf-8"?>
+<file path=ppt/diagrams/drawing4.xml><?xml version="1.0" encoding="utf-8"?>
 <dsp:drawing xmlns:dgm="http://schemas.openxmlformats.org/drawingml/2006/diagram" xmlns:dsp="http://schemas.microsoft.com/office/drawing/2008/diagram" xmlns:a="http://schemas.openxmlformats.org/drawingml/2006/main">
   <dsp:spTree>
     <dsp:nvGrpSpPr>
@@ -4863,6 +7536,167 @@
 </file>
 
 <file path=ppt/diagrams/layout2.xml><?xml version="1.0" encoding="utf-8"?>
+<dgm:layoutDef xmlns:dgm="http://schemas.openxmlformats.org/drawingml/2006/diagram" xmlns:a="http://schemas.openxmlformats.org/drawingml/2006/main" uniqueId="urn:microsoft.com/office/officeart/2005/8/layout/pList1">
+  <dgm:title val=""/>
+  <dgm:desc val=""/>
+  <dgm:catLst>
+    <dgm:cat type="list" pri="2000"/>
+    <dgm:cat type="picture" pri="2500"/>
+    <dgm:cat type="pictureconvert" pri="2500"/>
+  </dgm:catLst>
+  <dgm:sampData>
+    <dgm:dataModel>
+      <dgm:ptLst>
+        <dgm:pt modelId="0" type="doc"/>
+        <dgm:pt modelId="1">
+          <dgm:prSet phldr="1"/>
+        </dgm:pt>
+        <dgm:pt modelId="2">
+          <dgm:prSet phldr="1"/>
+        </dgm:pt>
+        <dgm:pt modelId="3">
+          <dgm:prSet phldr="1"/>
+        </dgm:pt>
+        <dgm:pt modelId="4">
+          <dgm:prSet phldr="1"/>
+        </dgm:pt>
+      </dgm:ptLst>
+      <dgm:cxnLst>
+        <dgm:cxn modelId="7" srcId="0" destId="1" srcOrd="0" destOrd="0"/>
+        <dgm:cxn modelId="8" srcId="0" destId="2" srcOrd="1" destOrd="0"/>
+        <dgm:cxn modelId="9" srcId="0" destId="3" srcOrd="2" destOrd="0"/>
+        <dgm:cxn modelId="10" srcId="0" destId="4" srcOrd="3" destOrd="0"/>
+      </dgm:cxnLst>
+      <dgm:bg/>
+      <dgm:whole/>
+    </dgm:dataModel>
+  </dgm:sampData>
+  <dgm:styleData>
+    <dgm:dataModel>
+      <dgm:ptLst>
+        <dgm:pt modelId="0" type="doc"/>
+        <dgm:pt modelId="1"/>
+        <dgm:pt modelId="2"/>
+      </dgm:ptLst>
+      <dgm:cxnLst>
+        <dgm:cxn modelId="3" srcId="0" destId="1" srcOrd="0" destOrd="0"/>
+        <dgm:cxn modelId="4" srcId="0" destId="2" srcOrd="1" destOrd="0"/>
+      </dgm:cxnLst>
+      <dgm:bg/>
+      <dgm:whole/>
+    </dgm:dataModel>
+  </dgm:styleData>
+  <dgm:clrData useDef="1">
+    <dgm:dataModel>
+      <dgm:ptLst/>
+      <dgm:bg/>
+      <dgm:whole/>
+    </dgm:dataModel>
+  </dgm:clrData>
+  <dgm:layoutNode name="Name0">
+    <dgm:varLst>
+      <dgm:dir/>
+      <dgm:resizeHandles val="exact"/>
+    </dgm:varLst>
+    <dgm:choose name="Name1">
+      <dgm:if name="Name2" axis="self" func="var" arg="dir" op="equ" val="norm">
+        <dgm:alg type="snake">
+          <dgm:param type="grDir" val="tL"/>
+          <dgm:param type="flowDir" val="row"/>
+          <dgm:param type="contDir" val="sameDir"/>
+          <dgm:param type="off" val="ctr"/>
+          <dgm:param type="vertAlign" val="mid"/>
+          <dgm:param type="horzAlign" val="ctr"/>
+        </dgm:alg>
+      </dgm:if>
+      <dgm:else name="Name3">
+        <dgm:alg type="snake">
+          <dgm:param type="grDir" val="tR"/>
+          <dgm:param type="flowDir" val="row"/>
+          <dgm:param type="contDir" val="sameDir"/>
+          <dgm:param type="off" val="ctr"/>
+          <dgm:param type="vertAlign" val="mid"/>
+          <dgm:param type="horzAlign" val="ctr"/>
+        </dgm:alg>
+      </dgm:else>
+    </dgm:choose>
+    <dgm:shape xmlns:r="http://schemas.openxmlformats.org/officeDocument/2006/relationships" r:blip="">
+      <dgm:adjLst/>
+    </dgm:shape>
+    <dgm:presOf/>
+    <dgm:constrLst>
+      <dgm:constr type="w" for="ch" forName="compNode" refType="w"/>
+      <dgm:constr type="w" for="ch" ptType="sibTrans" refType="w" refFor="ch" refForName="compNode" op="equ" fact="0.1"/>
+      <dgm:constr type="sp" refType="w" refFor="ch" refForName="compNode" op="equ" fact="0.1"/>
+      <dgm:constr type="primFontSz" for="des" ptType="node" op="equ" val="65"/>
+    </dgm:constrLst>
+    <dgm:ruleLst/>
+    <dgm:forEach name="Name4" axis="ch" ptType="node">
+      <dgm:layoutNode name="compNode">
+        <dgm:alg type="composite">
+          <dgm:param type="ar" val="0.943"/>
+        </dgm:alg>
+        <dgm:shape xmlns:r="http://schemas.openxmlformats.org/officeDocument/2006/relationships" r:blip="">
+          <dgm:adjLst/>
+        </dgm:shape>
+        <dgm:presOf axis="self"/>
+        <dgm:constrLst>
+          <dgm:constr type="h" refType="w" fact="1.06"/>
+          <dgm:constr type="h" for="ch" forName="pictRect" refType="h" fact="0.65"/>
+          <dgm:constr type="w" for="ch" forName="pictRect" refType="w"/>
+          <dgm:constr type="l" for="ch" forName="pictRect"/>
+          <dgm:constr type="t" for="ch" forName="pictRect"/>
+          <dgm:constr type="w" for="ch" forName="textRect" refType="w"/>
+          <dgm:constr type="h" for="ch" forName="textRect" refType="h" fact="0.35"/>
+          <dgm:constr type="l" for="ch" forName="textRect"/>
+          <dgm:constr type="t" for="ch" forName="textRect" refType="b" refFor="ch" refForName="pictRect"/>
+        </dgm:constrLst>
+        <dgm:ruleLst/>
+        <dgm:layoutNode name="pictRect">
+          <dgm:alg type="sp"/>
+          <dgm:shape xmlns:r="http://schemas.openxmlformats.org/officeDocument/2006/relationships" type="roundRect" r:blip="" blipPhldr="1">
+            <dgm:adjLst/>
+          </dgm:shape>
+          <dgm:presOf/>
+          <dgm:constrLst/>
+          <dgm:ruleLst/>
+        </dgm:layoutNode>
+        <dgm:layoutNode name="textRect" styleLbl="revTx">
+          <dgm:varLst>
+            <dgm:bulletEnabled val="1"/>
+          </dgm:varLst>
+          <dgm:alg type="tx">
+            <dgm:param type="txAnchorVert" val="t"/>
+          </dgm:alg>
+          <dgm:shape xmlns:r="http://schemas.openxmlformats.org/officeDocument/2006/relationships" type="rect" r:blip="">
+            <dgm:adjLst/>
+          </dgm:shape>
+          <dgm:presOf axis="desOrSelf" ptType="node"/>
+          <dgm:constrLst>
+            <dgm:constr type="bMarg"/>
+          </dgm:constrLst>
+          <dgm:ruleLst>
+            <dgm:rule type="primFontSz" val="5" fact="NaN" max="NaN"/>
+          </dgm:ruleLst>
+        </dgm:layoutNode>
+      </dgm:layoutNode>
+      <dgm:forEach name="Name5" axis="followSib" ptType="sibTrans" cnt="1">
+        <dgm:layoutNode name="sibTrans">
+          <dgm:alg type="sp"/>
+          <dgm:shape xmlns:r="http://schemas.openxmlformats.org/officeDocument/2006/relationships" type="rect" r:blip="" hideGeom="1">
+            <dgm:adjLst/>
+          </dgm:shape>
+          <dgm:presOf axis="self"/>
+          <dgm:constrLst/>
+          <dgm:ruleLst/>
+        </dgm:layoutNode>
+      </dgm:forEach>
+    </dgm:forEach>
+  </dgm:layoutNode>
+</dgm:layoutDef>
+</file>
+
+<file path=ppt/diagrams/layout3.xml><?xml version="1.0" encoding="utf-8"?>
 <dgm:layoutDef xmlns:dgm="http://schemas.openxmlformats.org/drawingml/2006/diagram" xmlns:a="http://schemas.openxmlformats.org/drawingml/2006/main" uniqueId="urn:microsoft.com/office/officeart/2005/8/layout/hList7">
   <dgm:title val=""/>
   <dgm:desc val=""/>
@@ -5057,7 +7891,7 @@
 </dgm:layoutDef>
 </file>
 
-<file path=ppt/diagrams/layout3.xml><?xml version="1.0" encoding="utf-8"?>
+<file path=ppt/diagrams/layout4.xml><?xml version="1.0" encoding="utf-8"?>
 <dgm:layoutDef xmlns:dgm="http://schemas.openxmlformats.org/drawingml/2006/diagram" xmlns:a="http://schemas.openxmlformats.org/drawingml/2006/main" uniqueId="urn:microsoft.com/office/officeart/2005/8/layout/vList4">
   <dgm:title val=""/>
   <dgm:desc val=""/>
@@ -7333,6 +10167,1040 @@
 </file>
 
 <file path=ppt/diagrams/quickStyle3.xml><?xml version="1.0" encoding="utf-8"?>
+<dgm:styleDef xmlns:dgm="http://schemas.openxmlformats.org/drawingml/2006/diagram" xmlns:a="http://schemas.openxmlformats.org/drawingml/2006/main" uniqueId="urn:microsoft.com/office/officeart/2005/8/quickstyle/simple1">
+  <dgm:title val=""/>
+  <dgm:desc val=""/>
+  <dgm:catLst>
+    <dgm:cat type="simple" pri="10100"/>
+  </dgm:catLst>
+  <dgm:scene3d>
+    <a:camera prst="orthographicFront"/>
+    <a:lightRig rig="threePt" dir="t"/>
+  </dgm:scene3d>
+  <dgm:styleLbl name="node0">
+    <dgm:scene3d>
+      <a:camera prst="orthographicFront"/>
+      <a:lightRig rig="threePt" dir="t"/>
+    </dgm:scene3d>
+    <dgm:sp3d/>
+    <dgm:txPr/>
+    <dgm:style>
+      <a:lnRef idx="2">
+        <a:scrgbClr r="0" g="0" b="0"/>
+      </a:lnRef>
+      <a:fillRef idx="1">
+        <a:scrgbClr r="0" g="0" b="0"/>
+      </a:fillRef>
+      <a:effectRef idx="0">
+        <a:scrgbClr r="0" g="0" b="0"/>
+      </a:effectRef>
+      <a:fontRef idx="minor">
+        <a:schemeClr val="lt1"/>
+      </a:fontRef>
+    </dgm:style>
+  </dgm:styleLbl>
+  <dgm:styleLbl name="lnNode1">
+    <dgm:scene3d>
+      <a:camera prst="orthographicFront"/>
+      <a:lightRig rig="threePt" dir="t"/>
+    </dgm:scene3d>
+    <dgm:sp3d/>
+    <dgm:txPr/>
+    <dgm:style>
+      <a:lnRef idx="2">
+        <a:scrgbClr r="0" g="0" b="0"/>
+      </a:lnRef>
+      <a:fillRef idx="1">
+        <a:scrgbClr r="0" g="0" b="0"/>
+      </a:fillRef>
+      <a:effectRef idx="0">
+        <a:scrgbClr r="0" g="0" b="0"/>
+      </a:effectRef>
+      <a:fontRef idx="minor">
+        <a:schemeClr val="lt1"/>
+      </a:fontRef>
+    </dgm:style>
+  </dgm:styleLbl>
+  <dgm:styleLbl name="vennNode1">
+    <dgm:scene3d>
+      <a:camera prst="orthographicFront"/>
+      <a:lightRig rig="threePt" dir="t"/>
+    </dgm:scene3d>
+    <dgm:sp3d/>
+    <dgm:txPr/>
+    <dgm:style>
+      <a:lnRef idx="2">
+        <a:scrgbClr r="0" g="0" b="0"/>
+      </a:lnRef>
+      <a:fillRef idx="1">
+        <a:scrgbClr r="0" g="0" b="0"/>
+      </a:fillRef>
+      <a:effectRef idx="0">
+        <a:scrgbClr r="0" g="0" b="0"/>
+      </a:effectRef>
+      <a:fontRef idx="minor">
+        <a:schemeClr val="tx1"/>
+      </a:fontRef>
+    </dgm:style>
+  </dgm:styleLbl>
+  <dgm:styleLbl name="alignNode1">
+    <dgm:scene3d>
+      <a:camera prst="orthographicFront"/>
+      <a:lightRig rig="threePt" dir="t"/>
+    </dgm:scene3d>
+    <dgm:sp3d/>
+    <dgm:txPr/>
+    <dgm:style>
+      <a:lnRef idx="2">
+        <a:scrgbClr r="0" g="0" b="0"/>
+      </a:lnRef>
+      <a:fillRef idx="1">
+        <a:scrgbClr r="0" g="0" b="0"/>
+      </a:fillRef>
+      <a:effectRef idx="0">
+        <a:scrgbClr r="0" g="0" b="0"/>
+      </a:effectRef>
+      <a:fontRef idx="minor">
+        <a:schemeClr val="lt1"/>
+      </a:fontRef>
+    </dgm:style>
+  </dgm:styleLbl>
+  <dgm:styleLbl name="node1">
+    <dgm:scene3d>
+      <a:camera prst="orthographicFront"/>
+      <a:lightRig rig="threePt" dir="t"/>
+    </dgm:scene3d>
+    <dgm:sp3d/>
+    <dgm:txPr/>
+    <dgm:style>
+      <a:lnRef idx="2">
+        <a:scrgbClr r="0" g="0" b="0"/>
+      </a:lnRef>
+      <a:fillRef idx="1">
+        <a:scrgbClr r="0" g="0" b="0"/>
+      </a:fillRef>
+      <a:effectRef idx="0">
+        <a:scrgbClr r="0" g="0" b="0"/>
+      </a:effectRef>
+      <a:fontRef idx="minor">
+        <a:schemeClr val="lt1"/>
+      </a:fontRef>
+    </dgm:style>
+  </dgm:styleLbl>
+  <dgm:styleLbl name="node2">
+    <dgm:scene3d>
+      <a:camera prst="orthographicFront"/>
+      <a:lightRig rig="threePt" dir="t"/>
+    </dgm:scene3d>
+    <dgm:sp3d/>
+    <dgm:txPr/>
+    <dgm:style>
+      <a:lnRef idx="2">
+        <a:scrgbClr r="0" g="0" b="0"/>
+      </a:lnRef>
+      <a:fillRef idx="1">
+        <a:scrgbClr r="0" g="0" b="0"/>
+      </a:fillRef>
+      <a:effectRef idx="0">
+        <a:scrgbClr r="0" g="0" b="0"/>
+      </a:effectRef>
+      <a:fontRef idx="minor">
+        <a:schemeClr val="lt1"/>
+      </a:fontRef>
+    </dgm:style>
+  </dgm:styleLbl>
+  <dgm:styleLbl name="node3">
+    <dgm:scene3d>
+      <a:camera prst="orthographicFront"/>
+      <a:lightRig rig="threePt" dir="t"/>
+    </dgm:scene3d>
+    <dgm:sp3d/>
+    <dgm:txPr/>
+    <dgm:style>
+      <a:lnRef idx="2">
+        <a:scrgbClr r="0" g="0" b="0"/>
+      </a:lnRef>
+      <a:fillRef idx="1">
+        <a:scrgbClr r="0" g="0" b="0"/>
+      </a:fillRef>
+      <a:effectRef idx="0">
+        <a:scrgbClr r="0" g="0" b="0"/>
+      </a:effectRef>
+      <a:fontRef idx="minor">
+        <a:schemeClr val="lt1"/>
+      </a:fontRef>
+    </dgm:style>
+  </dgm:styleLbl>
+  <dgm:styleLbl name="node4">
+    <dgm:scene3d>
+      <a:camera prst="orthographicFront"/>
+      <a:lightRig rig="threePt" dir="t"/>
+    </dgm:scene3d>
+    <dgm:sp3d/>
+    <dgm:txPr/>
+    <dgm:style>
+      <a:lnRef idx="2">
+        <a:scrgbClr r="0" g="0" b="0"/>
+      </a:lnRef>
+      <a:fillRef idx="1">
+        <a:scrgbClr r="0" g="0" b="0"/>
+      </a:fillRef>
+      <a:effectRef idx="0">
+        <a:scrgbClr r="0" g="0" b="0"/>
+      </a:effectRef>
+      <a:fontRef idx="minor">
+        <a:schemeClr val="lt1"/>
+      </a:fontRef>
+    </dgm:style>
+  </dgm:styleLbl>
+  <dgm:styleLbl name="fgImgPlace1">
+    <dgm:scene3d>
+      <a:camera prst="orthographicFront"/>
+      <a:lightRig rig="threePt" dir="t"/>
+    </dgm:scene3d>
+    <dgm:sp3d/>
+    <dgm:txPr/>
+    <dgm:style>
+      <a:lnRef idx="2">
+        <a:scrgbClr r="0" g="0" b="0"/>
+      </a:lnRef>
+      <a:fillRef idx="1">
+        <a:scrgbClr r="0" g="0" b="0"/>
+      </a:fillRef>
+      <a:effectRef idx="0">
+        <a:scrgbClr r="0" g="0" b="0"/>
+      </a:effectRef>
+      <a:fontRef idx="minor"/>
+    </dgm:style>
+  </dgm:styleLbl>
+  <dgm:styleLbl name="alignImgPlace1">
+    <dgm:scene3d>
+      <a:camera prst="orthographicFront"/>
+      <a:lightRig rig="threePt" dir="t"/>
+    </dgm:scene3d>
+    <dgm:sp3d/>
+    <dgm:txPr/>
+    <dgm:style>
+      <a:lnRef idx="2">
+        <a:scrgbClr r="0" g="0" b="0"/>
+      </a:lnRef>
+      <a:fillRef idx="1">
+        <a:scrgbClr r="0" g="0" b="0"/>
+      </a:fillRef>
+      <a:effectRef idx="0">
+        <a:scrgbClr r="0" g="0" b="0"/>
+      </a:effectRef>
+      <a:fontRef idx="minor"/>
+    </dgm:style>
+  </dgm:styleLbl>
+  <dgm:styleLbl name="bgImgPlace1">
+    <dgm:scene3d>
+      <a:camera prst="orthographicFront"/>
+      <a:lightRig rig="threePt" dir="t"/>
+    </dgm:scene3d>
+    <dgm:sp3d/>
+    <dgm:txPr/>
+    <dgm:style>
+      <a:lnRef idx="2">
+        <a:scrgbClr r="0" g="0" b="0"/>
+      </a:lnRef>
+      <a:fillRef idx="1">
+        <a:scrgbClr r="0" g="0" b="0"/>
+      </a:fillRef>
+      <a:effectRef idx="0">
+        <a:scrgbClr r="0" g="0" b="0"/>
+      </a:effectRef>
+      <a:fontRef idx="minor"/>
+    </dgm:style>
+  </dgm:styleLbl>
+  <dgm:styleLbl name="sibTrans2D1">
+    <dgm:scene3d>
+      <a:camera prst="orthographicFront"/>
+      <a:lightRig rig="threePt" dir="t"/>
+    </dgm:scene3d>
+    <dgm:sp3d/>
+    <dgm:txPr/>
+    <dgm:style>
+      <a:lnRef idx="0">
+        <a:scrgbClr r="0" g="0" b="0"/>
+      </a:lnRef>
+      <a:fillRef idx="1">
+        <a:scrgbClr r="0" g="0" b="0"/>
+      </a:fillRef>
+      <a:effectRef idx="0">
+        <a:scrgbClr r="0" g="0" b="0"/>
+      </a:effectRef>
+      <a:fontRef idx="minor">
+        <a:schemeClr val="lt1"/>
+      </a:fontRef>
+    </dgm:style>
+  </dgm:styleLbl>
+  <dgm:styleLbl name="fgSibTrans2D1">
+    <dgm:scene3d>
+      <a:camera prst="orthographicFront"/>
+      <a:lightRig rig="threePt" dir="t"/>
+    </dgm:scene3d>
+    <dgm:sp3d/>
+    <dgm:txPr/>
+    <dgm:style>
+      <a:lnRef idx="0">
+        <a:scrgbClr r="0" g="0" b="0"/>
+      </a:lnRef>
+      <a:fillRef idx="1">
+        <a:scrgbClr r="0" g="0" b="0"/>
+      </a:fillRef>
+      <a:effectRef idx="0">
+        <a:scrgbClr r="0" g="0" b="0"/>
+      </a:effectRef>
+      <a:fontRef idx="minor">
+        <a:schemeClr val="lt1"/>
+      </a:fontRef>
+    </dgm:style>
+  </dgm:styleLbl>
+  <dgm:styleLbl name="bgSibTrans2D1">
+    <dgm:scene3d>
+      <a:camera prst="orthographicFront"/>
+      <a:lightRig rig="threePt" dir="t"/>
+    </dgm:scene3d>
+    <dgm:sp3d/>
+    <dgm:txPr/>
+    <dgm:style>
+      <a:lnRef idx="0">
+        <a:scrgbClr r="0" g="0" b="0"/>
+      </a:lnRef>
+      <a:fillRef idx="1">
+        <a:scrgbClr r="0" g="0" b="0"/>
+      </a:fillRef>
+      <a:effectRef idx="0">
+        <a:scrgbClr r="0" g="0" b="0"/>
+      </a:effectRef>
+      <a:fontRef idx="minor">
+        <a:schemeClr val="lt1"/>
+      </a:fontRef>
+    </dgm:style>
+  </dgm:styleLbl>
+  <dgm:styleLbl name="sibTrans1D1">
+    <dgm:scene3d>
+      <a:camera prst="orthographicFront"/>
+      <a:lightRig rig="threePt" dir="t"/>
+    </dgm:scene3d>
+    <dgm:sp3d/>
+    <dgm:txPr/>
+    <dgm:style>
+      <a:lnRef idx="1">
+        <a:scrgbClr r="0" g="0" b="0"/>
+      </a:lnRef>
+      <a:fillRef idx="0">
+        <a:scrgbClr r="0" g="0" b="0"/>
+      </a:fillRef>
+      <a:effectRef idx="0">
+        <a:scrgbClr r="0" g="0" b="0"/>
+      </a:effectRef>
+      <a:fontRef idx="minor"/>
+    </dgm:style>
+  </dgm:styleLbl>
+  <dgm:styleLbl name="callout">
+    <dgm:scene3d>
+      <a:camera prst="orthographicFront"/>
+      <a:lightRig rig="threePt" dir="t"/>
+    </dgm:scene3d>
+    <dgm:sp3d/>
+    <dgm:txPr/>
+    <dgm:style>
+      <a:lnRef idx="2">
+        <a:scrgbClr r="0" g="0" b="0"/>
+      </a:lnRef>
+      <a:fillRef idx="1">
+        <a:scrgbClr r="0" g="0" b="0"/>
+      </a:fillRef>
+      <a:effectRef idx="0">
+        <a:scrgbClr r="0" g="0" b="0"/>
+      </a:effectRef>
+      <a:fontRef idx="minor"/>
+    </dgm:style>
+  </dgm:styleLbl>
+  <dgm:styleLbl name="asst0">
+    <dgm:scene3d>
+      <a:camera prst="orthographicFront"/>
+      <a:lightRig rig="threePt" dir="t"/>
+    </dgm:scene3d>
+    <dgm:sp3d/>
+    <dgm:txPr/>
+    <dgm:style>
+      <a:lnRef idx="2">
+        <a:scrgbClr r="0" g="0" b="0"/>
+      </a:lnRef>
+      <a:fillRef idx="1">
+        <a:scrgbClr r="0" g="0" b="0"/>
+      </a:fillRef>
+      <a:effectRef idx="0">
+        <a:scrgbClr r="0" g="0" b="0"/>
+      </a:effectRef>
+      <a:fontRef idx="minor">
+        <a:schemeClr val="lt1"/>
+      </a:fontRef>
+    </dgm:style>
+  </dgm:styleLbl>
+  <dgm:styleLbl name="asst1">
+    <dgm:scene3d>
+      <a:camera prst="orthographicFront"/>
+      <a:lightRig rig="threePt" dir="t"/>
+    </dgm:scene3d>
+    <dgm:sp3d/>
+    <dgm:txPr/>
+    <dgm:style>
+      <a:lnRef idx="2">
+        <a:scrgbClr r="0" g="0" b="0"/>
+      </a:lnRef>
+      <a:fillRef idx="1">
+        <a:scrgbClr r="0" g="0" b="0"/>
+      </a:fillRef>
+      <a:effectRef idx="0">
+        <a:scrgbClr r="0" g="0" b="0"/>
+      </a:effectRef>
+      <a:fontRef idx="minor">
+        <a:schemeClr val="lt1"/>
+      </a:fontRef>
+    </dgm:style>
+  </dgm:styleLbl>
+  <dgm:styleLbl name="asst2">
+    <dgm:scene3d>
+      <a:camera prst="orthographicFront"/>
+      <a:lightRig rig="threePt" dir="t"/>
+    </dgm:scene3d>
+    <dgm:sp3d/>
+    <dgm:txPr/>
+    <dgm:style>
+      <a:lnRef idx="2">
+        <a:scrgbClr r="0" g="0" b="0"/>
+      </a:lnRef>
+      <a:fillRef idx="1">
+        <a:scrgbClr r="0" g="0" b="0"/>
+      </a:fillRef>
+      <a:effectRef idx="0">
+        <a:scrgbClr r="0" g="0" b="0"/>
+      </a:effectRef>
+      <a:fontRef idx="minor">
+        <a:schemeClr val="lt1"/>
+      </a:fontRef>
+    </dgm:style>
+  </dgm:styleLbl>
+  <dgm:styleLbl name="asst3">
+    <dgm:scene3d>
+      <a:camera prst="orthographicFront"/>
+      <a:lightRig rig="threePt" dir="t"/>
+    </dgm:scene3d>
+    <dgm:sp3d/>
+    <dgm:txPr/>
+    <dgm:style>
+      <a:lnRef idx="2">
+        <a:scrgbClr r="0" g="0" b="0"/>
+      </a:lnRef>
+      <a:fillRef idx="1">
+        <a:scrgbClr r="0" g="0" b="0"/>
+      </a:fillRef>
+      <a:effectRef idx="0">
+        <a:scrgbClr r="0" g="0" b="0"/>
+      </a:effectRef>
+      <a:fontRef idx="minor">
+        <a:schemeClr val="lt1"/>
+      </a:fontRef>
+    </dgm:style>
+  </dgm:styleLbl>
+  <dgm:styleLbl name="asst4">
+    <dgm:scene3d>
+      <a:camera prst="orthographicFront"/>
+      <a:lightRig rig="threePt" dir="t"/>
+    </dgm:scene3d>
+    <dgm:sp3d/>
+    <dgm:txPr/>
+    <dgm:style>
+      <a:lnRef idx="2">
+        <a:scrgbClr r="0" g="0" b="0"/>
+      </a:lnRef>
+      <a:fillRef idx="1">
+        <a:scrgbClr r="0" g="0" b="0"/>
+      </a:fillRef>
+      <a:effectRef idx="0">
+        <a:scrgbClr r="0" g="0" b="0"/>
+      </a:effectRef>
+      <a:fontRef idx="minor">
+        <a:schemeClr val="lt1"/>
+      </a:fontRef>
+    </dgm:style>
+  </dgm:styleLbl>
+  <dgm:styleLbl name="parChTrans2D1">
+    <dgm:scene3d>
+      <a:camera prst="orthographicFront"/>
+      <a:lightRig rig="threePt" dir="t"/>
+    </dgm:scene3d>
+    <dgm:sp3d/>
+    <dgm:txPr/>
+    <dgm:style>
+      <a:lnRef idx="2">
+        <a:scrgbClr r="0" g="0" b="0"/>
+      </a:lnRef>
+      <a:fillRef idx="1">
+        <a:scrgbClr r="0" g="0" b="0"/>
+      </a:fillRef>
+      <a:effectRef idx="0">
+        <a:scrgbClr r="0" g="0" b="0"/>
+      </a:effectRef>
+      <a:fontRef idx="minor">
+        <a:schemeClr val="lt1"/>
+      </a:fontRef>
+    </dgm:style>
+  </dgm:styleLbl>
+  <dgm:styleLbl name="parChTrans2D2">
+    <dgm:scene3d>
+      <a:camera prst="orthographicFront"/>
+      <a:lightRig rig="threePt" dir="t"/>
+    </dgm:scene3d>
+    <dgm:sp3d/>
+    <dgm:txPr/>
+    <dgm:style>
+      <a:lnRef idx="2">
+        <a:scrgbClr r="0" g="0" b="0"/>
+      </a:lnRef>
+      <a:fillRef idx="1">
+        <a:scrgbClr r="0" g="0" b="0"/>
+      </a:fillRef>
+      <a:effectRef idx="0">
+        <a:scrgbClr r="0" g="0" b="0"/>
+      </a:effectRef>
+      <a:fontRef idx="minor">
+        <a:schemeClr val="lt1"/>
+      </a:fontRef>
+    </dgm:style>
+  </dgm:styleLbl>
+  <dgm:styleLbl name="parChTrans2D3">
+    <dgm:scene3d>
+      <a:camera prst="orthographicFront"/>
+      <a:lightRig rig="threePt" dir="t"/>
+    </dgm:scene3d>
+    <dgm:sp3d/>
+    <dgm:txPr/>
+    <dgm:style>
+      <a:lnRef idx="2">
+        <a:scrgbClr r="0" g="0" b="0"/>
+      </a:lnRef>
+      <a:fillRef idx="1">
+        <a:scrgbClr r="0" g="0" b="0"/>
+      </a:fillRef>
+      <a:effectRef idx="0">
+        <a:scrgbClr r="0" g="0" b="0"/>
+      </a:effectRef>
+      <a:fontRef idx="minor">
+        <a:schemeClr val="lt1"/>
+      </a:fontRef>
+    </dgm:style>
+  </dgm:styleLbl>
+  <dgm:styleLbl name="parChTrans2D4">
+    <dgm:scene3d>
+      <a:camera prst="orthographicFront"/>
+      <a:lightRig rig="threePt" dir="t"/>
+    </dgm:scene3d>
+    <dgm:sp3d/>
+    <dgm:txPr/>
+    <dgm:style>
+      <a:lnRef idx="2">
+        <a:scrgbClr r="0" g="0" b="0"/>
+      </a:lnRef>
+      <a:fillRef idx="1">
+        <a:scrgbClr r="0" g="0" b="0"/>
+      </a:fillRef>
+      <a:effectRef idx="0">
+        <a:scrgbClr r="0" g="0" b="0"/>
+      </a:effectRef>
+      <a:fontRef idx="minor">
+        <a:schemeClr val="lt1"/>
+      </a:fontRef>
+    </dgm:style>
+  </dgm:styleLbl>
+  <dgm:styleLbl name="parChTrans1D1">
+    <dgm:scene3d>
+      <a:camera prst="orthographicFront"/>
+      <a:lightRig rig="threePt" dir="t"/>
+    </dgm:scene3d>
+    <dgm:sp3d/>
+    <dgm:txPr/>
+    <dgm:style>
+      <a:lnRef idx="2">
+        <a:scrgbClr r="0" g="0" b="0"/>
+      </a:lnRef>
+      <a:fillRef idx="0">
+        <a:scrgbClr r="0" g="0" b="0"/>
+      </a:fillRef>
+      <a:effectRef idx="0">
+        <a:scrgbClr r="0" g="0" b="0"/>
+      </a:effectRef>
+      <a:fontRef idx="minor"/>
+    </dgm:style>
+  </dgm:styleLbl>
+  <dgm:styleLbl name="parChTrans1D2">
+    <dgm:scene3d>
+      <a:camera prst="orthographicFront"/>
+      <a:lightRig rig="threePt" dir="t"/>
+    </dgm:scene3d>
+    <dgm:sp3d/>
+    <dgm:txPr/>
+    <dgm:style>
+      <a:lnRef idx="2">
+        <a:scrgbClr r="0" g="0" b="0"/>
+      </a:lnRef>
+      <a:fillRef idx="0">
+        <a:scrgbClr r="0" g="0" b="0"/>
+      </a:fillRef>
+      <a:effectRef idx="0">
+        <a:scrgbClr r="0" g="0" b="0"/>
+      </a:effectRef>
+      <a:fontRef idx="minor"/>
+    </dgm:style>
+  </dgm:styleLbl>
+  <dgm:styleLbl name="parChTrans1D3">
+    <dgm:scene3d>
+      <a:camera prst="orthographicFront"/>
+      <a:lightRig rig="threePt" dir="t"/>
+    </dgm:scene3d>
+    <dgm:sp3d/>
+    <dgm:txPr/>
+    <dgm:style>
+      <a:lnRef idx="2">
+        <a:scrgbClr r="0" g="0" b="0"/>
+      </a:lnRef>
+      <a:fillRef idx="0">
+        <a:scrgbClr r="0" g="0" b="0"/>
+      </a:fillRef>
+      <a:effectRef idx="0">
+        <a:scrgbClr r="0" g="0" b="0"/>
+      </a:effectRef>
+      <a:fontRef idx="minor"/>
+    </dgm:style>
+  </dgm:styleLbl>
+  <dgm:styleLbl name="parChTrans1D4">
+    <dgm:scene3d>
+      <a:camera prst="orthographicFront"/>
+      <a:lightRig rig="threePt" dir="t"/>
+    </dgm:scene3d>
+    <dgm:sp3d/>
+    <dgm:txPr/>
+    <dgm:style>
+      <a:lnRef idx="2">
+        <a:scrgbClr r="0" g="0" b="0"/>
+      </a:lnRef>
+      <a:fillRef idx="0">
+        <a:scrgbClr r="0" g="0" b="0"/>
+      </a:fillRef>
+      <a:effectRef idx="0">
+        <a:scrgbClr r="0" g="0" b="0"/>
+      </a:effectRef>
+      <a:fontRef idx="minor"/>
+    </dgm:style>
+  </dgm:styleLbl>
+  <dgm:styleLbl name="fgAcc1">
+    <dgm:scene3d>
+      <a:camera prst="orthographicFront"/>
+      <a:lightRig rig="threePt" dir="t"/>
+    </dgm:scene3d>
+    <dgm:sp3d/>
+    <dgm:txPr/>
+    <dgm:style>
+      <a:lnRef idx="2">
+        <a:scrgbClr r="0" g="0" b="0"/>
+      </a:lnRef>
+      <a:fillRef idx="1">
+        <a:scrgbClr r="0" g="0" b="0"/>
+      </a:fillRef>
+      <a:effectRef idx="0">
+        <a:scrgbClr r="0" g="0" b="0"/>
+      </a:effectRef>
+      <a:fontRef idx="minor"/>
+    </dgm:style>
+  </dgm:styleLbl>
+  <dgm:styleLbl name="conFgAcc1">
+    <dgm:scene3d>
+      <a:camera prst="orthographicFront"/>
+      <a:lightRig rig="threePt" dir="t"/>
+    </dgm:scene3d>
+    <dgm:sp3d/>
+    <dgm:txPr/>
+    <dgm:style>
+      <a:lnRef idx="2">
+        <a:scrgbClr r="0" g="0" b="0"/>
+      </a:lnRef>
+      <a:fillRef idx="1">
+        <a:scrgbClr r="0" g="0" b="0"/>
+      </a:fillRef>
+      <a:effectRef idx="0">
+        <a:scrgbClr r="0" g="0" b="0"/>
+      </a:effectRef>
+      <a:fontRef idx="minor"/>
+    </dgm:style>
+  </dgm:styleLbl>
+  <dgm:styleLbl name="alignAcc1">
+    <dgm:scene3d>
+      <a:camera prst="orthographicFront"/>
+      <a:lightRig rig="threePt" dir="t"/>
+    </dgm:scene3d>
+    <dgm:sp3d/>
+    <dgm:txPr/>
+    <dgm:style>
+      <a:lnRef idx="2">
+        <a:scrgbClr r="0" g="0" b="0"/>
+      </a:lnRef>
+      <a:fillRef idx="1">
+        <a:scrgbClr r="0" g="0" b="0"/>
+      </a:fillRef>
+      <a:effectRef idx="0">
+        <a:scrgbClr r="0" g="0" b="0"/>
+      </a:effectRef>
+      <a:fontRef idx="minor"/>
+    </dgm:style>
+  </dgm:styleLbl>
+  <dgm:styleLbl name="trAlignAcc1">
+    <dgm:scene3d>
+      <a:camera prst="orthographicFront"/>
+      <a:lightRig rig="threePt" dir="t"/>
+    </dgm:scene3d>
+    <dgm:sp3d/>
+    <dgm:txPr/>
+    <dgm:style>
+      <a:lnRef idx="1">
+        <a:scrgbClr r="0" g="0" b="0"/>
+      </a:lnRef>
+      <a:fillRef idx="1">
+        <a:scrgbClr r="0" g="0" b="0"/>
+      </a:fillRef>
+      <a:effectRef idx="0">
+        <a:scrgbClr r="0" g="0" b="0"/>
+      </a:effectRef>
+      <a:fontRef idx="minor"/>
+    </dgm:style>
+  </dgm:styleLbl>
+  <dgm:styleLbl name="bgAcc1">
+    <dgm:scene3d>
+      <a:camera prst="orthographicFront"/>
+      <a:lightRig rig="threePt" dir="t"/>
+    </dgm:scene3d>
+    <dgm:sp3d/>
+    <dgm:txPr/>
+    <dgm:style>
+      <a:lnRef idx="2">
+        <a:scrgbClr r="0" g="0" b="0"/>
+      </a:lnRef>
+      <a:fillRef idx="1">
+        <a:scrgbClr r="0" g="0" b="0"/>
+      </a:fillRef>
+      <a:effectRef idx="0">
+        <a:scrgbClr r="0" g="0" b="0"/>
+      </a:effectRef>
+      <a:fontRef idx="minor"/>
+    </dgm:style>
+  </dgm:styleLbl>
+  <dgm:styleLbl name="solidFgAcc1">
+    <dgm:scene3d>
+      <a:camera prst="orthographicFront"/>
+      <a:lightRig rig="threePt" dir="t"/>
+    </dgm:scene3d>
+    <dgm:sp3d/>
+    <dgm:txPr/>
+    <dgm:style>
+      <a:lnRef idx="2">
+        <a:scrgbClr r="0" g="0" b="0"/>
+      </a:lnRef>
+      <a:fillRef idx="1">
+        <a:scrgbClr r="0" g="0" b="0"/>
+      </a:fillRef>
+      <a:effectRef idx="0">
+        <a:scrgbClr r="0" g="0" b="0"/>
+      </a:effectRef>
+      <a:fontRef idx="minor"/>
+    </dgm:style>
+  </dgm:styleLbl>
+  <dgm:styleLbl name="solidAlignAcc1">
+    <dgm:scene3d>
+      <a:camera prst="orthographicFront"/>
+      <a:lightRig rig="threePt" dir="t"/>
+    </dgm:scene3d>
+    <dgm:sp3d/>
+    <dgm:txPr/>
+    <dgm:style>
+      <a:lnRef idx="2">
+        <a:scrgbClr r="0" g="0" b="0"/>
+      </a:lnRef>
+      <a:fillRef idx="1">
+        <a:scrgbClr r="0" g="0" b="0"/>
+      </a:fillRef>
+      <a:effectRef idx="0">
+        <a:scrgbClr r="0" g="0" b="0"/>
+      </a:effectRef>
+      <a:fontRef idx="minor"/>
+    </dgm:style>
+  </dgm:styleLbl>
+  <dgm:styleLbl name="solidBgAcc1">
+    <dgm:scene3d>
+      <a:camera prst="orthographicFront"/>
+      <a:lightRig rig="threePt" dir="t"/>
+    </dgm:scene3d>
+    <dgm:sp3d/>
+    <dgm:txPr/>
+    <dgm:style>
+      <a:lnRef idx="2">
+        <a:scrgbClr r="0" g="0" b="0"/>
+      </a:lnRef>
+      <a:fillRef idx="1">
+        <a:scrgbClr r="0" g="0" b="0"/>
+      </a:fillRef>
+      <a:effectRef idx="0">
+        <a:scrgbClr r="0" g="0" b="0"/>
+      </a:effectRef>
+      <a:fontRef idx="minor"/>
+    </dgm:style>
+  </dgm:styleLbl>
+  <dgm:styleLbl name="fgAccFollowNode1">
+    <dgm:scene3d>
+      <a:camera prst="orthographicFront"/>
+      <a:lightRig rig="threePt" dir="t"/>
+    </dgm:scene3d>
+    <dgm:sp3d/>
+    <dgm:txPr/>
+    <dgm:style>
+      <a:lnRef idx="2">
+        <a:scrgbClr r="0" g="0" b="0"/>
+      </a:lnRef>
+      <a:fillRef idx="1">
+        <a:scrgbClr r="0" g="0" b="0"/>
+      </a:fillRef>
+      <a:effectRef idx="0">
+        <a:scrgbClr r="0" g="0" b="0"/>
+      </a:effectRef>
+      <a:fontRef idx="minor"/>
+    </dgm:style>
+  </dgm:styleLbl>
+  <dgm:styleLbl name="alignAccFollowNode1">
+    <dgm:scene3d>
+      <a:camera prst="orthographicFront"/>
+      <a:lightRig rig="threePt" dir="t"/>
+    </dgm:scene3d>
+    <dgm:sp3d/>
+    <dgm:txPr/>
+    <dgm:style>
+      <a:lnRef idx="2">
+        <a:scrgbClr r="0" g="0" b="0"/>
+      </a:lnRef>
+      <a:fillRef idx="1">
+        <a:scrgbClr r="0" g="0" b="0"/>
+      </a:fillRef>
+      <a:effectRef idx="0">
+        <a:scrgbClr r="0" g="0" b="0"/>
+      </a:effectRef>
+      <a:fontRef idx="minor"/>
+    </dgm:style>
+  </dgm:styleLbl>
+  <dgm:styleLbl name="bgAccFollowNode1">
+    <dgm:scene3d>
+      <a:camera prst="orthographicFront"/>
+      <a:lightRig rig="threePt" dir="t"/>
+    </dgm:scene3d>
+    <dgm:sp3d/>
+    <dgm:txPr/>
+    <dgm:style>
+      <a:lnRef idx="2">
+        <a:scrgbClr r="0" g="0" b="0"/>
+      </a:lnRef>
+      <a:fillRef idx="1">
+        <a:scrgbClr r="0" g="0" b="0"/>
+      </a:fillRef>
+      <a:effectRef idx="0">
+        <a:scrgbClr r="0" g="0" b="0"/>
+      </a:effectRef>
+      <a:fontRef idx="minor"/>
+    </dgm:style>
+  </dgm:styleLbl>
+  <dgm:styleLbl name="fgAcc0">
+    <dgm:scene3d>
+      <a:camera prst="orthographicFront"/>
+      <a:lightRig rig="threePt" dir="t"/>
+    </dgm:scene3d>
+    <dgm:sp3d/>
+    <dgm:txPr/>
+    <dgm:style>
+      <a:lnRef idx="2">
+        <a:scrgbClr r="0" g="0" b="0"/>
+      </a:lnRef>
+      <a:fillRef idx="1">
+        <a:scrgbClr r="0" g="0" b="0"/>
+      </a:fillRef>
+      <a:effectRef idx="0">
+        <a:scrgbClr r="0" g="0" b="0"/>
+      </a:effectRef>
+      <a:fontRef idx="minor"/>
+    </dgm:style>
+  </dgm:styleLbl>
+  <dgm:styleLbl name="fgAcc2">
+    <dgm:scene3d>
+      <a:camera prst="orthographicFront"/>
+      <a:lightRig rig="threePt" dir="t"/>
+    </dgm:scene3d>
+    <dgm:sp3d/>
+    <dgm:txPr/>
+    <dgm:style>
+      <a:lnRef idx="2">
+        <a:scrgbClr r="0" g="0" b="0"/>
+      </a:lnRef>
+      <a:fillRef idx="1">
+        <a:scrgbClr r="0" g="0" b="0"/>
+      </a:fillRef>
+      <a:effectRef idx="0">
+        <a:scrgbClr r="0" g="0" b="0"/>
+      </a:effectRef>
+      <a:fontRef idx="minor"/>
+    </dgm:style>
+  </dgm:styleLbl>
+  <dgm:styleLbl name="fgAcc3">
+    <dgm:scene3d>
+      <a:camera prst="orthographicFront"/>
+      <a:lightRig rig="threePt" dir="t"/>
+    </dgm:scene3d>
+    <dgm:sp3d/>
+    <dgm:txPr/>
+    <dgm:style>
+      <a:lnRef idx="2">
+        <a:scrgbClr r="0" g="0" b="0"/>
+      </a:lnRef>
+      <a:fillRef idx="1">
+        <a:scrgbClr r="0" g="0" b="0"/>
+      </a:fillRef>
+      <a:effectRef idx="0">
+        <a:scrgbClr r="0" g="0" b="0"/>
+      </a:effectRef>
+      <a:fontRef idx="minor"/>
+    </dgm:style>
+  </dgm:styleLbl>
+  <dgm:styleLbl name="fgAcc4">
+    <dgm:scene3d>
+      <a:camera prst="orthographicFront"/>
+      <a:lightRig rig="threePt" dir="t"/>
+    </dgm:scene3d>
+    <dgm:sp3d/>
+    <dgm:txPr/>
+    <dgm:style>
+      <a:lnRef idx="2">
+        <a:scrgbClr r="0" g="0" b="0"/>
+      </a:lnRef>
+      <a:fillRef idx="1">
+        <a:scrgbClr r="0" g="0" b="0"/>
+      </a:fillRef>
+      <a:effectRef idx="0">
+        <a:scrgbClr r="0" g="0" b="0"/>
+      </a:effectRef>
+      <a:fontRef idx="minor"/>
+    </dgm:style>
+  </dgm:styleLbl>
+  <dgm:styleLbl name="bgShp">
+    <dgm:scene3d>
+      <a:camera prst="orthographicFront"/>
+      <a:lightRig rig="threePt" dir="t"/>
+    </dgm:scene3d>
+    <dgm:sp3d/>
+    <dgm:txPr/>
+    <dgm:style>
+      <a:lnRef idx="0">
+        <a:scrgbClr r="0" g="0" b="0"/>
+      </a:lnRef>
+      <a:fillRef idx="1">
+        <a:scrgbClr r="0" g="0" b="0"/>
+      </a:fillRef>
+      <a:effectRef idx="0">
+        <a:scrgbClr r="0" g="0" b="0"/>
+      </a:effectRef>
+      <a:fontRef idx="minor"/>
+    </dgm:style>
+  </dgm:styleLbl>
+  <dgm:styleLbl name="dkBgShp">
+    <dgm:scene3d>
+      <a:camera prst="orthographicFront"/>
+      <a:lightRig rig="threePt" dir="t"/>
+    </dgm:scene3d>
+    <dgm:sp3d/>
+    <dgm:txPr/>
+    <dgm:style>
+      <a:lnRef idx="0">
+        <a:scrgbClr r="0" g="0" b="0"/>
+      </a:lnRef>
+      <a:fillRef idx="1">
+        <a:scrgbClr r="0" g="0" b="0"/>
+      </a:fillRef>
+      <a:effectRef idx="0">
+        <a:scrgbClr r="0" g="0" b="0"/>
+      </a:effectRef>
+      <a:fontRef idx="minor"/>
+    </dgm:style>
+  </dgm:styleLbl>
+  <dgm:styleLbl name="trBgShp">
+    <dgm:scene3d>
+      <a:camera prst="orthographicFront"/>
+      <a:lightRig rig="threePt" dir="t"/>
+    </dgm:scene3d>
+    <dgm:sp3d/>
+    <dgm:txPr/>
+    <dgm:style>
+      <a:lnRef idx="0">
+        <a:scrgbClr r="0" g="0" b="0"/>
+      </a:lnRef>
+      <a:fillRef idx="1">
+        <a:scrgbClr r="0" g="0" b="0"/>
+      </a:fillRef>
+      <a:effectRef idx="0">
+        <a:scrgbClr r="0" g="0" b="0"/>
+      </a:effectRef>
+      <a:fontRef idx="minor"/>
+    </dgm:style>
+  </dgm:styleLbl>
+  <dgm:styleLbl name="fgShp">
+    <dgm:scene3d>
+      <a:camera prst="orthographicFront"/>
+      <a:lightRig rig="threePt" dir="t"/>
+    </dgm:scene3d>
+    <dgm:sp3d/>
+    <dgm:txPr/>
+    <dgm:style>
+      <a:lnRef idx="2">
+        <a:scrgbClr r="0" g="0" b="0"/>
+      </a:lnRef>
+      <a:fillRef idx="1">
+        <a:scrgbClr r="0" g="0" b="0"/>
+      </a:fillRef>
+      <a:effectRef idx="0">
+        <a:scrgbClr r="0" g="0" b="0"/>
+      </a:effectRef>
+      <a:fontRef idx="minor"/>
+    </dgm:style>
+  </dgm:styleLbl>
+  <dgm:styleLbl name="revTx">
+    <dgm:scene3d>
+      <a:camera prst="orthographicFront"/>
+      <a:lightRig rig="threePt" dir="t"/>
+    </dgm:scene3d>
+    <dgm:sp3d/>
+    <dgm:txPr/>
+    <dgm:style>
+      <a:lnRef idx="0">
+        <a:scrgbClr r="0" g="0" b="0"/>
+      </a:lnRef>
+      <a:fillRef idx="0">
+        <a:scrgbClr r="0" g="0" b="0"/>
+      </a:fillRef>
+      <a:effectRef idx="0">
+        <a:scrgbClr r="0" g="0" b="0"/>
+      </a:effectRef>
+      <a:fontRef idx="minor"/>
+    </dgm:style>
+  </dgm:styleLbl>
+</dgm:styleDef>
+</file>
+
+<file path=ppt/diagrams/quickStyle4.xml><?xml version="1.0" encoding="utf-8"?>
 <dgm:styleDef xmlns:dgm="http://schemas.openxmlformats.org/drawingml/2006/diagram" xmlns:a="http://schemas.openxmlformats.org/drawingml/2006/main" uniqueId="urn:microsoft.com/office/officeart/2005/8/quickstyle/simple5">
   <dgm:title val=""/>
   <dgm:desc val=""/>
@@ -8515,7 +12383,7 @@
           <a:p>
             <a:fld id="{6843026C-6EB5-47EC-8B51-A60EA406D1EB}" type="datetimeFigureOut">
               <a:rPr lang="en-US" smtClean="0"/>
-              <a:t>10/6/2021</a:t>
+              <a:t>10/7/2021</a:t>
             </a:fld>
             <a:endParaRPr lang="en-US"/>
           </a:p>
@@ -8715,7 +12583,7 @@
           <a:p>
             <a:fld id="{6843026C-6EB5-47EC-8B51-A60EA406D1EB}" type="datetimeFigureOut">
               <a:rPr lang="en-US" smtClean="0"/>
-              <a:t>10/6/2021</a:t>
+              <a:t>10/7/2021</a:t>
             </a:fld>
             <a:endParaRPr lang="en-US"/>
           </a:p>
@@ -8925,7 +12793,7 @@
           <a:p>
             <a:fld id="{6843026C-6EB5-47EC-8B51-A60EA406D1EB}" type="datetimeFigureOut">
               <a:rPr lang="en-US" smtClean="0"/>
-              <a:t>10/6/2021</a:t>
+              <a:t>10/7/2021</a:t>
             </a:fld>
             <a:endParaRPr lang="en-US"/>
           </a:p>
@@ -9125,7 +12993,7 @@
           <a:p>
             <a:fld id="{6843026C-6EB5-47EC-8B51-A60EA406D1EB}" type="datetimeFigureOut">
               <a:rPr lang="en-US" smtClean="0"/>
-              <a:t>10/6/2021</a:t>
+              <a:t>10/7/2021</a:t>
             </a:fld>
             <a:endParaRPr lang="en-US"/>
           </a:p>
@@ -9401,7 +13269,7 @@
           <a:p>
             <a:fld id="{6843026C-6EB5-47EC-8B51-A60EA406D1EB}" type="datetimeFigureOut">
               <a:rPr lang="en-US" smtClean="0"/>
-              <a:t>10/6/2021</a:t>
+              <a:t>10/7/2021</a:t>
             </a:fld>
             <a:endParaRPr lang="en-US"/>
           </a:p>
@@ -9669,7 +13537,7 @@
           <a:p>
             <a:fld id="{6843026C-6EB5-47EC-8B51-A60EA406D1EB}" type="datetimeFigureOut">
               <a:rPr lang="en-US" smtClean="0"/>
-              <a:t>10/6/2021</a:t>
+              <a:t>10/7/2021</a:t>
             </a:fld>
             <a:endParaRPr lang="en-US"/>
           </a:p>
@@ -10084,7 +13952,7 @@
           <a:p>
             <a:fld id="{6843026C-6EB5-47EC-8B51-A60EA406D1EB}" type="datetimeFigureOut">
               <a:rPr lang="en-US" smtClean="0"/>
-              <a:t>10/6/2021</a:t>
+              <a:t>10/7/2021</a:t>
             </a:fld>
             <a:endParaRPr lang="en-US"/>
           </a:p>
@@ -10226,7 +14094,7 @@
           <a:p>
             <a:fld id="{6843026C-6EB5-47EC-8B51-A60EA406D1EB}" type="datetimeFigureOut">
               <a:rPr lang="en-US" smtClean="0"/>
-              <a:t>10/6/2021</a:t>
+              <a:t>10/7/2021</a:t>
             </a:fld>
             <a:endParaRPr lang="en-US"/>
           </a:p>
@@ -10339,7 +14207,7 @@
           <a:p>
             <a:fld id="{6843026C-6EB5-47EC-8B51-A60EA406D1EB}" type="datetimeFigureOut">
               <a:rPr lang="en-US" smtClean="0"/>
-              <a:t>10/6/2021</a:t>
+              <a:t>10/7/2021</a:t>
             </a:fld>
             <a:endParaRPr lang="en-US"/>
           </a:p>
@@ -10652,7 +14520,7 @@
           <a:p>
             <a:fld id="{6843026C-6EB5-47EC-8B51-A60EA406D1EB}" type="datetimeFigureOut">
               <a:rPr lang="en-US" smtClean="0"/>
-              <a:t>10/6/2021</a:t>
+              <a:t>10/7/2021</a:t>
             </a:fld>
             <a:endParaRPr lang="en-US"/>
           </a:p>
@@ -10941,7 +14809,7 @@
           <a:p>
             <a:fld id="{6843026C-6EB5-47EC-8B51-A60EA406D1EB}" type="datetimeFigureOut">
               <a:rPr lang="en-US" smtClean="0"/>
-              <a:t>10/6/2021</a:t>
+              <a:t>10/7/2021</a:t>
             </a:fld>
             <a:endParaRPr lang="en-US"/>
           </a:p>
@@ -11184,7 +15052,7 @@
           <a:p>
             <a:fld id="{6843026C-6EB5-47EC-8B51-A60EA406D1EB}" type="datetimeFigureOut">
               <a:rPr lang="en-US" smtClean="0"/>
-              <a:t>10/6/2021</a:t>
+              <a:t>10/7/2021</a:t>
             </a:fld>
             <a:endParaRPr lang="en-US"/>
           </a:p>
@@ -11832,6 +15700,172 @@
                 </a:solidFill>
                 <a:latin typeface="Avenir Next LT Pro Light" panose="020B0304020202020204" pitchFamily="34" charset="0"/>
               </a:rPr>
+              <a:t>Pause – Snacks &amp; Drinks</a:t>
+            </a:r>
+            <a:endParaRPr lang="en-US" dirty="0">
+              <a:solidFill>
+                <a:schemeClr val="bg1"/>
+              </a:solidFill>
+              <a:latin typeface="Avenir Next LT Pro Light" panose="020B0304020202020204" pitchFamily="34" charset="0"/>
+            </a:endParaRPr>
+          </a:p>
+        </p:txBody>
+      </p:sp>
+      <p:pic>
+        <p:nvPicPr>
+          <p:cNvPr id="4" name="Inhaltsplatzhalter 8" descr="Stoppuhr">
+            <a:extLst>
+              <a:ext uri="{FF2B5EF4-FFF2-40B4-BE49-F238E27FC236}">
+                <a16:creationId xmlns:a16="http://schemas.microsoft.com/office/drawing/2014/main" id="{A7F8691E-369A-483B-9E90-EB30764D8BB1}"/>
+              </a:ext>
+            </a:extLst>
+          </p:cNvPr>
+          <p:cNvPicPr>
+            <a:picLocks noChangeAspect="1"/>
+          </p:cNvPicPr>
+          <p:nvPr/>
+        </p:nvPicPr>
+        <p:blipFill>
+          <a:blip r:embed="rId2">
+            <a:extLst>
+              <a:ext uri="{28A0092B-C50C-407E-A947-70E740481C1C}">
+                <a14:useLocalDpi xmlns:a14="http://schemas.microsoft.com/office/drawing/2010/main" val="0"/>
+              </a:ext>
+              <a:ext uri="{96DAC541-7B7A-43D3-8B79-37D633B846F1}">
+                <asvg:svgBlip xmlns:asvg="http://schemas.microsoft.com/office/drawing/2016/SVG/main" r:embed="rId3"/>
+              </a:ext>
+            </a:extLst>
+          </a:blip>
+          <a:stretch>
+            <a:fillRect/>
+          </a:stretch>
+        </p:blipFill>
+        <p:spPr>
+          <a:xfrm>
+            <a:off x="838199" y="1690687"/>
+            <a:ext cx="4682067" cy="4682067"/>
+          </a:xfrm>
+          <a:prstGeom prst="rect">
+            <a:avLst/>
+          </a:prstGeom>
+        </p:spPr>
+      </p:pic>
+      <p:sp>
+        <p:nvSpPr>
+          <p:cNvPr id="5" name="Textfeld 4">
+            <a:extLst>
+              <a:ext uri="{FF2B5EF4-FFF2-40B4-BE49-F238E27FC236}">
+                <a16:creationId xmlns:a16="http://schemas.microsoft.com/office/drawing/2014/main" id="{0B2772EB-64EC-4DAB-AFEE-457A1C00BCD7}"/>
+              </a:ext>
+            </a:extLst>
+          </p:cNvPr>
+          <p:cNvSpPr txBox="1"/>
+          <p:nvPr/>
+        </p:nvSpPr>
+        <p:spPr>
+          <a:xfrm>
+            <a:off x="5520266" y="3677778"/>
+            <a:ext cx="5960533" cy="707886"/>
+          </a:xfrm>
+          <a:prstGeom prst="rect">
+            <a:avLst/>
+          </a:prstGeom>
+          <a:noFill/>
+        </p:spPr>
+        <p:txBody>
+          <a:bodyPr wrap="square" rtlCol="0">
+            <a:spAutoFit/>
+          </a:bodyPr>
+          <a:lstStyle/>
+          <a:p>
+            <a:pPr algn="ctr"/>
+            <a:r>
+              <a:rPr lang="de-DE" sz="4000" dirty="0">
+                <a:solidFill>
+                  <a:schemeClr val="bg1"/>
+                </a:solidFill>
+                <a:latin typeface="Avenir Next LT Pro Light" panose="020B0304020202020204" pitchFamily="34" charset="0"/>
+              </a:rPr>
+              <a:t>ca. 16:00 –  16:30</a:t>
+            </a:r>
+            <a:endParaRPr lang="en-US" sz="4000" dirty="0">
+              <a:solidFill>
+                <a:schemeClr val="bg1"/>
+              </a:solidFill>
+              <a:latin typeface="Avenir Next LT Pro Light" panose="020B0304020202020204" pitchFamily="34" charset="0"/>
+            </a:endParaRPr>
+          </a:p>
+        </p:txBody>
+      </p:sp>
+    </p:spTree>
+    <p:extLst>
+      <p:ext uri="{BB962C8B-B14F-4D97-AF65-F5344CB8AC3E}">
+        <p14:creationId xmlns:p14="http://schemas.microsoft.com/office/powerpoint/2010/main" val="534879473"/>
+      </p:ext>
+    </p:extLst>
+  </p:cSld>
+  <p:clrMapOvr>
+    <a:masterClrMapping/>
+  </p:clrMapOvr>
+</p:sld>
+</file>
+
+<file path=ppt/slides/slide11.xml><?xml version="1.0" encoding="utf-8"?>
+<p:sld xmlns:a="http://schemas.openxmlformats.org/drawingml/2006/main" xmlns:r="http://schemas.openxmlformats.org/officeDocument/2006/relationships" xmlns:p="http://schemas.openxmlformats.org/presentationml/2006/main">
+  <p:cSld>
+    <p:bg>
+      <p:bgPr>
+        <a:solidFill>
+          <a:schemeClr val="tx1">
+            <a:lumMod val="85000"/>
+            <a:lumOff val="15000"/>
+          </a:schemeClr>
+        </a:solidFill>
+        <a:effectLst/>
+      </p:bgPr>
+    </p:bg>
+    <p:spTree>
+      <p:nvGrpSpPr>
+        <p:cNvPr id="1" name=""/>
+        <p:cNvGrpSpPr/>
+        <p:nvPr/>
+      </p:nvGrpSpPr>
+      <p:grpSpPr>
+        <a:xfrm>
+          <a:off x="0" y="0"/>
+          <a:ext cx="0" cy="0"/>
+          <a:chOff x="0" y="0"/>
+          <a:chExt cx="0" cy="0"/>
+        </a:xfrm>
+      </p:grpSpPr>
+      <p:sp>
+        <p:nvSpPr>
+          <p:cNvPr id="2" name="Titel 1">
+            <a:extLst>
+              <a:ext uri="{FF2B5EF4-FFF2-40B4-BE49-F238E27FC236}">
+                <a16:creationId xmlns:a16="http://schemas.microsoft.com/office/drawing/2014/main" id="{747753E9-46C1-43E7-BF55-1C39C3D2263B}"/>
+              </a:ext>
+            </a:extLst>
+          </p:cNvPr>
+          <p:cNvSpPr>
+            <a:spLocks noGrp="1"/>
+          </p:cNvSpPr>
+          <p:nvPr>
+            <p:ph type="title"/>
+          </p:nvPr>
+        </p:nvSpPr>
+        <p:spPr/>
+        <p:txBody>
+          <a:bodyPr/>
+          <a:lstStyle/>
+          <a:p>
+            <a:r>
+              <a:rPr lang="de-DE" dirty="0">
+                <a:solidFill>
+                  <a:schemeClr val="bg1"/>
+                </a:solidFill>
+                <a:latin typeface="Avenir Next LT Pro Light" panose="020B0304020202020204" pitchFamily="34" charset="0"/>
+              </a:rPr>
               <a:t>SSL/TLS Verschlüsselung</a:t>
             </a:r>
             <a:endParaRPr lang="en-US" dirty="0">
@@ -12024,7 +16058,7 @@
 </p:sld>
 </file>
 
-<file path=ppt/slides/slide11.xml><?xml version="1.0" encoding="utf-8"?>
+<file path=ppt/slides/slide12.xml><?xml version="1.0" encoding="utf-8"?>
 <p:sld xmlns:a="http://schemas.openxmlformats.org/drawingml/2006/main" xmlns:r="http://schemas.openxmlformats.org/officeDocument/2006/relationships" xmlns:p="http://schemas.openxmlformats.org/presentationml/2006/main">
   <p:cSld>
     <p:bg>
@@ -12190,7 +16224,7 @@
 </p:sld>
 </file>
 
-<file path=ppt/slides/slide12.xml><?xml version="1.0" encoding="utf-8"?>
+<file path=ppt/slides/slide13.xml><?xml version="1.0" encoding="utf-8"?>
 <p:sld xmlns:a="http://schemas.openxmlformats.org/drawingml/2006/main" xmlns:r="http://schemas.openxmlformats.org/officeDocument/2006/relationships" xmlns:p="http://schemas.openxmlformats.org/presentationml/2006/main">
   <p:cSld>
     <p:bg>
@@ -12412,7 +16446,7 @@
                 </a:solidFill>
                 <a:latin typeface="Avenir Next LT Pro Light" panose="020B0304020202020204" pitchFamily="34" charset="0"/>
               </a:rPr>
-              <a:t>Portfolio Website</a:t>
+              <a:t>Warum eine Portfolio Website?</a:t>
             </a:r>
             <a:endParaRPr lang="en-US" dirty="0">
               <a:solidFill>
@@ -12439,7 +16473,7 @@
             <p:ph idx="1"/>
             <p:extLst>
               <p:ext uri="{D42A27DB-BD31-4B8C-83A1-F6EECF244321}">
-                <p14:modId xmlns:p14="http://schemas.microsoft.com/office/powerpoint/2010/main" val="619419059"/>
+                <p14:modId xmlns:p14="http://schemas.microsoft.com/office/powerpoint/2010/main" val="1059249603"/>
               </p:ext>
             </p:extLst>
           </p:nvPr>
@@ -12468,6 +16502,117 @@
 </file>
 
 <file path=ppt/slides/slide3.xml><?xml version="1.0" encoding="utf-8"?>
+<p:sld xmlns:a="http://schemas.openxmlformats.org/drawingml/2006/main" xmlns:r="http://schemas.openxmlformats.org/officeDocument/2006/relationships" xmlns:p="http://schemas.openxmlformats.org/presentationml/2006/main">
+  <p:cSld>
+    <p:bg>
+      <p:bgPr>
+        <a:solidFill>
+          <a:schemeClr val="tx1">
+            <a:lumMod val="85000"/>
+            <a:lumOff val="15000"/>
+          </a:schemeClr>
+        </a:solidFill>
+        <a:effectLst/>
+      </p:bgPr>
+    </p:bg>
+    <p:spTree>
+      <p:nvGrpSpPr>
+        <p:cNvPr id="1" name=""/>
+        <p:cNvGrpSpPr/>
+        <p:nvPr/>
+      </p:nvGrpSpPr>
+      <p:grpSpPr>
+        <a:xfrm>
+          <a:off x="0" y="0"/>
+          <a:ext cx="0" cy="0"/>
+          <a:chOff x="0" y="0"/>
+          <a:chExt cx="0" cy="0"/>
+        </a:xfrm>
+      </p:grpSpPr>
+      <p:sp>
+        <p:nvSpPr>
+          <p:cNvPr id="2" name="Titel 1">
+            <a:extLst>
+              <a:ext uri="{FF2B5EF4-FFF2-40B4-BE49-F238E27FC236}">
+                <a16:creationId xmlns:a16="http://schemas.microsoft.com/office/drawing/2014/main" id="{03F11C62-7D22-42E3-B8EA-ABAEBB011B61}"/>
+              </a:ext>
+            </a:extLst>
+          </p:cNvPr>
+          <p:cNvSpPr>
+            <a:spLocks noGrp="1"/>
+          </p:cNvSpPr>
+          <p:nvPr>
+            <p:ph type="title"/>
+          </p:nvPr>
+        </p:nvSpPr>
+        <p:spPr/>
+        <p:txBody>
+          <a:bodyPr/>
+          <a:lstStyle/>
+          <a:p>
+            <a:r>
+              <a:rPr lang="de-DE" dirty="0">
+                <a:solidFill>
+                  <a:schemeClr val="bg1"/>
+                </a:solidFill>
+                <a:latin typeface="Avenir Next LT Pro Light" panose="020B0304020202020204" pitchFamily="34" charset="0"/>
+              </a:rPr>
+              <a:t>Inhalte einer Portfolio Website</a:t>
+            </a:r>
+            <a:endParaRPr lang="en-US" dirty="0">
+              <a:solidFill>
+                <a:schemeClr val="bg1"/>
+              </a:solidFill>
+              <a:latin typeface="Avenir Next LT Pro Light" panose="020B0304020202020204" pitchFamily="34" charset="0"/>
+            </a:endParaRPr>
+          </a:p>
+        </p:txBody>
+      </p:sp>
+      <p:graphicFrame>
+        <p:nvGraphicFramePr>
+          <p:cNvPr id="9" name="Inhaltsplatzhalter 8">
+            <a:extLst>
+              <a:ext uri="{FF2B5EF4-FFF2-40B4-BE49-F238E27FC236}">
+                <a16:creationId xmlns:a16="http://schemas.microsoft.com/office/drawing/2014/main" id="{FDF9F38A-75A1-4CEA-8166-5846C7E4DF0D}"/>
+              </a:ext>
+            </a:extLst>
+          </p:cNvPr>
+          <p:cNvGraphicFramePr>
+            <a:graphicFrameLocks noGrp="1"/>
+          </p:cNvGraphicFramePr>
+          <p:nvPr>
+            <p:ph idx="1"/>
+            <p:extLst>
+              <p:ext uri="{D42A27DB-BD31-4B8C-83A1-F6EECF244321}">
+                <p14:modId xmlns:p14="http://schemas.microsoft.com/office/powerpoint/2010/main" val="3384970926"/>
+              </p:ext>
+            </p:extLst>
+          </p:nvPr>
+        </p:nvGraphicFramePr>
+        <p:xfrm>
+          <a:off x="838200" y="1825625"/>
+          <a:ext cx="10515600" cy="4351338"/>
+        </p:xfrm>
+        <a:graphic>
+          <a:graphicData uri="http://schemas.openxmlformats.org/drawingml/2006/diagram">
+            <dgm:relIds xmlns:dgm="http://schemas.openxmlformats.org/drawingml/2006/diagram" xmlns:r="http://schemas.openxmlformats.org/officeDocument/2006/relationships" r:dm="rId2" r:lo="rId3" r:qs="rId4" r:cs="rId5"/>
+          </a:graphicData>
+        </a:graphic>
+      </p:graphicFrame>
+    </p:spTree>
+    <p:extLst>
+      <p:ext uri="{BB962C8B-B14F-4D97-AF65-F5344CB8AC3E}">
+        <p14:creationId xmlns:p14="http://schemas.microsoft.com/office/powerpoint/2010/main" val="2239231654"/>
+      </p:ext>
+    </p:extLst>
+  </p:cSld>
+  <p:clrMapOvr>
+    <a:masterClrMapping/>
+  </p:clrMapOvr>
+</p:sld>
+</file>
+
+<file path=ppt/slides/slide4.xml><?xml version="1.0" encoding="utf-8"?>
 <p:sld xmlns:a="http://schemas.openxmlformats.org/drawingml/2006/main" xmlns:r="http://schemas.openxmlformats.org/officeDocument/2006/relationships" xmlns:p="http://schemas.openxmlformats.org/presentationml/2006/main">
   <p:cSld>
     <p:bg>
@@ -12714,7 +16859,7 @@
 </p:sld>
 </file>
 
-<file path=ppt/slides/slide4.xml><?xml version="1.0" encoding="utf-8"?>
+<file path=ppt/slides/slide5.xml><?xml version="1.0" encoding="utf-8"?>
 <p:sld xmlns:a="http://schemas.openxmlformats.org/drawingml/2006/main" xmlns:r="http://schemas.openxmlformats.org/officeDocument/2006/relationships" xmlns:p="http://schemas.openxmlformats.org/presentationml/2006/main">
   <p:cSld>
     <p:bg>
@@ -12867,7 +17012,7 @@
 </p:sld>
 </file>
 
-<file path=ppt/slides/slide5.xml><?xml version="1.0" encoding="utf-8"?>
+<file path=ppt/slides/slide6.xml><?xml version="1.0" encoding="utf-8"?>
 <p:sld xmlns:a="http://schemas.openxmlformats.org/drawingml/2006/main" xmlns:r="http://schemas.openxmlformats.org/officeDocument/2006/relationships" xmlns:p="http://schemas.openxmlformats.org/presentationml/2006/main">
   <p:cSld>
     <p:bg>
@@ -14697,7 +18842,7 @@
 </p:sld>
 </file>
 
-<file path=ppt/slides/slide6.xml><?xml version="1.0" encoding="utf-8"?>
+<file path=ppt/slides/slide7.xml><?xml version="1.0" encoding="utf-8"?>
 <p:sld xmlns:a="http://schemas.openxmlformats.org/drawingml/2006/main" xmlns:r="http://schemas.openxmlformats.org/officeDocument/2006/relationships" xmlns:p="http://schemas.openxmlformats.org/presentationml/2006/main">
   <p:cSld>
     <p:bg>
@@ -14879,7 +19024,7 @@
 </p:sld>
 </file>
 
-<file path=ppt/slides/slide7.xml><?xml version="1.0" encoding="utf-8"?>
+<file path=ppt/slides/slide8.xml><?xml version="1.0" encoding="utf-8"?>
 <p:sld xmlns:a="http://schemas.openxmlformats.org/drawingml/2006/main" xmlns:r="http://schemas.openxmlformats.org/officeDocument/2006/relationships" xmlns:p="http://schemas.openxmlformats.org/presentationml/2006/main">
   <p:cSld>
     <p:bg>
@@ -15056,7 +19201,7 @@
 </p:sld>
 </file>
 
-<file path=ppt/slides/slide8.xml><?xml version="1.0" encoding="utf-8"?>
+<file path=ppt/slides/slide9.xml><?xml version="1.0" encoding="utf-8"?>
 <p:sld xmlns:a="http://schemas.openxmlformats.org/drawingml/2006/main" xmlns:r="http://schemas.openxmlformats.org/officeDocument/2006/relationships" xmlns:p="http://schemas.openxmlformats.org/presentationml/2006/main">
   <p:cSld>
     <p:bg>
@@ -15224,172 +19369,6 @@
     <p:extLst>
       <p:ext uri="{BB962C8B-B14F-4D97-AF65-F5344CB8AC3E}">
         <p14:creationId xmlns:p14="http://schemas.microsoft.com/office/powerpoint/2010/main" val="3449857767"/>
-      </p:ext>
-    </p:extLst>
-  </p:cSld>
-  <p:clrMapOvr>
-    <a:masterClrMapping/>
-  </p:clrMapOvr>
-</p:sld>
-</file>
-
-<file path=ppt/slides/slide9.xml><?xml version="1.0" encoding="utf-8"?>
-<p:sld xmlns:a="http://schemas.openxmlformats.org/drawingml/2006/main" xmlns:r="http://schemas.openxmlformats.org/officeDocument/2006/relationships" xmlns:p="http://schemas.openxmlformats.org/presentationml/2006/main">
-  <p:cSld>
-    <p:bg>
-      <p:bgPr>
-        <a:solidFill>
-          <a:schemeClr val="tx1">
-            <a:lumMod val="85000"/>
-            <a:lumOff val="15000"/>
-          </a:schemeClr>
-        </a:solidFill>
-        <a:effectLst/>
-      </p:bgPr>
-    </p:bg>
-    <p:spTree>
-      <p:nvGrpSpPr>
-        <p:cNvPr id="1" name=""/>
-        <p:cNvGrpSpPr/>
-        <p:nvPr/>
-      </p:nvGrpSpPr>
-      <p:grpSpPr>
-        <a:xfrm>
-          <a:off x="0" y="0"/>
-          <a:ext cx="0" cy="0"/>
-          <a:chOff x="0" y="0"/>
-          <a:chExt cx="0" cy="0"/>
-        </a:xfrm>
-      </p:grpSpPr>
-      <p:sp>
-        <p:nvSpPr>
-          <p:cNvPr id="2" name="Titel 1">
-            <a:extLst>
-              <a:ext uri="{FF2B5EF4-FFF2-40B4-BE49-F238E27FC236}">
-                <a16:creationId xmlns:a16="http://schemas.microsoft.com/office/drawing/2014/main" id="{747753E9-46C1-43E7-BF55-1C39C3D2263B}"/>
-              </a:ext>
-            </a:extLst>
-          </p:cNvPr>
-          <p:cNvSpPr>
-            <a:spLocks noGrp="1"/>
-          </p:cNvSpPr>
-          <p:nvPr>
-            <p:ph type="title"/>
-          </p:nvPr>
-        </p:nvSpPr>
-        <p:spPr/>
-        <p:txBody>
-          <a:bodyPr/>
-          <a:lstStyle/>
-          <a:p>
-            <a:r>
-              <a:rPr lang="de-DE" dirty="0">
-                <a:solidFill>
-                  <a:schemeClr val="bg1"/>
-                </a:solidFill>
-                <a:latin typeface="Avenir Next LT Pro Light" panose="020B0304020202020204" pitchFamily="34" charset="0"/>
-              </a:rPr>
-              <a:t>Pause – Snacks &amp; Drinks</a:t>
-            </a:r>
-            <a:endParaRPr lang="en-US" dirty="0">
-              <a:solidFill>
-                <a:schemeClr val="bg1"/>
-              </a:solidFill>
-              <a:latin typeface="Avenir Next LT Pro Light" panose="020B0304020202020204" pitchFamily="34" charset="0"/>
-            </a:endParaRPr>
-          </a:p>
-        </p:txBody>
-      </p:sp>
-      <p:pic>
-        <p:nvPicPr>
-          <p:cNvPr id="4" name="Inhaltsplatzhalter 8" descr="Stoppuhr">
-            <a:extLst>
-              <a:ext uri="{FF2B5EF4-FFF2-40B4-BE49-F238E27FC236}">
-                <a16:creationId xmlns:a16="http://schemas.microsoft.com/office/drawing/2014/main" id="{A7F8691E-369A-483B-9E90-EB30764D8BB1}"/>
-              </a:ext>
-            </a:extLst>
-          </p:cNvPr>
-          <p:cNvPicPr>
-            <a:picLocks noChangeAspect="1"/>
-          </p:cNvPicPr>
-          <p:nvPr/>
-        </p:nvPicPr>
-        <p:blipFill>
-          <a:blip r:embed="rId2">
-            <a:extLst>
-              <a:ext uri="{28A0092B-C50C-407E-A947-70E740481C1C}">
-                <a14:useLocalDpi xmlns:a14="http://schemas.microsoft.com/office/drawing/2010/main" val="0"/>
-              </a:ext>
-              <a:ext uri="{96DAC541-7B7A-43D3-8B79-37D633B846F1}">
-                <asvg:svgBlip xmlns:asvg="http://schemas.microsoft.com/office/drawing/2016/SVG/main" r:embed="rId3"/>
-              </a:ext>
-            </a:extLst>
-          </a:blip>
-          <a:stretch>
-            <a:fillRect/>
-          </a:stretch>
-        </p:blipFill>
-        <p:spPr>
-          <a:xfrm>
-            <a:off x="838199" y="1690687"/>
-            <a:ext cx="4682067" cy="4682067"/>
-          </a:xfrm>
-          <a:prstGeom prst="rect">
-            <a:avLst/>
-          </a:prstGeom>
-        </p:spPr>
-      </p:pic>
-      <p:sp>
-        <p:nvSpPr>
-          <p:cNvPr id="5" name="Textfeld 4">
-            <a:extLst>
-              <a:ext uri="{FF2B5EF4-FFF2-40B4-BE49-F238E27FC236}">
-                <a16:creationId xmlns:a16="http://schemas.microsoft.com/office/drawing/2014/main" id="{0B2772EB-64EC-4DAB-AFEE-457A1C00BCD7}"/>
-              </a:ext>
-            </a:extLst>
-          </p:cNvPr>
-          <p:cNvSpPr txBox="1"/>
-          <p:nvPr/>
-        </p:nvSpPr>
-        <p:spPr>
-          <a:xfrm>
-            <a:off x="5520266" y="3677778"/>
-            <a:ext cx="5960533" cy="707886"/>
-          </a:xfrm>
-          <a:prstGeom prst="rect">
-            <a:avLst/>
-          </a:prstGeom>
-          <a:noFill/>
-        </p:spPr>
-        <p:txBody>
-          <a:bodyPr wrap="square" rtlCol="0">
-            <a:spAutoFit/>
-          </a:bodyPr>
-          <a:lstStyle/>
-          <a:p>
-            <a:pPr algn="ctr"/>
-            <a:r>
-              <a:rPr lang="de-DE" sz="4000" dirty="0">
-                <a:solidFill>
-                  <a:schemeClr val="bg1"/>
-                </a:solidFill>
-                <a:latin typeface="Avenir Next LT Pro Light" panose="020B0304020202020204" pitchFamily="34" charset="0"/>
-              </a:rPr>
-              <a:t>ca. 16:00 –  16:30</a:t>
-            </a:r>
-            <a:endParaRPr lang="en-US" sz="4000" dirty="0">
-              <a:solidFill>
-                <a:schemeClr val="bg1"/>
-              </a:solidFill>
-              <a:latin typeface="Avenir Next LT Pro Light" panose="020B0304020202020204" pitchFamily="34" charset="0"/>
-            </a:endParaRPr>
-          </a:p>
-        </p:txBody>
-      </p:sp>
-    </p:spTree>
-    <p:extLst>
-      <p:ext uri="{BB962C8B-B14F-4D97-AF65-F5344CB8AC3E}">
-        <p14:creationId xmlns:p14="http://schemas.microsoft.com/office/powerpoint/2010/main" val="534879473"/>
       </p:ext>
     </p:extLst>
   </p:cSld>

--- a/wordpress-portfolio-website-presentation.pptx
+++ b/wordpress-portfolio-website-presentation.pptx
@@ -1,23 +1,31 @@
 
 <file path=ppt/presentation.xml><?xml version="1.0" encoding="utf-8"?>
-<p:presentation xmlns:a="http://schemas.openxmlformats.org/drawingml/2006/main" xmlns:r="http://schemas.openxmlformats.org/officeDocument/2006/relationships" xmlns:p="http://schemas.openxmlformats.org/presentationml/2006/main" saveSubsetFonts="1">
+<p:presentation xmlns:a="http://schemas.openxmlformats.org/drawingml/2006/main" xmlns:r="http://schemas.openxmlformats.org/officeDocument/2006/relationships" xmlns:p="http://schemas.openxmlformats.org/presentationml/2006/main" showSpecialPlsOnTitleSld="0" saveSubsetFonts="1">
   <p:sldMasterIdLst>
     <p:sldMasterId id="2147483648" r:id="rId1"/>
   </p:sldMasterIdLst>
+  <p:notesMasterIdLst>
+    <p:notesMasterId r:id="rId20"/>
+  </p:notesMasterIdLst>
   <p:sldIdLst>
     <p:sldId id="256" r:id="rId2"/>
-    <p:sldId id="262" r:id="rId3"/>
-    <p:sldId id="269" r:id="rId4"/>
-    <p:sldId id="260" r:id="rId5"/>
-    <p:sldId id="257" r:id="rId6"/>
-    <p:sldId id="259" r:id="rId7"/>
-    <p:sldId id="258" r:id="rId8"/>
-    <p:sldId id="261" r:id="rId9"/>
-    <p:sldId id="263" r:id="rId10"/>
-    <p:sldId id="264" r:id="rId11"/>
-    <p:sldId id="266" r:id="rId12"/>
-    <p:sldId id="267" r:id="rId13"/>
-    <p:sldId id="268" r:id="rId14"/>
+    <p:sldId id="272" r:id="rId3"/>
+    <p:sldId id="262" r:id="rId4"/>
+    <p:sldId id="269" r:id="rId5"/>
+    <p:sldId id="260" r:id="rId6"/>
+    <p:sldId id="257" r:id="rId7"/>
+    <p:sldId id="259" r:id="rId8"/>
+    <p:sldId id="258" r:id="rId9"/>
+    <p:sldId id="261" r:id="rId10"/>
+    <p:sldId id="263" r:id="rId11"/>
+    <p:sldId id="264" r:id="rId12"/>
+    <p:sldId id="273" r:id="rId13"/>
+    <p:sldId id="266" r:id="rId14"/>
+    <p:sldId id="267" r:id="rId15"/>
+    <p:sldId id="268" r:id="rId16"/>
+    <p:sldId id="270" r:id="rId17"/>
+    <p:sldId id="271" r:id="rId18"/>
+    <p:sldId id="274" r:id="rId19"/>
   </p:sldIdLst>
   <p:sldSz cx="12192000" cy="6858000"/>
   <p:notesSz cx="6858000" cy="9144000"/>
@@ -3142,6 +3150,17 @@
               <a:latin typeface="Avenir Next LT Pro Light" panose="020B0304020202020204" pitchFamily="34" charset="0"/>
             </a:rPr>
             <a:t>Digitaler Fußabdruck</a:t>
+          </a:r>
+          <a:br>
+            <a:rPr lang="de-DE" dirty="0">
+              <a:latin typeface="Avenir Next LT Pro Light" panose="020B0304020202020204" pitchFamily="34" charset="0"/>
+            </a:rPr>
+          </a:br>
+          <a:r>
+            <a:rPr lang="de-DE" dirty="0">
+              <a:latin typeface="Avenir Next LT Pro Light" panose="020B0304020202020204" pitchFamily="34" charset="0"/>
+            </a:rPr>
+            <a:t>(Visitenkarte)</a:t>
           </a:r>
           <a:endParaRPr lang="en-US" dirty="0">
             <a:latin typeface="Avenir Next LT Pro Light" panose="020B0304020202020204" pitchFamily="34" charset="0"/>
@@ -4672,10 +4691,14 @@
         <a:lstStyle/>
         <a:p>
           <a:r>
-            <a:rPr lang="de-DE" dirty="0"/>
-            <a:t>Option 2</a:t>
+            <a:rPr lang="de-DE" dirty="0">
+              <a:latin typeface="Avenir Next LT Pro Light" panose="020B0304020202020204" pitchFamily="34" charset="0"/>
+            </a:rPr>
+            <a:t>Option 1</a:t>
           </a:r>
-          <a:endParaRPr lang="en-US" dirty="0"/>
+          <a:endParaRPr lang="en-US" dirty="0">
+            <a:latin typeface="Avenir Next LT Pro Light" panose="020B0304020202020204" pitchFamily="34" charset="0"/>
+          </a:endParaRPr>
         </a:p>
       </dgm:t>
     </dgm:pt>
@@ -4686,7 +4709,9 @@
         <a:bodyPr/>
         <a:lstStyle/>
         <a:p>
-          <a:endParaRPr lang="en-US"/>
+          <a:endParaRPr lang="en-US">
+            <a:latin typeface="Avenir Next LT Pro Light" panose="020B0304020202020204" pitchFamily="34" charset="0"/>
+          </a:endParaRPr>
         </a:p>
       </dgm:t>
     </dgm:pt>
@@ -4697,7 +4722,9 @@
         <a:bodyPr/>
         <a:lstStyle/>
         <a:p>
-          <a:endParaRPr lang="en-US"/>
+          <a:endParaRPr lang="en-US">
+            <a:latin typeface="Avenir Next LT Pro Light" panose="020B0304020202020204" pitchFamily="34" charset="0"/>
+          </a:endParaRPr>
         </a:p>
       </dgm:t>
     </dgm:pt>
@@ -4711,15 +4738,17 @@
           <a:r>
             <a:rPr lang="de-DE" dirty="0">
               <a:solidFill>
-                <a:srgbClr val="00B050"/>
+                <a:srgbClr val="FFFF00"/>
               </a:solidFill>
+              <a:latin typeface="Avenir Next LT Pro Light" panose="020B0304020202020204" pitchFamily="34" charset="0"/>
             </a:rPr>
-            <a:t>Empfehlung</a:t>
+            <a:t>Keine Empfehlung (nur wenn eine Domain keinen Sinn ergibt)!</a:t>
           </a:r>
           <a:endParaRPr lang="en-US" dirty="0">
             <a:solidFill>
-              <a:srgbClr val="00B050"/>
+              <a:srgbClr val="FFFF00"/>
             </a:solidFill>
+            <a:latin typeface="Avenir Next LT Pro Light" panose="020B0304020202020204" pitchFamily="34" charset="0"/>
           </a:endParaRPr>
         </a:p>
       </dgm:t>
@@ -4731,7 +4760,9 @@
         <a:bodyPr/>
         <a:lstStyle/>
         <a:p>
-          <a:endParaRPr lang="en-US"/>
+          <a:endParaRPr lang="en-US">
+            <a:latin typeface="Avenir Next LT Pro Light" panose="020B0304020202020204" pitchFamily="34" charset="0"/>
+          </a:endParaRPr>
         </a:p>
       </dgm:t>
     </dgm:pt>
@@ -4742,7 +4773,9 @@
         <a:bodyPr/>
         <a:lstStyle/>
         <a:p>
-          <a:endParaRPr lang="en-US"/>
+          <a:endParaRPr lang="en-US">
+            <a:latin typeface="Avenir Next LT Pro Light" panose="020B0304020202020204" pitchFamily="34" charset="0"/>
+          </a:endParaRPr>
         </a:p>
       </dgm:t>
     </dgm:pt>
@@ -4761,6 +4794,7 @@
                   <a:lumOff val="15000"/>
                 </a:schemeClr>
               </a:solidFill>
+              <a:latin typeface="Avenir Next LT Pro Light" panose="020B0304020202020204" pitchFamily="34" charset="0"/>
               <a:hlinkClick xmlns:r="http://schemas.openxmlformats.org/officeDocument/2006/relationships" r:id="rId1">
                 <a:extLst>
                   <a:ext uri="{A12FA001-AC4F-418D-AE19-62706E023703}">
@@ -4769,7 +4803,7 @@
                 </a:extLst>
               </a:hlinkClick>
             </a:rPr>
-            <a:t>https://github.com/maximotus/skill-saturday-wordpress-portfolio-website/wiki/Option-2</a:t>
+            <a:t>https://github.com/maximotus/skill-saturday-wordpress-portfolio-website/wiki/Option-1</a:t>
           </a:r>
           <a:endParaRPr lang="en-US" dirty="0">
             <a:solidFill>
@@ -4778,6 +4812,7 @@
                 <a:lumOff val="15000"/>
               </a:schemeClr>
             </a:solidFill>
+            <a:latin typeface="Avenir Next LT Pro Light" panose="020B0304020202020204" pitchFamily="34" charset="0"/>
           </a:endParaRPr>
         </a:p>
       </dgm:t>
@@ -4789,7 +4824,9 @@
         <a:bodyPr/>
         <a:lstStyle/>
         <a:p>
-          <a:endParaRPr lang="en-US"/>
+          <a:endParaRPr lang="en-US">
+            <a:latin typeface="Avenir Next LT Pro Light" panose="020B0304020202020204" pitchFamily="34" charset="0"/>
+          </a:endParaRPr>
         </a:p>
       </dgm:t>
     </dgm:pt>
@@ -4800,7 +4837,9 @@
         <a:bodyPr/>
         <a:lstStyle/>
         <a:p>
-          <a:endParaRPr lang="en-US"/>
+          <a:endParaRPr lang="en-US">
+            <a:latin typeface="Avenir Next LT Pro Light" panose="020B0304020202020204" pitchFamily="34" charset="0"/>
+          </a:endParaRPr>
         </a:p>
       </dgm:t>
     </dgm:pt>
@@ -4812,10 +4851,14 @@
         <a:lstStyle/>
         <a:p>
           <a:r>
-            <a:rPr lang="de-DE" dirty="0"/>
+            <a:rPr lang="de-DE" dirty="0">
+              <a:latin typeface="Avenir Next LT Pro Light" panose="020B0304020202020204" pitchFamily="34" charset="0"/>
+            </a:rPr>
             <a:t>Option 2</a:t>
           </a:r>
-          <a:endParaRPr lang="en-US" dirty="0"/>
+          <a:endParaRPr lang="en-US" dirty="0">
+            <a:latin typeface="Avenir Next LT Pro Light" panose="020B0304020202020204" pitchFamily="34" charset="0"/>
+          </a:endParaRPr>
         </a:p>
       </dgm:t>
     </dgm:pt>
@@ -4826,7 +4869,9 @@
         <a:bodyPr/>
         <a:lstStyle/>
         <a:p>
-          <a:endParaRPr lang="en-US"/>
+          <a:endParaRPr lang="en-US">
+            <a:latin typeface="Avenir Next LT Pro Light" panose="020B0304020202020204" pitchFamily="34" charset="0"/>
+          </a:endParaRPr>
         </a:p>
       </dgm:t>
     </dgm:pt>
@@ -4837,7 +4882,9 @@
         <a:bodyPr/>
         <a:lstStyle/>
         <a:p>
-          <a:endParaRPr lang="en-US"/>
+          <a:endParaRPr lang="en-US">
+            <a:latin typeface="Avenir Next LT Pro Light" panose="020B0304020202020204" pitchFamily="34" charset="0"/>
+          </a:endParaRPr>
         </a:p>
       </dgm:t>
     </dgm:pt>
@@ -4851,13 +4898,18 @@
           <a:r>
             <a:rPr lang="de-DE" dirty="0">
               <a:solidFill>
-                <a:srgbClr val="FFFF00"/>
+                <a:srgbClr val="00B050"/>
               </a:solidFill>
               <a:latin typeface="Avenir Next LT Pro Light" panose="020B0304020202020204" pitchFamily="34" charset="0"/>
             </a:rPr>
-            <a:t>Keine Empfehlung (es gibt aber eine Anleitung)!</a:t>
+            <a:t>Empfehlung!</a:t>
           </a:r>
-          <a:endParaRPr lang="en-US" dirty="0"/>
+          <a:endParaRPr lang="en-US" dirty="0">
+            <a:solidFill>
+              <a:srgbClr val="00B050"/>
+            </a:solidFill>
+            <a:latin typeface="Avenir Next LT Pro Light" panose="020B0304020202020204" pitchFamily="34" charset="0"/>
+          </a:endParaRPr>
         </a:p>
       </dgm:t>
     </dgm:pt>
@@ -4868,7 +4920,9 @@
         <a:bodyPr/>
         <a:lstStyle/>
         <a:p>
-          <a:endParaRPr lang="en-US"/>
+          <a:endParaRPr lang="en-US">
+            <a:latin typeface="Avenir Next LT Pro Light" panose="020B0304020202020204" pitchFamily="34" charset="0"/>
+          </a:endParaRPr>
         </a:p>
       </dgm:t>
     </dgm:pt>
@@ -4879,7 +4933,9 @@
         <a:bodyPr/>
         <a:lstStyle/>
         <a:p>
-          <a:endParaRPr lang="en-US"/>
+          <a:endParaRPr lang="en-US">
+            <a:latin typeface="Avenir Next LT Pro Light" panose="020B0304020202020204" pitchFamily="34" charset="0"/>
+          </a:endParaRPr>
         </a:p>
       </dgm:t>
     </dgm:pt>
@@ -4898,7 +4954,157 @@
                   <a:lumOff val="15000"/>
                 </a:schemeClr>
               </a:solidFill>
+              <a:latin typeface="Avenir Next LT Pro Light" panose="020B0304020202020204" pitchFamily="34" charset="0"/>
               <a:hlinkClick xmlns:r="http://schemas.openxmlformats.org/officeDocument/2006/relationships" r:id="rId2">
+                <a:extLst>
+                  <a:ext uri="{A12FA001-AC4F-418D-AE19-62706E023703}">
+                    <ahyp:hlinkClr xmlns:ahyp="http://schemas.microsoft.com/office/drawing/2018/hyperlinkcolor" val="tx"/>
+                  </a:ext>
+                </a:extLst>
+              </a:hlinkClick>
+            </a:rPr>
+            <a:t>https://github.com/maximotus/skill-saturday-wordpress-portfolio-website/wiki/Option-2</a:t>
+          </a:r>
+          <a:endParaRPr lang="en-US" dirty="0">
+            <a:solidFill>
+              <a:schemeClr val="tx1">
+                <a:lumMod val="85000"/>
+                <a:lumOff val="15000"/>
+              </a:schemeClr>
+            </a:solidFill>
+            <a:latin typeface="Avenir Next LT Pro Light" panose="020B0304020202020204" pitchFamily="34" charset="0"/>
+          </a:endParaRPr>
+        </a:p>
+      </dgm:t>
+    </dgm:pt>
+    <dgm:pt modelId="{B688070F-38FB-4DAE-8DBF-E040B9B8DCE6}" type="parTrans" cxnId="{CFD273A8-E048-4695-969D-518067520BC5}">
+      <dgm:prSet/>
+      <dgm:spPr/>
+      <dgm:t>
+        <a:bodyPr/>
+        <a:lstStyle/>
+        <a:p>
+          <a:endParaRPr lang="en-US">
+            <a:latin typeface="Avenir Next LT Pro Light" panose="020B0304020202020204" pitchFamily="34" charset="0"/>
+          </a:endParaRPr>
+        </a:p>
+      </dgm:t>
+    </dgm:pt>
+    <dgm:pt modelId="{BCFB4885-78B7-44AD-B2AD-429A34EA38DF}" type="sibTrans" cxnId="{CFD273A8-E048-4695-969D-518067520BC5}">
+      <dgm:prSet/>
+      <dgm:spPr/>
+      <dgm:t>
+        <a:bodyPr/>
+        <a:lstStyle/>
+        <a:p>
+          <a:endParaRPr lang="en-US">
+            <a:latin typeface="Avenir Next LT Pro Light" panose="020B0304020202020204" pitchFamily="34" charset="0"/>
+          </a:endParaRPr>
+        </a:p>
+      </dgm:t>
+    </dgm:pt>
+    <dgm:pt modelId="{43AB12C8-5610-4BDE-AE3D-D10A6CC11934}">
+      <dgm:prSet/>
+      <dgm:spPr/>
+      <dgm:t>
+        <a:bodyPr/>
+        <a:lstStyle/>
+        <a:p>
+          <a:r>
+            <a:rPr lang="de-DE" dirty="0">
+              <a:latin typeface="Avenir Next LT Pro Light" panose="020B0304020202020204" pitchFamily="34" charset="0"/>
+            </a:rPr>
+            <a:t>Option 3</a:t>
+          </a:r>
+          <a:endParaRPr lang="en-US" dirty="0">
+            <a:latin typeface="Avenir Next LT Pro Light" panose="020B0304020202020204" pitchFamily="34" charset="0"/>
+          </a:endParaRPr>
+        </a:p>
+      </dgm:t>
+    </dgm:pt>
+    <dgm:pt modelId="{0D8480C5-6BE9-4A07-A3EA-B9AF786CFFC9}" type="parTrans" cxnId="{F287F846-3F56-4942-BAE7-2772DCB8F2B8}">
+      <dgm:prSet/>
+      <dgm:spPr/>
+      <dgm:t>
+        <a:bodyPr/>
+        <a:lstStyle/>
+        <a:p>
+          <a:endParaRPr lang="en-US"/>
+        </a:p>
+      </dgm:t>
+    </dgm:pt>
+    <dgm:pt modelId="{86BEE249-383E-4F53-A254-034DD3637F3C}" type="sibTrans" cxnId="{F287F846-3F56-4942-BAE7-2772DCB8F2B8}">
+      <dgm:prSet/>
+      <dgm:spPr/>
+      <dgm:t>
+        <a:bodyPr/>
+        <a:lstStyle/>
+        <a:p>
+          <a:endParaRPr lang="en-US"/>
+        </a:p>
+      </dgm:t>
+    </dgm:pt>
+    <dgm:pt modelId="{9A32242B-3EC3-4BBD-B795-8D2D1C2A27B1}">
+      <dgm:prSet/>
+      <dgm:spPr/>
+      <dgm:t>
+        <a:bodyPr/>
+        <a:lstStyle/>
+        <a:p>
+          <a:r>
+            <a:rPr lang="de-DE">
+              <a:solidFill>
+                <a:srgbClr val="FFFF00"/>
+              </a:solidFill>
+              <a:latin typeface="Avenir Next LT Pro Light" panose="020B0304020202020204" pitchFamily="34" charset="0"/>
+            </a:rPr>
+            <a:t>Keine Empfehlung (es gibt aber eine Anleitung)!</a:t>
+          </a:r>
+          <a:endParaRPr lang="en-US" dirty="0">
+            <a:latin typeface="Avenir Next LT Pro Light" panose="020B0304020202020204" pitchFamily="34" charset="0"/>
+          </a:endParaRPr>
+        </a:p>
+      </dgm:t>
+    </dgm:pt>
+    <dgm:pt modelId="{FFBD578B-75ED-4C02-B11B-A96CEC6E4F8E}" type="parTrans" cxnId="{3E0B863B-875C-4BBA-B96D-5637C7FA4A43}">
+      <dgm:prSet/>
+      <dgm:spPr/>
+      <dgm:t>
+        <a:bodyPr/>
+        <a:lstStyle/>
+        <a:p>
+          <a:endParaRPr lang="en-US"/>
+        </a:p>
+      </dgm:t>
+    </dgm:pt>
+    <dgm:pt modelId="{4775DBA1-92CB-4F42-AAFA-60FDA860BECF}" type="sibTrans" cxnId="{3E0B863B-875C-4BBA-B96D-5637C7FA4A43}">
+      <dgm:prSet/>
+      <dgm:spPr/>
+      <dgm:t>
+        <a:bodyPr/>
+        <a:lstStyle/>
+        <a:p>
+          <a:endParaRPr lang="en-US"/>
+        </a:p>
+      </dgm:t>
+    </dgm:pt>
+    <dgm:pt modelId="{4E2A04C8-432F-4A43-8B98-23B295AC1D53}">
+      <dgm:prSet/>
+      <dgm:spPr/>
+      <dgm:t>
+        <a:bodyPr/>
+        <a:lstStyle/>
+        <a:p>
+          <a:r>
+            <a:rPr lang="en-US" dirty="0">
+              <a:solidFill>
+                <a:schemeClr val="tx1">
+                  <a:lumMod val="85000"/>
+                  <a:lumOff val="15000"/>
+                </a:schemeClr>
+              </a:solidFill>
+              <a:latin typeface="Avenir Next LT Pro Light" panose="020B0304020202020204" pitchFamily="34" charset="0"/>
+              <a:hlinkClick xmlns:r="http://schemas.openxmlformats.org/officeDocument/2006/relationships" r:id="rId3">
                 <a:extLst>
                   <a:ext uri="{A12FA001-AC4F-418D-AE19-62706E023703}">
                     <ahyp:hlinkClr xmlns:ahyp="http://schemas.microsoft.com/office/drawing/2018/hyperlinkcolor" val="tx"/>
@@ -4915,11 +5121,12 @@
                 <a:lumOff val="15000"/>
               </a:schemeClr>
             </a:solidFill>
+            <a:latin typeface="Avenir Next LT Pro Light" panose="020B0304020202020204" pitchFamily="34" charset="0"/>
           </a:endParaRPr>
         </a:p>
       </dgm:t>
     </dgm:pt>
-    <dgm:pt modelId="{B688070F-38FB-4DAE-8DBF-E040B9B8DCE6}" type="parTrans" cxnId="{CFD273A8-E048-4695-969D-518067520BC5}">
+    <dgm:pt modelId="{9F526BE9-EF3A-45DC-A8C6-DE989DBDC7AA}" type="parTrans" cxnId="{D980DE9C-7524-4043-87C3-5A21B0C38B77}">
       <dgm:prSet/>
       <dgm:spPr/>
       <dgm:t>
@@ -4930,7 +5137,7 @@
         </a:p>
       </dgm:t>
     </dgm:pt>
-    <dgm:pt modelId="{BCFB4885-78B7-44AD-B2AD-429A34EA38DF}" type="sibTrans" cxnId="{CFD273A8-E048-4695-969D-518067520BC5}">
+    <dgm:pt modelId="{4A007F0E-75BC-4CA9-B60C-4648A88D8E3B}" type="sibTrans" cxnId="{D980DE9C-7524-4043-87C3-5A21B0C38B77}">
       <dgm:prSet/>
       <dgm:spPr/>
       <dgm:t>
@@ -4955,11 +5162,11 @@
       <dgm:spPr/>
     </dgm:pt>
     <dgm:pt modelId="{4C3F45E2-0089-46DA-822A-9F4B7C76BBB7}" type="pres">
-      <dgm:prSet presAssocID="{D36D91AA-A698-440A-A2E7-650B4772B315}" presName="box" presStyleLbl="node1" presStyleIdx="0" presStyleCnt="2"/>
+      <dgm:prSet presAssocID="{D36D91AA-A698-440A-A2E7-650B4772B315}" presName="box" presStyleLbl="node1" presStyleIdx="0" presStyleCnt="3"/>
       <dgm:spPr/>
     </dgm:pt>
     <dgm:pt modelId="{3543167E-0B84-4A2E-8412-B8340644D301}" type="pres">
-      <dgm:prSet presAssocID="{D36D91AA-A698-440A-A2E7-650B4772B315}" presName="img" presStyleLbl="fgImgPlace1" presStyleIdx="0" presStyleCnt="2"/>
+      <dgm:prSet presAssocID="{D36D91AA-A698-440A-A2E7-650B4772B315}" presName="img" presStyleLbl="fgImgPlace1" presStyleIdx="0" presStyleCnt="3"/>
       <dgm:spPr>
         <a:solidFill>
           <a:schemeClr val="bg1"/>
@@ -4967,7 +5174,7 @@
       </dgm:spPr>
     </dgm:pt>
     <dgm:pt modelId="{71740332-8654-4465-80E5-0D70AB61A957}" type="pres">
-      <dgm:prSet presAssocID="{D36D91AA-A698-440A-A2E7-650B4772B315}" presName="text" presStyleLbl="node1" presStyleIdx="0" presStyleCnt="2">
+      <dgm:prSet presAssocID="{D36D91AA-A698-440A-A2E7-650B4772B315}" presName="text" presStyleLbl="node1" presStyleIdx="0" presStyleCnt="3">
         <dgm:presLayoutVars>
           <dgm:bulletEnabled val="1"/>
         </dgm:presLayoutVars>
@@ -4983,11 +5190,11 @@
       <dgm:spPr/>
     </dgm:pt>
     <dgm:pt modelId="{5146AC4C-C65D-4679-BD99-A7C261AFA3E3}" type="pres">
-      <dgm:prSet presAssocID="{FF869937-3662-48A5-B8E2-C991522DD447}" presName="box" presStyleLbl="node1" presStyleIdx="1" presStyleCnt="2"/>
+      <dgm:prSet presAssocID="{FF869937-3662-48A5-B8E2-C991522DD447}" presName="box" presStyleLbl="node1" presStyleIdx="1" presStyleCnt="3"/>
       <dgm:spPr/>
     </dgm:pt>
     <dgm:pt modelId="{9CFC517E-AB5B-48A5-8D3A-042E49721566}" type="pres">
-      <dgm:prSet presAssocID="{FF869937-3662-48A5-B8E2-C991522DD447}" presName="img" presStyleLbl="fgImgPlace1" presStyleIdx="1" presStyleCnt="2"/>
+      <dgm:prSet presAssocID="{FF869937-3662-48A5-B8E2-C991522DD447}" presName="img" presStyleLbl="fgImgPlace1" presStyleIdx="1" presStyleCnt="3"/>
       <dgm:spPr>
         <a:solidFill>
           <a:schemeClr val="bg1"/>
@@ -4995,7 +5202,35 @@
       </dgm:spPr>
     </dgm:pt>
     <dgm:pt modelId="{076644E2-374B-42F0-B777-E8268CA8EDAC}" type="pres">
-      <dgm:prSet presAssocID="{FF869937-3662-48A5-B8E2-C991522DD447}" presName="text" presStyleLbl="node1" presStyleIdx="1" presStyleCnt="2">
+      <dgm:prSet presAssocID="{FF869937-3662-48A5-B8E2-C991522DD447}" presName="text" presStyleLbl="node1" presStyleIdx="1" presStyleCnt="3">
+        <dgm:presLayoutVars>
+          <dgm:bulletEnabled val="1"/>
+        </dgm:presLayoutVars>
+      </dgm:prSet>
+      <dgm:spPr/>
+    </dgm:pt>
+    <dgm:pt modelId="{33A1C1F9-E01A-4289-8B9C-5DEF52585EB8}" type="pres">
+      <dgm:prSet presAssocID="{7F01C478-6E74-455D-A06B-31E2DC2E21E8}" presName="spacer" presStyleCnt="0"/>
+      <dgm:spPr/>
+    </dgm:pt>
+    <dgm:pt modelId="{48994EAD-3173-4FA7-8703-5CF9821AA834}" type="pres">
+      <dgm:prSet presAssocID="{43AB12C8-5610-4BDE-AE3D-D10A6CC11934}" presName="comp" presStyleCnt="0"/>
+      <dgm:spPr/>
+    </dgm:pt>
+    <dgm:pt modelId="{51FDB375-FAAF-4524-95B4-61CE2DBB7DAB}" type="pres">
+      <dgm:prSet presAssocID="{43AB12C8-5610-4BDE-AE3D-D10A6CC11934}" presName="box" presStyleLbl="node1" presStyleIdx="2" presStyleCnt="3"/>
+      <dgm:spPr/>
+    </dgm:pt>
+    <dgm:pt modelId="{51898C19-AC47-487B-87D8-39E177834466}" type="pres">
+      <dgm:prSet presAssocID="{43AB12C8-5610-4BDE-AE3D-D10A6CC11934}" presName="img" presStyleLbl="fgImgPlace1" presStyleIdx="2" presStyleCnt="3"/>
+      <dgm:spPr>
+        <a:solidFill>
+          <a:schemeClr val="bg1"/>
+        </a:solidFill>
+      </dgm:spPr>
+    </dgm:pt>
+    <dgm:pt modelId="{81F15C10-84E5-43EE-B028-AE2FBAC3CB40}" type="pres">
+      <dgm:prSet presAssocID="{43AB12C8-5610-4BDE-AE3D-D10A6CC11934}" presName="text" presStyleLbl="node1" presStyleIdx="2" presStyleCnt="3">
         <dgm:presLayoutVars>
           <dgm:bulletEnabled val="1"/>
         </dgm:presLayoutVars>
@@ -5006,9 +5241,14 @@
   <dgm:cxnLst>
     <dgm:cxn modelId="{8D80CE06-28D5-48B5-A58E-31F288630928}" srcId="{88F3C1AA-CE67-4663-8C4E-5739587C4C85}" destId="{D36D91AA-A698-440A-A2E7-650B4772B315}" srcOrd="0" destOrd="0" parTransId="{0C6D27D9-0390-4420-8C8E-189A0F1434FC}" sibTransId="{80831EC4-31ED-4038-AC0A-774C020F8DE1}"/>
     <dgm:cxn modelId="{AC809B14-12A3-4D2B-9BE2-623ABA367CDD}" type="presOf" srcId="{4F44F2B1-1F88-4DA0-BD41-D64F93313F40}" destId="{4C3F45E2-0089-46DA-822A-9F4B7C76BBB7}" srcOrd="0" destOrd="2" presId="urn:microsoft.com/office/officeart/2005/8/layout/vList4"/>
+    <dgm:cxn modelId="{E397F617-18D4-4069-8623-A404FF16E7D5}" type="presOf" srcId="{43AB12C8-5610-4BDE-AE3D-D10A6CC11934}" destId="{51FDB375-FAAF-4524-95B4-61CE2DBB7DAB}" srcOrd="0" destOrd="0" presId="urn:microsoft.com/office/officeart/2005/8/layout/vList4"/>
     <dgm:cxn modelId="{05B6A123-D08D-49A6-91B9-C1101DD4E260}" srcId="{D36D91AA-A698-440A-A2E7-650B4772B315}" destId="{534E9A7E-57F2-48B5-AB09-7FC267998813}" srcOrd="0" destOrd="0" parTransId="{871163A8-C156-4908-A079-837EF5E4F8DF}" sibTransId="{10329004-61E4-40D4-9DFD-FCC69DA53FDB}"/>
     <dgm:cxn modelId="{18066026-661E-4DB9-B59B-B3132CB507B3}" type="presOf" srcId="{DB3DCDB3-64EC-467F-8691-C8D04C0CB373}" destId="{5146AC4C-C65D-4679-BD99-A7C261AFA3E3}" srcOrd="0" destOrd="1" presId="urn:microsoft.com/office/officeart/2005/8/layout/vList4"/>
+    <dgm:cxn modelId="{EB57E431-FD90-49B1-B316-1E6DA28B5348}" type="presOf" srcId="{9A32242B-3EC3-4BBD-B795-8D2D1C2A27B1}" destId="{81F15C10-84E5-43EE-B028-AE2FBAC3CB40}" srcOrd="1" destOrd="1" presId="urn:microsoft.com/office/officeart/2005/8/layout/vList4"/>
+    <dgm:cxn modelId="{3E0B863B-875C-4BBA-B96D-5637C7FA4A43}" srcId="{43AB12C8-5610-4BDE-AE3D-D10A6CC11934}" destId="{9A32242B-3EC3-4BBD-B795-8D2D1C2A27B1}" srcOrd="0" destOrd="0" parTransId="{FFBD578B-75ED-4C02-B11B-A96CEC6E4F8E}" sibTransId="{4775DBA1-92CB-4F42-AAFA-60FDA860BECF}"/>
     <dgm:cxn modelId="{DA8DCE3E-32D2-40F1-AC61-58C2B70CD01B}" type="presOf" srcId="{D36D91AA-A698-440A-A2E7-650B4772B315}" destId="{71740332-8654-4465-80E5-0D70AB61A957}" srcOrd="1" destOrd="0" presId="urn:microsoft.com/office/officeart/2005/8/layout/vList4"/>
+    <dgm:cxn modelId="{EC552344-0B39-44D5-8E79-A2F8215197C6}" type="presOf" srcId="{43AB12C8-5610-4BDE-AE3D-D10A6CC11934}" destId="{81F15C10-84E5-43EE-B028-AE2FBAC3CB40}" srcOrd="1" destOrd="0" presId="urn:microsoft.com/office/officeart/2005/8/layout/vList4"/>
+    <dgm:cxn modelId="{F287F846-3F56-4942-BAE7-2772DCB8F2B8}" srcId="{88F3C1AA-CE67-4663-8C4E-5739587C4C85}" destId="{43AB12C8-5610-4BDE-AE3D-D10A6CC11934}" srcOrd="2" destOrd="0" parTransId="{0D8480C5-6BE9-4A07-A3EA-B9AF786CFFC9}" sibTransId="{86BEE249-383E-4F53-A254-034DD3637F3C}"/>
     <dgm:cxn modelId="{1315336D-EE89-4B7F-BF66-1579D96252CE}" type="presOf" srcId="{D36D91AA-A698-440A-A2E7-650B4772B315}" destId="{4C3F45E2-0089-46DA-822A-9F4B7C76BBB7}" srcOrd="0" destOrd="0" presId="urn:microsoft.com/office/officeart/2005/8/layout/vList4"/>
     <dgm:cxn modelId="{BCD0AE4D-1B5C-44E1-BD89-3F57CC173BE4}" type="presOf" srcId="{FF869937-3662-48A5-B8E2-C991522DD447}" destId="{5146AC4C-C65D-4679-BD99-A7C261AFA3E3}" srcOrd="0" destOrd="0" presId="urn:microsoft.com/office/officeart/2005/8/layout/vList4"/>
     <dgm:cxn modelId="{BAD8FF7A-646F-4175-9E12-C5CF12BC2896}" type="presOf" srcId="{4F44F2B1-1F88-4DA0-BD41-D64F93313F40}" destId="{71740332-8654-4465-80E5-0D70AB61A957}" srcOrd="1" destOrd="2" presId="urn:microsoft.com/office/officeart/2005/8/layout/vList4"/>
@@ -5017,11 +5257,15 @@
     <dgm:cxn modelId="{62B7758D-92F3-41DB-8209-EF2A9BD8098D}" type="presOf" srcId="{534E9A7E-57F2-48B5-AB09-7FC267998813}" destId="{4C3F45E2-0089-46DA-822A-9F4B7C76BBB7}" srcOrd="0" destOrd="1" presId="urn:microsoft.com/office/officeart/2005/8/layout/vList4"/>
     <dgm:cxn modelId="{DF734C8F-4858-49E2-8ACB-EB6A32397E85}" type="presOf" srcId="{E708BED1-C5DF-47B9-8D40-6E3403B66E69}" destId="{076644E2-374B-42F0-B777-E8268CA8EDAC}" srcOrd="1" destOrd="2" presId="urn:microsoft.com/office/officeart/2005/8/layout/vList4"/>
     <dgm:cxn modelId="{094DD498-3373-413C-A36B-EC2A3FE67467}" srcId="{D36D91AA-A698-440A-A2E7-650B4772B315}" destId="{4F44F2B1-1F88-4DA0-BD41-D64F93313F40}" srcOrd="1" destOrd="0" parTransId="{517AD3AA-EF90-4EBE-A5DE-913725FBF4CB}" sibTransId="{E0D00119-02DE-48DE-AF4D-671A20534577}"/>
+    <dgm:cxn modelId="{6C24919A-5816-4A35-8397-A55E56639043}" type="presOf" srcId="{4E2A04C8-432F-4A43-8B98-23B295AC1D53}" destId="{81F15C10-84E5-43EE-B028-AE2FBAC3CB40}" srcOrd="1" destOrd="2" presId="urn:microsoft.com/office/officeart/2005/8/layout/vList4"/>
+    <dgm:cxn modelId="{D980DE9C-7524-4043-87C3-5A21B0C38B77}" srcId="{43AB12C8-5610-4BDE-AE3D-D10A6CC11934}" destId="{4E2A04C8-432F-4A43-8B98-23B295AC1D53}" srcOrd="1" destOrd="0" parTransId="{9F526BE9-EF3A-45DC-A8C6-DE989DBDC7AA}" sibTransId="{4A007F0E-75BC-4CA9-B60C-4648A88D8E3B}"/>
     <dgm:cxn modelId="{CFD273A8-E048-4695-969D-518067520BC5}" srcId="{FF869937-3662-48A5-B8E2-C991522DD447}" destId="{E708BED1-C5DF-47B9-8D40-6E3403B66E69}" srcOrd="1" destOrd="0" parTransId="{B688070F-38FB-4DAE-8DBF-E040B9B8DCE6}" sibTransId="{BCFB4885-78B7-44AD-B2AD-429A34EA38DF}"/>
     <dgm:cxn modelId="{FBD49FA9-D72C-473C-B0A8-EA7462469390}" type="presOf" srcId="{88F3C1AA-CE67-4663-8C4E-5739587C4C85}" destId="{30183D65-48F9-4297-A449-6903C6264016}" srcOrd="0" destOrd="0" presId="urn:microsoft.com/office/officeart/2005/8/layout/vList4"/>
+    <dgm:cxn modelId="{EDDBF8A9-86E2-4A96-85CA-16DF77C760D2}" type="presOf" srcId="{9A32242B-3EC3-4BBD-B795-8D2D1C2A27B1}" destId="{51FDB375-FAAF-4524-95B4-61CE2DBB7DAB}" srcOrd="0" destOrd="1" presId="urn:microsoft.com/office/officeart/2005/8/layout/vList4"/>
     <dgm:cxn modelId="{D628A9B8-4E0E-446C-95CF-DBDFF9134D81}" type="presOf" srcId="{534E9A7E-57F2-48B5-AB09-7FC267998813}" destId="{71740332-8654-4465-80E5-0D70AB61A957}" srcOrd="1" destOrd="1" presId="urn:microsoft.com/office/officeart/2005/8/layout/vList4"/>
     <dgm:cxn modelId="{D9805DC5-D442-4F0A-8B5F-5D760229CE1C}" type="presOf" srcId="{FF869937-3662-48A5-B8E2-C991522DD447}" destId="{076644E2-374B-42F0-B777-E8268CA8EDAC}" srcOrd="1" destOrd="0" presId="urn:microsoft.com/office/officeart/2005/8/layout/vList4"/>
     <dgm:cxn modelId="{A094C5CB-54B0-4A12-BD87-8A3CF461C7B5}" srcId="{FF869937-3662-48A5-B8E2-C991522DD447}" destId="{DB3DCDB3-64EC-467F-8691-C8D04C0CB373}" srcOrd="0" destOrd="0" parTransId="{D194B764-1BCF-4364-9570-49D4EACB13D5}" sibTransId="{BE9B4E90-2BA0-4AC7-8D7B-0C0E213D5347}"/>
+    <dgm:cxn modelId="{0CF3E5F5-DF65-4760-9DAD-C25325C12663}" type="presOf" srcId="{4E2A04C8-432F-4A43-8B98-23B295AC1D53}" destId="{51FDB375-FAAF-4524-95B4-61CE2DBB7DAB}" srcOrd="0" destOrd="2" presId="urn:microsoft.com/office/officeart/2005/8/layout/vList4"/>
     <dgm:cxn modelId="{39C2F8F9-6D8E-4DA6-B94E-712983912C8D}" type="presOf" srcId="{DB3DCDB3-64EC-467F-8691-C8D04C0CB373}" destId="{076644E2-374B-42F0-B777-E8268CA8EDAC}" srcOrd="1" destOrd="1" presId="urn:microsoft.com/office/officeart/2005/8/layout/vList4"/>
     <dgm:cxn modelId="{8BFB1EA6-2560-408E-B1DA-95C4B619D368}" type="presParOf" srcId="{30183D65-48F9-4297-A449-6903C6264016}" destId="{E2C7033F-DB72-4AA7-93EB-B521FEA1E64A}" srcOrd="0" destOrd="0" presId="urn:microsoft.com/office/officeart/2005/8/layout/vList4"/>
     <dgm:cxn modelId="{39C30E0F-D6BC-4787-A517-CE65864880E8}" type="presParOf" srcId="{E2C7033F-DB72-4AA7-93EB-B521FEA1E64A}" destId="{4C3F45E2-0089-46DA-822A-9F4B7C76BBB7}" srcOrd="0" destOrd="0" presId="urn:microsoft.com/office/officeart/2005/8/layout/vList4"/>
@@ -5032,6 +5276,11 @@
     <dgm:cxn modelId="{0F5300AC-5B92-414E-8A46-D8AE16EA364D}" type="presParOf" srcId="{D78BD2E8-1617-4406-9EB8-886D022D0E09}" destId="{5146AC4C-C65D-4679-BD99-A7C261AFA3E3}" srcOrd="0" destOrd="0" presId="urn:microsoft.com/office/officeart/2005/8/layout/vList4"/>
     <dgm:cxn modelId="{FC4DF67F-D360-4179-98AD-56C893626442}" type="presParOf" srcId="{D78BD2E8-1617-4406-9EB8-886D022D0E09}" destId="{9CFC517E-AB5B-48A5-8D3A-042E49721566}" srcOrd="1" destOrd="0" presId="urn:microsoft.com/office/officeart/2005/8/layout/vList4"/>
     <dgm:cxn modelId="{5FE7753B-4172-42F1-A7C0-D24FDD22A962}" type="presParOf" srcId="{D78BD2E8-1617-4406-9EB8-886D022D0E09}" destId="{076644E2-374B-42F0-B777-E8268CA8EDAC}" srcOrd="2" destOrd="0" presId="urn:microsoft.com/office/officeart/2005/8/layout/vList4"/>
+    <dgm:cxn modelId="{D929F847-8A2B-4565-B9AF-AAFA4B2B254F}" type="presParOf" srcId="{30183D65-48F9-4297-A449-6903C6264016}" destId="{33A1C1F9-E01A-4289-8B9C-5DEF52585EB8}" srcOrd="3" destOrd="0" presId="urn:microsoft.com/office/officeart/2005/8/layout/vList4"/>
+    <dgm:cxn modelId="{DA20CC99-A87E-46B3-B127-21F273450E8D}" type="presParOf" srcId="{30183D65-48F9-4297-A449-6903C6264016}" destId="{48994EAD-3173-4FA7-8703-5CF9821AA834}" srcOrd="4" destOrd="0" presId="urn:microsoft.com/office/officeart/2005/8/layout/vList4"/>
+    <dgm:cxn modelId="{7272591A-002D-4BCA-B588-FDA224A1B807}" type="presParOf" srcId="{48994EAD-3173-4FA7-8703-5CF9821AA834}" destId="{51FDB375-FAAF-4524-95B4-61CE2DBB7DAB}" srcOrd="0" destOrd="0" presId="urn:microsoft.com/office/officeart/2005/8/layout/vList4"/>
+    <dgm:cxn modelId="{7F3D3704-266D-4024-A623-2A70FBC150B0}" type="presParOf" srcId="{48994EAD-3173-4FA7-8703-5CF9821AA834}" destId="{51898C19-AC47-487B-87D8-39E177834466}" srcOrd="1" destOrd="0" presId="urn:microsoft.com/office/officeart/2005/8/layout/vList4"/>
+    <dgm:cxn modelId="{692014E2-F13B-4C91-8B5A-6E0D8BF27A9B}" type="presParOf" srcId="{48994EAD-3173-4FA7-8703-5CF9821AA834}" destId="{81F15C10-84E5-43EE-B028-AE2FBAC3CB40}" srcOrd="2" destOrd="0" presId="urn:microsoft.com/office/officeart/2005/8/layout/vList4"/>
   </dgm:cxnLst>
   <dgm:bg/>
   <dgm:whole/>
@@ -5116,6 +5365,17 @@
               <a:latin typeface="Avenir Next LT Pro Light" panose="020B0304020202020204" pitchFamily="34" charset="0"/>
             </a:rPr>
             <a:t>Digitaler Fußabdruck</a:t>
+          </a:r>
+          <a:br>
+            <a:rPr lang="de-DE" sz="2600" kern="1200" dirty="0">
+              <a:latin typeface="Avenir Next LT Pro Light" panose="020B0304020202020204" pitchFamily="34" charset="0"/>
+            </a:rPr>
+          </a:br>
+          <a:r>
+            <a:rPr lang="de-DE" sz="2600" kern="1200" dirty="0">
+              <a:latin typeface="Avenir Next LT Pro Light" panose="020B0304020202020204" pitchFamily="34" charset="0"/>
+            </a:rPr>
+            <a:t>(Visitenkarte)</a:t>
           </a:r>
           <a:endParaRPr lang="en-US" sz="2600" kern="1200" dirty="0">
             <a:latin typeface="Avenir Next LT Pro Light" panose="020B0304020202020204" pitchFamily="34" charset="0"/>
@@ -6961,7 +7221,7 @@
       <dsp:spPr>
         <a:xfrm>
           <a:off x="0" y="0"/>
-          <a:ext cx="10515600" cy="2117409"/>
+          <a:ext cx="10515600" cy="1389889"/>
         </a:xfrm>
         <a:prstGeom prst="roundRect">
           <a:avLst>
@@ -7032,12 +7292,12 @@
         </a:fontRef>
       </dsp:style>
       <dsp:txBody>
-        <a:bodyPr spcFirstLastPara="0" vert="horz" wrap="square" lIns="129540" tIns="129540" rIns="129540" bIns="129540" numCol="1" spcCol="1270" anchor="t" anchorCtr="0">
+        <a:bodyPr spcFirstLastPara="0" vert="horz" wrap="square" lIns="83820" tIns="83820" rIns="83820" bIns="83820" numCol="1" spcCol="1270" anchor="t" anchorCtr="0">
           <a:noAutofit/>
         </a:bodyPr>
         <a:lstStyle/>
         <a:p>
-          <a:pPr marL="0" lvl="0" indent="0" algn="l" defTabSz="1511300">
+          <a:pPr marL="0" lvl="0" indent="0" algn="l" defTabSz="977900">
             <a:lnSpc>
               <a:spcPct val="90000"/>
             </a:lnSpc>
@@ -7050,13 +7310,17 @@
             <a:buNone/>
           </a:pPr>
           <a:r>
-            <a:rPr lang="de-DE" sz="3400" kern="1200" dirty="0"/>
-            <a:t>Option 2</a:t>
+            <a:rPr lang="de-DE" sz="2200" kern="1200" dirty="0">
+              <a:latin typeface="Avenir Next LT Pro Light" panose="020B0304020202020204" pitchFamily="34" charset="0"/>
+            </a:rPr>
+            <a:t>Option 1</a:t>
           </a:r>
-          <a:endParaRPr lang="en-US" sz="3400" kern="1200" dirty="0"/>
+          <a:endParaRPr lang="en-US" sz="2200" kern="1200" dirty="0">
+            <a:latin typeface="Avenir Next LT Pro Light" panose="020B0304020202020204" pitchFamily="34" charset="0"/>
+          </a:endParaRPr>
         </a:p>
         <a:p>
-          <a:pPr marL="228600" lvl="1" indent="-228600" algn="l" defTabSz="1200150">
+          <a:pPr marL="171450" lvl="1" indent="-171450" algn="l" defTabSz="755650">
             <a:lnSpc>
               <a:spcPct val="90000"/>
             </a:lnSpc>
@@ -7069,21 +7333,23 @@
             <a:buChar char="•"/>
           </a:pPr>
           <a:r>
-            <a:rPr lang="de-DE" sz="2700" kern="1200" dirty="0">
+            <a:rPr lang="de-DE" sz="1700" kern="1200" dirty="0">
               <a:solidFill>
-                <a:srgbClr val="00B050"/>
+                <a:srgbClr val="FFFF00"/>
               </a:solidFill>
+              <a:latin typeface="Avenir Next LT Pro Light" panose="020B0304020202020204" pitchFamily="34" charset="0"/>
             </a:rPr>
-            <a:t>Empfehlung</a:t>
+            <a:t>Keine Empfehlung (nur wenn eine Domain keinen Sinn ergibt)!</a:t>
           </a:r>
-          <a:endParaRPr lang="en-US" sz="2700" kern="1200" dirty="0">
+          <a:endParaRPr lang="en-US" sz="1700" kern="1200" dirty="0">
             <a:solidFill>
-              <a:srgbClr val="00B050"/>
+              <a:srgbClr val="FFFF00"/>
             </a:solidFill>
+            <a:latin typeface="Avenir Next LT Pro Light" panose="020B0304020202020204" pitchFamily="34" charset="0"/>
           </a:endParaRPr>
         </a:p>
         <a:p>
-          <a:pPr marL="228600" lvl="1" indent="-228600" algn="l" defTabSz="1200150">
+          <a:pPr marL="171450" lvl="1" indent="-171450" algn="l" defTabSz="755650">
             <a:lnSpc>
               <a:spcPct val="90000"/>
             </a:lnSpc>
@@ -7096,13 +7362,14 @@
             <a:buChar char="•"/>
           </a:pPr>
           <a:r>
-            <a:rPr lang="en-US" sz="2700" kern="1200" dirty="0">
+            <a:rPr lang="en-US" sz="1700" kern="1200" dirty="0">
               <a:solidFill>
                 <a:schemeClr val="tx1">
                   <a:lumMod val="85000"/>
                   <a:lumOff val="15000"/>
                 </a:schemeClr>
               </a:solidFill>
+              <a:latin typeface="Avenir Next LT Pro Light" panose="020B0304020202020204" pitchFamily="34" charset="0"/>
               <a:hlinkClick xmlns:r="http://schemas.openxmlformats.org/officeDocument/2006/relationships" r:id="rId1">
                 <a:extLst>
                   <a:ext uri="{A12FA001-AC4F-418D-AE19-62706E023703}">
@@ -7111,21 +7378,22 @@
                 </a:extLst>
               </a:hlinkClick>
             </a:rPr>
-            <a:t>https://github.com/maximotus/skill-saturday-wordpress-portfolio-website/wiki/Option-2</a:t>
+            <a:t>https://github.com/maximotus/skill-saturday-wordpress-portfolio-website/wiki/Option-1</a:t>
           </a:r>
-          <a:endParaRPr lang="en-US" sz="2700" kern="1200" dirty="0">
+          <a:endParaRPr lang="en-US" sz="1700" kern="1200" dirty="0">
             <a:solidFill>
               <a:schemeClr val="tx1">
                 <a:lumMod val="85000"/>
                 <a:lumOff val="15000"/>
               </a:schemeClr>
             </a:solidFill>
+            <a:latin typeface="Avenir Next LT Pro Light" panose="020B0304020202020204" pitchFamily="34" charset="0"/>
           </a:endParaRPr>
         </a:p>
       </dsp:txBody>
       <dsp:txXfrm>
-        <a:off x="2314860" y="0"/>
-        <a:ext cx="8200739" cy="2117409"/>
+        <a:off x="2242108" y="0"/>
+        <a:ext cx="8273491" cy="1389889"/>
       </dsp:txXfrm>
     </dsp:sp>
     <dsp:sp modelId="{3543167E-0B84-4A2E-8412-B8340644D301}">
@@ -7135,8 +7403,8 @@
       </dsp:nvSpPr>
       <dsp:spPr>
         <a:xfrm>
-          <a:off x="211740" y="211740"/>
-          <a:ext cx="2103120" cy="1693927"/>
+          <a:off x="138988" y="138988"/>
+          <a:ext cx="2103120" cy="1111911"/>
         </a:xfrm>
         <a:prstGeom prst="roundRect">
           <a:avLst>
@@ -7177,8 +7445,8 @@
       </dsp:nvSpPr>
       <dsp:spPr>
         <a:xfrm>
-          <a:off x="0" y="2329150"/>
-          <a:ext cx="10515600" cy="2117409"/>
+          <a:off x="0" y="1528877"/>
+          <a:ext cx="10515600" cy="1389889"/>
         </a:xfrm>
         <a:prstGeom prst="roundRect">
           <a:avLst>
@@ -7249,12 +7517,12 @@
         </a:fontRef>
       </dsp:style>
       <dsp:txBody>
-        <a:bodyPr spcFirstLastPara="0" vert="horz" wrap="square" lIns="129540" tIns="129540" rIns="129540" bIns="129540" numCol="1" spcCol="1270" anchor="t" anchorCtr="0">
+        <a:bodyPr spcFirstLastPara="0" vert="horz" wrap="square" lIns="83820" tIns="83820" rIns="83820" bIns="83820" numCol="1" spcCol="1270" anchor="t" anchorCtr="0">
           <a:noAutofit/>
         </a:bodyPr>
         <a:lstStyle/>
         <a:p>
-          <a:pPr marL="0" lvl="0" indent="0" algn="l" defTabSz="1511300">
+          <a:pPr marL="0" lvl="0" indent="0" algn="l" defTabSz="977900">
             <a:lnSpc>
               <a:spcPct val="90000"/>
             </a:lnSpc>
@@ -7267,13 +7535,17 @@
             <a:buNone/>
           </a:pPr>
           <a:r>
-            <a:rPr lang="de-DE" sz="3400" kern="1200" dirty="0"/>
+            <a:rPr lang="de-DE" sz="2200" kern="1200" dirty="0">
+              <a:latin typeface="Avenir Next LT Pro Light" panose="020B0304020202020204" pitchFamily="34" charset="0"/>
+            </a:rPr>
             <a:t>Option 2</a:t>
           </a:r>
-          <a:endParaRPr lang="en-US" sz="3400" kern="1200" dirty="0"/>
+          <a:endParaRPr lang="en-US" sz="2200" kern="1200" dirty="0">
+            <a:latin typeface="Avenir Next LT Pro Light" panose="020B0304020202020204" pitchFamily="34" charset="0"/>
+          </a:endParaRPr>
         </a:p>
         <a:p>
-          <a:pPr marL="228600" lvl="1" indent="-228600" algn="l" defTabSz="1200150">
+          <a:pPr marL="171450" lvl="1" indent="-171450" algn="l" defTabSz="755650">
             <a:lnSpc>
               <a:spcPct val="90000"/>
             </a:lnSpc>
@@ -7286,18 +7558,23 @@
             <a:buChar char="•"/>
           </a:pPr>
           <a:r>
-            <a:rPr lang="de-DE" sz="2700" kern="1200" dirty="0">
+            <a:rPr lang="de-DE" sz="1700" kern="1200" dirty="0">
               <a:solidFill>
-                <a:srgbClr val="FFFF00"/>
+                <a:srgbClr val="00B050"/>
               </a:solidFill>
               <a:latin typeface="Avenir Next LT Pro Light" panose="020B0304020202020204" pitchFamily="34" charset="0"/>
             </a:rPr>
-            <a:t>Keine Empfehlung (es gibt aber eine Anleitung)!</a:t>
+            <a:t>Empfehlung!</a:t>
           </a:r>
-          <a:endParaRPr lang="en-US" sz="2700" kern="1200" dirty="0"/>
+          <a:endParaRPr lang="en-US" sz="1700" kern="1200" dirty="0">
+            <a:solidFill>
+              <a:srgbClr val="00B050"/>
+            </a:solidFill>
+            <a:latin typeface="Avenir Next LT Pro Light" panose="020B0304020202020204" pitchFamily="34" charset="0"/>
+          </a:endParaRPr>
         </a:p>
         <a:p>
-          <a:pPr marL="228600" lvl="1" indent="-228600" algn="l" defTabSz="1200150">
+          <a:pPr marL="171450" lvl="1" indent="-171450" algn="l" defTabSz="755650">
             <a:lnSpc>
               <a:spcPct val="90000"/>
             </a:lnSpc>
@@ -7310,14 +7587,237 @@
             <a:buChar char="•"/>
           </a:pPr>
           <a:r>
-            <a:rPr lang="en-US" sz="2700" kern="1200" dirty="0">
+            <a:rPr lang="en-US" sz="1700" kern="1200" dirty="0">
               <a:solidFill>
                 <a:schemeClr val="tx1">
                   <a:lumMod val="85000"/>
                   <a:lumOff val="15000"/>
                 </a:schemeClr>
               </a:solidFill>
+              <a:latin typeface="Avenir Next LT Pro Light" panose="020B0304020202020204" pitchFamily="34" charset="0"/>
               <a:hlinkClick xmlns:r="http://schemas.openxmlformats.org/officeDocument/2006/relationships" r:id="rId2">
+                <a:extLst>
+                  <a:ext uri="{A12FA001-AC4F-418D-AE19-62706E023703}">
+                    <ahyp:hlinkClr xmlns:ahyp="http://schemas.microsoft.com/office/drawing/2018/hyperlinkcolor" val="tx"/>
+                  </a:ext>
+                </a:extLst>
+              </a:hlinkClick>
+            </a:rPr>
+            <a:t>https://github.com/maximotus/skill-saturday-wordpress-portfolio-website/wiki/Option-2</a:t>
+          </a:r>
+          <a:endParaRPr lang="en-US" sz="1700" kern="1200" dirty="0">
+            <a:solidFill>
+              <a:schemeClr val="tx1">
+                <a:lumMod val="85000"/>
+                <a:lumOff val="15000"/>
+              </a:schemeClr>
+            </a:solidFill>
+            <a:latin typeface="Avenir Next LT Pro Light" panose="020B0304020202020204" pitchFamily="34" charset="0"/>
+          </a:endParaRPr>
+        </a:p>
+      </dsp:txBody>
+      <dsp:txXfrm>
+        <a:off x="2242108" y="1528877"/>
+        <a:ext cx="8273491" cy="1389889"/>
+      </dsp:txXfrm>
+    </dsp:sp>
+    <dsp:sp modelId="{9CFC517E-AB5B-48A5-8D3A-042E49721566}">
+      <dsp:nvSpPr>
+        <dsp:cNvPr id="0" name=""/>
+        <dsp:cNvSpPr/>
+      </dsp:nvSpPr>
+      <dsp:spPr>
+        <a:xfrm>
+          <a:off x="138988" y="1667866"/>
+          <a:ext cx="2103120" cy="1111911"/>
+        </a:xfrm>
+        <a:prstGeom prst="roundRect">
+          <a:avLst>
+            <a:gd name="adj" fmla="val 10000"/>
+          </a:avLst>
+        </a:prstGeom>
+        <a:solidFill>
+          <a:schemeClr val="bg1"/>
+        </a:solidFill>
+        <a:ln>
+          <a:noFill/>
+        </a:ln>
+        <a:effectLst>
+          <a:outerShdw blurRad="57150" dist="19050" dir="5400000" algn="ctr" rotWithShape="0">
+            <a:srgbClr val="000000">
+              <a:alpha val="63000"/>
+            </a:srgbClr>
+          </a:outerShdw>
+        </a:effectLst>
+      </dsp:spPr>
+      <dsp:style>
+        <a:lnRef idx="0">
+          <a:scrgbClr r="0" g="0" b="0"/>
+        </a:lnRef>
+        <a:fillRef idx="1">
+          <a:scrgbClr r="0" g="0" b="0"/>
+        </a:fillRef>
+        <a:effectRef idx="3">
+          <a:scrgbClr r="0" g="0" b="0"/>
+        </a:effectRef>
+        <a:fontRef idx="minor"/>
+      </dsp:style>
+    </dsp:sp>
+    <dsp:sp modelId="{51FDB375-FAAF-4524-95B4-61CE2DBB7DAB}">
+      <dsp:nvSpPr>
+        <dsp:cNvPr id="0" name=""/>
+        <dsp:cNvSpPr/>
+      </dsp:nvSpPr>
+      <dsp:spPr>
+        <a:xfrm>
+          <a:off x="0" y="3057755"/>
+          <a:ext cx="10515600" cy="1389889"/>
+        </a:xfrm>
+        <a:prstGeom prst="roundRect">
+          <a:avLst>
+            <a:gd name="adj" fmla="val 10000"/>
+          </a:avLst>
+        </a:prstGeom>
+        <a:gradFill rotWithShape="0">
+          <a:gsLst>
+            <a:gs pos="0">
+              <a:schemeClr val="accent1">
+                <a:hueOff val="0"/>
+                <a:satOff val="0"/>
+                <a:lumOff val="0"/>
+                <a:alphaOff val="0"/>
+                <a:satMod val="103000"/>
+                <a:lumMod val="102000"/>
+                <a:tint val="94000"/>
+              </a:schemeClr>
+            </a:gs>
+            <a:gs pos="50000">
+              <a:schemeClr val="accent1">
+                <a:hueOff val="0"/>
+                <a:satOff val="0"/>
+                <a:lumOff val="0"/>
+                <a:alphaOff val="0"/>
+                <a:satMod val="110000"/>
+                <a:lumMod val="100000"/>
+                <a:shade val="100000"/>
+              </a:schemeClr>
+            </a:gs>
+            <a:gs pos="100000">
+              <a:schemeClr val="accent1">
+                <a:hueOff val="0"/>
+                <a:satOff val="0"/>
+                <a:lumOff val="0"/>
+                <a:alphaOff val="0"/>
+                <a:lumMod val="99000"/>
+                <a:satMod val="120000"/>
+                <a:shade val="78000"/>
+              </a:schemeClr>
+            </a:gs>
+          </a:gsLst>
+          <a:lin ang="5400000" scaled="0"/>
+        </a:gradFill>
+        <a:ln>
+          <a:noFill/>
+        </a:ln>
+        <a:effectLst>
+          <a:outerShdw blurRad="57150" dist="19050" dir="5400000" algn="ctr" rotWithShape="0">
+            <a:srgbClr val="000000">
+              <a:alpha val="63000"/>
+            </a:srgbClr>
+          </a:outerShdw>
+        </a:effectLst>
+      </dsp:spPr>
+      <dsp:style>
+        <a:lnRef idx="0">
+          <a:scrgbClr r="0" g="0" b="0"/>
+        </a:lnRef>
+        <a:fillRef idx="3">
+          <a:scrgbClr r="0" g="0" b="0"/>
+        </a:fillRef>
+        <a:effectRef idx="3">
+          <a:scrgbClr r="0" g="0" b="0"/>
+        </a:effectRef>
+        <a:fontRef idx="minor">
+          <a:schemeClr val="lt1"/>
+        </a:fontRef>
+      </dsp:style>
+      <dsp:txBody>
+        <a:bodyPr spcFirstLastPara="0" vert="horz" wrap="square" lIns="83820" tIns="83820" rIns="83820" bIns="83820" numCol="1" spcCol="1270" anchor="t" anchorCtr="0">
+          <a:noAutofit/>
+        </a:bodyPr>
+        <a:lstStyle/>
+        <a:p>
+          <a:pPr marL="0" lvl="0" indent="0" algn="l" defTabSz="977900">
+            <a:lnSpc>
+              <a:spcPct val="90000"/>
+            </a:lnSpc>
+            <a:spcBef>
+              <a:spcPct val="0"/>
+            </a:spcBef>
+            <a:spcAft>
+              <a:spcPct val="35000"/>
+            </a:spcAft>
+            <a:buNone/>
+          </a:pPr>
+          <a:r>
+            <a:rPr lang="de-DE" sz="2200" kern="1200" dirty="0">
+              <a:latin typeface="Avenir Next LT Pro Light" panose="020B0304020202020204" pitchFamily="34" charset="0"/>
+            </a:rPr>
+            <a:t>Option 3</a:t>
+          </a:r>
+          <a:endParaRPr lang="en-US" sz="2200" kern="1200" dirty="0">
+            <a:latin typeface="Avenir Next LT Pro Light" panose="020B0304020202020204" pitchFamily="34" charset="0"/>
+          </a:endParaRPr>
+        </a:p>
+        <a:p>
+          <a:pPr marL="171450" lvl="1" indent="-171450" algn="l" defTabSz="755650">
+            <a:lnSpc>
+              <a:spcPct val="90000"/>
+            </a:lnSpc>
+            <a:spcBef>
+              <a:spcPct val="0"/>
+            </a:spcBef>
+            <a:spcAft>
+              <a:spcPct val="15000"/>
+            </a:spcAft>
+            <a:buChar char="•"/>
+          </a:pPr>
+          <a:r>
+            <a:rPr lang="de-DE" sz="1700" kern="1200">
+              <a:solidFill>
+                <a:srgbClr val="FFFF00"/>
+              </a:solidFill>
+              <a:latin typeface="Avenir Next LT Pro Light" panose="020B0304020202020204" pitchFamily="34" charset="0"/>
+            </a:rPr>
+            <a:t>Keine Empfehlung (es gibt aber eine Anleitung)!</a:t>
+          </a:r>
+          <a:endParaRPr lang="en-US" sz="1700" kern="1200" dirty="0">
+            <a:latin typeface="Avenir Next LT Pro Light" panose="020B0304020202020204" pitchFamily="34" charset="0"/>
+          </a:endParaRPr>
+        </a:p>
+        <a:p>
+          <a:pPr marL="171450" lvl="1" indent="-171450" algn="l" defTabSz="755650">
+            <a:lnSpc>
+              <a:spcPct val="90000"/>
+            </a:lnSpc>
+            <a:spcBef>
+              <a:spcPct val="0"/>
+            </a:spcBef>
+            <a:spcAft>
+              <a:spcPct val="15000"/>
+            </a:spcAft>
+            <a:buChar char="•"/>
+          </a:pPr>
+          <a:r>
+            <a:rPr lang="en-US" sz="1700" kern="1200" dirty="0">
+              <a:solidFill>
+                <a:schemeClr val="tx1">
+                  <a:lumMod val="85000"/>
+                  <a:lumOff val="15000"/>
+                </a:schemeClr>
+              </a:solidFill>
+              <a:latin typeface="Avenir Next LT Pro Light" panose="020B0304020202020204" pitchFamily="34" charset="0"/>
+              <a:hlinkClick xmlns:r="http://schemas.openxmlformats.org/officeDocument/2006/relationships" r:id="rId3">
                 <a:extLst>
                   <a:ext uri="{A12FA001-AC4F-418D-AE19-62706E023703}">
                     <ahyp:hlinkClr xmlns:ahyp="http://schemas.microsoft.com/office/drawing/2018/hyperlinkcolor" val="tx"/>
@@ -7327,30 +7827,31 @@
             </a:rPr>
             <a:t>https://github.com/maximotus/skill-saturday-wordpress-portfolio-website/wiki/Option-3</a:t>
           </a:r>
-          <a:endParaRPr lang="en-US" sz="2700" kern="1200" dirty="0">
+          <a:endParaRPr lang="en-US" sz="1700" kern="1200" dirty="0">
             <a:solidFill>
               <a:schemeClr val="tx1">
                 <a:lumMod val="85000"/>
                 <a:lumOff val="15000"/>
               </a:schemeClr>
             </a:solidFill>
+            <a:latin typeface="Avenir Next LT Pro Light" panose="020B0304020202020204" pitchFamily="34" charset="0"/>
           </a:endParaRPr>
         </a:p>
       </dsp:txBody>
       <dsp:txXfrm>
-        <a:off x="2314860" y="2329150"/>
-        <a:ext cx="8200739" cy="2117409"/>
+        <a:off x="2242108" y="3057755"/>
+        <a:ext cx="8273491" cy="1389889"/>
       </dsp:txXfrm>
     </dsp:sp>
-    <dsp:sp modelId="{9CFC517E-AB5B-48A5-8D3A-042E49721566}">
+    <dsp:sp modelId="{51898C19-AC47-487B-87D8-39E177834466}">
       <dsp:nvSpPr>
         <dsp:cNvPr id="0" name=""/>
         <dsp:cNvSpPr/>
       </dsp:nvSpPr>
       <dsp:spPr>
         <a:xfrm>
-          <a:off x="211740" y="2540890"/>
-          <a:ext cx="2103120" cy="1693927"/>
+          <a:off x="138988" y="3196744"/>
+          <a:ext cx="2103120" cy="1111911"/>
         </a:xfrm>
         <a:prstGeom prst="roundRect">
           <a:avLst>
@@ -12234,6 +12735,356 @@
 </dgm:styleDef>
 </file>
 
+<file path=ppt/notesMasters/notesMaster1.xml><?xml version="1.0" encoding="utf-8"?>
+<p:notesMaster xmlns:a="http://schemas.openxmlformats.org/drawingml/2006/main" xmlns:r="http://schemas.openxmlformats.org/officeDocument/2006/relationships" xmlns:p="http://schemas.openxmlformats.org/presentationml/2006/main">
+  <p:cSld>
+    <p:bg>
+      <p:bgRef idx="1001">
+        <a:schemeClr val="bg1"/>
+      </p:bgRef>
+    </p:bg>
+    <p:spTree>
+      <p:nvGrpSpPr>
+        <p:cNvPr id="1" name=""/>
+        <p:cNvGrpSpPr/>
+        <p:nvPr/>
+      </p:nvGrpSpPr>
+      <p:grpSpPr>
+        <a:xfrm>
+          <a:off x="0" y="0"/>
+          <a:ext cx="0" cy="0"/>
+          <a:chOff x="0" y="0"/>
+          <a:chExt cx="0" cy="0"/>
+        </a:xfrm>
+      </p:grpSpPr>
+      <p:sp>
+        <p:nvSpPr>
+          <p:cNvPr id="2" name="Kopfzeilenplatzhalter 1"/>
+          <p:cNvSpPr>
+            <a:spLocks noGrp="1"/>
+          </p:cNvSpPr>
+          <p:nvPr>
+            <p:ph type="hdr" sz="quarter"/>
+          </p:nvPr>
+        </p:nvSpPr>
+        <p:spPr>
+          <a:xfrm>
+            <a:off x="0" y="0"/>
+            <a:ext cx="2971800" cy="458788"/>
+          </a:xfrm>
+          <a:prstGeom prst="rect">
+            <a:avLst/>
+          </a:prstGeom>
+        </p:spPr>
+        <p:txBody>
+          <a:bodyPr vert="horz" lIns="91440" tIns="45720" rIns="91440" bIns="45720" rtlCol="0"/>
+          <a:lstStyle>
+            <a:lvl1pPr algn="l">
+              <a:defRPr sz="1200"/>
+            </a:lvl1pPr>
+          </a:lstStyle>
+          <a:p>
+            <a:endParaRPr lang="en-US"/>
+          </a:p>
+        </p:txBody>
+      </p:sp>
+      <p:sp>
+        <p:nvSpPr>
+          <p:cNvPr id="3" name="Datumsplatzhalter 2"/>
+          <p:cNvSpPr>
+            <a:spLocks noGrp="1"/>
+          </p:cNvSpPr>
+          <p:nvPr>
+            <p:ph type="dt" idx="1"/>
+          </p:nvPr>
+        </p:nvSpPr>
+        <p:spPr>
+          <a:xfrm>
+            <a:off x="3884613" y="0"/>
+            <a:ext cx="2971800" cy="458788"/>
+          </a:xfrm>
+          <a:prstGeom prst="rect">
+            <a:avLst/>
+          </a:prstGeom>
+        </p:spPr>
+        <p:txBody>
+          <a:bodyPr vert="horz" lIns="91440" tIns="45720" rIns="91440" bIns="45720" rtlCol="0"/>
+          <a:lstStyle>
+            <a:lvl1pPr algn="r">
+              <a:defRPr sz="1200"/>
+            </a:lvl1pPr>
+          </a:lstStyle>
+          <a:p>
+            <a:fld id="{6FE1CEF1-211A-4667-8CEB-3F98090BFB89}" type="datetimeFigureOut">
+              <a:rPr lang="en-US" smtClean="0"/>
+              <a:t>10/8/2021</a:t>
+            </a:fld>
+            <a:endParaRPr lang="en-US"/>
+          </a:p>
+        </p:txBody>
+      </p:sp>
+      <p:sp>
+        <p:nvSpPr>
+          <p:cNvPr id="4" name="Folienbildplatzhalter 3"/>
+          <p:cNvSpPr>
+            <a:spLocks noGrp="1" noRot="1" noChangeAspect="1"/>
+          </p:cNvSpPr>
+          <p:nvPr>
+            <p:ph type="sldImg" idx="2"/>
+          </p:nvPr>
+        </p:nvSpPr>
+        <p:spPr>
+          <a:xfrm>
+            <a:off x="685800" y="1143000"/>
+            <a:ext cx="5486400" cy="3086100"/>
+          </a:xfrm>
+          <a:prstGeom prst="rect">
+            <a:avLst/>
+          </a:prstGeom>
+          <a:noFill/>
+          <a:ln w="12700">
+            <a:solidFill>
+              <a:prstClr val="black"/>
+            </a:solidFill>
+          </a:ln>
+        </p:spPr>
+        <p:txBody>
+          <a:bodyPr vert="horz" lIns="91440" tIns="45720" rIns="91440" bIns="45720" rtlCol="0" anchor="ctr"/>
+          <a:lstStyle/>
+          <a:p>
+            <a:endParaRPr lang="en-US"/>
+          </a:p>
+        </p:txBody>
+      </p:sp>
+      <p:sp>
+        <p:nvSpPr>
+          <p:cNvPr id="5" name="Notizenplatzhalter 4"/>
+          <p:cNvSpPr>
+            <a:spLocks noGrp="1"/>
+          </p:cNvSpPr>
+          <p:nvPr>
+            <p:ph type="body" sz="quarter" idx="3"/>
+          </p:nvPr>
+        </p:nvSpPr>
+        <p:spPr>
+          <a:xfrm>
+            <a:off x="685800" y="4400550"/>
+            <a:ext cx="5486400" cy="3600450"/>
+          </a:xfrm>
+          <a:prstGeom prst="rect">
+            <a:avLst/>
+          </a:prstGeom>
+        </p:spPr>
+        <p:txBody>
+          <a:bodyPr vert="horz" lIns="91440" tIns="45720" rIns="91440" bIns="45720" rtlCol="0"/>
+          <a:lstStyle/>
+          <a:p>
+            <a:pPr lvl="0"/>
+            <a:r>
+              <a:rPr lang="de-DE"/>
+              <a:t>Mastertextformat bearbeiten</a:t>
+            </a:r>
+          </a:p>
+          <a:p>
+            <a:pPr lvl="1"/>
+            <a:r>
+              <a:rPr lang="de-DE"/>
+              <a:t>Zweite Ebene</a:t>
+            </a:r>
+          </a:p>
+          <a:p>
+            <a:pPr lvl="2"/>
+            <a:r>
+              <a:rPr lang="de-DE"/>
+              <a:t>Dritte Ebene</a:t>
+            </a:r>
+          </a:p>
+          <a:p>
+            <a:pPr lvl="3"/>
+            <a:r>
+              <a:rPr lang="de-DE"/>
+              <a:t>Vierte Ebene</a:t>
+            </a:r>
+          </a:p>
+          <a:p>
+            <a:pPr lvl="4"/>
+            <a:r>
+              <a:rPr lang="de-DE"/>
+              <a:t>Fünfte Ebene</a:t>
+            </a:r>
+            <a:endParaRPr lang="en-US"/>
+          </a:p>
+        </p:txBody>
+      </p:sp>
+      <p:sp>
+        <p:nvSpPr>
+          <p:cNvPr id="6" name="Fußzeilenplatzhalter 5"/>
+          <p:cNvSpPr>
+            <a:spLocks noGrp="1"/>
+          </p:cNvSpPr>
+          <p:nvPr>
+            <p:ph type="ftr" sz="quarter" idx="4"/>
+          </p:nvPr>
+        </p:nvSpPr>
+        <p:spPr>
+          <a:xfrm>
+            <a:off x="0" y="8685213"/>
+            <a:ext cx="2971800" cy="458787"/>
+          </a:xfrm>
+          <a:prstGeom prst="rect">
+            <a:avLst/>
+          </a:prstGeom>
+        </p:spPr>
+        <p:txBody>
+          <a:bodyPr vert="horz" lIns="91440" tIns="45720" rIns="91440" bIns="45720" rtlCol="0" anchor="b"/>
+          <a:lstStyle>
+            <a:lvl1pPr algn="l">
+              <a:defRPr sz="1200"/>
+            </a:lvl1pPr>
+          </a:lstStyle>
+          <a:p>
+            <a:endParaRPr lang="en-US"/>
+          </a:p>
+        </p:txBody>
+      </p:sp>
+      <p:sp>
+        <p:nvSpPr>
+          <p:cNvPr id="7" name="Foliennummernplatzhalter 6"/>
+          <p:cNvSpPr>
+            <a:spLocks noGrp="1"/>
+          </p:cNvSpPr>
+          <p:nvPr>
+            <p:ph type="sldNum" sz="quarter" idx="5"/>
+          </p:nvPr>
+        </p:nvSpPr>
+        <p:spPr>
+          <a:xfrm>
+            <a:off x="3884613" y="8685213"/>
+            <a:ext cx="2971800" cy="458787"/>
+          </a:xfrm>
+          <a:prstGeom prst="rect">
+            <a:avLst/>
+          </a:prstGeom>
+        </p:spPr>
+        <p:txBody>
+          <a:bodyPr vert="horz" lIns="91440" tIns="45720" rIns="91440" bIns="45720" rtlCol="0" anchor="b"/>
+          <a:lstStyle>
+            <a:lvl1pPr algn="r">
+              <a:defRPr sz="1200"/>
+            </a:lvl1pPr>
+          </a:lstStyle>
+          <a:p>
+            <a:fld id="{F914E8A6-4783-4273-89E8-DFA9EEE457AA}" type="slidenum">
+              <a:rPr lang="en-US" smtClean="0"/>
+              <a:t>‹Nr.›</a:t>
+            </a:fld>
+            <a:endParaRPr lang="en-US"/>
+          </a:p>
+        </p:txBody>
+      </p:sp>
+    </p:spTree>
+    <p:extLst>
+      <p:ext uri="{BB962C8B-B14F-4D97-AF65-F5344CB8AC3E}">
+        <p14:creationId xmlns:p14="http://schemas.microsoft.com/office/powerpoint/2010/main" val="3224557648"/>
+      </p:ext>
+    </p:extLst>
+  </p:cSld>
+  <p:clrMap bg1="lt1" tx1="dk1" bg2="lt2" tx2="dk2" accent1="accent1" accent2="accent2" accent3="accent3" accent4="accent4" accent5="accent5" accent6="accent6" hlink="hlink" folHlink="folHlink"/>
+  <p:notesStyle>
+    <a:lvl1pPr marL="0" algn="l" defTabSz="914400" rtl="0" eaLnBrk="1" latinLnBrk="0" hangingPunct="1">
+      <a:defRPr sz="1200" kern="1200">
+        <a:solidFill>
+          <a:schemeClr val="tx1"/>
+        </a:solidFill>
+        <a:latin typeface="+mn-lt"/>
+        <a:ea typeface="+mn-ea"/>
+        <a:cs typeface="+mn-cs"/>
+      </a:defRPr>
+    </a:lvl1pPr>
+    <a:lvl2pPr marL="457200" algn="l" defTabSz="914400" rtl="0" eaLnBrk="1" latinLnBrk="0" hangingPunct="1">
+      <a:defRPr sz="1200" kern="1200">
+        <a:solidFill>
+          <a:schemeClr val="tx1"/>
+        </a:solidFill>
+        <a:latin typeface="+mn-lt"/>
+        <a:ea typeface="+mn-ea"/>
+        <a:cs typeface="+mn-cs"/>
+      </a:defRPr>
+    </a:lvl2pPr>
+    <a:lvl3pPr marL="914400" algn="l" defTabSz="914400" rtl="0" eaLnBrk="1" latinLnBrk="0" hangingPunct="1">
+      <a:defRPr sz="1200" kern="1200">
+        <a:solidFill>
+          <a:schemeClr val="tx1"/>
+        </a:solidFill>
+        <a:latin typeface="+mn-lt"/>
+        <a:ea typeface="+mn-ea"/>
+        <a:cs typeface="+mn-cs"/>
+      </a:defRPr>
+    </a:lvl3pPr>
+    <a:lvl4pPr marL="1371600" algn="l" defTabSz="914400" rtl="0" eaLnBrk="1" latinLnBrk="0" hangingPunct="1">
+      <a:defRPr sz="1200" kern="1200">
+        <a:solidFill>
+          <a:schemeClr val="tx1"/>
+        </a:solidFill>
+        <a:latin typeface="+mn-lt"/>
+        <a:ea typeface="+mn-ea"/>
+        <a:cs typeface="+mn-cs"/>
+      </a:defRPr>
+    </a:lvl4pPr>
+    <a:lvl5pPr marL="1828800" algn="l" defTabSz="914400" rtl="0" eaLnBrk="1" latinLnBrk="0" hangingPunct="1">
+      <a:defRPr sz="1200" kern="1200">
+        <a:solidFill>
+          <a:schemeClr val="tx1"/>
+        </a:solidFill>
+        <a:latin typeface="+mn-lt"/>
+        <a:ea typeface="+mn-ea"/>
+        <a:cs typeface="+mn-cs"/>
+      </a:defRPr>
+    </a:lvl5pPr>
+    <a:lvl6pPr marL="2286000" algn="l" defTabSz="914400" rtl="0" eaLnBrk="1" latinLnBrk="0" hangingPunct="1">
+      <a:defRPr sz="1200" kern="1200">
+        <a:solidFill>
+          <a:schemeClr val="tx1"/>
+        </a:solidFill>
+        <a:latin typeface="+mn-lt"/>
+        <a:ea typeface="+mn-ea"/>
+        <a:cs typeface="+mn-cs"/>
+      </a:defRPr>
+    </a:lvl6pPr>
+    <a:lvl7pPr marL="2743200" algn="l" defTabSz="914400" rtl="0" eaLnBrk="1" latinLnBrk="0" hangingPunct="1">
+      <a:defRPr sz="1200" kern="1200">
+        <a:solidFill>
+          <a:schemeClr val="tx1"/>
+        </a:solidFill>
+        <a:latin typeface="+mn-lt"/>
+        <a:ea typeface="+mn-ea"/>
+        <a:cs typeface="+mn-cs"/>
+      </a:defRPr>
+    </a:lvl7pPr>
+    <a:lvl8pPr marL="3200400" algn="l" defTabSz="914400" rtl="0" eaLnBrk="1" latinLnBrk="0" hangingPunct="1">
+      <a:defRPr sz="1200" kern="1200">
+        <a:solidFill>
+          <a:schemeClr val="tx1"/>
+        </a:solidFill>
+        <a:latin typeface="+mn-lt"/>
+        <a:ea typeface="+mn-ea"/>
+        <a:cs typeface="+mn-cs"/>
+      </a:defRPr>
+    </a:lvl8pPr>
+    <a:lvl9pPr marL="3657600" algn="l" defTabSz="914400" rtl="0" eaLnBrk="1" latinLnBrk="0" hangingPunct="1">
+      <a:defRPr sz="1200" kern="1200">
+        <a:solidFill>
+          <a:schemeClr val="tx1"/>
+        </a:solidFill>
+        <a:latin typeface="+mn-lt"/>
+        <a:ea typeface="+mn-ea"/>
+        <a:cs typeface="+mn-cs"/>
+      </a:defRPr>
+    </a:lvl9pPr>
+  </p:notesStyle>
+</p:notesMaster>
+</file>
+
 <file path=ppt/slideLayouts/slideLayout1.xml><?xml version="1.0" encoding="utf-8"?>
 <p:sldLayout xmlns:a="http://schemas.openxmlformats.org/drawingml/2006/main" xmlns:r="http://schemas.openxmlformats.org/officeDocument/2006/relationships" xmlns:p="http://schemas.openxmlformats.org/presentationml/2006/main" type="title" preserve="1">
   <p:cSld name="Titelfolie">
@@ -12383,7 +13234,7 @@
           <a:p>
             <a:fld id="{6843026C-6EB5-47EC-8B51-A60EA406D1EB}" type="datetimeFigureOut">
               <a:rPr lang="en-US" smtClean="0"/>
-              <a:t>10/7/2021</a:t>
+              <a:t>10/8/2021</a:t>
             </a:fld>
             <a:endParaRPr lang="en-US"/>
           </a:p>
@@ -12583,7 +13434,7 @@
           <a:p>
             <a:fld id="{6843026C-6EB5-47EC-8B51-A60EA406D1EB}" type="datetimeFigureOut">
               <a:rPr lang="en-US" smtClean="0"/>
-              <a:t>10/7/2021</a:t>
+              <a:t>10/8/2021</a:t>
             </a:fld>
             <a:endParaRPr lang="en-US"/>
           </a:p>
@@ -12793,7 +13644,7 @@
           <a:p>
             <a:fld id="{6843026C-6EB5-47EC-8B51-A60EA406D1EB}" type="datetimeFigureOut">
               <a:rPr lang="en-US" smtClean="0"/>
-              <a:t>10/7/2021</a:t>
+              <a:t>10/8/2021</a:t>
             </a:fld>
             <a:endParaRPr lang="en-US"/>
           </a:p>
@@ -12993,7 +13844,7 @@
           <a:p>
             <a:fld id="{6843026C-6EB5-47EC-8B51-A60EA406D1EB}" type="datetimeFigureOut">
               <a:rPr lang="en-US" smtClean="0"/>
-              <a:t>10/7/2021</a:t>
+              <a:t>10/8/2021</a:t>
             </a:fld>
             <a:endParaRPr lang="en-US"/>
           </a:p>
@@ -13269,7 +14120,7 @@
           <a:p>
             <a:fld id="{6843026C-6EB5-47EC-8B51-A60EA406D1EB}" type="datetimeFigureOut">
               <a:rPr lang="en-US" smtClean="0"/>
-              <a:t>10/7/2021</a:t>
+              <a:t>10/8/2021</a:t>
             </a:fld>
             <a:endParaRPr lang="en-US"/>
           </a:p>
@@ -13537,7 +14388,7 @@
           <a:p>
             <a:fld id="{6843026C-6EB5-47EC-8B51-A60EA406D1EB}" type="datetimeFigureOut">
               <a:rPr lang="en-US" smtClean="0"/>
-              <a:t>10/7/2021</a:t>
+              <a:t>10/8/2021</a:t>
             </a:fld>
             <a:endParaRPr lang="en-US"/>
           </a:p>
@@ -13952,7 +14803,7 @@
           <a:p>
             <a:fld id="{6843026C-6EB5-47EC-8B51-A60EA406D1EB}" type="datetimeFigureOut">
               <a:rPr lang="en-US" smtClean="0"/>
-              <a:t>10/7/2021</a:t>
+              <a:t>10/8/2021</a:t>
             </a:fld>
             <a:endParaRPr lang="en-US"/>
           </a:p>
@@ -14094,7 +14945,7 @@
           <a:p>
             <a:fld id="{6843026C-6EB5-47EC-8B51-A60EA406D1EB}" type="datetimeFigureOut">
               <a:rPr lang="en-US" smtClean="0"/>
-              <a:t>10/7/2021</a:t>
+              <a:t>10/8/2021</a:t>
             </a:fld>
             <a:endParaRPr lang="en-US"/>
           </a:p>
@@ -14207,7 +15058,7 @@
           <a:p>
             <a:fld id="{6843026C-6EB5-47EC-8B51-A60EA406D1EB}" type="datetimeFigureOut">
               <a:rPr lang="en-US" smtClean="0"/>
-              <a:t>10/7/2021</a:t>
+              <a:t>10/8/2021</a:t>
             </a:fld>
             <a:endParaRPr lang="en-US"/>
           </a:p>
@@ -14520,7 +15371,7 @@
           <a:p>
             <a:fld id="{6843026C-6EB5-47EC-8B51-A60EA406D1EB}" type="datetimeFigureOut">
               <a:rPr lang="en-US" smtClean="0"/>
-              <a:t>10/7/2021</a:t>
+              <a:t>10/8/2021</a:t>
             </a:fld>
             <a:endParaRPr lang="en-US"/>
           </a:p>
@@ -14809,7 +15660,7 @@
           <a:p>
             <a:fld id="{6843026C-6EB5-47EC-8B51-A60EA406D1EB}" type="datetimeFigureOut">
               <a:rPr lang="en-US" smtClean="0"/>
-              <a:t>10/7/2021</a:t>
+              <a:t>10/8/2021</a:t>
             </a:fld>
             <a:endParaRPr lang="en-US"/>
           </a:p>
@@ -15052,7 +15903,7 @@
           <a:p>
             <a:fld id="{6843026C-6EB5-47EC-8B51-A60EA406D1EB}" type="datetimeFigureOut">
               <a:rPr lang="en-US" smtClean="0"/>
-              <a:t>10/7/2021</a:t>
+              <a:t>10/8/2021</a:t>
             </a:fld>
             <a:endParaRPr lang="en-US"/>
           </a:p>
@@ -15677,6 +16528,225 @@
           <p:cNvPr id="2" name="Titel 1">
             <a:extLst>
               <a:ext uri="{FF2B5EF4-FFF2-40B4-BE49-F238E27FC236}">
+                <a16:creationId xmlns:a16="http://schemas.microsoft.com/office/drawing/2014/main" id="{2DE3D5A1-87BE-4970-A6BA-E6C1A071C38E}"/>
+              </a:ext>
+            </a:extLst>
+          </p:cNvPr>
+          <p:cNvSpPr>
+            <a:spLocks noGrp="1"/>
+          </p:cNvSpPr>
+          <p:nvPr>
+            <p:ph type="title"/>
+          </p:nvPr>
+        </p:nvSpPr>
+        <p:spPr/>
+        <p:txBody>
+          <a:bodyPr/>
+          <a:lstStyle/>
+          <a:p>
+            <a:r>
+              <a:rPr lang="de-DE" dirty="0">
+                <a:solidFill>
+                  <a:schemeClr val="bg1"/>
+                </a:solidFill>
+                <a:latin typeface="Avenir Next LT Pro Light" panose="020B0304020202020204" pitchFamily="34" charset="0"/>
+              </a:rPr>
+              <a:t>WordPress Installation</a:t>
+            </a:r>
+            <a:endParaRPr lang="en-US" dirty="0">
+              <a:solidFill>
+                <a:schemeClr val="bg1"/>
+              </a:solidFill>
+              <a:latin typeface="Avenir Next LT Pro Light" panose="020B0304020202020204" pitchFamily="34" charset="0"/>
+            </a:endParaRPr>
+          </a:p>
+        </p:txBody>
+      </p:sp>
+      <p:pic>
+        <p:nvPicPr>
+          <p:cNvPr id="9" name="Inhaltsplatzhalter 8" descr="Stoppuhr">
+            <a:extLst>
+              <a:ext uri="{FF2B5EF4-FFF2-40B4-BE49-F238E27FC236}">
+                <a16:creationId xmlns:a16="http://schemas.microsoft.com/office/drawing/2014/main" id="{7A8D0E6D-3D6C-49AD-9331-04BF2478D466}"/>
+              </a:ext>
+            </a:extLst>
+          </p:cNvPr>
+          <p:cNvPicPr>
+            <a:picLocks noGrp="1" noChangeAspect="1"/>
+          </p:cNvPicPr>
+          <p:nvPr>
+            <p:ph idx="1"/>
+          </p:nvPr>
+        </p:nvPicPr>
+        <p:blipFill>
+          <a:blip r:embed="rId2">
+            <a:extLst>
+              <a:ext uri="{28A0092B-C50C-407E-A947-70E740481C1C}">
+                <a14:useLocalDpi xmlns:a14="http://schemas.microsoft.com/office/drawing/2010/main" val="0"/>
+              </a:ext>
+              <a:ext uri="{96DAC541-7B7A-43D3-8B79-37D633B846F1}">
+                <asvg:svgBlip xmlns:asvg="http://schemas.microsoft.com/office/drawing/2016/SVG/main" r:embed="rId3"/>
+              </a:ext>
+            </a:extLst>
+          </a:blip>
+          <a:stretch>
+            <a:fillRect/>
+          </a:stretch>
+        </p:blipFill>
+        <p:spPr>
+          <a:xfrm>
+            <a:off x="838199" y="1690687"/>
+            <a:ext cx="4682067" cy="4682067"/>
+          </a:xfrm>
+        </p:spPr>
+      </p:pic>
+      <p:sp>
+        <p:nvSpPr>
+          <p:cNvPr id="10" name="Textfeld 9">
+            <a:extLst>
+              <a:ext uri="{FF2B5EF4-FFF2-40B4-BE49-F238E27FC236}">
+                <a16:creationId xmlns:a16="http://schemas.microsoft.com/office/drawing/2014/main" id="{0019AF28-98ED-4E61-BCA4-22883C2607D5}"/>
+              </a:ext>
+            </a:extLst>
+          </p:cNvPr>
+          <p:cNvSpPr txBox="1"/>
+          <p:nvPr/>
+        </p:nvSpPr>
+        <p:spPr>
+          <a:xfrm>
+            <a:off x="5520266" y="3381282"/>
+            <a:ext cx="5960533" cy="1323439"/>
+          </a:xfrm>
+          <a:prstGeom prst="rect">
+            <a:avLst/>
+          </a:prstGeom>
+          <a:noFill/>
+        </p:spPr>
+        <p:txBody>
+          <a:bodyPr wrap="square" rtlCol="0">
+            <a:spAutoFit/>
+          </a:bodyPr>
+          <a:lstStyle/>
+          <a:p>
+            <a:pPr algn="ctr"/>
+            <a:r>
+              <a:rPr lang="de-DE" sz="4000" dirty="0">
+                <a:solidFill>
+                  <a:schemeClr val="bg1"/>
+                </a:solidFill>
+                <a:latin typeface="Avenir Next LT Pro Light" panose="020B0304020202020204" pitchFamily="34" charset="0"/>
+              </a:rPr>
+              <a:t>Selbstständiges Arbeiten</a:t>
+            </a:r>
+          </a:p>
+          <a:p>
+            <a:pPr algn="ctr"/>
+            <a:r>
+              <a:rPr lang="de-DE" sz="4000" dirty="0">
+                <a:solidFill>
+                  <a:schemeClr val="bg1"/>
+                </a:solidFill>
+                <a:latin typeface="Avenir Next LT Pro Light" panose="020B0304020202020204" pitchFamily="34" charset="0"/>
+              </a:rPr>
+              <a:t>ca. 15:45 –  16:00</a:t>
+            </a:r>
+            <a:endParaRPr lang="en-US" sz="4000" dirty="0">
+              <a:solidFill>
+                <a:schemeClr val="bg1"/>
+              </a:solidFill>
+              <a:latin typeface="Avenir Next LT Pro Light" panose="020B0304020202020204" pitchFamily="34" charset="0"/>
+            </a:endParaRPr>
+          </a:p>
+        </p:txBody>
+      </p:sp>
+      <p:sp>
+        <p:nvSpPr>
+          <p:cNvPr id="5" name="Fußzeilenplatzhalter 2">
+            <a:extLst>
+              <a:ext uri="{FF2B5EF4-FFF2-40B4-BE49-F238E27FC236}">
+                <a16:creationId xmlns:a16="http://schemas.microsoft.com/office/drawing/2014/main" id="{2C0A2C48-DFBF-4D09-A178-401090FB639F}"/>
+              </a:ext>
+            </a:extLst>
+          </p:cNvPr>
+          <p:cNvSpPr>
+            <a:spLocks noGrp="1"/>
+          </p:cNvSpPr>
+          <p:nvPr>
+            <p:ph type="ftr" sz="quarter" idx="11"/>
+          </p:nvPr>
+        </p:nvSpPr>
+        <p:spPr>
+          <a:xfrm>
+            <a:off x="4038600" y="6356350"/>
+            <a:ext cx="4114800" cy="365125"/>
+          </a:xfrm>
+        </p:spPr>
+        <p:txBody>
+          <a:bodyPr/>
+          <a:lstStyle/>
+          <a:p>
+            <a:r>
+              <a:rPr lang="en-US" dirty="0"/>
+              <a:t>1. </a:t>
+            </a:r>
+            <a:r>
+              <a:rPr lang="en-US" dirty="0" err="1">
+                <a:latin typeface="Avenir Next LT Pro Light" panose="020B0304020202020204" pitchFamily="34" charset="0"/>
+              </a:rPr>
+              <a:t>Lernrunde</a:t>
+            </a:r>
+            <a:endParaRPr lang="en-US" dirty="0">
+              <a:latin typeface="Avenir Next LT Pro Light" panose="020B0304020202020204" pitchFamily="34" charset="0"/>
+            </a:endParaRPr>
+          </a:p>
+        </p:txBody>
+      </p:sp>
+    </p:spTree>
+    <p:extLst>
+      <p:ext uri="{BB962C8B-B14F-4D97-AF65-F5344CB8AC3E}">
+        <p14:creationId xmlns:p14="http://schemas.microsoft.com/office/powerpoint/2010/main" val="3449857767"/>
+      </p:ext>
+    </p:extLst>
+  </p:cSld>
+  <p:clrMapOvr>
+    <a:masterClrMapping/>
+  </p:clrMapOvr>
+</p:sld>
+</file>
+
+<file path=ppt/slides/slide11.xml><?xml version="1.0" encoding="utf-8"?>
+<p:sld xmlns:a="http://schemas.openxmlformats.org/drawingml/2006/main" xmlns:r="http://schemas.openxmlformats.org/officeDocument/2006/relationships" xmlns:p="http://schemas.openxmlformats.org/presentationml/2006/main">
+  <p:cSld>
+    <p:bg>
+      <p:bgPr>
+        <a:solidFill>
+          <a:schemeClr val="tx1">
+            <a:lumMod val="85000"/>
+            <a:lumOff val="15000"/>
+          </a:schemeClr>
+        </a:solidFill>
+        <a:effectLst/>
+      </p:bgPr>
+    </p:bg>
+    <p:spTree>
+      <p:nvGrpSpPr>
+        <p:cNvPr id="1" name=""/>
+        <p:cNvGrpSpPr/>
+        <p:nvPr/>
+      </p:nvGrpSpPr>
+      <p:grpSpPr>
+        <a:xfrm>
+          <a:off x="0" y="0"/>
+          <a:ext cx="0" cy="0"/>
+          <a:chOff x="0" y="0"/>
+          <a:chExt cx="0" cy="0"/>
+        </a:xfrm>
+      </p:grpSpPr>
+      <p:sp>
+        <p:nvSpPr>
+          <p:cNvPr id="2" name="Titel 1">
+            <a:extLst>
+              <a:ext uri="{FF2B5EF4-FFF2-40B4-BE49-F238E27FC236}">
                 <a16:creationId xmlns:a16="http://schemas.microsoft.com/office/drawing/2014/main" id="{747753E9-46C1-43E7-BF55-1C39C3D2263B}"/>
               </a:ext>
             </a:extLst>
@@ -15810,7 +16880,175 @@
 </p:sld>
 </file>
 
-<file path=ppt/slides/slide11.xml><?xml version="1.0" encoding="utf-8"?>
+<file path=ppt/slides/slide12.xml><?xml version="1.0" encoding="utf-8"?>
+<p:sld xmlns:a="http://schemas.openxmlformats.org/drawingml/2006/main" xmlns:r="http://schemas.openxmlformats.org/officeDocument/2006/relationships" xmlns:p="http://schemas.openxmlformats.org/presentationml/2006/main">
+  <p:cSld>
+    <p:bg>
+      <p:bgPr>
+        <a:solidFill>
+          <a:schemeClr val="tx1">
+            <a:lumMod val="85000"/>
+            <a:lumOff val="15000"/>
+          </a:schemeClr>
+        </a:solidFill>
+        <a:effectLst/>
+      </p:bgPr>
+    </p:bg>
+    <p:spTree>
+      <p:nvGrpSpPr>
+        <p:cNvPr id="1" name=""/>
+        <p:cNvGrpSpPr/>
+        <p:nvPr/>
+      </p:nvGrpSpPr>
+      <p:grpSpPr>
+        <a:xfrm>
+          <a:off x="0" y="0"/>
+          <a:ext cx="0" cy="0"/>
+          <a:chOff x="0" y="0"/>
+          <a:chExt cx="0" cy="0"/>
+        </a:xfrm>
+      </p:grpSpPr>
+      <p:sp>
+        <p:nvSpPr>
+          <p:cNvPr id="2" name="Titel 1">
+            <a:extLst>
+              <a:ext uri="{FF2B5EF4-FFF2-40B4-BE49-F238E27FC236}">
+                <a16:creationId xmlns:a16="http://schemas.microsoft.com/office/drawing/2014/main" id="{D946A9FE-1145-4A11-A6CA-06FE01FC4FC4}"/>
+              </a:ext>
+            </a:extLst>
+          </p:cNvPr>
+          <p:cNvSpPr>
+            <a:spLocks noGrp="1"/>
+          </p:cNvSpPr>
+          <p:nvPr>
+            <p:ph type="title"/>
+          </p:nvPr>
+        </p:nvSpPr>
+        <p:spPr/>
+        <p:txBody>
+          <a:bodyPr/>
+          <a:lstStyle/>
+          <a:p>
+            <a:r>
+              <a:rPr lang="de-DE" dirty="0">
+                <a:solidFill>
+                  <a:schemeClr val="bg1"/>
+                </a:solidFill>
+                <a:latin typeface="Avenir Next LT Pro Light" panose="020B0304020202020204" pitchFamily="34" charset="0"/>
+              </a:rPr>
+              <a:t>Inhalt der 2. Lernrunde</a:t>
+            </a:r>
+            <a:endParaRPr lang="en-US" dirty="0">
+              <a:solidFill>
+                <a:schemeClr val="bg1"/>
+              </a:solidFill>
+              <a:latin typeface="Avenir Next LT Pro Light" panose="020B0304020202020204" pitchFamily="34" charset="0"/>
+            </a:endParaRPr>
+          </a:p>
+        </p:txBody>
+      </p:sp>
+      <p:sp>
+        <p:nvSpPr>
+          <p:cNvPr id="3" name="Inhaltsplatzhalter 2">
+            <a:extLst>
+              <a:ext uri="{FF2B5EF4-FFF2-40B4-BE49-F238E27FC236}">
+                <a16:creationId xmlns:a16="http://schemas.microsoft.com/office/drawing/2014/main" id="{F09921A0-2B24-4EB9-A6B8-364BEA71F654}"/>
+              </a:ext>
+            </a:extLst>
+          </p:cNvPr>
+          <p:cNvSpPr>
+            <a:spLocks noGrp="1"/>
+          </p:cNvSpPr>
+          <p:nvPr>
+            <p:ph idx="1"/>
+          </p:nvPr>
+        </p:nvSpPr>
+        <p:spPr/>
+        <p:txBody>
+          <a:bodyPr/>
+          <a:lstStyle/>
+          <a:p>
+            <a:r>
+              <a:rPr lang="de-DE" dirty="0">
+                <a:solidFill>
+                  <a:schemeClr val="bg1"/>
+                </a:solidFill>
+                <a:latin typeface="Avenir Next LT Pro Light" panose="020B0304020202020204" pitchFamily="34" charset="0"/>
+              </a:rPr>
+              <a:t>SSL/TLS Verschlüsselung</a:t>
+            </a:r>
+          </a:p>
+          <a:p>
+            <a:r>
+              <a:rPr lang="de-DE" dirty="0">
+                <a:solidFill>
+                  <a:schemeClr val="bg1"/>
+                </a:solidFill>
+                <a:latin typeface="Avenir Next LT Pro Light" panose="020B0304020202020204" pitchFamily="34" charset="0"/>
+              </a:rPr>
+              <a:t>SSL-Zertifikat / HTTPS – Selbstständiges Arbeiten</a:t>
+            </a:r>
+          </a:p>
+          <a:p>
+            <a:r>
+              <a:rPr lang="de-DE" dirty="0">
+                <a:solidFill>
+                  <a:schemeClr val="bg1"/>
+                </a:solidFill>
+                <a:latin typeface="Avenir Next LT Pro Light" panose="020B0304020202020204" pitchFamily="34" charset="0"/>
+              </a:rPr>
+              <a:t>WordPress – Einführung</a:t>
+            </a:r>
+          </a:p>
+          <a:p>
+            <a:r>
+              <a:rPr lang="de-DE" dirty="0">
+                <a:solidFill>
+                  <a:schemeClr val="bg1"/>
+                </a:solidFill>
+                <a:latin typeface="Avenir Next LT Pro Light" panose="020B0304020202020204" pitchFamily="34" charset="0"/>
+              </a:rPr>
+              <a:t>WordPress – Design</a:t>
+            </a:r>
+            <a:endParaRPr lang="en-US" dirty="0">
+              <a:solidFill>
+                <a:schemeClr val="bg1"/>
+              </a:solidFill>
+              <a:latin typeface="Avenir Next LT Pro Light" panose="020B0304020202020204" pitchFamily="34" charset="0"/>
+            </a:endParaRPr>
+          </a:p>
+          <a:p>
+            <a:endParaRPr lang="en-US" dirty="0">
+              <a:solidFill>
+                <a:schemeClr val="bg1"/>
+              </a:solidFill>
+              <a:latin typeface="Avenir Next LT Pro Light" panose="020B0304020202020204" pitchFamily="34" charset="0"/>
+            </a:endParaRPr>
+          </a:p>
+          <a:p>
+            <a:endParaRPr lang="en-US" dirty="0">
+              <a:solidFill>
+                <a:schemeClr val="bg1"/>
+              </a:solidFill>
+              <a:latin typeface="Avenir Next LT Pro Light" panose="020B0304020202020204" pitchFamily="34" charset="0"/>
+            </a:endParaRPr>
+          </a:p>
+        </p:txBody>
+      </p:sp>
+    </p:spTree>
+    <p:extLst>
+      <p:ext uri="{BB962C8B-B14F-4D97-AF65-F5344CB8AC3E}">
+        <p14:creationId xmlns:p14="http://schemas.microsoft.com/office/powerpoint/2010/main" val="1885622086"/>
+      </p:ext>
+    </p:extLst>
+  </p:cSld>
+  <p:clrMapOvr>
+    <a:masterClrMapping/>
+  </p:clrMapOvr>
+</p:sld>
+</file>
+
+<file path=ppt/slides/slide13.xml><?xml version="1.0" encoding="utf-8"?>
 <p:sld xmlns:a="http://schemas.openxmlformats.org/drawingml/2006/main" xmlns:r="http://schemas.openxmlformats.org/officeDocument/2006/relationships" xmlns:p="http://schemas.openxmlformats.org/presentationml/2006/main">
   <p:cSld>
     <p:bg>
@@ -15910,6 +17148,48 @@
           </a:prstGeom>
         </p:spPr>
       </p:pic>
+      <p:sp>
+        <p:nvSpPr>
+          <p:cNvPr id="4" name="Fußzeilenplatzhalter 2">
+            <a:extLst>
+              <a:ext uri="{FF2B5EF4-FFF2-40B4-BE49-F238E27FC236}">
+                <a16:creationId xmlns:a16="http://schemas.microsoft.com/office/drawing/2014/main" id="{1E4672F7-7C3B-48F6-9750-2AD8052F7A78}"/>
+              </a:ext>
+            </a:extLst>
+          </p:cNvPr>
+          <p:cNvSpPr>
+            <a:spLocks noGrp="1"/>
+          </p:cNvSpPr>
+          <p:nvPr>
+            <p:ph type="ftr" sz="quarter" idx="11"/>
+          </p:nvPr>
+        </p:nvSpPr>
+        <p:spPr>
+          <a:xfrm>
+            <a:off x="4038600" y="6356350"/>
+            <a:ext cx="4114800" cy="365125"/>
+          </a:xfrm>
+        </p:spPr>
+        <p:txBody>
+          <a:bodyPr/>
+          <a:lstStyle/>
+          <a:p>
+            <a:r>
+              <a:rPr lang="en-US" dirty="0"/>
+              <a:t>2. </a:t>
+            </a:r>
+            <a:r>
+              <a:rPr lang="en-US" dirty="0" err="1">
+                <a:latin typeface="Avenir Next LT Pro Light" panose="020B0304020202020204" pitchFamily="34" charset="0"/>
+              </a:rPr>
+              <a:t>Lernrunde</a:t>
+            </a:r>
+            <a:endParaRPr lang="en-US" dirty="0">
+              <a:latin typeface="Avenir Next LT Pro Light" panose="020B0304020202020204" pitchFamily="34" charset="0"/>
+            </a:endParaRPr>
+          </a:p>
+        </p:txBody>
+      </p:sp>
     </p:spTree>
     <p:extLst>
       <p:ext uri="{BB962C8B-B14F-4D97-AF65-F5344CB8AC3E}">
@@ -16058,7 +17338,7 @@
 </p:sld>
 </file>
 
-<file path=ppt/slides/slide12.xml><?xml version="1.0" encoding="utf-8"?>
+<file path=ppt/slides/slide14.xml><?xml version="1.0" encoding="utf-8"?>
 <p:sld xmlns:a="http://schemas.openxmlformats.org/drawingml/2006/main" xmlns:r="http://schemas.openxmlformats.org/officeDocument/2006/relationships" xmlns:p="http://schemas.openxmlformats.org/presentationml/2006/main">
   <p:cSld>
     <p:bg>
@@ -16178,8 +17458,8 @@
         </p:nvSpPr>
         <p:spPr>
           <a:xfrm>
-            <a:off x="5520266" y="3677778"/>
-            <a:ext cx="5960533" cy="707886"/>
+            <a:off x="5520266" y="3370001"/>
+            <a:ext cx="5960533" cy="1323439"/>
           </a:xfrm>
           <a:prstGeom prst="rect">
             <a:avLst/>
@@ -16200,12 +17480,66 @@
                 </a:solidFill>
                 <a:latin typeface="Avenir Next LT Pro Light" panose="020B0304020202020204" pitchFamily="34" charset="0"/>
               </a:rPr>
+              <a:t>Selbstständiges Arbeiten</a:t>
+            </a:r>
+          </a:p>
+          <a:p>
+            <a:pPr algn="ctr"/>
+            <a:r>
+              <a:rPr lang="de-DE" sz="4000" dirty="0">
+                <a:solidFill>
+                  <a:schemeClr val="bg1"/>
+                </a:solidFill>
+                <a:latin typeface="Avenir Next LT Pro Light" panose="020B0304020202020204" pitchFamily="34" charset="0"/>
+              </a:rPr>
               <a:t>ca. 16:30 –  16:45</a:t>
             </a:r>
             <a:endParaRPr lang="en-US" sz="4000" dirty="0">
               <a:solidFill>
                 <a:schemeClr val="bg1"/>
               </a:solidFill>
+              <a:latin typeface="Avenir Next LT Pro Light" panose="020B0304020202020204" pitchFamily="34" charset="0"/>
+            </a:endParaRPr>
+          </a:p>
+        </p:txBody>
+      </p:sp>
+      <p:sp>
+        <p:nvSpPr>
+          <p:cNvPr id="6" name="Fußzeilenplatzhalter 2">
+            <a:extLst>
+              <a:ext uri="{FF2B5EF4-FFF2-40B4-BE49-F238E27FC236}">
+                <a16:creationId xmlns:a16="http://schemas.microsoft.com/office/drawing/2014/main" id="{3E27AA79-CB16-49F4-9F2C-0A547791296C}"/>
+              </a:ext>
+            </a:extLst>
+          </p:cNvPr>
+          <p:cNvSpPr>
+            <a:spLocks noGrp="1"/>
+          </p:cNvSpPr>
+          <p:nvPr>
+            <p:ph type="ftr" sz="quarter" idx="11"/>
+          </p:nvPr>
+        </p:nvSpPr>
+        <p:spPr>
+          <a:xfrm>
+            <a:off x="4038600" y="6356350"/>
+            <a:ext cx="4114800" cy="365125"/>
+          </a:xfrm>
+        </p:spPr>
+        <p:txBody>
+          <a:bodyPr/>
+          <a:lstStyle/>
+          <a:p>
+            <a:r>
+              <a:rPr lang="en-US" dirty="0"/>
+              <a:t>2. </a:t>
+            </a:r>
+            <a:r>
+              <a:rPr lang="en-US" dirty="0" err="1">
+                <a:latin typeface="Avenir Next LT Pro Light" panose="020B0304020202020204" pitchFamily="34" charset="0"/>
+              </a:rPr>
+              <a:t>Lernrunde</a:t>
+            </a:r>
+            <a:endParaRPr lang="en-US" dirty="0">
               <a:latin typeface="Avenir Next LT Pro Light" panose="020B0304020202020204" pitchFamily="34" charset="0"/>
             </a:endParaRPr>
           </a:p>
@@ -16224,7 +17558,7 @@
 </p:sld>
 </file>
 
-<file path=ppt/slides/slide13.xml><?xml version="1.0" encoding="utf-8"?>
+<file path=ppt/slides/slide15.xml><?xml version="1.0" encoding="utf-8"?>
 <p:sld xmlns:a="http://schemas.openxmlformats.org/drawingml/2006/main" xmlns:r="http://schemas.openxmlformats.org/officeDocument/2006/relationships" xmlns:p="http://schemas.openxmlformats.org/presentationml/2006/main">
   <p:cSld>
     <p:bg>
@@ -16377,6 +17711,48 @@
           </a:p>
         </p:txBody>
       </p:sp>
+      <p:sp>
+        <p:nvSpPr>
+          <p:cNvPr id="6" name="Fußzeilenplatzhalter 2">
+            <a:extLst>
+              <a:ext uri="{FF2B5EF4-FFF2-40B4-BE49-F238E27FC236}">
+                <a16:creationId xmlns:a16="http://schemas.microsoft.com/office/drawing/2014/main" id="{91C70F8E-BBD8-4337-B7F7-5A057C7987A9}"/>
+              </a:ext>
+            </a:extLst>
+          </p:cNvPr>
+          <p:cNvSpPr>
+            <a:spLocks noGrp="1"/>
+          </p:cNvSpPr>
+          <p:nvPr>
+            <p:ph type="ftr" sz="quarter" idx="11"/>
+          </p:nvPr>
+        </p:nvSpPr>
+        <p:spPr>
+          <a:xfrm>
+            <a:off x="4038600" y="6356350"/>
+            <a:ext cx="4114800" cy="365125"/>
+          </a:xfrm>
+        </p:spPr>
+        <p:txBody>
+          <a:bodyPr/>
+          <a:lstStyle/>
+          <a:p>
+            <a:r>
+              <a:rPr lang="en-US" dirty="0"/>
+              <a:t>2. </a:t>
+            </a:r>
+            <a:r>
+              <a:rPr lang="en-US" dirty="0" err="1">
+                <a:latin typeface="Avenir Next LT Pro Light" panose="020B0304020202020204" pitchFamily="34" charset="0"/>
+              </a:rPr>
+              <a:t>Lernrunde</a:t>
+            </a:r>
+            <a:endParaRPr lang="en-US" dirty="0">
+              <a:latin typeface="Avenir Next LT Pro Light" panose="020B0304020202020204" pitchFamily="34" charset="0"/>
+            </a:endParaRPr>
+          </a:p>
+        </p:txBody>
+      </p:sp>
     </p:spTree>
     <p:extLst>
       <p:ext uri="{BB962C8B-B14F-4D97-AF65-F5344CB8AC3E}">
@@ -16390,7 +17766,958 @@
 </p:sld>
 </file>
 
+<file path=ppt/slides/slide16.xml><?xml version="1.0" encoding="utf-8"?>
+<p:sld xmlns:a="http://schemas.openxmlformats.org/drawingml/2006/main" xmlns:r="http://schemas.openxmlformats.org/officeDocument/2006/relationships" xmlns:p="http://schemas.openxmlformats.org/presentationml/2006/main">
+  <p:cSld>
+    <p:bg>
+      <p:bgPr>
+        <a:solidFill>
+          <a:schemeClr val="tx1">
+            <a:lumMod val="85000"/>
+            <a:lumOff val="15000"/>
+          </a:schemeClr>
+        </a:solidFill>
+        <a:effectLst/>
+      </p:bgPr>
+    </p:bg>
+    <p:spTree>
+      <p:nvGrpSpPr>
+        <p:cNvPr id="1" name=""/>
+        <p:cNvGrpSpPr/>
+        <p:nvPr/>
+      </p:nvGrpSpPr>
+      <p:grpSpPr>
+        <a:xfrm>
+          <a:off x="0" y="0"/>
+          <a:ext cx="0" cy="0"/>
+          <a:chOff x="0" y="0"/>
+          <a:chExt cx="0" cy="0"/>
+        </a:xfrm>
+      </p:grpSpPr>
+      <p:sp>
+        <p:nvSpPr>
+          <p:cNvPr id="2" name="Titel 1">
+            <a:extLst>
+              <a:ext uri="{FF2B5EF4-FFF2-40B4-BE49-F238E27FC236}">
+                <a16:creationId xmlns:a16="http://schemas.microsoft.com/office/drawing/2014/main" id="{747753E9-46C1-43E7-BF55-1C39C3D2263B}"/>
+              </a:ext>
+            </a:extLst>
+          </p:cNvPr>
+          <p:cNvSpPr>
+            <a:spLocks noGrp="1"/>
+          </p:cNvSpPr>
+          <p:nvPr>
+            <p:ph type="title"/>
+          </p:nvPr>
+        </p:nvSpPr>
+        <p:spPr/>
+        <p:txBody>
+          <a:bodyPr/>
+          <a:lstStyle/>
+          <a:p>
+            <a:r>
+              <a:rPr lang="de-DE" dirty="0">
+                <a:solidFill>
+                  <a:schemeClr val="bg1"/>
+                </a:solidFill>
+                <a:latin typeface="Avenir Next LT Pro Light" panose="020B0304020202020204" pitchFamily="34" charset="0"/>
+              </a:rPr>
+              <a:t>WordPress – Design</a:t>
+            </a:r>
+            <a:endParaRPr lang="en-US" dirty="0">
+              <a:solidFill>
+                <a:schemeClr val="bg1"/>
+              </a:solidFill>
+              <a:latin typeface="Avenir Next LT Pro Light" panose="020B0304020202020204" pitchFamily="34" charset="0"/>
+            </a:endParaRPr>
+          </a:p>
+        </p:txBody>
+      </p:sp>
+      <p:pic>
+        <p:nvPicPr>
+          <p:cNvPr id="4" name="Inhaltsplatzhalter 8" descr="Stoppuhr">
+            <a:extLst>
+              <a:ext uri="{FF2B5EF4-FFF2-40B4-BE49-F238E27FC236}">
+                <a16:creationId xmlns:a16="http://schemas.microsoft.com/office/drawing/2014/main" id="{A7F8691E-369A-483B-9E90-EB30764D8BB1}"/>
+              </a:ext>
+            </a:extLst>
+          </p:cNvPr>
+          <p:cNvPicPr>
+            <a:picLocks noChangeAspect="1"/>
+          </p:cNvPicPr>
+          <p:nvPr/>
+        </p:nvPicPr>
+        <p:blipFill>
+          <a:blip r:embed="rId2">
+            <a:extLst>
+              <a:ext uri="{28A0092B-C50C-407E-A947-70E740481C1C}">
+                <a14:useLocalDpi xmlns:a14="http://schemas.microsoft.com/office/drawing/2010/main" val="0"/>
+              </a:ext>
+              <a:ext uri="{96DAC541-7B7A-43D3-8B79-37D633B846F1}">
+                <asvg:svgBlip xmlns:asvg="http://schemas.microsoft.com/office/drawing/2016/SVG/main" r:embed="rId3"/>
+              </a:ext>
+            </a:extLst>
+          </a:blip>
+          <a:stretch>
+            <a:fillRect/>
+          </a:stretch>
+        </p:blipFill>
+        <p:spPr>
+          <a:xfrm>
+            <a:off x="838199" y="1690687"/>
+            <a:ext cx="4682067" cy="4682067"/>
+          </a:xfrm>
+          <a:prstGeom prst="rect">
+            <a:avLst/>
+          </a:prstGeom>
+        </p:spPr>
+      </p:pic>
+      <p:sp>
+        <p:nvSpPr>
+          <p:cNvPr id="5" name="Textfeld 4">
+            <a:extLst>
+              <a:ext uri="{FF2B5EF4-FFF2-40B4-BE49-F238E27FC236}">
+                <a16:creationId xmlns:a16="http://schemas.microsoft.com/office/drawing/2014/main" id="{0B2772EB-64EC-4DAB-AFEE-457A1C00BCD7}"/>
+              </a:ext>
+            </a:extLst>
+          </p:cNvPr>
+          <p:cNvSpPr txBox="1"/>
+          <p:nvPr/>
+        </p:nvSpPr>
+        <p:spPr>
+          <a:xfrm>
+            <a:off x="5520266" y="3677778"/>
+            <a:ext cx="5960533" cy="707886"/>
+          </a:xfrm>
+          <a:prstGeom prst="rect">
+            <a:avLst/>
+          </a:prstGeom>
+          <a:noFill/>
+        </p:spPr>
+        <p:txBody>
+          <a:bodyPr wrap="square" rtlCol="0">
+            <a:spAutoFit/>
+          </a:bodyPr>
+          <a:lstStyle/>
+          <a:p>
+            <a:pPr algn="ctr"/>
+            <a:r>
+              <a:rPr lang="de-DE" sz="4000" dirty="0">
+                <a:solidFill>
+                  <a:schemeClr val="bg1"/>
+                </a:solidFill>
+                <a:latin typeface="Avenir Next LT Pro Light" panose="020B0304020202020204" pitchFamily="34" charset="0"/>
+              </a:rPr>
+              <a:t>ca. 17:15 –  18:00</a:t>
+            </a:r>
+            <a:endParaRPr lang="en-US" sz="4000" dirty="0">
+              <a:solidFill>
+                <a:schemeClr val="bg1"/>
+              </a:solidFill>
+              <a:latin typeface="Avenir Next LT Pro Light" panose="020B0304020202020204" pitchFamily="34" charset="0"/>
+            </a:endParaRPr>
+          </a:p>
+        </p:txBody>
+      </p:sp>
+      <p:sp>
+        <p:nvSpPr>
+          <p:cNvPr id="6" name="Fußzeilenplatzhalter 2">
+            <a:extLst>
+              <a:ext uri="{FF2B5EF4-FFF2-40B4-BE49-F238E27FC236}">
+                <a16:creationId xmlns:a16="http://schemas.microsoft.com/office/drawing/2014/main" id="{91C70F8E-BBD8-4337-B7F7-5A057C7987A9}"/>
+              </a:ext>
+            </a:extLst>
+          </p:cNvPr>
+          <p:cNvSpPr>
+            <a:spLocks noGrp="1"/>
+          </p:cNvSpPr>
+          <p:nvPr>
+            <p:ph type="ftr" sz="quarter" idx="11"/>
+          </p:nvPr>
+        </p:nvSpPr>
+        <p:spPr>
+          <a:xfrm>
+            <a:off x="4038600" y="6356350"/>
+            <a:ext cx="4114800" cy="365125"/>
+          </a:xfrm>
+        </p:spPr>
+        <p:txBody>
+          <a:bodyPr/>
+          <a:lstStyle/>
+          <a:p>
+            <a:r>
+              <a:rPr lang="en-US" dirty="0"/>
+              <a:t>2. </a:t>
+            </a:r>
+            <a:r>
+              <a:rPr lang="en-US" dirty="0" err="1">
+                <a:latin typeface="Avenir Next LT Pro Light" panose="020B0304020202020204" pitchFamily="34" charset="0"/>
+              </a:rPr>
+              <a:t>Lernrunde</a:t>
+            </a:r>
+            <a:endParaRPr lang="en-US" dirty="0">
+              <a:latin typeface="Avenir Next LT Pro Light" panose="020B0304020202020204" pitchFamily="34" charset="0"/>
+            </a:endParaRPr>
+          </a:p>
+        </p:txBody>
+      </p:sp>
+    </p:spTree>
+    <p:extLst>
+      <p:ext uri="{BB962C8B-B14F-4D97-AF65-F5344CB8AC3E}">
+        <p14:creationId xmlns:p14="http://schemas.microsoft.com/office/powerpoint/2010/main" val="3448865936"/>
+      </p:ext>
+    </p:extLst>
+  </p:cSld>
+  <p:clrMapOvr>
+    <a:masterClrMapping/>
+  </p:clrMapOvr>
+</p:sld>
+</file>
+
+<file path=ppt/slides/slide17.xml><?xml version="1.0" encoding="utf-8"?>
+<p:sld xmlns:a="http://schemas.openxmlformats.org/drawingml/2006/main" xmlns:r="http://schemas.openxmlformats.org/officeDocument/2006/relationships" xmlns:p="http://schemas.openxmlformats.org/presentationml/2006/main">
+  <p:cSld>
+    <p:bg>
+      <p:bgPr>
+        <a:solidFill>
+          <a:schemeClr val="tx1">
+            <a:lumMod val="85000"/>
+            <a:lumOff val="15000"/>
+          </a:schemeClr>
+        </a:solidFill>
+        <a:effectLst/>
+      </p:bgPr>
+    </p:bg>
+    <p:spTree>
+      <p:nvGrpSpPr>
+        <p:cNvPr id="1" name=""/>
+        <p:cNvGrpSpPr/>
+        <p:nvPr/>
+      </p:nvGrpSpPr>
+      <p:grpSpPr>
+        <a:xfrm>
+          <a:off x="0" y="0"/>
+          <a:ext cx="0" cy="0"/>
+          <a:chOff x="0" y="0"/>
+          <a:chExt cx="0" cy="0"/>
+        </a:xfrm>
+      </p:grpSpPr>
+      <p:sp>
+        <p:nvSpPr>
+          <p:cNvPr id="2" name="Titel 1">
+            <a:extLst>
+              <a:ext uri="{FF2B5EF4-FFF2-40B4-BE49-F238E27FC236}">
+                <a16:creationId xmlns:a16="http://schemas.microsoft.com/office/drawing/2014/main" id="{747753E9-46C1-43E7-BF55-1C39C3D2263B}"/>
+              </a:ext>
+            </a:extLst>
+          </p:cNvPr>
+          <p:cNvSpPr>
+            <a:spLocks noGrp="1"/>
+          </p:cNvSpPr>
+          <p:nvPr>
+            <p:ph type="title"/>
+          </p:nvPr>
+        </p:nvSpPr>
+        <p:spPr/>
+        <p:txBody>
+          <a:bodyPr/>
+          <a:lstStyle/>
+          <a:p>
+            <a:r>
+              <a:rPr lang="de-DE" dirty="0">
+                <a:solidFill>
+                  <a:schemeClr val="bg1"/>
+                </a:solidFill>
+                <a:latin typeface="Avenir Next LT Pro Light" panose="020B0304020202020204" pitchFamily="34" charset="0"/>
+              </a:rPr>
+              <a:t>Pause – Pizza!</a:t>
+            </a:r>
+            <a:endParaRPr lang="en-US" dirty="0">
+              <a:solidFill>
+                <a:schemeClr val="bg1"/>
+              </a:solidFill>
+              <a:latin typeface="Avenir Next LT Pro Light" panose="020B0304020202020204" pitchFamily="34" charset="0"/>
+            </a:endParaRPr>
+          </a:p>
+        </p:txBody>
+      </p:sp>
+      <p:pic>
+        <p:nvPicPr>
+          <p:cNvPr id="4" name="Inhaltsplatzhalter 8" descr="Stoppuhr">
+            <a:extLst>
+              <a:ext uri="{FF2B5EF4-FFF2-40B4-BE49-F238E27FC236}">
+                <a16:creationId xmlns:a16="http://schemas.microsoft.com/office/drawing/2014/main" id="{A7F8691E-369A-483B-9E90-EB30764D8BB1}"/>
+              </a:ext>
+            </a:extLst>
+          </p:cNvPr>
+          <p:cNvPicPr>
+            <a:picLocks noChangeAspect="1"/>
+          </p:cNvPicPr>
+          <p:nvPr/>
+        </p:nvPicPr>
+        <p:blipFill>
+          <a:blip r:embed="rId2">
+            <a:extLst>
+              <a:ext uri="{28A0092B-C50C-407E-A947-70E740481C1C}">
+                <a14:useLocalDpi xmlns:a14="http://schemas.microsoft.com/office/drawing/2010/main" val="0"/>
+              </a:ext>
+              <a:ext uri="{96DAC541-7B7A-43D3-8B79-37D633B846F1}">
+                <asvg:svgBlip xmlns:asvg="http://schemas.microsoft.com/office/drawing/2016/SVG/main" r:embed="rId3"/>
+              </a:ext>
+            </a:extLst>
+          </a:blip>
+          <a:stretch>
+            <a:fillRect/>
+          </a:stretch>
+        </p:blipFill>
+        <p:spPr>
+          <a:xfrm>
+            <a:off x="838199" y="1690687"/>
+            <a:ext cx="4682067" cy="4682067"/>
+          </a:xfrm>
+          <a:prstGeom prst="rect">
+            <a:avLst/>
+          </a:prstGeom>
+        </p:spPr>
+      </p:pic>
+      <p:sp>
+        <p:nvSpPr>
+          <p:cNvPr id="5" name="Textfeld 4">
+            <a:extLst>
+              <a:ext uri="{FF2B5EF4-FFF2-40B4-BE49-F238E27FC236}">
+                <a16:creationId xmlns:a16="http://schemas.microsoft.com/office/drawing/2014/main" id="{0B2772EB-64EC-4DAB-AFEE-457A1C00BCD7}"/>
+              </a:ext>
+            </a:extLst>
+          </p:cNvPr>
+          <p:cNvSpPr txBox="1"/>
+          <p:nvPr/>
+        </p:nvSpPr>
+        <p:spPr>
+          <a:xfrm>
+            <a:off x="5520266" y="3677778"/>
+            <a:ext cx="5960533" cy="707886"/>
+          </a:xfrm>
+          <a:prstGeom prst="rect">
+            <a:avLst/>
+          </a:prstGeom>
+          <a:noFill/>
+        </p:spPr>
+        <p:txBody>
+          <a:bodyPr wrap="square" rtlCol="0">
+            <a:spAutoFit/>
+          </a:bodyPr>
+          <a:lstStyle/>
+          <a:p>
+            <a:pPr algn="ctr"/>
+            <a:r>
+              <a:rPr lang="de-DE" sz="4000" dirty="0">
+                <a:solidFill>
+                  <a:schemeClr val="bg1"/>
+                </a:solidFill>
+                <a:latin typeface="Avenir Next LT Pro Light" panose="020B0304020202020204" pitchFamily="34" charset="0"/>
+              </a:rPr>
+              <a:t>ca. 18:00 –  19:00</a:t>
+            </a:r>
+            <a:endParaRPr lang="en-US" sz="4000" dirty="0">
+              <a:solidFill>
+                <a:schemeClr val="bg1"/>
+              </a:solidFill>
+              <a:latin typeface="Avenir Next LT Pro Light" panose="020B0304020202020204" pitchFamily="34" charset="0"/>
+            </a:endParaRPr>
+          </a:p>
+        </p:txBody>
+      </p:sp>
+    </p:spTree>
+    <p:extLst>
+      <p:ext uri="{BB962C8B-B14F-4D97-AF65-F5344CB8AC3E}">
+        <p14:creationId xmlns:p14="http://schemas.microsoft.com/office/powerpoint/2010/main" val="3863676374"/>
+      </p:ext>
+    </p:extLst>
+  </p:cSld>
+  <p:clrMapOvr>
+    <a:masterClrMapping/>
+  </p:clrMapOvr>
+</p:sld>
+</file>
+
+<file path=ppt/slides/slide18.xml><?xml version="1.0" encoding="utf-8"?>
+<p:sld xmlns:a="http://schemas.openxmlformats.org/drawingml/2006/main" xmlns:r="http://schemas.openxmlformats.org/officeDocument/2006/relationships" xmlns:p="http://schemas.openxmlformats.org/presentationml/2006/main">
+  <p:cSld>
+    <p:bg>
+      <p:bgPr>
+        <a:solidFill>
+          <a:schemeClr val="tx1">
+            <a:lumMod val="85000"/>
+            <a:lumOff val="15000"/>
+          </a:schemeClr>
+        </a:solidFill>
+        <a:effectLst/>
+      </p:bgPr>
+    </p:bg>
+    <p:spTree>
+      <p:nvGrpSpPr>
+        <p:cNvPr id="1" name=""/>
+        <p:cNvGrpSpPr/>
+        <p:nvPr/>
+      </p:nvGrpSpPr>
+      <p:grpSpPr>
+        <a:xfrm>
+          <a:off x="0" y="0"/>
+          <a:ext cx="0" cy="0"/>
+          <a:chOff x="0" y="0"/>
+          <a:chExt cx="0" cy="0"/>
+        </a:xfrm>
+      </p:grpSpPr>
+      <p:sp>
+        <p:nvSpPr>
+          <p:cNvPr id="2" name="Titel 1">
+            <a:extLst>
+              <a:ext uri="{FF2B5EF4-FFF2-40B4-BE49-F238E27FC236}">
+                <a16:creationId xmlns:a16="http://schemas.microsoft.com/office/drawing/2014/main" id="{D946A9FE-1145-4A11-A6CA-06FE01FC4FC4}"/>
+              </a:ext>
+            </a:extLst>
+          </p:cNvPr>
+          <p:cNvSpPr>
+            <a:spLocks noGrp="1"/>
+          </p:cNvSpPr>
+          <p:nvPr>
+            <p:ph type="title"/>
+          </p:nvPr>
+        </p:nvSpPr>
+        <p:spPr/>
+        <p:txBody>
+          <a:bodyPr/>
+          <a:lstStyle/>
+          <a:p>
+            <a:r>
+              <a:rPr lang="de-DE" dirty="0">
+                <a:solidFill>
+                  <a:schemeClr val="bg1"/>
+                </a:solidFill>
+                <a:latin typeface="Avenir Next LT Pro Light" panose="020B0304020202020204" pitchFamily="34" charset="0"/>
+              </a:rPr>
+              <a:t>Inhalt der 3. Lernrunde</a:t>
+            </a:r>
+            <a:endParaRPr lang="en-US" dirty="0">
+              <a:solidFill>
+                <a:schemeClr val="bg1"/>
+              </a:solidFill>
+              <a:latin typeface="Avenir Next LT Pro Light" panose="020B0304020202020204" pitchFamily="34" charset="0"/>
+            </a:endParaRPr>
+          </a:p>
+        </p:txBody>
+      </p:sp>
+      <p:sp>
+        <p:nvSpPr>
+          <p:cNvPr id="3" name="Inhaltsplatzhalter 2">
+            <a:extLst>
+              <a:ext uri="{FF2B5EF4-FFF2-40B4-BE49-F238E27FC236}">
+                <a16:creationId xmlns:a16="http://schemas.microsoft.com/office/drawing/2014/main" id="{F09921A0-2B24-4EB9-A6B8-364BEA71F654}"/>
+              </a:ext>
+            </a:extLst>
+          </p:cNvPr>
+          <p:cNvSpPr>
+            <a:spLocks noGrp="1"/>
+          </p:cNvSpPr>
+          <p:nvPr>
+            <p:ph idx="1"/>
+          </p:nvPr>
+        </p:nvSpPr>
+        <p:spPr/>
+        <p:txBody>
+          <a:bodyPr/>
+          <a:lstStyle/>
+          <a:p>
+            <a:r>
+              <a:rPr lang="en-US" dirty="0" err="1">
+                <a:solidFill>
+                  <a:schemeClr val="bg1"/>
+                </a:solidFill>
+                <a:latin typeface="Avenir Next LT Pro Light" panose="020B0304020202020204" pitchFamily="34" charset="0"/>
+              </a:rPr>
+              <a:t>Selbstständiges</a:t>
+            </a:r>
+            <a:r>
+              <a:rPr lang="en-US" dirty="0">
+                <a:solidFill>
+                  <a:schemeClr val="bg1"/>
+                </a:solidFill>
+                <a:latin typeface="Avenir Next LT Pro Light" panose="020B0304020202020204" pitchFamily="34" charset="0"/>
+              </a:rPr>
+              <a:t> </a:t>
+            </a:r>
+            <a:r>
+              <a:rPr lang="en-US" dirty="0" err="1">
+                <a:solidFill>
+                  <a:schemeClr val="bg1"/>
+                </a:solidFill>
+                <a:latin typeface="Avenir Next LT Pro Light" panose="020B0304020202020204" pitchFamily="34" charset="0"/>
+              </a:rPr>
+              <a:t>Erstellen</a:t>
+            </a:r>
+            <a:r>
+              <a:rPr lang="en-US" dirty="0">
+                <a:solidFill>
+                  <a:schemeClr val="bg1"/>
+                </a:solidFill>
+                <a:latin typeface="Avenir Next LT Pro Light" panose="020B0304020202020204" pitchFamily="34" charset="0"/>
+              </a:rPr>
+              <a:t> der Website</a:t>
+            </a:r>
+          </a:p>
+          <a:p>
+            <a:r>
+              <a:rPr lang="en-US" dirty="0">
+                <a:solidFill>
+                  <a:schemeClr val="bg1"/>
+                </a:solidFill>
+                <a:latin typeface="Avenir Next LT Pro Light" panose="020B0304020202020204" pitchFamily="34" charset="0"/>
+              </a:rPr>
+              <a:t>Bei </a:t>
+            </a:r>
+            <a:r>
+              <a:rPr lang="en-US" dirty="0" err="1">
+                <a:solidFill>
+                  <a:schemeClr val="bg1"/>
+                </a:solidFill>
+                <a:latin typeface="Avenir Next LT Pro Light" panose="020B0304020202020204" pitchFamily="34" charset="0"/>
+              </a:rPr>
+              <a:t>Fragen</a:t>
+            </a:r>
+            <a:r>
+              <a:rPr lang="en-US" dirty="0">
+                <a:solidFill>
+                  <a:schemeClr val="bg1"/>
+                </a:solidFill>
+                <a:latin typeface="Avenir Next LT Pro Light" panose="020B0304020202020204" pitchFamily="34" charset="0"/>
+              </a:rPr>
+              <a:t> </a:t>
+            </a:r>
+            <a:r>
+              <a:rPr lang="en-US" dirty="0" err="1">
+                <a:solidFill>
+                  <a:schemeClr val="bg1"/>
+                </a:solidFill>
+                <a:latin typeface="Avenir Next LT Pro Light" panose="020B0304020202020204" pitchFamily="34" charset="0"/>
+              </a:rPr>
+              <a:t>gegenseitig</a:t>
+            </a:r>
+            <a:r>
+              <a:rPr lang="en-US" dirty="0">
+                <a:solidFill>
+                  <a:schemeClr val="bg1"/>
+                </a:solidFill>
+                <a:latin typeface="Avenir Next LT Pro Light" panose="020B0304020202020204" pitchFamily="34" charset="0"/>
+              </a:rPr>
+              <a:t> </a:t>
+            </a:r>
+            <a:r>
+              <a:rPr lang="en-US" dirty="0" err="1">
+                <a:solidFill>
+                  <a:schemeClr val="bg1"/>
+                </a:solidFill>
+                <a:latin typeface="Avenir Next LT Pro Light" panose="020B0304020202020204" pitchFamily="34" charset="0"/>
+              </a:rPr>
+              <a:t>helfen</a:t>
+            </a:r>
+            <a:r>
+              <a:rPr lang="en-US" dirty="0">
+                <a:solidFill>
+                  <a:schemeClr val="bg1"/>
+                </a:solidFill>
+                <a:latin typeface="Avenir Next LT Pro Light" panose="020B0304020202020204" pitchFamily="34" charset="0"/>
+              </a:rPr>
+              <a:t> (und </a:t>
+            </a:r>
+            <a:r>
+              <a:rPr lang="en-US" dirty="0" err="1">
+                <a:solidFill>
+                  <a:schemeClr val="bg1"/>
+                </a:solidFill>
+                <a:latin typeface="Avenir Next LT Pro Light" panose="020B0304020202020204" pitchFamily="34" charset="0"/>
+              </a:rPr>
+              <a:t>gern</a:t>
+            </a:r>
+            <a:r>
+              <a:rPr lang="en-US" dirty="0">
+                <a:solidFill>
+                  <a:schemeClr val="bg1"/>
+                </a:solidFill>
+                <a:latin typeface="Avenir Next LT Pro Light" panose="020B0304020202020204" pitchFamily="34" charset="0"/>
+              </a:rPr>
+              <a:t> auf </a:t>
+            </a:r>
+            <a:r>
+              <a:rPr lang="en-US" dirty="0" err="1">
+                <a:solidFill>
+                  <a:schemeClr val="bg1"/>
+                </a:solidFill>
+                <a:latin typeface="Avenir Next LT Pro Light" panose="020B0304020202020204" pitchFamily="34" charset="0"/>
+              </a:rPr>
+              <a:t>mich</a:t>
+            </a:r>
+            <a:r>
+              <a:rPr lang="en-US" dirty="0">
+                <a:solidFill>
+                  <a:schemeClr val="bg1"/>
+                </a:solidFill>
+                <a:latin typeface="Avenir Next LT Pro Light" panose="020B0304020202020204" pitchFamily="34" charset="0"/>
+              </a:rPr>
+              <a:t> </a:t>
+            </a:r>
+            <a:r>
+              <a:rPr lang="en-US" dirty="0" err="1">
+                <a:solidFill>
+                  <a:schemeClr val="bg1"/>
+                </a:solidFill>
+                <a:latin typeface="Avenir Next LT Pro Light" panose="020B0304020202020204" pitchFamily="34" charset="0"/>
+              </a:rPr>
+              <a:t>zukommen</a:t>
+            </a:r>
+            <a:r>
+              <a:rPr lang="en-US" dirty="0">
+                <a:solidFill>
+                  <a:schemeClr val="bg1"/>
+                </a:solidFill>
+                <a:latin typeface="Avenir Next LT Pro Light" panose="020B0304020202020204" pitchFamily="34" charset="0"/>
+              </a:rPr>
+              <a:t>!)</a:t>
+            </a:r>
+          </a:p>
+          <a:p>
+            <a:endParaRPr lang="en-US" dirty="0">
+              <a:solidFill>
+                <a:schemeClr val="bg1"/>
+              </a:solidFill>
+              <a:latin typeface="Avenir Next LT Pro Light" panose="020B0304020202020204" pitchFamily="34" charset="0"/>
+            </a:endParaRPr>
+          </a:p>
+          <a:p>
+            <a:endParaRPr lang="en-US" dirty="0">
+              <a:solidFill>
+                <a:schemeClr val="bg1"/>
+              </a:solidFill>
+              <a:latin typeface="Avenir Next LT Pro Light" panose="020B0304020202020204" pitchFamily="34" charset="0"/>
+            </a:endParaRPr>
+          </a:p>
+        </p:txBody>
+      </p:sp>
+    </p:spTree>
+    <p:extLst>
+      <p:ext uri="{BB962C8B-B14F-4D97-AF65-F5344CB8AC3E}">
+        <p14:creationId xmlns:p14="http://schemas.microsoft.com/office/powerpoint/2010/main" val="1364027989"/>
+      </p:ext>
+    </p:extLst>
+  </p:cSld>
+  <p:clrMapOvr>
+    <a:masterClrMapping/>
+  </p:clrMapOvr>
+</p:sld>
+</file>
+
 <file path=ppt/slides/slide2.xml><?xml version="1.0" encoding="utf-8"?>
+<p:sld xmlns:a="http://schemas.openxmlformats.org/drawingml/2006/main" xmlns:r="http://schemas.openxmlformats.org/officeDocument/2006/relationships" xmlns:p="http://schemas.openxmlformats.org/presentationml/2006/main">
+  <p:cSld>
+    <p:bg>
+      <p:bgPr>
+        <a:solidFill>
+          <a:schemeClr val="tx1">
+            <a:lumMod val="85000"/>
+            <a:lumOff val="15000"/>
+          </a:schemeClr>
+        </a:solidFill>
+        <a:effectLst/>
+      </p:bgPr>
+    </p:bg>
+    <p:spTree>
+      <p:nvGrpSpPr>
+        <p:cNvPr id="1" name=""/>
+        <p:cNvGrpSpPr/>
+        <p:nvPr/>
+      </p:nvGrpSpPr>
+      <p:grpSpPr>
+        <a:xfrm>
+          <a:off x="0" y="0"/>
+          <a:ext cx="0" cy="0"/>
+          <a:chOff x="0" y="0"/>
+          <a:chExt cx="0" cy="0"/>
+        </a:xfrm>
+      </p:grpSpPr>
+      <p:sp>
+        <p:nvSpPr>
+          <p:cNvPr id="2" name="Titel 1">
+            <a:extLst>
+              <a:ext uri="{FF2B5EF4-FFF2-40B4-BE49-F238E27FC236}">
+                <a16:creationId xmlns:a16="http://schemas.microsoft.com/office/drawing/2014/main" id="{D946A9FE-1145-4A11-A6CA-06FE01FC4FC4}"/>
+              </a:ext>
+            </a:extLst>
+          </p:cNvPr>
+          <p:cNvSpPr>
+            <a:spLocks noGrp="1"/>
+          </p:cNvSpPr>
+          <p:nvPr>
+            <p:ph type="title"/>
+          </p:nvPr>
+        </p:nvSpPr>
+        <p:spPr/>
+        <p:txBody>
+          <a:bodyPr/>
+          <a:lstStyle/>
+          <a:p>
+            <a:r>
+              <a:rPr lang="de-DE" dirty="0">
+                <a:solidFill>
+                  <a:schemeClr val="bg1"/>
+                </a:solidFill>
+                <a:latin typeface="Avenir Next LT Pro Light" panose="020B0304020202020204" pitchFamily="34" charset="0"/>
+              </a:rPr>
+              <a:t>Inhalt der 1. Lernrunde</a:t>
+            </a:r>
+            <a:endParaRPr lang="en-US" dirty="0">
+              <a:solidFill>
+                <a:schemeClr val="bg1"/>
+              </a:solidFill>
+              <a:latin typeface="Avenir Next LT Pro Light" panose="020B0304020202020204" pitchFamily="34" charset="0"/>
+            </a:endParaRPr>
+          </a:p>
+        </p:txBody>
+      </p:sp>
+      <p:sp>
+        <p:nvSpPr>
+          <p:cNvPr id="3" name="Inhaltsplatzhalter 2">
+            <a:extLst>
+              <a:ext uri="{FF2B5EF4-FFF2-40B4-BE49-F238E27FC236}">
+                <a16:creationId xmlns:a16="http://schemas.microsoft.com/office/drawing/2014/main" id="{F09921A0-2B24-4EB9-A6B8-364BEA71F654}"/>
+              </a:ext>
+            </a:extLst>
+          </p:cNvPr>
+          <p:cNvSpPr>
+            <a:spLocks noGrp="1"/>
+          </p:cNvSpPr>
+          <p:nvPr>
+            <p:ph idx="1"/>
+          </p:nvPr>
+        </p:nvSpPr>
+        <p:spPr/>
+        <p:txBody>
+          <a:bodyPr/>
+          <a:lstStyle/>
+          <a:p>
+            <a:r>
+              <a:rPr lang="de-DE" dirty="0">
+                <a:solidFill>
+                  <a:schemeClr val="bg1"/>
+                </a:solidFill>
+                <a:latin typeface="Avenir Next LT Pro Light" panose="020B0304020202020204" pitchFamily="34" charset="0"/>
+              </a:rPr>
+              <a:t>Warum eine Portfolio Website?</a:t>
+            </a:r>
+          </a:p>
+          <a:p>
+            <a:r>
+              <a:rPr lang="de-DE" dirty="0">
+                <a:solidFill>
+                  <a:schemeClr val="bg1"/>
+                </a:solidFill>
+                <a:latin typeface="Avenir Next LT Pro Light" panose="020B0304020202020204" pitchFamily="34" charset="0"/>
+              </a:rPr>
+              <a:t>Inhalte einer Portfolio Website</a:t>
+            </a:r>
+          </a:p>
+          <a:p>
+            <a:r>
+              <a:rPr lang="de-DE" dirty="0">
+                <a:solidFill>
+                  <a:schemeClr val="bg1"/>
+                </a:solidFill>
+                <a:latin typeface="Avenir Next LT Pro Light" panose="020B0304020202020204" pitchFamily="34" charset="0"/>
+              </a:rPr>
+              <a:t>Wie funktioniert eine Website</a:t>
+            </a:r>
+          </a:p>
+          <a:p>
+            <a:r>
+              <a:rPr lang="de-DE" dirty="0">
+                <a:solidFill>
+                  <a:schemeClr val="bg1"/>
+                </a:solidFill>
+                <a:latin typeface="Avenir Next LT Pro Light" panose="020B0304020202020204" pitchFamily="34" charset="0"/>
+              </a:rPr>
+              <a:t>Was wir benötigen</a:t>
+            </a:r>
+          </a:p>
+          <a:p>
+            <a:r>
+              <a:rPr lang="en-US" dirty="0">
+                <a:solidFill>
+                  <a:schemeClr val="bg1"/>
+                </a:solidFill>
+                <a:latin typeface="Avenir Next LT Pro Light" panose="020B0304020202020204" pitchFamily="34" charset="0"/>
+              </a:rPr>
+              <a:t>Domain &amp; Webhosting – </a:t>
+            </a:r>
+            <a:r>
+              <a:rPr lang="en-US" dirty="0" err="1">
+                <a:solidFill>
+                  <a:schemeClr val="bg1"/>
+                </a:solidFill>
+                <a:latin typeface="Avenir Next LT Pro Light" panose="020B0304020202020204" pitchFamily="34" charset="0"/>
+              </a:rPr>
+              <a:t>Optionen</a:t>
+            </a:r>
+            <a:endParaRPr lang="en-US" dirty="0">
+              <a:solidFill>
+                <a:schemeClr val="bg1"/>
+              </a:solidFill>
+              <a:latin typeface="Avenir Next LT Pro Light" panose="020B0304020202020204" pitchFamily="34" charset="0"/>
+            </a:endParaRPr>
+          </a:p>
+          <a:p>
+            <a:r>
+              <a:rPr lang="en-US" dirty="0">
+                <a:solidFill>
+                  <a:schemeClr val="bg1"/>
+                </a:solidFill>
+                <a:latin typeface="Avenir Next LT Pro Light" panose="020B0304020202020204" pitchFamily="34" charset="0"/>
+              </a:rPr>
+              <a:t>Domain &amp; Webhosting – </a:t>
+            </a:r>
+            <a:r>
+              <a:rPr lang="en-US" dirty="0" err="1">
+                <a:solidFill>
+                  <a:schemeClr val="bg1"/>
+                </a:solidFill>
+                <a:latin typeface="Avenir Next LT Pro Light" panose="020B0304020202020204" pitchFamily="34" charset="0"/>
+              </a:rPr>
+              <a:t>Anleitungen</a:t>
+            </a:r>
+            <a:endParaRPr lang="en-US" dirty="0">
+              <a:solidFill>
+                <a:schemeClr val="bg1"/>
+              </a:solidFill>
+              <a:latin typeface="Avenir Next LT Pro Light" panose="020B0304020202020204" pitchFamily="34" charset="0"/>
+            </a:endParaRPr>
+          </a:p>
+          <a:p>
+            <a:r>
+              <a:rPr lang="en-US" dirty="0">
+                <a:solidFill>
+                  <a:schemeClr val="bg1"/>
+                </a:solidFill>
+                <a:latin typeface="Avenir Next LT Pro Light" panose="020B0304020202020204" pitchFamily="34" charset="0"/>
+              </a:rPr>
+              <a:t>Domain &amp; Webhosting – </a:t>
+            </a:r>
+            <a:r>
+              <a:rPr lang="en-US" dirty="0" err="1">
+                <a:solidFill>
+                  <a:schemeClr val="bg1"/>
+                </a:solidFill>
+                <a:latin typeface="Avenir Next LT Pro Light" panose="020B0304020202020204" pitchFamily="34" charset="0"/>
+              </a:rPr>
+              <a:t>Selbsständiges</a:t>
+            </a:r>
+            <a:r>
+              <a:rPr lang="en-US" dirty="0">
+                <a:solidFill>
+                  <a:schemeClr val="bg1"/>
+                </a:solidFill>
+                <a:latin typeface="Avenir Next LT Pro Light" panose="020B0304020202020204" pitchFamily="34" charset="0"/>
+              </a:rPr>
+              <a:t> </a:t>
+            </a:r>
+            <a:r>
+              <a:rPr lang="en-US" dirty="0" err="1">
+                <a:solidFill>
+                  <a:schemeClr val="bg1"/>
+                </a:solidFill>
+                <a:latin typeface="Avenir Next LT Pro Light" panose="020B0304020202020204" pitchFamily="34" charset="0"/>
+              </a:rPr>
+              <a:t>Arbeiten</a:t>
+            </a:r>
+            <a:endParaRPr lang="en-US" dirty="0">
+              <a:solidFill>
+                <a:schemeClr val="bg1"/>
+              </a:solidFill>
+              <a:latin typeface="Avenir Next LT Pro Light" panose="020B0304020202020204" pitchFamily="34" charset="0"/>
+            </a:endParaRPr>
+          </a:p>
+          <a:p>
+            <a:r>
+              <a:rPr lang="en-US" dirty="0">
+                <a:solidFill>
+                  <a:schemeClr val="bg1"/>
+                </a:solidFill>
+                <a:latin typeface="Avenir Next LT Pro Light" panose="020B0304020202020204" pitchFamily="34" charset="0"/>
+              </a:rPr>
+              <a:t>WordPress Installation – </a:t>
+            </a:r>
+            <a:r>
+              <a:rPr lang="en-US" dirty="0" err="1">
+                <a:solidFill>
+                  <a:schemeClr val="bg1"/>
+                </a:solidFill>
+                <a:latin typeface="Avenir Next LT Pro Light" panose="020B0304020202020204" pitchFamily="34" charset="0"/>
+              </a:rPr>
+              <a:t>Selbstständiges</a:t>
+            </a:r>
+            <a:r>
+              <a:rPr lang="en-US" dirty="0">
+                <a:solidFill>
+                  <a:schemeClr val="bg1"/>
+                </a:solidFill>
+                <a:latin typeface="Avenir Next LT Pro Light" panose="020B0304020202020204" pitchFamily="34" charset="0"/>
+              </a:rPr>
+              <a:t> </a:t>
+            </a:r>
+            <a:r>
+              <a:rPr lang="en-US" dirty="0" err="1">
+                <a:solidFill>
+                  <a:schemeClr val="bg1"/>
+                </a:solidFill>
+                <a:latin typeface="Avenir Next LT Pro Light" panose="020B0304020202020204" pitchFamily="34" charset="0"/>
+              </a:rPr>
+              <a:t>Arbeiten</a:t>
+            </a:r>
+            <a:endParaRPr lang="en-US" dirty="0">
+              <a:solidFill>
+                <a:schemeClr val="bg1"/>
+              </a:solidFill>
+              <a:latin typeface="Avenir Next LT Pro Light" panose="020B0304020202020204" pitchFamily="34" charset="0"/>
+            </a:endParaRPr>
+          </a:p>
+          <a:p>
+            <a:endParaRPr lang="en-US" dirty="0">
+              <a:solidFill>
+                <a:schemeClr val="bg1"/>
+              </a:solidFill>
+              <a:latin typeface="Avenir Next LT Pro Light" panose="020B0304020202020204" pitchFamily="34" charset="0"/>
+            </a:endParaRPr>
+          </a:p>
+          <a:p>
+            <a:endParaRPr lang="en-US" dirty="0">
+              <a:solidFill>
+                <a:schemeClr val="bg1"/>
+              </a:solidFill>
+              <a:latin typeface="Avenir Next LT Pro Light" panose="020B0304020202020204" pitchFamily="34" charset="0"/>
+            </a:endParaRPr>
+          </a:p>
+        </p:txBody>
+      </p:sp>
+    </p:spTree>
+    <p:extLst>
+      <p:ext uri="{BB962C8B-B14F-4D97-AF65-F5344CB8AC3E}">
+        <p14:creationId xmlns:p14="http://schemas.microsoft.com/office/powerpoint/2010/main" val="3100281767"/>
+      </p:ext>
+    </p:extLst>
+  </p:cSld>
+  <p:clrMapOvr>
+    <a:masterClrMapping/>
+  </p:clrMapOvr>
+</p:sld>
+</file>
+
+<file path=ppt/slides/slide3.xml><?xml version="1.0" encoding="utf-8"?>
 <p:sld xmlns:a="http://schemas.openxmlformats.org/drawingml/2006/main" xmlns:r="http://schemas.openxmlformats.org/officeDocument/2006/relationships" xmlns:p="http://schemas.openxmlformats.org/presentationml/2006/main">
   <p:cSld>
     <p:bg>
@@ -16473,7 +18800,7 @@
             <p:ph idx="1"/>
             <p:extLst>
               <p:ext uri="{D42A27DB-BD31-4B8C-83A1-F6EECF244321}">
-                <p14:modId xmlns:p14="http://schemas.microsoft.com/office/powerpoint/2010/main" val="1059249603"/>
+                <p14:modId xmlns:p14="http://schemas.microsoft.com/office/powerpoint/2010/main" val="2442810419"/>
               </p:ext>
             </p:extLst>
           </p:nvPr>
@@ -16488,6 +18815,45 @@
           </a:graphicData>
         </a:graphic>
       </p:graphicFrame>
+      <p:sp>
+        <p:nvSpPr>
+          <p:cNvPr id="3" name="Fußzeilenplatzhalter 2">
+            <a:extLst>
+              <a:ext uri="{FF2B5EF4-FFF2-40B4-BE49-F238E27FC236}">
+                <a16:creationId xmlns:a16="http://schemas.microsoft.com/office/drawing/2014/main" id="{4CBEDA6A-7B17-4DF3-B548-096CFBE541CD}"/>
+              </a:ext>
+            </a:extLst>
+          </p:cNvPr>
+          <p:cNvSpPr>
+            <a:spLocks noGrp="1"/>
+          </p:cNvSpPr>
+          <p:nvPr>
+            <p:ph type="ftr" sz="quarter" idx="11"/>
+          </p:nvPr>
+        </p:nvSpPr>
+        <p:spPr/>
+        <p:txBody>
+          <a:bodyPr/>
+          <a:lstStyle/>
+          <a:p>
+            <a:r>
+              <a:rPr lang="en-US" dirty="0">
+                <a:latin typeface="Avenir Next LT Pro Light" panose="020B0304020202020204" pitchFamily="34" charset="0"/>
+              </a:rPr>
+              <a:t>1. </a:t>
+            </a:r>
+            <a:r>
+              <a:rPr lang="en-US" dirty="0" err="1">
+                <a:latin typeface="Avenir Next LT Pro Light" panose="020B0304020202020204" pitchFamily="34" charset="0"/>
+              </a:rPr>
+              <a:t>Lernrunde</a:t>
+            </a:r>
+            <a:endParaRPr lang="en-US" dirty="0">
+              <a:latin typeface="Avenir Next LT Pro Light" panose="020B0304020202020204" pitchFamily="34" charset="0"/>
+            </a:endParaRPr>
+          </a:p>
+        </p:txBody>
+      </p:sp>
     </p:spTree>
     <p:extLst>
       <p:ext uri="{BB962C8B-B14F-4D97-AF65-F5344CB8AC3E}">
@@ -16501,7 +18867,7 @@
 </p:sld>
 </file>
 
-<file path=ppt/slides/slide3.xml><?xml version="1.0" encoding="utf-8"?>
+<file path=ppt/slides/slide4.xml><?xml version="1.0" encoding="utf-8"?>
 <p:sld xmlns:a="http://schemas.openxmlformats.org/drawingml/2006/main" xmlns:r="http://schemas.openxmlformats.org/officeDocument/2006/relationships" xmlns:p="http://schemas.openxmlformats.org/presentationml/2006/main">
   <p:cSld>
     <p:bg>
@@ -16599,6 +18965,48 @@
           </a:graphicData>
         </a:graphic>
       </p:graphicFrame>
+      <p:sp>
+        <p:nvSpPr>
+          <p:cNvPr id="4" name="Fußzeilenplatzhalter 2">
+            <a:extLst>
+              <a:ext uri="{FF2B5EF4-FFF2-40B4-BE49-F238E27FC236}">
+                <a16:creationId xmlns:a16="http://schemas.microsoft.com/office/drawing/2014/main" id="{D2FFF515-5D81-4DAA-B2A5-0EA16D7E6FDC}"/>
+              </a:ext>
+            </a:extLst>
+          </p:cNvPr>
+          <p:cNvSpPr>
+            <a:spLocks noGrp="1"/>
+          </p:cNvSpPr>
+          <p:nvPr>
+            <p:ph type="ftr" sz="quarter" idx="11"/>
+          </p:nvPr>
+        </p:nvSpPr>
+        <p:spPr>
+          <a:xfrm>
+            <a:off x="4038600" y="6356350"/>
+            <a:ext cx="4114800" cy="365125"/>
+          </a:xfrm>
+        </p:spPr>
+        <p:txBody>
+          <a:bodyPr/>
+          <a:lstStyle/>
+          <a:p>
+            <a:r>
+              <a:rPr lang="en-US" dirty="0"/>
+              <a:t>1. </a:t>
+            </a:r>
+            <a:r>
+              <a:rPr lang="en-US" dirty="0" err="1">
+                <a:latin typeface="Avenir Next LT Pro Light" panose="020B0304020202020204" pitchFamily="34" charset="0"/>
+              </a:rPr>
+              <a:t>Lernrunde</a:t>
+            </a:r>
+            <a:endParaRPr lang="en-US" dirty="0">
+              <a:latin typeface="Avenir Next LT Pro Light" panose="020B0304020202020204" pitchFamily="34" charset="0"/>
+            </a:endParaRPr>
+          </a:p>
+        </p:txBody>
+      </p:sp>
     </p:spTree>
     <p:extLst>
       <p:ext uri="{BB962C8B-B14F-4D97-AF65-F5344CB8AC3E}">
@@ -16612,7 +19020,7 @@
 </p:sld>
 </file>
 
-<file path=ppt/slides/slide4.xml><?xml version="1.0" encoding="utf-8"?>
+<file path=ppt/slides/slide5.xml><?xml version="1.0" encoding="utf-8"?>
 <p:sld xmlns:a="http://schemas.openxmlformats.org/drawingml/2006/main" xmlns:r="http://schemas.openxmlformats.org/officeDocument/2006/relationships" xmlns:p="http://schemas.openxmlformats.org/presentationml/2006/main">
   <p:cSld>
     <p:bg>
@@ -16711,6 +19119,48 @@
           </a:prstGeom>
         </p:spPr>
       </p:pic>
+      <p:sp>
+        <p:nvSpPr>
+          <p:cNvPr id="5" name="Fußzeilenplatzhalter 2">
+            <a:extLst>
+              <a:ext uri="{FF2B5EF4-FFF2-40B4-BE49-F238E27FC236}">
+                <a16:creationId xmlns:a16="http://schemas.microsoft.com/office/drawing/2014/main" id="{66C5AF25-D887-4956-845C-7F5B55A1BE57}"/>
+              </a:ext>
+            </a:extLst>
+          </p:cNvPr>
+          <p:cNvSpPr>
+            <a:spLocks noGrp="1"/>
+          </p:cNvSpPr>
+          <p:nvPr>
+            <p:ph type="ftr" sz="quarter" idx="11"/>
+          </p:nvPr>
+        </p:nvSpPr>
+        <p:spPr>
+          <a:xfrm>
+            <a:off x="4038600" y="6356350"/>
+            <a:ext cx="4114800" cy="365125"/>
+          </a:xfrm>
+        </p:spPr>
+        <p:txBody>
+          <a:bodyPr/>
+          <a:lstStyle/>
+          <a:p>
+            <a:r>
+              <a:rPr lang="en-US" dirty="0"/>
+              <a:t>1. </a:t>
+            </a:r>
+            <a:r>
+              <a:rPr lang="en-US" dirty="0" err="1">
+                <a:latin typeface="Avenir Next LT Pro Light" panose="020B0304020202020204" pitchFamily="34" charset="0"/>
+              </a:rPr>
+              <a:t>Lernrunde</a:t>
+            </a:r>
+            <a:endParaRPr lang="en-US" dirty="0">
+              <a:latin typeface="Avenir Next LT Pro Light" panose="020B0304020202020204" pitchFamily="34" charset="0"/>
+            </a:endParaRPr>
+          </a:p>
+        </p:txBody>
+      </p:sp>
     </p:spTree>
     <p:extLst>
       <p:ext uri="{BB962C8B-B14F-4D97-AF65-F5344CB8AC3E}">
@@ -16859,7 +19309,7 @@
 </p:sld>
 </file>
 
-<file path=ppt/slides/slide5.xml><?xml version="1.0" encoding="utf-8"?>
+<file path=ppt/slides/slide6.xml><?xml version="1.0" encoding="utf-8"?>
 <p:sld xmlns:a="http://schemas.openxmlformats.org/drawingml/2006/main" xmlns:r="http://schemas.openxmlformats.org/officeDocument/2006/relationships" xmlns:p="http://schemas.openxmlformats.org/presentationml/2006/main">
   <p:cSld>
     <p:bg>
@@ -16999,6 +19449,48 @@
           </a:p>
         </p:txBody>
       </p:sp>
+      <p:sp>
+        <p:nvSpPr>
+          <p:cNvPr id="6" name="Fußzeilenplatzhalter 2">
+            <a:extLst>
+              <a:ext uri="{FF2B5EF4-FFF2-40B4-BE49-F238E27FC236}">
+                <a16:creationId xmlns:a16="http://schemas.microsoft.com/office/drawing/2014/main" id="{9767B125-3A31-49E3-BEC3-F7FC8BE34BD2}"/>
+              </a:ext>
+            </a:extLst>
+          </p:cNvPr>
+          <p:cNvSpPr>
+            <a:spLocks noGrp="1"/>
+          </p:cNvSpPr>
+          <p:nvPr>
+            <p:ph type="ftr" sz="quarter" idx="11"/>
+          </p:nvPr>
+        </p:nvSpPr>
+        <p:spPr>
+          <a:xfrm>
+            <a:off x="4038600" y="6356350"/>
+            <a:ext cx="4114800" cy="365125"/>
+          </a:xfrm>
+        </p:spPr>
+        <p:txBody>
+          <a:bodyPr/>
+          <a:lstStyle/>
+          <a:p>
+            <a:r>
+              <a:rPr lang="en-US" dirty="0"/>
+              <a:t>1. </a:t>
+            </a:r>
+            <a:r>
+              <a:rPr lang="en-US" dirty="0" err="1">
+                <a:latin typeface="Avenir Next LT Pro Light" panose="020B0304020202020204" pitchFamily="34" charset="0"/>
+              </a:rPr>
+              <a:t>Lernrunde</a:t>
+            </a:r>
+            <a:endParaRPr lang="en-US" dirty="0">
+              <a:latin typeface="Avenir Next LT Pro Light" panose="020B0304020202020204" pitchFamily="34" charset="0"/>
+            </a:endParaRPr>
+          </a:p>
+        </p:txBody>
+      </p:sp>
     </p:spTree>
     <p:extLst>
       <p:ext uri="{BB962C8B-B14F-4D97-AF65-F5344CB8AC3E}">
@@ -17012,7 +19504,7 @@
 </p:sld>
 </file>
 
-<file path=ppt/slides/slide6.xml><?xml version="1.0" encoding="utf-8"?>
+<file path=ppt/slides/slide7.xml><?xml version="1.0" encoding="utf-8"?>
 <p:sld xmlns:a="http://schemas.openxmlformats.org/drawingml/2006/main" xmlns:r="http://schemas.openxmlformats.org/officeDocument/2006/relationships" xmlns:p="http://schemas.openxmlformats.org/presentationml/2006/main">
   <p:cSld>
     <p:bg>
@@ -17096,14 +19588,14 @@
           <p:nvPr>
             <p:extLst>
               <p:ext uri="{D42A27DB-BD31-4B8C-83A1-F6EECF244321}">
-                <p14:modId xmlns:p14="http://schemas.microsoft.com/office/powerpoint/2010/main" val="2531025584"/>
+                <p14:modId xmlns:p14="http://schemas.microsoft.com/office/powerpoint/2010/main" val="3667025719"/>
               </p:ext>
             </p:extLst>
           </p:nvPr>
         </p:nvGraphicFramePr>
         <p:xfrm>
           <a:off x="838200" y="1898861"/>
-          <a:ext cx="10515600" cy="4516120"/>
+          <a:ext cx="10515600" cy="4307840"/>
         </p:xfrm>
         <a:graphic>
           <a:graphicData uri="http://schemas.openxmlformats.org/drawingml/2006/table">
@@ -17222,72 +19714,39 @@
                         <a:defRPr/>
                       </a:pPr>
                       <a:r>
-                        <a:rPr lang="de-DE" sz="1400" dirty="0">
-                          <a:latin typeface="Avenir Next LT Pro Light" panose="020B0304020202020204" pitchFamily="34" charset="0"/>
-                        </a:rPr>
-                        <a:t>1 Vertrag für </a:t>
-                      </a:r>
-                      <a:r>
                         <a:rPr lang="de-DE" sz="1400" b="1" dirty="0">
                           <a:latin typeface="Avenir Next LT Pro Light" panose="020B0304020202020204" pitchFamily="34" charset="0"/>
                         </a:rPr>
-                        <a:t>Domain</a:t>
+                        <a:t>Kein Vertrag – Raspberry Pi</a:t>
                       </a:r>
-                      <a:br>
-                        <a:rPr lang="en-US" sz="1400" dirty="0">
+                    </a:p>
+                    <a:p>
+                      <a:pPr marL="0" marR="0" lvl="0" indent="0" algn="ctr" defTabSz="914400" rtl="0" eaLnBrk="1" fontAlgn="auto" latinLnBrk="0" hangingPunct="1">
+                        <a:lnSpc>
+                          <a:spcPct val="100000"/>
+                        </a:lnSpc>
+                        <a:spcBef>
+                          <a:spcPts val="0"/>
+                        </a:spcBef>
+                        <a:spcAft>
+                          <a:spcPts val="0"/>
+                        </a:spcAft>
+                        <a:buClrTx/>
+                        <a:buSzTx/>
+                        <a:buFontTx/>
+                        <a:buNone/>
+                        <a:tabLst/>
+                        <a:defRPr/>
+                      </a:pPr>
+                      <a:r>
+                        <a:rPr lang="de-DE" sz="1200" b="0" dirty="0">
+                          <a:solidFill>
+                            <a:srgbClr val="FF0000"/>
+                          </a:solidFill>
                           <a:latin typeface="Avenir Next LT Pro Light" panose="020B0304020202020204" pitchFamily="34" charset="0"/>
                         </a:rPr>
-                      </a:br>
-                      <a:r>
-                        <a:rPr lang="en-US" sz="1400" dirty="0">
-                          <a:latin typeface="Avenir Next LT Pro Light" panose="020B0304020202020204" pitchFamily="34" charset="0"/>
-                        </a:rPr>
-                        <a:t>&amp;</a:t>
+                        <a:t>(Website wird nicht im Internet erreichbar sein! Du kannst sie später nicht mehr bearbeiten!)</a:t>
                       </a:r>
-                      <a:br>
-                        <a:rPr lang="en-US" sz="1400" dirty="0">
-                          <a:latin typeface="Avenir Next LT Pro Light" panose="020B0304020202020204" pitchFamily="34" charset="0"/>
-                        </a:rPr>
-                      </a:br>
-                      <a:r>
-                        <a:rPr lang="en-US" sz="1400" dirty="0">
-                          <a:latin typeface="Avenir Next LT Pro Light" panose="020B0304020202020204" pitchFamily="34" charset="0"/>
-                        </a:rPr>
-                        <a:t>1 </a:t>
-                      </a:r>
-                      <a:r>
-                        <a:rPr lang="en-US" sz="1400" dirty="0" err="1">
-                          <a:latin typeface="Avenir Next LT Pro Light" panose="020B0304020202020204" pitchFamily="34" charset="0"/>
-                        </a:rPr>
-                        <a:t>Vertrag</a:t>
-                      </a:r>
-                      <a:r>
-                        <a:rPr lang="en-US" sz="1400" dirty="0">
-                          <a:latin typeface="Avenir Next LT Pro Light" panose="020B0304020202020204" pitchFamily="34" charset="0"/>
-                        </a:rPr>
-                        <a:t> </a:t>
-                      </a:r>
-                      <a:r>
-                        <a:rPr lang="en-US" sz="1400" dirty="0" err="1">
-                          <a:latin typeface="Avenir Next LT Pro Light" panose="020B0304020202020204" pitchFamily="34" charset="0"/>
-                        </a:rPr>
-                        <a:t>für</a:t>
-                      </a:r>
-                      <a:r>
-                        <a:rPr lang="en-US" sz="1400" dirty="0">
-                          <a:latin typeface="Avenir Next LT Pro Light" panose="020B0304020202020204" pitchFamily="34" charset="0"/>
-                        </a:rPr>
-                        <a:t> </a:t>
-                      </a:r>
-                      <a:r>
-                        <a:rPr lang="en-US" sz="1400" b="1" dirty="0">
-                          <a:latin typeface="Avenir Next LT Pro Light" panose="020B0304020202020204" pitchFamily="34" charset="0"/>
-                        </a:rPr>
-                        <a:t>Cloud Server</a:t>
-                      </a:r>
-                      <a:endParaRPr lang="de-DE" sz="1400" b="1" dirty="0">
-                        <a:latin typeface="Avenir Next LT Pro Light" panose="020B0304020202020204" pitchFamily="34" charset="0"/>
-                      </a:endParaRPr>
                     </a:p>
                   </a:txBody>
                   <a:tcPr/>
@@ -17357,10 +19816,10 @@
                     <a:p>
                       <a:pPr algn="ctr"/>
                       <a:r>
-                        <a:rPr lang="de-DE" sz="1400" dirty="0">
+                        <a:rPr lang="de-DE" sz="1400" b="1" dirty="0">
                           <a:latin typeface="Avenir Next LT Pro Light" panose="020B0304020202020204" pitchFamily="34" charset="0"/>
                         </a:rPr>
-                        <a:t>Kein Vertrag</a:t>
+                        <a:t>Kein Vertrag – Lokaler Server</a:t>
                       </a:r>
                       <a:br>
                         <a:rPr lang="de-DE" sz="1400" dirty="0">
@@ -17368,30 +19827,13 @@
                         </a:rPr>
                       </a:br>
                       <a:r>
-                        <a:rPr lang="de-DE" sz="1400" dirty="0">
+                        <a:rPr lang="de-DE" sz="1200" dirty="0">
                           <a:solidFill>
                             <a:srgbClr val="FF0000"/>
                           </a:solidFill>
                           <a:latin typeface="Avenir Next LT Pro Light" panose="020B0304020202020204" pitchFamily="34" charset="0"/>
                         </a:rPr>
-                        <a:t>(Website wird nicht im</a:t>
-                      </a:r>
-                      <a:br>
-                        <a:rPr lang="de-DE" sz="1400" dirty="0">
-                          <a:solidFill>
-                            <a:srgbClr val="FF0000"/>
-                          </a:solidFill>
-                          <a:latin typeface="Avenir Next LT Pro Light" panose="020B0304020202020204" pitchFamily="34" charset="0"/>
-                        </a:rPr>
-                      </a:br>
-                      <a:r>
-                        <a:rPr lang="de-DE" sz="1400" dirty="0">
-                          <a:solidFill>
-                            <a:srgbClr val="FF0000"/>
-                          </a:solidFill>
-                          <a:latin typeface="Avenir Next LT Pro Light" panose="020B0304020202020204" pitchFamily="34" charset="0"/>
-                        </a:rPr>
-                        <a:t>Internet erreichbar sein!)</a:t>
+                        <a:t>(Website wird nicht im Internet erreichbar sein! Allerdings kannst du sie später bearbeiten.)</a:t>
                       </a:r>
                       <a:endParaRPr lang="en-US" sz="1400" dirty="0">
                         <a:solidFill>
@@ -17420,7 +19862,7 @@
                         <a:rPr lang="de-DE" sz="1400" b="1" dirty="0">
                           <a:latin typeface="Avenir Next LT Pro Light" panose="020B0304020202020204" pitchFamily="34" charset="0"/>
                         </a:rPr>
-                        <a:t>2 Verträge</a:t>
+                        <a:t>Kein Vertrag</a:t>
                       </a:r>
                       <a:endParaRPr lang="en-US" sz="1400" b="1" dirty="0">
                         <a:latin typeface="Avenir Next LT Pro Light" panose="020B0304020202020204" pitchFamily="34" charset="0"/>
@@ -17500,7 +19942,7 @@
                         <a:rPr lang="de-DE" sz="1400" b="1" dirty="0">
                           <a:latin typeface="Avenir Next LT Pro Light" panose="020B0304020202020204" pitchFamily="34" charset="0"/>
                         </a:rPr>
-                        <a:t>Domain &amp; Cloud Server</a:t>
+                        <a:t>Lokal auf meinem Raspberry Pi</a:t>
                       </a:r>
                       <a:endParaRPr lang="en-US" sz="1400" b="1" dirty="0">
                         <a:latin typeface="Avenir Next LT Pro Light" panose="020B0304020202020204" pitchFamily="34" charset="0"/>
@@ -17575,18 +20017,7 @@
                         <a:rPr lang="de-DE" sz="1400" dirty="0">
                           <a:latin typeface="Avenir Next LT Pro Light" panose="020B0304020202020204" pitchFamily="34" charset="0"/>
                         </a:rPr>
-                        <a:t>0,42€ / Monat (Domain)</a:t>
-                      </a:r>
-                      <a:br>
-                        <a:rPr lang="de-DE" sz="1400" dirty="0">
-                          <a:latin typeface="Avenir Next LT Pro Light" panose="020B0304020202020204" pitchFamily="34" charset="0"/>
-                        </a:rPr>
-                      </a:br>
-                      <a:r>
-                        <a:rPr lang="de-DE" sz="1400" dirty="0">
-                          <a:latin typeface="Avenir Next LT Pro Light" panose="020B0304020202020204" pitchFamily="34" charset="0"/>
-                        </a:rPr>
-                        <a:t>+ 2,69€ / Monat (Server)</a:t>
+                        <a:t>0€</a:t>
                       </a:r>
                       <a:endParaRPr lang="en-US" sz="1400" dirty="0">
                         <a:latin typeface="Avenir Next LT Pro Light" panose="020B0304020202020204" pitchFamily="34" charset="0"/>
@@ -17605,7 +20036,19 @@
                         <a:rPr lang="de-DE" sz="1400" dirty="0">
                           <a:latin typeface="Avenir Next LT Pro Light" panose="020B0304020202020204" pitchFamily="34" charset="0"/>
                         </a:rPr>
-                        <a:t>1,99€ / Monat</a:t>
+                        <a:t>1,99€ / Monat (</a:t>
+                      </a:r>
+                      <a:r>
+                        <a:rPr lang="de-DE" sz="1400" dirty="0" err="1">
+                          <a:latin typeface="Avenir Next LT Pro Light" panose="020B0304020202020204" pitchFamily="34" charset="0"/>
+                        </a:rPr>
+                        <a:t>Netcup</a:t>
+                      </a:r>
+                      <a:r>
+                        <a:rPr lang="de-DE" sz="1400" dirty="0">
+                          <a:latin typeface="Avenir Next LT Pro Light" panose="020B0304020202020204" pitchFamily="34" charset="0"/>
+                        </a:rPr>
+                        <a:t>)</a:t>
                       </a:r>
                       <a:endParaRPr lang="en-US" sz="1400" dirty="0">
                         <a:latin typeface="Avenir Next LT Pro Light" panose="020B0304020202020204" pitchFamily="34" charset="0"/>
@@ -17668,31 +20111,7 @@
                           <a:ea typeface="+mn-ea"/>
                           <a:cs typeface="+mn-cs"/>
                         </a:rPr>
-                        <a:t>Volle</a:t>
-                      </a:r>
-                      <a:r>
-                        <a:rPr lang="en-US" sz="1400" b="0" i="0" kern="1200" dirty="0">
-                          <a:solidFill>
-                            <a:schemeClr val="dk1"/>
-                          </a:solidFill>
-                          <a:effectLst/>
-                          <a:latin typeface="Avenir Next LT Pro Light" panose="020B0304020202020204" pitchFamily="34" charset="0"/>
-                          <a:ea typeface="+mn-ea"/>
-                          <a:cs typeface="+mn-cs"/>
-                        </a:rPr>
-                        <a:t> </a:t>
-                      </a:r>
-                      <a:r>
-                        <a:rPr lang="en-US" sz="1400" b="0" i="0" kern="1200" dirty="0" err="1">
-                          <a:solidFill>
-                            <a:schemeClr val="dk1"/>
-                          </a:solidFill>
-                          <a:effectLst/>
-                          <a:latin typeface="Avenir Next LT Pro Light" panose="020B0304020202020204" pitchFamily="34" charset="0"/>
-                          <a:ea typeface="+mn-ea"/>
-                          <a:cs typeface="+mn-cs"/>
-                        </a:rPr>
-                        <a:t>Kontrolle</a:t>
+                        <a:t>Kostenlos</a:t>
                       </a:r>
                       <a:endParaRPr lang="en-US" sz="1400" b="0" i="0" kern="1200" dirty="0">
                         <a:solidFill>
@@ -17735,6 +20154,18 @@
                         <a:t>👍 </a:t>
                       </a:r>
                       <a:r>
+                        <a:rPr lang="en-US" sz="1400" b="0" i="0" kern="1200" dirty="0">
+                          <a:solidFill>
+                            <a:schemeClr val="dk1"/>
+                          </a:solidFill>
+                          <a:effectLst/>
+                          <a:latin typeface="Avenir Next LT Pro Light" panose="020B0304020202020204" pitchFamily="34" charset="0"/>
+                          <a:ea typeface="+mn-ea"/>
+                          <a:cs typeface="+mn-cs"/>
+                        </a:rPr>
+                        <a:t>Auch </a:t>
+                      </a:r>
+                      <a:r>
                         <a:rPr lang="en-US" sz="1400" b="0" i="0" kern="1200" dirty="0" err="1">
                           <a:solidFill>
                             <a:schemeClr val="dk1"/>
@@ -17744,7 +20175,7 @@
                           <a:ea typeface="+mn-ea"/>
                           <a:cs typeface="+mn-cs"/>
                         </a:rPr>
-                        <a:t>Vielseitig</a:t>
+                        <a:t>mit</a:t>
                       </a:r>
                       <a:r>
                         <a:rPr lang="en-US" sz="1400" b="0" i="0" kern="1200" dirty="0">
@@ -17768,7 +20199,119 @@
                           <a:ea typeface="+mn-ea"/>
                           <a:cs typeface="+mn-cs"/>
                         </a:rPr>
-                        <a:t>nutzbar</a:t>
+                        <a:t>wenig</a:t>
+                      </a:r>
+                      <a:r>
+                        <a:rPr lang="en-US" sz="1400" b="0" i="0" kern="1200" dirty="0">
+                          <a:solidFill>
+                            <a:schemeClr val="dk1"/>
+                          </a:solidFill>
+                          <a:effectLst/>
+                          <a:latin typeface="Avenir Next LT Pro Light" panose="020B0304020202020204" pitchFamily="34" charset="0"/>
+                          <a:ea typeface="+mn-ea"/>
+                          <a:cs typeface="+mn-cs"/>
+                        </a:rPr>
+                        <a:t> RAM </a:t>
+                      </a:r>
+                      <a:r>
+                        <a:rPr lang="en-US" sz="1400" b="0" i="0" kern="1200" dirty="0" err="1">
+                          <a:solidFill>
+                            <a:schemeClr val="dk1"/>
+                          </a:solidFill>
+                          <a:effectLst/>
+                          <a:latin typeface="Avenir Next LT Pro Light" panose="020B0304020202020204" pitchFamily="34" charset="0"/>
+                          <a:ea typeface="+mn-ea"/>
+                          <a:cs typeface="+mn-cs"/>
+                        </a:rPr>
+                        <a:t>möglich</a:t>
+                      </a:r>
+                      <a:endParaRPr lang="en-US" sz="1400" b="0" i="0" kern="1200" dirty="0">
+                        <a:solidFill>
+                          <a:schemeClr val="dk1"/>
+                        </a:solidFill>
+                        <a:effectLst/>
+                        <a:latin typeface="Avenir Next LT Pro Light" panose="020B0304020202020204" pitchFamily="34" charset="0"/>
+                        <a:ea typeface="+mn-ea"/>
+                        <a:cs typeface="+mn-cs"/>
+                      </a:endParaRPr>
+                    </a:p>
+                    <a:p>
+                      <a:pPr marL="0" marR="0" lvl="0" indent="0" algn="ctr" defTabSz="914400" rtl="0" eaLnBrk="1" fontAlgn="auto" latinLnBrk="0" hangingPunct="1">
+                        <a:lnSpc>
+                          <a:spcPct val="100000"/>
+                        </a:lnSpc>
+                        <a:spcBef>
+                          <a:spcPts val="0"/>
+                        </a:spcBef>
+                        <a:spcAft>
+                          <a:spcPts val="0"/>
+                        </a:spcAft>
+                        <a:buClrTx/>
+                        <a:buSzTx/>
+                        <a:buFontTx/>
+                        <a:buNone/>
+                        <a:tabLst/>
+                        <a:defRPr/>
+                      </a:pPr>
+                      <a:r>
+                        <a:rPr lang="en-US" sz="1400" b="0" i="0" kern="1200" dirty="0">
+                          <a:solidFill>
+                            <a:schemeClr val="dk1"/>
+                          </a:solidFill>
+                          <a:effectLst/>
+                          <a:latin typeface="+mn-lt"/>
+                          <a:ea typeface="+mn-ea"/>
+                          <a:cs typeface="+mn-cs"/>
+                        </a:rPr>
+                        <a:t>👍 </a:t>
+                      </a:r>
+                      <a:r>
+                        <a:rPr lang="en-US" sz="1400" b="0" i="0" kern="1200" dirty="0">
+                          <a:solidFill>
+                            <a:schemeClr val="dk1"/>
+                          </a:solidFill>
+                          <a:effectLst/>
+                          <a:latin typeface="Avenir Next LT Pro Light" panose="020B0304020202020204" pitchFamily="34" charset="0"/>
+                          <a:ea typeface="+mn-ea"/>
+                          <a:cs typeface="+mn-cs"/>
+                        </a:rPr>
+                        <a:t>Start </a:t>
+                      </a:r>
+                      <a:r>
+                        <a:rPr lang="en-US" sz="1400" b="0" i="0" kern="1200" dirty="0" err="1">
+                          <a:solidFill>
+                            <a:schemeClr val="dk1"/>
+                          </a:solidFill>
+                          <a:effectLst/>
+                          <a:latin typeface="Avenir Next LT Pro Light" panose="020B0304020202020204" pitchFamily="34" charset="0"/>
+                          <a:ea typeface="+mn-ea"/>
+                          <a:cs typeface="+mn-cs"/>
+                        </a:rPr>
+                        <a:t>mit</a:t>
+                      </a:r>
+                      <a:r>
+                        <a:rPr lang="en-US" sz="1400" b="0" i="0" kern="1200" dirty="0">
+                          <a:solidFill>
+                            <a:schemeClr val="dk1"/>
+                          </a:solidFill>
+                          <a:effectLst/>
+                          <a:latin typeface="Avenir Next LT Pro Light" panose="020B0304020202020204" pitchFamily="34" charset="0"/>
+                          <a:ea typeface="+mn-ea"/>
+                          <a:cs typeface="+mn-cs"/>
+                        </a:rPr>
+                        <a:t> </a:t>
+                      </a:r>
+                      <a:r>
+                        <a:rPr lang="en-US" sz="1400" b="0" i="0" kern="1200" dirty="0" err="1">
+                          <a:solidFill>
+                            <a:schemeClr val="dk1"/>
+                          </a:solidFill>
+                          <a:effectLst/>
+                          <a:latin typeface="Avenir Next LT Pro Light" panose="020B0304020202020204" pitchFamily="34" charset="0"/>
+                          <a:ea typeface="+mn-ea"/>
+                          <a:cs typeface="+mn-cs"/>
+                        </a:rPr>
+                        <a:t>Webdesign</a:t>
                       </a:r>
                       <a:endParaRPr lang="en-US" sz="1400" b="0" i="0" kern="1200" dirty="0">
                         <a:solidFill>
@@ -17811,7 +20354,7 @@
                           <a:ea typeface="+mn-ea"/>
                           <a:cs typeface="+mn-cs"/>
                         </a:rPr>
-                        <a:t>Viel</a:t>
+                        <a:t>Neues</a:t>
                       </a:r>
                       <a:r>
                         <a:rPr lang="en-US" sz="1400" b="0" i="0" kern="1200" dirty="0">
@@ -17823,7 +20366,7 @@
                           <a:ea typeface="+mn-ea"/>
                           <a:cs typeface="+mn-cs"/>
                         </a:rPr>
-                        <a:t> </a:t>
+                        <a:t> Wissen </a:t>
                       </a:r>
                       <a:r>
                         <a:rPr lang="en-US" sz="1400" b="0" i="0" kern="1200" dirty="0" err="1">
@@ -17835,7 +20378,19 @@
                           <a:ea typeface="+mn-ea"/>
                           <a:cs typeface="+mn-cs"/>
                         </a:rPr>
-                        <a:t>Kontrolle</a:t>
+                        <a:t>über</a:t>
+                      </a:r>
+                      <a:r>
+                        <a:rPr lang="en-US" sz="1400" b="0" i="0" kern="1200" dirty="0">
+                          <a:solidFill>
+                            <a:schemeClr val="dk1"/>
+                          </a:solidFill>
+                          <a:effectLst/>
+                          <a:latin typeface="Avenir Next LT Pro Light" panose="020B0304020202020204" pitchFamily="34" charset="0"/>
+                          <a:ea typeface="+mn-ea"/>
+                          <a:cs typeface="+mn-cs"/>
+                        </a:rPr>
+                        <a:t> Webhosting</a:t>
                       </a:r>
                       <a:endParaRPr lang="en-US" sz="1400" b="0" i="0" kern="1200" dirty="0">
                         <a:solidFill>
@@ -18058,7 +20613,7 @@
                           <a:ea typeface="+mn-ea"/>
                           <a:cs typeface="+mn-cs"/>
                         </a:rPr>
-                        <a:t>kostenlos</a:t>
+                        <a:t>Kostenlos</a:t>
                       </a:r>
                       <a:endParaRPr lang="en-US" sz="1400" b="0" i="0" kern="1200" dirty="0">
                         <a:solidFill>
@@ -18072,6 +20627,30 @@
                     </a:p>
                     <a:p>
                       <a:pPr algn="ctr"/>
+                      <a:r>
+                        <a:rPr lang="en-US" sz="1400" b="0" i="0" kern="1200" dirty="0">
+                          <a:solidFill>
+                            <a:schemeClr val="dk1"/>
+                          </a:solidFill>
+                          <a:effectLst/>
+                          <a:latin typeface="+mn-lt"/>
+                          <a:ea typeface="+mn-ea"/>
+                          <a:cs typeface="+mn-cs"/>
+                        </a:rPr>
+                        <a:t>👍 </a:t>
+                      </a:r>
+                      <a:r>
+                        <a:rPr lang="en-US" sz="1400" b="0" i="0" kern="1200" dirty="0" err="1">
+                          <a:solidFill>
+                            <a:schemeClr val="dk1"/>
+                          </a:solidFill>
+                          <a:effectLst/>
+                          <a:latin typeface="Avenir Next LT Pro Light" panose="020B0304020202020204" pitchFamily="34" charset="0"/>
+                          <a:ea typeface="+mn-ea"/>
+                          <a:cs typeface="+mn-cs"/>
+                        </a:rPr>
+                        <a:t>achhaltig</a:t>
+                      </a:r>
                       <a:endParaRPr lang="en-US" sz="1400" dirty="0">
                         <a:latin typeface="Avenir Next LT Pro Light" panose="020B0304020202020204" pitchFamily="34" charset="0"/>
                       </a:endParaRPr>
@@ -18105,6 +20684,18 @@
                         <a:t>👎 </a:t>
                       </a:r>
                       <a:r>
+                        <a:rPr lang="en-US" sz="1400" b="0" i="0" kern="1200" dirty="0">
+                          <a:solidFill>
+                            <a:schemeClr val="dk1"/>
+                          </a:solidFill>
+                          <a:effectLst/>
+                          <a:latin typeface="Avenir Next LT Pro Light" panose="020B0304020202020204" pitchFamily="34" charset="0"/>
+                          <a:ea typeface="+mn-ea"/>
+                          <a:cs typeface="+mn-cs"/>
+                        </a:rPr>
+                        <a:t>Offline (</a:t>
+                      </a:r>
+                      <a:r>
                         <a:rPr lang="en-US" sz="1400" b="0" i="0" kern="1200" dirty="0" err="1">
                           <a:solidFill>
                             <a:schemeClr val="dk1"/>
@@ -18114,7 +20705,7 @@
                           <a:ea typeface="+mn-ea"/>
                           <a:cs typeface="+mn-cs"/>
                         </a:rPr>
-                        <a:t>Unnötig</a:t>
+                        <a:t>nur</a:t>
                       </a:r>
                       <a:r>
                         <a:rPr lang="en-US" sz="1400" b="0" i="0" kern="1200" dirty="0">
@@ -18138,7 +20729,7 @@
                           <a:ea typeface="+mn-ea"/>
                           <a:cs typeface="+mn-cs"/>
                         </a:rPr>
-                        <a:t>viel</a:t>
+                        <a:t>lokal</a:t>
                       </a:r>
                       <a:r>
                         <a:rPr lang="en-US" sz="1400" b="0" i="0" kern="1200" dirty="0">
@@ -18150,29 +20741,8 @@
                           <a:ea typeface="+mn-ea"/>
                           <a:cs typeface="+mn-cs"/>
                         </a:rPr>
-                        <a:t> </a:t>
+                        <a:t>)</a:t>
                       </a:r>
-                      <a:r>
-                        <a:rPr lang="en-US" sz="1400" b="0" i="0" kern="1200" dirty="0" err="1">
-                          <a:solidFill>
-                            <a:schemeClr val="dk1"/>
-                          </a:solidFill>
-                          <a:effectLst/>
-                          <a:latin typeface="Avenir Next LT Pro Light" panose="020B0304020202020204" pitchFamily="34" charset="0"/>
-                          <a:ea typeface="+mn-ea"/>
-                          <a:cs typeface="+mn-cs"/>
-                        </a:rPr>
-                        <a:t>Kontrolle</a:t>
-                      </a:r>
-                      <a:endParaRPr lang="en-US" sz="1400" b="0" i="0" kern="1200" dirty="0">
-                        <a:solidFill>
-                          <a:schemeClr val="dk1"/>
-                        </a:solidFill>
-                        <a:effectLst/>
-                        <a:latin typeface="Avenir Next LT Pro Light" panose="020B0304020202020204" pitchFamily="34" charset="0"/>
-                        <a:ea typeface="+mn-ea"/>
-                        <a:cs typeface="+mn-cs"/>
-                      </a:endParaRPr>
                     </a:p>
                     <a:p>
                       <a:pPr marL="0" marR="0" lvl="0" indent="0" algn="ctr" defTabSz="914400" rtl="0" eaLnBrk="1" fontAlgn="auto" latinLnBrk="0" hangingPunct="1">
@@ -18214,7 +20784,7 @@
                           <a:ea typeface="+mn-ea"/>
                           <a:cs typeface="+mn-cs"/>
                         </a:rPr>
-                        <a:t>Relativ</a:t>
+                        <a:t>Kein</a:t>
                       </a:r>
                       <a:r>
                         <a:rPr lang="en-US" sz="1400" b="0" i="0" kern="1200" dirty="0">
@@ -18238,17 +20808,44 @@
                           <a:ea typeface="+mn-ea"/>
                           <a:cs typeface="+mn-cs"/>
                         </a:rPr>
-                        <a:t>teuer</a:t>
+                        <a:t>neues</a:t>
                       </a:r>
-                      <a:endParaRPr lang="en-US" sz="1400" b="0" i="0" kern="1200" dirty="0">
-                        <a:solidFill>
-                          <a:schemeClr val="dk1"/>
-                        </a:solidFill>
-                        <a:effectLst/>
-                        <a:latin typeface="Avenir Next LT Pro Light" panose="020B0304020202020204" pitchFamily="34" charset="0"/>
-                        <a:ea typeface="+mn-ea"/>
-                        <a:cs typeface="+mn-cs"/>
-                      </a:endParaRPr>
+                      <a:r>
+                        <a:rPr lang="en-US" sz="1400" b="0" i="0" kern="1200" dirty="0">
+                          <a:solidFill>
+                            <a:schemeClr val="dk1"/>
+                          </a:solidFill>
+                          <a:effectLst/>
+                          <a:latin typeface="Avenir Next LT Pro Light" panose="020B0304020202020204" pitchFamily="34" charset="0"/>
+                          <a:ea typeface="+mn-ea"/>
+                          <a:cs typeface="+mn-cs"/>
+                        </a:rPr>
+                        <a:t> Wissen </a:t>
+                      </a:r>
+                      <a:r>
+                        <a:rPr lang="en-US" sz="1400" b="0" i="0" kern="1200" dirty="0" err="1">
+                          <a:solidFill>
+                            <a:schemeClr val="dk1"/>
+                          </a:solidFill>
+                          <a:effectLst/>
+                          <a:latin typeface="Avenir Next LT Pro Light" panose="020B0304020202020204" pitchFamily="34" charset="0"/>
+                          <a:ea typeface="+mn-ea"/>
+                          <a:cs typeface="+mn-cs"/>
+                        </a:rPr>
+                        <a:t>über</a:t>
+                      </a:r>
+                      <a:r>
+                        <a:rPr lang="en-US" sz="1400" b="0" i="0" kern="1200" dirty="0">
+                          <a:solidFill>
+                            <a:schemeClr val="dk1"/>
+                          </a:solidFill>
+                          <a:effectLst/>
+                          <a:latin typeface="Avenir Next LT Pro Light" panose="020B0304020202020204" pitchFamily="34" charset="0"/>
+                          <a:ea typeface="+mn-ea"/>
+                          <a:cs typeface="+mn-cs"/>
+                        </a:rPr>
+                        <a:t> Webhosting</a:t>
+                      </a:r>
                     </a:p>
                     <a:p>
                       <a:pPr marL="0" marR="0" lvl="0" indent="0" algn="ctr" defTabSz="914400" rtl="0" eaLnBrk="1" fontAlgn="auto" latinLnBrk="0" hangingPunct="1">
@@ -18290,7 +20887,7 @@
                           <a:ea typeface="+mn-ea"/>
                           <a:cs typeface="+mn-cs"/>
                         </a:rPr>
-                        <a:t>Viel</a:t>
+                        <a:t>nicht</a:t>
                       </a:r>
                       <a:r>
                         <a:rPr lang="en-US" sz="1400" b="0" i="0" kern="1200" dirty="0">
@@ -18314,7 +20911,7 @@
                           <a:ea typeface="+mn-ea"/>
                           <a:cs typeface="+mn-cs"/>
                         </a:rPr>
-                        <a:t>manuelle</a:t>
+                        <a:t>nachhaltig</a:t>
                       </a:r>
                       <a:r>
                         <a:rPr lang="en-US" sz="1400" b="0" i="0" kern="1200" dirty="0">
@@ -18326,17 +20923,32 @@
                           <a:ea typeface="+mn-ea"/>
                           <a:cs typeface="+mn-cs"/>
                         </a:rPr>
-                        <a:t> Arbeit</a:t>
+                        <a:t> (Backup </a:t>
                       </a:r>
-                      <a:endParaRPr lang="en-US" sz="1400" b="0" i="0" kern="1200" dirty="0">
-                        <a:solidFill>
-                          <a:schemeClr val="dk1"/>
-                        </a:solidFill>
-                        <a:effectLst/>
-                        <a:latin typeface="+mn-lt"/>
-                        <a:ea typeface="+mn-ea"/>
-                        <a:cs typeface="+mn-cs"/>
-                      </a:endParaRPr>
+                      <a:r>
+                        <a:rPr lang="en-US" sz="1400" b="0" i="0" kern="1200" dirty="0" err="1">
+                          <a:solidFill>
+                            <a:schemeClr val="dk1"/>
+                          </a:solidFill>
+                          <a:effectLst/>
+                          <a:latin typeface="Avenir Next LT Pro Light" panose="020B0304020202020204" pitchFamily="34" charset="0"/>
+                          <a:ea typeface="+mn-ea"/>
+                          <a:cs typeface="+mn-cs"/>
+                        </a:rPr>
+                        <a:t>möglich</a:t>
+                      </a:r>
+                      <a:r>
+                        <a:rPr lang="en-US" sz="1400" b="0" i="0" kern="1200" dirty="0">
+                          <a:solidFill>
+                            <a:schemeClr val="dk1"/>
+                          </a:solidFill>
+                          <a:effectLst/>
+                          <a:latin typeface="Avenir Next LT Pro Light" panose="020B0304020202020204" pitchFamily="34" charset="0"/>
+                          <a:ea typeface="+mn-ea"/>
+                          <a:cs typeface="+mn-cs"/>
+                        </a:rPr>
+                        <a:t>)</a:t>
+                      </a:r>
                     </a:p>
                   </a:txBody>
                   <a:tcPr/>
@@ -18385,7 +20997,55 @@
                           <a:ea typeface="+mn-ea"/>
                           <a:cs typeface="+mn-cs"/>
                         </a:rPr>
-                        <a:t>Keine</a:t>
+                        <a:t>kostenpflichtig</a:t>
+                      </a:r>
+                      <a:r>
+                        <a:rPr lang="en-US" sz="1400" b="0" i="0" kern="1200" dirty="0">
+                          <a:solidFill>
+                            <a:schemeClr val="dk1"/>
+                          </a:solidFill>
+                          <a:effectLst/>
+                          <a:latin typeface="Avenir Next LT Pro Light" panose="020B0304020202020204" pitchFamily="34" charset="0"/>
+                          <a:ea typeface="+mn-ea"/>
+                          <a:cs typeface="+mn-cs"/>
+                        </a:rPr>
+                        <a:t> (</a:t>
+                      </a:r>
+                      <a:r>
+                        <a:rPr lang="en-US" sz="1400" b="0" i="0" kern="1200" dirty="0" err="1">
+                          <a:solidFill>
+                            <a:schemeClr val="dk1"/>
+                          </a:solidFill>
+                          <a:effectLst/>
+                          <a:latin typeface="Avenir Next LT Pro Light" panose="020B0304020202020204" pitchFamily="34" charset="0"/>
+                          <a:ea typeface="+mn-ea"/>
+                          <a:cs typeface="+mn-cs"/>
+                        </a:rPr>
+                        <a:t>aber</a:t>
+                      </a:r>
+                      <a:r>
+                        <a:rPr lang="en-US" sz="1400" b="0" i="0" kern="1200" dirty="0">
+                          <a:solidFill>
+                            <a:schemeClr val="dk1"/>
+                          </a:solidFill>
+                          <a:effectLst/>
+                          <a:latin typeface="Avenir Next LT Pro Light" panose="020B0304020202020204" pitchFamily="34" charset="0"/>
+                          <a:ea typeface="+mn-ea"/>
+                          <a:cs typeface="+mn-cs"/>
+                        </a:rPr>
+                        <a:t> es </a:t>
+                      </a:r>
+                      <a:r>
+                        <a:rPr lang="en-US" sz="1400" b="0" i="0" kern="1200" dirty="0" err="1">
+                          <a:solidFill>
+                            <a:schemeClr val="dk1"/>
+                          </a:solidFill>
+                          <a:effectLst/>
+                          <a:latin typeface="Avenir Next LT Pro Light" panose="020B0304020202020204" pitchFamily="34" charset="0"/>
+                          <a:ea typeface="+mn-ea"/>
+                          <a:cs typeface="+mn-cs"/>
+                        </a:rPr>
+                        <a:t>lohnt</a:t>
                       </a:r>
                       <a:r>
                         <a:rPr lang="en-US" sz="1400" b="0" i="0" kern="1200" dirty="0">
@@ -18409,7 +21069,7 @@
                           <a:ea typeface="+mn-ea"/>
                           <a:cs typeface="+mn-cs"/>
                         </a:rPr>
-                        <a:t>volle</a:t>
+                        <a:t>sich</a:t>
                       </a:r>
                       <a:r>
                         <a:rPr lang="en-US" sz="1400" b="0" i="0" kern="1200" dirty="0">
@@ -18421,29 +21081,8 @@
                           <a:ea typeface="+mn-ea"/>
                           <a:cs typeface="+mn-cs"/>
                         </a:rPr>
-                        <a:t> </a:t>
+                        <a:t>!)</a:t>
                       </a:r>
-                      <a:r>
-                        <a:rPr lang="en-US" sz="1400" b="0" i="0" kern="1200" dirty="0" err="1">
-                          <a:solidFill>
-                            <a:schemeClr val="dk1"/>
-                          </a:solidFill>
-                          <a:effectLst/>
-                          <a:latin typeface="Avenir Next LT Pro Light" panose="020B0304020202020204" pitchFamily="34" charset="0"/>
-                          <a:ea typeface="+mn-ea"/>
-                          <a:cs typeface="+mn-cs"/>
-                        </a:rPr>
-                        <a:t>Kontrolle</a:t>
-                      </a:r>
-                      <a:endParaRPr lang="en-US" sz="1400" b="0" i="0" kern="1200" dirty="0">
-                        <a:solidFill>
-                          <a:schemeClr val="dk1"/>
-                        </a:solidFill>
-                        <a:effectLst/>
-                        <a:latin typeface="Avenir Next LT Pro Light" panose="020B0304020202020204" pitchFamily="34" charset="0"/>
-                        <a:ea typeface="+mn-ea"/>
-                        <a:cs typeface="+mn-cs"/>
-                      </a:endParaRPr>
                     </a:p>
                   </a:txBody>
                   <a:tcPr/>
@@ -18583,7 +21222,7 @@
                           <a:ea typeface="+mn-ea"/>
                           <a:cs typeface="+mn-cs"/>
                         </a:rPr>
-                        <a:t>Aufwendige</a:t>
+                        <a:t>Kein</a:t>
                       </a:r>
                       <a:r>
                         <a:rPr lang="en-US" sz="1400" b="0" i="0" kern="1200" dirty="0">
@@ -18595,7 +21234,55 @@
                           <a:ea typeface="+mn-ea"/>
                           <a:cs typeface="+mn-cs"/>
                         </a:rPr>
-                        <a:t> Installation</a:t>
+                        <a:t> </a:t>
+                      </a:r>
+                      <a:r>
+                        <a:rPr lang="en-US" sz="1400" b="0" i="0" kern="1200" dirty="0" err="1">
+                          <a:solidFill>
+                            <a:schemeClr val="dk1"/>
+                          </a:solidFill>
+                          <a:effectLst/>
+                          <a:latin typeface="Avenir Next LT Pro Light" panose="020B0304020202020204" pitchFamily="34" charset="0"/>
+                          <a:ea typeface="+mn-ea"/>
+                          <a:cs typeface="+mn-cs"/>
+                        </a:rPr>
+                        <a:t>neues</a:t>
+                      </a:r>
+                      <a:r>
+                        <a:rPr lang="en-US" sz="1400" b="0" i="0" kern="1200" dirty="0">
+                          <a:solidFill>
+                            <a:schemeClr val="dk1"/>
+                          </a:solidFill>
+                          <a:effectLst/>
+                          <a:latin typeface="Avenir Next LT Pro Light" panose="020B0304020202020204" pitchFamily="34" charset="0"/>
+                          <a:ea typeface="+mn-ea"/>
+                          <a:cs typeface="+mn-cs"/>
+                        </a:rPr>
+                        <a:t> Wissen </a:t>
+                      </a:r>
+                      <a:r>
+                        <a:rPr lang="en-US" sz="1400" b="0" i="0" kern="1200" dirty="0" err="1">
+                          <a:solidFill>
+                            <a:schemeClr val="dk1"/>
+                          </a:solidFill>
+                          <a:effectLst/>
+                          <a:latin typeface="Avenir Next LT Pro Light" panose="020B0304020202020204" pitchFamily="34" charset="0"/>
+                          <a:ea typeface="+mn-ea"/>
+                          <a:cs typeface="+mn-cs"/>
+                        </a:rPr>
+                        <a:t>über</a:t>
+                      </a:r>
+                      <a:r>
+                        <a:rPr lang="en-US" sz="1400" b="0" i="0" kern="1200" dirty="0">
+                          <a:solidFill>
+                            <a:schemeClr val="dk1"/>
+                          </a:solidFill>
+                          <a:effectLst/>
+                          <a:latin typeface="Avenir Next LT Pro Light" panose="020B0304020202020204" pitchFamily="34" charset="0"/>
+                          <a:ea typeface="+mn-ea"/>
+                          <a:cs typeface="+mn-cs"/>
+                        </a:rPr>
+                        <a:t> Webhosting</a:t>
                       </a:r>
                     </a:p>
                     <a:p>
@@ -18638,17 +21325,20 @@
                           <a:ea typeface="+mn-ea"/>
                           <a:cs typeface="+mn-cs"/>
                         </a:rPr>
-                        <a:t>Fehleranfällig</a:t>
+                        <a:t>Fehleranfällige</a:t>
                       </a:r>
-                      <a:endParaRPr lang="en-US" sz="1400" b="0" i="0" kern="1200" dirty="0">
-                        <a:solidFill>
-                          <a:schemeClr val="dk1"/>
-                        </a:solidFill>
-                        <a:effectLst/>
-                        <a:latin typeface="Avenir Next LT Pro Light" panose="020B0304020202020204" pitchFamily="34" charset="0"/>
-                        <a:ea typeface="+mn-ea"/>
-                        <a:cs typeface="+mn-cs"/>
-                      </a:endParaRPr>
+                      <a:r>
+                        <a:rPr lang="en-US" sz="1400" b="0" i="0" kern="1200" dirty="0">
+                          <a:solidFill>
+                            <a:schemeClr val="dk1"/>
+                          </a:solidFill>
+                          <a:effectLst/>
+                          <a:latin typeface="Avenir Next LT Pro Light" panose="020B0304020202020204" pitchFamily="34" charset="0"/>
+                          <a:ea typeface="+mn-ea"/>
+                          <a:cs typeface="+mn-cs"/>
+                        </a:rPr>
+                        <a:t> Installation</a:t>
+                      </a:r>
                     </a:p>
                   </a:txBody>
                   <a:tcPr/>
@@ -18715,7 +21405,7 @@
                           <a:ea typeface="+mn-ea"/>
                           <a:cs typeface="+mn-cs"/>
                         </a:rPr>
-                        <a:t>(wird hier nicht behandelt)!</a:t>
+                        <a:t>(wird aber lokal simuliert)!</a:t>
                       </a:r>
                       <a:endParaRPr lang="en-US" sz="1400" b="0" i="0" kern="1200" dirty="0">
                         <a:solidFill>
@@ -18786,7 +21476,7 @@
                       <a:r>
                         <a:rPr lang="de-DE" sz="1400" dirty="0">
                           <a:solidFill>
-                            <a:srgbClr val="FFFF00"/>
+                            <a:srgbClr val="FF0000"/>
                           </a:solidFill>
                           <a:latin typeface="Avenir Next LT Pro Light" panose="020B0304020202020204" pitchFamily="34" charset="0"/>
                         </a:rPr>
@@ -18795,7 +21485,7 @@
                       <a:br>
                         <a:rPr lang="de-DE" sz="1400" dirty="0">
                           <a:solidFill>
-                            <a:srgbClr val="FFFF00"/>
+                            <a:srgbClr val="FF0000"/>
                           </a:solidFill>
                           <a:latin typeface="Avenir Next LT Pro Light" panose="020B0304020202020204" pitchFamily="34" charset="0"/>
                         </a:rPr>
@@ -18803,7 +21493,7 @@
                       <a:r>
                         <a:rPr lang="de-DE" sz="1400" dirty="0">
                           <a:solidFill>
-                            <a:srgbClr val="FFFF00"/>
+                            <a:srgbClr val="FF0000"/>
                           </a:solidFill>
                           <a:latin typeface="Avenir Next LT Pro Light" panose="020B0304020202020204" pitchFamily="34" charset="0"/>
                         </a:rPr>
@@ -18811,7 +21501,7 @@
                       </a:r>
                       <a:endParaRPr lang="en-US" sz="1400" dirty="0">
                         <a:solidFill>
-                          <a:srgbClr val="FFFF00"/>
+                          <a:srgbClr val="FF0000"/>
                         </a:solidFill>
                         <a:latin typeface="Avenir Next LT Pro Light" panose="020B0304020202020204" pitchFamily="34" charset="0"/>
                       </a:endParaRPr>
@@ -18829,6 +21519,48 @@
           </a:graphicData>
         </a:graphic>
       </p:graphicFrame>
+      <p:sp>
+        <p:nvSpPr>
+          <p:cNvPr id="4" name="Fußzeilenplatzhalter 2">
+            <a:extLst>
+              <a:ext uri="{FF2B5EF4-FFF2-40B4-BE49-F238E27FC236}">
+                <a16:creationId xmlns:a16="http://schemas.microsoft.com/office/drawing/2014/main" id="{6B8FE236-1696-4DE7-9C5D-D7653ED91418}"/>
+              </a:ext>
+            </a:extLst>
+          </p:cNvPr>
+          <p:cNvSpPr>
+            <a:spLocks noGrp="1"/>
+          </p:cNvSpPr>
+          <p:nvPr>
+            <p:ph type="ftr" sz="quarter" idx="11"/>
+          </p:nvPr>
+        </p:nvSpPr>
+        <p:spPr>
+          <a:xfrm>
+            <a:off x="4038600" y="6356350"/>
+            <a:ext cx="4114800" cy="365125"/>
+          </a:xfrm>
+        </p:spPr>
+        <p:txBody>
+          <a:bodyPr/>
+          <a:lstStyle/>
+          <a:p>
+            <a:r>
+              <a:rPr lang="en-US" dirty="0"/>
+              <a:t>1. </a:t>
+            </a:r>
+            <a:r>
+              <a:rPr lang="en-US" dirty="0" err="1">
+                <a:latin typeface="Avenir Next LT Pro Light" panose="020B0304020202020204" pitchFamily="34" charset="0"/>
+              </a:rPr>
+              <a:t>Lernrunde</a:t>
+            </a:r>
+            <a:endParaRPr lang="en-US" dirty="0">
+              <a:latin typeface="Avenir Next LT Pro Light" panose="020B0304020202020204" pitchFamily="34" charset="0"/>
+            </a:endParaRPr>
+          </a:p>
+        </p:txBody>
+      </p:sp>
     </p:spTree>
     <p:extLst>
       <p:ext uri="{BB962C8B-B14F-4D97-AF65-F5344CB8AC3E}">
@@ -18842,7 +21574,7 @@
 </p:sld>
 </file>
 
-<file path=ppt/slides/slide7.xml><?xml version="1.0" encoding="utf-8"?>
+<file path=ppt/slides/slide8.xml><?xml version="1.0" encoding="utf-8"?>
 <p:sld xmlns:a="http://schemas.openxmlformats.org/drawingml/2006/main" xmlns:r="http://schemas.openxmlformats.org/officeDocument/2006/relationships" xmlns:p="http://schemas.openxmlformats.org/presentationml/2006/main">
   <p:cSld>
     <p:bg>
@@ -18924,7 +21656,7 @@
           <p:nvPr>
             <p:extLst>
               <p:ext uri="{D42A27DB-BD31-4B8C-83A1-F6EECF244321}">
-                <p14:modId xmlns:p14="http://schemas.microsoft.com/office/powerpoint/2010/main" val="2114431789"/>
+                <p14:modId xmlns:p14="http://schemas.microsoft.com/office/powerpoint/2010/main" val="3700645758"/>
               </p:ext>
             </p:extLst>
           </p:nvPr>
@@ -18967,20 +21699,62 @@
         </p:blipFill>
         <p:spPr>
           <a:xfrm>
-            <a:off x="1334348" y="1957494"/>
-            <a:ext cx="1578185" cy="1578185"/>
+            <a:off x="1463077" y="3382920"/>
+            <a:ext cx="1053920" cy="1053920"/>
           </a:xfrm>
           <a:prstGeom prst="rect">
             <a:avLst/>
           </a:prstGeom>
         </p:spPr>
       </p:pic>
+      <p:sp>
+        <p:nvSpPr>
+          <p:cNvPr id="6" name="Fußzeilenplatzhalter 2">
+            <a:extLst>
+              <a:ext uri="{FF2B5EF4-FFF2-40B4-BE49-F238E27FC236}">
+                <a16:creationId xmlns:a16="http://schemas.microsoft.com/office/drawing/2014/main" id="{4F9D422D-9936-4491-8186-D703E58BF9F4}"/>
+              </a:ext>
+            </a:extLst>
+          </p:cNvPr>
+          <p:cNvSpPr>
+            <a:spLocks noGrp="1"/>
+          </p:cNvSpPr>
+          <p:nvPr>
+            <p:ph type="ftr" sz="quarter" idx="11"/>
+          </p:nvPr>
+        </p:nvSpPr>
+        <p:spPr>
+          <a:xfrm>
+            <a:off x="4038600" y="6356350"/>
+            <a:ext cx="4114800" cy="365125"/>
+          </a:xfrm>
+        </p:spPr>
+        <p:txBody>
+          <a:bodyPr/>
+          <a:lstStyle/>
+          <a:p>
+            <a:r>
+              <a:rPr lang="en-US" dirty="0"/>
+              <a:t>1. </a:t>
+            </a:r>
+            <a:r>
+              <a:rPr lang="en-US" dirty="0" err="1">
+                <a:latin typeface="Avenir Next LT Pro Light" panose="020B0304020202020204" pitchFamily="34" charset="0"/>
+              </a:rPr>
+              <a:t>Lernrunde</a:t>
+            </a:r>
+            <a:endParaRPr lang="en-US" dirty="0">
+              <a:latin typeface="Avenir Next LT Pro Light" panose="020B0304020202020204" pitchFamily="34" charset="0"/>
+            </a:endParaRPr>
+          </a:p>
+        </p:txBody>
+      </p:sp>
       <p:pic>
         <p:nvPicPr>
-          <p:cNvPr id="16" name="Grafik 15">
+          <p:cNvPr id="4" name="Grafik 3">
             <a:extLst>
               <a:ext uri="{FF2B5EF4-FFF2-40B4-BE49-F238E27FC236}">
-                <a16:creationId xmlns:a16="http://schemas.microsoft.com/office/drawing/2014/main" id="{8B244281-5A99-448C-9BD7-C65765B2DA3B}"/>
+                <a16:creationId xmlns:a16="http://schemas.microsoft.com/office/drawing/2014/main" id="{40186700-C045-483E-81D4-F711B87A6F38}"/>
               </a:ext>
             </a:extLst>
           </p:cNvPr>
@@ -19003,8 +21777,44 @@
         </p:blipFill>
         <p:spPr>
           <a:xfrm>
-            <a:off x="1334347" y="4287520"/>
-            <a:ext cx="1578185" cy="1578185"/>
+            <a:off x="1490759" y="1852202"/>
+            <a:ext cx="1053920" cy="1053920"/>
+          </a:xfrm>
+          <a:prstGeom prst="rect">
+            <a:avLst/>
+          </a:prstGeom>
+        </p:spPr>
+      </p:pic>
+      <p:pic>
+        <p:nvPicPr>
+          <p:cNvPr id="7" name="Grafik 6">
+            <a:extLst>
+              <a:ext uri="{FF2B5EF4-FFF2-40B4-BE49-F238E27FC236}">
+                <a16:creationId xmlns:a16="http://schemas.microsoft.com/office/drawing/2014/main" id="{060C7C6A-5E82-4FC7-9291-B3D5B6F523E1}"/>
+              </a:ext>
+            </a:extLst>
+          </p:cNvPr>
+          <p:cNvPicPr>
+            <a:picLocks noChangeAspect="1"/>
+          </p:cNvPicPr>
+          <p:nvPr/>
+        </p:nvPicPr>
+        <p:blipFill>
+          <a:blip r:embed="rId9">
+            <a:extLst>
+              <a:ext uri="{28A0092B-C50C-407E-A947-70E740481C1C}">
+                <a14:useLocalDpi xmlns:a14="http://schemas.microsoft.com/office/drawing/2010/main" val="0"/>
+              </a:ext>
+            </a:extLst>
+          </a:blip>
+          <a:stretch>
+            <a:fillRect/>
+          </a:stretch>
+        </p:blipFill>
+        <p:spPr>
+          <a:xfrm>
+            <a:off x="1490759" y="4919654"/>
+            <a:ext cx="1053920" cy="1053920"/>
           </a:xfrm>
           <a:prstGeom prst="rect">
             <a:avLst/>
@@ -19024,7 +21834,7 @@
 </p:sld>
 </file>
 
-<file path=ppt/slides/slide8.xml><?xml version="1.0" encoding="utf-8"?>
+<file path=ppt/slides/slide9.xml><?xml version="1.0" encoding="utf-8"?>
 <p:sld xmlns:a="http://schemas.openxmlformats.org/drawingml/2006/main" xmlns:r="http://schemas.openxmlformats.org/officeDocument/2006/relationships" xmlns:p="http://schemas.openxmlformats.org/presentationml/2006/main">
   <p:cSld>
     <p:bg>
@@ -19188,53 +21998,12 @@
           </a:p>
         </p:txBody>
       </p:sp>
-    </p:spTree>
-    <p:extLst>
-      <p:ext uri="{BB962C8B-B14F-4D97-AF65-F5344CB8AC3E}">
-        <p14:creationId xmlns:p14="http://schemas.microsoft.com/office/powerpoint/2010/main" val="2710880683"/>
-      </p:ext>
-    </p:extLst>
-  </p:cSld>
-  <p:clrMapOvr>
-    <a:masterClrMapping/>
-  </p:clrMapOvr>
-</p:sld>
-</file>
-
-<file path=ppt/slides/slide9.xml><?xml version="1.0" encoding="utf-8"?>
-<p:sld xmlns:a="http://schemas.openxmlformats.org/drawingml/2006/main" xmlns:r="http://schemas.openxmlformats.org/officeDocument/2006/relationships" xmlns:p="http://schemas.openxmlformats.org/presentationml/2006/main">
-  <p:cSld>
-    <p:bg>
-      <p:bgPr>
-        <a:solidFill>
-          <a:schemeClr val="tx1">
-            <a:lumMod val="85000"/>
-            <a:lumOff val="15000"/>
-          </a:schemeClr>
-        </a:solidFill>
-        <a:effectLst/>
-      </p:bgPr>
-    </p:bg>
-    <p:spTree>
-      <p:nvGrpSpPr>
-        <p:cNvPr id="1" name=""/>
-        <p:cNvGrpSpPr/>
-        <p:nvPr/>
-      </p:nvGrpSpPr>
-      <p:grpSpPr>
-        <a:xfrm>
-          <a:off x="0" y="0"/>
-          <a:ext cx="0" cy="0"/>
-          <a:chOff x="0" y="0"/>
-          <a:chExt cx="0" cy="0"/>
-        </a:xfrm>
-      </p:grpSpPr>
       <p:sp>
         <p:nvSpPr>
-          <p:cNvPr id="2" name="Titel 1">
+          <p:cNvPr id="5" name="Fußzeilenplatzhalter 2">
             <a:extLst>
               <a:ext uri="{FF2B5EF4-FFF2-40B4-BE49-F238E27FC236}">
-                <a16:creationId xmlns:a16="http://schemas.microsoft.com/office/drawing/2014/main" id="{2DE3D5A1-87BE-4970-A6BA-E6C1A071C38E}"/>
+                <a16:creationId xmlns:a16="http://schemas.microsoft.com/office/drawing/2014/main" id="{1E30C9DB-038E-4186-A121-EDB4F26B4C4A}"/>
               </a:ext>
             </a:extLst>
           </p:cNvPr>
@@ -19242,124 +22011,30 @@
             <a:spLocks noGrp="1"/>
           </p:cNvSpPr>
           <p:nvPr>
-            <p:ph type="title"/>
+            <p:ph type="ftr" sz="quarter" idx="11"/>
           </p:nvPr>
         </p:nvSpPr>
-        <p:spPr/>
+        <p:spPr>
+          <a:xfrm>
+            <a:off x="4038600" y="6356350"/>
+            <a:ext cx="4114800" cy="365125"/>
+          </a:xfrm>
+        </p:spPr>
         <p:txBody>
           <a:bodyPr/>
           <a:lstStyle/>
           <a:p>
             <a:r>
-              <a:rPr lang="de-DE" dirty="0">
-                <a:solidFill>
-                  <a:schemeClr val="bg1"/>
-                </a:solidFill>
+              <a:rPr lang="en-US" dirty="0"/>
+              <a:t>1. </a:t>
+            </a:r>
+            <a:r>
+              <a:rPr lang="en-US" dirty="0" err="1">
                 <a:latin typeface="Avenir Next LT Pro Light" panose="020B0304020202020204" pitchFamily="34" charset="0"/>
               </a:rPr>
-              <a:t>WordPress Installation</a:t>
+              <a:t>Lernrunde</a:t>
             </a:r>
             <a:endParaRPr lang="en-US" dirty="0">
-              <a:solidFill>
-                <a:schemeClr val="bg1"/>
-              </a:solidFill>
-              <a:latin typeface="Avenir Next LT Pro Light" panose="020B0304020202020204" pitchFamily="34" charset="0"/>
-            </a:endParaRPr>
-          </a:p>
-        </p:txBody>
-      </p:sp>
-      <p:pic>
-        <p:nvPicPr>
-          <p:cNvPr id="9" name="Inhaltsplatzhalter 8" descr="Stoppuhr">
-            <a:extLst>
-              <a:ext uri="{FF2B5EF4-FFF2-40B4-BE49-F238E27FC236}">
-                <a16:creationId xmlns:a16="http://schemas.microsoft.com/office/drawing/2014/main" id="{7A8D0E6D-3D6C-49AD-9331-04BF2478D466}"/>
-              </a:ext>
-            </a:extLst>
-          </p:cNvPr>
-          <p:cNvPicPr>
-            <a:picLocks noGrp="1" noChangeAspect="1"/>
-          </p:cNvPicPr>
-          <p:nvPr>
-            <p:ph idx="1"/>
-          </p:nvPr>
-        </p:nvPicPr>
-        <p:blipFill>
-          <a:blip r:embed="rId2">
-            <a:extLst>
-              <a:ext uri="{28A0092B-C50C-407E-A947-70E740481C1C}">
-                <a14:useLocalDpi xmlns:a14="http://schemas.microsoft.com/office/drawing/2010/main" val="0"/>
-              </a:ext>
-              <a:ext uri="{96DAC541-7B7A-43D3-8B79-37D633B846F1}">
-                <asvg:svgBlip xmlns:asvg="http://schemas.microsoft.com/office/drawing/2016/SVG/main" r:embed="rId3"/>
-              </a:ext>
-            </a:extLst>
-          </a:blip>
-          <a:stretch>
-            <a:fillRect/>
-          </a:stretch>
-        </p:blipFill>
-        <p:spPr>
-          <a:xfrm>
-            <a:off x="838199" y="1690687"/>
-            <a:ext cx="4682067" cy="4682067"/>
-          </a:xfrm>
-        </p:spPr>
-      </p:pic>
-      <p:sp>
-        <p:nvSpPr>
-          <p:cNvPr id="10" name="Textfeld 9">
-            <a:extLst>
-              <a:ext uri="{FF2B5EF4-FFF2-40B4-BE49-F238E27FC236}">
-                <a16:creationId xmlns:a16="http://schemas.microsoft.com/office/drawing/2014/main" id="{0019AF28-98ED-4E61-BCA4-22883C2607D5}"/>
-              </a:ext>
-            </a:extLst>
-          </p:cNvPr>
-          <p:cNvSpPr txBox="1"/>
-          <p:nvPr/>
-        </p:nvSpPr>
-        <p:spPr>
-          <a:xfrm>
-            <a:off x="5520266" y="3381282"/>
-            <a:ext cx="5960533" cy="1323439"/>
-          </a:xfrm>
-          <a:prstGeom prst="rect">
-            <a:avLst/>
-          </a:prstGeom>
-          <a:noFill/>
-        </p:spPr>
-        <p:txBody>
-          <a:bodyPr wrap="square" rtlCol="0">
-            <a:spAutoFit/>
-          </a:bodyPr>
-          <a:lstStyle/>
-          <a:p>
-            <a:pPr algn="ctr"/>
-            <a:r>
-              <a:rPr lang="de-DE" sz="4000" dirty="0">
-                <a:solidFill>
-                  <a:schemeClr val="bg1"/>
-                </a:solidFill>
-                <a:latin typeface="Avenir Next LT Pro Light" panose="020B0304020202020204" pitchFamily="34" charset="0"/>
-              </a:rPr>
-              <a:t>Selbstständiges Arbeiten</a:t>
-            </a:r>
-          </a:p>
-          <a:p>
-            <a:pPr algn="ctr"/>
-            <a:r>
-              <a:rPr lang="de-DE" sz="4000" dirty="0">
-                <a:solidFill>
-                  <a:schemeClr val="bg1"/>
-                </a:solidFill>
-                <a:latin typeface="Avenir Next LT Pro Light" panose="020B0304020202020204" pitchFamily="34" charset="0"/>
-              </a:rPr>
-              <a:t>ca. 15:45 –  16:00</a:t>
-            </a:r>
-            <a:endParaRPr lang="en-US" sz="4000" dirty="0">
-              <a:solidFill>
-                <a:schemeClr val="bg1"/>
-              </a:solidFill>
               <a:latin typeface="Avenir Next LT Pro Light" panose="020B0304020202020204" pitchFamily="34" charset="0"/>
             </a:endParaRPr>
           </a:p>
@@ -19368,7 +22043,7 @@
     </p:spTree>
     <p:extLst>
       <p:ext uri="{BB962C8B-B14F-4D97-AF65-F5344CB8AC3E}">
-        <p14:creationId xmlns:p14="http://schemas.microsoft.com/office/powerpoint/2010/main" val="3449857767"/>
+        <p14:creationId xmlns:p14="http://schemas.microsoft.com/office/powerpoint/2010/main" val="2710880683"/>
       </p:ext>
     </p:extLst>
   </p:cSld>
@@ -19671,4 +22346,299 @@
     </a:ext>
   </a:extLst>
 </a:theme>
+</file>
+
+<file path=ppt/theme/theme2.xml><?xml version="1.0" encoding="utf-8"?>
+<a:theme xmlns:a="http://schemas.openxmlformats.org/drawingml/2006/main" name="Office">
+  <a:themeElements>
+    <a:clrScheme name="Office">
+      <a:dk1>
+        <a:sysClr val="windowText" lastClr="000000"/>
+      </a:dk1>
+      <a:lt1>
+        <a:sysClr val="window" lastClr="FFFFFF"/>
+      </a:lt1>
+      <a:dk2>
+        <a:srgbClr val="44546A"/>
+      </a:dk2>
+      <a:lt2>
+        <a:srgbClr val="E7E6E6"/>
+      </a:lt2>
+      <a:accent1>
+        <a:srgbClr val="4472C4"/>
+      </a:accent1>
+      <a:accent2>
+        <a:srgbClr val="ED7D31"/>
+      </a:accent2>
+      <a:accent3>
+        <a:srgbClr val="A5A5A5"/>
+      </a:accent3>
+      <a:accent4>
+        <a:srgbClr val="FFC000"/>
+      </a:accent4>
+      <a:accent5>
+        <a:srgbClr val="5B9BD5"/>
+      </a:accent5>
+      <a:accent6>
+        <a:srgbClr val="70AD47"/>
+      </a:accent6>
+      <a:hlink>
+        <a:srgbClr val="0563C1"/>
+      </a:hlink>
+      <a:folHlink>
+        <a:srgbClr val="954F72"/>
+      </a:folHlink>
+    </a:clrScheme>
+    <a:fontScheme name="Office">
+      <a:majorFont>
+        <a:latin typeface="Calibri Light" panose="020F0302020204030204"/>
+        <a:ea typeface=""/>
+        <a:cs typeface=""/>
+        <a:font script="Jpan" typeface="游ゴシック Light"/>
+        <a:font script="Hang" typeface="맑은 고딕"/>
+        <a:font script="Hans" typeface="等线 Light"/>
+        <a:font script="Hant" typeface="新細明體"/>
+        <a:font script="Arab" typeface="Times New Roman"/>
+        <a:font script="Hebr" typeface="Times New Roman"/>
+        <a:font script="Thai" typeface="Angsana New"/>
+        <a:font script="Ethi" typeface="Nyala"/>
+        <a:font script="Beng" typeface="Vrinda"/>
+        <a:font script="Gujr" typeface="Shruti"/>
+        <a:font script="Khmr" typeface="MoolBoran"/>
+        <a:font script="Knda" typeface="Tunga"/>
+        <a:font script="Guru" typeface="Raavi"/>
+        <a:font script="Cans" typeface="Euphemia"/>
+        <a:font script="Cher" typeface="Plantagenet Cherokee"/>
+        <a:font script="Yiii" typeface="Microsoft Yi Baiti"/>
+        <a:font script="Tibt" typeface="Microsoft Himalaya"/>
+        <a:font script="Thaa" typeface="MV Boli"/>
+        <a:font script="Deva" typeface="Mangal"/>
+        <a:font script="Telu" typeface="Gautami"/>
+        <a:font script="Taml" typeface="Latha"/>
+        <a:font script="Syrc" typeface="Estrangelo Edessa"/>
+        <a:font script="Orya" typeface="Kalinga"/>
+        <a:font script="Mlym" typeface="Kartika"/>
+        <a:font script="Laoo" typeface="DokChampa"/>
+        <a:font script="Sinh" typeface="Iskoola Pota"/>
+        <a:font script="Mong" typeface="Mongolian Baiti"/>
+        <a:font script="Viet" typeface="Times New Roman"/>
+        <a:font script="Uigh" typeface="Microsoft Uighur"/>
+        <a:font script="Geor" typeface="Sylfaen"/>
+        <a:font script="Armn" typeface="Arial"/>
+        <a:font script="Bugi" typeface="Leelawadee UI"/>
+        <a:font script="Bopo" typeface="Microsoft JhengHei"/>
+        <a:font script="Java" typeface="Javanese Text"/>
+        <a:font script="Lisu" typeface="Segoe UI"/>
+        <a:font script="Mymr" typeface="Myanmar Text"/>
+        <a:font script="Nkoo" typeface="Ebrima"/>
+        <a:font script="Olck" typeface="Nirmala UI"/>
+        <a:font script="Osma" typeface="Ebrima"/>
+        <a:font script="Phag" typeface="Phagspa"/>
+        <a:font script="Syrn" typeface="Estrangelo Edessa"/>
+        <a:font script="Syrj" typeface="Estrangelo Edessa"/>
+        <a:font script="Syre" typeface="Estrangelo Edessa"/>
+        <a:font script="Sora" typeface="Nirmala UI"/>
+        <a:font script="Tale" typeface="Microsoft Tai Le"/>
+        <a:font script="Talu" typeface="Microsoft New Tai Lue"/>
+        <a:font script="Tfng" typeface="Ebrima"/>
+      </a:majorFont>
+      <a:minorFont>
+        <a:latin typeface="Calibri" panose="020F0502020204030204"/>
+        <a:ea typeface=""/>
+        <a:cs typeface=""/>
+        <a:font script="Jpan" typeface="游ゴシック"/>
+        <a:font script="Hang" typeface="맑은 고딕"/>
+        <a:font script="Hans" typeface="等线"/>
+        <a:font script="Hant" typeface="新細明體"/>
+        <a:font script="Arab" typeface="Arial"/>
+        <a:font script="Hebr" typeface="Arial"/>
+        <a:font script="Thai" typeface="Cordia New"/>
+        <a:font script="Ethi" typeface="Nyala"/>
+        <a:font script="Beng" typeface="Vrinda"/>
+        <a:font script="Gujr" typeface="Shruti"/>
+        <a:font script="Khmr" typeface="DaunPenh"/>
+        <a:font script="Knda" typeface="Tunga"/>
+        <a:font script="Guru" typeface="Raavi"/>
+        <a:font script="Cans" typeface="Euphemia"/>
+        <a:font script="Cher" typeface="Plantagenet Cherokee"/>
+        <a:font script="Yiii" typeface="Microsoft Yi Baiti"/>
+        <a:font script="Tibt" typeface="Microsoft Himalaya"/>
+        <a:font script="Thaa" typeface="MV Boli"/>
+        <a:font script="Deva" typeface="Mangal"/>
+        <a:font script="Telu" typeface="Gautami"/>
+        <a:font script="Taml" typeface="Latha"/>
+        <a:font script="Syrc" typeface="Estrangelo Edessa"/>
+        <a:font script="Orya" typeface="Kalinga"/>
+        <a:font script="Mlym" typeface="Kartika"/>
+        <a:font script="Laoo" typeface="DokChampa"/>
+        <a:font script="Sinh" typeface="Iskoola Pota"/>
+        <a:font script="Mong" typeface="Mongolian Baiti"/>
+        <a:font script="Viet" typeface="Arial"/>
+        <a:font script="Uigh" typeface="Microsoft Uighur"/>
+        <a:font script="Geor" typeface="Sylfaen"/>
+        <a:font script="Armn" typeface="Arial"/>
+        <a:font script="Bugi" typeface="Leelawadee UI"/>
+        <a:font script="Bopo" typeface="Microsoft JhengHei"/>
+        <a:font script="Java" typeface="Javanese Text"/>
+        <a:font script="Lisu" typeface="Segoe UI"/>
+        <a:font script="Mymr" typeface="Myanmar Text"/>
+        <a:font script="Nkoo" typeface="Ebrima"/>
+        <a:font script="Olck" typeface="Nirmala UI"/>
+        <a:font script="Osma" typeface="Ebrima"/>
+        <a:font script="Phag" typeface="Phagspa"/>
+        <a:font script="Syrn" typeface="Estrangelo Edessa"/>
+        <a:font script="Syrj" typeface="Estrangelo Edessa"/>
+        <a:font script="Syre" typeface="Estrangelo Edessa"/>
+        <a:font script="Sora" typeface="Nirmala UI"/>
+        <a:font script="Tale" typeface="Microsoft Tai Le"/>
+        <a:font script="Talu" typeface="Microsoft New Tai Lue"/>
+        <a:font script="Tfng" typeface="Ebrima"/>
+      </a:minorFont>
+    </a:fontScheme>
+    <a:fmtScheme name="Office">
+      <a:fillStyleLst>
+        <a:solidFill>
+          <a:schemeClr val="phClr"/>
+        </a:solidFill>
+        <a:gradFill rotWithShape="1">
+          <a:gsLst>
+            <a:gs pos="0">
+              <a:schemeClr val="phClr">
+                <a:lumMod val="110000"/>
+                <a:satMod val="105000"/>
+                <a:tint val="67000"/>
+              </a:schemeClr>
+            </a:gs>
+            <a:gs pos="50000">
+              <a:schemeClr val="phClr">
+                <a:lumMod val="105000"/>
+                <a:satMod val="103000"/>
+                <a:tint val="73000"/>
+              </a:schemeClr>
+            </a:gs>
+            <a:gs pos="100000">
+              <a:schemeClr val="phClr">
+                <a:lumMod val="105000"/>
+                <a:satMod val="109000"/>
+                <a:tint val="81000"/>
+              </a:schemeClr>
+            </a:gs>
+          </a:gsLst>
+          <a:lin ang="5400000" scaled="0"/>
+        </a:gradFill>
+        <a:gradFill rotWithShape="1">
+          <a:gsLst>
+            <a:gs pos="0">
+              <a:schemeClr val="phClr">
+                <a:satMod val="103000"/>
+                <a:lumMod val="102000"/>
+                <a:tint val="94000"/>
+              </a:schemeClr>
+            </a:gs>
+            <a:gs pos="50000">
+              <a:schemeClr val="phClr">
+                <a:satMod val="110000"/>
+                <a:lumMod val="100000"/>
+                <a:shade val="100000"/>
+              </a:schemeClr>
+            </a:gs>
+            <a:gs pos="100000">
+              <a:schemeClr val="phClr">
+                <a:lumMod val="99000"/>
+                <a:satMod val="120000"/>
+                <a:shade val="78000"/>
+              </a:schemeClr>
+            </a:gs>
+          </a:gsLst>
+          <a:lin ang="5400000" scaled="0"/>
+        </a:gradFill>
+      </a:fillStyleLst>
+      <a:lnStyleLst>
+        <a:ln w="6350" cap="flat" cmpd="sng" algn="ctr">
+          <a:solidFill>
+            <a:schemeClr val="phClr"/>
+          </a:solidFill>
+          <a:prstDash val="solid"/>
+          <a:miter lim="800000"/>
+        </a:ln>
+        <a:ln w="12700" cap="flat" cmpd="sng" algn="ctr">
+          <a:solidFill>
+            <a:schemeClr val="phClr"/>
+          </a:solidFill>
+          <a:prstDash val="solid"/>
+          <a:miter lim="800000"/>
+        </a:ln>
+        <a:ln w="19050" cap="flat" cmpd="sng" algn="ctr">
+          <a:solidFill>
+            <a:schemeClr val="phClr"/>
+          </a:solidFill>
+          <a:prstDash val="solid"/>
+          <a:miter lim="800000"/>
+        </a:ln>
+      </a:lnStyleLst>
+      <a:effectStyleLst>
+        <a:effectStyle>
+          <a:effectLst/>
+        </a:effectStyle>
+        <a:effectStyle>
+          <a:effectLst/>
+        </a:effectStyle>
+        <a:effectStyle>
+          <a:effectLst>
+            <a:outerShdw blurRad="57150" dist="19050" dir="5400000" algn="ctr" rotWithShape="0">
+              <a:srgbClr val="000000">
+                <a:alpha val="63000"/>
+              </a:srgbClr>
+            </a:outerShdw>
+          </a:effectLst>
+        </a:effectStyle>
+      </a:effectStyleLst>
+      <a:bgFillStyleLst>
+        <a:solidFill>
+          <a:schemeClr val="phClr"/>
+        </a:solidFill>
+        <a:solidFill>
+          <a:schemeClr val="phClr">
+            <a:tint val="95000"/>
+            <a:satMod val="170000"/>
+          </a:schemeClr>
+        </a:solidFill>
+        <a:gradFill rotWithShape="1">
+          <a:gsLst>
+            <a:gs pos="0">
+              <a:schemeClr val="phClr">
+                <a:tint val="93000"/>
+                <a:satMod val="150000"/>
+                <a:shade val="98000"/>
+                <a:lumMod val="102000"/>
+              </a:schemeClr>
+            </a:gs>
+            <a:gs pos="50000">
+              <a:schemeClr val="phClr">
+                <a:tint val="98000"/>
+                <a:satMod val="130000"/>
+                <a:shade val="90000"/>
+                <a:lumMod val="103000"/>
+              </a:schemeClr>
+            </a:gs>
+            <a:gs pos="100000">
+              <a:schemeClr val="phClr">
+                <a:shade val="63000"/>
+                <a:satMod val="120000"/>
+              </a:schemeClr>
+            </a:gs>
+          </a:gsLst>
+          <a:lin ang="5400000" scaled="0"/>
+        </a:gradFill>
+      </a:bgFillStyleLst>
+    </a:fmtScheme>
+  </a:themeElements>
+  <a:objectDefaults/>
+  <a:extraClrSchemeLst/>
+  <a:extLst>
+    <a:ext uri="{05A4C25C-085E-4340-85A3-A5531E510DB2}">
+      <thm15:themeFamily xmlns:thm15="http://schemas.microsoft.com/office/thememl/2012/main" name="Office Theme" id="{62F939B6-93AF-4DB8-9C6B-D6C7DFDC589F}" vid="{4A3C46E8-61CC-4603-A589-7422A47A8E4A}"/>
+    </a:ext>
+  </a:extLst>
+</a:theme>
 </file>
--- a/wordpress-portfolio-website-presentation.pptx
+++ b/wordpress-portfolio-website-presentation.pptx
@@ -5,7 +5,7 @@
     <p:sldMasterId id="2147483648" r:id="rId1"/>
   </p:sldMasterIdLst>
   <p:notesMasterIdLst>
-    <p:notesMasterId r:id="rId20"/>
+    <p:notesMasterId r:id="rId24"/>
   </p:notesMasterIdLst>
   <p:sldIdLst>
     <p:sldId id="256" r:id="rId2"/>
@@ -26,6 +26,10 @@
     <p:sldId id="270" r:id="rId17"/>
     <p:sldId id="271" r:id="rId18"/>
     <p:sldId id="274" r:id="rId19"/>
+    <p:sldId id="275" r:id="rId20"/>
+    <p:sldId id="276" r:id="rId21"/>
+    <p:sldId id="277" r:id="rId22"/>
+    <p:sldId id="278" r:id="rId23"/>
   </p:sldIdLst>
   <p:sldSz cx="12192000" cy="6858000"/>
   <p:notesSz cx="6858000" cy="9144000"/>
@@ -17886,8 +17890,8 @@
         </p:nvSpPr>
         <p:spPr>
           <a:xfrm>
-            <a:off x="5520266" y="3677778"/>
-            <a:ext cx="5960533" cy="707886"/>
+            <a:off x="5520266" y="3361799"/>
+            <a:ext cx="5960533" cy="1323439"/>
           </a:xfrm>
           <a:prstGeom prst="rect">
             <a:avLst/>
@@ -17899,6 +17903,18 @@
             <a:spAutoFit/>
           </a:bodyPr>
           <a:lstStyle/>
+          <a:p>
+            <a:pPr algn="ctr"/>
+            <a:r>
+              <a:rPr lang="de-DE" sz="4000" dirty="0">
+                <a:solidFill>
+                  <a:schemeClr val="bg1"/>
+                </a:solidFill>
+                <a:latin typeface="Avenir Next LT Pro Light" panose="020B0304020202020204" pitchFamily="34" charset="0"/>
+              </a:rPr>
+              <a:t>Selbstständiges Arbeiten</a:t>
+            </a:r>
+          </a:p>
           <a:p>
             <a:pPr algn="ctr"/>
             <a:r>
@@ -18402,10 +18418,276 @@
           </a:p>
         </p:txBody>
       </p:sp>
+      <p:sp>
+        <p:nvSpPr>
+          <p:cNvPr id="4" name="Fußzeilenplatzhalter 2">
+            <a:extLst>
+              <a:ext uri="{FF2B5EF4-FFF2-40B4-BE49-F238E27FC236}">
+                <a16:creationId xmlns:a16="http://schemas.microsoft.com/office/drawing/2014/main" id="{CAD0DE26-B128-443D-AAC7-8403BFDBDB73}"/>
+              </a:ext>
+            </a:extLst>
+          </p:cNvPr>
+          <p:cNvSpPr>
+            <a:spLocks noGrp="1"/>
+          </p:cNvSpPr>
+          <p:nvPr>
+            <p:ph type="ftr" sz="quarter" idx="11"/>
+          </p:nvPr>
+        </p:nvSpPr>
+        <p:spPr>
+          <a:xfrm>
+            <a:off x="4038600" y="6356350"/>
+            <a:ext cx="4114800" cy="365125"/>
+          </a:xfrm>
+        </p:spPr>
+        <p:txBody>
+          <a:bodyPr/>
+          <a:lstStyle/>
+          <a:p>
+            <a:r>
+              <a:rPr lang="en-US" dirty="0">
+                <a:latin typeface="Avenir Next LT Pro Light" panose="020B0304020202020204" pitchFamily="34" charset="0"/>
+              </a:rPr>
+              <a:t>3. </a:t>
+            </a:r>
+            <a:r>
+              <a:rPr lang="en-US" dirty="0" err="1">
+                <a:latin typeface="Avenir Next LT Pro Light" panose="020B0304020202020204" pitchFamily="34" charset="0"/>
+              </a:rPr>
+              <a:t>Lernrunde</a:t>
+            </a:r>
+            <a:endParaRPr lang="en-US" dirty="0">
+              <a:latin typeface="Avenir Next LT Pro Light" panose="020B0304020202020204" pitchFamily="34" charset="0"/>
+            </a:endParaRPr>
+          </a:p>
+        </p:txBody>
+      </p:sp>
     </p:spTree>
     <p:extLst>
       <p:ext uri="{BB962C8B-B14F-4D97-AF65-F5344CB8AC3E}">
         <p14:creationId xmlns:p14="http://schemas.microsoft.com/office/powerpoint/2010/main" val="1364027989"/>
+      </p:ext>
+    </p:extLst>
+  </p:cSld>
+  <p:clrMapOvr>
+    <a:masterClrMapping/>
+  </p:clrMapOvr>
+</p:sld>
+</file>
+
+<file path=ppt/slides/slide19.xml><?xml version="1.0" encoding="utf-8"?>
+<p:sld xmlns:a="http://schemas.openxmlformats.org/drawingml/2006/main" xmlns:r="http://schemas.openxmlformats.org/officeDocument/2006/relationships" xmlns:p="http://schemas.openxmlformats.org/presentationml/2006/main">
+  <p:cSld>
+    <p:bg>
+      <p:bgPr>
+        <a:solidFill>
+          <a:schemeClr val="tx1">
+            <a:lumMod val="85000"/>
+            <a:lumOff val="15000"/>
+          </a:schemeClr>
+        </a:solidFill>
+        <a:effectLst/>
+      </p:bgPr>
+    </p:bg>
+    <p:spTree>
+      <p:nvGrpSpPr>
+        <p:cNvPr id="1" name=""/>
+        <p:cNvGrpSpPr/>
+        <p:nvPr/>
+      </p:nvGrpSpPr>
+      <p:grpSpPr>
+        <a:xfrm>
+          <a:off x="0" y="0"/>
+          <a:ext cx="0" cy="0"/>
+          <a:chOff x="0" y="0"/>
+          <a:chExt cx="0" cy="0"/>
+        </a:xfrm>
+      </p:grpSpPr>
+      <p:sp>
+        <p:nvSpPr>
+          <p:cNvPr id="2" name="Titel 1">
+            <a:extLst>
+              <a:ext uri="{FF2B5EF4-FFF2-40B4-BE49-F238E27FC236}">
+                <a16:creationId xmlns:a16="http://schemas.microsoft.com/office/drawing/2014/main" id="{747753E9-46C1-43E7-BF55-1C39C3D2263B}"/>
+              </a:ext>
+            </a:extLst>
+          </p:cNvPr>
+          <p:cNvSpPr>
+            <a:spLocks noGrp="1"/>
+          </p:cNvSpPr>
+          <p:nvPr>
+            <p:ph type="title"/>
+          </p:nvPr>
+        </p:nvSpPr>
+        <p:spPr/>
+        <p:txBody>
+          <a:bodyPr/>
+          <a:lstStyle/>
+          <a:p>
+            <a:r>
+              <a:rPr lang="de-DE" dirty="0">
+                <a:solidFill>
+                  <a:schemeClr val="bg1"/>
+                </a:solidFill>
+                <a:latin typeface="Avenir Next LT Pro Light" panose="020B0304020202020204" pitchFamily="34" charset="0"/>
+              </a:rPr>
+              <a:t>WordPress – Design &amp; Inhalt</a:t>
+            </a:r>
+            <a:endParaRPr lang="en-US" dirty="0">
+              <a:solidFill>
+                <a:schemeClr val="bg1"/>
+              </a:solidFill>
+              <a:latin typeface="Avenir Next LT Pro Light" panose="020B0304020202020204" pitchFamily="34" charset="0"/>
+            </a:endParaRPr>
+          </a:p>
+        </p:txBody>
+      </p:sp>
+      <p:pic>
+        <p:nvPicPr>
+          <p:cNvPr id="4" name="Inhaltsplatzhalter 8" descr="Stoppuhr">
+            <a:extLst>
+              <a:ext uri="{FF2B5EF4-FFF2-40B4-BE49-F238E27FC236}">
+                <a16:creationId xmlns:a16="http://schemas.microsoft.com/office/drawing/2014/main" id="{A7F8691E-369A-483B-9E90-EB30764D8BB1}"/>
+              </a:ext>
+            </a:extLst>
+          </p:cNvPr>
+          <p:cNvPicPr>
+            <a:picLocks noChangeAspect="1"/>
+          </p:cNvPicPr>
+          <p:nvPr/>
+        </p:nvPicPr>
+        <p:blipFill>
+          <a:blip r:embed="rId2">
+            <a:extLst>
+              <a:ext uri="{28A0092B-C50C-407E-A947-70E740481C1C}">
+                <a14:useLocalDpi xmlns:a14="http://schemas.microsoft.com/office/drawing/2010/main" val="0"/>
+              </a:ext>
+              <a:ext uri="{96DAC541-7B7A-43D3-8B79-37D633B846F1}">
+                <asvg:svgBlip xmlns:asvg="http://schemas.microsoft.com/office/drawing/2016/SVG/main" r:embed="rId3"/>
+              </a:ext>
+            </a:extLst>
+          </a:blip>
+          <a:stretch>
+            <a:fillRect/>
+          </a:stretch>
+        </p:blipFill>
+        <p:spPr>
+          <a:xfrm>
+            <a:off x="838199" y="1690687"/>
+            <a:ext cx="4682067" cy="4682067"/>
+          </a:xfrm>
+          <a:prstGeom prst="rect">
+            <a:avLst/>
+          </a:prstGeom>
+        </p:spPr>
+      </p:pic>
+      <p:sp>
+        <p:nvSpPr>
+          <p:cNvPr id="5" name="Textfeld 4">
+            <a:extLst>
+              <a:ext uri="{FF2B5EF4-FFF2-40B4-BE49-F238E27FC236}">
+                <a16:creationId xmlns:a16="http://schemas.microsoft.com/office/drawing/2014/main" id="{0B2772EB-64EC-4DAB-AFEE-457A1C00BCD7}"/>
+              </a:ext>
+            </a:extLst>
+          </p:cNvPr>
+          <p:cNvSpPr txBox="1"/>
+          <p:nvPr/>
+        </p:nvSpPr>
+        <p:spPr>
+          <a:xfrm>
+            <a:off x="5520266" y="3370000"/>
+            <a:ext cx="5960533" cy="1323439"/>
+          </a:xfrm>
+          <a:prstGeom prst="rect">
+            <a:avLst/>
+          </a:prstGeom>
+          <a:noFill/>
+        </p:spPr>
+        <p:txBody>
+          <a:bodyPr wrap="square" rtlCol="0">
+            <a:spAutoFit/>
+          </a:bodyPr>
+          <a:lstStyle/>
+          <a:p>
+            <a:pPr algn="ctr"/>
+            <a:r>
+              <a:rPr lang="de-DE" sz="4000" dirty="0">
+                <a:solidFill>
+                  <a:schemeClr val="bg1"/>
+                </a:solidFill>
+                <a:latin typeface="Avenir Next LT Pro Light" panose="020B0304020202020204" pitchFamily="34" charset="0"/>
+              </a:rPr>
+              <a:t>Selbstständiges Arbeiten</a:t>
+            </a:r>
+          </a:p>
+          <a:p>
+            <a:pPr algn="ctr"/>
+            <a:r>
+              <a:rPr lang="de-DE" sz="4000" dirty="0">
+                <a:solidFill>
+                  <a:schemeClr val="bg1"/>
+                </a:solidFill>
+                <a:latin typeface="Avenir Next LT Pro Light" panose="020B0304020202020204" pitchFamily="34" charset="0"/>
+              </a:rPr>
+              <a:t>ca. 19:00 – 20:30</a:t>
+            </a:r>
+            <a:endParaRPr lang="en-US" sz="4000" dirty="0">
+              <a:solidFill>
+                <a:schemeClr val="bg1"/>
+              </a:solidFill>
+              <a:latin typeface="Avenir Next LT Pro Light" panose="020B0304020202020204" pitchFamily="34" charset="0"/>
+            </a:endParaRPr>
+          </a:p>
+        </p:txBody>
+      </p:sp>
+      <p:sp>
+        <p:nvSpPr>
+          <p:cNvPr id="6" name="Fußzeilenplatzhalter 2">
+            <a:extLst>
+              <a:ext uri="{FF2B5EF4-FFF2-40B4-BE49-F238E27FC236}">
+                <a16:creationId xmlns:a16="http://schemas.microsoft.com/office/drawing/2014/main" id="{AA9316B9-8141-4A01-B907-E5103695CF03}"/>
+              </a:ext>
+            </a:extLst>
+          </p:cNvPr>
+          <p:cNvSpPr>
+            <a:spLocks noGrp="1"/>
+          </p:cNvSpPr>
+          <p:nvPr>
+            <p:ph type="ftr" sz="quarter" idx="11"/>
+          </p:nvPr>
+        </p:nvSpPr>
+        <p:spPr>
+          <a:xfrm>
+            <a:off x="4038600" y="6356350"/>
+            <a:ext cx="4114800" cy="365125"/>
+          </a:xfrm>
+        </p:spPr>
+        <p:txBody>
+          <a:bodyPr/>
+          <a:lstStyle/>
+          <a:p>
+            <a:r>
+              <a:rPr lang="en-US" dirty="0">
+                <a:latin typeface="Avenir Next LT Pro Light" panose="020B0304020202020204" pitchFamily="34" charset="0"/>
+              </a:rPr>
+              <a:t>3. </a:t>
+            </a:r>
+            <a:r>
+              <a:rPr lang="en-US" dirty="0" err="1">
+                <a:latin typeface="Avenir Next LT Pro Light" panose="020B0304020202020204" pitchFamily="34" charset="0"/>
+              </a:rPr>
+              <a:t>Lernrunde</a:t>
+            </a:r>
+            <a:endParaRPr lang="en-US" dirty="0">
+              <a:latin typeface="Avenir Next LT Pro Light" panose="020B0304020202020204" pitchFamily="34" charset="0"/>
+            </a:endParaRPr>
+          </a:p>
+        </p:txBody>
+      </p:sp>
+    </p:spTree>
+    <p:extLst>
+      <p:ext uri="{BB962C8B-B14F-4D97-AF65-F5344CB8AC3E}">
+        <p14:creationId xmlns:p14="http://schemas.microsoft.com/office/powerpoint/2010/main" val="337629317"/>
       </p:ext>
     </p:extLst>
   </p:cSld>
@@ -18708,6 +18990,402 @@
     <p:extLst>
       <p:ext uri="{BB962C8B-B14F-4D97-AF65-F5344CB8AC3E}">
         <p14:creationId xmlns:p14="http://schemas.microsoft.com/office/powerpoint/2010/main" val="3100281767"/>
+      </p:ext>
+    </p:extLst>
+  </p:cSld>
+  <p:clrMapOvr>
+    <a:masterClrMapping/>
+  </p:clrMapOvr>
+</p:sld>
+</file>
+
+<file path=ppt/slides/slide20.xml><?xml version="1.0" encoding="utf-8"?>
+<p:sld xmlns:a="http://schemas.openxmlformats.org/drawingml/2006/main" xmlns:r="http://schemas.openxmlformats.org/officeDocument/2006/relationships" xmlns:p="http://schemas.openxmlformats.org/presentationml/2006/main">
+  <p:cSld>
+    <p:bg>
+      <p:bgPr>
+        <a:solidFill>
+          <a:schemeClr val="tx1">
+            <a:lumMod val="85000"/>
+            <a:lumOff val="15000"/>
+          </a:schemeClr>
+        </a:solidFill>
+        <a:effectLst/>
+      </p:bgPr>
+    </p:bg>
+    <p:spTree>
+      <p:nvGrpSpPr>
+        <p:cNvPr id="1" name=""/>
+        <p:cNvGrpSpPr/>
+        <p:nvPr/>
+      </p:nvGrpSpPr>
+      <p:grpSpPr>
+        <a:xfrm>
+          <a:off x="0" y="0"/>
+          <a:ext cx="0" cy="0"/>
+          <a:chOff x="0" y="0"/>
+          <a:chExt cx="0" cy="0"/>
+        </a:xfrm>
+      </p:grpSpPr>
+      <p:sp>
+        <p:nvSpPr>
+          <p:cNvPr id="2" name="Titel 1">
+            <a:extLst>
+              <a:ext uri="{FF2B5EF4-FFF2-40B4-BE49-F238E27FC236}">
+                <a16:creationId xmlns:a16="http://schemas.microsoft.com/office/drawing/2014/main" id="{747753E9-46C1-43E7-BF55-1C39C3D2263B}"/>
+              </a:ext>
+            </a:extLst>
+          </p:cNvPr>
+          <p:cNvSpPr>
+            <a:spLocks noGrp="1"/>
+          </p:cNvSpPr>
+          <p:nvPr>
+            <p:ph type="title"/>
+          </p:nvPr>
+        </p:nvSpPr>
+        <p:spPr/>
+        <p:txBody>
+          <a:bodyPr/>
+          <a:lstStyle/>
+          <a:p>
+            <a:r>
+              <a:rPr lang="de-DE" dirty="0">
+                <a:solidFill>
+                  <a:schemeClr val="bg1"/>
+                </a:solidFill>
+                <a:latin typeface="Avenir Next LT Pro Light" panose="020B0304020202020204" pitchFamily="34" charset="0"/>
+              </a:rPr>
+              <a:t>Feedback</a:t>
+            </a:r>
+            <a:endParaRPr lang="en-US" dirty="0">
+              <a:solidFill>
+                <a:schemeClr val="bg1"/>
+              </a:solidFill>
+              <a:latin typeface="Avenir Next LT Pro Light" panose="020B0304020202020204" pitchFamily="34" charset="0"/>
+            </a:endParaRPr>
+          </a:p>
+        </p:txBody>
+      </p:sp>
+      <p:pic>
+        <p:nvPicPr>
+          <p:cNvPr id="6" name="Grafik 5">
+            <a:extLst>
+              <a:ext uri="{FF2B5EF4-FFF2-40B4-BE49-F238E27FC236}">
+                <a16:creationId xmlns:a16="http://schemas.microsoft.com/office/drawing/2014/main" id="{3C459384-30EF-4DC7-B1BA-1B79EAF2014D}"/>
+              </a:ext>
+            </a:extLst>
+          </p:cNvPr>
+          <p:cNvPicPr>
+            <a:picLocks noChangeAspect="1"/>
+          </p:cNvPicPr>
+          <p:nvPr/>
+        </p:nvPicPr>
+        <p:blipFill>
+          <a:blip r:embed="rId2">
+            <a:extLst>
+              <a:ext uri="{28A0092B-C50C-407E-A947-70E740481C1C}">
+                <a14:useLocalDpi xmlns:a14="http://schemas.microsoft.com/office/drawing/2010/main" val="0"/>
+              </a:ext>
+            </a:extLst>
+          </a:blip>
+          <a:stretch>
+            <a:fillRect/>
+          </a:stretch>
+        </p:blipFill>
+        <p:spPr>
+          <a:xfrm>
+            <a:off x="3942397" y="1690688"/>
+            <a:ext cx="4307205" cy="4307205"/>
+          </a:xfrm>
+          <a:prstGeom prst="rect">
+            <a:avLst/>
+          </a:prstGeom>
+        </p:spPr>
+      </p:pic>
+    </p:spTree>
+    <p:extLst>
+      <p:ext uri="{BB962C8B-B14F-4D97-AF65-F5344CB8AC3E}">
+        <p14:creationId xmlns:p14="http://schemas.microsoft.com/office/powerpoint/2010/main" val="3096074278"/>
+      </p:ext>
+    </p:extLst>
+  </p:cSld>
+  <p:clrMapOvr>
+    <a:masterClrMapping/>
+  </p:clrMapOvr>
+</p:sld>
+</file>
+
+<file path=ppt/slides/slide21.xml><?xml version="1.0" encoding="utf-8"?>
+<p:sld xmlns:a="http://schemas.openxmlformats.org/drawingml/2006/main" xmlns:r="http://schemas.openxmlformats.org/officeDocument/2006/relationships" xmlns:p="http://schemas.openxmlformats.org/presentationml/2006/main">
+  <p:cSld>
+    <p:bg>
+      <p:bgPr>
+        <a:solidFill>
+          <a:schemeClr val="tx1">
+            <a:lumMod val="85000"/>
+            <a:lumOff val="15000"/>
+          </a:schemeClr>
+        </a:solidFill>
+        <a:effectLst/>
+      </p:bgPr>
+    </p:bg>
+    <p:spTree>
+      <p:nvGrpSpPr>
+        <p:cNvPr id="1" name=""/>
+        <p:cNvGrpSpPr/>
+        <p:nvPr/>
+      </p:nvGrpSpPr>
+      <p:grpSpPr>
+        <a:xfrm>
+          <a:off x="0" y="0"/>
+          <a:ext cx="0" cy="0"/>
+          <a:chOff x="0" y="0"/>
+          <a:chExt cx="0" cy="0"/>
+        </a:xfrm>
+      </p:grpSpPr>
+      <p:sp>
+        <p:nvSpPr>
+          <p:cNvPr id="2" name="Titel 1">
+            <a:extLst>
+              <a:ext uri="{FF2B5EF4-FFF2-40B4-BE49-F238E27FC236}">
+                <a16:creationId xmlns:a16="http://schemas.microsoft.com/office/drawing/2014/main" id="{747753E9-46C1-43E7-BF55-1C39C3D2263B}"/>
+              </a:ext>
+            </a:extLst>
+          </p:cNvPr>
+          <p:cNvSpPr>
+            <a:spLocks noGrp="1"/>
+          </p:cNvSpPr>
+          <p:nvPr>
+            <p:ph type="title"/>
+          </p:nvPr>
+        </p:nvSpPr>
+        <p:spPr>
+          <a:xfrm>
+            <a:off x="838200" y="2766218"/>
+            <a:ext cx="10515600" cy="1325563"/>
+          </a:xfrm>
+        </p:spPr>
+        <p:txBody>
+          <a:bodyPr/>
+          <a:lstStyle/>
+          <a:p>
+            <a:pPr algn="ctr"/>
+            <a:r>
+              <a:rPr lang="de-DE" dirty="0">
+                <a:solidFill>
+                  <a:schemeClr val="bg1"/>
+                </a:solidFill>
+                <a:latin typeface="Avenir Next LT Pro Light" panose="020B0304020202020204" pitchFamily="34" charset="0"/>
+              </a:rPr>
+              <a:t>Ideen für künftige </a:t>
+            </a:r>
+            <a:r>
+              <a:rPr lang="de-DE" dirty="0" err="1">
+                <a:solidFill>
+                  <a:schemeClr val="bg1"/>
+                </a:solidFill>
+                <a:latin typeface="Avenir Next LT Pro Light" panose="020B0304020202020204" pitchFamily="34" charset="0"/>
+              </a:rPr>
+              <a:t>Skill</a:t>
+            </a:r>
+            <a:r>
+              <a:rPr lang="de-DE" dirty="0">
+                <a:solidFill>
+                  <a:schemeClr val="bg1"/>
+                </a:solidFill>
+                <a:latin typeface="Avenir Next LT Pro Light" panose="020B0304020202020204" pitchFamily="34" charset="0"/>
+              </a:rPr>
+              <a:t> </a:t>
+            </a:r>
+            <a:r>
+              <a:rPr lang="de-DE" dirty="0" err="1">
+                <a:solidFill>
+                  <a:schemeClr val="bg1"/>
+                </a:solidFill>
+                <a:latin typeface="Avenir Next LT Pro Light" panose="020B0304020202020204" pitchFamily="34" charset="0"/>
+              </a:rPr>
+              <a:t>Saturdays</a:t>
+            </a:r>
+            <a:endParaRPr lang="en-US" dirty="0">
+              <a:solidFill>
+                <a:schemeClr val="bg1"/>
+              </a:solidFill>
+              <a:latin typeface="Avenir Next LT Pro Light" panose="020B0304020202020204" pitchFamily="34" charset="0"/>
+            </a:endParaRPr>
+          </a:p>
+        </p:txBody>
+      </p:sp>
+    </p:spTree>
+    <p:extLst>
+      <p:ext uri="{BB962C8B-B14F-4D97-AF65-F5344CB8AC3E}">
+        <p14:creationId xmlns:p14="http://schemas.microsoft.com/office/powerpoint/2010/main" val="2794481289"/>
+      </p:ext>
+    </p:extLst>
+  </p:cSld>
+  <p:clrMapOvr>
+    <a:masterClrMapping/>
+  </p:clrMapOvr>
+</p:sld>
+</file>
+
+<file path=ppt/slides/slide22.xml><?xml version="1.0" encoding="utf-8"?>
+<p:sld xmlns:a="http://schemas.openxmlformats.org/drawingml/2006/main" xmlns:r="http://schemas.openxmlformats.org/officeDocument/2006/relationships" xmlns:p="http://schemas.openxmlformats.org/presentationml/2006/main">
+  <p:cSld>
+    <p:bg>
+      <p:bgPr>
+        <a:solidFill>
+          <a:schemeClr val="tx1">
+            <a:lumMod val="85000"/>
+            <a:lumOff val="15000"/>
+          </a:schemeClr>
+        </a:solidFill>
+        <a:effectLst/>
+      </p:bgPr>
+    </p:bg>
+    <p:spTree>
+      <p:nvGrpSpPr>
+        <p:cNvPr id="1" name=""/>
+        <p:cNvGrpSpPr/>
+        <p:nvPr/>
+      </p:nvGrpSpPr>
+      <p:grpSpPr>
+        <a:xfrm>
+          <a:off x="0" y="0"/>
+          <a:ext cx="0" cy="0"/>
+          <a:chOff x="0" y="0"/>
+          <a:chExt cx="0" cy="0"/>
+        </a:xfrm>
+      </p:grpSpPr>
+      <p:sp>
+        <p:nvSpPr>
+          <p:cNvPr id="2" name="Titel 1">
+            <a:extLst>
+              <a:ext uri="{FF2B5EF4-FFF2-40B4-BE49-F238E27FC236}">
+                <a16:creationId xmlns:a16="http://schemas.microsoft.com/office/drawing/2014/main" id="{747753E9-46C1-43E7-BF55-1C39C3D2263B}"/>
+              </a:ext>
+            </a:extLst>
+          </p:cNvPr>
+          <p:cNvSpPr>
+            <a:spLocks noGrp="1"/>
+          </p:cNvSpPr>
+          <p:nvPr>
+            <p:ph type="title"/>
+          </p:nvPr>
+        </p:nvSpPr>
+        <p:spPr>
+          <a:xfrm>
+            <a:off x="838200" y="2766218"/>
+            <a:ext cx="10515600" cy="1325563"/>
+          </a:xfrm>
+        </p:spPr>
+        <p:txBody>
+          <a:bodyPr/>
+          <a:lstStyle/>
+          <a:p>
+            <a:r>
+              <a:rPr lang="de-DE" dirty="0">
+                <a:solidFill>
+                  <a:schemeClr val="bg1"/>
+                </a:solidFill>
+                <a:latin typeface="Avenir Next LT Pro Light" panose="020B0304020202020204" pitchFamily="34" charset="0"/>
+              </a:rPr>
+              <a:t>Danke euch allen! </a:t>
+            </a:r>
+            <a:r>
+              <a:rPr lang="de-DE" dirty="0" err="1">
+                <a:solidFill>
+                  <a:schemeClr val="bg1"/>
+                </a:solidFill>
+                <a:latin typeface="Avenir Next LT Pro Light" panose="020B0304020202020204" pitchFamily="34" charset="0"/>
+              </a:rPr>
+              <a:t>Get</a:t>
+            </a:r>
+            <a:r>
+              <a:rPr lang="de-DE" dirty="0">
+                <a:solidFill>
+                  <a:schemeClr val="bg1"/>
+                </a:solidFill>
+                <a:latin typeface="Avenir Next LT Pro Light" panose="020B0304020202020204" pitchFamily="34" charset="0"/>
+              </a:rPr>
+              <a:t> a </a:t>
+            </a:r>
+            <a:r>
+              <a:rPr lang="de-DE" dirty="0" err="1">
+                <a:solidFill>
+                  <a:schemeClr val="bg1"/>
+                </a:solidFill>
+                <a:latin typeface="Avenir Next LT Pro Light" panose="020B0304020202020204" pitchFamily="34" charset="0"/>
+              </a:rPr>
+              <a:t>drink</a:t>
+            </a:r>
+            <a:r>
+              <a:rPr lang="de-DE" dirty="0">
+                <a:solidFill>
+                  <a:schemeClr val="bg1"/>
+                </a:solidFill>
+                <a:latin typeface="Avenir Next LT Pro Light" panose="020B0304020202020204" pitchFamily="34" charset="0"/>
+              </a:rPr>
+              <a:t> </a:t>
+            </a:r>
+            <a:r>
+              <a:rPr lang="de-DE" dirty="0" err="1">
+                <a:solidFill>
+                  <a:schemeClr val="bg1"/>
+                </a:solidFill>
+                <a:latin typeface="Avenir Next LT Pro Light" panose="020B0304020202020204" pitchFamily="34" charset="0"/>
+              </a:rPr>
+              <a:t>or</a:t>
+            </a:r>
+            <a:r>
+              <a:rPr lang="de-DE" dirty="0">
+                <a:solidFill>
+                  <a:schemeClr val="bg1"/>
+                </a:solidFill>
+                <a:latin typeface="Avenir Next LT Pro Light" panose="020B0304020202020204" pitchFamily="34" charset="0"/>
+              </a:rPr>
+              <a:t> </a:t>
+            </a:r>
+            <a:r>
+              <a:rPr lang="de-DE" dirty="0" err="1">
+                <a:solidFill>
+                  <a:schemeClr val="bg1"/>
+                </a:solidFill>
+                <a:latin typeface="Avenir Next LT Pro Light" panose="020B0304020202020204" pitchFamily="34" charset="0"/>
+              </a:rPr>
+              <a:t>two</a:t>
+            </a:r>
+            <a:r>
+              <a:rPr lang="de-DE" dirty="0">
+                <a:solidFill>
+                  <a:schemeClr val="bg1"/>
+                </a:solidFill>
+                <a:latin typeface="Avenir Next LT Pro Light" panose="020B0304020202020204" pitchFamily="34" charset="0"/>
+              </a:rPr>
+              <a:t> </a:t>
+            </a:r>
+            <a:r>
+              <a:rPr lang="en-US" b="0" i="0" dirty="0">
+                <a:solidFill>
+                  <a:srgbClr val="333333"/>
+                </a:solidFill>
+                <a:effectLst/>
+                <a:latin typeface="Segoe UI Emoji" panose="020B0502040204020203" pitchFamily="34" charset="0"/>
+              </a:rPr>
+              <a:t>😋</a:t>
+            </a:r>
+            <a:endParaRPr lang="en-US" dirty="0">
+              <a:solidFill>
+                <a:schemeClr val="bg1"/>
+              </a:solidFill>
+              <a:latin typeface="Avenir Next LT Pro Light" panose="020B0304020202020204" pitchFamily="34" charset="0"/>
+            </a:endParaRPr>
+          </a:p>
+        </p:txBody>
+      </p:sp>
+    </p:spTree>
+    <p:extLst>
+      <p:ext uri="{BB962C8B-B14F-4D97-AF65-F5344CB8AC3E}">
+        <p14:creationId xmlns:p14="http://schemas.microsoft.com/office/powerpoint/2010/main" val="891544380"/>
       </p:ext>
     </p:extLst>
   </p:cSld>
@@ -19588,13 +20266,13 @@
           <p:nvPr>
             <p:extLst>
               <p:ext uri="{D42A27DB-BD31-4B8C-83A1-F6EECF244321}">
-                <p14:modId xmlns:p14="http://schemas.microsoft.com/office/powerpoint/2010/main" val="3667025719"/>
+                <p14:modId xmlns:p14="http://schemas.microsoft.com/office/powerpoint/2010/main" val="4207091441"/>
               </p:ext>
             </p:extLst>
           </p:nvPr>
         </p:nvGraphicFramePr>
         <p:xfrm>
-          <a:off x="838200" y="1898861"/>
+          <a:off x="838200" y="1690688"/>
           <a:ext cx="10515600" cy="4307840"/>
         </p:xfrm>
         <a:graphic>
@@ -20649,7 +21327,7 @@
                           <a:ea typeface="+mn-ea"/>
                           <a:cs typeface="+mn-cs"/>
                         </a:rPr>
-                        <a:t>achhaltig</a:t>
+                        <a:t>nachhaltig</a:t>
                       </a:r>
                       <a:endParaRPr lang="en-US" sz="1400" dirty="0">
                         <a:latin typeface="Avenir Next LT Pro Light" panose="020B0304020202020204" pitchFamily="34" charset="0"/>

--- a/wordpress-portfolio-website-presentation.pptx
+++ b/wordpress-portfolio-website-presentation.pptx
@@ -12821,7 +12821,7 @@
           <a:p>
             <a:fld id="{6FE1CEF1-211A-4667-8CEB-3F98090BFB89}" type="datetimeFigureOut">
               <a:rPr lang="en-US" smtClean="0"/>
-              <a:t>10/8/2021</a:t>
+              <a:t>10/9/2021</a:t>
             </a:fld>
             <a:endParaRPr lang="en-US"/>
           </a:p>
@@ -13238,7 +13238,7 @@
           <a:p>
             <a:fld id="{6843026C-6EB5-47EC-8B51-A60EA406D1EB}" type="datetimeFigureOut">
               <a:rPr lang="en-US" smtClean="0"/>
-              <a:t>10/8/2021</a:t>
+              <a:t>10/9/2021</a:t>
             </a:fld>
             <a:endParaRPr lang="en-US"/>
           </a:p>
@@ -13438,7 +13438,7 @@
           <a:p>
             <a:fld id="{6843026C-6EB5-47EC-8B51-A60EA406D1EB}" type="datetimeFigureOut">
               <a:rPr lang="en-US" smtClean="0"/>
-              <a:t>10/8/2021</a:t>
+              <a:t>10/9/2021</a:t>
             </a:fld>
             <a:endParaRPr lang="en-US"/>
           </a:p>
@@ -13648,7 +13648,7 @@
           <a:p>
             <a:fld id="{6843026C-6EB5-47EC-8B51-A60EA406D1EB}" type="datetimeFigureOut">
               <a:rPr lang="en-US" smtClean="0"/>
-              <a:t>10/8/2021</a:t>
+              <a:t>10/9/2021</a:t>
             </a:fld>
             <a:endParaRPr lang="en-US"/>
           </a:p>
@@ -13848,7 +13848,7 @@
           <a:p>
             <a:fld id="{6843026C-6EB5-47EC-8B51-A60EA406D1EB}" type="datetimeFigureOut">
               <a:rPr lang="en-US" smtClean="0"/>
-              <a:t>10/8/2021</a:t>
+              <a:t>10/9/2021</a:t>
             </a:fld>
             <a:endParaRPr lang="en-US"/>
           </a:p>
@@ -14124,7 +14124,7 @@
           <a:p>
             <a:fld id="{6843026C-6EB5-47EC-8B51-A60EA406D1EB}" type="datetimeFigureOut">
               <a:rPr lang="en-US" smtClean="0"/>
-              <a:t>10/8/2021</a:t>
+              <a:t>10/9/2021</a:t>
             </a:fld>
             <a:endParaRPr lang="en-US"/>
           </a:p>
@@ -14392,7 +14392,7 @@
           <a:p>
             <a:fld id="{6843026C-6EB5-47EC-8B51-A60EA406D1EB}" type="datetimeFigureOut">
               <a:rPr lang="en-US" smtClean="0"/>
-              <a:t>10/8/2021</a:t>
+              <a:t>10/9/2021</a:t>
             </a:fld>
             <a:endParaRPr lang="en-US"/>
           </a:p>
@@ -14807,7 +14807,7 @@
           <a:p>
             <a:fld id="{6843026C-6EB5-47EC-8B51-A60EA406D1EB}" type="datetimeFigureOut">
               <a:rPr lang="en-US" smtClean="0"/>
-              <a:t>10/8/2021</a:t>
+              <a:t>10/9/2021</a:t>
             </a:fld>
             <a:endParaRPr lang="en-US"/>
           </a:p>
@@ -14949,7 +14949,7 @@
           <a:p>
             <a:fld id="{6843026C-6EB5-47EC-8B51-A60EA406D1EB}" type="datetimeFigureOut">
               <a:rPr lang="en-US" smtClean="0"/>
-              <a:t>10/8/2021</a:t>
+              <a:t>10/9/2021</a:t>
             </a:fld>
             <a:endParaRPr lang="en-US"/>
           </a:p>
@@ -15062,7 +15062,7 @@
           <a:p>
             <a:fld id="{6843026C-6EB5-47EC-8B51-A60EA406D1EB}" type="datetimeFigureOut">
               <a:rPr lang="en-US" smtClean="0"/>
-              <a:t>10/8/2021</a:t>
+              <a:t>10/9/2021</a:t>
             </a:fld>
             <a:endParaRPr lang="en-US"/>
           </a:p>
@@ -15375,7 +15375,7 @@
           <a:p>
             <a:fld id="{6843026C-6EB5-47EC-8B51-A60EA406D1EB}" type="datetimeFigureOut">
               <a:rPr lang="en-US" smtClean="0"/>
-              <a:t>10/8/2021</a:t>
+              <a:t>10/9/2021</a:t>
             </a:fld>
             <a:endParaRPr lang="en-US"/>
           </a:p>
@@ -15664,7 +15664,7 @@
           <a:p>
             <a:fld id="{6843026C-6EB5-47EC-8B51-A60EA406D1EB}" type="datetimeFigureOut">
               <a:rPr lang="en-US" smtClean="0"/>
-              <a:t>10/8/2021</a:t>
+              <a:t>10/9/2021</a:t>
             </a:fld>
             <a:endParaRPr lang="en-US"/>
           </a:p>
@@ -15907,7 +15907,7 @@
           <a:p>
             <a:fld id="{6843026C-6EB5-47EC-8B51-A60EA406D1EB}" type="datetimeFigureOut">
               <a:rPr lang="en-US" smtClean="0"/>
-              <a:t>10/8/2021</a:t>
+              <a:t>10/9/2021</a:t>
             </a:fld>
             <a:endParaRPr lang="en-US"/>
           </a:p>
